--- a/e61 Projects/Fiscal sustainability/OECD comparison/Initial external plans.pptx
+++ b/e61 Projects/Fiscal sustainability/OECD comparison/Initial external plans.pptx
@@ -17,9 +17,11 @@
     <p:sldId id="270" r:id="rId11"/>
     <p:sldId id="259" r:id="rId12"/>
     <p:sldId id="265" r:id="rId13"/>
-    <p:sldId id="266" r:id="rId14"/>
-    <p:sldId id="267" r:id="rId15"/>
-    <p:sldId id="260" r:id="rId16"/>
+    <p:sldId id="272" r:id="rId14"/>
+    <p:sldId id="266" r:id="rId15"/>
+    <p:sldId id="271" r:id="rId16"/>
+    <p:sldId id="267" r:id="rId17"/>
+    <p:sldId id="260" r:id="rId18"/>
   </p:sldIdLst>
   <p:sldSz cx="12192000" cy="6858000"/>
   <p:notesSz cx="6858000" cy="9144000"/>
@@ -118,6 +120,11 @@
       </a:defRPr>
     </a:lvl9pPr>
   </p:defaultTextStyle>
+  <p:extLst>
+    <p:ext uri="{EFAFB233-063F-42B5-8137-9DF3F51BA10A}">
+      <p15:sldGuideLst xmlns:p15="http://schemas.microsoft.com/office/powerpoint/2012/main"/>
+    </p:ext>
+  </p:extLst>
 </p:presentation>
 </file>
 
@@ -270,7 +277,7 @@
           <a:p>
             <a:fld id="{B6E4B8DC-425F-4ABA-B54D-89B5694D594A}" type="datetimeFigureOut">
               <a:rPr lang="en-NZ" smtClean="0"/>
-              <a:t>2/07/2025</a:t>
+              <a:t>4/07/2025</a:t>
             </a:fld>
             <a:endParaRPr lang="en-NZ"/>
           </a:p>
@@ -470,7 +477,7 @@
           <a:p>
             <a:fld id="{B6E4B8DC-425F-4ABA-B54D-89B5694D594A}" type="datetimeFigureOut">
               <a:rPr lang="en-NZ" smtClean="0"/>
-              <a:t>2/07/2025</a:t>
+              <a:t>4/07/2025</a:t>
             </a:fld>
             <a:endParaRPr lang="en-NZ"/>
           </a:p>
@@ -680,7 +687,7 @@
           <a:p>
             <a:fld id="{B6E4B8DC-425F-4ABA-B54D-89B5694D594A}" type="datetimeFigureOut">
               <a:rPr lang="en-NZ" smtClean="0"/>
-              <a:t>2/07/2025</a:t>
+              <a:t>4/07/2025</a:t>
             </a:fld>
             <a:endParaRPr lang="en-NZ"/>
           </a:p>
@@ -880,7 +887,7 @@
           <a:p>
             <a:fld id="{B6E4B8DC-425F-4ABA-B54D-89B5694D594A}" type="datetimeFigureOut">
               <a:rPr lang="en-NZ" smtClean="0"/>
-              <a:t>2/07/2025</a:t>
+              <a:t>4/07/2025</a:t>
             </a:fld>
             <a:endParaRPr lang="en-NZ"/>
           </a:p>
@@ -1156,7 +1163,7 @@
           <a:p>
             <a:fld id="{B6E4B8DC-425F-4ABA-B54D-89B5694D594A}" type="datetimeFigureOut">
               <a:rPr lang="en-NZ" smtClean="0"/>
-              <a:t>2/07/2025</a:t>
+              <a:t>4/07/2025</a:t>
             </a:fld>
             <a:endParaRPr lang="en-NZ"/>
           </a:p>
@@ -1424,7 +1431,7 @@
           <a:p>
             <a:fld id="{B6E4B8DC-425F-4ABA-B54D-89B5694D594A}" type="datetimeFigureOut">
               <a:rPr lang="en-NZ" smtClean="0"/>
-              <a:t>2/07/2025</a:t>
+              <a:t>4/07/2025</a:t>
             </a:fld>
             <a:endParaRPr lang="en-NZ"/>
           </a:p>
@@ -1839,7 +1846,7 @@
           <a:p>
             <a:fld id="{B6E4B8DC-425F-4ABA-B54D-89B5694D594A}" type="datetimeFigureOut">
               <a:rPr lang="en-NZ" smtClean="0"/>
-              <a:t>2/07/2025</a:t>
+              <a:t>4/07/2025</a:t>
             </a:fld>
             <a:endParaRPr lang="en-NZ"/>
           </a:p>
@@ -1981,7 +1988,7 @@
           <a:p>
             <a:fld id="{B6E4B8DC-425F-4ABA-B54D-89B5694D594A}" type="datetimeFigureOut">
               <a:rPr lang="en-NZ" smtClean="0"/>
-              <a:t>2/07/2025</a:t>
+              <a:t>4/07/2025</a:t>
             </a:fld>
             <a:endParaRPr lang="en-NZ"/>
           </a:p>
@@ -2094,7 +2101,7 @@
           <a:p>
             <a:fld id="{B6E4B8DC-425F-4ABA-B54D-89B5694D594A}" type="datetimeFigureOut">
               <a:rPr lang="en-NZ" smtClean="0"/>
-              <a:t>2/07/2025</a:t>
+              <a:t>4/07/2025</a:t>
             </a:fld>
             <a:endParaRPr lang="en-NZ"/>
           </a:p>
@@ -2407,7 +2414,7 @@
           <a:p>
             <a:fld id="{B6E4B8DC-425F-4ABA-B54D-89B5694D594A}" type="datetimeFigureOut">
               <a:rPr lang="en-NZ" smtClean="0"/>
-              <a:t>2/07/2025</a:t>
+              <a:t>4/07/2025</a:t>
             </a:fld>
             <a:endParaRPr lang="en-NZ"/>
           </a:p>
@@ -2696,7 +2703,7 @@
           <a:p>
             <a:fld id="{B6E4B8DC-425F-4ABA-B54D-89B5694D594A}" type="datetimeFigureOut">
               <a:rPr lang="en-NZ" smtClean="0"/>
-              <a:t>2/07/2025</a:t>
+              <a:t>4/07/2025</a:t>
             </a:fld>
             <a:endParaRPr lang="en-NZ"/>
           </a:p>
@@ -2939,7 +2946,7 @@
           <a:p>
             <a:fld id="{B6E4B8DC-425F-4ABA-B54D-89B5694D594A}" type="datetimeFigureOut">
               <a:rPr lang="en-NZ" smtClean="0"/>
-              <a:t>2/07/2025</a:t>
+              <a:t>4/07/2025</a:t>
             </a:fld>
             <a:endParaRPr lang="en-NZ"/>
           </a:p>
@@ -4094,6 +4101,210 @@
         <p:cNvPr id="1" name="">
           <a:extLst>
             <a:ext uri="{FF2B5EF4-FFF2-40B4-BE49-F238E27FC236}">
+              <a16:creationId xmlns:a16="http://schemas.microsoft.com/office/drawing/2014/main" id="{4FFC74A1-675A-3EDC-BD4F-DEDCA9C03220}"/>
+            </a:ext>
+          </a:extLst>
+        </p:cNvPr>
+        <p:cNvGrpSpPr/>
+        <p:nvPr/>
+      </p:nvGrpSpPr>
+      <p:grpSpPr>
+        <a:xfrm>
+          <a:off x="0" y="0"/>
+          <a:ext cx="0" cy="0"/>
+          <a:chOff x="0" y="0"/>
+          <a:chExt cx="0" cy="0"/>
+        </a:xfrm>
+      </p:grpSpPr>
+      <p:sp>
+        <p:nvSpPr>
+          <p:cNvPr id="2" name="Title 1">
+            <a:extLst>
+              <a:ext uri="{FF2B5EF4-FFF2-40B4-BE49-F238E27FC236}">
+                <a16:creationId xmlns:a16="http://schemas.microsoft.com/office/drawing/2014/main" id="{0BD8D4B0-18C8-E1D8-BC13-6C42B9B268AD}"/>
+              </a:ext>
+            </a:extLst>
+          </p:cNvPr>
+          <p:cNvSpPr>
+            <a:spLocks noGrp="1"/>
+          </p:cNvSpPr>
+          <p:nvPr>
+            <p:ph type="title"/>
+          </p:nvPr>
+        </p:nvSpPr>
+        <p:spPr/>
+        <p:txBody>
+          <a:bodyPr/>
+          <a:lstStyle/>
+          <a:p>
+            <a:r>
+              <a:rPr lang="en-US" dirty="0"/>
+              <a:t>International Function Benchmarking</a:t>
+            </a:r>
+            <a:endParaRPr lang="en-NZ" dirty="0"/>
+          </a:p>
+        </p:txBody>
+      </p:sp>
+      <p:sp>
+        <p:nvSpPr>
+          <p:cNvPr id="14" name="TextBox 13">
+            <a:extLst>
+              <a:ext uri="{FF2B5EF4-FFF2-40B4-BE49-F238E27FC236}">
+                <a16:creationId xmlns:a16="http://schemas.microsoft.com/office/drawing/2014/main" id="{AF3D3E2E-2D78-3D3C-06B5-EA9CA524DEA3}"/>
+              </a:ext>
+            </a:extLst>
+          </p:cNvPr>
+          <p:cNvSpPr txBox="1"/>
+          <p:nvPr/>
+        </p:nvSpPr>
+        <p:spPr>
+          <a:xfrm>
+            <a:off x="6400800" y="1862051"/>
+            <a:ext cx="4714560" cy="369332"/>
+          </a:xfrm>
+          <a:prstGeom prst="rect">
+            <a:avLst/>
+          </a:prstGeom>
+          <a:noFill/>
+        </p:spPr>
+        <p:txBody>
+          <a:bodyPr wrap="none" rtlCol="0">
+            <a:spAutoFit/>
+          </a:bodyPr>
+          <a:lstStyle/>
+          <a:p>
+            <a:r>
+              <a:rPr lang="en-US"/>
+              <a:t>Synthetic control exercise on overall spending</a:t>
+            </a:r>
+            <a:endParaRPr lang="en-NZ"/>
+          </a:p>
+        </p:txBody>
+      </p:sp>
+      <p:sp>
+        <p:nvSpPr>
+          <p:cNvPr id="15" name="TextBox 14">
+            <a:extLst>
+              <a:ext uri="{FF2B5EF4-FFF2-40B4-BE49-F238E27FC236}">
+                <a16:creationId xmlns:a16="http://schemas.microsoft.com/office/drawing/2014/main" id="{62E51107-CEC2-3BBB-DDEE-5DE2E59CF67B}"/>
+              </a:ext>
+            </a:extLst>
+          </p:cNvPr>
+          <p:cNvSpPr txBox="1"/>
+          <p:nvPr/>
+        </p:nvSpPr>
+        <p:spPr>
+          <a:xfrm>
+            <a:off x="6400800" y="2402746"/>
+            <a:ext cx="5270545" cy="1477328"/>
+          </a:xfrm>
+          <a:prstGeom prst="rect">
+            <a:avLst/>
+          </a:prstGeom>
+          <a:noFill/>
+        </p:spPr>
+        <p:txBody>
+          <a:bodyPr wrap="none" rtlCol="0">
+            <a:spAutoFit/>
+          </a:bodyPr>
+          <a:lstStyle/>
+          <a:p>
+            <a:pPr marL="285750" indent="-285750">
+              <a:buFont typeface="Arial" panose="020B0604020202020204" pitchFamily="34" charset="0"/>
+              <a:buChar char="•"/>
+            </a:pPr>
+            <a:r>
+              <a:rPr lang="en-US" dirty="0"/>
+              <a:t>Relative to countries with similar E/GDP ratio </a:t>
+            </a:r>
+            <a:br>
+              <a:rPr lang="en-US" dirty="0"/>
+            </a:br>
+            <a:r>
+              <a:rPr lang="en-US" dirty="0"/>
+              <a:t>movements prior to the GFC, Australia has risen.</a:t>
+            </a:r>
+          </a:p>
+          <a:p>
+            <a:pPr marL="285750" indent="-285750">
+              <a:buFont typeface="Arial" panose="020B0604020202020204" pitchFamily="34" charset="0"/>
+              <a:buChar char="•"/>
+            </a:pPr>
+            <a:r>
+              <a:rPr lang="en-US" dirty="0"/>
+              <a:t>Something (after adjustments)</a:t>
+            </a:r>
+          </a:p>
+          <a:p>
+            <a:pPr marL="285750" indent="-285750">
+              <a:buFont typeface="Arial" panose="020B0604020202020204" pitchFamily="34" charset="0"/>
+              <a:buChar char="•"/>
+            </a:pPr>
+            <a:endParaRPr lang="en-US" dirty="0"/>
+          </a:p>
+          <a:p>
+            <a:pPr marL="285750" indent="-285750">
+              <a:buFont typeface="Arial" panose="020B0604020202020204" pitchFamily="34" charset="0"/>
+              <a:buChar char="•"/>
+            </a:pPr>
+            <a:r>
+              <a:rPr lang="en-US"/>
+              <a:t>Key </a:t>
+            </a:r>
+            <a:r>
+              <a:rPr lang="en-US" dirty="0"/>
+              <a:t>question is what has driven this.</a:t>
+            </a:r>
+            <a:endParaRPr lang="en-NZ"/>
+          </a:p>
+        </p:txBody>
+      </p:sp>
+      <p:sp>
+        <p:nvSpPr>
+          <p:cNvPr id="3" name="Content Placeholder 2">
+            <a:extLst>
+              <a:ext uri="{FF2B5EF4-FFF2-40B4-BE49-F238E27FC236}">
+                <a16:creationId xmlns:a16="http://schemas.microsoft.com/office/drawing/2014/main" id="{BBC0006C-9492-6A7B-A4D4-E516B5F28929}"/>
+              </a:ext>
+            </a:extLst>
+          </p:cNvPr>
+          <p:cNvSpPr>
+            <a:spLocks noGrp="1"/>
+          </p:cNvSpPr>
+          <p:nvPr>
+            <p:ph idx="1"/>
+          </p:nvPr>
+        </p:nvSpPr>
+        <p:spPr/>
+        <p:txBody>
+          <a:bodyPr/>
+          <a:lstStyle/>
+          <a:p>
+            <a:endParaRPr lang="en-AU"/>
+          </a:p>
+        </p:txBody>
+      </p:sp>
+    </p:spTree>
+    <p:extLst>
+      <p:ext uri="{BB962C8B-B14F-4D97-AF65-F5344CB8AC3E}">
+        <p14:creationId xmlns:p14="http://schemas.microsoft.com/office/powerpoint/2010/main" val="3724087036"/>
+      </p:ext>
+    </p:extLst>
+  </p:cSld>
+  <p:clrMapOvr>
+    <a:masterClrMapping/>
+  </p:clrMapOvr>
+</p:sld>
+</file>
+
+<file path=ppt/slides/slide14.xml><?xml version="1.0" encoding="utf-8"?>
+<p:sld xmlns:a="http://schemas.openxmlformats.org/drawingml/2006/main" xmlns:r="http://schemas.openxmlformats.org/officeDocument/2006/relationships" xmlns:p="http://schemas.openxmlformats.org/presentationml/2006/main">
+  <p:cSld>
+    <p:spTree>
+      <p:nvGrpSpPr>
+        <p:cNvPr id="1" name="">
+          <a:extLst>
+            <a:ext uri="{FF2B5EF4-FFF2-40B4-BE49-F238E27FC236}">
               <a16:creationId xmlns:a16="http://schemas.microsoft.com/office/drawing/2014/main" id="{B094C757-C90A-ED3E-AFDB-27EF7066ADA3}"/>
             </a:ext>
           </a:extLst>
@@ -4132,7 +4343,7 @@
           <a:p>
             <a:r>
               <a:rPr lang="en-US" dirty="0"/>
-              <a:t>Functional Benchmarking</a:t>
+              <a:t>Forecast Function benchmarking</a:t>
             </a:r>
             <a:endParaRPr lang="en-NZ" dirty="0"/>
           </a:p>
@@ -4153,7 +4364,7 @@
         <p:spPr>
           <a:xfrm>
             <a:off x="6400800" y="1862051"/>
-            <a:ext cx="4714560" cy="369332"/>
+            <a:ext cx="5681620" cy="923330"/>
           </a:xfrm>
           <a:prstGeom prst="rect">
             <a:avLst/>
@@ -4167,10 +4378,24 @@
           <a:lstStyle/>
           <a:p>
             <a:r>
-              <a:rPr lang="en-US"/>
-              <a:t>Synthetic control exercise on overall spending</a:t>
-            </a:r>
-            <a:endParaRPr lang="en-NZ"/>
+              <a:rPr lang="en-US" dirty="0"/>
+              <a:t>Decisions made will typically ensure that spending </a:t>
+            </a:r>
+            <a:br>
+              <a:rPr lang="en-US" dirty="0"/>
+            </a:br>
+            <a:r>
+              <a:rPr lang="en-US" dirty="0"/>
+              <a:t>exceeds projections – especially given the conservative </a:t>
+            </a:r>
+            <a:br>
+              <a:rPr lang="en-US" dirty="0"/>
+            </a:br>
+            <a:r>
+              <a:rPr lang="en-US" dirty="0"/>
+              <a:t>spending allowance.</a:t>
+            </a:r>
+            <a:endParaRPr lang="en-NZ" dirty="0"/>
           </a:p>
         </p:txBody>
       </p:sp>
@@ -4188,8 +4413,8 @@
         </p:nvSpPr>
         <p:spPr>
           <a:xfrm>
-            <a:off x="6400800" y="2402746"/>
-            <a:ext cx="5270545" cy="1477328"/>
+            <a:off x="6400800" y="3262630"/>
+            <a:ext cx="5173019" cy="1754326"/>
           </a:xfrm>
           <a:prstGeom prst="rect">
             <a:avLst/>
@@ -4208,14 +4433,7 @@
             </a:pPr>
             <a:r>
               <a:rPr lang="en-US" dirty="0"/>
-              <a:t>Relative to countries with similar E/GDP ratio </a:t>
-            </a:r>
-            <a:br>
-              <a:rPr lang="en-US" dirty="0"/>
-            </a:br>
-            <a:r>
-              <a:rPr lang="en-US" dirty="0"/>
-              <a:t>movements prior to the GFC, Australia has risen.</a:t>
+              <a:t>Take projections.</a:t>
             </a:r>
           </a:p>
           <a:p>
@@ -4225,30 +4443,38 @@
             </a:pPr>
             <a:r>
               <a:rPr lang="en-US" dirty="0"/>
-              <a:t>Something (after adjustments)</a:t>
-            </a:r>
-          </a:p>
-          <a:p>
-            <a:pPr marL="285750" indent="-285750">
+              <a:t>Add:</a:t>
+            </a:r>
+          </a:p>
+          <a:p>
+            <a:pPr marL="742950" lvl="1" indent="-285750">
               <a:buFont typeface="Arial" panose="020B0604020202020204" pitchFamily="34" charset="0"/>
               <a:buChar char="•"/>
             </a:pPr>
-            <a:endParaRPr lang="en-US" dirty="0"/>
-          </a:p>
-          <a:p>
-            <a:pPr marL="285750" indent="-285750">
+            <a:r>
+              <a:rPr lang="en-US" dirty="0"/>
+              <a:t>Share of CSA</a:t>
+            </a:r>
+          </a:p>
+          <a:p>
+            <a:pPr marL="742950" lvl="1" indent="-285750">
               <a:buFont typeface="Arial" panose="020B0604020202020204" pitchFamily="34" charset="0"/>
               <a:buChar char="•"/>
             </a:pPr>
             <a:r>
-              <a:rPr lang="en-US"/>
-              <a:t>Key </a:t>
-            </a:r>
-            <a:r>
               <a:rPr lang="en-US" dirty="0"/>
-              <a:t>question is what has driven this.</a:t>
-            </a:r>
-            <a:endParaRPr lang="en-NZ"/>
+              <a:t>[any other amount to add]</a:t>
+            </a:r>
+          </a:p>
+          <a:p>
+            <a:endParaRPr lang="en-US" dirty="0"/>
+          </a:p>
+          <a:p>
+            <a:r>
+              <a:rPr lang="en-US" dirty="0"/>
+              <a:t>This provides the benchmark by function provided.</a:t>
+            </a:r>
+            <a:endParaRPr lang="en-NZ" dirty="0"/>
           </a:p>
         </p:txBody>
       </p:sp>
@@ -4268,16 +4494,21 @@
             <p:ph idx="1"/>
           </p:nvPr>
         </p:nvSpPr>
-        <p:spPr/>
-        <p:txBody>
-          <a:bodyPr/>
-          <a:lstStyle/>
-          <a:p>
-            <a:r>
-              <a:rPr lang="en-US"/>
-              <a:t>Sector stuff</a:t>
-            </a:r>
-            <a:endParaRPr lang="en-NZ"/>
+        <p:spPr>
+          <a:xfrm>
+            <a:off x="838200" y="1825625"/>
+            <a:ext cx="4343400" cy="4351338"/>
+          </a:xfrm>
+        </p:spPr>
+        <p:txBody>
+          <a:bodyPr/>
+          <a:lstStyle/>
+          <a:p>
+            <a:r>
+              <a:rPr lang="en-US" dirty="0"/>
+              <a:t>Relative to forecasts</a:t>
+            </a:r>
+            <a:endParaRPr lang="en-NZ" dirty="0"/>
           </a:p>
         </p:txBody>
       </p:sp>
@@ -4294,7 +4525,215 @@
 </p:sld>
 </file>
 
-<file path=ppt/slides/slide14.xml><?xml version="1.0" encoding="utf-8"?>
+<file path=ppt/slides/slide15.xml><?xml version="1.0" encoding="utf-8"?>
+<p:sld xmlns:a="http://schemas.openxmlformats.org/drawingml/2006/main" xmlns:r="http://schemas.openxmlformats.org/officeDocument/2006/relationships" xmlns:p="http://schemas.openxmlformats.org/presentationml/2006/main">
+  <p:cSld>
+    <p:spTree>
+      <p:nvGrpSpPr>
+        <p:cNvPr id="1" name="">
+          <a:extLst>
+            <a:ext uri="{FF2B5EF4-FFF2-40B4-BE49-F238E27FC236}">
+              <a16:creationId xmlns:a16="http://schemas.microsoft.com/office/drawing/2014/main" id="{D9E42836-6B41-A4BD-31ED-B43725AEAC06}"/>
+            </a:ext>
+          </a:extLst>
+        </p:cNvPr>
+        <p:cNvGrpSpPr/>
+        <p:nvPr/>
+      </p:nvGrpSpPr>
+      <p:grpSpPr>
+        <a:xfrm>
+          <a:off x="0" y="0"/>
+          <a:ext cx="0" cy="0"/>
+          <a:chOff x="0" y="0"/>
+          <a:chExt cx="0" cy="0"/>
+        </a:xfrm>
+      </p:grpSpPr>
+      <p:sp>
+        <p:nvSpPr>
+          <p:cNvPr id="2" name="Title 1">
+            <a:extLst>
+              <a:ext uri="{FF2B5EF4-FFF2-40B4-BE49-F238E27FC236}">
+                <a16:creationId xmlns:a16="http://schemas.microsoft.com/office/drawing/2014/main" id="{F00C45C8-A9A7-455E-8283-21572CF7C126}"/>
+              </a:ext>
+            </a:extLst>
+          </p:cNvPr>
+          <p:cNvSpPr>
+            <a:spLocks noGrp="1"/>
+          </p:cNvSpPr>
+          <p:nvPr>
+            <p:ph type="title"/>
+          </p:nvPr>
+        </p:nvSpPr>
+        <p:spPr/>
+        <p:txBody>
+          <a:bodyPr/>
+          <a:lstStyle/>
+          <a:p>
+            <a:r>
+              <a:rPr lang="en-US" dirty="0"/>
+              <a:t>Demographic Functional Benchmarking</a:t>
+            </a:r>
+            <a:endParaRPr lang="en-NZ" dirty="0"/>
+          </a:p>
+        </p:txBody>
+      </p:sp>
+      <p:sp>
+        <p:nvSpPr>
+          <p:cNvPr id="14" name="TextBox 13">
+            <a:extLst>
+              <a:ext uri="{FF2B5EF4-FFF2-40B4-BE49-F238E27FC236}">
+                <a16:creationId xmlns:a16="http://schemas.microsoft.com/office/drawing/2014/main" id="{97DC0377-F9D2-A2D1-0F5C-6571033B7AEE}"/>
+              </a:ext>
+            </a:extLst>
+          </p:cNvPr>
+          <p:cNvSpPr txBox="1"/>
+          <p:nvPr/>
+        </p:nvSpPr>
+        <p:spPr>
+          <a:xfrm>
+            <a:off x="6400800" y="1862051"/>
+            <a:ext cx="4714560" cy="369332"/>
+          </a:xfrm>
+          <a:prstGeom prst="rect">
+            <a:avLst/>
+          </a:prstGeom>
+          <a:noFill/>
+        </p:spPr>
+        <p:txBody>
+          <a:bodyPr wrap="none" rtlCol="0">
+            <a:spAutoFit/>
+          </a:bodyPr>
+          <a:lstStyle/>
+          <a:p>
+            <a:r>
+              <a:rPr lang="en-US"/>
+              <a:t>Synthetic control exercise on overall spending</a:t>
+            </a:r>
+            <a:endParaRPr lang="en-NZ"/>
+          </a:p>
+        </p:txBody>
+      </p:sp>
+      <p:sp>
+        <p:nvSpPr>
+          <p:cNvPr id="15" name="TextBox 14">
+            <a:extLst>
+              <a:ext uri="{FF2B5EF4-FFF2-40B4-BE49-F238E27FC236}">
+                <a16:creationId xmlns:a16="http://schemas.microsoft.com/office/drawing/2014/main" id="{A37836C5-EC35-9CCA-FB27-EB116ED660C9}"/>
+              </a:ext>
+            </a:extLst>
+          </p:cNvPr>
+          <p:cNvSpPr txBox="1"/>
+          <p:nvPr/>
+        </p:nvSpPr>
+        <p:spPr>
+          <a:xfrm>
+            <a:off x="6400800" y="2402746"/>
+            <a:ext cx="5270545" cy="1477328"/>
+          </a:xfrm>
+          <a:prstGeom prst="rect">
+            <a:avLst/>
+          </a:prstGeom>
+          <a:noFill/>
+        </p:spPr>
+        <p:txBody>
+          <a:bodyPr wrap="none" rtlCol="0">
+            <a:spAutoFit/>
+          </a:bodyPr>
+          <a:lstStyle/>
+          <a:p>
+            <a:pPr marL="285750" indent="-285750">
+              <a:buFont typeface="Arial" panose="020B0604020202020204" pitchFamily="34" charset="0"/>
+              <a:buChar char="•"/>
+            </a:pPr>
+            <a:r>
+              <a:rPr lang="en-US" dirty="0"/>
+              <a:t>Relative to countries with similar E/GDP ratio </a:t>
+            </a:r>
+            <a:br>
+              <a:rPr lang="en-US" dirty="0"/>
+            </a:br>
+            <a:r>
+              <a:rPr lang="en-US" dirty="0"/>
+              <a:t>movements prior to the GFC, Australia has risen.</a:t>
+            </a:r>
+          </a:p>
+          <a:p>
+            <a:pPr marL="285750" indent="-285750">
+              <a:buFont typeface="Arial" panose="020B0604020202020204" pitchFamily="34" charset="0"/>
+              <a:buChar char="•"/>
+            </a:pPr>
+            <a:r>
+              <a:rPr lang="en-US" dirty="0"/>
+              <a:t>Something (after adjustments)</a:t>
+            </a:r>
+          </a:p>
+          <a:p>
+            <a:pPr marL="285750" indent="-285750">
+              <a:buFont typeface="Arial" panose="020B0604020202020204" pitchFamily="34" charset="0"/>
+              <a:buChar char="•"/>
+            </a:pPr>
+            <a:endParaRPr lang="en-US" dirty="0"/>
+          </a:p>
+          <a:p>
+            <a:pPr marL="285750" indent="-285750">
+              <a:buFont typeface="Arial" panose="020B0604020202020204" pitchFamily="34" charset="0"/>
+              <a:buChar char="•"/>
+            </a:pPr>
+            <a:r>
+              <a:rPr lang="en-US"/>
+              <a:t>Key </a:t>
+            </a:r>
+            <a:r>
+              <a:rPr lang="en-US" dirty="0"/>
+              <a:t>question is what has driven this.</a:t>
+            </a:r>
+            <a:endParaRPr lang="en-NZ"/>
+          </a:p>
+        </p:txBody>
+      </p:sp>
+      <p:sp>
+        <p:nvSpPr>
+          <p:cNvPr id="3" name="Content Placeholder 2">
+            <a:extLst>
+              <a:ext uri="{FF2B5EF4-FFF2-40B4-BE49-F238E27FC236}">
+                <a16:creationId xmlns:a16="http://schemas.microsoft.com/office/drawing/2014/main" id="{FC49CCF8-5990-71E3-C8BE-6D87008DD8D4}"/>
+              </a:ext>
+            </a:extLst>
+          </p:cNvPr>
+          <p:cNvSpPr>
+            <a:spLocks noGrp="1"/>
+          </p:cNvSpPr>
+          <p:nvPr>
+            <p:ph idx="1"/>
+          </p:nvPr>
+        </p:nvSpPr>
+        <p:spPr/>
+        <p:txBody>
+          <a:bodyPr/>
+          <a:lstStyle/>
+          <a:p>
+            <a:r>
+              <a:rPr lang="en-US"/>
+              <a:t>Sector stuff</a:t>
+            </a:r>
+            <a:endParaRPr lang="en-NZ"/>
+          </a:p>
+        </p:txBody>
+      </p:sp>
+    </p:spTree>
+    <p:extLst>
+      <p:ext uri="{BB962C8B-B14F-4D97-AF65-F5344CB8AC3E}">
+        <p14:creationId xmlns:p14="http://schemas.microsoft.com/office/powerpoint/2010/main" val="938831902"/>
+      </p:ext>
+    </p:extLst>
+  </p:cSld>
+  <p:clrMapOvr>
+    <a:masterClrMapping/>
+  </p:clrMapOvr>
+</p:sld>
+</file>
+
+<file path=ppt/slides/slide16.xml><?xml version="1.0" encoding="utf-8"?>
 <p:sld xmlns:a="http://schemas.openxmlformats.org/drawingml/2006/main" xmlns:r="http://schemas.openxmlformats.org/officeDocument/2006/relationships" xmlns:p="http://schemas.openxmlformats.org/presentationml/2006/main">
   <p:cSld>
     <p:spTree>
@@ -4393,7 +4832,7 @@
 </p:sld>
 </file>
 
-<file path=ppt/slides/slide15.xml><?xml version="1.0" encoding="utf-8"?>
+<file path=ppt/slides/slide17.xml><?xml version="1.0" encoding="utf-8"?>
 <p:sld xmlns:a="http://schemas.openxmlformats.org/drawingml/2006/main" xmlns:r="http://schemas.openxmlformats.org/officeDocument/2006/relationships" xmlns:p="http://schemas.openxmlformats.org/presentationml/2006/main">
   <p:cSld>
     <p:spTree>

--- a/e61 Projects/Fiscal sustainability/OECD comparison/Initial external plans.pptx
+++ b/e61 Projects/Fiscal sustainability/OECD comparison/Initial external plans.pptx
@@ -4,6 +4,9 @@
   <p:sldMasterIdLst>
     <p:sldMasterId id="2147483648" r:id="rId1"/>
   </p:sldMasterIdLst>
+  <p:notesMasterIdLst>
+    <p:notesMasterId r:id="rId19"/>
+  </p:notesMasterIdLst>
   <p:sldIdLst>
     <p:sldId id="256" r:id="rId2"/>
     <p:sldId id="261" r:id="rId3"/>
@@ -128,6 +131,486 @@
 </p:presentation>
 </file>
 
+<file path=ppt/authors.xml><?xml version="1.0" encoding="utf-8"?>
+<p188:authorLst xmlns:a="http://schemas.openxmlformats.org/drawingml/2006/main" xmlns:r="http://schemas.openxmlformats.org/officeDocument/2006/relationships" xmlns:p188="http://schemas.microsoft.com/office/powerpoint/2018/8/main">
+  <p188:author id="{B11BB3D2-AFEC-847B-6D75-BD537A3954BD}" name="Matt" initials="M" userId="S::matt.nolan@ird.govt.nz::2249c379-4c9b-4d23-b773-ea1316f9866d" providerId="AD"/>
+</p188:authorLst>
+</file>
+
+<file path=ppt/comments/modernComment_101_78160C5D.xml><?xml version="1.0" encoding="utf-8"?>
+<p188:cmLst xmlns:a="http://schemas.openxmlformats.org/drawingml/2006/main" xmlns:r="http://schemas.openxmlformats.org/officeDocument/2006/relationships" xmlns:p188="http://schemas.microsoft.com/office/powerpoint/2018/8/main">
+  <p188:cm id="{0B847ED9-C1DE-44DA-88D5-1CD3B9BCF698}" authorId="{B11BB3D2-AFEC-847B-6D75-BD537A3954BD}" created="2025-07-07T03:10:47.915">
+    <ac:txMkLst xmlns:ac="http://schemas.microsoft.com/office/drawing/2013/main/command">
+      <pc:docMk xmlns:pc="http://schemas.microsoft.com/office/powerpoint/2013/main/command"/>
+      <pc:sldMk xmlns:pc="http://schemas.microsoft.com/office/powerpoint/2013/main/command" cId="2014710877" sldId="257"/>
+      <ac:spMk id="3" creationId="{118BC3D1-B5C6-D90F-3FDE-CB92E395B716}"/>
+      <ac:txMk cp="453" len="141">
+        <ac:context len="595" hash="1295246626"/>
+      </ac:txMk>
+    </ac:txMkLst>
+    <p188:pos x="10045390" y="3367332"/>
+    <p188:txBody>
+      <a:bodyPr/>
+      <a:lstStyle/>
+      <a:p>
+        <a:r>
+          <a:rPr lang="en-NZ"/>
+          <a:t>I don’t agree with this conclusion at this stage - just an example of things that can go in</a:t>
+        </a:r>
+      </a:p>
+    </p188:txBody>
+  </p188:cm>
+</p188:cmLst>
+</file>
+
+<file path=ppt/notesMasters/notesMaster1.xml><?xml version="1.0" encoding="utf-8"?>
+<p:notesMaster xmlns:a="http://schemas.openxmlformats.org/drawingml/2006/main" xmlns:r="http://schemas.openxmlformats.org/officeDocument/2006/relationships" xmlns:p="http://schemas.openxmlformats.org/presentationml/2006/main">
+  <p:cSld>
+    <p:bg>
+      <p:bgRef idx="1001">
+        <a:schemeClr val="bg1"/>
+      </p:bgRef>
+    </p:bg>
+    <p:spTree>
+      <p:nvGrpSpPr>
+        <p:cNvPr id="1" name=""/>
+        <p:cNvGrpSpPr/>
+        <p:nvPr/>
+      </p:nvGrpSpPr>
+      <p:grpSpPr>
+        <a:xfrm>
+          <a:off x="0" y="0"/>
+          <a:ext cx="0" cy="0"/>
+          <a:chOff x="0" y="0"/>
+          <a:chExt cx="0" cy="0"/>
+        </a:xfrm>
+      </p:grpSpPr>
+      <p:sp>
+        <p:nvSpPr>
+          <p:cNvPr id="2" name="Header Placeholder 1"/>
+          <p:cNvSpPr>
+            <a:spLocks noGrp="1"/>
+          </p:cNvSpPr>
+          <p:nvPr>
+            <p:ph type="hdr" sz="quarter"/>
+          </p:nvPr>
+        </p:nvSpPr>
+        <p:spPr>
+          <a:xfrm>
+            <a:off x="0" y="0"/>
+            <a:ext cx="2971800" cy="458788"/>
+          </a:xfrm>
+          <a:prstGeom prst="rect">
+            <a:avLst/>
+          </a:prstGeom>
+        </p:spPr>
+        <p:txBody>
+          <a:bodyPr vert="horz" lIns="91440" tIns="45720" rIns="91440" bIns="45720" rtlCol="0"/>
+          <a:lstStyle>
+            <a:lvl1pPr algn="l">
+              <a:defRPr sz="1200"/>
+            </a:lvl1pPr>
+          </a:lstStyle>
+          <a:p>
+            <a:endParaRPr lang="en-NZ"/>
+          </a:p>
+        </p:txBody>
+      </p:sp>
+      <p:sp>
+        <p:nvSpPr>
+          <p:cNvPr id="3" name="Date Placeholder 2"/>
+          <p:cNvSpPr>
+            <a:spLocks noGrp="1"/>
+          </p:cNvSpPr>
+          <p:nvPr>
+            <p:ph type="dt" idx="1"/>
+          </p:nvPr>
+        </p:nvSpPr>
+        <p:spPr>
+          <a:xfrm>
+            <a:off x="3884613" y="0"/>
+            <a:ext cx="2971800" cy="458788"/>
+          </a:xfrm>
+          <a:prstGeom prst="rect">
+            <a:avLst/>
+          </a:prstGeom>
+        </p:spPr>
+        <p:txBody>
+          <a:bodyPr vert="horz" lIns="91440" tIns="45720" rIns="91440" bIns="45720" rtlCol="0"/>
+          <a:lstStyle>
+            <a:lvl1pPr algn="r">
+              <a:defRPr sz="1200"/>
+            </a:lvl1pPr>
+          </a:lstStyle>
+          <a:p>
+            <a:fld id="{D2F4AEBC-507B-4D8B-BFBD-472F7D6BF5E5}" type="datetimeFigureOut">
+              <a:rPr lang="en-NZ" smtClean="0"/>
+              <a:t>7/07/2025</a:t>
+            </a:fld>
+            <a:endParaRPr lang="en-NZ"/>
+          </a:p>
+        </p:txBody>
+      </p:sp>
+      <p:sp>
+        <p:nvSpPr>
+          <p:cNvPr id="4" name="Slide Image Placeholder 3"/>
+          <p:cNvSpPr>
+            <a:spLocks noGrp="1" noRot="1" noChangeAspect="1"/>
+          </p:cNvSpPr>
+          <p:nvPr>
+            <p:ph type="sldImg" idx="2"/>
+          </p:nvPr>
+        </p:nvSpPr>
+        <p:spPr>
+          <a:xfrm>
+            <a:off x="685800" y="1143000"/>
+            <a:ext cx="5486400" cy="3086100"/>
+          </a:xfrm>
+          <a:prstGeom prst="rect">
+            <a:avLst/>
+          </a:prstGeom>
+          <a:noFill/>
+          <a:ln w="12700">
+            <a:solidFill>
+              <a:prstClr val="black"/>
+            </a:solidFill>
+          </a:ln>
+        </p:spPr>
+        <p:txBody>
+          <a:bodyPr vert="horz" lIns="91440" tIns="45720" rIns="91440" bIns="45720" rtlCol="0" anchor="ctr"/>
+          <a:lstStyle/>
+          <a:p>
+            <a:endParaRPr lang="en-NZ"/>
+          </a:p>
+        </p:txBody>
+      </p:sp>
+      <p:sp>
+        <p:nvSpPr>
+          <p:cNvPr id="5" name="Notes Placeholder 4"/>
+          <p:cNvSpPr>
+            <a:spLocks noGrp="1"/>
+          </p:cNvSpPr>
+          <p:nvPr>
+            <p:ph type="body" sz="quarter" idx="3"/>
+          </p:nvPr>
+        </p:nvSpPr>
+        <p:spPr>
+          <a:xfrm>
+            <a:off x="685800" y="4400550"/>
+            <a:ext cx="5486400" cy="3600450"/>
+          </a:xfrm>
+          <a:prstGeom prst="rect">
+            <a:avLst/>
+          </a:prstGeom>
+        </p:spPr>
+        <p:txBody>
+          <a:bodyPr vert="horz" lIns="91440" tIns="45720" rIns="91440" bIns="45720" rtlCol="0"/>
+          <a:lstStyle/>
+          <a:p>
+            <a:pPr lvl="0"/>
+            <a:r>
+              <a:rPr lang="en-US"/>
+              <a:t>Click to edit Master text styles</a:t>
+            </a:r>
+          </a:p>
+          <a:p>
+            <a:pPr lvl="1"/>
+            <a:r>
+              <a:rPr lang="en-US"/>
+              <a:t>Second level</a:t>
+            </a:r>
+          </a:p>
+          <a:p>
+            <a:pPr lvl="2"/>
+            <a:r>
+              <a:rPr lang="en-US"/>
+              <a:t>Third level</a:t>
+            </a:r>
+          </a:p>
+          <a:p>
+            <a:pPr lvl="3"/>
+            <a:r>
+              <a:rPr lang="en-US"/>
+              <a:t>Fourth level</a:t>
+            </a:r>
+          </a:p>
+          <a:p>
+            <a:pPr lvl="4"/>
+            <a:r>
+              <a:rPr lang="en-US"/>
+              <a:t>Fifth level</a:t>
+            </a:r>
+            <a:endParaRPr lang="en-NZ"/>
+          </a:p>
+        </p:txBody>
+      </p:sp>
+      <p:sp>
+        <p:nvSpPr>
+          <p:cNvPr id="6" name="Footer Placeholder 5"/>
+          <p:cNvSpPr>
+            <a:spLocks noGrp="1"/>
+          </p:cNvSpPr>
+          <p:nvPr>
+            <p:ph type="ftr" sz="quarter" idx="4"/>
+          </p:nvPr>
+        </p:nvSpPr>
+        <p:spPr>
+          <a:xfrm>
+            <a:off x="0" y="8685213"/>
+            <a:ext cx="2971800" cy="458787"/>
+          </a:xfrm>
+          <a:prstGeom prst="rect">
+            <a:avLst/>
+          </a:prstGeom>
+        </p:spPr>
+        <p:txBody>
+          <a:bodyPr vert="horz" lIns="91440" tIns="45720" rIns="91440" bIns="45720" rtlCol="0" anchor="b"/>
+          <a:lstStyle>
+            <a:lvl1pPr algn="l">
+              <a:defRPr sz="1200"/>
+            </a:lvl1pPr>
+          </a:lstStyle>
+          <a:p>
+            <a:endParaRPr lang="en-NZ"/>
+          </a:p>
+        </p:txBody>
+      </p:sp>
+      <p:sp>
+        <p:nvSpPr>
+          <p:cNvPr id="7" name="Slide Number Placeholder 6"/>
+          <p:cNvSpPr>
+            <a:spLocks noGrp="1"/>
+          </p:cNvSpPr>
+          <p:nvPr>
+            <p:ph type="sldNum" sz="quarter" idx="5"/>
+          </p:nvPr>
+        </p:nvSpPr>
+        <p:spPr>
+          <a:xfrm>
+            <a:off x="3884613" y="8685213"/>
+            <a:ext cx="2971800" cy="458787"/>
+          </a:xfrm>
+          <a:prstGeom prst="rect">
+            <a:avLst/>
+          </a:prstGeom>
+        </p:spPr>
+        <p:txBody>
+          <a:bodyPr vert="horz" lIns="91440" tIns="45720" rIns="91440" bIns="45720" rtlCol="0" anchor="b"/>
+          <a:lstStyle>
+            <a:lvl1pPr algn="r">
+              <a:defRPr sz="1200"/>
+            </a:lvl1pPr>
+          </a:lstStyle>
+          <a:p>
+            <a:fld id="{AFB2D22F-ED8B-45B3-B4D0-9E36EA68606D}" type="slidenum">
+              <a:rPr lang="en-NZ" smtClean="0"/>
+              <a:t>‹#›</a:t>
+            </a:fld>
+            <a:endParaRPr lang="en-NZ"/>
+          </a:p>
+        </p:txBody>
+      </p:sp>
+    </p:spTree>
+    <p:extLst>
+      <p:ext uri="{BB962C8B-B14F-4D97-AF65-F5344CB8AC3E}">
+        <p14:creationId xmlns:p14="http://schemas.microsoft.com/office/powerpoint/2010/main" val="867144654"/>
+      </p:ext>
+    </p:extLst>
+  </p:cSld>
+  <p:clrMap bg1="lt1" tx1="dk1" bg2="lt2" tx2="dk2" accent1="accent1" accent2="accent2" accent3="accent3" accent4="accent4" accent5="accent5" accent6="accent6" hlink="hlink" folHlink="folHlink"/>
+  <p:notesStyle>
+    <a:lvl1pPr marL="0" algn="l" defTabSz="914400" rtl="0" eaLnBrk="1" latinLnBrk="0" hangingPunct="1">
+      <a:defRPr sz="1200" kern="1200">
+        <a:solidFill>
+          <a:schemeClr val="tx1"/>
+        </a:solidFill>
+        <a:latin typeface="+mn-lt"/>
+        <a:ea typeface="+mn-ea"/>
+        <a:cs typeface="+mn-cs"/>
+      </a:defRPr>
+    </a:lvl1pPr>
+    <a:lvl2pPr marL="457200" algn="l" defTabSz="914400" rtl="0" eaLnBrk="1" latinLnBrk="0" hangingPunct="1">
+      <a:defRPr sz="1200" kern="1200">
+        <a:solidFill>
+          <a:schemeClr val="tx1"/>
+        </a:solidFill>
+        <a:latin typeface="+mn-lt"/>
+        <a:ea typeface="+mn-ea"/>
+        <a:cs typeface="+mn-cs"/>
+      </a:defRPr>
+    </a:lvl2pPr>
+    <a:lvl3pPr marL="914400" algn="l" defTabSz="914400" rtl="0" eaLnBrk="1" latinLnBrk="0" hangingPunct="1">
+      <a:defRPr sz="1200" kern="1200">
+        <a:solidFill>
+          <a:schemeClr val="tx1"/>
+        </a:solidFill>
+        <a:latin typeface="+mn-lt"/>
+        <a:ea typeface="+mn-ea"/>
+        <a:cs typeface="+mn-cs"/>
+      </a:defRPr>
+    </a:lvl3pPr>
+    <a:lvl4pPr marL="1371600" algn="l" defTabSz="914400" rtl="0" eaLnBrk="1" latinLnBrk="0" hangingPunct="1">
+      <a:defRPr sz="1200" kern="1200">
+        <a:solidFill>
+          <a:schemeClr val="tx1"/>
+        </a:solidFill>
+        <a:latin typeface="+mn-lt"/>
+        <a:ea typeface="+mn-ea"/>
+        <a:cs typeface="+mn-cs"/>
+      </a:defRPr>
+    </a:lvl4pPr>
+    <a:lvl5pPr marL="1828800" algn="l" defTabSz="914400" rtl="0" eaLnBrk="1" latinLnBrk="0" hangingPunct="1">
+      <a:defRPr sz="1200" kern="1200">
+        <a:solidFill>
+          <a:schemeClr val="tx1"/>
+        </a:solidFill>
+        <a:latin typeface="+mn-lt"/>
+        <a:ea typeface="+mn-ea"/>
+        <a:cs typeface="+mn-cs"/>
+      </a:defRPr>
+    </a:lvl5pPr>
+    <a:lvl6pPr marL="2286000" algn="l" defTabSz="914400" rtl="0" eaLnBrk="1" latinLnBrk="0" hangingPunct="1">
+      <a:defRPr sz="1200" kern="1200">
+        <a:solidFill>
+          <a:schemeClr val="tx1"/>
+        </a:solidFill>
+        <a:latin typeface="+mn-lt"/>
+        <a:ea typeface="+mn-ea"/>
+        <a:cs typeface="+mn-cs"/>
+      </a:defRPr>
+    </a:lvl6pPr>
+    <a:lvl7pPr marL="2743200" algn="l" defTabSz="914400" rtl="0" eaLnBrk="1" latinLnBrk="0" hangingPunct="1">
+      <a:defRPr sz="1200" kern="1200">
+        <a:solidFill>
+          <a:schemeClr val="tx1"/>
+        </a:solidFill>
+        <a:latin typeface="+mn-lt"/>
+        <a:ea typeface="+mn-ea"/>
+        <a:cs typeface="+mn-cs"/>
+      </a:defRPr>
+    </a:lvl7pPr>
+    <a:lvl8pPr marL="3200400" algn="l" defTabSz="914400" rtl="0" eaLnBrk="1" latinLnBrk="0" hangingPunct="1">
+      <a:defRPr sz="1200" kern="1200">
+        <a:solidFill>
+          <a:schemeClr val="tx1"/>
+        </a:solidFill>
+        <a:latin typeface="+mn-lt"/>
+        <a:ea typeface="+mn-ea"/>
+        <a:cs typeface="+mn-cs"/>
+      </a:defRPr>
+    </a:lvl8pPr>
+    <a:lvl9pPr marL="3657600" algn="l" defTabSz="914400" rtl="0" eaLnBrk="1" latinLnBrk="0" hangingPunct="1">
+      <a:defRPr sz="1200" kern="1200">
+        <a:solidFill>
+          <a:schemeClr val="tx1"/>
+        </a:solidFill>
+        <a:latin typeface="+mn-lt"/>
+        <a:ea typeface="+mn-ea"/>
+        <a:cs typeface="+mn-cs"/>
+      </a:defRPr>
+    </a:lvl9pPr>
+  </p:notesStyle>
+</p:notesMaster>
+</file>
+
+<file path=ppt/notesSlides/notesSlide1.xml><?xml version="1.0" encoding="utf-8"?>
+<p:notes xmlns:a="http://schemas.openxmlformats.org/drawingml/2006/main" xmlns:r="http://schemas.openxmlformats.org/officeDocument/2006/relationships" xmlns:p="http://schemas.openxmlformats.org/presentationml/2006/main">
+  <p:cSld>
+    <p:spTree>
+      <p:nvGrpSpPr>
+        <p:cNvPr id="1" name=""/>
+        <p:cNvGrpSpPr/>
+        <p:nvPr/>
+      </p:nvGrpSpPr>
+      <p:grpSpPr>
+        <a:xfrm>
+          <a:off x="0" y="0"/>
+          <a:ext cx="0" cy="0"/>
+          <a:chOff x="0" y="0"/>
+          <a:chExt cx="0" cy="0"/>
+        </a:xfrm>
+      </p:grpSpPr>
+      <p:sp>
+        <p:nvSpPr>
+          <p:cNvPr id="2" name="Slide Image Placeholder 1"/>
+          <p:cNvSpPr>
+            <a:spLocks noGrp="1" noRot="1" noChangeAspect="1"/>
+          </p:cNvSpPr>
+          <p:nvPr>
+            <p:ph type="sldImg"/>
+          </p:nvPr>
+        </p:nvSpPr>
+        <p:spPr/>
+      </p:sp>
+      <p:sp>
+        <p:nvSpPr>
+          <p:cNvPr id="3" name="Notes Placeholder 2"/>
+          <p:cNvSpPr>
+            <a:spLocks noGrp="1"/>
+          </p:cNvSpPr>
+          <p:nvPr>
+            <p:ph type="body" idx="1"/>
+          </p:nvPr>
+        </p:nvSpPr>
+        <p:spPr/>
+        <p:txBody>
+          <a:bodyPr/>
+          <a:lstStyle/>
+          <a:p>
+            <a:r>
+              <a:rPr lang="en-US" dirty="0"/>
+              <a:t>Goal is to attribute functions funded by Federal government but undertaken by State government to a shared account – Federal revenue and expenses are both increased by GST, but given the nature of how it is provided unconsolidated balance sheets don’t tell us the exact function that this activity is always supporting.</a:t>
+            </a:r>
+            <a:br>
+              <a:rPr lang="en-US" dirty="0"/>
+            </a:br>
+            <a:br>
+              <a:rPr lang="en-US" dirty="0"/>
+            </a:br>
+            <a:r>
+              <a:rPr lang="en-US" dirty="0"/>
+              <a:t>The purpose of consolidation is to look through this.</a:t>
+            </a:r>
+            <a:endParaRPr lang="en-NZ" dirty="0"/>
+          </a:p>
+        </p:txBody>
+      </p:sp>
+      <p:sp>
+        <p:nvSpPr>
+          <p:cNvPr id="4" name="Slide Number Placeholder 3"/>
+          <p:cNvSpPr>
+            <a:spLocks noGrp="1"/>
+          </p:cNvSpPr>
+          <p:nvPr>
+            <p:ph type="sldNum" sz="quarter" idx="5"/>
+          </p:nvPr>
+        </p:nvSpPr>
+        <p:spPr/>
+        <p:txBody>
+          <a:bodyPr/>
+          <a:lstStyle/>
+          <a:p>
+            <a:fld id="{AFB2D22F-ED8B-45B3-B4D0-9E36EA68606D}" type="slidenum">
+              <a:rPr lang="en-NZ" smtClean="0"/>
+              <a:t>8</a:t>
+            </a:fld>
+            <a:endParaRPr lang="en-NZ"/>
+          </a:p>
+        </p:txBody>
+      </p:sp>
+    </p:spTree>
+    <p:extLst>
+      <p:ext uri="{BB962C8B-B14F-4D97-AF65-F5344CB8AC3E}">
+        <p14:creationId xmlns:p14="http://schemas.microsoft.com/office/powerpoint/2010/main" val="446784948"/>
+      </p:ext>
+    </p:extLst>
+  </p:cSld>
+  <p:clrMapOvr>
+    <a:masterClrMapping/>
+  </p:clrMapOvr>
+</p:notes>
+</file>
+
 <file path=ppt/slideLayouts/slideLayout1.xml><?xml version="1.0" encoding="utf-8"?>
 <p:sldLayout xmlns:a="http://schemas.openxmlformats.org/drawingml/2006/main" xmlns:r="http://schemas.openxmlformats.org/officeDocument/2006/relationships" xmlns:p="http://schemas.openxmlformats.org/presentationml/2006/main" type="title" preserve="1">
   <p:cSld name="Title Slide">
@@ -277,7 +760,7 @@
           <a:p>
             <a:fld id="{B6E4B8DC-425F-4ABA-B54D-89B5694D594A}" type="datetimeFigureOut">
               <a:rPr lang="en-NZ" smtClean="0"/>
-              <a:t>4/07/2025</a:t>
+              <a:t>7/07/2025</a:t>
             </a:fld>
             <a:endParaRPr lang="en-NZ"/>
           </a:p>
@@ -477,7 +960,7 @@
           <a:p>
             <a:fld id="{B6E4B8DC-425F-4ABA-B54D-89B5694D594A}" type="datetimeFigureOut">
               <a:rPr lang="en-NZ" smtClean="0"/>
-              <a:t>4/07/2025</a:t>
+              <a:t>7/07/2025</a:t>
             </a:fld>
             <a:endParaRPr lang="en-NZ"/>
           </a:p>
@@ -687,7 +1170,7 @@
           <a:p>
             <a:fld id="{B6E4B8DC-425F-4ABA-B54D-89B5694D594A}" type="datetimeFigureOut">
               <a:rPr lang="en-NZ" smtClean="0"/>
-              <a:t>4/07/2025</a:t>
+              <a:t>7/07/2025</a:t>
             </a:fld>
             <a:endParaRPr lang="en-NZ"/>
           </a:p>
@@ -887,7 +1370,7 @@
           <a:p>
             <a:fld id="{B6E4B8DC-425F-4ABA-B54D-89B5694D594A}" type="datetimeFigureOut">
               <a:rPr lang="en-NZ" smtClean="0"/>
-              <a:t>4/07/2025</a:t>
+              <a:t>7/07/2025</a:t>
             </a:fld>
             <a:endParaRPr lang="en-NZ"/>
           </a:p>
@@ -1163,7 +1646,7 @@
           <a:p>
             <a:fld id="{B6E4B8DC-425F-4ABA-B54D-89B5694D594A}" type="datetimeFigureOut">
               <a:rPr lang="en-NZ" smtClean="0"/>
-              <a:t>4/07/2025</a:t>
+              <a:t>7/07/2025</a:t>
             </a:fld>
             <a:endParaRPr lang="en-NZ"/>
           </a:p>
@@ -1431,7 +1914,7 @@
           <a:p>
             <a:fld id="{B6E4B8DC-425F-4ABA-B54D-89B5694D594A}" type="datetimeFigureOut">
               <a:rPr lang="en-NZ" smtClean="0"/>
-              <a:t>4/07/2025</a:t>
+              <a:t>7/07/2025</a:t>
             </a:fld>
             <a:endParaRPr lang="en-NZ"/>
           </a:p>
@@ -1846,7 +2329,7 @@
           <a:p>
             <a:fld id="{B6E4B8DC-425F-4ABA-B54D-89B5694D594A}" type="datetimeFigureOut">
               <a:rPr lang="en-NZ" smtClean="0"/>
-              <a:t>4/07/2025</a:t>
+              <a:t>7/07/2025</a:t>
             </a:fld>
             <a:endParaRPr lang="en-NZ"/>
           </a:p>
@@ -1988,7 +2471,7 @@
           <a:p>
             <a:fld id="{B6E4B8DC-425F-4ABA-B54D-89B5694D594A}" type="datetimeFigureOut">
               <a:rPr lang="en-NZ" smtClean="0"/>
-              <a:t>4/07/2025</a:t>
+              <a:t>7/07/2025</a:t>
             </a:fld>
             <a:endParaRPr lang="en-NZ"/>
           </a:p>
@@ -2101,7 +2584,7 @@
           <a:p>
             <a:fld id="{B6E4B8DC-425F-4ABA-B54D-89B5694D594A}" type="datetimeFigureOut">
               <a:rPr lang="en-NZ" smtClean="0"/>
-              <a:t>4/07/2025</a:t>
+              <a:t>7/07/2025</a:t>
             </a:fld>
             <a:endParaRPr lang="en-NZ"/>
           </a:p>
@@ -2414,7 +2897,7 @@
           <a:p>
             <a:fld id="{B6E4B8DC-425F-4ABA-B54D-89B5694D594A}" type="datetimeFigureOut">
               <a:rPr lang="en-NZ" smtClean="0"/>
-              <a:t>4/07/2025</a:t>
+              <a:t>7/07/2025</a:t>
             </a:fld>
             <a:endParaRPr lang="en-NZ"/>
           </a:p>
@@ -2703,7 +3186,7 @@
           <a:p>
             <a:fld id="{B6E4B8DC-425F-4ABA-B54D-89B5694D594A}" type="datetimeFigureOut">
               <a:rPr lang="en-NZ" smtClean="0"/>
-              <a:t>4/07/2025</a:t>
+              <a:t>7/07/2025</a:t>
             </a:fld>
             <a:endParaRPr lang="en-NZ"/>
           </a:p>
@@ -2946,7 +3429,7 @@
           <a:p>
             <a:fld id="{B6E4B8DC-425F-4ABA-B54D-89B5694D594A}" type="datetimeFigureOut">
               <a:rPr lang="en-NZ" smtClean="0"/>
-              <a:t>4/07/2025</a:t>
+              <a:t>7/07/2025</a:t>
             </a:fld>
             <a:endParaRPr lang="en-NZ"/>
           </a:p>
@@ -5653,31 +6136,41 @@
           </a:p>
         </p:txBody>
       </p:sp>
-      <p:sp>
-        <p:nvSpPr>
-          <p:cNvPr id="3" name="Content Placeholder 2">
-            <a:extLst>
-              <a:ext uri="{FF2B5EF4-FFF2-40B4-BE49-F238E27FC236}">
-                <a16:creationId xmlns:a16="http://schemas.microsoft.com/office/drawing/2014/main" id="{B6829696-85D5-A0BD-34D7-D24AE2740FAE}"/>
-              </a:ext>
-            </a:extLst>
-          </p:cNvPr>
-          <p:cNvSpPr>
-            <a:spLocks noGrp="1"/>
-          </p:cNvSpPr>
+      <p:pic>
+        <p:nvPicPr>
+          <p:cNvPr id="5" name="Content Placeholder 4" descr="A graph with numbers and lines&#10;&#10;AI-generated content may be incorrect.">
+            <a:extLst>
+              <a:ext uri="{FF2B5EF4-FFF2-40B4-BE49-F238E27FC236}">
+                <a16:creationId xmlns:a16="http://schemas.microsoft.com/office/drawing/2014/main" id="{E32D8004-7519-C781-1E7D-39D849CBCCB6}"/>
+              </a:ext>
+            </a:extLst>
+          </p:cNvPr>
+          <p:cNvPicPr>
+            <a:picLocks noGrp="1" noChangeAspect="1"/>
+          </p:cNvPicPr>
           <p:nvPr>
             <p:ph idx="1"/>
           </p:nvPr>
-        </p:nvSpPr>
-        <p:spPr/>
-        <p:txBody>
-          <a:bodyPr/>
-          <a:lstStyle/>
-          <a:p>
-            <a:endParaRPr lang="en-NZ"/>
-          </a:p>
-        </p:txBody>
-      </p:sp>
+        </p:nvPicPr>
+        <p:blipFill>
+          <a:blip r:embed="rId2">
+            <a:extLst>
+              <a:ext uri="{28A0092B-C50C-407E-A947-70E740481C1C}">
+                <a14:useLocalDpi xmlns:a14="http://schemas.microsoft.com/office/drawing/2010/main" val="0"/>
+              </a:ext>
+            </a:extLst>
+          </a:blip>
+          <a:stretch>
+            <a:fillRect/>
+          </a:stretch>
+        </p:blipFill>
+        <p:spPr>
+          <a:xfrm>
+            <a:off x="3752972" y="1825625"/>
+            <a:ext cx="4686056" cy="4351338"/>
+          </a:xfrm>
+        </p:spPr>
+      </p:pic>
     </p:spTree>
     <p:extLst>
       <p:ext uri="{BB962C8B-B14F-4D97-AF65-F5344CB8AC3E}">
@@ -6169,10 +6662,15 @@
             <p:ph idx="1"/>
           </p:nvPr>
         </p:nvSpPr>
-        <p:spPr/>
+        <p:spPr>
+          <a:xfrm>
+            <a:off x="838200" y="1427692"/>
+            <a:ext cx="10515600" cy="4351338"/>
+          </a:xfrm>
+        </p:spPr>
         <p:txBody>
           <a:bodyPr>
-            <a:normAutofit lnSpcReduction="10000"/>
+            <a:normAutofit fontScale="92500" lnSpcReduction="20000"/>
           </a:bodyPr>
           <a:lstStyle/>
           <a:p>
@@ -6262,6 +6760,26 @@
               <a:rPr lang="en-NZ" dirty="0"/>
               <a:t>Work on short-termism is within a separate, but related, stream – Kizzy and Michael are leading this directly.</a:t>
             </a:r>
+          </a:p>
+          <a:p>
+            <a:pPr marL="0" indent="0">
+              <a:buNone/>
+            </a:pPr>
+            <a:endParaRPr lang="en-NZ" dirty="0"/>
+          </a:p>
+          <a:p>
+            <a:pPr marL="0" indent="0">
+              <a:buNone/>
+            </a:pPr>
+            <a:r>
+              <a:rPr lang="en-NZ" b="1" dirty="0"/>
+              <a:t>Summary</a:t>
+            </a:r>
+            <a:r>
+              <a:rPr lang="en-NZ" dirty="0"/>
+              <a:t>: Australia has become a high general government spending country, while using a tax and transfer system built for a small government.</a:t>
+            </a:r>
+            <a:endParaRPr lang="en-NZ" b="1" dirty="0"/>
           </a:p>
         </p:txBody>
       </p:sp>
@@ -6275,6 +6793,11 @@
   <p:clrMapOvr>
     <a:masterClrMapping/>
   </p:clrMapOvr>
+  <p:extLst>
+    <p:ext uri="{6950BFC3-D8DA-4A85-94F7-54DA5524770B}">
+      <p188:commentRel xmlns:p188="http://schemas.microsoft.com/office/powerpoint/2018/8/main" r:id="rId2"/>
+    </p:ext>
+  </p:extLst>
 </p:sld>
 </file>
 
@@ -6465,8 +6988,8 @@
         </p:nvSpPr>
         <p:spPr>
           <a:xfrm>
-            <a:off x="7789026" y="1825625"/>
-            <a:ext cx="3901440" cy="4351338"/>
+            <a:off x="7628159" y="1690688"/>
+            <a:ext cx="3901440" cy="2119312"/>
           </a:xfrm>
         </p:spPr>
         <p:txBody>
@@ -6480,13 +7003,233 @@
             </a:pPr>
             <a:r>
               <a:rPr lang="en-US" dirty="0"/>
-              <a:t>In General Spending</a:t>
+              <a:t>In deficit terms</a:t>
             </a:r>
           </a:p>
           <a:p>
             <a:r>
               <a:rPr lang="en-US" dirty="0"/>
               <a:t>XXX</a:t>
+            </a:r>
+          </a:p>
+          <a:p>
+            <a:endParaRPr lang="en-US" dirty="0"/>
+          </a:p>
+        </p:txBody>
+      </p:sp>
+      <p:sp>
+        <p:nvSpPr>
+          <p:cNvPr id="4" name="Content Placeholder 2">
+            <a:extLst>
+              <a:ext uri="{FF2B5EF4-FFF2-40B4-BE49-F238E27FC236}">
+                <a16:creationId xmlns:a16="http://schemas.microsoft.com/office/drawing/2014/main" id="{7629C063-6384-300C-4BD0-221B7B3DA2D4}"/>
+              </a:ext>
+            </a:extLst>
+          </p:cNvPr>
+          <p:cNvSpPr txBox="1">
+            <a:spLocks/>
+          </p:cNvSpPr>
+          <p:nvPr/>
+        </p:nvSpPr>
+        <p:spPr>
+          <a:xfrm>
+            <a:off x="838199" y="1690688"/>
+            <a:ext cx="4974167" cy="2325500"/>
+          </a:xfrm>
+          <a:prstGeom prst="rect">
+            <a:avLst/>
+          </a:prstGeom>
+        </p:spPr>
+        <p:txBody>
+          <a:bodyPr vert="horz" lIns="91440" tIns="45720" rIns="91440" bIns="45720" rtlCol="0">
+            <a:normAutofit/>
+          </a:bodyPr>
+          <a:lstStyle>
+            <a:lvl1pPr marL="228600" indent="-228600" algn="l" defTabSz="914400" rtl="0" eaLnBrk="1" latinLnBrk="0" hangingPunct="1">
+              <a:lnSpc>
+                <a:spcPct val="90000"/>
+              </a:lnSpc>
+              <a:spcBef>
+                <a:spcPts val="1000"/>
+              </a:spcBef>
+              <a:buFont typeface="Arial" panose="020B0604020202020204" pitchFamily="34" charset="0"/>
+              <a:buChar char="•"/>
+              <a:defRPr sz="2800" kern="1200">
+                <a:solidFill>
+                  <a:schemeClr val="tx1"/>
+                </a:solidFill>
+                <a:latin typeface="+mn-lt"/>
+                <a:ea typeface="+mn-ea"/>
+                <a:cs typeface="+mn-cs"/>
+              </a:defRPr>
+            </a:lvl1pPr>
+            <a:lvl2pPr marL="685800" indent="-228600" algn="l" defTabSz="914400" rtl="0" eaLnBrk="1" latinLnBrk="0" hangingPunct="1">
+              <a:lnSpc>
+                <a:spcPct val="90000"/>
+              </a:lnSpc>
+              <a:spcBef>
+                <a:spcPts val="500"/>
+              </a:spcBef>
+              <a:buFont typeface="Arial" panose="020B0604020202020204" pitchFamily="34" charset="0"/>
+              <a:buChar char="•"/>
+              <a:defRPr sz="2400" kern="1200">
+                <a:solidFill>
+                  <a:schemeClr val="tx1"/>
+                </a:solidFill>
+                <a:latin typeface="+mn-lt"/>
+                <a:ea typeface="+mn-ea"/>
+                <a:cs typeface="+mn-cs"/>
+              </a:defRPr>
+            </a:lvl2pPr>
+            <a:lvl3pPr marL="1143000" indent="-228600" algn="l" defTabSz="914400" rtl="0" eaLnBrk="1" latinLnBrk="0" hangingPunct="1">
+              <a:lnSpc>
+                <a:spcPct val="90000"/>
+              </a:lnSpc>
+              <a:spcBef>
+                <a:spcPts val="500"/>
+              </a:spcBef>
+              <a:buFont typeface="Arial" panose="020B0604020202020204" pitchFamily="34" charset="0"/>
+              <a:buChar char="•"/>
+              <a:defRPr sz="2000" kern="1200">
+                <a:solidFill>
+                  <a:schemeClr val="tx1"/>
+                </a:solidFill>
+                <a:latin typeface="+mn-lt"/>
+                <a:ea typeface="+mn-ea"/>
+                <a:cs typeface="+mn-cs"/>
+              </a:defRPr>
+            </a:lvl3pPr>
+            <a:lvl4pPr marL="1600200" indent="-228600" algn="l" defTabSz="914400" rtl="0" eaLnBrk="1" latinLnBrk="0" hangingPunct="1">
+              <a:lnSpc>
+                <a:spcPct val="90000"/>
+              </a:lnSpc>
+              <a:spcBef>
+                <a:spcPts val="500"/>
+              </a:spcBef>
+              <a:buFont typeface="Arial" panose="020B0604020202020204" pitchFamily="34" charset="0"/>
+              <a:buChar char="•"/>
+              <a:defRPr sz="1800" kern="1200">
+                <a:solidFill>
+                  <a:schemeClr val="tx1"/>
+                </a:solidFill>
+                <a:latin typeface="+mn-lt"/>
+                <a:ea typeface="+mn-ea"/>
+                <a:cs typeface="+mn-cs"/>
+              </a:defRPr>
+            </a:lvl4pPr>
+            <a:lvl5pPr marL="2057400" indent="-228600" algn="l" defTabSz="914400" rtl="0" eaLnBrk="1" latinLnBrk="0" hangingPunct="1">
+              <a:lnSpc>
+                <a:spcPct val="90000"/>
+              </a:lnSpc>
+              <a:spcBef>
+                <a:spcPts val="500"/>
+              </a:spcBef>
+              <a:buFont typeface="Arial" panose="020B0604020202020204" pitchFamily="34" charset="0"/>
+              <a:buChar char="•"/>
+              <a:defRPr sz="1800" kern="1200">
+                <a:solidFill>
+                  <a:schemeClr val="tx1"/>
+                </a:solidFill>
+                <a:latin typeface="+mn-lt"/>
+                <a:ea typeface="+mn-ea"/>
+                <a:cs typeface="+mn-cs"/>
+              </a:defRPr>
+            </a:lvl5pPr>
+            <a:lvl6pPr marL="2514600" indent="-228600" algn="l" defTabSz="914400" rtl="0" eaLnBrk="1" latinLnBrk="0" hangingPunct="1">
+              <a:lnSpc>
+                <a:spcPct val="90000"/>
+              </a:lnSpc>
+              <a:spcBef>
+                <a:spcPts val="500"/>
+              </a:spcBef>
+              <a:buFont typeface="Arial" panose="020B0604020202020204" pitchFamily="34" charset="0"/>
+              <a:buChar char="•"/>
+              <a:defRPr sz="1800" kern="1200">
+                <a:solidFill>
+                  <a:schemeClr val="tx1"/>
+                </a:solidFill>
+                <a:latin typeface="+mn-lt"/>
+                <a:ea typeface="+mn-ea"/>
+                <a:cs typeface="+mn-cs"/>
+              </a:defRPr>
+            </a:lvl6pPr>
+            <a:lvl7pPr marL="2971800" indent="-228600" algn="l" defTabSz="914400" rtl="0" eaLnBrk="1" latinLnBrk="0" hangingPunct="1">
+              <a:lnSpc>
+                <a:spcPct val="90000"/>
+              </a:lnSpc>
+              <a:spcBef>
+                <a:spcPts val="500"/>
+              </a:spcBef>
+              <a:buFont typeface="Arial" panose="020B0604020202020204" pitchFamily="34" charset="0"/>
+              <a:buChar char="•"/>
+              <a:defRPr sz="1800" kern="1200">
+                <a:solidFill>
+                  <a:schemeClr val="tx1"/>
+                </a:solidFill>
+                <a:latin typeface="+mn-lt"/>
+                <a:ea typeface="+mn-ea"/>
+                <a:cs typeface="+mn-cs"/>
+              </a:defRPr>
+            </a:lvl7pPr>
+            <a:lvl8pPr marL="3429000" indent="-228600" algn="l" defTabSz="914400" rtl="0" eaLnBrk="1" latinLnBrk="0" hangingPunct="1">
+              <a:lnSpc>
+                <a:spcPct val="90000"/>
+              </a:lnSpc>
+              <a:spcBef>
+                <a:spcPts val="500"/>
+              </a:spcBef>
+              <a:buFont typeface="Arial" panose="020B0604020202020204" pitchFamily="34" charset="0"/>
+              <a:buChar char="•"/>
+              <a:defRPr sz="1800" kern="1200">
+                <a:solidFill>
+                  <a:schemeClr val="tx1"/>
+                </a:solidFill>
+                <a:latin typeface="+mn-lt"/>
+                <a:ea typeface="+mn-ea"/>
+                <a:cs typeface="+mn-cs"/>
+              </a:defRPr>
+            </a:lvl8pPr>
+            <a:lvl9pPr marL="3886200" indent="-228600" algn="l" defTabSz="914400" rtl="0" eaLnBrk="1" latinLnBrk="0" hangingPunct="1">
+              <a:lnSpc>
+                <a:spcPct val="90000"/>
+              </a:lnSpc>
+              <a:spcBef>
+                <a:spcPts val="500"/>
+              </a:spcBef>
+              <a:buFont typeface="Arial" panose="020B0604020202020204" pitchFamily="34" charset="0"/>
+              <a:buChar char="•"/>
+              <a:defRPr sz="1800" kern="1200">
+                <a:solidFill>
+                  <a:schemeClr val="tx1"/>
+                </a:solidFill>
+                <a:latin typeface="+mn-lt"/>
+                <a:ea typeface="+mn-ea"/>
+                <a:cs typeface="+mn-cs"/>
+              </a:defRPr>
+            </a:lvl9pPr>
+          </a:lstStyle>
+          <a:p>
+            <a:pPr marL="0" indent="0">
+              <a:buFont typeface="Arial" panose="020B0604020202020204" pitchFamily="34" charset="0"/>
+              <a:buNone/>
+            </a:pPr>
+            <a:r>
+              <a:rPr lang="en-US" dirty="0"/>
+              <a:t>In General Spending</a:t>
+            </a:r>
+          </a:p>
+          <a:p>
+            <a:r>
+              <a:rPr lang="en-US" dirty="0"/>
+              <a:t>Consolidated government spending was </a:t>
+            </a:r>
+            <a:r>
+              <a:rPr lang="en-US" b="1" dirty="0"/>
+              <a:t>37% of GDP </a:t>
+            </a:r>
+            <a:r>
+              <a:rPr lang="en-US" dirty="0"/>
+              <a:t>in XXX (compared to X% at the Federal level).</a:t>
             </a:r>
           </a:p>
           <a:p>
@@ -6932,4 +7675,319 @@
     </a:ext>
   </a:extLst>
 </a:theme>
+</file>
+
+<file path=ppt/theme/theme2.xml><?xml version="1.0" encoding="utf-8"?>
+<a:theme xmlns:a="http://schemas.openxmlformats.org/drawingml/2006/main" name="Office Theme">
+  <a:themeElements>
+    <a:clrScheme name="Office">
+      <a:dk1>
+        <a:sysClr val="windowText" lastClr="000000"/>
+      </a:dk1>
+      <a:lt1>
+        <a:sysClr val="window" lastClr="FFFFFF"/>
+      </a:lt1>
+      <a:dk2>
+        <a:srgbClr val="0E2841"/>
+      </a:dk2>
+      <a:lt2>
+        <a:srgbClr val="E8E8E8"/>
+      </a:lt2>
+      <a:accent1>
+        <a:srgbClr val="156082"/>
+      </a:accent1>
+      <a:accent2>
+        <a:srgbClr val="E97132"/>
+      </a:accent2>
+      <a:accent3>
+        <a:srgbClr val="196B24"/>
+      </a:accent3>
+      <a:accent4>
+        <a:srgbClr val="0F9ED5"/>
+      </a:accent4>
+      <a:accent5>
+        <a:srgbClr val="A02B93"/>
+      </a:accent5>
+      <a:accent6>
+        <a:srgbClr val="4EA72E"/>
+      </a:accent6>
+      <a:hlink>
+        <a:srgbClr val="467886"/>
+      </a:hlink>
+      <a:folHlink>
+        <a:srgbClr val="96607D"/>
+      </a:folHlink>
+    </a:clrScheme>
+    <a:fontScheme name="Office">
+      <a:majorFont>
+        <a:latin typeface="Aptos Display" panose="02110004020202020204"/>
+        <a:ea typeface=""/>
+        <a:cs typeface=""/>
+        <a:font script="Jpan" typeface="游ゴシック Light"/>
+        <a:font script="Hang" typeface="맑은 고딕"/>
+        <a:font script="Hans" typeface="等线 Light"/>
+        <a:font script="Hant" typeface="新細明體"/>
+        <a:font script="Arab" typeface="Times New Roman"/>
+        <a:font script="Hebr" typeface="Times New Roman"/>
+        <a:font script="Thai" typeface="Angsana New"/>
+        <a:font script="Ethi" typeface="Nyala"/>
+        <a:font script="Beng" typeface="Vrinda"/>
+        <a:font script="Gujr" typeface="Shruti"/>
+        <a:font script="Khmr" typeface="MoolBoran"/>
+        <a:font script="Knda" typeface="Tunga"/>
+        <a:font script="Guru" typeface="Raavi"/>
+        <a:font script="Cans" typeface="Euphemia"/>
+        <a:font script="Cher" typeface="Plantagenet Cherokee"/>
+        <a:font script="Yiii" typeface="Microsoft Yi Baiti"/>
+        <a:font script="Tibt" typeface="Microsoft Himalaya"/>
+        <a:font script="Thaa" typeface="MV Boli"/>
+        <a:font script="Deva" typeface="Mangal"/>
+        <a:font script="Telu" typeface="Gautami"/>
+        <a:font script="Taml" typeface="Latha"/>
+        <a:font script="Syrc" typeface="Estrangelo Edessa"/>
+        <a:font script="Orya" typeface="Kalinga"/>
+        <a:font script="Mlym" typeface="Kartika"/>
+        <a:font script="Laoo" typeface="DokChampa"/>
+        <a:font script="Sinh" typeface="Iskoola Pota"/>
+        <a:font script="Mong" typeface="Mongolian Baiti"/>
+        <a:font script="Viet" typeface="Times New Roman"/>
+        <a:font script="Uigh" typeface="Microsoft Uighur"/>
+        <a:font script="Geor" typeface="Sylfaen"/>
+        <a:font script="Armn" typeface="Arial"/>
+        <a:font script="Bugi" typeface="Leelawadee UI"/>
+        <a:font script="Bopo" typeface="Microsoft JhengHei"/>
+        <a:font script="Java" typeface="Javanese Text"/>
+        <a:font script="Lisu" typeface="Segoe UI"/>
+        <a:font script="Mymr" typeface="Myanmar Text"/>
+        <a:font script="Nkoo" typeface="Ebrima"/>
+        <a:font script="Olck" typeface="Nirmala UI"/>
+        <a:font script="Osma" typeface="Ebrima"/>
+        <a:font script="Phag" typeface="Phagspa"/>
+        <a:font script="Syrn" typeface="Estrangelo Edessa"/>
+        <a:font script="Syrj" typeface="Estrangelo Edessa"/>
+        <a:font script="Syre" typeface="Estrangelo Edessa"/>
+        <a:font script="Sora" typeface="Nirmala UI"/>
+        <a:font script="Tale" typeface="Microsoft Tai Le"/>
+        <a:font script="Talu" typeface="Microsoft New Tai Lue"/>
+        <a:font script="Tfng" typeface="Ebrima"/>
+      </a:majorFont>
+      <a:minorFont>
+        <a:latin typeface="Aptos" panose="02110004020202020204"/>
+        <a:ea typeface=""/>
+        <a:cs typeface=""/>
+        <a:font script="Jpan" typeface="游ゴシック"/>
+        <a:font script="Hang" typeface="맑은 고딕"/>
+        <a:font script="Hans" typeface="等线"/>
+        <a:font script="Hant" typeface="新細明體"/>
+        <a:font script="Arab" typeface="Arial"/>
+        <a:font script="Hebr" typeface="Arial"/>
+        <a:font script="Thai" typeface="Cordia New"/>
+        <a:font script="Ethi" typeface="Nyala"/>
+        <a:font script="Beng" typeface="Vrinda"/>
+        <a:font script="Gujr" typeface="Shruti"/>
+        <a:font script="Khmr" typeface="DaunPenh"/>
+        <a:font script="Knda" typeface="Tunga"/>
+        <a:font script="Guru" typeface="Raavi"/>
+        <a:font script="Cans" typeface="Euphemia"/>
+        <a:font script="Cher" typeface="Plantagenet Cherokee"/>
+        <a:font script="Yiii" typeface="Microsoft Yi Baiti"/>
+        <a:font script="Tibt" typeface="Microsoft Himalaya"/>
+        <a:font script="Thaa" typeface="MV Boli"/>
+        <a:font script="Deva" typeface="Mangal"/>
+        <a:font script="Telu" typeface="Gautami"/>
+        <a:font script="Taml" typeface="Latha"/>
+        <a:font script="Syrc" typeface="Estrangelo Edessa"/>
+        <a:font script="Orya" typeface="Kalinga"/>
+        <a:font script="Mlym" typeface="Kartika"/>
+        <a:font script="Laoo" typeface="DokChampa"/>
+        <a:font script="Sinh" typeface="Iskoola Pota"/>
+        <a:font script="Mong" typeface="Mongolian Baiti"/>
+        <a:font script="Viet" typeface="Arial"/>
+        <a:font script="Uigh" typeface="Microsoft Uighur"/>
+        <a:font script="Geor" typeface="Sylfaen"/>
+        <a:font script="Armn" typeface="Arial"/>
+        <a:font script="Bugi" typeface="Leelawadee UI"/>
+        <a:font script="Bopo" typeface="Microsoft JhengHei"/>
+        <a:font script="Java" typeface="Javanese Text"/>
+        <a:font script="Lisu" typeface="Segoe UI"/>
+        <a:font script="Mymr" typeface="Myanmar Text"/>
+        <a:font script="Nkoo" typeface="Ebrima"/>
+        <a:font script="Olck" typeface="Nirmala UI"/>
+        <a:font script="Osma" typeface="Ebrima"/>
+        <a:font script="Phag" typeface="Phagspa"/>
+        <a:font script="Syrn" typeface="Estrangelo Edessa"/>
+        <a:font script="Syrj" typeface="Estrangelo Edessa"/>
+        <a:font script="Syre" typeface="Estrangelo Edessa"/>
+        <a:font script="Sora" typeface="Nirmala UI"/>
+        <a:font script="Tale" typeface="Microsoft Tai Le"/>
+        <a:font script="Talu" typeface="Microsoft New Tai Lue"/>
+        <a:font script="Tfng" typeface="Ebrima"/>
+      </a:minorFont>
+    </a:fontScheme>
+    <a:fmtScheme name="Office">
+      <a:fillStyleLst>
+        <a:solidFill>
+          <a:schemeClr val="phClr"/>
+        </a:solidFill>
+        <a:gradFill rotWithShape="1">
+          <a:gsLst>
+            <a:gs pos="0">
+              <a:schemeClr val="phClr">
+                <a:lumMod val="110000"/>
+                <a:satMod val="105000"/>
+                <a:tint val="67000"/>
+              </a:schemeClr>
+            </a:gs>
+            <a:gs pos="50000">
+              <a:schemeClr val="phClr">
+                <a:lumMod val="105000"/>
+                <a:satMod val="103000"/>
+                <a:tint val="73000"/>
+              </a:schemeClr>
+            </a:gs>
+            <a:gs pos="100000">
+              <a:schemeClr val="phClr">
+                <a:lumMod val="105000"/>
+                <a:satMod val="109000"/>
+                <a:tint val="81000"/>
+              </a:schemeClr>
+            </a:gs>
+          </a:gsLst>
+          <a:lin ang="5400000" scaled="0"/>
+        </a:gradFill>
+        <a:gradFill rotWithShape="1">
+          <a:gsLst>
+            <a:gs pos="0">
+              <a:schemeClr val="phClr">
+                <a:satMod val="103000"/>
+                <a:lumMod val="102000"/>
+                <a:tint val="94000"/>
+              </a:schemeClr>
+            </a:gs>
+            <a:gs pos="50000">
+              <a:schemeClr val="phClr">
+                <a:satMod val="110000"/>
+                <a:lumMod val="100000"/>
+                <a:shade val="100000"/>
+              </a:schemeClr>
+            </a:gs>
+            <a:gs pos="100000">
+              <a:schemeClr val="phClr">
+                <a:lumMod val="99000"/>
+                <a:satMod val="120000"/>
+                <a:shade val="78000"/>
+              </a:schemeClr>
+            </a:gs>
+          </a:gsLst>
+          <a:lin ang="5400000" scaled="0"/>
+        </a:gradFill>
+      </a:fillStyleLst>
+      <a:lnStyleLst>
+        <a:ln w="12700" cap="flat" cmpd="sng" algn="ctr">
+          <a:solidFill>
+            <a:schemeClr val="phClr"/>
+          </a:solidFill>
+          <a:prstDash val="solid"/>
+          <a:miter lim="800000"/>
+        </a:ln>
+        <a:ln w="19050" cap="flat" cmpd="sng" algn="ctr">
+          <a:solidFill>
+            <a:schemeClr val="phClr"/>
+          </a:solidFill>
+          <a:prstDash val="solid"/>
+          <a:miter lim="800000"/>
+        </a:ln>
+        <a:ln w="25400" cap="flat" cmpd="sng" algn="ctr">
+          <a:solidFill>
+            <a:schemeClr val="phClr"/>
+          </a:solidFill>
+          <a:prstDash val="solid"/>
+          <a:miter lim="800000"/>
+        </a:ln>
+      </a:lnStyleLst>
+      <a:effectStyleLst>
+        <a:effectStyle>
+          <a:effectLst/>
+        </a:effectStyle>
+        <a:effectStyle>
+          <a:effectLst/>
+        </a:effectStyle>
+        <a:effectStyle>
+          <a:effectLst>
+            <a:outerShdw blurRad="57150" dist="19050" dir="5400000" algn="ctr" rotWithShape="0">
+              <a:srgbClr val="000000">
+                <a:alpha val="63000"/>
+              </a:srgbClr>
+            </a:outerShdw>
+          </a:effectLst>
+        </a:effectStyle>
+      </a:effectStyleLst>
+      <a:bgFillStyleLst>
+        <a:solidFill>
+          <a:schemeClr val="phClr"/>
+        </a:solidFill>
+        <a:solidFill>
+          <a:schemeClr val="phClr">
+            <a:tint val="95000"/>
+            <a:satMod val="170000"/>
+          </a:schemeClr>
+        </a:solidFill>
+        <a:gradFill rotWithShape="1">
+          <a:gsLst>
+            <a:gs pos="0">
+              <a:schemeClr val="phClr">
+                <a:tint val="93000"/>
+                <a:satMod val="150000"/>
+                <a:shade val="98000"/>
+                <a:lumMod val="102000"/>
+              </a:schemeClr>
+            </a:gs>
+            <a:gs pos="50000">
+              <a:schemeClr val="phClr">
+                <a:tint val="98000"/>
+                <a:satMod val="130000"/>
+                <a:shade val="90000"/>
+                <a:lumMod val="103000"/>
+              </a:schemeClr>
+            </a:gs>
+            <a:gs pos="100000">
+              <a:schemeClr val="phClr">
+                <a:shade val="63000"/>
+                <a:satMod val="120000"/>
+              </a:schemeClr>
+            </a:gs>
+          </a:gsLst>
+          <a:lin ang="5400000" scaled="0"/>
+        </a:gradFill>
+      </a:bgFillStyleLst>
+    </a:fmtScheme>
+  </a:themeElements>
+  <a:objectDefaults>
+    <a:lnDef>
+      <a:spPr/>
+      <a:bodyPr/>
+      <a:lstStyle/>
+      <a:style>
+        <a:lnRef idx="2">
+          <a:schemeClr val="accent1"/>
+        </a:lnRef>
+        <a:fillRef idx="0">
+          <a:schemeClr val="accent1"/>
+        </a:fillRef>
+        <a:effectRef idx="1">
+          <a:schemeClr val="accent1"/>
+        </a:effectRef>
+        <a:fontRef idx="minor">
+          <a:schemeClr val="tx1"/>
+        </a:fontRef>
+      </a:style>
+    </a:lnDef>
+  </a:objectDefaults>
+  <a:extraClrSchemeLst/>
+  <a:extLst>
+    <a:ext uri="{05A4C25C-085E-4340-85A3-A5531E510DB2}">
+      <thm15:themeFamily xmlns:thm15="http://schemas.microsoft.com/office/thememl/2012/main" name="Office Theme" id="{2E142A2C-CD16-42D6-873A-C26D2A0506FA}" vid="{1BDDFF52-6CD6-40A5-AB3C-68EB2F1E4D0A}"/>
+    </a:ext>
+  </a:extLst>
+</a:theme>
 </file>
--- a/e61 Projects/Fiscal sustainability/OECD comparison/Initial external plans.pptx
+++ b/e61 Projects/Fiscal sustainability/OECD comparison/Initial external plans.pptx
@@ -5,7 +5,7 @@
     <p:sldMasterId id="2147483648" r:id="rId1"/>
   </p:sldMasterIdLst>
   <p:notesMasterIdLst>
-    <p:notesMasterId r:id="rId19"/>
+    <p:notesMasterId r:id="rId20"/>
   </p:notesMasterIdLst>
   <p:sldIdLst>
     <p:sldId id="256" r:id="rId2"/>
@@ -17,14 +17,15 @@
     <p:sldId id="258" r:id="rId8"/>
     <p:sldId id="268" r:id="rId9"/>
     <p:sldId id="269" r:id="rId10"/>
-    <p:sldId id="270" r:id="rId11"/>
-    <p:sldId id="259" r:id="rId12"/>
-    <p:sldId id="265" r:id="rId13"/>
-    <p:sldId id="272" r:id="rId14"/>
-    <p:sldId id="266" r:id="rId15"/>
-    <p:sldId id="271" r:id="rId16"/>
-    <p:sldId id="267" r:id="rId17"/>
-    <p:sldId id="260" r:id="rId18"/>
+    <p:sldId id="273" r:id="rId11"/>
+    <p:sldId id="270" r:id="rId12"/>
+    <p:sldId id="259" r:id="rId13"/>
+    <p:sldId id="265" r:id="rId14"/>
+    <p:sldId id="272" r:id="rId15"/>
+    <p:sldId id="266" r:id="rId16"/>
+    <p:sldId id="271" r:id="rId17"/>
+    <p:sldId id="267" r:id="rId18"/>
+    <p:sldId id="260" r:id="rId19"/>
   </p:sldIdLst>
   <p:sldSz cx="12192000" cy="6858000"/>
   <p:notesSz cx="6858000" cy="9144000"/>
@@ -245,7 +246,7 @@
           <a:p>
             <a:fld id="{D2F4AEBC-507B-4D8B-BFBD-472F7D6BF5E5}" type="datetimeFigureOut">
               <a:rPr lang="en-NZ" smtClean="0"/>
-              <a:t>7/07/2025</a:t>
+              <a:t>8/07/2025</a:t>
             </a:fld>
             <a:endParaRPr lang="en-NZ"/>
           </a:p>
@@ -760,7 +761,7 @@
           <a:p>
             <a:fld id="{B6E4B8DC-425F-4ABA-B54D-89B5694D594A}" type="datetimeFigureOut">
               <a:rPr lang="en-NZ" smtClean="0"/>
-              <a:t>7/07/2025</a:t>
+              <a:t>8/07/2025</a:t>
             </a:fld>
             <a:endParaRPr lang="en-NZ"/>
           </a:p>
@@ -960,7 +961,7 @@
           <a:p>
             <a:fld id="{B6E4B8DC-425F-4ABA-B54D-89B5694D594A}" type="datetimeFigureOut">
               <a:rPr lang="en-NZ" smtClean="0"/>
-              <a:t>7/07/2025</a:t>
+              <a:t>8/07/2025</a:t>
             </a:fld>
             <a:endParaRPr lang="en-NZ"/>
           </a:p>
@@ -1170,7 +1171,7 @@
           <a:p>
             <a:fld id="{B6E4B8DC-425F-4ABA-B54D-89B5694D594A}" type="datetimeFigureOut">
               <a:rPr lang="en-NZ" smtClean="0"/>
-              <a:t>7/07/2025</a:t>
+              <a:t>8/07/2025</a:t>
             </a:fld>
             <a:endParaRPr lang="en-NZ"/>
           </a:p>
@@ -1370,7 +1371,7 @@
           <a:p>
             <a:fld id="{B6E4B8DC-425F-4ABA-B54D-89B5694D594A}" type="datetimeFigureOut">
               <a:rPr lang="en-NZ" smtClean="0"/>
-              <a:t>7/07/2025</a:t>
+              <a:t>8/07/2025</a:t>
             </a:fld>
             <a:endParaRPr lang="en-NZ"/>
           </a:p>
@@ -1646,7 +1647,7 @@
           <a:p>
             <a:fld id="{B6E4B8DC-425F-4ABA-B54D-89B5694D594A}" type="datetimeFigureOut">
               <a:rPr lang="en-NZ" smtClean="0"/>
-              <a:t>7/07/2025</a:t>
+              <a:t>8/07/2025</a:t>
             </a:fld>
             <a:endParaRPr lang="en-NZ"/>
           </a:p>
@@ -1914,7 +1915,7 @@
           <a:p>
             <a:fld id="{B6E4B8DC-425F-4ABA-B54D-89B5694D594A}" type="datetimeFigureOut">
               <a:rPr lang="en-NZ" smtClean="0"/>
-              <a:t>7/07/2025</a:t>
+              <a:t>8/07/2025</a:t>
             </a:fld>
             <a:endParaRPr lang="en-NZ"/>
           </a:p>
@@ -2329,7 +2330,7 @@
           <a:p>
             <a:fld id="{B6E4B8DC-425F-4ABA-B54D-89B5694D594A}" type="datetimeFigureOut">
               <a:rPr lang="en-NZ" smtClean="0"/>
-              <a:t>7/07/2025</a:t>
+              <a:t>8/07/2025</a:t>
             </a:fld>
             <a:endParaRPr lang="en-NZ"/>
           </a:p>
@@ -2471,7 +2472,7 @@
           <a:p>
             <a:fld id="{B6E4B8DC-425F-4ABA-B54D-89B5694D594A}" type="datetimeFigureOut">
               <a:rPr lang="en-NZ" smtClean="0"/>
-              <a:t>7/07/2025</a:t>
+              <a:t>8/07/2025</a:t>
             </a:fld>
             <a:endParaRPr lang="en-NZ"/>
           </a:p>
@@ -2584,7 +2585,7 @@
           <a:p>
             <a:fld id="{B6E4B8DC-425F-4ABA-B54D-89B5694D594A}" type="datetimeFigureOut">
               <a:rPr lang="en-NZ" smtClean="0"/>
-              <a:t>7/07/2025</a:t>
+              <a:t>8/07/2025</a:t>
             </a:fld>
             <a:endParaRPr lang="en-NZ"/>
           </a:p>
@@ -2897,7 +2898,7 @@
           <a:p>
             <a:fld id="{B6E4B8DC-425F-4ABA-B54D-89B5694D594A}" type="datetimeFigureOut">
               <a:rPr lang="en-NZ" smtClean="0"/>
-              <a:t>7/07/2025</a:t>
+              <a:t>8/07/2025</a:t>
             </a:fld>
             <a:endParaRPr lang="en-NZ"/>
           </a:p>
@@ -3186,7 +3187,7 @@
           <a:p>
             <a:fld id="{B6E4B8DC-425F-4ABA-B54D-89B5694D594A}" type="datetimeFigureOut">
               <a:rPr lang="en-NZ" smtClean="0"/>
-              <a:t>7/07/2025</a:t>
+              <a:t>8/07/2025</a:t>
             </a:fld>
             <a:endParaRPr lang="en-NZ"/>
           </a:p>
@@ -3429,7 +3430,7 @@
           <a:p>
             <a:fld id="{B6E4B8DC-425F-4ABA-B54D-89B5694D594A}" type="datetimeFigureOut">
               <a:rPr lang="en-NZ" smtClean="0"/>
-              <a:t>7/07/2025</a:t>
+              <a:t>8/07/2025</a:t>
             </a:fld>
             <a:endParaRPr lang="en-NZ"/>
           </a:p>
@@ -3921,6 +3922,126 @@
         <p:cNvPr id="1" name="">
           <a:extLst>
             <a:ext uri="{FF2B5EF4-FFF2-40B4-BE49-F238E27FC236}">
+              <a16:creationId xmlns:a16="http://schemas.microsoft.com/office/drawing/2014/main" id="{80E7A5C4-5CC4-02B0-AECC-10458953D849}"/>
+            </a:ext>
+          </a:extLst>
+        </p:cNvPr>
+        <p:cNvGrpSpPr/>
+        <p:nvPr/>
+      </p:nvGrpSpPr>
+      <p:grpSpPr>
+        <a:xfrm>
+          <a:off x="0" y="0"/>
+          <a:ext cx="0" cy="0"/>
+          <a:chOff x="0" y="0"/>
+          <a:chExt cx="0" cy="0"/>
+        </a:xfrm>
+      </p:grpSpPr>
+      <p:sp>
+        <p:nvSpPr>
+          <p:cNvPr id="2" name="Title 1">
+            <a:extLst>
+              <a:ext uri="{FF2B5EF4-FFF2-40B4-BE49-F238E27FC236}">
+                <a16:creationId xmlns:a16="http://schemas.microsoft.com/office/drawing/2014/main" id="{B018B313-1BEC-EE8D-C18D-B2D67F94EA92}"/>
+              </a:ext>
+            </a:extLst>
+          </p:cNvPr>
+          <p:cNvSpPr>
+            <a:spLocks noGrp="1"/>
+          </p:cNvSpPr>
+          <p:nvPr>
+            <p:ph type="title"/>
+          </p:nvPr>
+        </p:nvSpPr>
+        <p:spPr/>
+        <p:txBody>
+          <a:bodyPr/>
+          <a:lstStyle/>
+          <a:p>
+            <a:r>
+              <a:rPr lang="en-US" dirty="0"/>
+              <a:t>What does consolidation tell us?</a:t>
+            </a:r>
+            <a:endParaRPr lang="en-NZ" dirty="0"/>
+          </a:p>
+        </p:txBody>
+      </p:sp>
+      <p:sp>
+        <p:nvSpPr>
+          <p:cNvPr id="3" name="Content Placeholder 2">
+            <a:extLst>
+              <a:ext uri="{FF2B5EF4-FFF2-40B4-BE49-F238E27FC236}">
+                <a16:creationId xmlns:a16="http://schemas.microsoft.com/office/drawing/2014/main" id="{E79C3382-20E7-1112-55A6-45258EE663D5}"/>
+              </a:ext>
+            </a:extLst>
+          </p:cNvPr>
+          <p:cNvSpPr>
+            <a:spLocks noGrp="1"/>
+          </p:cNvSpPr>
+          <p:nvPr>
+            <p:ph idx="1"/>
+          </p:nvPr>
+        </p:nvSpPr>
+        <p:spPr>
+          <a:xfrm>
+            <a:off x="838200" y="1690688"/>
+            <a:ext cx="9704832" cy="1325563"/>
+          </a:xfrm>
+        </p:spPr>
+        <p:txBody>
+          <a:bodyPr>
+            <a:normAutofit/>
+          </a:bodyPr>
+          <a:lstStyle/>
+          <a:p>
+            <a:pPr marL="0" indent="0">
+              <a:buNone/>
+            </a:pPr>
+            <a:r>
+              <a:rPr lang="en-US" dirty="0"/>
+              <a:t>Stickiness of expenditures (</a:t>
+            </a:r>
+            <a:r>
+              <a:rPr lang="en-US" b="1" dirty="0"/>
+              <a:t>short-termism</a:t>
+            </a:r>
+            <a:r>
+              <a:rPr lang="en-US" dirty="0"/>
+              <a:t>)</a:t>
+            </a:r>
+          </a:p>
+          <a:p>
+            <a:r>
+              <a:rPr lang="en-US" dirty="0"/>
+              <a:t>XXX</a:t>
+            </a:r>
+          </a:p>
+          <a:p>
+            <a:endParaRPr lang="en-US" dirty="0"/>
+          </a:p>
+        </p:txBody>
+      </p:sp>
+    </p:spTree>
+    <p:extLst>
+      <p:ext uri="{BB962C8B-B14F-4D97-AF65-F5344CB8AC3E}">
+        <p14:creationId xmlns:p14="http://schemas.microsoft.com/office/powerpoint/2010/main" val="3857276715"/>
+      </p:ext>
+    </p:extLst>
+  </p:cSld>
+  <p:clrMapOvr>
+    <a:masterClrMapping/>
+  </p:clrMapOvr>
+</p:sld>
+</file>
+
+<file path=ppt/slides/slide11.xml><?xml version="1.0" encoding="utf-8"?>
+<p:sld xmlns:a="http://schemas.openxmlformats.org/drawingml/2006/main" xmlns:r="http://schemas.openxmlformats.org/officeDocument/2006/relationships" xmlns:p="http://schemas.openxmlformats.org/presentationml/2006/main">
+  <p:cSld>
+    <p:spTree>
+      <p:nvGrpSpPr>
+        <p:cNvPr id="1" name="">
+          <a:extLst>
+            <a:ext uri="{FF2B5EF4-FFF2-40B4-BE49-F238E27FC236}">
               <a16:creationId xmlns:a16="http://schemas.microsoft.com/office/drawing/2014/main" id="{F338CAD0-FFE1-3DC1-782C-ED7392A018CD}"/>
             </a:ext>
           </a:extLst>
@@ -4025,7 +4146,7 @@
 </p:sld>
 </file>
 
-<file path=ppt/slides/slide11.xml><?xml version="1.0" encoding="utf-8"?>
+<file path=ppt/slides/slide12.xml><?xml version="1.0" encoding="utf-8"?>
 <p:sld xmlns:a="http://schemas.openxmlformats.org/drawingml/2006/main" xmlns:r="http://schemas.openxmlformats.org/officeDocument/2006/relationships" xmlns:p="http://schemas.openxmlformats.org/presentationml/2006/main">
   <p:cSld>
     <p:spTree>
@@ -4349,7 +4470,7 @@
 </p:sld>
 </file>
 
-<file path=ppt/slides/slide12.xml><?xml version="1.0" encoding="utf-8"?>
+<file path=ppt/slides/slide13.xml><?xml version="1.0" encoding="utf-8"?>
 <p:sld xmlns:a="http://schemas.openxmlformats.org/drawingml/2006/main" xmlns:r="http://schemas.openxmlformats.org/officeDocument/2006/relationships" xmlns:p="http://schemas.openxmlformats.org/presentationml/2006/main">
   <p:cSld>
     <p:spTree>
@@ -4576,7 +4697,7 @@
 </p:sld>
 </file>
 
-<file path=ppt/slides/slide13.xml><?xml version="1.0" encoding="utf-8"?>
+<file path=ppt/slides/slide14.xml><?xml version="1.0" encoding="utf-8"?>
 <p:sld xmlns:a="http://schemas.openxmlformats.org/drawingml/2006/main" xmlns:r="http://schemas.openxmlformats.org/officeDocument/2006/relationships" xmlns:p="http://schemas.openxmlformats.org/presentationml/2006/main">
   <p:cSld>
     <p:spTree>
@@ -4780,7 +4901,7 @@
 </p:sld>
 </file>
 
-<file path=ppt/slides/slide14.xml><?xml version="1.0" encoding="utf-8"?>
+<file path=ppt/slides/slide15.xml><?xml version="1.0" encoding="utf-8"?>
 <p:sld xmlns:a="http://schemas.openxmlformats.org/drawingml/2006/main" xmlns:r="http://schemas.openxmlformats.org/officeDocument/2006/relationships" xmlns:p="http://schemas.openxmlformats.org/presentationml/2006/main">
   <p:cSld>
     <p:spTree>
@@ -5008,7 +5129,7 @@
 </p:sld>
 </file>
 
-<file path=ppt/slides/slide15.xml><?xml version="1.0" encoding="utf-8"?>
+<file path=ppt/slides/slide16.xml><?xml version="1.0" encoding="utf-8"?>
 <p:sld xmlns:a="http://schemas.openxmlformats.org/drawingml/2006/main" xmlns:r="http://schemas.openxmlformats.org/officeDocument/2006/relationships" xmlns:p="http://schemas.openxmlformats.org/presentationml/2006/main">
   <p:cSld>
     <p:spTree>
@@ -5216,7 +5337,7 @@
 </p:sld>
 </file>
 
-<file path=ppt/slides/slide16.xml><?xml version="1.0" encoding="utf-8"?>
+<file path=ppt/slides/slide17.xml><?xml version="1.0" encoding="utf-8"?>
 <p:sld xmlns:a="http://schemas.openxmlformats.org/drawingml/2006/main" xmlns:r="http://schemas.openxmlformats.org/officeDocument/2006/relationships" xmlns:p="http://schemas.openxmlformats.org/presentationml/2006/main">
   <p:cSld>
     <p:spTree>
@@ -5315,7 +5436,7 @@
 </p:sld>
 </file>
 
-<file path=ppt/slides/slide17.xml><?xml version="1.0" encoding="utf-8"?>
+<file path=ppt/slides/slide18.xml><?xml version="1.0" encoding="utf-8"?>
 <p:sld xmlns:a="http://schemas.openxmlformats.org/drawingml/2006/main" xmlns:r="http://schemas.openxmlformats.org/officeDocument/2006/relationships" xmlns:p="http://schemas.openxmlformats.org/presentationml/2006/main">
   <p:cSld>
     <p:spTree>
@@ -6039,10 +6160,10 @@
           <a:lstStyle/>
           <a:p>
             <a:r>
-              <a:rPr lang="en-US"/>
+              <a:rPr lang="en-US" dirty="0"/>
               <a:t>What has happened to Federal Spending?</a:t>
             </a:r>
-            <a:endParaRPr lang="en-NZ"/>
+            <a:endParaRPr lang="en-NZ" dirty="0"/>
           </a:p>
         </p:txBody>
       </p:sp>
@@ -6067,7 +6188,7 @@
           <a:bodyPr/>
           <a:lstStyle/>
           <a:p>
-            <a:endParaRPr lang="en-NZ"/>
+            <a:endParaRPr lang="en-NZ" dirty="0"/>
           </a:p>
         </p:txBody>
       </p:sp>
@@ -6863,45 +6984,48 @@
             <p:ph idx="1"/>
           </p:nvPr>
         </p:nvSpPr>
-        <p:spPr/>
-        <p:txBody>
-          <a:bodyPr/>
+        <p:spPr>
+          <a:xfrm>
+            <a:off x="838200" y="1825625"/>
+            <a:ext cx="10515600" cy="1676527"/>
+          </a:xfrm>
+        </p:spPr>
+        <p:txBody>
+          <a:bodyPr>
+            <a:normAutofit/>
+          </a:bodyPr>
           <a:lstStyle/>
           <a:p>
             <a:r>
               <a:rPr lang="en-US" dirty="0"/>
-              <a:t>Looks like we have OECD data</a:t>
-            </a:r>
-          </a:p>
-          <a:p>
+              <a:t>OECD Fiscal </a:t>
+            </a:r>
+            <a:r>
+              <a:rPr lang="en-US" dirty="0" err="1"/>
+              <a:t>Decentralisation</a:t>
+            </a:r>
             <a:r>
               <a:rPr lang="en-US" dirty="0"/>
-              <a:t>Looks like we can request ABS data (made a fairly detailed request, waiting to hear back).</a:t>
-            </a:r>
-          </a:p>
-          <a:p>
-            <a:endParaRPr lang="en-US" dirty="0"/>
+              <a:t> (Spending by Function, COFOG)</a:t>
+            </a:r>
+          </a:p>
+          <a:p>
+            <a:r>
+              <a:rPr lang="en-US" dirty="0"/>
+              <a:t>ABS Government Fiscal Standards (Spending by XXX)</a:t>
+            </a:r>
+          </a:p>
+          <a:p>
+            <a:r>
+              <a:rPr lang="en-US" dirty="0"/>
+              <a:t>Requesting ABS data the combines these.</a:t>
+            </a:r>
           </a:p>
           <a:p>
             <a:pPr marL="0" indent="0">
               <a:buNone/>
             </a:pPr>
-            <a:r>
-              <a:rPr lang="en-US" dirty="0"/>
-              <a:t>Consolidation</a:t>
-            </a:r>
-          </a:p>
-          <a:p>
-            <a:r>
-              <a:rPr lang="en-NZ" dirty="0"/>
-              <a:t>GFS accounts – publicly available, tell us about nature of costs, nothing on functions (i.e. health)</a:t>
-            </a:r>
-          </a:p>
-          <a:p>
-            <a:r>
-              <a:rPr lang="en-NZ" dirty="0"/>
-              <a:t>COFOG – use based on function, allows us to understand disaggregated trends.</a:t>
-            </a:r>
+            <a:endParaRPr lang="en-US" dirty="0"/>
           </a:p>
         </p:txBody>
       </p:sp>

--- a/e61 Projects/Fiscal sustainability/OECD comparison/Initial external plans.pptx
+++ b/e61 Projects/Fiscal sustainability/OECD comparison/Initial external plans.pptx
@@ -5,7 +5,7 @@
     <p:sldMasterId id="2147483648" r:id="rId1"/>
   </p:sldMasterIdLst>
   <p:notesMasterIdLst>
-    <p:notesMasterId r:id="rId20"/>
+    <p:notesMasterId r:id="rId23"/>
   </p:notesMasterIdLst>
   <p:sldIdLst>
     <p:sldId id="256" r:id="rId2"/>
@@ -13,19 +13,22 @@
     <p:sldId id="263" r:id="rId4"/>
     <p:sldId id="262" r:id="rId5"/>
     <p:sldId id="264" r:id="rId6"/>
-    <p:sldId id="257" r:id="rId7"/>
-    <p:sldId id="258" r:id="rId8"/>
-    <p:sldId id="268" r:id="rId9"/>
-    <p:sldId id="269" r:id="rId10"/>
-    <p:sldId id="273" r:id="rId11"/>
+    <p:sldId id="275" r:id="rId7"/>
+    <p:sldId id="276" r:id="rId8"/>
+    <p:sldId id="257" r:id="rId9"/>
+    <p:sldId id="258" r:id="rId10"/>
+    <p:sldId id="268" r:id="rId11"/>
     <p:sldId id="270" r:id="rId12"/>
-    <p:sldId id="259" r:id="rId13"/>
-    <p:sldId id="265" r:id="rId14"/>
-    <p:sldId id="272" r:id="rId15"/>
-    <p:sldId id="266" r:id="rId16"/>
-    <p:sldId id="271" r:id="rId17"/>
-    <p:sldId id="267" r:id="rId18"/>
-    <p:sldId id="260" r:id="rId19"/>
+    <p:sldId id="269" r:id="rId13"/>
+    <p:sldId id="273" r:id="rId14"/>
+    <p:sldId id="259" r:id="rId15"/>
+    <p:sldId id="265" r:id="rId16"/>
+    <p:sldId id="272" r:id="rId17"/>
+    <p:sldId id="266" r:id="rId18"/>
+    <p:sldId id="271" r:id="rId19"/>
+    <p:sldId id="267" r:id="rId20"/>
+    <p:sldId id="260" r:id="rId21"/>
+    <p:sldId id="274" r:id="rId22"/>
   </p:sldIdLst>
   <p:sldSz cx="12192000" cy="6858000"/>
   <p:notesSz cx="6858000" cy="9144000"/>
@@ -138,6 +141,14 @@
 </p188:authorLst>
 </file>
 
+<file path=ppt/revisionInfo.xml><?xml version="1.0" encoding="utf-8"?>
+<p1510:revInfo xmlns:a="http://schemas.openxmlformats.org/drawingml/2006/main" xmlns:r="http://schemas.openxmlformats.org/officeDocument/2006/relationships" xmlns:p1510="http://schemas.microsoft.com/office/powerpoint/2015/10/main">
+  <p1510:revLst>
+    <p1510:client id="{E8362FAF-6832-43CC-860F-0C70EEFCC46A}" v="20" dt="2025-07-08T05:10:06.444"/>
+  </p1510:revLst>
+</p1510:revInfo>
+</file>
+
 <file path=ppt/comments/modernComment_101_78160C5D.xml><?xml version="1.0" encoding="utf-8"?>
 <p188:cmLst xmlns:a="http://schemas.openxmlformats.org/drawingml/2006/main" xmlns:r="http://schemas.openxmlformats.org/officeDocument/2006/relationships" xmlns:p188="http://schemas.microsoft.com/office/powerpoint/2018/8/main">
   <p188:cm id="{0B847ED9-C1DE-44DA-88D5-1CD3B9BCF698}" authorId="{B11BB3D2-AFEC-847B-6D75-BD537A3954BD}" created="2025-07-07T03:10:47.915">
@@ -145,8 +156,8 @@
       <pc:docMk xmlns:pc="http://schemas.microsoft.com/office/powerpoint/2013/main/command"/>
       <pc:sldMk xmlns:pc="http://schemas.microsoft.com/office/powerpoint/2013/main/command" cId="2014710877" sldId="257"/>
       <ac:spMk id="3" creationId="{118BC3D1-B5C6-D90F-3FDE-CB92E395B716}"/>
-      <ac:txMk cp="453" len="141">
-        <ac:context len="595" hash="1295246626"/>
+      <ac:txMk cp="464" len="141">
+        <ac:context len="606" hash="1231900945"/>
       </ac:txMk>
     </ac:txMkLst>
     <p188:pos x="10045390" y="3367332"/>
@@ -246,7 +257,7 @@
           <a:p>
             <a:fld id="{D2F4AEBC-507B-4D8B-BFBD-472F7D6BF5E5}" type="datetimeFigureOut">
               <a:rPr lang="en-NZ" smtClean="0"/>
-              <a:t>8/07/2025</a:t>
+              <a:t>9/07/2025</a:t>
             </a:fld>
             <a:endParaRPr lang="en-NZ"/>
           </a:p>
@@ -593,7 +604,7 @@
           <a:p>
             <a:fld id="{AFB2D22F-ED8B-45B3-B4D0-9E36EA68606D}" type="slidenum">
               <a:rPr lang="en-NZ" smtClean="0"/>
-              <a:t>8</a:t>
+              <a:t>10</a:t>
             </a:fld>
             <a:endParaRPr lang="en-NZ"/>
           </a:p>
@@ -761,7 +772,7 @@
           <a:p>
             <a:fld id="{B6E4B8DC-425F-4ABA-B54D-89B5694D594A}" type="datetimeFigureOut">
               <a:rPr lang="en-NZ" smtClean="0"/>
-              <a:t>8/07/2025</a:t>
+              <a:t>9/07/2025</a:t>
             </a:fld>
             <a:endParaRPr lang="en-NZ"/>
           </a:p>
@@ -961,7 +972,7 @@
           <a:p>
             <a:fld id="{B6E4B8DC-425F-4ABA-B54D-89B5694D594A}" type="datetimeFigureOut">
               <a:rPr lang="en-NZ" smtClean="0"/>
-              <a:t>8/07/2025</a:t>
+              <a:t>9/07/2025</a:t>
             </a:fld>
             <a:endParaRPr lang="en-NZ"/>
           </a:p>
@@ -1171,7 +1182,7 @@
           <a:p>
             <a:fld id="{B6E4B8DC-425F-4ABA-B54D-89B5694D594A}" type="datetimeFigureOut">
               <a:rPr lang="en-NZ" smtClean="0"/>
-              <a:t>8/07/2025</a:t>
+              <a:t>9/07/2025</a:t>
             </a:fld>
             <a:endParaRPr lang="en-NZ"/>
           </a:p>
@@ -1371,7 +1382,7 @@
           <a:p>
             <a:fld id="{B6E4B8DC-425F-4ABA-B54D-89B5694D594A}" type="datetimeFigureOut">
               <a:rPr lang="en-NZ" smtClean="0"/>
-              <a:t>8/07/2025</a:t>
+              <a:t>9/07/2025</a:t>
             </a:fld>
             <a:endParaRPr lang="en-NZ"/>
           </a:p>
@@ -1647,7 +1658,7 @@
           <a:p>
             <a:fld id="{B6E4B8DC-425F-4ABA-B54D-89B5694D594A}" type="datetimeFigureOut">
               <a:rPr lang="en-NZ" smtClean="0"/>
-              <a:t>8/07/2025</a:t>
+              <a:t>9/07/2025</a:t>
             </a:fld>
             <a:endParaRPr lang="en-NZ"/>
           </a:p>
@@ -1915,7 +1926,7 @@
           <a:p>
             <a:fld id="{B6E4B8DC-425F-4ABA-B54D-89B5694D594A}" type="datetimeFigureOut">
               <a:rPr lang="en-NZ" smtClean="0"/>
-              <a:t>8/07/2025</a:t>
+              <a:t>9/07/2025</a:t>
             </a:fld>
             <a:endParaRPr lang="en-NZ"/>
           </a:p>
@@ -2330,7 +2341,7 @@
           <a:p>
             <a:fld id="{B6E4B8DC-425F-4ABA-B54D-89B5694D594A}" type="datetimeFigureOut">
               <a:rPr lang="en-NZ" smtClean="0"/>
-              <a:t>8/07/2025</a:t>
+              <a:t>9/07/2025</a:t>
             </a:fld>
             <a:endParaRPr lang="en-NZ"/>
           </a:p>
@@ -2472,7 +2483,7 @@
           <a:p>
             <a:fld id="{B6E4B8DC-425F-4ABA-B54D-89B5694D594A}" type="datetimeFigureOut">
               <a:rPr lang="en-NZ" smtClean="0"/>
-              <a:t>8/07/2025</a:t>
+              <a:t>9/07/2025</a:t>
             </a:fld>
             <a:endParaRPr lang="en-NZ"/>
           </a:p>
@@ -2585,7 +2596,7 @@
           <a:p>
             <a:fld id="{B6E4B8DC-425F-4ABA-B54D-89B5694D594A}" type="datetimeFigureOut">
               <a:rPr lang="en-NZ" smtClean="0"/>
-              <a:t>8/07/2025</a:t>
+              <a:t>9/07/2025</a:t>
             </a:fld>
             <a:endParaRPr lang="en-NZ"/>
           </a:p>
@@ -2898,7 +2909,7 @@
           <a:p>
             <a:fld id="{B6E4B8DC-425F-4ABA-B54D-89B5694D594A}" type="datetimeFigureOut">
               <a:rPr lang="en-NZ" smtClean="0"/>
-              <a:t>8/07/2025</a:t>
+              <a:t>9/07/2025</a:t>
             </a:fld>
             <a:endParaRPr lang="en-NZ"/>
           </a:p>
@@ -3187,7 +3198,7 @@
           <a:p>
             <a:fld id="{B6E4B8DC-425F-4ABA-B54D-89B5694D594A}" type="datetimeFigureOut">
               <a:rPr lang="en-NZ" smtClean="0"/>
-              <a:t>8/07/2025</a:t>
+              <a:t>9/07/2025</a:t>
             </a:fld>
             <a:endParaRPr lang="en-NZ"/>
           </a:p>
@@ -3430,7 +3441,7 @@
           <a:p>
             <a:fld id="{B6E4B8DC-425F-4ABA-B54D-89B5694D594A}" type="datetimeFigureOut">
               <a:rPr lang="en-NZ" smtClean="0"/>
-              <a:t>8/07/2025</a:t>
+              <a:t>9/07/2025</a:t>
             </a:fld>
             <a:endParaRPr lang="en-NZ"/>
           </a:p>
@@ -3922,7 +3933,7 @@
         <p:cNvPr id="1" name="">
           <a:extLst>
             <a:ext uri="{FF2B5EF4-FFF2-40B4-BE49-F238E27FC236}">
-              <a16:creationId xmlns:a16="http://schemas.microsoft.com/office/drawing/2014/main" id="{80E7A5C4-5CC4-02B0-AECC-10458953D849}"/>
+              <a16:creationId xmlns:a16="http://schemas.microsoft.com/office/drawing/2014/main" id="{FB277A07-8D62-01E6-8C4D-AF0625B17F67}"/>
             </a:ext>
           </a:extLst>
         </p:cNvPr>
@@ -3942,7 +3953,7 @@
           <p:cNvPr id="2" name="Title 1">
             <a:extLst>
               <a:ext uri="{FF2B5EF4-FFF2-40B4-BE49-F238E27FC236}">
-                <a16:creationId xmlns:a16="http://schemas.microsoft.com/office/drawing/2014/main" id="{B018B313-1BEC-EE8D-C18D-B2D67F94EA92}"/>
+                <a16:creationId xmlns:a16="http://schemas.microsoft.com/office/drawing/2014/main" id="{1B44A82C-FE87-64E4-501A-7B2A37D1F18B}"/>
               </a:ext>
             </a:extLst>
           </p:cNvPr>
@@ -3971,7 +3982,7 @@
           <p:cNvPr id="3" name="Content Placeholder 2">
             <a:extLst>
               <a:ext uri="{FF2B5EF4-FFF2-40B4-BE49-F238E27FC236}">
-                <a16:creationId xmlns:a16="http://schemas.microsoft.com/office/drawing/2014/main" id="{E79C3382-20E7-1112-55A6-45258EE663D5}"/>
+                <a16:creationId xmlns:a16="http://schemas.microsoft.com/office/drawing/2014/main" id="{1C02B128-1EA4-D213-6E57-6670DA8BAE2A}"/>
               </a:ext>
             </a:extLst>
           </p:cNvPr>
@@ -3984,8 +3995,8 @@
         </p:nvSpPr>
         <p:spPr>
           <a:xfrm>
-            <a:off x="838200" y="1690688"/>
-            <a:ext cx="9704832" cy="1325563"/>
+            <a:off x="7628159" y="1690688"/>
+            <a:ext cx="3901440" cy="2119312"/>
           </a:xfrm>
         </p:spPr>
         <p:txBody>
@@ -3998,267 +4009,39 @@
               <a:buNone/>
             </a:pPr>
             <a:r>
-              <a:rPr lang="en-US" dirty="0"/>
-              <a:t>Stickiness of expenditures (</a:t>
-            </a:r>
-            <a:r>
-              <a:rPr lang="en-US" b="1" dirty="0"/>
-              <a:t>short-termism</a:t>
-            </a:r>
-            <a:r>
-              <a:rPr lang="en-US" dirty="0"/>
-              <a:t>)</a:t>
-            </a:r>
-          </a:p>
-          <a:p>
-            <a:r>
-              <a:rPr lang="en-US" dirty="0"/>
+              <a:rPr lang="en-US" sz="1800" b="1" dirty="0"/>
+              <a:t>In deficit terms</a:t>
+            </a:r>
+          </a:p>
+          <a:p>
+            <a:r>
+              <a:rPr lang="en-US" sz="1800" dirty="0"/>
               <a:t>XXX</a:t>
             </a:r>
           </a:p>
           <a:p>
-            <a:endParaRPr lang="en-US" dirty="0"/>
-          </a:p>
-        </p:txBody>
-      </p:sp>
-    </p:spTree>
-    <p:extLst>
-      <p:ext uri="{BB962C8B-B14F-4D97-AF65-F5344CB8AC3E}">
-        <p14:creationId xmlns:p14="http://schemas.microsoft.com/office/powerpoint/2010/main" val="3857276715"/>
-      </p:ext>
-    </p:extLst>
-  </p:cSld>
-  <p:clrMapOvr>
-    <a:masterClrMapping/>
-  </p:clrMapOvr>
-</p:sld>
-</file>
-
-<file path=ppt/slides/slide11.xml><?xml version="1.0" encoding="utf-8"?>
-<p:sld xmlns:a="http://schemas.openxmlformats.org/drawingml/2006/main" xmlns:r="http://schemas.openxmlformats.org/officeDocument/2006/relationships" xmlns:p="http://schemas.openxmlformats.org/presentationml/2006/main">
-  <p:cSld>
-    <p:spTree>
-      <p:nvGrpSpPr>
-        <p:cNvPr id="1" name="">
-          <a:extLst>
-            <a:ext uri="{FF2B5EF4-FFF2-40B4-BE49-F238E27FC236}">
-              <a16:creationId xmlns:a16="http://schemas.microsoft.com/office/drawing/2014/main" id="{F338CAD0-FFE1-3DC1-782C-ED7392A018CD}"/>
-            </a:ext>
-          </a:extLst>
-        </p:cNvPr>
-        <p:cNvGrpSpPr/>
-        <p:nvPr/>
-      </p:nvGrpSpPr>
-      <p:grpSpPr>
-        <a:xfrm>
-          <a:off x="0" y="0"/>
-          <a:ext cx="0" cy="0"/>
-          <a:chOff x="0" y="0"/>
-          <a:chExt cx="0" cy="0"/>
-        </a:xfrm>
-      </p:grpSpPr>
-      <p:sp>
-        <p:nvSpPr>
-          <p:cNvPr id="2" name="Title 1">
-            <a:extLst>
-              <a:ext uri="{FF2B5EF4-FFF2-40B4-BE49-F238E27FC236}">
-                <a16:creationId xmlns:a16="http://schemas.microsoft.com/office/drawing/2014/main" id="{2C1CD6A6-72D2-4D2D-1B67-10630B036642}"/>
-              </a:ext>
-            </a:extLst>
-          </p:cNvPr>
-          <p:cNvSpPr>
-            <a:spLocks noGrp="1"/>
-          </p:cNvSpPr>
-          <p:nvPr>
-            <p:ph type="title"/>
-          </p:nvPr>
-        </p:nvSpPr>
-        <p:spPr/>
-        <p:txBody>
-          <a:bodyPr/>
-          <a:lstStyle/>
-          <a:p>
-            <a:r>
-              <a:rPr lang="en-US" dirty="0"/>
-              <a:t>What does consolidation tell us?</a:t>
-            </a:r>
-            <a:endParaRPr lang="en-NZ" dirty="0"/>
-          </a:p>
-        </p:txBody>
-      </p:sp>
-      <p:sp>
-        <p:nvSpPr>
-          <p:cNvPr id="3" name="Content Placeholder 2">
-            <a:extLst>
-              <a:ext uri="{FF2B5EF4-FFF2-40B4-BE49-F238E27FC236}">
-                <a16:creationId xmlns:a16="http://schemas.microsoft.com/office/drawing/2014/main" id="{688D6D8E-7A20-3DFE-8C5B-0B6AA631DAFF}"/>
-              </a:ext>
-            </a:extLst>
-          </p:cNvPr>
-          <p:cNvSpPr>
-            <a:spLocks noGrp="1"/>
-          </p:cNvSpPr>
-          <p:nvPr>
-            <p:ph idx="1"/>
-          </p:nvPr>
+            <a:endParaRPr lang="en-US" sz="1800" dirty="0"/>
+          </a:p>
+        </p:txBody>
+      </p:sp>
+      <p:sp>
+        <p:nvSpPr>
+          <p:cNvPr id="4" name="Content Placeholder 2">
+            <a:extLst>
+              <a:ext uri="{FF2B5EF4-FFF2-40B4-BE49-F238E27FC236}">
+                <a16:creationId xmlns:a16="http://schemas.microsoft.com/office/drawing/2014/main" id="{7629C063-6384-300C-4BD0-221B7B3DA2D4}"/>
+              </a:ext>
+            </a:extLst>
+          </p:cNvPr>
+          <p:cNvSpPr txBox="1">
+            <a:spLocks/>
+          </p:cNvSpPr>
+          <p:nvPr/>
         </p:nvSpPr>
         <p:spPr>
           <a:xfrm>
-            <a:off x="7789026" y="1825625"/>
-            <a:ext cx="3901440" cy="4351338"/>
-          </a:xfrm>
-        </p:spPr>
-        <p:txBody>
-          <a:bodyPr>
-            <a:normAutofit/>
-          </a:bodyPr>
-          <a:lstStyle/>
-          <a:p>
-            <a:pPr marL="0" indent="0">
-              <a:buNone/>
-            </a:pPr>
-            <a:r>
-              <a:rPr lang="en-US" dirty="0"/>
-              <a:t>By function/use</a:t>
-            </a:r>
-          </a:p>
-          <a:p>
-            <a:r>
-              <a:rPr lang="en-US" dirty="0"/>
-              <a:t>XXX</a:t>
-            </a:r>
-          </a:p>
-          <a:p>
-            <a:endParaRPr lang="en-US" dirty="0"/>
-          </a:p>
-        </p:txBody>
-      </p:sp>
-    </p:spTree>
-    <p:extLst>
-      <p:ext uri="{BB962C8B-B14F-4D97-AF65-F5344CB8AC3E}">
-        <p14:creationId xmlns:p14="http://schemas.microsoft.com/office/powerpoint/2010/main" val="571982762"/>
-      </p:ext>
-    </p:extLst>
-  </p:cSld>
-  <p:clrMapOvr>
-    <a:masterClrMapping/>
-  </p:clrMapOvr>
-</p:sld>
-</file>
-
-<file path=ppt/slides/slide12.xml><?xml version="1.0" encoding="utf-8"?>
-<p:sld xmlns:a="http://schemas.openxmlformats.org/drawingml/2006/main" xmlns:r="http://schemas.openxmlformats.org/officeDocument/2006/relationships" xmlns:p="http://schemas.openxmlformats.org/presentationml/2006/main">
-  <p:cSld>
-    <p:spTree>
-      <p:nvGrpSpPr>
-        <p:cNvPr id="1" name=""/>
-        <p:cNvGrpSpPr/>
-        <p:nvPr/>
-      </p:nvGrpSpPr>
-      <p:grpSpPr>
-        <a:xfrm>
-          <a:off x="0" y="0"/>
-          <a:ext cx="0" cy="0"/>
-          <a:chOff x="0" y="0"/>
-          <a:chExt cx="0" cy="0"/>
-        </a:xfrm>
-      </p:grpSpPr>
-      <p:sp>
-        <p:nvSpPr>
-          <p:cNvPr id="2" name="Title 1">
-            <a:extLst>
-              <a:ext uri="{FF2B5EF4-FFF2-40B4-BE49-F238E27FC236}">
-                <a16:creationId xmlns:a16="http://schemas.microsoft.com/office/drawing/2014/main" id="{D7449477-6062-4DEB-E9CF-433F3871A839}"/>
-              </a:ext>
-            </a:extLst>
-          </p:cNvPr>
-          <p:cNvSpPr>
-            <a:spLocks noGrp="1"/>
-          </p:cNvSpPr>
-          <p:nvPr>
-            <p:ph type="title"/>
-          </p:nvPr>
-        </p:nvSpPr>
-        <p:spPr/>
-        <p:txBody>
-          <a:bodyPr/>
-          <a:lstStyle/>
-          <a:p>
-            <a:r>
-              <a:rPr lang="en-US" dirty="0"/>
-              <a:t>Benchmarking</a:t>
-            </a:r>
-            <a:endParaRPr lang="en-NZ" dirty="0"/>
-          </a:p>
-        </p:txBody>
-      </p:sp>
-      <p:sp>
-        <p:nvSpPr>
-          <p:cNvPr id="3" name="Content Placeholder 2">
-            <a:extLst>
-              <a:ext uri="{FF2B5EF4-FFF2-40B4-BE49-F238E27FC236}">
-                <a16:creationId xmlns:a16="http://schemas.microsoft.com/office/drawing/2014/main" id="{63213F35-F674-A48B-6EDC-F5C1E0B5C35F}"/>
-              </a:ext>
-            </a:extLst>
-          </p:cNvPr>
-          <p:cNvSpPr>
-            <a:spLocks noGrp="1"/>
-          </p:cNvSpPr>
-          <p:nvPr>
-            <p:ph idx="1"/>
-          </p:nvPr>
-        </p:nvSpPr>
-        <p:spPr>
-          <a:xfrm>
-            <a:off x="735106" y="1870448"/>
-            <a:ext cx="4356847" cy="4351338"/>
-          </a:xfrm>
-        </p:spPr>
-        <p:txBody>
-          <a:bodyPr/>
-          <a:lstStyle/>
-          <a:p>
-            <a:pPr marL="0" indent="0">
-              <a:buNone/>
-            </a:pPr>
-            <a:r>
-              <a:rPr lang="en-US" dirty="0"/>
-              <a:t>International</a:t>
-            </a:r>
-          </a:p>
-          <a:p>
-            <a:r>
-              <a:rPr lang="en-US" dirty="0"/>
-              <a:t>OECD division COFOG data.</a:t>
-            </a:r>
-          </a:p>
-          <a:p>
-            <a:r>
-              <a:rPr lang="en-US" dirty="0"/>
-              <a:t>Synthetic control exercise to benchmark against “similar” countries.</a:t>
-            </a:r>
-            <a:endParaRPr lang="en-NZ" dirty="0"/>
-          </a:p>
-        </p:txBody>
-      </p:sp>
-      <p:sp>
-        <p:nvSpPr>
-          <p:cNvPr id="4" name="Content Placeholder 2">
-            <a:extLst>
-              <a:ext uri="{FF2B5EF4-FFF2-40B4-BE49-F238E27FC236}">
-                <a16:creationId xmlns:a16="http://schemas.microsoft.com/office/drawing/2014/main" id="{44BFAF0E-73C2-3E4F-3ECE-F1D6CD59A58E}"/>
-              </a:ext>
-            </a:extLst>
-          </p:cNvPr>
-          <p:cNvSpPr txBox="1">
-            <a:spLocks/>
-          </p:cNvSpPr>
-          <p:nvPr/>
-        </p:nvSpPr>
-        <p:spPr>
-          <a:xfrm>
-            <a:off x="6813176" y="1937684"/>
-            <a:ext cx="4356847" cy="4351338"/>
+            <a:off x="838199" y="1690688"/>
+            <a:ext cx="4974167" cy="1325563"/>
           </a:xfrm>
           <a:prstGeom prst="rect">
             <a:avLst/>
@@ -4438,7 +4221,749 @@
               <a:buNone/>
             </a:pPr>
             <a:r>
+              <a:rPr lang="en-US" sz="1800" b="1" dirty="0"/>
+              <a:t>In General Spending</a:t>
+            </a:r>
+          </a:p>
+          <a:p>
+            <a:r>
+              <a:rPr lang="en-US" sz="1800" dirty="0"/>
+              <a:t>Consolidated government spending was </a:t>
+            </a:r>
+            <a:r>
+              <a:rPr lang="en-US" sz="1800" b="1" dirty="0"/>
+              <a:t>37% of GDP </a:t>
+            </a:r>
+            <a:r>
+              <a:rPr lang="en-US" sz="1800" dirty="0"/>
+              <a:t>in 2021/22 (compared to 24.8% at the Federal level).</a:t>
+            </a:r>
+          </a:p>
+          <a:p>
+            <a:endParaRPr lang="en-US" sz="1800" dirty="0"/>
+          </a:p>
+        </p:txBody>
+      </p:sp>
+      <p:pic>
+        <p:nvPicPr>
+          <p:cNvPr id="6" name="Picture 5" descr="A graph of blue and white bars&#10;&#10;Description automatically generated with medium confidence">
+            <a:extLst>
+              <a:ext uri="{FF2B5EF4-FFF2-40B4-BE49-F238E27FC236}">
+                <a16:creationId xmlns:a16="http://schemas.microsoft.com/office/drawing/2014/main" id="{CB551F72-0B48-4079-F6E2-E97548D67F8F}"/>
+              </a:ext>
+            </a:extLst>
+          </p:cNvPr>
+          <p:cNvPicPr>
+            <a:picLocks noChangeAspect="1"/>
+          </p:cNvPicPr>
+          <p:nvPr/>
+        </p:nvPicPr>
+        <p:blipFill>
+          <a:blip r:embed="rId3">
+            <a:extLst>
+              <a:ext uri="{28A0092B-C50C-407E-A947-70E740481C1C}">
+                <a14:useLocalDpi xmlns:a14="http://schemas.microsoft.com/office/drawing/2010/main" val="0"/>
+              </a:ext>
+            </a:extLst>
+          </a:blip>
+          <a:stretch>
+            <a:fillRect/>
+          </a:stretch>
+        </p:blipFill>
+        <p:spPr>
+          <a:xfrm>
+            <a:off x="838198" y="3126359"/>
+            <a:ext cx="3839211" cy="3366516"/>
+          </a:xfrm>
+          <a:prstGeom prst="rect">
+            <a:avLst/>
+          </a:prstGeom>
+        </p:spPr>
+      </p:pic>
+    </p:spTree>
+    <p:extLst>
+      <p:ext uri="{BB962C8B-B14F-4D97-AF65-F5344CB8AC3E}">
+        <p14:creationId xmlns:p14="http://schemas.microsoft.com/office/powerpoint/2010/main" val="3006396415"/>
+      </p:ext>
+    </p:extLst>
+  </p:cSld>
+  <p:clrMapOvr>
+    <a:masterClrMapping/>
+  </p:clrMapOvr>
+</p:sld>
+</file>
+
+<file path=ppt/slides/slide11.xml><?xml version="1.0" encoding="utf-8"?>
+<p:sld xmlns:a="http://schemas.openxmlformats.org/drawingml/2006/main" xmlns:r="http://schemas.openxmlformats.org/officeDocument/2006/relationships" xmlns:p="http://schemas.openxmlformats.org/presentationml/2006/main">
+  <p:cSld>
+    <p:spTree>
+      <p:nvGrpSpPr>
+        <p:cNvPr id="1" name="">
+          <a:extLst>
+            <a:ext uri="{FF2B5EF4-FFF2-40B4-BE49-F238E27FC236}">
+              <a16:creationId xmlns:a16="http://schemas.microsoft.com/office/drawing/2014/main" id="{F338CAD0-FFE1-3DC1-782C-ED7392A018CD}"/>
+            </a:ext>
+          </a:extLst>
+        </p:cNvPr>
+        <p:cNvGrpSpPr/>
+        <p:nvPr/>
+      </p:nvGrpSpPr>
+      <p:grpSpPr>
+        <a:xfrm>
+          <a:off x="0" y="0"/>
+          <a:ext cx="0" cy="0"/>
+          <a:chOff x="0" y="0"/>
+          <a:chExt cx="0" cy="0"/>
+        </a:xfrm>
+      </p:grpSpPr>
+      <p:sp>
+        <p:nvSpPr>
+          <p:cNvPr id="2" name="Title 1">
+            <a:extLst>
+              <a:ext uri="{FF2B5EF4-FFF2-40B4-BE49-F238E27FC236}">
+                <a16:creationId xmlns:a16="http://schemas.microsoft.com/office/drawing/2014/main" id="{2C1CD6A6-72D2-4D2D-1B67-10630B036642}"/>
+              </a:ext>
+            </a:extLst>
+          </p:cNvPr>
+          <p:cNvSpPr>
+            <a:spLocks noGrp="1"/>
+          </p:cNvSpPr>
+          <p:nvPr>
+            <p:ph type="title"/>
+          </p:nvPr>
+        </p:nvSpPr>
+        <p:spPr/>
+        <p:txBody>
+          <a:bodyPr/>
+          <a:lstStyle/>
+          <a:p>
+            <a:r>
               <a:rPr lang="en-US" dirty="0"/>
+              <a:t>Where has consolidated spending growth occurred?</a:t>
+            </a:r>
+            <a:endParaRPr lang="en-NZ" dirty="0"/>
+          </a:p>
+        </p:txBody>
+      </p:sp>
+      <p:pic>
+        <p:nvPicPr>
+          <p:cNvPr id="9" name="Content Placeholder 8" descr="A graph of a graph showing the cost of a health care company&#10;&#10;Description automatically generated with medium confidence">
+            <a:extLst>
+              <a:ext uri="{FF2B5EF4-FFF2-40B4-BE49-F238E27FC236}">
+                <a16:creationId xmlns:a16="http://schemas.microsoft.com/office/drawing/2014/main" id="{1C85ADAF-3DF3-4693-6E72-6081E12149E7}"/>
+              </a:ext>
+            </a:extLst>
+          </p:cNvPr>
+          <p:cNvPicPr>
+            <a:picLocks noGrp="1" noChangeAspect="1"/>
+          </p:cNvPicPr>
+          <p:nvPr>
+            <p:ph idx="1"/>
+          </p:nvPr>
+        </p:nvPicPr>
+        <p:blipFill>
+          <a:blip r:embed="rId2">
+            <a:extLst>
+              <a:ext uri="{28A0092B-C50C-407E-A947-70E740481C1C}">
+                <a14:useLocalDpi xmlns:a14="http://schemas.microsoft.com/office/drawing/2010/main" val="0"/>
+              </a:ext>
+            </a:extLst>
+          </a:blip>
+          <a:stretch>
+            <a:fillRect/>
+          </a:stretch>
+        </p:blipFill>
+        <p:spPr>
+          <a:xfrm>
+            <a:off x="186350" y="2002055"/>
+            <a:ext cx="5728467" cy="3739024"/>
+          </a:xfrm>
+        </p:spPr>
+      </p:pic>
+      <p:pic>
+        <p:nvPicPr>
+          <p:cNvPr id="13" name="Picture 12" descr="A graph of a government budget&#10;&#10;Description automatically generated">
+            <a:extLst>
+              <a:ext uri="{FF2B5EF4-FFF2-40B4-BE49-F238E27FC236}">
+                <a16:creationId xmlns:a16="http://schemas.microsoft.com/office/drawing/2014/main" id="{D7156614-FF16-E06F-B770-6D41E3FC16CC}"/>
+              </a:ext>
+            </a:extLst>
+          </p:cNvPr>
+          <p:cNvPicPr>
+            <a:picLocks noChangeAspect="1"/>
+          </p:cNvPicPr>
+          <p:nvPr/>
+        </p:nvPicPr>
+        <p:blipFill>
+          <a:blip r:embed="rId3">
+            <a:extLst>
+              <a:ext uri="{28A0092B-C50C-407E-A947-70E740481C1C}">
+                <a14:useLocalDpi xmlns:a14="http://schemas.microsoft.com/office/drawing/2010/main" val="0"/>
+              </a:ext>
+            </a:extLst>
+          </a:blip>
+          <a:stretch>
+            <a:fillRect/>
+          </a:stretch>
+        </p:blipFill>
+        <p:spPr>
+          <a:xfrm>
+            <a:off x="6096000" y="2002055"/>
+            <a:ext cx="5779668" cy="3772443"/>
+          </a:xfrm>
+          <a:prstGeom prst="rect">
+            <a:avLst/>
+          </a:prstGeom>
+        </p:spPr>
+      </p:pic>
+    </p:spTree>
+    <p:extLst>
+      <p:ext uri="{BB962C8B-B14F-4D97-AF65-F5344CB8AC3E}">
+        <p14:creationId xmlns:p14="http://schemas.microsoft.com/office/powerpoint/2010/main" val="571982762"/>
+      </p:ext>
+    </p:extLst>
+  </p:cSld>
+  <p:clrMapOvr>
+    <a:masterClrMapping/>
+  </p:clrMapOvr>
+</p:sld>
+</file>
+
+<file path=ppt/slides/slide12.xml><?xml version="1.0" encoding="utf-8"?>
+<p:sld xmlns:a="http://schemas.openxmlformats.org/drawingml/2006/main" xmlns:r="http://schemas.openxmlformats.org/officeDocument/2006/relationships" xmlns:p="http://schemas.openxmlformats.org/presentationml/2006/main">
+  <p:cSld>
+    <p:spTree>
+      <p:nvGrpSpPr>
+        <p:cNvPr id="1" name="">
+          <a:extLst>
+            <a:ext uri="{FF2B5EF4-FFF2-40B4-BE49-F238E27FC236}">
+              <a16:creationId xmlns:a16="http://schemas.microsoft.com/office/drawing/2014/main" id="{84A488D9-58B5-52E0-AB7B-0A461528E079}"/>
+            </a:ext>
+          </a:extLst>
+        </p:cNvPr>
+        <p:cNvGrpSpPr/>
+        <p:nvPr/>
+      </p:nvGrpSpPr>
+      <p:grpSpPr>
+        <a:xfrm>
+          <a:off x="0" y="0"/>
+          <a:ext cx="0" cy="0"/>
+          <a:chOff x="0" y="0"/>
+          <a:chExt cx="0" cy="0"/>
+        </a:xfrm>
+      </p:grpSpPr>
+      <p:sp>
+        <p:nvSpPr>
+          <p:cNvPr id="2" name="Title 1">
+            <a:extLst>
+              <a:ext uri="{FF2B5EF4-FFF2-40B4-BE49-F238E27FC236}">
+                <a16:creationId xmlns:a16="http://schemas.microsoft.com/office/drawing/2014/main" id="{5D864967-D00E-B83B-C0AC-2E96CF9D4830}"/>
+              </a:ext>
+            </a:extLst>
+          </p:cNvPr>
+          <p:cNvSpPr>
+            <a:spLocks noGrp="1"/>
+          </p:cNvSpPr>
+          <p:nvPr>
+            <p:ph type="title"/>
+          </p:nvPr>
+        </p:nvSpPr>
+        <p:spPr/>
+        <p:txBody>
+          <a:bodyPr/>
+          <a:lstStyle/>
+          <a:p>
+            <a:r>
+              <a:rPr lang="en-US" dirty="0"/>
+              <a:t>Where has consolidated spending growth occurred?</a:t>
+            </a:r>
+            <a:endParaRPr lang="en-NZ" dirty="0"/>
+          </a:p>
+        </p:txBody>
+      </p:sp>
+      <p:sp>
+        <p:nvSpPr>
+          <p:cNvPr id="3" name="Content Placeholder 2">
+            <a:extLst>
+              <a:ext uri="{FF2B5EF4-FFF2-40B4-BE49-F238E27FC236}">
+                <a16:creationId xmlns:a16="http://schemas.microsoft.com/office/drawing/2014/main" id="{61524688-D52A-BAF0-BFCC-AB54085CB4F9}"/>
+              </a:ext>
+            </a:extLst>
+          </p:cNvPr>
+          <p:cNvSpPr>
+            <a:spLocks noGrp="1"/>
+          </p:cNvSpPr>
+          <p:nvPr>
+            <p:ph idx="1"/>
+          </p:nvPr>
+        </p:nvSpPr>
+        <p:spPr>
+          <a:xfrm>
+            <a:off x="7789026" y="1825625"/>
+            <a:ext cx="3901440" cy="4351338"/>
+          </a:xfrm>
+        </p:spPr>
+        <p:txBody>
+          <a:bodyPr>
+            <a:normAutofit/>
+          </a:bodyPr>
+          <a:lstStyle/>
+          <a:p>
+            <a:pPr marL="0" indent="0">
+              <a:buNone/>
+            </a:pPr>
+            <a:r>
+              <a:rPr lang="en-US" dirty="0"/>
+              <a:t>In the GFS (inputs)</a:t>
+            </a:r>
+          </a:p>
+          <a:p>
+            <a:r>
+              <a:rPr lang="en-US" dirty="0"/>
+              <a:t>XXX</a:t>
+            </a:r>
+          </a:p>
+          <a:p>
+            <a:endParaRPr lang="en-US" dirty="0"/>
+          </a:p>
+        </p:txBody>
+      </p:sp>
+    </p:spTree>
+    <p:extLst>
+      <p:ext uri="{BB962C8B-B14F-4D97-AF65-F5344CB8AC3E}">
+        <p14:creationId xmlns:p14="http://schemas.microsoft.com/office/powerpoint/2010/main" val="1642016757"/>
+      </p:ext>
+    </p:extLst>
+  </p:cSld>
+  <p:clrMapOvr>
+    <a:masterClrMapping/>
+  </p:clrMapOvr>
+</p:sld>
+</file>
+
+<file path=ppt/slides/slide13.xml><?xml version="1.0" encoding="utf-8"?>
+<p:sld xmlns:a="http://schemas.openxmlformats.org/drawingml/2006/main" xmlns:r="http://schemas.openxmlformats.org/officeDocument/2006/relationships" xmlns:p="http://schemas.openxmlformats.org/presentationml/2006/main">
+  <p:cSld>
+    <p:spTree>
+      <p:nvGrpSpPr>
+        <p:cNvPr id="1" name="">
+          <a:extLst>
+            <a:ext uri="{FF2B5EF4-FFF2-40B4-BE49-F238E27FC236}">
+              <a16:creationId xmlns:a16="http://schemas.microsoft.com/office/drawing/2014/main" id="{80E7A5C4-5CC4-02B0-AECC-10458953D849}"/>
+            </a:ext>
+          </a:extLst>
+        </p:cNvPr>
+        <p:cNvGrpSpPr/>
+        <p:nvPr/>
+      </p:nvGrpSpPr>
+      <p:grpSpPr>
+        <a:xfrm>
+          <a:off x="0" y="0"/>
+          <a:ext cx="0" cy="0"/>
+          <a:chOff x="0" y="0"/>
+          <a:chExt cx="0" cy="0"/>
+        </a:xfrm>
+      </p:grpSpPr>
+      <p:sp>
+        <p:nvSpPr>
+          <p:cNvPr id="2" name="Title 1">
+            <a:extLst>
+              <a:ext uri="{FF2B5EF4-FFF2-40B4-BE49-F238E27FC236}">
+                <a16:creationId xmlns:a16="http://schemas.microsoft.com/office/drawing/2014/main" id="{B018B313-1BEC-EE8D-C18D-B2D67F94EA92}"/>
+              </a:ext>
+            </a:extLst>
+          </p:cNvPr>
+          <p:cNvSpPr>
+            <a:spLocks noGrp="1"/>
+          </p:cNvSpPr>
+          <p:nvPr>
+            <p:ph type="title"/>
+          </p:nvPr>
+        </p:nvSpPr>
+        <p:spPr/>
+        <p:txBody>
+          <a:bodyPr/>
+          <a:lstStyle/>
+          <a:p>
+            <a:r>
+              <a:rPr lang="en-US" dirty="0"/>
+              <a:t>What does consolidation tell us?</a:t>
+            </a:r>
+            <a:endParaRPr lang="en-NZ" dirty="0"/>
+          </a:p>
+        </p:txBody>
+      </p:sp>
+      <p:sp>
+        <p:nvSpPr>
+          <p:cNvPr id="3" name="Content Placeholder 2">
+            <a:extLst>
+              <a:ext uri="{FF2B5EF4-FFF2-40B4-BE49-F238E27FC236}">
+                <a16:creationId xmlns:a16="http://schemas.microsoft.com/office/drawing/2014/main" id="{E79C3382-20E7-1112-55A6-45258EE663D5}"/>
+              </a:ext>
+            </a:extLst>
+          </p:cNvPr>
+          <p:cNvSpPr>
+            <a:spLocks noGrp="1"/>
+          </p:cNvSpPr>
+          <p:nvPr>
+            <p:ph idx="1"/>
+          </p:nvPr>
+        </p:nvSpPr>
+        <p:spPr>
+          <a:xfrm>
+            <a:off x="838200" y="1690688"/>
+            <a:ext cx="9704832" cy="1325563"/>
+          </a:xfrm>
+        </p:spPr>
+        <p:txBody>
+          <a:bodyPr>
+            <a:normAutofit lnSpcReduction="10000"/>
+          </a:bodyPr>
+          <a:lstStyle/>
+          <a:p>
+            <a:pPr marL="0" indent="0">
+              <a:buNone/>
+            </a:pPr>
+            <a:r>
+              <a:rPr lang="en-US" dirty="0"/>
+              <a:t>Stickiness of expenditures (</a:t>
+            </a:r>
+            <a:r>
+              <a:rPr lang="en-US" b="1" dirty="0"/>
+              <a:t>short-termism</a:t>
+            </a:r>
+            <a:r>
+              <a:rPr lang="en-US" dirty="0"/>
+              <a:t>)</a:t>
+            </a:r>
+          </a:p>
+          <a:p>
+            <a:r>
+              <a:rPr lang="en-US" dirty="0"/>
+              <a:t>Growing expenditure with all categories rising together may suggest Budgetary processes that </a:t>
+            </a:r>
+            <a:r>
+              <a:rPr lang="en-US"/>
+              <a:t>are sticky.</a:t>
+            </a:r>
+            <a:endParaRPr lang="en-US" dirty="0"/>
+          </a:p>
+          <a:p>
+            <a:endParaRPr lang="en-US" dirty="0"/>
+          </a:p>
+        </p:txBody>
+      </p:sp>
+    </p:spTree>
+    <p:extLst>
+      <p:ext uri="{BB962C8B-B14F-4D97-AF65-F5344CB8AC3E}">
+        <p14:creationId xmlns:p14="http://schemas.microsoft.com/office/powerpoint/2010/main" val="3857276715"/>
+      </p:ext>
+    </p:extLst>
+  </p:cSld>
+  <p:clrMapOvr>
+    <a:masterClrMapping/>
+  </p:clrMapOvr>
+</p:sld>
+</file>
+
+<file path=ppt/slides/slide14.xml><?xml version="1.0" encoding="utf-8"?>
+<p:sld xmlns:a="http://schemas.openxmlformats.org/drawingml/2006/main" xmlns:r="http://schemas.openxmlformats.org/officeDocument/2006/relationships" xmlns:p="http://schemas.openxmlformats.org/presentationml/2006/main">
+  <p:cSld>
+    <p:spTree>
+      <p:nvGrpSpPr>
+        <p:cNvPr id="1" name=""/>
+        <p:cNvGrpSpPr/>
+        <p:nvPr/>
+      </p:nvGrpSpPr>
+      <p:grpSpPr>
+        <a:xfrm>
+          <a:off x="0" y="0"/>
+          <a:ext cx="0" cy="0"/>
+          <a:chOff x="0" y="0"/>
+          <a:chExt cx="0" cy="0"/>
+        </a:xfrm>
+      </p:grpSpPr>
+      <p:sp>
+        <p:nvSpPr>
+          <p:cNvPr id="2" name="Title 1">
+            <a:extLst>
+              <a:ext uri="{FF2B5EF4-FFF2-40B4-BE49-F238E27FC236}">
+                <a16:creationId xmlns:a16="http://schemas.microsoft.com/office/drawing/2014/main" id="{D7449477-6062-4DEB-E9CF-433F3871A839}"/>
+              </a:ext>
+            </a:extLst>
+          </p:cNvPr>
+          <p:cNvSpPr>
+            <a:spLocks noGrp="1"/>
+          </p:cNvSpPr>
+          <p:nvPr>
+            <p:ph type="title"/>
+          </p:nvPr>
+        </p:nvSpPr>
+        <p:spPr>
+          <a:xfrm>
+            <a:off x="545592" y="109093"/>
+            <a:ext cx="10515600" cy="1325563"/>
+          </a:xfrm>
+        </p:spPr>
+        <p:txBody>
+          <a:bodyPr/>
+          <a:lstStyle/>
+          <a:p>
+            <a:r>
+              <a:rPr lang="en-US" dirty="0"/>
+              <a:t>Benchmarking</a:t>
+            </a:r>
+            <a:endParaRPr lang="en-NZ" dirty="0"/>
+          </a:p>
+        </p:txBody>
+      </p:sp>
+      <p:sp>
+        <p:nvSpPr>
+          <p:cNvPr id="3" name="Content Placeholder 2">
+            <a:extLst>
+              <a:ext uri="{FF2B5EF4-FFF2-40B4-BE49-F238E27FC236}">
+                <a16:creationId xmlns:a16="http://schemas.microsoft.com/office/drawing/2014/main" id="{63213F35-F674-A48B-6EDC-F5C1E0B5C35F}"/>
+              </a:ext>
+            </a:extLst>
+          </p:cNvPr>
+          <p:cNvSpPr>
+            <a:spLocks noGrp="1"/>
+          </p:cNvSpPr>
+          <p:nvPr>
+            <p:ph idx="1"/>
+          </p:nvPr>
+        </p:nvSpPr>
+        <p:spPr>
+          <a:xfrm>
+            <a:off x="838200" y="1321808"/>
+            <a:ext cx="4356847" cy="4351338"/>
+          </a:xfrm>
+        </p:spPr>
+        <p:txBody>
+          <a:bodyPr/>
+          <a:lstStyle/>
+          <a:p>
+            <a:pPr marL="0" indent="0">
+              <a:buNone/>
+            </a:pPr>
+            <a:r>
+              <a:rPr lang="en-US" b="1" dirty="0"/>
+              <a:t>International</a:t>
+            </a:r>
+          </a:p>
+          <a:p>
+            <a:r>
+              <a:rPr lang="en-US" dirty="0"/>
+              <a:t>OECD division COFOG data.</a:t>
+            </a:r>
+          </a:p>
+          <a:p>
+            <a:r>
+              <a:rPr lang="en-US" dirty="0"/>
+              <a:t>Synthetic control exercise to benchmark against “similar” countries.</a:t>
+            </a:r>
+            <a:endParaRPr lang="en-NZ" dirty="0"/>
+          </a:p>
+        </p:txBody>
+      </p:sp>
+      <p:sp>
+        <p:nvSpPr>
+          <p:cNvPr id="4" name="Content Placeholder 2">
+            <a:extLst>
+              <a:ext uri="{FF2B5EF4-FFF2-40B4-BE49-F238E27FC236}">
+                <a16:creationId xmlns:a16="http://schemas.microsoft.com/office/drawing/2014/main" id="{44BFAF0E-73C2-3E4F-3ECE-F1D6CD59A58E}"/>
+              </a:ext>
+            </a:extLst>
+          </p:cNvPr>
+          <p:cNvSpPr txBox="1">
+            <a:spLocks/>
+          </p:cNvSpPr>
+          <p:nvPr/>
+        </p:nvSpPr>
+        <p:spPr>
+          <a:xfrm>
+            <a:off x="6877184" y="1253331"/>
+            <a:ext cx="4356847" cy="4351338"/>
+          </a:xfrm>
+          <a:prstGeom prst="rect">
+            <a:avLst/>
+          </a:prstGeom>
+        </p:spPr>
+        <p:txBody>
+          <a:bodyPr vert="horz" lIns="91440" tIns="45720" rIns="91440" bIns="45720" rtlCol="0">
+            <a:normAutofit lnSpcReduction="10000"/>
+          </a:bodyPr>
+          <a:lstStyle>
+            <a:lvl1pPr marL="228600" indent="-228600" algn="l" defTabSz="914400" rtl="0" eaLnBrk="1" latinLnBrk="0" hangingPunct="1">
+              <a:lnSpc>
+                <a:spcPct val="90000"/>
+              </a:lnSpc>
+              <a:spcBef>
+                <a:spcPts val="1000"/>
+              </a:spcBef>
+              <a:buFont typeface="Arial" panose="020B0604020202020204" pitchFamily="34" charset="0"/>
+              <a:buChar char="•"/>
+              <a:defRPr sz="2800" kern="1200">
+                <a:solidFill>
+                  <a:schemeClr val="tx1"/>
+                </a:solidFill>
+                <a:latin typeface="+mn-lt"/>
+                <a:ea typeface="+mn-ea"/>
+                <a:cs typeface="+mn-cs"/>
+              </a:defRPr>
+            </a:lvl1pPr>
+            <a:lvl2pPr marL="685800" indent="-228600" algn="l" defTabSz="914400" rtl="0" eaLnBrk="1" latinLnBrk="0" hangingPunct="1">
+              <a:lnSpc>
+                <a:spcPct val="90000"/>
+              </a:lnSpc>
+              <a:spcBef>
+                <a:spcPts val="500"/>
+              </a:spcBef>
+              <a:buFont typeface="Arial" panose="020B0604020202020204" pitchFamily="34" charset="0"/>
+              <a:buChar char="•"/>
+              <a:defRPr sz="2400" kern="1200">
+                <a:solidFill>
+                  <a:schemeClr val="tx1"/>
+                </a:solidFill>
+                <a:latin typeface="+mn-lt"/>
+                <a:ea typeface="+mn-ea"/>
+                <a:cs typeface="+mn-cs"/>
+              </a:defRPr>
+            </a:lvl2pPr>
+            <a:lvl3pPr marL="1143000" indent="-228600" algn="l" defTabSz="914400" rtl="0" eaLnBrk="1" latinLnBrk="0" hangingPunct="1">
+              <a:lnSpc>
+                <a:spcPct val="90000"/>
+              </a:lnSpc>
+              <a:spcBef>
+                <a:spcPts val="500"/>
+              </a:spcBef>
+              <a:buFont typeface="Arial" panose="020B0604020202020204" pitchFamily="34" charset="0"/>
+              <a:buChar char="•"/>
+              <a:defRPr sz="2000" kern="1200">
+                <a:solidFill>
+                  <a:schemeClr val="tx1"/>
+                </a:solidFill>
+                <a:latin typeface="+mn-lt"/>
+                <a:ea typeface="+mn-ea"/>
+                <a:cs typeface="+mn-cs"/>
+              </a:defRPr>
+            </a:lvl3pPr>
+            <a:lvl4pPr marL="1600200" indent="-228600" algn="l" defTabSz="914400" rtl="0" eaLnBrk="1" latinLnBrk="0" hangingPunct="1">
+              <a:lnSpc>
+                <a:spcPct val="90000"/>
+              </a:lnSpc>
+              <a:spcBef>
+                <a:spcPts val="500"/>
+              </a:spcBef>
+              <a:buFont typeface="Arial" panose="020B0604020202020204" pitchFamily="34" charset="0"/>
+              <a:buChar char="•"/>
+              <a:defRPr sz="1800" kern="1200">
+                <a:solidFill>
+                  <a:schemeClr val="tx1"/>
+                </a:solidFill>
+                <a:latin typeface="+mn-lt"/>
+                <a:ea typeface="+mn-ea"/>
+                <a:cs typeface="+mn-cs"/>
+              </a:defRPr>
+            </a:lvl4pPr>
+            <a:lvl5pPr marL="2057400" indent="-228600" algn="l" defTabSz="914400" rtl="0" eaLnBrk="1" latinLnBrk="0" hangingPunct="1">
+              <a:lnSpc>
+                <a:spcPct val="90000"/>
+              </a:lnSpc>
+              <a:spcBef>
+                <a:spcPts val="500"/>
+              </a:spcBef>
+              <a:buFont typeface="Arial" panose="020B0604020202020204" pitchFamily="34" charset="0"/>
+              <a:buChar char="•"/>
+              <a:defRPr sz="1800" kern="1200">
+                <a:solidFill>
+                  <a:schemeClr val="tx1"/>
+                </a:solidFill>
+                <a:latin typeface="+mn-lt"/>
+                <a:ea typeface="+mn-ea"/>
+                <a:cs typeface="+mn-cs"/>
+              </a:defRPr>
+            </a:lvl5pPr>
+            <a:lvl6pPr marL="2514600" indent="-228600" algn="l" defTabSz="914400" rtl="0" eaLnBrk="1" latinLnBrk="0" hangingPunct="1">
+              <a:lnSpc>
+                <a:spcPct val="90000"/>
+              </a:lnSpc>
+              <a:spcBef>
+                <a:spcPts val="500"/>
+              </a:spcBef>
+              <a:buFont typeface="Arial" panose="020B0604020202020204" pitchFamily="34" charset="0"/>
+              <a:buChar char="•"/>
+              <a:defRPr sz="1800" kern="1200">
+                <a:solidFill>
+                  <a:schemeClr val="tx1"/>
+                </a:solidFill>
+                <a:latin typeface="+mn-lt"/>
+                <a:ea typeface="+mn-ea"/>
+                <a:cs typeface="+mn-cs"/>
+              </a:defRPr>
+            </a:lvl6pPr>
+            <a:lvl7pPr marL="2971800" indent="-228600" algn="l" defTabSz="914400" rtl="0" eaLnBrk="1" latinLnBrk="0" hangingPunct="1">
+              <a:lnSpc>
+                <a:spcPct val="90000"/>
+              </a:lnSpc>
+              <a:spcBef>
+                <a:spcPts val="500"/>
+              </a:spcBef>
+              <a:buFont typeface="Arial" panose="020B0604020202020204" pitchFamily="34" charset="0"/>
+              <a:buChar char="•"/>
+              <a:defRPr sz="1800" kern="1200">
+                <a:solidFill>
+                  <a:schemeClr val="tx1"/>
+                </a:solidFill>
+                <a:latin typeface="+mn-lt"/>
+                <a:ea typeface="+mn-ea"/>
+                <a:cs typeface="+mn-cs"/>
+              </a:defRPr>
+            </a:lvl7pPr>
+            <a:lvl8pPr marL="3429000" indent="-228600" algn="l" defTabSz="914400" rtl="0" eaLnBrk="1" latinLnBrk="0" hangingPunct="1">
+              <a:lnSpc>
+                <a:spcPct val="90000"/>
+              </a:lnSpc>
+              <a:spcBef>
+                <a:spcPts val="500"/>
+              </a:spcBef>
+              <a:buFont typeface="Arial" panose="020B0604020202020204" pitchFamily="34" charset="0"/>
+              <a:buChar char="•"/>
+              <a:defRPr sz="1800" kern="1200">
+                <a:solidFill>
+                  <a:schemeClr val="tx1"/>
+                </a:solidFill>
+                <a:latin typeface="+mn-lt"/>
+                <a:ea typeface="+mn-ea"/>
+                <a:cs typeface="+mn-cs"/>
+              </a:defRPr>
+            </a:lvl8pPr>
+            <a:lvl9pPr marL="3886200" indent="-228600" algn="l" defTabSz="914400" rtl="0" eaLnBrk="1" latinLnBrk="0" hangingPunct="1">
+              <a:lnSpc>
+                <a:spcPct val="90000"/>
+              </a:lnSpc>
+              <a:spcBef>
+                <a:spcPts val="500"/>
+              </a:spcBef>
+              <a:buFont typeface="Arial" panose="020B0604020202020204" pitchFamily="34" charset="0"/>
+              <a:buChar char="•"/>
+              <a:defRPr sz="1800" kern="1200">
+                <a:solidFill>
+                  <a:schemeClr val="tx1"/>
+                </a:solidFill>
+                <a:latin typeface="+mn-lt"/>
+                <a:ea typeface="+mn-ea"/>
+                <a:cs typeface="+mn-cs"/>
+              </a:defRPr>
+            </a:lvl9pPr>
+          </a:lstStyle>
+          <a:p>
+            <a:pPr marL="0" indent="0">
+              <a:buFont typeface="Arial" panose="020B0604020202020204" pitchFamily="34" charset="0"/>
+              <a:buNone/>
+            </a:pPr>
+            <a:r>
+              <a:rPr lang="en-US" b="1" dirty="0"/>
               <a:t>Adjusted expenditures</a:t>
             </a:r>
           </a:p>
@@ -4452,6 +4977,59 @@
             <a:r>
               <a:rPr lang="en-US" dirty="0"/>
               <a:t>Use demographic and economic factors to build benchmarks.</a:t>
+            </a:r>
+          </a:p>
+          <a:p>
+            <a:r>
+              <a:rPr lang="en-US" dirty="0"/>
+              <a:t>Sectors:</a:t>
+            </a:r>
+          </a:p>
+          <a:p>
+            <a:pPr lvl="1"/>
+            <a:r>
+              <a:rPr lang="en-US" dirty="0"/>
+              <a:t>Health,</a:t>
+            </a:r>
+          </a:p>
+          <a:p>
+            <a:pPr lvl="1"/>
+            <a:r>
+              <a:rPr lang="en-US" dirty="0"/>
+              <a:t>Education,</a:t>
+            </a:r>
+          </a:p>
+          <a:p>
+            <a:pPr lvl="1"/>
+            <a:r>
+              <a:rPr lang="en-US" dirty="0"/>
+              <a:t>Public admin (ex </a:t>
+            </a:r>
+            <a:r>
+              <a:rPr lang="en-US" dirty="0" err="1"/>
+              <a:t>defence</a:t>
+            </a:r>
+            <a:r>
+              <a:rPr lang="en-US" dirty="0"/>
+              <a:t>),</a:t>
+            </a:r>
+          </a:p>
+          <a:p>
+            <a:pPr lvl="1"/>
+            <a:r>
+              <a:rPr lang="en-US" dirty="0" err="1"/>
+              <a:t>Defence</a:t>
+            </a:r>
+            <a:r>
+              <a:rPr lang="en-US" dirty="0"/>
+              <a:t>,</a:t>
+            </a:r>
+          </a:p>
+          <a:p>
+            <a:pPr lvl="1"/>
+            <a:r>
+              <a:rPr lang="en-US" dirty="0"/>
+              <a:t>Other expenses</a:t>
             </a:r>
             <a:endParaRPr lang="en-NZ" dirty="0"/>
           </a:p>
@@ -4470,9 +5048,17 @@
 </p:sld>
 </file>
 
-<file path=ppt/slides/slide13.xml><?xml version="1.0" encoding="utf-8"?>
+<file path=ppt/slides/slide15.xml><?xml version="1.0" encoding="utf-8"?>
 <p:sld xmlns:a="http://schemas.openxmlformats.org/drawingml/2006/main" xmlns:r="http://schemas.openxmlformats.org/officeDocument/2006/relationships" xmlns:p="http://schemas.openxmlformats.org/presentationml/2006/main">
   <p:cSld>
+    <p:bg>
+      <p:bgPr>
+        <a:solidFill>
+          <a:schemeClr val="bg1"/>
+        </a:solidFill>
+        <a:effectLst/>
+      </p:bgPr>
+    </p:bg>
     <p:spTree>
       <p:nvGrpSpPr>
         <p:cNvPr id="1" name="">
@@ -4493,6 +5079,384 @@
           <a:chExt cx="0" cy="0"/>
         </a:xfrm>
       </p:grpSpPr>
+      <p:sp useBgFill="1">
+        <p:nvSpPr>
+          <p:cNvPr id="17" name="Rectangle 16">
+            <a:extLst>
+              <a:ext uri="{FF2B5EF4-FFF2-40B4-BE49-F238E27FC236}">
+                <a16:creationId xmlns:a16="http://schemas.microsoft.com/office/drawing/2014/main" id="{2151139A-886F-4B97-8815-729AD3831BBD}"/>
+              </a:ext>
+              <a:ext uri="{C183D7F6-B498-43B3-948B-1728B52AA6E4}">
+                <adec:decorative xmlns:adec="http://schemas.microsoft.com/office/drawing/2017/decorative" val="1"/>
+              </a:ext>
+            </a:extLst>
+          </p:cNvPr>
+          <p:cNvSpPr>
+            <a:spLocks noGrp="1" noRot="1" noChangeAspect="1" noMove="1" noResize="1" noEditPoints="1" noAdjustHandles="1" noChangeArrowheads="1" noChangeShapeType="1" noTextEdit="1"/>
+          </p:cNvSpPr>
+          <p:nvPr>
+            <p:extLst>
+              <p:ext uri="{386F3935-93C4-4BCD-93E2-E3B085C9AB24}">
+                <p16:designElem xmlns:p16="http://schemas.microsoft.com/office/powerpoint/2015/main" val="1"/>
+              </p:ext>
+            </p:extLst>
+          </p:nvPr>
+        </p:nvSpPr>
+        <p:spPr>
+          <a:xfrm>
+            <a:off x="0" y="0"/>
+            <a:ext cx="12192000" cy="6858000"/>
+          </a:xfrm>
+          <a:prstGeom prst="rect">
+            <a:avLst/>
+          </a:prstGeom>
+          <a:ln w="12700" cap="flat" cmpd="sng" algn="ctr">
+            <a:noFill/>
+            <a:prstDash val="solid"/>
+            <a:miter lim="800000"/>
+          </a:ln>
+          <a:effectLst/>
+          <a:extLst>
+            <a:ext uri="{91240B29-F687-4F45-9708-019B960494DF}">
+              <a14:hiddenLine xmlns:a14="http://schemas.microsoft.com/office/drawing/2010/main" w="12700" cap="flat" cmpd="sng" algn="ctr">
+                <a:solidFill>
+                  <a:schemeClr val="accent1">
+                    <a:shade val="50000"/>
+                  </a:schemeClr>
+                </a:solidFill>
+                <a:prstDash val="solid"/>
+                <a:miter lim="800000"/>
+              </a14:hiddenLine>
+            </a:ext>
+          </a:extLst>
+        </p:spPr>
+        <p:style>
+          <a:lnRef idx="2">
+            <a:schemeClr val="accent1">
+              <a:shade val="50000"/>
+            </a:schemeClr>
+          </a:lnRef>
+          <a:fillRef idx="1">
+            <a:schemeClr val="accent1"/>
+          </a:fillRef>
+          <a:effectRef idx="0">
+            <a:schemeClr val="accent1"/>
+          </a:effectRef>
+          <a:fontRef idx="minor">
+            <a:schemeClr val="lt1"/>
+          </a:fontRef>
+        </p:style>
+        <p:txBody>
+          <a:bodyPr rtlCol="0" anchor="ctr"/>
+          <a:lstStyle/>
+          <a:p>
+            <a:pPr algn="ctr"/>
+            <a:endParaRPr lang="en-US" sz="2000"/>
+          </a:p>
+        </p:txBody>
+      </p:sp>
+      <p:sp>
+        <p:nvSpPr>
+          <p:cNvPr id="18" name="Rectangle 17">
+            <a:extLst>
+              <a:ext uri="{FF2B5EF4-FFF2-40B4-BE49-F238E27FC236}">
+                <a16:creationId xmlns:a16="http://schemas.microsoft.com/office/drawing/2014/main" id="{AB5E08C4-8CDD-4623-A5B8-E998C6DEE3B7}"/>
+              </a:ext>
+              <a:ext uri="{C183D7F6-B498-43B3-948B-1728B52AA6E4}">
+                <adec:decorative xmlns:adec="http://schemas.microsoft.com/office/drawing/2017/decorative" val="1"/>
+              </a:ext>
+            </a:extLst>
+          </p:cNvPr>
+          <p:cNvSpPr>
+            <a:spLocks noGrp="1" noRot="1" noChangeAspect="1" noMove="1" noResize="1" noEditPoints="1" noAdjustHandles="1" noChangeArrowheads="1" noChangeShapeType="1" noTextEdit="1"/>
+          </p:cNvSpPr>
+          <p:nvPr>
+            <p:extLst>
+              <p:ext uri="{386F3935-93C4-4BCD-93E2-E3B085C9AB24}">
+                <p16:designElem xmlns:p16="http://schemas.microsoft.com/office/powerpoint/2015/main" val="1"/>
+              </p:ext>
+            </p:extLst>
+          </p:nvPr>
+        </p:nvSpPr>
+        <p:spPr>
+          <a:xfrm flipH="1">
+            <a:off x="2" y="492"/>
+            <a:ext cx="12191998" cy="1575955"/>
+          </a:xfrm>
+          <a:prstGeom prst="rect">
+            <a:avLst/>
+          </a:prstGeom>
+          <a:gradFill>
+            <a:gsLst>
+              <a:gs pos="0">
+                <a:schemeClr val="accent1">
+                  <a:lumMod val="50000"/>
+                </a:schemeClr>
+              </a:gs>
+              <a:gs pos="100000">
+                <a:schemeClr val="accent1">
+                  <a:lumMod val="75000"/>
+                </a:schemeClr>
+              </a:gs>
+            </a:gsLst>
+            <a:lin ang="8400000" scaled="0"/>
+          </a:gradFill>
+          <a:ln>
+            <a:noFill/>
+          </a:ln>
+        </p:spPr>
+        <p:style>
+          <a:lnRef idx="2">
+            <a:schemeClr val="accent1">
+              <a:shade val="50000"/>
+            </a:schemeClr>
+          </a:lnRef>
+          <a:fillRef idx="1">
+            <a:schemeClr val="accent1"/>
+          </a:fillRef>
+          <a:effectRef idx="0">
+            <a:schemeClr val="accent1"/>
+          </a:effectRef>
+          <a:fontRef idx="minor">
+            <a:schemeClr val="lt1"/>
+          </a:fontRef>
+        </p:style>
+        <p:txBody>
+          <a:bodyPr rtlCol="0" anchor="ctr"/>
+          <a:lstStyle/>
+          <a:p>
+            <a:pPr algn="ctr"/>
+            <a:endParaRPr lang="en-US"/>
+          </a:p>
+        </p:txBody>
+      </p:sp>
+      <p:sp>
+        <p:nvSpPr>
+          <p:cNvPr id="19" name="Rectangle 18">
+            <a:extLst>
+              <a:ext uri="{FF2B5EF4-FFF2-40B4-BE49-F238E27FC236}">
+                <a16:creationId xmlns:a16="http://schemas.microsoft.com/office/drawing/2014/main" id="{15F33878-D502-4FFA-8ACE-F2AECDB2A23F}"/>
+              </a:ext>
+              <a:ext uri="{C183D7F6-B498-43B3-948B-1728B52AA6E4}">
+                <adec:decorative xmlns:adec="http://schemas.microsoft.com/office/drawing/2017/decorative" val="1"/>
+              </a:ext>
+            </a:extLst>
+          </p:cNvPr>
+          <p:cNvSpPr>
+            <a:spLocks noGrp="1" noRot="1" noChangeAspect="1" noMove="1" noResize="1" noEditPoints="1" noAdjustHandles="1" noChangeArrowheads="1" noChangeShapeType="1" noTextEdit="1"/>
+          </p:cNvSpPr>
+          <p:nvPr>
+            <p:extLst>
+              <p:ext uri="{386F3935-93C4-4BCD-93E2-E3B085C9AB24}">
+                <p16:designElem xmlns:p16="http://schemas.microsoft.com/office/powerpoint/2015/main" val="1"/>
+              </p:ext>
+            </p:extLst>
+          </p:nvPr>
+        </p:nvSpPr>
+        <p:spPr>
+          <a:xfrm rot="10800000" flipH="1">
+            <a:off x="8128857" y="35"/>
+            <a:ext cx="4063143" cy="1576412"/>
+          </a:xfrm>
+          <a:prstGeom prst="rect">
+            <a:avLst/>
+          </a:prstGeom>
+          <a:gradFill>
+            <a:gsLst>
+              <a:gs pos="19000">
+                <a:schemeClr val="accent1">
+                  <a:lumMod val="50000"/>
+                  <a:alpha val="68000"/>
+                </a:schemeClr>
+              </a:gs>
+              <a:gs pos="100000">
+                <a:schemeClr val="accent1">
+                  <a:alpha val="79000"/>
+                </a:schemeClr>
+              </a:gs>
+            </a:gsLst>
+            <a:lin ang="19200000" scaled="0"/>
+          </a:gradFill>
+          <a:ln>
+            <a:noFill/>
+          </a:ln>
+        </p:spPr>
+        <p:style>
+          <a:lnRef idx="2">
+            <a:schemeClr val="accent1">
+              <a:shade val="50000"/>
+            </a:schemeClr>
+          </a:lnRef>
+          <a:fillRef idx="1">
+            <a:schemeClr val="accent1"/>
+          </a:fillRef>
+          <a:effectRef idx="0">
+            <a:schemeClr val="accent1"/>
+          </a:effectRef>
+          <a:fontRef idx="minor">
+            <a:schemeClr val="lt1"/>
+          </a:fontRef>
+        </p:style>
+        <p:txBody>
+          <a:bodyPr rtlCol="0" anchor="ctr"/>
+          <a:lstStyle/>
+          <a:p>
+            <a:pPr algn="ctr"/>
+            <a:endParaRPr lang="en-US"/>
+          </a:p>
+        </p:txBody>
+      </p:sp>
+      <p:sp>
+        <p:nvSpPr>
+          <p:cNvPr id="21" name="Rectangle 20">
+            <a:extLst>
+              <a:ext uri="{FF2B5EF4-FFF2-40B4-BE49-F238E27FC236}">
+                <a16:creationId xmlns:a16="http://schemas.microsoft.com/office/drawing/2014/main" id="{D3539FEE-81D3-4406-802E-60B20B16F4F6}"/>
+              </a:ext>
+              <a:ext uri="{C183D7F6-B498-43B3-948B-1728B52AA6E4}">
+                <adec:decorative xmlns:adec="http://schemas.microsoft.com/office/drawing/2017/decorative" val="1"/>
+              </a:ext>
+            </a:extLst>
+          </p:cNvPr>
+          <p:cNvSpPr>
+            <a:spLocks noGrp="1" noRot="1" noChangeAspect="1" noMove="1" noResize="1" noEditPoints="1" noAdjustHandles="1" noChangeArrowheads="1" noChangeShapeType="1" noTextEdit="1"/>
+          </p:cNvSpPr>
+          <p:nvPr>
+            <p:extLst>
+              <p:ext uri="{386F3935-93C4-4BCD-93E2-E3B085C9AB24}">
+                <p16:designElem xmlns:p16="http://schemas.microsoft.com/office/powerpoint/2015/main" val="1"/>
+              </p:ext>
+            </p:extLst>
+          </p:nvPr>
+        </p:nvSpPr>
+        <p:spPr>
+          <a:xfrm rot="5400000">
+            <a:off x="5307778" y="-5307777"/>
+            <a:ext cx="1576446" cy="12192001"/>
+          </a:xfrm>
+          <a:prstGeom prst="rect">
+            <a:avLst/>
+          </a:prstGeom>
+          <a:gradFill>
+            <a:gsLst>
+              <a:gs pos="16000">
+                <a:srgbClr val="000000">
+                  <a:alpha val="0"/>
+                </a:srgbClr>
+              </a:gs>
+              <a:gs pos="99000">
+                <a:srgbClr val="000000">
+                  <a:alpha val="87000"/>
+                </a:srgbClr>
+              </a:gs>
+            </a:gsLst>
+            <a:lin ang="11400000" scaled="0"/>
+          </a:gradFill>
+          <a:ln>
+            <a:noFill/>
+          </a:ln>
+        </p:spPr>
+        <p:style>
+          <a:lnRef idx="2">
+            <a:schemeClr val="accent1">
+              <a:shade val="50000"/>
+            </a:schemeClr>
+          </a:lnRef>
+          <a:fillRef idx="1">
+            <a:schemeClr val="accent1"/>
+          </a:fillRef>
+          <a:effectRef idx="0">
+            <a:schemeClr val="accent1"/>
+          </a:effectRef>
+          <a:fontRef idx="minor">
+            <a:schemeClr val="lt1"/>
+          </a:fontRef>
+        </p:style>
+        <p:txBody>
+          <a:bodyPr rtlCol="0" anchor="ctr"/>
+          <a:lstStyle/>
+          <a:p>
+            <a:pPr algn="ctr"/>
+            <a:endParaRPr lang="en-US" dirty="0"/>
+          </a:p>
+        </p:txBody>
+      </p:sp>
+      <p:sp>
+        <p:nvSpPr>
+          <p:cNvPr id="23" name="Rectangle 22">
+            <a:extLst>
+              <a:ext uri="{FF2B5EF4-FFF2-40B4-BE49-F238E27FC236}">
+                <a16:creationId xmlns:a16="http://schemas.microsoft.com/office/drawing/2014/main" id="{DC701763-729E-462F-A5A8-E0DEFEB1E2E4}"/>
+              </a:ext>
+              <a:ext uri="{C183D7F6-B498-43B3-948B-1728B52AA6E4}">
+                <adec:decorative xmlns:adec="http://schemas.microsoft.com/office/drawing/2017/decorative" val="1"/>
+              </a:ext>
+            </a:extLst>
+          </p:cNvPr>
+          <p:cNvSpPr>
+            <a:spLocks noGrp="1" noRot="1" noChangeAspect="1" noMove="1" noResize="1" noEditPoints="1" noAdjustHandles="1" noChangeArrowheads="1" noChangeShapeType="1" noTextEdit="1"/>
+          </p:cNvSpPr>
+          <p:nvPr>
+            <p:extLst>
+              <p:ext uri="{386F3935-93C4-4BCD-93E2-E3B085C9AB24}">
+                <p16:designElem xmlns:p16="http://schemas.microsoft.com/office/powerpoint/2015/main" val="1"/>
+              </p:ext>
+            </p:extLst>
+          </p:nvPr>
+        </p:nvSpPr>
+        <p:spPr>
+          <a:xfrm>
+            <a:off x="3825434" y="986"/>
+            <a:ext cx="4303422" cy="1575461"/>
+          </a:xfrm>
+          <a:prstGeom prst="rect">
+            <a:avLst/>
+          </a:prstGeom>
+          <a:gradFill>
+            <a:gsLst>
+              <a:gs pos="0">
+                <a:schemeClr val="accent1">
+                  <a:alpha val="17000"/>
+                </a:schemeClr>
+              </a:gs>
+              <a:gs pos="74000">
+                <a:schemeClr val="accent1">
+                  <a:lumMod val="50000"/>
+                  <a:alpha val="0"/>
+                </a:schemeClr>
+              </a:gs>
+            </a:gsLst>
+            <a:lin ang="14400000" scaled="0"/>
+          </a:gradFill>
+          <a:ln>
+            <a:noFill/>
+          </a:ln>
+        </p:spPr>
+        <p:style>
+          <a:lnRef idx="2">
+            <a:schemeClr val="accent1">
+              <a:shade val="50000"/>
+            </a:schemeClr>
+          </a:lnRef>
+          <a:fillRef idx="1">
+            <a:schemeClr val="accent1"/>
+          </a:fillRef>
+          <a:effectRef idx="0">
+            <a:schemeClr val="accent1"/>
+          </a:effectRef>
+          <a:fontRef idx="minor">
+            <a:schemeClr val="lt1"/>
+          </a:fontRef>
+        </p:style>
+        <p:txBody>
+          <a:bodyPr rtlCol="0" anchor="ctr"/>
+          <a:lstStyle/>
+          <a:p>
+            <a:pPr algn="ctr"/>
+            <a:endParaRPr lang="en-US"/>
+          </a:p>
+        </p:txBody>
+      </p:sp>
       <p:sp>
         <p:nvSpPr>
           <p:cNvPr id="2" name="Title 1">
@@ -4509,34 +5473,88 @@
             <p:ph type="title"/>
           </p:nvPr>
         </p:nvSpPr>
-        <p:spPr/>
-        <p:txBody>
-          <a:bodyPr/>
-          <a:lstStyle/>
-          <a:p>
-            <a:r>
-              <a:rPr lang="en-US" dirty="0"/>
+        <p:spPr>
+          <a:xfrm>
+            <a:off x="699714" y="353160"/>
+            <a:ext cx="7091300" cy="898581"/>
+          </a:xfrm>
+        </p:spPr>
+        <p:txBody>
+          <a:bodyPr vert="horz" lIns="91440" tIns="45720" rIns="91440" bIns="45720" rtlCol="0" anchor="ctr">
+            <a:normAutofit/>
+          </a:bodyPr>
+          <a:lstStyle/>
+          <a:p>
+            <a:r>
+              <a:rPr lang="en-US" sz="4000">
+                <a:solidFill>
+                  <a:srgbClr val="FFFFFF"/>
+                </a:solidFill>
+              </a:rPr>
               <a:t>International Benchmarking</a:t>
             </a:r>
-            <a:endParaRPr lang="en-NZ" dirty="0"/>
+          </a:p>
+        </p:txBody>
+      </p:sp>
+      <p:sp>
+        <p:nvSpPr>
+          <p:cNvPr id="14" name="TextBox 13">
+            <a:extLst>
+              <a:ext uri="{FF2B5EF4-FFF2-40B4-BE49-F238E27FC236}">
+                <a16:creationId xmlns:a16="http://schemas.microsoft.com/office/drawing/2014/main" id="{5516316B-FFB6-745D-175C-93D0884379C2}"/>
+              </a:ext>
+            </a:extLst>
+          </p:cNvPr>
+          <p:cNvSpPr txBox="1"/>
+          <p:nvPr/>
+        </p:nvSpPr>
+        <p:spPr>
+          <a:xfrm>
+            <a:off x="8571507" y="387224"/>
+            <a:ext cx="3291839" cy="830453"/>
+          </a:xfrm>
+          <a:prstGeom prst="rect">
+            <a:avLst/>
+          </a:prstGeom>
+        </p:spPr>
+        <p:txBody>
+          <a:bodyPr vert="horz" lIns="91440" tIns="45720" rIns="91440" bIns="45720" rtlCol="0" anchor="ctr">
+            <a:normAutofit/>
+          </a:bodyPr>
+          <a:lstStyle/>
+          <a:p>
+            <a:pPr>
+              <a:lnSpc>
+                <a:spcPct val="90000"/>
+              </a:lnSpc>
+              <a:spcBef>
+                <a:spcPts val="1000"/>
+              </a:spcBef>
+            </a:pPr>
+            <a:r>
+              <a:rPr lang="en-US" sz="2000" b="1">
+                <a:solidFill>
+                  <a:srgbClr val="FFFFFF"/>
+                </a:solidFill>
+              </a:rPr>
+              <a:t>Synthetic control exercise on overall spending</a:t>
+            </a:r>
           </a:p>
         </p:txBody>
       </p:sp>
       <p:pic>
         <p:nvPicPr>
-          <p:cNvPr id="13" name="Content Placeholder 12" descr="A graph of a number of numbers&#10;&#10;AI-generated content may be incorrect.">
-            <a:extLst>
-              <a:ext uri="{FF2B5EF4-FFF2-40B4-BE49-F238E27FC236}">
-                <a16:creationId xmlns:a16="http://schemas.microsoft.com/office/drawing/2014/main" id="{BDDD8BC0-AA4C-7C33-F3E0-902FF3C5DFF8}"/>
+          <p:cNvPr id="7" name="Picture 6" descr="A graph with lines and dots&#10;&#10;Description automatically generated">
+            <a:extLst>
+              <a:ext uri="{FF2B5EF4-FFF2-40B4-BE49-F238E27FC236}">
+                <a16:creationId xmlns:a16="http://schemas.microsoft.com/office/drawing/2014/main" id="{8A0A1153-C56A-2FB0-4B9A-B0F8EA891151}"/>
               </a:ext>
             </a:extLst>
           </p:cNvPr>
           <p:cNvPicPr>
-            <a:picLocks noGrp="1" noChangeAspect="1"/>
+            <a:picLocks noChangeAspect="1"/>
           </p:cNvPicPr>
-          <p:nvPr>
-            <p:ph idx="1"/>
-          </p:nvPr>
+          <p:nvPr/>
         </p:nvPicPr>
         <p:blipFill>
           <a:blip r:embed="rId2">
@@ -4550,32 +5568,60 @@
             <a:fillRect/>
           </a:stretch>
         </p:blipFill>
-        <p:spPr bwMode="auto">
+        <p:spPr>
           <a:xfrm>
-            <a:off x="621744" y="1765978"/>
-            <a:ext cx="4239764" cy="4351337"/>
+            <a:off x="1063948" y="2280795"/>
+            <a:ext cx="3897695" cy="3997637"/>
           </a:xfrm>
           <a:prstGeom prst="rect">
             <a:avLst/>
           </a:prstGeom>
-          <a:noFill/>
-          <a:extLst>
-            <a:ext uri="{909E8E84-426E-40DD-AFC4-6F175D3DCCD1}">
-              <a14:hiddenFill xmlns:a14="http://schemas.microsoft.com/office/drawing/2010/main">
-                <a:solidFill>
-                  <a:srgbClr val="FFFFFF"/>
-                </a:solidFill>
-              </a14:hiddenFill>
-            </a:ext>
-          </a:extLst>
         </p:spPr>
       </p:pic>
-      <p:sp>
-        <p:nvSpPr>
-          <p:cNvPr id="14" name="TextBox 13">
-            <a:extLst>
-              <a:ext uri="{FF2B5EF4-FFF2-40B4-BE49-F238E27FC236}">
-                <a16:creationId xmlns:a16="http://schemas.microsoft.com/office/drawing/2014/main" id="{5516316B-FFB6-745D-175C-93D0884379C2}"/>
+      <p:pic>
+        <p:nvPicPr>
+          <p:cNvPr id="5" name="Content Placeholder 4" descr="A graph with lines and dots&#10;&#10;Description automatically generated">
+            <a:extLst>
+              <a:ext uri="{FF2B5EF4-FFF2-40B4-BE49-F238E27FC236}">
+                <a16:creationId xmlns:a16="http://schemas.microsoft.com/office/drawing/2014/main" id="{494A329E-5F8B-ABBA-26F0-C39F1B15702D}"/>
+              </a:ext>
+            </a:extLst>
+          </p:cNvPr>
+          <p:cNvPicPr>
+            <a:picLocks noGrp="1" noChangeAspect="1"/>
+          </p:cNvPicPr>
+          <p:nvPr>
+            <p:ph idx="1"/>
+          </p:nvPr>
+        </p:nvPicPr>
+        <p:blipFill>
+          <a:blip r:embed="rId3">
+            <a:extLst>
+              <a:ext uri="{28A0092B-C50C-407E-A947-70E740481C1C}">
+                <a14:useLocalDpi xmlns:a14="http://schemas.microsoft.com/office/drawing/2010/main" val="0"/>
+              </a:ext>
+            </a:extLst>
+          </a:blip>
+          <a:stretch>
+            <a:fillRect/>
+          </a:stretch>
+        </p:blipFill>
+        <p:spPr>
+          <a:xfrm>
+            <a:off x="6345165" y="2217815"/>
+            <a:ext cx="3897884" cy="3997831"/>
+          </a:xfrm>
+          <a:prstGeom prst="rect">
+            <a:avLst/>
+          </a:prstGeom>
+        </p:spPr>
+      </p:pic>
+      <p:sp>
+        <p:nvSpPr>
+          <p:cNvPr id="15" name="TextBox 14">
+            <a:extLst>
+              <a:ext uri="{FF2B5EF4-FFF2-40B4-BE49-F238E27FC236}">
+                <a16:creationId xmlns:a16="http://schemas.microsoft.com/office/drawing/2014/main" id="{0CFA44DB-99E3-A2CF-2929-4FD07C95CC06}"/>
               </a:ext>
             </a:extLst>
           </p:cNvPr>
@@ -4584,8 +5630,8 @@
         </p:nvSpPr>
         <p:spPr>
           <a:xfrm>
-            <a:off x="6400800" y="1862051"/>
-            <a:ext cx="4714560" cy="369332"/>
+            <a:off x="6480279" y="6858000"/>
+            <a:ext cx="5270545" cy="1708160"/>
           </a:xfrm>
           <a:prstGeom prst="rect">
             <a:avLst/>
@@ -4598,9 +5644,59 @@
           </a:bodyPr>
           <a:lstStyle/>
           <a:p>
+            <a:pPr marL="285750" indent="-285750">
+              <a:spcAft>
+                <a:spcPts val="600"/>
+              </a:spcAft>
+              <a:buFont typeface="Arial" panose="020B0604020202020204" pitchFamily="34" charset="0"/>
+              <a:buChar char="•"/>
+            </a:pPr>
             <a:r>
               <a:rPr lang="en-US"/>
-              <a:t>Synthetic control exercise on overall spending</a:t>
+              <a:t>Relative to countries with similar E/GDP ratio </a:t>
+            </a:r>
+            <a:br>
+              <a:rPr lang="en-US"/>
+            </a:br>
+            <a:r>
+              <a:rPr lang="en-US"/>
+              <a:t>movements prior to the GFC, Australia has risen.</a:t>
+            </a:r>
+          </a:p>
+          <a:p>
+            <a:pPr marL="285750" indent="-285750">
+              <a:spcAft>
+                <a:spcPts val="600"/>
+              </a:spcAft>
+              <a:buFont typeface="Arial" panose="020B0604020202020204" pitchFamily="34" charset="0"/>
+              <a:buChar char="•"/>
+            </a:pPr>
+            <a:r>
+              <a:rPr lang="en-US"/>
+              <a:t>Something (after adjustments)</a:t>
+            </a:r>
+          </a:p>
+          <a:p>
+            <a:pPr marL="285750" indent="-285750">
+              <a:spcAft>
+                <a:spcPts val="600"/>
+              </a:spcAft>
+              <a:buFont typeface="Arial" panose="020B0604020202020204" pitchFamily="34" charset="0"/>
+              <a:buChar char="•"/>
+            </a:pPr>
+            <a:endParaRPr lang="en-US"/>
+          </a:p>
+          <a:p>
+            <a:pPr marL="285750" indent="-285750">
+              <a:spcAft>
+                <a:spcPts val="600"/>
+              </a:spcAft>
+              <a:buFont typeface="Arial" panose="020B0604020202020204" pitchFamily="34" charset="0"/>
+              <a:buChar char="•"/>
+            </a:pPr>
+            <a:r>
+              <a:rPr lang="en-US"/>
+              <a:t>Key question is what has driven this.</a:t>
             </a:r>
             <a:endParaRPr lang="en-NZ"/>
           </a:p>
@@ -4608,10 +5704,10 @@
       </p:sp>
       <p:sp>
         <p:nvSpPr>
-          <p:cNvPr id="15" name="TextBox 14">
-            <a:extLst>
-              <a:ext uri="{FF2B5EF4-FFF2-40B4-BE49-F238E27FC236}">
-                <a16:creationId xmlns:a16="http://schemas.microsoft.com/office/drawing/2014/main" id="{0CFA44DB-99E3-A2CF-2929-4FD07C95CC06}"/>
+          <p:cNvPr id="8" name="TextBox 7">
+            <a:extLst>
+              <a:ext uri="{FF2B5EF4-FFF2-40B4-BE49-F238E27FC236}">
+                <a16:creationId xmlns:a16="http://schemas.microsoft.com/office/drawing/2014/main" id="{5E824EDD-D2A2-F414-417E-A618BA41772F}"/>
               </a:ext>
             </a:extLst>
           </p:cNvPr>
@@ -4620,8 +5716,8 @@
         </p:nvSpPr>
         <p:spPr>
           <a:xfrm>
-            <a:off x="6400800" y="2402746"/>
-            <a:ext cx="5270545" cy="1477328"/>
+            <a:off x="7409009" y="1736489"/>
+            <a:ext cx="1770195" cy="369332"/>
           </a:xfrm>
           <a:prstGeom prst="rect">
             <a:avLst/>
@@ -4629,58 +5725,62 @@
           <a:noFill/>
         </p:spPr>
         <p:txBody>
-          <a:bodyPr wrap="none" rtlCol="0">
+          <a:bodyPr wrap="square" rtlCol="0">
             <a:spAutoFit/>
           </a:bodyPr>
           <a:lstStyle/>
           <a:p>
-            <a:pPr marL="285750" indent="-285750">
-              <a:buFont typeface="Arial" panose="020B0604020202020204" pitchFamily="34" charset="0"/>
-              <a:buChar char="•"/>
+            <a:pPr>
+              <a:spcAft>
+                <a:spcPts val="600"/>
+              </a:spcAft>
             </a:pPr>
             <a:r>
-              <a:rPr lang="en-US" dirty="0"/>
-              <a:t>Relative to countries with similar E/GDP ratio </a:t>
-            </a:r>
-            <a:br>
-              <a:rPr lang="en-US" dirty="0"/>
-            </a:br>
-            <a:r>
-              <a:rPr lang="en-US" dirty="0"/>
-              <a:t>movements prior to the GFC, Australia has risen.</a:t>
-            </a:r>
-          </a:p>
-          <a:p>
-            <a:pPr marL="285750" indent="-285750">
-              <a:buFont typeface="Arial" panose="020B0604020202020204" pitchFamily="34" charset="0"/>
-              <a:buChar char="•"/>
+              <a:rPr lang="en-US" b="1" dirty="0"/>
+              <a:t>Age adjusted</a:t>
+            </a:r>
+            <a:endParaRPr lang="en-NZ" b="1" dirty="0"/>
+          </a:p>
+        </p:txBody>
+      </p:sp>
+      <p:sp>
+        <p:nvSpPr>
+          <p:cNvPr id="9" name="TextBox 8">
+            <a:extLst>
+              <a:ext uri="{FF2B5EF4-FFF2-40B4-BE49-F238E27FC236}">
+                <a16:creationId xmlns:a16="http://schemas.microsoft.com/office/drawing/2014/main" id="{148F94E1-D3CA-4956-9FA7-4AC2BF8238D7}"/>
+              </a:ext>
+            </a:extLst>
+          </p:cNvPr>
+          <p:cNvSpPr txBox="1"/>
+          <p:nvPr/>
+        </p:nvSpPr>
+        <p:spPr>
+          <a:xfrm>
+            <a:off x="2387154" y="1771423"/>
+            <a:ext cx="1770195" cy="369332"/>
+          </a:xfrm>
+          <a:prstGeom prst="rect">
+            <a:avLst/>
+          </a:prstGeom>
+          <a:noFill/>
+        </p:spPr>
+        <p:txBody>
+          <a:bodyPr wrap="square" rtlCol="0">
+            <a:spAutoFit/>
+          </a:bodyPr>
+          <a:lstStyle/>
+          <a:p>
+            <a:pPr>
+              <a:spcAft>
+                <a:spcPts val="600"/>
+              </a:spcAft>
             </a:pPr>
             <a:r>
-              <a:rPr lang="en-US" dirty="0"/>
-              <a:t>Something (after adjustments)</a:t>
-            </a:r>
-          </a:p>
-          <a:p>
-            <a:pPr marL="285750" indent="-285750">
-              <a:buFont typeface="Arial" panose="020B0604020202020204" pitchFamily="34" charset="0"/>
-              <a:buChar char="•"/>
-            </a:pPr>
-            <a:endParaRPr lang="en-US" dirty="0"/>
-          </a:p>
-          <a:p>
-            <a:pPr marL="285750" indent="-285750">
-              <a:buFont typeface="Arial" panose="020B0604020202020204" pitchFamily="34" charset="0"/>
-              <a:buChar char="•"/>
-            </a:pPr>
-            <a:r>
-              <a:rPr lang="en-US"/>
-              <a:t>Key </a:t>
-            </a:r>
-            <a:r>
-              <a:rPr lang="en-US" dirty="0"/>
-              <a:t>question is what has driven this.</a:t>
-            </a:r>
-            <a:endParaRPr lang="en-NZ"/>
+              <a:rPr lang="en-US" b="1" dirty="0"/>
+              <a:t>Initial</a:t>
+            </a:r>
+            <a:endParaRPr lang="en-NZ" b="1" dirty="0"/>
           </a:p>
         </p:txBody>
       </p:sp>
@@ -4697,9 +5797,17 @@
 </p:sld>
 </file>
 
-<file path=ppt/slides/slide14.xml><?xml version="1.0" encoding="utf-8"?>
+<file path=ppt/slides/slide16.xml><?xml version="1.0" encoding="utf-8"?>
 <p:sld xmlns:a="http://schemas.openxmlformats.org/drawingml/2006/main" xmlns:r="http://schemas.openxmlformats.org/officeDocument/2006/relationships" xmlns:p="http://schemas.openxmlformats.org/presentationml/2006/main">
   <p:cSld>
+    <p:bg>
+      <p:bgPr>
+        <a:solidFill>
+          <a:schemeClr val="bg1"/>
+        </a:solidFill>
+        <a:effectLst/>
+      </p:bgPr>
+    </p:bg>
     <p:spTree>
       <p:nvGrpSpPr>
         <p:cNvPr id="1" name="">
@@ -4720,171 +5828,551 @@
           <a:chExt cx="0" cy="0"/>
         </a:xfrm>
       </p:grpSpPr>
-      <p:sp>
-        <p:nvSpPr>
-          <p:cNvPr id="2" name="Title 1">
-            <a:extLst>
-              <a:ext uri="{FF2B5EF4-FFF2-40B4-BE49-F238E27FC236}">
-                <a16:creationId xmlns:a16="http://schemas.microsoft.com/office/drawing/2014/main" id="{0BD8D4B0-18C8-E1D8-BC13-6C42B9B268AD}"/>
-              </a:ext>
-            </a:extLst>
-          </p:cNvPr>
-          <p:cNvSpPr>
-            <a:spLocks noGrp="1"/>
-          </p:cNvSpPr>
-          <p:nvPr>
-            <p:ph type="title"/>
-          </p:nvPr>
-        </p:nvSpPr>
-        <p:spPr/>
-        <p:txBody>
-          <a:bodyPr/>
-          <a:lstStyle/>
-          <a:p>
-            <a:r>
-              <a:rPr lang="en-US" dirty="0"/>
-              <a:t>International Function Benchmarking</a:t>
-            </a:r>
-            <a:endParaRPr lang="en-NZ" dirty="0"/>
-          </a:p>
-        </p:txBody>
-      </p:sp>
-      <p:sp>
-        <p:nvSpPr>
-          <p:cNvPr id="14" name="TextBox 13">
-            <a:extLst>
-              <a:ext uri="{FF2B5EF4-FFF2-40B4-BE49-F238E27FC236}">
-                <a16:creationId xmlns:a16="http://schemas.microsoft.com/office/drawing/2014/main" id="{AF3D3E2E-2D78-3D3C-06B5-EA9CA524DEA3}"/>
-              </a:ext>
-            </a:extLst>
-          </p:cNvPr>
-          <p:cNvSpPr txBox="1"/>
-          <p:nvPr/>
+      <p:sp useBgFill="1">
+        <p:nvSpPr>
+          <p:cNvPr id="20" name="Rectangle 19">
+            <a:extLst>
+              <a:ext uri="{FF2B5EF4-FFF2-40B4-BE49-F238E27FC236}">
+                <a16:creationId xmlns:a16="http://schemas.microsoft.com/office/drawing/2014/main" id="{2151139A-886F-4B97-8815-729AD3831BBD}"/>
+              </a:ext>
+              <a:ext uri="{C183D7F6-B498-43B3-948B-1728B52AA6E4}">
+                <adec:decorative xmlns:adec="http://schemas.microsoft.com/office/drawing/2017/decorative" val="1"/>
+              </a:ext>
+            </a:extLst>
+          </p:cNvPr>
+          <p:cNvSpPr>
+            <a:spLocks noGrp="1" noRot="1" noChangeAspect="1" noMove="1" noResize="1" noEditPoints="1" noAdjustHandles="1" noChangeArrowheads="1" noChangeShapeType="1" noTextEdit="1"/>
+          </p:cNvSpPr>
+          <p:nvPr>
+            <p:extLst>
+              <p:ext uri="{386F3935-93C4-4BCD-93E2-E3B085C9AB24}">
+                <p16:designElem xmlns:p16="http://schemas.microsoft.com/office/powerpoint/2015/main" val="1"/>
+              </p:ext>
+            </p:extLst>
+          </p:nvPr>
         </p:nvSpPr>
         <p:spPr>
           <a:xfrm>
-            <a:off x="6400800" y="1862051"/>
-            <a:ext cx="4714560" cy="369332"/>
+            <a:off x="0" y="0"/>
+            <a:ext cx="12192000" cy="6858000"/>
           </a:xfrm>
           <a:prstGeom prst="rect">
             <a:avLst/>
           </a:prstGeom>
-          <a:noFill/>
+          <a:ln w="12700" cap="flat" cmpd="sng" algn="ctr">
+            <a:noFill/>
+            <a:prstDash val="solid"/>
+            <a:miter lim="800000"/>
+          </a:ln>
+          <a:effectLst/>
+          <a:extLst>
+            <a:ext uri="{91240B29-F687-4F45-9708-019B960494DF}">
+              <a14:hiddenLine xmlns:a14="http://schemas.microsoft.com/office/drawing/2010/main" w="12700" cap="flat" cmpd="sng" algn="ctr">
+                <a:solidFill>
+                  <a:schemeClr val="accent1">
+                    <a:shade val="50000"/>
+                  </a:schemeClr>
+                </a:solidFill>
+                <a:prstDash val="solid"/>
+                <a:miter lim="800000"/>
+              </a14:hiddenLine>
+            </a:ext>
+          </a:extLst>
         </p:spPr>
-        <p:txBody>
-          <a:bodyPr wrap="none" rtlCol="0">
-            <a:spAutoFit/>
-          </a:bodyPr>
-          <a:lstStyle/>
-          <a:p>
-            <a:r>
-              <a:rPr lang="en-US"/>
-              <a:t>Synthetic control exercise on overall spending</a:t>
-            </a:r>
-            <a:endParaRPr lang="en-NZ"/>
-          </a:p>
-        </p:txBody>
-      </p:sp>
-      <p:sp>
-        <p:nvSpPr>
-          <p:cNvPr id="15" name="TextBox 14">
-            <a:extLst>
-              <a:ext uri="{FF2B5EF4-FFF2-40B4-BE49-F238E27FC236}">
-                <a16:creationId xmlns:a16="http://schemas.microsoft.com/office/drawing/2014/main" id="{62E51107-CEC2-3BBB-DDEE-5DE2E59CF67B}"/>
-              </a:ext>
-            </a:extLst>
-          </p:cNvPr>
-          <p:cNvSpPr txBox="1"/>
-          <p:nvPr/>
+        <p:style>
+          <a:lnRef idx="2">
+            <a:schemeClr val="accent1">
+              <a:shade val="50000"/>
+            </a:schemeClr>
+          </a:lnRef>
+          <a:fillRef idx="1">
+            <a:schemeClr val="accent1"/>
+          </a:fillRef>
+          <a:effectRef idx="0">
+            <a:schemeClr val="accent1"/>
+          </a:effectRef>
+          <a:fontRef idx="minor">
+            <a:schemeClr val="lt1"/>
+          </a:fontRef>
+        </p:style>
+        <p:txBody>
+          <a:bodyPr rtlCol="0" anchor="ctr"/>
+          <a:lstStyle/>
+          <a:p>
+            <a:pPr algn="ctr"/>
+            <a:endParaRPr lang="en-US" sz="2000"/>
+          </a:p>
+        </p:txBody>
+      </p:sp>
+      <p:sp>
+        <p:nvSpPr>
+          <p:cNvPr id="22" name="Rectangle 21">
+            <a:extLst>
+              <a:ext uri="{FF2B5EF4-FFF2-40B4-BE49-F238E27FC236}">
+                <a16:creationId xmlns:a16="http://schemas.microsoft.com/office/drawing/2014/main" id="{AB5E08C4-8CDD-4623-A5B8-E998C6DEE3B7}"/>
+              </a:ext>
+              <a:ext uri="{C183D7F6-B498-43B3-948B-1728B52AA6E4}">
+                <adec:decorative xmlns:adec="http://schemas.microsoft.com/office/drawing/2017/decorative" val="1"/>
+              </a:ext>
+            </a:extLst>
+          </p:cNvPr>
+          <p:cNvSpPr>
+            <a:spLocks noGrp="1" noRot="1" noChangeAspect="1" noMove="1" noResize="1" noEditPoints="1" noAdjustHandles="1" noChangeArrowheads="1" noChangeShapeType="1" noTextEdit="1"/>
+          </p:cNvSpPr>
+          <p:nvPr>
+            <p:extLst>
+              <p:ext uri="{386F3935-93C4-4BCD-93E2-E3B085C9AB24}">
+                <p16:designElem xmlns:p16="http://schemas.microsoft.com/office/powerpoint/2015/main" val="1"/>
+              </p:ext>
+            </p:extLst>
+          </p:nvPr>
         </p:nvSpPr>
         <p:spPr>
-          <a:xfrm>
-            <a:off x="6400800" y="2402746"/>
-            <a:ext cx="5270545" cy="1477328"/>
+          <a:xfrm flipH="1">
+            <a:off x="2" y="492"/>
+            <a:ext cx="12191998" cy="1575955"/>
           </a:xfrm>
           <a:prstGeom prst="rect">
             <a:avLst/>
           </a:prstGeom>
-          <a:noFill/>
+          <a:gradFill>
+            <a:gsLst>
+              <a:gs pos="0">
+                <a:schemeClr val="accent1">
+                  <a:lumMod val="50000"/>
+                </a:schemeClr>
+              </a:gs>
+              <a:gs pos="100000">
+                <a:schemeClr val="accent1">
+                  <a:lumMod val="75000"/>
+                </a:schemeClr>
+              </a:gs>
+            </a:gsLst>
+            <a:lin ang="8400000" scaled="0"/>
+          </a:gradFill>
+          <a:ln>
+            <a:noFill/>
+          </a:ln>
         </p:spPr>
-        <p:txBody>
-          <a:bodyPr wrap="none" rtlCol="0">
-            <a:spAutoFit/>
+        <p:style>
+          <a:lnRef idx="2">
+            <a:schemeClr val="accent1">
+              <a:shade val="50000"/>
+            </a:schemeClr>
+          </a:lnRef>
+          <a:fillRef idx="1">
+            <a:schemeClr val="accent1"/>
+          </a:fillRef>
+          <a:effectRef idx="0">
+            <a:schemeClr val="accent1"/>
+          </a:effectRef>
+          <a:fontRef idx="minor">
+            <a:schemeClr val="lt1"/>
+          </a:fontRef>
+        </p:style>
+        <p:txBody>
+          <a:bodyPr rtlCol="0" anchor="ctr"/>
+          <a:lstStyle/>
+          <a:p>
+            <a:pPr algn="ctr"/>
+            <a:endParaRPr lang="en-US"/>
+          </a:p>
+        </p:txBody>
+      </p:sp>
+      <p:sp>
+        <p:nvSpPr>
+          <p:cNvPr id="24" name="Rectangle 23">
+            <a:extLst>
+              <a:ext uri="{FF2B5EF4-FFF2-40B4-BE49-F238E27FC236}">
+                <a16:creationId xmlns:a16="http://schemas.microsoft.com/office/drawing/2014/main" id="{15F33878-D502-4FFA-8ACE-F2AECDB2A23F}"/>
+              </a:ext>
+              <a:ext uri="{C183D7F6-B498-43B3-948B-1728B52AA6E4}">
+                <adec:decorative xmlns:adec="http://schemas.microsoft.com/office/drawing/2017/decorative" val="1"/>
+              </a:ext>
+            </a:extLst>
+          </p:cNvPr>
+          <p:cNvSpPr>
+            <a:spLocks noGrp="1" noRot="1" noChangeAspect="1" noMove="1" noResize="1" noEditPoints="1" noAdjustHandles="1" noChangeArrowheads="1" noChangeShapeType="1" noTextEdit="1"/>
+          </p:cNvSpPr>
+          <p:nvPr>
+            <p:extLst>
+              <p:ext uri="{386F3935-93C4-4BCD-93E2-E3B085C9AB24}">
+                <p16:designElem xmlns:p16="http://schemas.microsoft.com/office/powerpoint/2015/main" val="1"/>
+              </p:ext>
+            </p:extLst>
+          </p:nvPr>
+        </p:nvSpPr>
+        <p:spPr>
+          <a:xfrm rot="10800000" flipH="1">
+            <a:off x="8128857" y="35"/>
+            <a:ext cx="4063143" cy="1576412"/>
+          </a:xfrm>
+          <a:prstGeom prst="rect">
+            <a:avLst/>
+          </a:prstGeom>
+          <a:gradFill>
+            <a:gsLst>
+              <a:gs pos="19000">
+                <a:schemeClr val="accent1">
+                  <a:lumMod val="50000"/>
+                  <a:alpha val="68000"/>
+                </a:schemeClr>
+              </a:gs>
+              <a:gs pos="100000">
+                <a:schemeClr val="accent1">
+                  <a:alpha val="79000"/>
+                </a:schemeClr>
+              </a:gs>
+            </a:gsLst>
+            <a:lin ang="19200000" scaled="0"/>
+          </a:gradFill>
+          <a:ln>
+            <a:noFill/>
+          </a:ln>
+        </p:spPr>
+        <p:style>
+          <a:lnRef idx="2">
+            <a:schemeClr val="accent1">
+              <a:shade val="50000"/>
+            </a:schemeClr>
+          </a:lnRef>
+          <a:fillRef idx="1">
+            <a:schemeClr val="accent1"/>
+          </a:fillRef>
+          <a:effectRef idx="0">
+            <a:schemeClr val="accent1"/>
+          </a:effectRef>
+          <a:fontRef idx="minor">
+            <a:schemeClr val="lt1"/>
+          </a:fontRef>
+        </p:style>
+        <p:txBody>
+          <a:bodyPr rtlCol="0" anchor="ctr"/>
+          <a:lstStyle/>
+          <a:p>
+            <a:pPr algn="ctr"/>
+            <a:endParaRPr lang="en-US"/>
+          </a:p>
+        </p:txBody>
+      </p:sp>
+      <p:sp>
+        <p:nvSpPr>
+          <p:cNvPr id="26" name="Rectangle 25">
+            <a:extLst>
+              <a:ext uri="{FF2B5EF4-FFF2-40B4-BE49-F238E27FC236}">
+                <a16:creationId xmlns:a16="http://schemas.microsoft.com/office/drawing/2014/main" id="{D3539FEE-81D3-4406-802E-60B20B16F4F6}"/>
+              </a:ext>
+              <a:ext uri="{C183D7F6-B498-43B3-948B-1728B52AA6E4}">
+                <adec:decorative xmlns:adec="http://schemas.microsoft.com/office/drawing/2017/decorative" val="1"/>
+              </a:ext>
+            </a:extLst>
+          </p:cNvPr>
+          <p:cNvSpPr>
+            <a:spLocks noGrp="1" noRot="1" noChangeAspect="1" noMove="1" noResize="1" noEditPoints="1" noAdjustHandles="1" noChangeArrowheads="1" noChangeShapeType="1" noTextEdit="1"/>
+          </p:cNvSpPr>
+          <p:nvPr>
+            <p:extLst>
+              <p:ext uri="{386F3935-93C4-4BCD-93E2-E3B085C9AB24}">
+                <p16:designElem xmlns:p16="http://schemas.microsoft.com/office/powerpoint/2015/main" val="1"/>
+              </p:ext>
+            </p:extLst>
+          </p:nvPr>
+        </p:nvSpPr>
+        <p:spPr>
+          <a:xfrm rot="5400000">
+            <a:off x="5307778" y="-5307777"/>
+            <a:ext cx="1576446" cy="12192001"/>
+          </a:xfrm>
+          <a:prstGeom prst="rect">
+            <a:avLst/>
+          </a:prstGeom>
+          <a:gradFill>
+            <a:gsLst>
+              <a:gs pos="16000">
+                <a:srgbClr val="000000">
+                  <a:alpha val="0"/>
+                </a:srgbClr>
+              </a:gs>
+              <a:gs pos="99000">
+                <a:srgbClr val="000000">
+                  <a:alpha val="87000"/>
+                </a:srgbClr>
+              </a:gs>
+            </a:gsLst>
+            <a:lin ang="11400000" scaled="0"/>
+          </a:gradFill>
+          <a:ln>
+            <a:noFill/>
+          </a:ln>
+        </p:spPr>
+        <p:style>
+          <a:lnRef idx="2">
+            <a:schemeClr val="accent1">
+              <a:shade val="50000"/>
+            </a:schemeClr>
+          </a:lnRef>
+          <a:fillRef idx="1">
+            <a:schemeClr val="accent1"/>
+          </a:fillRef>
+          <a:effectRef idx="0">
+            <a:schemeClr val="accent1"/>
+          </a:effectRef>
+          <a:fontRef idx="minor">
+            <a:schemeClr val="lt1"/>
+          </a:fontRef>
+        </p:style>
+        <p:txBody>
+          <a:bodyPr rtlCol="0" anchor="ctr"/>
+          <a:lstStyle/>
+          <a:p>
+            <a:pPr algn="ctr"/>
+            <a:endParaRPr lang="en-US" dirty="0"/>
+          </a:p>
+        </p:txBody>
+      </p:sp>
+      <p:sp>
+        <p:nvSpPr>
+          <p:cNvPr id="28" name="Rectangle 27">
+            <a:extLst>
+              <a:ext uri="{FF2B5EF4-FFF2-40B4-BE49-F238E27FC236}">
+                <a16:creationId xmlns:a16="http://schemas.microsoft.com/office/drawing/2014/main" id="{DC701763-729E-462F-A5A8-E0DEFEB1E2E4}"/>
+              </a:ext>
+              <a:ext uri="{C183D7F6-B498-43B3-948B-1728B52AA6E4}">
+                <adec:decorative xmlns:adec="http://schemas.microsoft.com/office/drawing/2017/decorative" val="1"/>
+              </a:ext>
+            </a:extLst>
+          </p:cNvPr>
+          <p:cNvSpPr>
+            <a:spLocks noGrp="1" noRot="1" noChangeAspect="1" noMove="1" noResize="1" noEditPoints="1" noAdjustHandles="1" noChangeArrowheads="1" noChangeShapeType="1" noTextEdit="1"/>
+          </p:cNvSpPr>
+          <p:nvPr>
+            <p:extLst>
+              <p:ext uri="{386F3935-93C4-4BCD-93E2-E3B085C9AB24}">
+                <p16:designElem xmlns:p16="http://schemas.microsoft.com/office/powerpoint/2015/main" val="1"/>
+              </p:ext>
+            </p:extLst>
+          </p:nvPr>
+        </p:nvSpPr>
+        <p:spPr>
+          <a:xfrm>
+            <a:off x="3825434" y="986"/>
+            <a:ext cx="4303422" cy="1575461"/>
+          </a:xfrm>
+          <a:prstGeom prst="rect">
+            <a:avLst/>
+          </a:prstGeom>
+          <a:gradFill>
+            <a:gsLst>
+              <a:gs pos="0">
+                <a:schemeClr val="accent1">
+                  <a:alpha val="17000"/>
+                </a:schemeClr>
+              </a:gs>
+              <a:gs pos="74000">
+                <a:schemeClr val="accent1">
+                  <a:lumMod val="50000"/>
+                  <a:alpha val="0"/>
+                </a:schemeClr>
+              </a:gs>
+            </a:gsLst>
+            <a:lin ang="14400000" scaled="0"/>
+          </a:gradFill>
+          <a:ln>
+            <a:noFill/>
+          </a:ln>
+        </p:spPr>
+        <p:style>
+          <a:lnRef idx="2">
+            <a:schemeClr val="accent1">
+              <a:shade val="50000"/>
+            </a:schemeClr>
+          </a:lnRef>
+          <a:fillRef idx="1">
+            <a:schemeClr val="accent1"/>
+          </a:fillRef>
+          <a:effectRef idx="0">
+            <a:schemeClr val="accent1"/>
+          </a:effectRef>
+          <a:fontRef idx="minor">
+            <a:schemeClr val="lt1"/>
+          </a:fontRef>
+        </p:style>
+        <p:txBody>
+          <a:bodyPr rtlCol="0" anchor="ctr"/>
+          <a:lstStyle/>
+          <a:p>
+            <a:pPr algn="ctr"/>
+            <a:endParaRPr lang="en-US"/>
+          </a:p>
+        </p:txBody>
+      </p:sp>
+      <p:sp>
+        <p:nvSpPr>
+          <p:cNvPr id="2" name="Title 1">
+            <a:extLst>
+              <a:ext uri="{FF2B5EF4-FFF2-40B4-BE49-F238E27FC236}">
+                <a16:creationId xmlns:a16="http://schemas.microsoft.com/office/drawing/2014/main" id="{0BD8D4B0-18C8-E1D8-BC13-6C42B9B268AD}"/>
+              </a:ext>
+            </a:extLst>
+          </p:cNvPr>
+          <p:cNvSpPr>
+            <a:spLocks noGrp="1"/>
+          </p:cNvSpPr>
+          <p:nvPr>
+            <p:ph type="title"/>
+          </p:nvPr>
+        </p:nvSpPr>
+        <p:spPr>
+          <a:xfrm>
+            <a:off x="699714" y="353160"/>
+            <a:ext cx="7091300" cy="898581"/>
+          </a:xfrm>
+        </p:spPr>
+        <p:txBody>
+          <a:bodyPr vert="horz" lIns="91440" tIns="45720" rIns="91440" bIns="45720" rtlCol="0" anchor="ctr">
+            <a:normAutofit/>
           </a:bodyPr>
           <a:lstStyle/>
           <a:p>
-            <a:pPr marL="285750" indent="-285750">
-              <a:buFont typeface="Arial" panose="020B0604020202020204" pitchFamily="34" charset="0"/>
-              <a:buChar char="•"/>
+            <a:r>
+              <a:rPr lang="en-US" sz="3400">
+                <a:solidFill>
+                  <a:srgbClr val="FFFFFF"/>
+                </a:solidFill>
+              </a:rPr>
+              <a:t>International Function Benchmarking</a:t>
+            </a:r>
+          </a:p>
+        </p:txBody>
+      </p:sp>
+      <p:sp>
+        <p:nvSpPr>
+          <p:cNvPr id="15" name="TextBox 14">
+            <a:extLst>
+              <a:ext uri="{FF2B5EF4-FFF2-40B4-BE49-F238E27FC236}">
+                <a16:creationId xmlns:a16="http://schemas.microsoft.com/office/drawing/2014/main" id="{62E51107-CEC2-3BBB-DDEE-5DE2E59CF67B}"/>
+              </a:ext>
+            </a:extLst>
+          </p:cNvPr>
+          <p:cNvSpPr txBox="1"/>
+          <p:nvPr/>
+        </p:nvSpPr>
+        <p:spPr>
+          <a:xfrm>
+            <a:off x="8571507" y="387224"/>
+            <a:ext cx="3291839" cy="830453"/>
+          </a:xfrm>
+          <a:prstGeom prst="rect">
+            <a:avLst/>
+          </a:prstGeom>
+        </p:spPr>
+        <p:txBody>
+          <a:bodyPr vert="horz" lIns="91440" tIns="45720" rIns="91440" bIns="45720" rtlCol="0" anchor="ctr">
+            <a:normAutofit/>
+          </a:bodyPr>
+          <a:lstStyle/>
+          <a:p>
+            <a:pPr>
+              <a:lnSpc>
+                <a:spcPct val="90000"/>
+              </a:lnSpc>
+              <a:spcBef>
+                <a:spcPts val="1000"/>
+              </a:spcBef>
             </a:pPr>
             <a:r>
+              <a:rPr lang="en-US" sz="500" dirty="0">
+                <a:solidFill>
+                  <a:srgbClr val="FFFFFF"/>
+                </a:solidFill>
+              </a:rPr>
+              <a:t>XXX</a:t>
+            </a:r>
+          </a:p>
+          <a:p>
+            <a:pPr>
+              <a:lnSpc>
+                <a:spcPct val="90000"/>
+              </a:lnSpc>
+              <a:spcBef>
+                <a:spcPts val="1000"/>
+              </a:spcBef>
+            </a:pPr>
+            <a:r>
+              <a:rPr lang="en-US" sz="500" dirty="0">
+                <a:solidFill>
+                  <a:srgbClr val="FFFFFF"/>
+                </a:solidFill>
+              </a:rPr>
+              <a:t>XXX</a:t>
+            </a:r>
+          </a:p>
+          <a:p>
+            <a:pPr>
+              <a:lnSpc>
+                <a:spcPct val="90000"/>
+              </a:lnSpc>
+              <a:spcBef>
+                <a:spcPts val="1000"/>
+              </a:spcBef>
+            </a:pPr>
+            <a:endParaRPr lang="en-US" sz="500" dirty="0">
+              <a:solidFill>
+                <a:srgbClr val="FFFFFF"/>
+              </a:solidFill>
+            </a:endParaRPr>
+          </a:p>
+          <a:p>
+            <a:pPr>
+              <a:lnSpc>
+                <a:spcPct val="90000"/>
+              </a:lnSpc>
+              <a:spcBef>
+                <a:spcPts val="1000"/>
+              </a:spcBef>
+            </a:pPr>
+            <a:r>
+              <a:rPr lang="en-US" sz="500" dirty="0">
+                <a:solidFill>
+                  <a:srgbClr val="FFFFFF"/>
+                </a:solidFill>
+              </a:rPr>
+              <a:t>XXX</a:t>
+            </a:r>
+          </a:p>
+        </p:txBody>
+      </p:sp>
+      <p:sp>
+        <p:nvSpPr>
+          <p:cNvPr id="3" name="Content Placeholder 2">
+            <a:extLst>
+              <a:ext uri="{FF2B5EF4-FFF2-40B4-BE49-F238E27FC236}">
+                <a16:creationId xmlns:a16="http://schemas.microsoft.com/office/drawing/2014/main" id="{BBC0006C-9492-6A7B-A4D4-E516B5F28929}"/>
+              </a:ext>
+            </a:extLst>
+          </p:cNvPr>
+          <p:cNvSpPr>
+            <a:spLocks noGrp="1"/>
+          </p:cNvSpPr>
+          <p:nvPr>
+            <p:ph idx="1"/>
+          </p:nvPr>
+        </p:nvSpPr>
+        <p:spPr>
+          <a:xfrm>
+            <a:off x="481489" y="1701215"/>
+            <a:ext cx="10515600" cy="637724"/>
+          </a:xfrm>
+        </p:spPr>
+        <p:txBody>
+          <a:bodyPr/>
+          <a:lstStyle/>
+          <a:p>
+            <a:r>
               <a:rPr lang="en-US" dirty="0"/>
-              <a:t>Relative to countries with similar E/GDP ratio </a:t>
-            </a:r>
-            <a:br>
-              <a:rPr lang="en-US" dirty="0"/>
-            </a:br>
-            <a:r>
-              <a:rPr lang="en-US" dirty="0"/>
-              <a:t>movements prior to the GFC, Australia has risen.</a:t>
-            </a:r>
-          </a:p>
-          <a:p>
-            <a:pPr marL="285750" indent="-285750">
-              <a:buFont typeface="Arial" panose="020B0604020202020204" pitchFamily="34" charset="0"/>
-              <a:buChar char="•"/>
-            </a:pPr>
-            <a:r>
-              <a:rPr lang="en-US" dirty="0"/>
-              <a:t>Something (after adjustments)</a:t>
-            </a:r>
-          </a:p>
-          <a:p>
-            <a:pPr marL="285750" indent="-285750">
-              <a:buFont typeface="Arial" panose="020B0604020202020204" pitchFamily="34" charset="0"/>
-              <a:buChar char="•"/>
-            </a:pPr>
-            <a:endParaRPr lang="en-US" dirty="0"/>
-          </a:p>
-          <a:p>
-            <a:pPr marL="285750" indent="-285750">
-              <a:buFont typeface="Arial" panose="020B0604020202020204" pitchFamily="34" charset="0"/>
-              <a:buChar char="•"/>
-            </a:pPr>
-            <a:r>
-              <a:rPr lang="en-US"/>
-              <a:t>Key </a:t>
-            </a:r>
-            <a:r>
-              <a:rPr lang="en-US" dirty="0"/>
-              <a:t>question is what has driven this.</a:t>
-            </a:r>
-            <a:endParaRPr lang="en-NZ"/>
-          </a:p>
-        </p:txBody>
-      </p:sp>
-      <p:sp>
-        <p:nvSpPr>
-          <p:cNvPr id="3" name="Content Placeholder 2">
-            <a:extLst>
-              <a:ext uri="{FF2B5EF4-FFF2-40B4-BE49-F238E27FC236}">
-                <a16:creationId xmlns:a16="http://schemas.microsoft.com/office/drawing/2014/main" id="{BBC0006C-9492-6A7B-A4D4-E516B5F28929}"/>
-              </a:ext>
-            </a:extLst>
-          </p:cNvPr>
-          <p:cNvSpPr>
-            <a:spLocks noGrp="1"/>
-          </p:cNvSpPr>
-          <p:nvPr>
-            <p:ph idx="1"/>
-          </p:nvPr>
-        </p:nvSpPr>
-        <p:spPr/>
-        <p:txBody>
-          <a:bodyPr/>
-          <a:lstStyle/>
-          <a:p>
-            <a:endParaRPr lang="en-AU"/>
+              <a:t>Health spending example</a:t>
+            </a:r>
+            <a:endParaRPr lang="en-NZ" dirty="0"/>
           </a:p>
         </p:txBody>
       </p:sp>
@@ -4901,7 +6389,7 @@
 </p:sld>
 </file>
 
-<file path=ppt/slides/slide15.xml><?xml version="1.0" encoding="utf-8"?>
+<file path=ppt/slides/slide17.xml><?xml version="1.0" encoding="utf-8"?>
 <p:sld xmlns:a="http://schemas.openxmlformats.org/drawingml/2006/main" xmlns:r="http://schemas.openxmlformats.org/officeDocument/2006/relationships" xmlns:p="http://schemas.openxmlformats.org/presentationml/2006/main">
   <p:cSld>
     <p:spTree>
@@ -5129,7 +6617,7 @@
 </p:sld>
 </file>
 
-<file path=ppt/slides/slide16.xml><?xml version="1.0" encoding="utf-8"?>
+<file path=ppt/slides/slide18.xml><?xml version="1.0" encoding="utf-8"?>
 <p:sld xmlns:a="http://schemas.openxmlformats.org/drawingml/2006/main" xmlns:r="http://schemas.openxmlformats.org/officeDocument/2006/relationships" xmlns:p="http://schemas.openxmlformats.org/presentationml/2006/main">
   <p:cSld>
     <p:spTree>
@@ -5195,8 +6683,8 @@
         </p:nvSpPr>
         <p:spPr>
           <a:xfrm>
-            <a:off x="6400800" y="1862051"/>
-            <a:ext cx="4714560" cy="369332"/>
+            <a:off x="7145518" y="1953143"/>
+            <a:ext cx="2712602" cy="369332"/>
           </a:xfrm>
           <a:prstGeom prst="rect">
             <a:avLst/>
@@ -5210,10 +6698,10 @@
           <a:lstStyle/>
           <a:p>
             <a:r>
-              <a:rPr lang="en-US"/>
-              <a:t>Synthetic control exercise on overall spending</a:t>
-            </a:r>
-            <a:endParaRPr lang="en-NZ"/>
+              <a:rPr lang="en-US" dirty="0"/>
+              <a:t>Health spending example</a:t>
+            </a:r>
+            <a:endParaRPr lang="en-NZ" dirty="0"/>
           </a:p>
         </p:txBody>
       </p:sp>
@@ -5231,8 +6719,8 @@
         </p:nvSpPr>
         <p:spPr>
           <a:xfrm>
-            <a:off x="6400800" y="2402746"/>
-            <a:ext cx="5270545" cy="1477328"/>
+            <a:off x="7145518" y="2534721"/>
+            <a:ext cx="857927" cy="1200329"/>
           </a:xfrm>
           <a:prstGeom prst="rect">
             <a:avLst/>
@@ -5251,14 +6739,7 @@
             </a:pPr>
             <a:r>
               <a:rPr lang="en-US" dirty="0"/>
-              <a:t>Relative to countries with similar E/GDP ratio </a:t>
-            </a:r>
-            <a:br>
-              <a:rPr lang="en-US" dirty="0"/>
-            </a:br>
-            <a:r>
-              <a:rPr lang="en-US" dirty="0"/>
-              <a:t>movements prior to the GFC, Australia has risen.</a:t>
+              <a:t>XXX</a:t>
             </a:r>
           </a:p>
           <a:p>
@@ -5268,7 +6749,7 @@
             </a:pPr>
             <a:r>
               <a:rPr lang="en-US" dirty="0"/>
-              <a:t>Something (after adjustments)</a:t>
+              <a:t>XXX</a:t>
             </a:r>
           </a:p>
           <a:p>
@@ -5284,14 +6765,10 @@
               <a:buChar char="•"/>
             </a:pPr>
             <a:r>
-              <a:rPr lang="en-US"/>
-              <a:t>Key </a:t>
-            </a:r>
-            <a:r>
               <a:rPr lang="en-US" dirty="0"/>
-              <a:t>question is what has driven this.</a:t>
-            </a:r>
-            <a:endParaRPr lang="en-NZ"/>
+              <a:t>XXX</a:t>
+            </a:r>
+            <a:endParaRPr lang="en-NZ" dirty="0"/>
           </a:p>
         </p:txBody>
       </p:sp>
@@ -5311,16 +6788,21 @@
             <p:ph idx="1"/>
           </p:nvPr>
         </p:nvSpPr>
-        <p:spPr/>
+        <p:spPr>
+          <a:xfrm>
+            <a:off x="838200" y="1825625"/>
+            <a:ext cx="5025272" cy="4351338"/>
+          </a:xfrm>
+        </p:spPr>
         <p:txBody>
           <a:bodyPr/>
           <a:lstStyle/>
           <a:p>
             <a:r>
-              <a:rPr lang="en-US"/>
+              <a:rPr lang="en-US" dirty="0"/>
               <a:t>Sector stuff</a:t>
             </a:r>
-            <a:endParaRPr lang="en-NZ"/>
+            <a:endParaRPr lang="en-NZ" dirty="0"/>
           </a:p>
         </p:txBody>
       </p:sp>
@@ -5337,7 +6819,7 @@
 </p:sld>
 </file>
 
-<file path=ppt/slides/slide17.xml><?xml version="1.0" encoding="utf-8"?>
+<file path=ppt/slides/slide19.xml><?xml version="1.0" encoding="utf-8"?>
 <p:sld xmlns:a="http://schemas.openxmlformats.org/drawingml/2006/main" xmlns:r="http://schemas.openxmlformats.org/officeDocument/2006/relationships" xmlns:p="http://schemas.openxmlformats.org/presentationml/2006/main">
   <p:cSld>
     <p:spTree>
@@ -5436,7 +6918,417 @@
 </p:sld>
 </file>
 
-<file path=ppt/slides/slide18.xml><?xml version="1.0" encoding="utf-8"?>
+<file path=ppt/slides/slide2.xml><?xml version="1.0" encoding="utf-8"?>
+<p:sld xmlns:a="http://schemas.openxmlformats.org/drawingml/2006/main" xmlns:r="http://schemas.openxmlformats.org/officeDocument/2006/relationships" xmlns:p="http://schemas.openxmlformats.org/presentationml/2006/main">
+  <p:cSld>
+    <p:bg>
+      <p:bgPr>
+        <a:solidFill>
+          <a:schemeClr val="bg1"/>
+        </a:solidFill>
+        <a:effectLst/>
+      </p:bgPr>
+    </p:bg>
+    <p:spTree>
+      <p:nvGrpSpPr>
+        <p:cNvPr id="1" name=""/>
+        <p:cNvGrpSpPr/>
+        <p:nvPr/>
+      </p:nvGrpSpPr>
+      <p:grpSpPr>
+        <a:xfrm>
+          <a:off x="0" y="0"/>
+          <a:ext cx="0" cy="0"/>
+          <a:chOff x="0" y="0"/>
+          <a:chExt cx="0" cy="0"/>
+        </a:xfrm>
+      </p:grpSpPr>
+      <p:sp useBgFill="1">
+        <p:nvSpPr>
+          <p:cNvPr id="9" name="Rectangle 8">
+            <a:extLst>
+              <a:ext uri="{FF2B5EF4-FFF2-40B4-BE49-F238E27FC236}">
+                <a16:creationId xmlns:a16="http://schemas.microsoft.com/office/drawing/2014/main" id="{0671A8AE-40A1-4631-A6B8-581AFF065482}"/>
+              </a:ext>
+              <a:ext uri="{C183D7F6-B498-43B3-948B-1728B52AA6E4}">
+                <adec:decorative xmlns:adec="http://schemas.microsoft.com/office/drawing/2017/decorative" val="1"/>
+              </a:ext>
+            </a:extLst>
+          </p:cNvPr>
+          <p:cNvSpPr>
+            <a:spLocks noGrp="1" noRot="1" noChangeAspect="1" noMove="1" noResize="1" noEditPoints="1" noAdjustHandles="1" noChangeArrowheads="1" noChangeShapeType="1" noTextEdit="1"/>
+          </p:cNvSpPr>
+          <p:nvPr>
+            <p:extLst>
+              <p:ext uri="{386F3935-93C4-4BCD-93E2-E3B085C9AB24}">
+                <p16:designElem xmlns:p16="http://schemas.microsoft.com/office/powerpoint/2015/main" val="1"/>
+              </p:ext>
+            </p:extLst>
+          </p:nvPr>
+        </p:nvSpPr>
+        <p:spPr>
+          <a:xfrm>
+            <a:off x="0" y="0"/>
+            <a:ext cx="12192000" cy="6858000"/>
+          </a:xfrm>
+          <a:prstGeom prst="rect">
+            <a:avLst/>
+          </a:prstGeom>
+          <a:ln>
+            <a:noFill/>
+          </a:ln>
+        </p:spPr>
+        <p:style>
+          <a:lnRef idx="2">
+            <a:schemeClr val="accent1">
+              <a:shade val="50000"/>
+            </a:schemeClr>
+          </a:lnRef>
+          <a:fillRef idx="1">
+            <a:schemeClr val="accent1"/>
+          </a:fillRef>
+          <a:effectRef idx="0">
+            <a:schemeClr val="accent1"/>
+          </a:effectRef>
+          <a:fontRef idx="minor">
+            <a:schemeClr val="lt1"/>
+          </a:fontRef>
+        </p:style>
+        <p:txBody>
+          <a:bodyPr rtlCol="0" anchor="ctr"/>
+          <a:lstStyle/>
+          <a:p>
+            <a:pPr algn="ctr"/>
+            <a:endParaRPr lang="en-US"/>
+          </a:p>
+        </p:txBody>
+      </p:sp>
+      <p:pic>
+        <p:nvPicPr>
+          <p:cNvPr id="5" name="Picture 4" descr="Pen placed on top of a signature line">
+            <a:extLst>
+              <a:ext uri="{FF2B5EF4-FFF2-40B4-BE49-F238E27FC236}">
+                <a16:creationId xmlns:a16="http://schemas.microsoft.com/office/drawing/2014/main" id="{9D567BFB-C3FF-7382-A524-4D3BD4072660}"/>
+              </a:ext>
+            </a:extLst>
+          </p:cNvPr>
+          <p:cNvPicPr>
+            <a:picLocks noChangeAspect="1"/>
+          </p:cNvPicPr>
+          <p:nvPr/>
+        </p:nvPicPr>
+        <p:blipFill>
+          <a:blip r:embed="rId2"/>
+          <a:srcRect l="15628" r="-1" b="-1"/>
+          <a:stretch>
+            <a:fillRect/>
+          </a:stretch>
+        </p:blipFill>
+        <p:spPr>
+          <a:xfrm>
+            <a:off x="3523488" y="10"/>
+            <a:ext cx="8668512" cy="6857990"/>
+          </a:xfrm>
+          <a:prstGeom prst="rect">
+            <a:avLst/>
+          </a:prstGeom>
+        </p:spPr>
+      </p:pic>
+      <p:sp>
+        <p:nvSpPr>
+          <p:cNvPr id="11" name="Rectangle 10">
+            <a:extLst>
+              <a:ext uri="{FF2B5EF4-FFF2-40B4-BE49-F238E27FC236}">
+                <a16:creationId xmlns:a16="http://schemas.microsoft.com/office/drawing/2014/main" id="{AB58EF07-17C2-48CF-ABB0-EEF1F17CB8F0}"/>
+              </a:ext>
+              <a:ext uri="{C183D7F6-B498-43B3-948B-1728B52AA6E4}">
+                <adec:decorative xmlns:adec="http://schemas.microsoft.com/office/drawing/2017/decorative" val="1"/>
+              </a:ext>
+            </a:extLst>
+          </p:cNvPr>
+          <p:cNvSpPr>
+            <a:spLocks noGrp="1" noRot="1" noChangeAspect="1" noMove="1" noResize="1" noEditPoints="1" noAdjustHandles="1" noChangeArrowheads="1" noChangeShapeType="1" noTextEdit="1"/>
+          </p:cNvSpPr>
+          <p:nvPr>
+            <p:extLst>
+              <p:ext uri="{386F3935-93C4-4BCD-93E2-E3B085C9AB24}">
+                <p16:designElem xmlns:p16="http://schemas.microsoft.com/office/powerpoint/2015/main" val="1"/>
+              </p:ext>
+            </p:extLst>
+          </p:nvPr>
+        </p:nvSpPr>
+        <p:spPr>
+          <a:xfrm>
+            <a:off x="3" y="0"/>
+            <a:ext cx="9339206" cy="6858000"/>
+          </a:xfrm>
+          <a:prstGeom prst="rect">
+            <a:avLst/>
+          </a:prstGeom>
+          <a:gradFill>
+            <a:gsLst>
+              <a:gs pos="58000">
+                <a:schemeClr val="tx1"/>
+              </a:gs>
+              <a:gs pos="33000">
+                <a:schemeClr val="tx1">
+                  <a:alpha val="64000"/>
+                </a:schemeClr>
+              </a:gs>
+              <a:gs pos="0">
+                <a:schemeClr val="tx1">
+                  <a:alpha val="0"/>
+                </a:schemeClr>
+              </a:gs>
+              <a:gs pos="100000">
+                <a:schemeClr val="tx1"/>
+              </a:gs>
+            </a:gsLst>
+            <a:lin ang="10800000" scaled="0"/>
+          </a:gradFill>
+          <a:ln>
+            <a:noFill/>
+          </a:ln>
+        </p:spPr>
+        <p:style>
+          <a:lnRef idx="2">
+            <a:schemeClr val="accent1">
+              <a:shade val="50000"/>
+            </a:schemeClr>
+          </a:lnRef>
+          <a:fillRef idx="1">
+            <a:schemeClr val="accent1"/>
+          </a:fillRef>
+          <a:effectRef idx="0">
+            <a:schemeClr val="accent1"/>
+          </a:effectRef>
+          <a:fontRef idx="minor">
+            <a:schemeClr val="lt1"/>
+          </a:fontRef>
+        </p:style>
+        <p:txBody>
+          <a:bodyPr rtlCol="0" anchor="ctr"/>
+          <a:lstStyle/>
+          <a:p>
+            <a:pPr algn="ctr"/>
+            <a:endParaRPr lang="en-US" dirty="0"/>
+          </a:p>
+        </p:txBody>
+      </p:sp>
+      <p:sp>
+        <p:nvSpPr>
+          <p:cNvPr id="2" name="Title 1">
+            <a:extLst>
+              <a:ext uri="{FF2B5EF4-FFF2-40B4-BE49-F238E27FC236}">
+                <a16:creationId xmlns:a16="http://schemas.microsoft.com/office/drawing/2014/main" id="{0F96A9DE-2BF7-6B3D-C665-BA988DA06B36}"/>
+              </a:ext>
+            </a:extLst>
+          </p:cNvPr>
+          <p:cNvSpPr>
+            <a:spLocks noGrp="1"/>
+          </p:cNvSpPr>
+          <p:nvPr>
+            <p:ph type="title"/>
+          </p:nvPr>
+        </p:nvSpPr>
+        <p:spPr>
+          <a:xfrm>
+            <a:off x="477981" y="1122363"/>
+            <a:ext cx="4023360" cy="3204134"/>
+          </a:xfrm>
+        </p:spPr>
+        <p:txBody>
+          <a:bodyPr vert="horz" lIns="91440" tIns="45720" rIns="91440" bIns="45720" rtlCol="0" anchor="b">
+            <a:normAutofit/>
+          </a:bodyPr>
+          <a:lstStyle/>
+          <a:p>
+            <a:r>
+              <a:rPr lang="en-US" sz="4800" dirty="0">
+                <a:solidFill>
+                  <a:schemeClr val="bg1"/>
+                </a:solidFill>
+              </a:rPr>
+              <a:t>Internal report content</a:t>
+            </a:r>
+          </a:p>
+        </p:txBody>
+      </p:sp>
+      <p:sp>
+        <p:nvSpPr>
+          <p:cNvPr id="13" name="Rectangle 12">
+            <a:extLst>
+              <a:ext uri="{FF2B5EF4-FFF2-40B4-BE49-F238E27FC236}">
+                <a16:creationId xmlns:a16="http://schemas.microsoft.com/office/drawing/2014/main" id="{AF2F604E-43BE-4DC3-B983-E071523364F8}"/>
+              </a:ext>
+              <a:ext uri="{C183D7F6-B498-43B3-948B-1728B52AA6E4}">
+                <adec:decorative xmlns:adec="http://schemas.microsoft.com/office/drawing/2017/decorative" val="1"/>
+              </a:ext>
+            </a:extLst>
+          </p:cNvPr>
+          <p:cNvSpPr>
+            <a:spLocks noGrp="1" noRot="1" noChangeAspect="1" noMove="1" noResize="1" noEditPoints="1" noAdjustHandles="1" noChangeArrowheads="1" noChangeShapeType="1" noTextEdit="1"/>
+          </p:cNvSpPr>
+          <p:nvPr>
+            <p:extLst>
+              <p:ext uri="{386F3935-93C4-4BCD-93E2-E3B085C9AB24}">
+                <p16:designElem xmlns:p16="http://schemas.microsoft.com/office/powerpoint/2015/main" val="1"/>
+              </p:ext>
+            </p:extLst>
+          </p:nvPr>
+        </p:nvSpPr>
+        <p:spPr>
+          <a:xfrm rot="5400000">
+            <a:off x="759921" y="346791"/>
+            <a:ext cx="146304" cy="704088"/>
+          </a:xfrm>
+          <a:prstGeom prst="rect">
+            <a:avLst/>
+          </a:prstGeom>
+          <a:solidFill>
+            <a:schemeClr val="accent2"/>
+          </a:solidFill>
+          <a:ln>
+            <a:noFill/>
+          </a:ln>
+        </p:spPr>
+        <p:style>
+          <a:lnRef idx="2">
+            <a:schemeClr val="accent1">
+              <a:shade val="50000"/>
+            </a:schemeClr>
+          </a:lnRef>
+          <a:fillRef idx="1">
+            <a:schemeClr val="accent1"/>
+          </a:fillRef>
+          <a:effectRef idx="0">
+            <a:schemeClr val="accent1"/>
+          </a:effectRef>
+          <a:fontRef idx="minor">
+            <a:schemeClr val="lt1"/>
+          </a:fontRef>
+        </p:style>
+        <p:txBody>
+          <a:bodyPr rtlCol="0" anchor="ctr"/>
+          <a:lstStyle/>
+          <a:p>
+            <a:pPr algn="ctr"/>
+            <a:endParaRPr lang="en-US">
+              <a:solidFill>
+                <a:prstClr val="white"/>
+              </a:solidFill>
+              <a:latin typeface="Calibri" panose="020F0502020204030204"/>
+            </a:endParaRPr>
+          </a:p>
+        </p:txBody>
+      </p:sp>
+      <p:sp>
+        <p:nvSpPr>
+          <p:cNvPr id="15" name="Rectangle 14">
+            <a:extLst>
+              <a:ext uri="{FF2B5EF4-FFF2-40B4-BE49-F238E27FC236}">
+                <a16:creationId xmlns:a16="http://schemas.microsoft.com/office/drawing/2014/main" id="{08C9B587-E65E-4B52-B37C-ABEBB6E87928}"/>
+              </a:ext>
+              <a:ext uri="{C183D7F6-B498-43B3-948B-1728B52AA6E4}">
+                <adec:decorative xmlns:adec="http://schemas.microsoft.com/office/drawing/2017/decorative" val="1"/>
+              </a:ext>
+            </a:extLst>
+          </p:cNvPr>
+          <p:cNvSpPr>
+            <a:spLocks noGrp="1" noRot="1" noChangeAspect="1" noMove="1" noResize="1" noEditPoints="1" noAdjustHandles="1" noChangeArrowheads="1" noChangeShapeType="1" noTextEdit="1"/>
+          </p:cNvSpPr>
+          <p:nvPr>
+            <p:extLst>
+              <p:ext uri="{386F3935-93C4-4BCD-93E2-E3B085C9AB24}">
+                <p16:designElem xmlns:p16="http://schemas.microsoft.com/office/powerpoint/2015/main" val="1"/>
+              </p:ext>
+            </p:extLst>
+          </p:nvPr>
+        </p:nvSpPr>
+        <p:spPr>
+          <a:xfrm>
+            <a:off x="481029" y="4546920"/>
+            <a:ext cx="3977640" cy="18288"/>
+          </a:xfrm>
+          <a:prstGeom prst="rect">
+            <a:avLst/>
+          </a:prstGeom>
+          <a:solidFill>
+            <a:schemeClr val="tx1"/>
+          </a:solidFill>
+          <a:ln w="3175">
+            <a:noFill/>
+          </a:ln>
+          <a:effectLst/>
+        </p:spPr>
+        <p:style>
+          <a:lnRef idx="2">
+            <a:schemeClr val="accent1">
+              <a:shade val="50000"/>
+            </a:schemeClr>
+          </a:lnRef>
+          <a:fillRef idx="1">
+            <a:schemeClr val="accent1"/>
+          </a:fillRef>
+          <a:effectRef idx="0">
+            <a:schemeClr val="accent1"/>
+          </a:effectRef>
+          <a:fontRef idx="minor">
+            <a:schemeClr val="lt1"/>
+          </a:fontRef>
+        </p:style>
+        <p:txBody>
+          <a:bodyPr rtlCol="0" anchor="ctr"/>
+          <a:lstStyle/>
+          <a:p>
+            <a:pPr marL="0" marR="0" lvl="0" indent="0" algn="ctr" defTabSz="914400" rtl="0" eaLnBrk="1" fontAlgn="auto" latinLnBrk="0" hangingPunct="1">
+              <a:lnSpc>
+                <a:spcPct val="100000"/>
+              </a:lnSpc>
+              <a:spcBef>
+                <a:spcPts val="0"/>
+              </a:spcBef>
+              <a:spcAft>
+                <a:spcPts val="0"/>
+              </a:spcAft>
+              <a:buClrTx/>
+              <a:buSzTx/>
+              <a:buFontTx/>
+              <a:buNone/>
+              <a:tabLst/>
+              <a:defRPr/>
+            </a:pPr>
+            <a:endParaRPr kumimoji="0" lang="en-US" sz="1800" b="0" i="0" u="none" strike="noStrike" kern="1200" cap="none" spc="0" normalizeH="0" baseline="0" noProof="0">
+              <a:ln>
+                <a:noFill/>
+              </a:ln>
+              <a:solidFill>
+                <a:prstClr val="white"/>
+              </a:solidFill>
+              <a:effectLst/>
+              <a:uLnTx/>
+              <a:uFillTx/>
+              <a:latin typeface="Calibri" panose="020F0502020204030204"/>
+              <a:ea typeface="+mn-ea"/>
+              <a:cs typeface="+mn-cs"/>
+            </a:endParaRPr>
+          </a:p>
+        </p:txBody>
+      </p:sp>
+    </p:spTree>
+    <p:extLst>
+      <p:ext uri="{BB962C8B-B14F-4D97-AF65-F5344CB8AC3E}">
+        <p14:creationId xmlns:p14="http://schemas.microsoft.com/office/powerpoint/2010/main" val="3935494129"/>
+      </p:ext>
+    </p:extLst>
+  </p:cSld>
+  <p:clrMapOvr>
+    <a:masterClrMapping/>
+  </p:clrMapOvr>
+</p:sld>
+</file>
+
+<file path=ppt/slides/slide20.xml><?xml version="1.0" encoding="utf-8"?>
 <p:sld xmlns:a="http://schemas.openxmlformats.org/drawingml/2006/main" xmlns:r="http://schemas.openxmlformats.org/officeDocument/2006/relationships" xmlns:p="http://schemas.openxmlformats.org/presentationml/2006/main">
   <p:cSld>
     <p:spTree>
@@ -5685,1480 +7577,31 @@
               <a:buNone/>
             </a:pPr>
             <a:r>
-              <a:rPr lang="en-US" dirty="0"/>
+              <a:rPr lang="en-US" b="1" dirty="0"/>
               <a:t>Adjusted expenditures</a:t>
             </a:r>
-            <a:endParaRPr lang="en-NZ" dirty="0"/>
-          </a:p>
-        </p:txBody>
-      </p:sp>
-    </p:spTree>
-    <p:extLst>
-      <p:ext uri="{BB962C8B-B14F-4D97-AF65-F5344CB8AC3E}">
-        <p14:creationId xmlns:p14="http://schemas.microsoft.com/office/powerpoint/2010/main" val="1307482418"/>
-      </p:ext>
-    </p:extLst>
-  </p:cSld>
-  <p:clrMapOvr>
-    <a:masterClrMapping/>
-  </p:clrMapOvr>
-</p:sld>
-</file>
-
-<file path=ppt/slides/slide2.xml><?xml version="1.0" encoding="utf-8"?>
-<p:sld xmlns:a="http://schemas.openxmlformats.org/drawingml/2006/main" xmlns:r="http://schemas.openxmlformats.org/officeDocument/2006/relationships" xmlns:p="http://schemas.openxmlformats.org/presentationml/2006/main">
-  <p:cSld>
-    <p:bg>
-      <p:bgPr>
-        <a:solidFill>
-          <a:schemeClr val="bg1"/>
-        </a:solidFill>
-        <a:effectLst/>
-      </p:bgPr>
-    </p:bg>
-    <p:spTree>
-      <p:nvGrpSpPr>
-        <p:cNvPr id="1" name=""/>
-        <p:cNvGrpSpPr/>
-        <p:nvPr/>
-      </p:nvGrpSpPr>
-      <p:grpSpPr>
-        <a:xfrm>
-          <a:off x="0" y="0"/>
-          <a:ext cx="0" cy="0"/>
-          <a:chOff x="0" y="0"/>
-          <a:chExt cx="0" cy="0"/>
-        </a:xfrm>
-      </p:grpSpPr>
-      <p:sp useBgFill="1">
-        <p:nvSpPr>
-          <p:cNvPr id="9" name="Rectangle 8">
-            <a:extLst>
-              <a:ext uri="{FF2B5EF4-FFF2-40B4-BE49-F238E27FC236}">
-                <a16:creationId xmlns:a16="http://schemas.microsoft.com/office/drawing/2014/main" id="{0671A8AE-40A1-4631-A6B8-581AFF065482}"/>
-              </a:ext>
-              <a:ext uri="{C183D7F6-B498-43B3-948B-1728B52AA6E4}">
-                <adec:decorative xmlns:adec="http://schemas.microsoft.com/office/drawing/2017/decorative" val="1"/>
-              </a:ext>
-            </a:extLst>
-          </p:cNvPr>
-          <p:cNvSpPr>
-            <a:spLocks noGrp="1" noRot="1" noChangeAspect="1" noMove="1" noResize="1" noEditPoints="1" noAdjustHandles="1" noChangeArrowheads="1" noChangeShapeType="1" noTextEdit="1"/>
-          </p:cNvSpPr>
-          <p:nvPr>
-            <p:extLst>
-              <p:ext uri="{386F3935-93C4-4BCD-93E2-E3B085C9AB24}">
-                <p16:designElem xmlns:p16="http://schemas.microsoft.com/office/powerpoint/2015/main" val="1"/>
-              </p:ext>
-            </p:extLst>
-          </p:nvPr>
+            <a:endParaRPr lang="en-NZ" b="1" dirty="0"/>
+          </a:p>
+        </p:txBody>
+      </p:sp>
+      <p:sp>
+        <p:nvSpPr>
+          <p:cNvPr id="3" name="Content Placeholder 2">
+            <a:extLst>
+              <a:ext uri="{FF2B5EF4-FFF2-40B4-BE49-F238E27FC236}">
+                <a16:creationId xmlns:a16="http://schemas.microsoft.com/office/drawing/2014/main" id="{E650E940-DB86-AEBC-07E3-0B11544F4CD8}"/>
+              </a:ext>
+            </a:extLst>
+          </p:cNvPr>
+          <p:cNvSpPr txBox="1">
+            <a:spLocks/>
+          </p:cNvSpPr>
+          <p:nvPr/>
         </p:nvSpPr>
         <p:spPr>
           <a:xfrm>
-            <a:off x="0" y="0"/>
-            <a:ext cx="12192000" cy="6858000"/>
-          </a:xfrm>
-          <a:prstGeom prst="rect">
-            <a:avLst/>
-          </a:prstGeom>
-          <a:ln>
-            <a:noFill/>
-          </a:ln>
-        </p:spPr>
-        <p:style>
-          <a:lnRef idx="2">
-            <a:schemeClr val="accent1">
-              <a:shade val="50000"/>
-            </a:schemeClr>
-          </a:lnRef>
-          <a:fillRef idx="1">
-            <a:schemeClr val="accent1"/>
-          </a:fillRef>
-          <a:effectRef idx="0">
-            <a:schemeClr val="accent1"/>
-          </a:effectRef>
-          <a:fontRef idx="minor">
-            <a:schemeClr val="lt1"/>
-          </a:fontRef>
-        </p:style>
-        <p:txBody>
-          <a:bodyPr rtlCol="0" anchor="ctr"/>
-          <a:lstStyle/>
-          <a:p>
-            <a:pPr algn="ctr"/>
-            <a:endParaRPr lang="en-US"/>
-          </a:p>
-        </p:txBody>
-      </p:sp>
-      <p:pic>
-        <p:nvPicPr>
-          <p:cNvPr id="5" name="Picture 4" descr="Pen placed on top of a signature line">
-            <a:extLst>
-              <a:ext uri="{FF2B5EF4-FFF2-40B4-BE49-F238E27FC236}">
-                <a16:creationId xmlns:a16="http://schemas.microsoft.com/office/drawing/2014/main" id="{9D567BFB-C3FF-7382-A524-4D3BD4072660}"/>
-              </a:ext>
-            </a:extLst>
-          </p:cNvPr>
-          <p:cNvPicPr>
-            <a:picLocks noChangeAspect="1"/>
-          </p:cNvPicPr>
-          <p:nvPr/>
-        </p:nvPicPr>
-        <p:blipFill>
-          <a:blip r:embed="rId2"/>
-          <a:srcRect l="15628" r="-1" b="-1"/>
-          <a:stretch>
-            <a:fillRect/>
-          </a:stretch>
-        </p:blipFill>
-        <p:spPr>
-          <a:xfrm>
-            <a:off x="3523488" y="10"/>
-            <a:ext cx="8668512" cy="6857990"/>
-          </a:xfrm>
-          <a:prstGeom prst="rect">
-            <a:avLst/>
-          </a:prstGeom>
-        </p:spPr>
-      </p:pic>
-      <p:sp>
-        <p:nvSpPr>
-          <p:cNvPr id="11" name="Rectangle 10">
-            <a:extLst>
-              <a:ext uri="{FF2B5EF4-FFF2-40B4-BE49-F238E27FC236}">
-                <a16:creationId xmlns:a16="http://schemas.microsoft.com/office/drawing/2014/main" id="{AB58EF07-17C2-48CF-ABB0-EEF1F17CB8F0}"/>
-              </a:ext>
-              <a:ext uri="{C183D7F6-B498-43B3-948B-1728B52AA6E4}">
-                <adec:decorative xmlns:adec="http://schemas.microsoft.com/office/drawing/2017/decorative" val="1"/>
-              </a:ext>
-            </a:extLst>
-          </p:cNvPr>
-          <p:cNvSpPr>
-            <a:spLocks noGrp="1" noRot="1" noChangeAspect="1" noMove="1" noResize="1" noEditPoints="1" noAdjustHandles="1" noChangeArrowheads="1" noChangeShapeType="1" noTextEdit="1"/>
-          </p:cNvSpPr>
-          <p:nvPr>
-            <p:extLst>
-              <p:ext uri="{386F3935-93C4-4BCD-93E2-E3B085C9AB24}">
-                <p16:designElem xmlns:p16="http://schemas.microsoft.com/office/powerpoint/2015/main" val="1"/>
-              </p:ext>
-            </p:extLst>
-          </p:nvPr>
-        </p:nvSpPr>
-        <p:spPr>
-          <a:xfrm>
-            <a:off x="3" y="0"/>
-            <a:ext cx="9339206" cy="6858000"/>
-          </a:xfrm>
-          <a:prstGeom prst="rect">
-            <a:avLst/>
-          </a:prstGeom>
-          <a:gradFill>
-            <a:gsLst>
-              <a:gs pos="58000">
-                <a:schemeClr val="tx1"/>
-              </a:gs>
-              <a:gs pos="33000">
-                <a:schemeClr val="tx1">
-                  <a:alpha val="64000"/>
-                </a:schemeClr>
-              </a:gs>
-              <a:gs pos="0">
-                <a:schemeClr val="tx1">
-                  <a:alpha val="0"/>
-                </a:schemeClr>
-              </a:gs>
-              <a:gs pos="100000">
-                <a:schemeClr val="tx1"/>
-              </a:gs>
-            </a:gsLst>
-            <a:lin ang="10800000" scaled="0"/>
-          </a:gradFill>
-          <a:ln>
-            <a:noFill/>
-          </a:ln>
-        </p:spPr>
-        <p:style>
-          <a:lnRef idx="2">
-            <a:schemeClr val="accent1">
-              <a:shade val="50000"/>
-            </a:schemeClr>
-          </a:lnRef>
-          <a:fillRef idx="1">
-            <a:schemeClr val="accent1"/>
-          </a:fillRef>
-          <a:effectRef idx="0">
-            <a:schemeClr val="accent1"/>
-          </a:effectRef>
-          <a:fontRef idx="minor">
-            <a:schemeClr val="lt1"/>
-          </a:fontRef>
-        </p:style>
-        <p:txBody>
-          <a:bodyPr rtlCol="0" anchor="ctr"/>
-          <a:lstStyle/>
-          <a:p>
-            <a:pPr algn="ctr"/>
-            <a:endParaRPr lang="en-US" dirty="0"/>
-          </a:p>
-        </p:txBody>
-      </p:sp>
-      <p:sp>
-        <p:nvSpPr>
-          <p:cNvPr id="2" name="Title 1">
-            <a:extLst>
-              <a:ext uri="{FF2B5EF4-FFF2-40B4-BE49-F238E27FC236}">
-                <a16:creationId xmlns:a16="http://schemas.microsoft.com/office/drawing/2014/main" id="{0F96A9DE-2BF7-6B3D-C665-BA988DA06B36}"/>
-              </a:ext>
-            </a:extLst>
-          </p:cNvPr>
-          <p:cNvSpPr>
-            <a:spLocks noGrp="1"/>
-          </p:cNvSpPr>
-          <p:nvPr>
-            <p:ph type="title"/>
-          </p:nvPr>
-        </p:nvSpPr>
-        <p:spPr>
-          <a:xfrm>
-            <a:off x="477981" y="1122363"/>
-            <a:ext cx="4023360" cy="3204134"/>
-          </a:xfrm>
-        </p:spPr>
-        <p:txBody>
-          <a:bodyPr vert="horz" lIns="91440" tIns="45720" rIns="91440" bIns="45720" rtlCol="0" anchor="b">
-            <a:normAutofit/>
-          </a:bodyPr>
-          <a:lstStyle/>
-          <a:p>
-            <a:r>
-              <a:rPr lang="en-US" sz="4800" dirty="0">
-                <a:solidFill>
-                  <a:schemeClr val="bg1"/>
-                </a:solidFill>
-              </a:rPr>
-              <a:t>Internal report content</a:t>
-            </a:r>
-          </a:p>
-        </p:txBody>
-      </p:sp>
-      <p:sp>
-        <p:nvSpPr>
-          <p:cNvPr id="13" name="Rectangle 12">
-            <a:extLst>
-              <a:ext uri="{FF2B5EF4-FFF2-40B4-BE49-F238E27FC236}">
-                <a16:creationId xmlns:a16="http://schemas.microsoft.com/office/drawing/2014/main" id="{AF2F604E-43BE-4DC3-B983-E071523364F8}"/>
-              </a:ext>
-              <a:ext uri="{C183D7F6-B498-43B3-948B-1728B52AA6E4}">
-                <adec:decorative xmlns:adec="http://schemas.microsoft.com/office/drawing/2017/decorative" val="1"/>
-              </a:ext>
-            </a:extLst>
-          </p:cNvPr>
-          <p:cNvSpPr>
-            <a:spLocks noGrp="1" noRot="1" noChangeAspect="1" noMove="1" noResize="1" noEditPoints="1" noAdjustHandles="1" noChangeArrowheads="1" noChangeShapeType="1" noTextEdit="1"/>
-          </p:cNvSpPr>
-          <p:nvPr>
-            <p:extLst>
-              <p:ext uri="{386F3935-93C4-4BCD-93E2-E3B085C9AB24}">
-                <p16:designElem xmlns:p16="http://schemas.microsoft.com/office/powerpoint/2015/main" val="1"/>
-              </p:ext>
-            </p:extLst>
-          </p:nvPr>
-        </p:nvSpPr>
-        <p:spPr>
-          <a:xfrm rot="5400000">
-            <a:off x="759921" y="346791"/>
-            <a:ext cx="146304" cy="704088"/>
-          </a:xfrm>
-          <a:prstGeom prst="rect">
-            <a:avLst/>
-          </a:prstGeom>
-          <a:solidFill>
-            <a:schemeClr val="accent2"/>
-          </a:solidFill>
-          <a:ln>
-            <a:noFill/>
-          </a:ln>
-        </p:spPr>
-        <p:style>
-          <a:lnRef idx="2">
-            <a:schemeClr val="accent1">
-              <a:shade val="50000"/>
-            </a:schemeClr>
-          </a:lnRef>
-          <a:fillRef idx="1">
-            <a:schemeClr val="accent1"/>
-          </a:fillRef>
-          <a:effectRef idx="0">
-            <a:schemeClr val="accent1"/>
-          </a:effectRef>
-          <a:fontRef idx="minor">
-            <a:schemeClr val="lt1"/>
-          </a:fontRef>
-        </p:style>
-        <p:txBody>
-          <a:bodyPr rtlCol="0" anchor="ctr"/>
-          <a:lstStyle/>
-          <a:p>
-            <a:pPr algn="ctr"/>
-            <a:endParaRPr lang="en-US">
-              <a:solidFill>
-                <a:prstClr val="white"/>
-              </a:solidFill>
-              <a:latin typeface="Calibri" panose="020F0502020204030204"/>
-            </a:endParaRPr>
-          </a:p>
-        </p:txBody>
-      </p:sp>
-      <p:sp>
-        <p:nvSpPr>
-          <p:cNvPr id="15" name="Rectangle 14">
-            <a:extLst>
-              <a:ext uri="{FF2B5EF4-FFF2-40B4-BE49-F238E27FC236}">
-                <a16:creationId xmlns:a16="http://schemas.microsoft.com/office/drawing/2014/main" id="{08C9B587-E65E-4B52-B37C-ABEBB6E87928}"/>
-              </a:ext>
-              <a:ext uri="{C183D7F6-B498-43B3-948B-1728B52AA6E4}">
-                <adec:decorative xmlns:adec="http://schemas.microsoft.com/office/drawing/2017/decorative" val="1"/>
-              </a:ext>
-            </a:extLst>
-          </p:cNvPr>
-          <p:cNvSpPr>
-            <a:spLocks noGrp="1" noRot="1" noChangeAspect="1" noMove="1" noResize="1" noEditPoints="1" noAdjustHandles="1" noChangeArrowheads="1" noChangeShapeType="1" noTextEdit="1"/>
-          </p:cNvSpPr>
-          <p:nvPr>
-            <p:extLst>
-              <p:ext uri="{386F3935-93C4-4BCD-93E2-E3B085C9AB24}">
-                <p16:designElem xmlns:p16="http://schemas.microsoft.com/office/powerpoint/2015/main" val="1"/>
-              </p:ext>
-            </p:extLst>
-          </p:nvPr>
-        </p:nvSpPr>
-        <p:spPr>
-          <a:xfrm>
-            <a:off x="481029" y="4546920"/>
-            <a:ext cx="3977640" cy="18288"/>
-          </a:xfrm>
-          <a:prstGeom prst="rect">
-            <a:avLst/>
-          </a:prstGeom>
-          <a:solidFill>
-            <a:schemeClr val="tx1"/>
-          </a:solidFill>
-          <a:ln w="3175">
-            <a:noFill/>
-          </a:ln>
-          <a:effectLst/>
-        </p:spPr>
-        <p:style>
-          <a:lnRef idx="2">
-            <a:schemeClr val="accent1">
-              <a:shade val="50000"/>
-            </a:schemeClr>
-          </a:lnRef>
-          <a:fillRef idx="1">
-            <a:schemeClr val="accent1"/>
-          </a:fillRef>
-          <a:effectRef idx="0">
-            <a:schemeClr val="accent1"/>
-          </a:effectRef>
-          <a:fontRef idx="minor">
-            <a:schemeClr val="lt1"/>
-          </a:fontRef>
-        </p:style>
-        <p:txBody>
-          <a:bodyPr rtlCol="0" anchor="ctr"/>
-          <a:lstStyle/>
-          <a:p>
-            <a:pPr marL="0" marR="0" lvl="0" indent="0" algn="ctr" defTabSz="914400" rtl="0" eaLnBrk="1" fontAlgn="auto" latinLnBrk="0" hangingPunct="1">
-              <a:lnSpc>
-                <a:spcPct val="100000"/>
-              </a:lnSpc>
-              <a:spcBef>
-                <a:spcPts val="0"/>
-              </a:spcBef>
-              <a:spcAft>
-                <a:spcPts val="0"/>
-              </a:spcAft>
-              <a:buClrTx/>
-              <a:buSzTx/>
-              <a:buFontTx/>
-              <a:buNone/>
-              <a:tabLst/>
-              <a:defRPr/>
-            </a:pPr>
-            <a:endParaRPr kumimoji="0" lang="en-US" sz="1800" b="0" i="0" u="none" strike="noStrike" kern="1200" cap="none" spc="0" normalizeH="0" baseline="0" noProof="0">
-              <a:ln>
-                <a:noFill/>
-              </a:ln>
-              <a:solidFill>
-                <a:prstClr val="white"/>
-              </a:solidFill>
-              <a:effectLst/>
-              <a:uLnTx/>
-              <a:uFillTx/>
-              <a:latin typeface="Calibri" panose="020F0502020204030204"/>
-              <a:ea typeface="+mn-ea"/>
-              <a:cs typeface="+mn-cs"/>
-            </a:endParaRPr>
-          </a:p>
-        </p:txBody>
-      </p:sp>
-    </p:spTree>
-    <p:extLst>
-      <p:ext uri="{BB962C8B-B14F-4D97-AF65-F5344CB8AC3E}">
-        <p14:creationId xmlns:p14="http://schemas.microsoft.com/office/powerpoint/2010/main" val="3935494129"/>
-      </p:ext>
-    </p:extLst>
-  </p:cSld>
-  <p:clrMapOvr>
-    <a:masterClrMapping/>
-  </p:clrMapOvr>
-</p:sld>
-</file>
-
-<file path=ppt/slides/slide3.xml><?xml version="1.0" encoding="utf-8"?>
-<p:sld xmlns:a="http://schemas.openxmlformats.org/drawingml/2006/main" xmlns:r="http://schemas.openxmlformats.org/officeDocument/2006/relationships" xmlns:p="http://schemas.openxmlformats.org/presentationml/2006/main">
-  <p:cSld>
-    <p:spTree>
-      <p:nvGrpSpPr>
-        <p:cNvPr id="1" name="">
-          <a:extLst>
-            <a:ext uri="{FF2B5EF4-FFF2-40B4-BE49-F238E27FC236}">
-              <a16:creationId xmlns:a16="http://schemas.microsoft.com/office/drawing/2014/main" id="{AB9CDF55-13F2-FF5F-E19B-5B1CE333D234}"/>
-            </a:ext>
-          </a:extLst>
-        </p:cNvPr>
-        <p:cNvGrpSpPr/>
-        <p:nvPr/>
-      </p:nvGrpSpPr>
-      <p:grpSpPr>
-        <a:xfrm>
-          <a:off x="0" y="0"/>
-          <a:ext cx="0" cy="0"/>
-          <a:chOff x="0" y="0"/>
-          <a:chExt cx="0" cy="0"/>
-        </a:xfrm>
-      </p:grpSpPr>
-      <p:sp>
-        <p:nvSpPr>
-          <p:cNvPr id="2" name="Title 1">
-            <a:extLst>
-              <a:ext uri="{FF2B5EF4-FFF2-40B4-BE49-F238E27FC236}">
-                <a16:creationId xmlns:a16="http://schemas.microsoft.com/office/drawing/2014/main" id="{7662BF20-B744-E591-9F1C-36A5AC3E46E9}"/>
-              </a:ext>
-            </a:extLst>
-          </p:cNvPr>
-          <p:cNvSpPr>
-            <a:spLocks noGrp="1"/>
-          </p:cNvSpPr>
-          <p:nvPr>
-            <p:ph type="title"/>
-          </p:nvPr>
-        </p:nvSpPr>
-        <p:spPr/>
-        <p:txBody>
-          <a:bodyPr/>
-          <a:lstStyle/>
-          <a:p>
-            <a:r>
-              <a:rPr lang="en-US" dirty="0"/>
-              <a:t>What has happened to Federal Spending?</a:t>
-            </a:r>
-            <a:endParaRPr lang="en-NZ" dirty="0"/>
-          </a:p>
-        </p:txBody>
-      </p:sp>
-      <p:sp>
-        <p:nvSpPr>
-          <p:cNvPr id="3" name="Content Placeholder 2">
-            <a:extLst>
-              <a:ext uri="{FF2B5EF4-FFF2-40B4-BE49-F238E27FC236}">
-                <a16:creationId xmlns:a16="http://schemas.microsoft.com/office/drawing/2014/main" id="{61E3095F-C3A8-089C-9510-E67AC336F7BE}"/>
-              </a:ext>
-            </a:extLst>
-          </p:cNvPr>
-          <p:cNvSpPr>
-            <a:spLocks noGrp="1"/>
-          </p:cNvSpPr>
-          <p:nvPr>
-            <p:ph idx="1"/>
-          </p:nvPr>
-        </p:nvSpPr>
-        <p:spPr/>
-        <p:txBody>
-          <a:bodyPr/>
-          <a:lstStyle/>
-          <a:p>
-            <a:endParaRPr lang="en-NZ" dirty="0"/>
-          </a:p>
-        </p:txBody>
-      </p:sp>
-    </p:spTree>
-    <p:extLst>
-      <p:ext uri="{BB962C8B-B14F-4D97-AF65-F5344CB8AC3E}">
-        <p14:creationId xmlns:p14="http://schemas.microsoft.com/office/powerpoint/2010/main" val="453619371"/>
-      </p:ext>
-    </p:extLst>
-  </p:cSld>
-  <p:clrMapOvr>
-    <a:masterClrMapping/>
-  </p:clrMapOvr>
-</p:sld>
-</file>
-
-<file path=ppt/slides/slide4.xml><?xml version="1.0" encoding="utf-8"?>
-<p:sld xmlns:a="http://schemas.openxmlformats.org/drawingml/2006/main" xmlns:r="http://schemas.openxmlformats.org/officeDocument/2006/relationships" xmlns:p="http://schemas.openxmlformats.org/presentationml/2006/main">
-  <p:cSld>
-    <p:spTree>
-      <p:nvGrpSpPr>
-        <p:cNvPr id="1" name="">
-          <a:extLst>
-            <a:ext uri="{FF2B5EF4-FFF2-40B4-BE49-F238E27FC236}">
-              <a16:creationId xmlns:a16="http://schemas.microsoft.com/office/drawing/2014/main" id="{D6B17CE5-E6E7-D3EC-26D9-4E0FA523686E}"/>
-            </a:ext>
-          </a:extLst>
-        </p:cNvPr>
-        <p:cNvGrpSpPr/>
-        <p:nvPr/>
-      </p:nvGrpSpPr>
-      <p:grpSpPr>
-        <a:xfrm>
-          <a:off x="0" y="0"/>
-          <a:ext cx="0" cy="0"/>
-          <a:chOff x="0" y="0"/>
-          <a:chExt cx="0" cy="0"/>
-        </a:xfrm>
-      </p:grpSpPr>
-      <p:sp>
-        <p:nvSpPr>
-          <p:cNvPr id="2" name="Title 1">
-            <a:extLst>
-              <a:ext uri="{FF2B5EF4-FFF2-40B4-BE49-F238E27FC236}">
-                <a16:creationId xmlns:a16="http://schemas.microsoft.com/office/drawing/2014/main" id="{FD9E96EF-BB1A-BE5C-B1D3-3AF2DC2A83E2}"/>
-              </a:ext>
-            </a:extLst>
-          </p:cNvPr>
-          <p:cNvSpPr>
-            <a:spLocks noGrp="1"/>
-          </p:cNvSpPr>
-          <p:nvPr>
-            <p:ph type="title"/>
-          </p:nvPr>
-        </p:nvSpPr>
-        <p:spPr/>
-        <p:txBody>
-          <a:bodyPr/>
-          <a:lstStyle/>
-          <a:p>
-            <a:r>
-              <a:rPr lang="en-US" dirty="0"/>
-              <a:t>What are some key spending risks</a:t>
-            </a:r>
-            <a:endParaRPr lang="en-NZ" dirty="0"/>
-          </a:p>
-        </p:txBody>
-      </p:sp>
-      <p:pic>
-        <p:nvPicPr>
-          <p:cNvPr id="5" name="Content Placeholder 4" descr="A graph with numbers and lines&#10;&#10;AI-generated content may be incorrect.">
-            <a:extLst>
-              <a:ext uri="{FF2B5EF4-FFF2-40B4-BE49-F238E27FC236}">
-                <a16:creationId xmlns:a16="http://schemas.microsoft.com/office/drawing/2014/main" id="{E32D8004-7519-C781-1E7D-39D849CBCCB6}"/>
-              </a:ext>
-            </a:extLst>
-          </p:cNvPr>
-          <p:cNvPicPr>
-            <a:picLocks noGrp="1" noChangeAspect="1"/>
-          </p:cNvPicPr>
-          <p:nvPr>
-            <p:ph idx="1"/>
-          </p:nvPr>
-        </p:nvPicPr>
-        <p:blipFill>
-          <a:blip r:embed="rId2">
-            <a:extLst>
-              <a:ext uri="{28A0092B-C50C-407E-A947-70E740481C1C}">
-                <a14:useLocalDpi xmlns:a14="http://schemas.microsoft.com/office/drawing/2010/main" val="0"/>
-              </a:ext>
-            </a:extLst>
-          </a:blip>
-          <a:stretch>
-            <a:fillRect/>
-          </a:stretch>
-        </p:blipFill>
-        <p:spPr>
-          <a:xfrm>
-            <a:off x="3752972" y="1825625"/>
-            <a:ext cx="4686056" cy="4351338"/>
-          </a:xfrm>
-        </p:spPr>
-      </p:pic>
-    </p:spTree>
-    <p:extLst>
-      <p:ext uri="{BB962C8B-B14F-4D97-AF65-F5344CB8AC3E}">
-        <p14:creationId xmlns:p14="http://schemas.microsoft.com/office/powerpoint/2010/main" val="1282710452"/>
-      </p:ext>
-    </p:extLst>
-  </p:cSld>
-  <p:clrMapOvr>
-    <a:masterClrMapping/>
-  </p:clrMapOvr>
-</p:sld>
-</file>
-
-<file path=ppt/slides/slide5.xml><?xml version="1.0" encoding="utf-8"?>
-<p:sld xmlns:a="http://schemas.openxmlformats.org/drawingml/2006/main" xmlns:r="http://schemas.openxmlformats.org/officeDocument/2006/relationships" xmlns:p="http://schemas.openxmlformats.org/presentationml/2006/main">
-  <p:cSld>
-    <p:bg>
-      <p:bgPr>
-        <a:solidFill>
-          <a:schemeClr val="bg1"/>
-        </a:solidFill>
-        <a:effectLst/>
-      </p:bgPr>
-    </p:bg>
-    <p:spTree>
-      <p:nvGrpSpPr>
-        <p:cNvPr id="1" name="">
-          <a:extLst>
-            <a:ext uri="{FF2B5EF4-FFF2-40B4-BE49-F238E27FC236}">
-              <a16:creationId xmlns:a16="http://schemas.microsoft.com/office/drawing/2014/main" id="{4902E497-4CB5-A6E0-5520-DFCA8944F567}"/>
-            </a:ext>
-          </a:extLst>
-        </p:cNvPr>
-        <p:cNvGrpSpPr/>
-        <p:nvPr/>
-      </p:nvGrpSpPr>
-      <p:grpSpPr>
-        <a:xfrm>
-          <a:off x="0" y="0"/>
-          <a:ext cx="0" cy="0"/>
-          <a:chOff x="0" y="0"/>
-          <a:chExt cx="0" cy="0"/>
-        </a:xfrm>
-      </p:grpSpPr>
-      <p:sp useBgFill="1">
-        <p:nvSpPr>
-          <p:cNvPr id="9" name="Rectangle 8">
-            <a:extLst>
-              <a:ext uri="{FF2B5EF4-FFF2-40B4-BE49-F238E27FC236}">
-                <a16:creationId xmlns:a16="http://schemas.microsoft.com/office/drawing/2014/main" id="{F213BC97-0C7F-8436-4247-62EDF0BD1AC9}"/>
-              </a:ext>
-              <a:ext uri="{C183D7F6-B498-43B3-948B-1728B52AA6E4}">
-                <adec:decorative xmlns:adec="http://schemas.microsoft.com/office/drawing/2017/decorative" val="1"/>
-              </a:ext>
-            </a:extLst>
-          </p:cNvPr>
-          <p:cNvSpPr>
-            <a:spLocks noGrp="1" noRot="1" noChangeAspect="1" noMove="1" noResize="1" noEditPoints="1" noAdjustHandles="1" noChangeArrowheads="1" noChangeShapeType="1" noTextEdit="1"/>
-          </p:cNvSpPr>
-          <p:nvPr>
-            <p:extLst>
-              <p:ext uri="{386F3935-93C4-4BCD-93E2-E3B085C9AB24}">
-                <p16:designElem xmlns:p16="http://schemas.microsoft.com/office/powerpoint/2015/main" val="1"/>
-              </p:ext>
-            </p:extLst>
-          </p:nvPr>
-        </p:nvSpPr>
-        <p:spPr>
-          <a:xfrm>
-            <a:off x="0" y="0"/>
-            <a:ext cx="12192000" cy="6858000"/>
-          </a:xfrm>
-          <a:prstGeom prst="rect">
-            <a:avLst/>
-          </a:prstGeom>
-          <a:ln>
-            <a:noFill/>
-          </a:ln>
-        </p:spPr>
-        <p:style>
-          <a:lnRef idx="2">
-            <a:schemeClr val="accent1">
-              <a:shade val="50000"/>
-            </a:schemeClr>
-          </a:lnRef>
-          <a:fillRef idx="1">
-            <a:schemeClr val="accent1"/>
-          </a:fillRef>
-          <a:effectRef idx="0">
-            <a:schemeClr val="accent1"/>
-          </a:effectRef>
-          <a:fontRef idx="minor">
-            <a:schemeClr val="lt1"/>
-          </a:fontRef>
-        </p:style>
-        <p:txBody>
-          <a:bodyPr rtlCol="0" anchor="ctr"/>
-          <a:lstStyle/>
-          <a:p>
-            <a:pPr algn="ctr"/>
-            <a:endParaRPr lang="en-US"/>
-          </a:p>
-        </p:txBody>
-      </p:sp>
-      <p:pic>
-        <p:nvPicPr>
-          <p:cNvPr id="5" name="Picture 4" descr="Pen placed on top of a signature line">
-            <a:extLst>
-              <a:ext uri="{FF2B5EF4-FFF2-40B4-BE49-F238E27FC236}">
-                <a16:creationId xmlns:a16="http://schemas.microsoft.com/office/drawing/2014/main" id="{73A84F60-2BA6-44B6-EBDD-DAFF5148A440}"/>
-              </a:ext>
-            </a:extLst>
-          </p:cNvPr>
-          <p:cNvPicPr>
-            <a:picLocks noChangeAspect="1"/>
-          </p:cNvPicPr>
-          <p:nvPr/>
-        </p:nvPicPr>
-        <p:blipFill>
-          <a:blip r:embed="rId2"/>
-          <a:srcRect l="15628" r="-1" b="-1"/>
-          <a:stretch>
-            <a:fillRect/>
-          </a:stretch>
-        </p:blipFill>
-        <p:spPr>
-          <a:xfrm>
-            <a:off x="3523488" y="10"/>
-            <a:ext cx="8668512" cy="6857990"/>
-          </a:xfrm>
-          <a:prstGeom prst="rect">
-            <a:avLst/>
-          </a:prstGeom>
-        </p:spPr>
-      </p:pic>
-      <p:sp>
-        <p:nvSpPr>
-          <p:cNvPr id="11" name="Rectangle 10">
-            <a:extLst>
-              <a:ext uri="{FF2B5EF4-FFF2-40B4-BE49-F238E27FC236}">
-                <a16:creationId xmlns:a16="http://schemas.microsoft.com/office/drawing/2014/main" id="{8C98E1FB-315D-2BB5-DE65-C600274593F3}"/>
-              </a:ext>
-              <a:ext uri="{C183D7F6-B498-43B3-948B-1728B52AA6E4}">
-                <adec:decorative xmlns:adec="http://schemas.microsoft.com/office/drawing/2017/decorative" val="1"/>
-              </a:ext>
-            </a:extLst>
-          </p:cNvPr>
-          <p:cNvSpPr>
-            <a:spLocks noGrp="1" noRot="1" noChangeAspect="1" noMove="1" noResize="1" noEditPoints="1" noAdjustHandles="1" noChangeArrowheads="1" noChangeShapeType="1" noTextEdit="1"/>
-          </p:cNvSpPr>
-          <p:nvPr>
-            <p:extLst>
-              <p:ext uri="{386F3935-93C4-4BCD-93E2-E3B085C9AB24}">
-                <p16:designElem xmlns:p16="http://schemas.microsoft.com/office/powerpoint/2015/main" val="1"/>
-              </p:ext>
-            </p:extLst>
-          </p:nvPr>
-        </p:nvSpPr>
-        <p:spPr>
-          <a:xfrm>
-            <a:off x="3" y="0"/>
-            <a:ext cx="9339206" cy="6858000"/>
-          </a:xfrm>
-          <a:prstGeom prst="rect">
-            <a:avLst/>
-          </a:prstGeom>
-          <a:gradFill>
-            <a:gsLst>
-              <a:gs pos="58000">
-                <a:schemeClr val="tx1"/>
-              </a:gs>
-              <a:gs pos="33000">
-                <a:schemeClr val="tx1">
-                  <a:alpha val="64000"/>
-                </a:schemeClr>
-              </a:gs>
-              <a:gs pos="0">
-                <a:schemeClr val="tx1">
-                  <a:alpha val="0"/>
-                </a:schemeClr>
-              </a:gs>
-              <a:gs pos="100000">
-                <a:schemeClr val="tx1"/>
-              </a:gs>
-            </a:gsLst>
-            <a:lin ang="10800000" scaled="0"/>
-          </a:gradFill>
-          <a:ln>
-            <a:noFill/>
-          </a:ln>
-        </p:spPr>
-        <p:style>
-          <a:lnRef idx="2">
-            <a:schemeClr val="accent1">
-              <a:shade val="50000"/>
-            </a:schemeClr>
-          </a:lnRef>
-          <a:fillRef idx="1">
-            <a:schemeClr val="accent1"/>
-          </a:fillRef>
-          <a:effectRef idx="0">
-            <a:schemeClr val="accent1"/>
-          </a:effectRef>
-          <a:fontRef idx="minor">
-            <a:schemeClr val="lt1"/>
-          </a:fontRef>
-        </p:style>
-        <p:txBody>
-          <a:bodyPr rtlCol="0" anchor="ctr"/>
-          <a:lstStyle/>
-          <a:p>
-            <a:pPr algn="ctr"/>
-            <a:endParaRPr lang="en-US" dirty="0"/>
-          </a:p>
-        </p:txBody>
-      </p:sp>
-      <p:sp>
-        <p:nvSpPr>
-          <p:cNvPr id="2" name="Title 1">
-            <a:extLst>
-              <a:ext uri="{FF2B5EF4-FFF2-40B4-BE49-F238E27FC236}">
-                <a16:creationId xmlns:a16="http://schemas.microsoft.com/office/drawing/2014/main" id="{61CBA9C0-2DE8-4122-874E-DBA3BA605290}"/>
-              </a:ext>
-            </a:extLst>
-          </p:cNvPr>
-          <p:cNvSpPr>
-            <a:spLocks noGrp="1"/>
-          </p:cNvSpPr>
-          <p:nvPr>
-            <p:ph type="title"/>
-          </p:nvPr>
-        </p:nvSpPr>
-        <p:spPr>
-          <a:xfrm>
-            <a:off x="477981" y="1122363"/>
-            <a:ext cx="4023360" cy="3204134"/>
-          </a:xfrm>
-        </p:spPr>
-        <p:txBody>
-          <a:bodyPr vert="horz" lIns="91440" tIns="45720" rIns="91440" bIns="45720" rtlCol="0" anchor="b">
-            <a:normAutofit/>
-          </a:bodyPr>
-          <a:lstStyle/>
-          <a:p>
-            <a:r>
-              <a:rPr lang="en-US" sz="4800" dirty="0">
-                <a:solidFill>
-                  <a:schemeClr val="bg1"/>
-                </a:solidFill>
-              </a:rPr>
-              <a:t>Extended spending work</a:t>
-            </a:r>
-          </a:p>
-        </p:txBody>
-      </p:sp>
-      <p:sp>
-        <p:nvSpPr>
-          <p:cNvPr id="13" name="Rectangle 12">
-            <a:extLst>
-              <a:ext uri="{FF2B5EF4-FFF2-40B4-BE49-F238E27FC236}">
-                <a16:creationId xmlns:a16="http://schemas.microsoft.com/office/drawing/2014/main" id="{8A05C1D7-D08D-F4FB-44FD-C4F0EEBCADB7}"/>
-              </a:ext>
-              <a:ext uri="{C183D7F6-B498-43B3-948B-1728B52AA6E4}">
-                <adec:decorative xmlns:adec="http://schemas.microsoft.com/office/drawing/2017/decorative" val="1"/>
-              </a:ext>
-            </a:extLst>
-          </p:cNvPr>
-          <p:cNvSpPr>
-            <a:spLocks noGrp="1" noRot="1" noChangeAspect="1" noMove="1" noResize="1" noEditPoints="1" noAdjustHandles="1" noChangeArrowheads="1" noChangeShapeType="1" noTextEdit="1"/>
-          </p:cNvSpPr>
-          <p:nvPr>
-            <p:extLst>
-              <p:ext uri="{386F3935-93C4-4BCD-93E2-E3B085C9AB24}">
-                <p16:designElem xmlns:p16="http://schemas.microsoft.com/office/powerpoint/2015/main" val="1"/>
-              </p:ext>
-            </p:extLst>
-          </p:nvPr>
-        </p:nvSpPr>
-        <p:spPr>
-          <a:xfrm rot="5400000">
-            <a:off x="759921" y="346791"/>
-            <a:ext cx="146304" cy="704088"/>
-          </a:xfrm>
-          <a:prstGeom prst="rect">
-            <a:avLst/>
-          </a:prstGeom>
-          <a:solidFill>
-            <a:schemeClr val="accent2"/>
-          </a:solidFill>
-          <a:ln>
-            <a:noFill/>
-          </a:ln>
-        </p:spPr>
-        <p:style>
-          <a:lnRef idx="2">
-            <a:schemeClr val="accent1">
-              <a:shade val="50000"/>
-            </a:schemeClr>
-          </a:lnRef>
-          <a:fillRef idx="1">
-            <a:schemeClr val="accent1"/>
-          </a:fillRef>
-          <a:effectRef idx="0">
-            <a:schemeClr val="accent1"/>
-          </a:effectRef>
-          <a:fontRef idx="minor">
-            <a:schemeClr val="lt1"/>
-          </a:fontRef>
-        </p:style>
-        <p:txBody>
-          <a:bodyPr rtlCol="0" anchor="ctr"/>
-          <a:lstStyle/>
-          <a:p>
-            <a:pPr algn="ctr"/>
-            <a:endParaRPr lang="en-US">
-              <a:solidFill>
-                <a:prstClr val="white"/>
-              </a:solidFill>
-              <a:latin typeface="Calibri" panose="020F0502020204030204"/>
-            </a:endParaRPr>
-          </a:p>
-        </p:txBody>
-      </p:sp>
-      <p:sp>
-        <p:nvSpPr>
-          <p:cNvPr id="15" name="Rectangle 14">
-            <a:extLst>
-              <a:ext uri="{FF2B5EF4-FFF2-40B4-BE49-F238E27FC236}">
-                <a16:creationId xmlns:a16="http://schemas.microsoft.com/office/drawing/2014/main" id="{B97746FF-5521-72B9-F755-5DA06AE91BB7}"/>
-              </a:ext>
-              <a:ext uri="{C183D7F6-B498-43B3-948B-1728B52AA6E4}">
-                <adec:decorative xmlns:adec="http://schemas.microsoft.com/office/drawing/2017/decorative" val="1"/>
-              </a:ext>
-            </a:extLst>
-          </p:cNvPr>
-          <p:cNvSpPr>
-            <a:spLocks noGrp="1" noRot="1" noChangeAspect="1" noMove="1" noResize="1" noEditPoints="1" noAdjustHandles="1" noChangeArrowheads="1" noChangeShapeType="1" noTextEdit="1"/>
-          </p:cNvSpPr>
-          <p:nvPr>
-            <p:extLst>
-              <p:ext uri="{386F3935-93C4-4BCD-93E2-E3B085C9AB24}">
-                <p16:designElem xmlns:p16="http://schemas.microsoft.com/office/powerpoint/2015/main" val="1"/>
-              </p:ext>
-            </p:extLst>
-          </p:nvPr>
-        </p:nvSpPr>
-        <p:spPr>
-          <a:xfrm>
-            <a:off x="481029" y="4546920"/>
-            <a:ext cx="3977640" cy="18288"/>
-          </a:xfrm>
-          <a:prstGeom prst="rect">
-            <a:avLst/>
-          </a:prstGeom>
-          <a:solidFill>
-            <a:schemeClr val="tx1"/>
-          </a:solidFill>
-          <a:ln w="3175">
-            <a:noFill/>
-          </a:ln>
-          <a:effectLst/>
-        </p:spPr>
-        <p:style>
-          <a:lnRef idx="2">
-            <a:schemeClr val="accent1">
-              <a:shade val="50000"/>
-            </a:schemeClr>
-          </a:lnRef>
-          <a:fillRef idx="1">
-            <a:schemeClr val="accent1"/>
-          </a:fillRef>
-          <a:effectRef idx="0">
-            <a:schemeClr val="accent1"/>
-          </a:effectRef>
-          <a:fontRef idx="minor">
-            <a:schemeClr val="lt1"/>
-          </a:fontRef>
-        </p:style>
-        <p:txBody>
-          <a:bodyPr rtlCol="0" anchor="ctr"/>
-          <a:lstStyle/>
-          <a:p>
-            <a:pPr marL="0" marR="0" lvl="0" indent="0" algn="ctr" defTabSz="914400" rtl="0" eaLnBrk="1" fontAlgn="auto" latinLnBrk="0" hangingPunct="1">
-              <a:lnSpc>
-                <a:spcPct val="100000"/>
-              </a:lnSpc>
-              <a:spcBef>
-                <a:spcPts val="0"/>
-              </a:spcBef>
-              <a:spcAft>
-                <a:spcPts val="0"/>
-              </a:spcAft>
-              <a:buClrTx/>
-              <a:buSzTx/>
-              <a:buFontTx/>
-              <a:buNone/>
-              <a:tabLst/>
-              <a:defRPr/>
-            </a:pPr>
-            <a:endParaRPr kumimoji="0" lang="en-US" sz="1800" b="0" i="0" u="none" strike="noStrike" kern="1200" cap="none" spc="0" normalizeH="0" baseline="0" noProof="0">
-              <a:ln>
-                <a:noFill/>
-              </a:ln>
-              <a:solidFill>
-                <a:prstClr val="white"/>
-              </a:solidFill>
-              <a:effectLst/>
-              <a:uLnTx/>
-              <a:uFillTx/>
-              <a:latin typeface="Calibri" panose="020F0502020204030204"/>
-              <a:ea typeface="+mn-ea"/>
-              <a:cs typeface="+mn-cs"/>
-            </a:endParaRPr>
-          </a:p>
-        </p:txBody>
-      </p:sp>
-    </p:spTree>
-    <p:extLst>
-      <p:ext uri="{BB962C8B-B14F-4D97-AF65-F5344CB8AC3E}">
-        <p14:creationId xmlns:p14="http://schemas.microsoft.com/office/powerpoint/2010/main" val="1170830833"/>
-      </p:ext>
-    </p:extLst>
-  </p:cSld>
-  <p:clrMapOvr>
-    <a:masterClrMapping/>
-  </p:clrMapOvr>
-</p:sld>
-</file>
-
-<file path=ppt/slides/slide6.xml><?xml version="1.0" encoding="utf-8"?>
-<p:sld xmlns:a="http://schemas.openxmlformats.org/drawingml/2006/main" xmlns:r="http://schemas.openxmlformats.org/officeDocument/2006/relationships" xmlns:p="http://schemas.openxmlformats.org/presentationml/2006/main">
-  <p:cSld>
-    <p:spTree>
-      <p:nvGrpSpPr>
-        <p:cNvPr id="1" name=""/>
-        <p:cNvGrpSpPr/>
-        <p:nvPr/>
-      </p:nvGrpSpPr>
-      <p:grpSpPr>
-        <a:xfrm>
-          <a:off x="0" y="0"/>
-          <a:ext cx="0" cy="0"/>
-          <a:chOff x="0" y="0"/>
-          <a:chExt cx="0" cy="0"/>
-        </a:xfrm>
-      </p:grpSpPr>
-      <p:sp>
-        <p:nvSpPr>
-          <p:cNvPr id="2" name="Title 1">
-            <a:extLst>
-              <a:ext uri="{FF2B5EF4-FFF2-40B4-BE49-F238E27FC236}">
-                <a16:creationId xmlns:a16="http://schemas.microsoft.com/office/drawing/2014/main" id="{7ACE8B33-034B-EE0C-AD82-72FAB03B9890}"/>
-              </a:ext>
-            </a:extLst>
-          </p:cNvPr>
-          <p:cNvSpPr>
-            <a:spLocks noGrp="1"/>
-          </p:cNvSpPr>
-          <p:nvPr>
-            <p:ph type="title"/>
-          </p:nvPr>
-        </p:nvSpPr>
-        <p:spPr/>
-        <p:txBody>
-          <a:bodyPr/>
-          <a:lstStyle/>
-          <a:p>
-            <a:r>
-              <a:rPr lang="en-US" dirty="0"/>
-              <a:t>Topics</a:t>
-            </a:r>
-            <a:endParaRPr lang="en-NZ" dirty="0"/>
-          </a:p>
-        </p:txBody>
-      </p:sp>
-      <p:sp>
-        <p:nvSpPr>
-          <p:cNvPr id="3" name="Content Placeholder 2">
-            <a:extLst>
-              <a:ext uri="{FF2B5EF4-FFF2-40B4-BE49-F238E27FC236}">
-                <a16:creationId xmlns:a16="http://schemas.microsoft.com/office/drawing/2014/main" id="{118BC3D1-B5C6-D90F-3FDE-CB92E395B716}"/>
-              </a:ext>
-            </a:extLst>
-          </p:cNvPr>
-          <p:cNvSpPr>
-            <a:spLocks noGrp="1"/>
-          </p:cNvSpPr>
-          <p:nvPr>
-            <p:ph idx="1"/>
-          </p:nvPr>
-        </p:nvSpPr>
-        <p:spPr>
-          <a:xfrm>
-            <a:off x="838200" y="1427692"/>
-            <a:ext cx="10515600" cy="4351338"/>
-          </a:xfrm>
-        </p:spPr>
-        <p:txBody>
-          <a:bodyPr>
-            <a:normAutofit fontScale="92500" lnSpcReduction="20000"/>
-          </a:bodyPr>
-          <a:lstStyle/>
-          <a:p>
-            <a:pPr marL="0" indent="0">
-              <a:buNone/>
-            </a:pPr>
-            <a:r>
-              <a:rPr lang="en-US" dirty="0"/>
-              <a:t>There are three </a:t>
-            </a:r>
-            <a:r>
-              <a:rPr lang="en-US" b="1" dirty="0"/>
-              <a:t>measurement and communication</a:t>
-            </a:r>
-            <a:r>
-              <a:rPr lang="en-US" dirty="0"/>
-              <a:t> areas where additional work could improve understanding of fiscal pressures.</a:t>
-            </a:r>
-            <a:br>
-              <a:rPr lang="en-US" dirty="0"/>
-            </a:br>
-            <a:endParaRPr lang="en-US" dirty="0"/>
-          </a:p>
-          <a:p>
-            <a:pPr lvl="1"/>
-            <a:r>
-              <a:rPr lang="en-NZ" b="1" dirty="0">
-                <a:solidFill>
-                  <a:srgbClr val="00B0F0"/>
-                </a:solidFill>
-              </a:rPr>
-              <a:t>Consolidation</a:t>
-            </a:r>
-            <a:r>
-              <a:rPr lang="en-NZ" dirty="0"/>
-              <a:t> – taking an all of government approach to spending on </a:t>
-            </a:r>
-            <a:r>
-              <a:rPr lang="en-NZ" b="1" dirty="0"/>
-              <a:t>functions</a:t>
-            </a:r>
-            <a:endParaRPr lang="en-NZ" dirty="0"/>
-          </a:p>
-          <a:p>
-            <a:pPr lvl="1"/>
-            <a:r>
-              <a:rPr lang="en-NZ" b="1" dirty="0">
-                <a:solidFill>
-                  <a:srgbClr val="C00000"/>
-                </a:solidFill>
-              </a:rPr>
-              <a:t>Benchmarking</a:t>
-            </a:r>
-            <a:r>
-              <a:rPr lang="en-NZ" dirty="0"/>
-              <a:t> – international and demographic based benchmarks</a:t>
-            </a:r>
-          </a:p>
-          <a:p>
-            <a:pPr lvl="1"/>
-            <a:r>
-              <a:rPr lang="en-NZ" b="1" dirty="0">
-                <a:solidFill>
-                  <a:schemeClr val="accent6">
-                    <a:lumMod val="75000"/>
-                  </a:schemeClr>
-                </a:solidFill>
-              </a:rPr>
-              <a:t>Tracking</a:t>
-            </a:r>
-            <a:r>
-              <a:rPr lang="en-NZ" dirty="0"/>
-              <a:t> – how do we interpret, communicate, and update the above insights.</a:t>
-            </a:r>
-          </a:p>
-          <a:p>
-            <a:pPr marL="0" indent="0">
-              <a:buNone/>
-            </a:pPr>
-            <a:endParaRPr lang="en-NZ" dirty="0"/>
-          </a:p>
-          <a:p>
-            <a:pPr marL="0" indent="0">
-              <a:buNone/>
-            </a:pPr>
-            <a:r>
-              <a:rPr lang="en-NZ" dirty="0"/>
-              <a:t>Work on short-termism is within a separate, but related, stream – Kizzy and Michael are leading this directly.</a:t>
-            </a:r>
-          </a:p>
-          <a:p>
-            <a:pPr marL="0" indent="0">
-              <a:buNone/>
-            </a:pPr>
-            <a:endParaRPr lang="en-NZ" dirty="0"/>
-          </a:p>
-          <a:p>
-            <a:pPr marL="0" indent="0">
-              <a:buNone/>
-            </a:pPr>
-            <a:r>
-              <a:rPr lang="en-NZ" b="1" dirty="0"/>
-              <a:t>Summary</a:t>
-            </a:r>
-            <a:r>
-              <a:rPr lang="en-NZ" dirty="0"/>
-              <a:t>: Australia has become a high general government spending country, while using a tax and transfer system built for a small government.</a:t>
-            </a:r>
-            <a:endParaRPr lang="en-NZ" b="1" dirty="0"/>
-          </a:p>
-        </p:txBody>
-      </p:sp>
-    </p:spTree>
-    <p:extLst>
-      <p:ext uri="{BB962C8B-B14F-4D97-AF65-F5344CB8AC3E}">
-        <p14:creationId xmlns:p14="http://schemas.microsoft.com/office/powerpoint/2010/main" val="2014710877"/>
-      </p:ext>
-    </p:extLst>
-  </p:cSld>
-  <p:clrMapOvr>
-    <a:masterClrMapping/>
-  </p:clrMapOvr>
-  <p:extLst>
-    <p:ext uri="{6950BFC3-D8DA-4A85-94F7-54DA5524770B}">
-      <p188:commentRel xmlns:p188="http://schemas.microsoft.com/office/powerpoint/2018/8/main" r:id="rId2"/>
-    </p:ext>
-  </p:extLst>
-</p:sld>
-</file>
-
-<file path=ppt/slides/slide7.xml><?xml version="1.0" encoding="utf-8"?>
-<p:sld xmlns:a="http://schemas.openxmlformats.org/drawingml/2006/main" xmlns:r="http://schemas.openxmlformats.org/officeDocument/2006/relationships" xmlns:p="http://schemas.openxmlformats.org/presentationml/2006/main">
-  <p:cSld>
-    <p:spTree>
-      <p:nvGrpSpPr>
-        <p:cNvPr id="1" name=""/>
-        <p:cNvGrpSpPr/>
-        <p:nvPr/>
-      </p:nvGrpSpPr>
-      <p:grpSpPr>
-        <a:xfrm>
-          <a:off x="0" y="0"/>
-          <a:ext cx="0" cy="0"/>
-          <a:chOff x="0" y="0"/>
-          <a:chExt cx="0" cy="0"/>
-        </a:xfrm>
-      </p:grpSpPr>
-      <p:sp>
-        <p:nvSpPr>
-          <p:cNvPr id="2" name="Title 1">
-            <a:extLst>
-              <a:ext uri="{FF2B5EF4-FFF2-40B4-BE49-F238E27FC236}">
-                <a16:creationId xmlns:a16="http://schemas.microsoft.com/office/drawing/2014/main" id="{278C947C-021A-22CE-6F3E-4EF94221A364}"/>
-              </a:ext>
-            </a:extLst>
-          </p:cNvPr>
-          <p:cNvSpPr>
-            <a:spLocks noGrp="1"/>
-          </p:cNvSpPr>
-          <p:nvPr>
-            <p:ph type="title"/>
-          </p:nvPr>
-        </p:nvSpPr>
-        <p:spPr/>
-        <p:txBody>
-          <a:bodyPr/>
-          <a:lstStyle/>
-          <a:p>
-            <a:r>
-              <a:rPr lang="en-US" dirty="0"/>
-              <a:t>Consolidation</a:t>
-            </a:r>
-            <a:endParaRPr lang="en-NZ" dirty="0"/>
-          </a:p>
-        </p:txBody>
-      </p:sp>
-      <p:sp>
-        <p:nvSpPr>
-          <p:cNvPr id="3" name="Content Placeholder 2">
-            <a:extLst>
-              <a:ext uri="{FF2B5EF4-FFF2-40B4-BE49-F238E27FC236}">
-                <a16:creationId xmlns:a16="http://schemas.microsoft.com/office/drawing/2014/main" id="{5EE23690-1E8A-B5D4-64B1-A73219FD2557}"/>
-              </a:ext>
-            </a:extLst>
-          </p:cNvPr>
-          <p:cNvSpPr>
-            <a:spLocks noGrp="1"/>
-          </p:cNvSpPr>
-          <p:nvPr>
-            <p:ph idx="1"/>
-          </p:nvPr>
-        </p:nvSpPr>
-        <p:spPr>
-          <a:xfrm>
-            <a:off x="838200" y="1825625"/>
-            <a:ext cx="10515600" cy="1676527"/>
-          </a:xfrm>
-        </p:spPr>
-        <p:txBody>
-          <a:bodyPr>
-            <a:normAutofit/>
-          </a:bodyPr>
-          <a:lstStyle/>
-          <a:p>
-            <a:r>
-              <a:rPr lang="en-US" dirty="0"/>
-              <a:t>OECD Fiscal </a:t>
-            </a:r>
-            <a:r>
-              <a:rPr lang="en-US" dirty="0" err="1"/>
-              <a:t>Decentralisation</a:t>
-            </a:r>
-            <a:r>
-              <a:rPr lang="en-US" dirty="0"/>
-              <a:t> (Spending by Function, COFOG)</a:t>
-            </a:r>
-          </a:p>
-          <a:p>
-            <a:r>
-              <a:rPr lang="en-US" dirty="0"/>
-              <a:t>ABS Government Fiscal Standards (Spending by XXX)</a:t>
-            </a:r>
-          </a:p>
-          <a:p>
-            <a:r>
-              <a:rPr lang="en-US" dirty="0"/>
-              <a:t>Requesting ABS data the combines these.</a:t>
-            </a:r>
-          </a:p>
-          <a:p>
-            <a:pPr marL="0" indent="0">
-              <a:buNone/>
-            </a:pPr>
-            <a:endParaRPr lang="en-US" dirty="0"/>
-          </a:p>
-        </p:txBody>
-      </p:sp>
-    </p:spTree>
-    <p:extLst>
-      <p:ext uri="{BB962C8B-B14F-4D97-AF65-F5344CB8AC3E}">
-        <p14:creationId xmlns:p14="http://schemas.microsoft.com/office/powerpoint/2010/main" val="932863370"/>
-      </p:ext>
-    </p:extLst>
-  </p:cSld>
-  <p:clrMapOvr>
-    <a:masterClrMapping/>
-  </p:clrMapOvr>
-</p:sld>
-</file>
-
-<file path=ppt/slides/slide8.xml><?xml version="1.0" encoding="utf-8"?>
-<p:sld xmlns:a="http://schemas.openxmlformats.org/drawingml/2006/main" xmlns:r="http://schemas.openxmlformats.org/officeDocument/2006/relationships" xmlns:p="http://schemas.openxmlformats.org/presentationml/2006/main">
-  <p:cSld>
-    <p:spTree>
-      <p:nvGrpSpPr>
-        <p:cNvPr id="1" name="">
-          <a:extLst>
-            <a:ext uri="{FF2B5EF4-FFF2-40B4-BE49-F238E27FC236}">
-              <a16:creationId xmlns:a16="http://schemas.microsoft.com/office/drawing/2014/main" id="{FB277A07-8D62-01E6-8C4D-AF0625B17F67}"/>
-            </a:ext>
-          </a:extLst>
-        </p:cNvPr>
-        <p:cNvGrpSpPr/>
-        <p:nvPr/>
-      </p:nvGrpSpPr>
-      <p:grpSpPr>
-        <a:xfrm>
-          <a:off x="0" y="0"/>
-          <a:ext cx="0" cy="0"/>
-          <a:chOff x="0" y="0"/>
-          <a:chExt cx="0" cy="0"/>
-        </a:xfrm>
-      </p:grpSpPr>
-      <p:sp>
-        <p:nvSpPr>
-          <p:cNvPr id="2" name="Title 1">
-            <a:extLst>
-              <a:ext uri="{FF2B5EF4-FFF2-40B4-BE49-F238E27FC236}">
-                <a16:creationId xmlns:a16="http://schemas.microsoft.com/office/drawing/2014/main" id="{1B44A82C-FE87-64E4-501A-7B2A37D1F18B}"/>
-              </a:ext>
-            </a:extLst>
-          </p:cNvPr>
-          <p:cNvSpPr>
-            <a:spLocks noGrp="1"/>
-          </p:cNvSpPr>
-          <p:nvPr>
-            <p:ph type="title"/>
-          </p:nvPr>
-        </p:nvSpPr>
-        <p:spPr/>
-        <p:txBody>
-          <a:bodyPr/>
-          <a:lstStyle/>
-          <a:p>
-            <a:r>
-              <a:rPr lang="en-US" dirty="0"/>
-              <a:t>What does consolidation tell us?</a:t>
-            </a:r>
-            <a:endParaRPr lang="en-NZ" dirty="0"/>
-          </a:p>
-        </p:txBody>
-      </p:sp>
-      <p:sp>
-        <p:nvSpPr>
-          <p:cNvPr id="3" name="Content Placeholder 2">
-            <a:extLst>
-              <a:ext uri="{FF2B5EF4-FFF2-40B4-BE49-F238E27FC236}">
-                <a16:creationId xmlns:a16="http://schemas.microsoft.com/office/drawing/2014/main" id="{1C02B128-1EA4-D213-6E57-6670DA8BAE2A}"/>
-              </a:ext>
-            </a:extLst>
-          </p:cNvPr>
-          <p:cNvSpPr>
-            <a:spLocks noGrp="1"/>
-          </p:cNvSpPr>
-          <p:nvPr>
-            <p:ph idx="1"/>
-          </p:nvPr>
-        </p:nvSpPr>
-        <p:spPr>
-          <a:xfrm>
-            <a:off x="7628159" y="1690688"/>
-            <a:ext cx="3901440" cy="2119312"/>
-          </a:xfrm>
-        </p:spPr>
-        <p:txBody>
-          <a:bodyPr>
-            <a:normAutofit/>
-          </a:bodyPr>
-          <a:lstStyle/>
-          <a:p>
-            <a:pPr marL="0" indent="0">
-              <a:buNone/>
-            </a:pPr>
-            <a:r>
-              <a:rPr lang="en-US" dirty="0"/>
-              <a:t>In deficit terms</a:t>
-            </a:r>
-          </a:p>
-          <a:p>
-            <a:r>
-              <a:rPr lang="en-US" dirty="0"/>
-              <a:t>XXX</a:t>
-            </a:r>
-          </a:p>
-          <a:p>
-            <a:endParaRPr lang="en-US" dirty="0"/>
-          </a:p>
-        </p:txBody>
-      </p:sp>
-      <p:sp>
-        <p:nvSpPr>
-          <p:cNvPr id="4" name="Content Placeholder 2">
-            <a:extLst>
-              <a:ext uri="{FF2B5EF4-FFF2-40B4-BE49-F238E27FC236}">
-                <a16:creationId xmlns:a16="http://schemas.microsoft.com/office/drawing/2014/main" id="{7629C063-6384-300C-4BD0-221B7B3DA2D4}"/>
-              </a:ext>
-            </a:extLst>
-          </p:cNvPr>
-          <p:cNvSpPr txBox="1">
-            <a:spLocks/>
-          </p:cNvSpPr>
-          <p:nvPr/>
-        </p:nvSpPr>
-        <p:spPr>
-          <a:xfrm>
-            <a:off x="838199" y="1690688"/>
-            <a:ext cx="4974167" cy="2325500"/>
+            <a:off x="6804390" y="1888378"/>
+            <a:ext cx="4356847" cy="4351338"/>
           </a:xfrm>
           <a:prstGeom prst="rect">
             <a:avLst/>
@@ -7338,33 +7781,17 @@
               <a:buNone/>
             </a:pPr>
             <a:r>
-              <a:rPr lang="en-US" dirty="0"/>
-              <a:t>In General Spending</a:t>
-            </a:r>
-          </a:p>
-          <a:p>
-            <a:r>
-              <a:rPr lang="en-US" dirty="0"/>
-              <a:t>Consolidated government spending was </a:t>
-            </a:r>
-            <a:r>
               <a:rPr lang="en-US" b="1" dirty="0"/>
-              <a:t>37% of GDP </a:t>
-            </a:r>
-            <a:r>
-              <a:rPr lang="en-US" dirty="0"/>
-              <a:t>in XXX (compared to X% at the Federal level).</a:t>
-            </a:r>
-          </a:p>
-          <a:p>
-            <a:endParaRPr lang="en-US" dirty="0"/>
+              <a:t>Per capita capital stocks</a:t>
+            </a:r>
+            <a:endParaRPr lang="en-NZ" b="1" dirty="0"/>
           </a:p>
         </p:txBody>
       </p:sp>
     </p:spTree>
     <p:extLst>
       <p:ext uri="{BB962C8B-B14F-4D97-AF65-F5344CB8AC3E}">
-        <p14:creationId xmlns:p14="http://schemas.microsoft.com/office/powerpoint/2010/main" val="3006396415"/>
+        <p14:creationId xmlns:p14="http://schemas.microsoft.com/office/powerpoint/2010/main" val="1307482418"/>
       </p:ext>
     </p:extLst>
   </p:cSld>
@@ -7374,7 +7801,7 @@
 </p:sld>
 </file>
 
-<file path=ppt/slides/slide9.xml><?xml version="1.0" encoding="utf-8"?>
+<file path=ppt/slides/slide21.xml><?xml version="1.0" encoding="utf-8"?>
 <p:sld xmlns:a="http://schemas.openxmlformats.org/drawingml/2006/main" xmlns:r="http://schemas.openxmlformats.org/officeDocument/2006/relationships" xmlns:p="http://schemas.openxmlformats.org/presentationml/2006/main">
   <p:cSld>
     <p:spTree>
@@ -7382,7 +7809,7 @@
         <p:cNvPr id="1" name="">
           <a:extLst>
             <a:ext uri="{FF2B5EF4-FFF2-40B4-BE49-F238E27FC236}">
-              <a16:creationId xmlns:a16="http://schemas.microsoft.com/office/drawing/2014/main" id="{84A488D9-58B5-52E0-AB7B-0A461528E079}"/>
+              <a16:creationId xmlns:a16="http://schemas.microsoft.com/office/drawing/2014/main" id="{25F5CC26-2DB6-16A3-5F5C-41EC07D96197}"/>
             </a:ext>
           </a:extLst>
         </p:cNvPr>
@@ -7402,7 +7829,7 @@
           <p:cNvPr id="2" name="Title 1">
             <a:extLst>
               <a:ext uri="{FF2B5EF4-FFF2-40B4-BE49-F238E27FC236}">
-                <a16:creationId xmlns:a16="http://schemas.microsoft.com/office/drawing/2014/main" id="{5D864967-D00E-B83B-C0AC-2E96CF9D4830}"/>
+                <a16:creationId xmlns:a16="http://schemas.microsoft.com/office/drawing/2014/main" id="{CFE184C8-3BB8-C8C4-BD41-86FB6674EDB8}"/>
               </a:ext>
             </a:extLst>
           </p:cNvPr>
@@ -7420,7 +7847,7 @@
           <a:p>
             <a:r>
               <a:rPr lang="en-US" dirty="0"/>
-              <a:t>What does consolidation tell us?</a:t>
+              <a:t>Capital stock reporting</a:t>
             </a:r>
             <a:endParaRPr lang="en-NZ" dirty="0"/>
           </a:p>
@@ -7431,7 +7858,7 @@
           <p:cNvPr id="3" name="Content Placeholder 2">
             <a:extLst>
               <a:ext uri="{FF2B5EF4-FFF2-40B4-BE49-F238E27FC236}">
-                <a16:creationId xmlns:a16="http://schemas.microsoft.com/office/drawing/2014/main" id="{61524688-D52A-BAF0-BFCC-AB54085CB4F9}"/>
+                <a16:creationId xmlns:a16="http://schemas.microsoft.com/office/drawing/2014/main" id="{4415CAF1-CEBB-B23B-D244-B658AC32F590}"/>
               </a:ext>
             </a:extLst>
           </p:cNvPr>
@@ -7444,8 +7871,1558 @@
         </p:nvSpPr>
         <p:spPr>
           <a:xfrm>
-            <a:off x="7789026" y="1825625"/>
-            <a:ext cx="3901440" cy="4351338"/>
+            <a:off x="838200" y="1825625"/>
+            <a:ext cx="7092142" cy="4351338"/>
+          </a:xfrm>
+        </p:spPr>
+        <p:txBody>
+          <a:bodyPr/>
+          <a:lstStyle/>
+          <a:p>
+            <a:r>
+              <a:rPr lang="en-US" dirty="0"/>
+              <a:t>XXX</a:t>
+            </a:r>
+            <a:endParaRPr lang="en-NZ" dirty="0"/>
+          </a:p>
+        </p:txBody>
+      </p:sp>
+    </p:spTree>
+    <p:extLst>
+      <p:ext uri="{BB962C8B-B14F-4D97-AF65-F5344CB8AC3E}">
+        <p14:creationId xmlns:p14="http://schemas.microsoft.com/office/powerpoint/2010/main" val="320384108"/>
+      </p:ext>
+    </p:extLst>
+  </p:cSld>
+  <p:clrMapOvr>
+    <a:masterClrMapping/>
+  </p:clrMapOvr>
+</p:sld>
+</file>
+
+<file path=ppt/slides/slide3.xml><?xml version="1.0" encoding="utf-8"?>
+<p:sld xmlns:a="http://schemas.openxmlformats.org/drawingml/2006/main" xmlns:r="http://schemas.openxmlformats.org/officeDocument/2006/relationships" xmlns:p="http://schemas.openxmlformats.org/presentationml/2006/main">
+  <p:cSld>
+    <p:spTree>
+      <p:nvGrpSpPr>
+        <p:cNvPr id="1" name="">
+          <a:extLst>
+            <a:ext uri="{FF2B5EF4-FFF2-40B4-BE49-F238E27FC236}">
+              <a16:creationId xmlns:a16="http://schemas.microsoft.com/office/drawing/2014/main" id="{AB9CDF55-13F2-FF5F-E19B-5B1CE333D234}"/>
+            </a:ext>
+          </a:extLst>
+        </p:cNvPr>
+        <p:cNvGrpSpPr/>
+        <p:nvPr/>
+      </p:nvGrpSpPr>
+      <p:grpSpPr>
+        <a:xfrm>
+          <a:off x="0" y="0"/>
+          <a:ext cx="0" cy="0"/>
+          <a:chOff x="0" y="0"/>
+          <a:chExt cx="0" cy="0"/>
+        </a:xfrm>
+      </p:grpSpPr>
+      <p:sp>
+        <p:nvSpPr>
+          <p:cNvPr id="2" name="Title 1">
+            <a:extLst>
+              <a:ext uri="{FF2B5EF4-FFF2-40B4-BE49-F238E27FC236}">
+                <a16:creationId xmlns:a16="http://schemas.microsoft.com/office/drawing/2014/main" id="{7662BF20-B744-E591-9F1C-36A5AC3E46E9}"/>
+              </a:ext>
+            </a:extLst>
+          </p:cNvPr>
+          <p:cNvSpPr>
+            <a:spLocks noGrp="1"/>
+          </p:cNvSpPr>
+          <p:nvPr>
+            <p:ph type="title"/>
+          </p:nvPr>
+        </p:nvSpPr>
+        <p:spPr/>
+        <p:txBody>
+          <a:bodyPr/>
+          <a:lstStyle/>
+          <a:p>
+            <a:r>
+              <a:rPr lang="en-US" dirty="0"/>
+              <a:t>What has happened to Federal Spending?</a:t>
+            </a:r>
+            <a:endParaRPr lang="en-NZ" dirty="0"/>
+          </a:p>
+        </p:txBody>
+      </p:sp>
+      <p:sp>
+        <p:nvSpPr>
+          <p:cNvPr id="3" name="Content Placeholder 2">
+            <a:extLst>
+              <a:ext uri="{FF2B5EF4-FFF2-40B4-BE49-F238E27FC236}">
+                <a16:creationId xmlns:a16="http://schemas.microsoft.com/office/drawing/2014/main" id="{61E3095F-C3A8-089C-9510-E67AC336F7BE}"/>
+              </a:ext>
+            </a:extLst>
+          </p:cNvPr>
+          <p:cNvSpPr>
+            <a:spLocks noGrp="1"/>
+          </p:cNvSpPr>
+          <p:nvPr>
+            <p:ph idx="1"/>
+          </p:nvPr>
+        </p:nvSpPr>
+        <p:spPr/>
+        <p:txBody>
+          <a:bodyPr/>
+          <a:lstStyle/>
+          <a:p>
+            <a:r>
+              <a:rPr lang="en-NZ" dirty="0"/>
+              <a:t>Something from report</a:t>
+            </a:r>
+          </a:p>
+        </p:txBody>
+      </p:sp>
+    </p:spTree>
+    <p:extLst>
+      <p:ext uri="{BB962C8B-B14F-4D97-AF65-F5344CB8AC3E}">
+        <p14:creationId xmlns:p14="http://schemas.microsoft.com/office/powerpoint/2010/main" val="453619371"/>
+      </p:ext>
+    </p:extLst>
+  </p:cSld>
+  <p:clrMapOvr>
+    <a:masterClrMapping/>
+  </p:clrMapOvr>
+</p:sld>
+</file>
+
+<file path=ppt/slides/slide4.xml><?xml version="1.0" encoding="utf-8"?>
+<p:sld xmlns:a="http://schemas.openxmlformats.org/drawingml/2006/main" xmlns:r="http://schemas.openxmlformats.org/officeDocument/2006/relationships" xmlns:p="http://schemas.openxmlformats.org/presentationml/2006/main">
+  <p:cSld>
+    <p:spTree>
+      <p:nvGrpSpPr>
+        <p:cNvPr id="1" name="">
+          <a:extLst>
+            <a:ext uri="{FF2B5EF4-FFF2-40B4-BE49-F238E27FC236}">
+              <a16:creationId xmlns:a16="http://schemas.microsoft.com/office/drawing/2014/main" id="{D6B17CE5-E6E7-D3EC-26D9-4E0FA523686E}"/>
+            </a:ext>
+          </a:extLst>
+        </p:cNvPr>
+        <p:cNvGrpSpPr/>
+        <p:nvPr/>
+      </p:nvGrpSpPr>
+      <p:grpSpPr>
+        <a:xfrm>
+          <a:off x="0" y="0"/>
+          <a:ext cx="0" cy="0"/>
+          <a:chOff x="0" y="0"/>
+          <a:chExt cx="0" cy="0"/>
+        </a:xfrm>
+      </p:grpSpPr>
+      <p:sp>
+        <p:nvSpPr>
+          <p:cNvPr id="2" name="Title 1">
+            <a:extLst>
+              <a:ext uri="{FF2B5EF4-FFF2-40B4-BE49-F238E27FC236}">
+                <a16:creationId xmlns:a16="http://schemas.microsoft.com/office/drawing/2014/main" id="{FD9E96EF-BB1A-BE5C-B1D3-3AF2DC2A83E2}"/>
+              </a:ext>
+            </a:extLst>
+          </p:cNvPr>
+          <p:cNvSpPr>
+            <a:spLocks noGrp="1"/>
+          </p:cNvSpPr>
+          <p:nvPr>
+            <p:ph type="title"/>
+          </p:nvPr>
+        </p:nvSpPr>
+        <p:spPr>
+          <a:xfrm>
+            <a:off x="243840" y="248126"/>
+            <a:ext cx="10515600" cy="1325563"/>
+          </a:xfrm>
+        </p:spPr>
+        <p:txBody>
+          <a:bodyPr/>
+          <a:lstStyle/>
+          <a:p>
+            <a:r>
+              <a:rPr lang="en-US" dirty="0"/>
+              <a:t>What are some key spending risks</a:t>
+            </a:r>
+            <a:endParaRPr lang="en-NZ" dirty="0"/>
+          </a:p>
+        </p:txBody>
+      </p:sp>
+      <p:pic>
+        <p:nvPicPr>
+          <p:cNvPr id="5" name="Content Placeholder 4" descr="A graph with numbers and lines&#10;&#10;AI-generated content may be incorrect.">
+            <a:extLst>
+              <a:ext uri="{FF2B5EF4-FFF2-40B4-BE49-F238E27FC236}">
+                <a16:creationId xmlns:a16="http://schemas.microsoft.com/office/drawing/2014/main" id="{E32D8004-7519-C781-1E7D-39D849CBCCB6}"/>
+              </a:ext>
+            </a:extLst>
+          </p:cNvPr>
+          <p:cNvPicPr>
+            <a:picLocks noGrp="1" noChangeAspect="1"/>
+          </p:cNvPicPr>
+          <p:nvPr>
+            <p:ph idx="1"/>
+          </p:nvPr>
+        </p:nvPicPr>
+        <p:blipFill>
+          <a:blip r:embed="rId2">
+            <a:extLst>
+              <a:ext uri="{28A0092B-C50C-407E-A947-70E740481C1C}">
+                <a14:useLocalDpi xmlns:a14="http://schemas.microsoft.com/office/drawing/2010/main" val="0"/>
+              </a:ext>
+            </a:extLst>
+          </a:blip>
+          <a:stretch>
+            <a:fillRect/>
+          </a:stretch>
+        </p:blipFill>
+        <p:spPr>
+          <a:xfrm>
+            <a:off x="3752972" y="1825625"/>
+            <a:ext cx="4686056" cy="4351338"/>
+          </a:xfrm>
+        </p:spPr>
+      </p:pic>
+      <p:sp>
+        <p:nvSpPr>
+          <p:cNvPr id="3" name="Content Placeholder 2">
+            <a:extLst>
+              <a:ext uri="{FF2B5EF4-FFF2-40B4-BE49-F238E27FC236}">
+                <a16:creationId xmlns:a16="http://schemas.microsoft.com/office/drawing/2014/main" id="{74356035-5584-58CC-CE43-3099F52E1E42}"/>
+              </a:ext>
+            </a:extLst>
+          </p:cNvPr>
+          <p:cNvSpPr txBox="1">
+            <a:spLocks/>
+          </p:cNvSpPr>
+          <p:nvPr/>
+        </p:nvSpPr>
+        <p:spPr>
+          <a:xfrm>
+            <a:off x="4632960" y="1573689"/>
+            <a:ext cx="3276600" cy="368935"/>
+          </a:xfrm>
+          <a:prstGeom prst="rect">
+            <a:avLst/>
+          </a:prstGeom>
+        </p:spPr>
+        <p:txBody>
+          <a:bodyPr vert="horz" lIns="91440" tIns="45720" rIns="91440" bIns="45720" rtlCol="0">
+            <a:normAutofit fontScale="85000" lnSpcReduction="20000"/>
+          </a:bodyPr>
+          <a:lstStyle>
+            <a:lvl1pPr marL="228600" indent="-228600" algn="l" defTabSz="914400" rtl="0" eaLnBrk="1" latinLnBrk="0" hangingPunct="1">
+              <a:lnSpc>
+                <a:spcPct val="90000"/>
+              </a:lnSpc>
+              <a:spcBef>
+                <a:spcPts val="1000"/>
+              </a:spcBef>
+              <a:buFont typeface="Arial" panose="020B0604020202020204" pitchFamily="34" charset="0"/>
+              <a:buChar char="•"/>
+              <a:defRPr sz="2800" kern="1200">
+                <a:solidFill>
+                  <a:schemeClr val="tx1"/>
+                </a:solidFill>
+                <a:latin typeface="+mn-lt"/>
+                <a:ea typeface="+mn-ea"/>
+                <a:cs typeface="+mn-cs"/>
+              </a:defRPr>
+            </a:lvl1pPr>
+            <a:lvl2pPr marL="685800" indent="-228600" algn="l" defTabSz="914400" rtl="0" eaLnBrk="1" latinLnBrk="0" hangingPunct="1">
+              <a:lnSpc>
+                <a:spcPct val="90000"/>
+              </a:lnSpc>
+              <a:spcBef>
+                <a:spcPts val="500"/>
+              </a:spcBef>
+              <a:buFont typeface="Arial" panose="020B0604020202020204" pitchFamily="34" charset="0"/>
+              <a:buChar char="•"/>
+              <a:defRPr sz="2400" kern="1200">
+                <a:solidFill>
+                  <a:schemeClr val="tx1"/>
+                </a:solidFill>
+                <a:latin typeface="+mn-lt"/>
+                <a:ea typeface="+mn-ea"/>
+                <a:cs typeface="+mn-cs"/>
+              </a:defRPr>
+            </a:lvl2pPr>
+            <a:lvl3pPr marL="1143000" indent="-228600" algn="l" defTabSz="914400" rtl="0" eaLnBrk="1" latinLnBrk="0" hangingPunct="1">
+              <a:lnSpc>
+                <a:spcPct val="90000"/>
+              </a:lnSpc>
+              <a:spcBef>
+                <a:spcPts val="500"/>
+              </a:spcBef>
+              <a:buFont typeface="Arial" panose="020B0604020202020204" pitchFamily="34" charset="0"/>
+              <a:buChar char="•"/>
+              <a:defRPr sz="2000" kern="1200">
+                <a:solidFill>
+                  <a:schemeClr val="tx1"/>
+                </a:solidFill>
+                <a:latin typeface="+mn-lt"/>
+                <a:ea typeface="+mn-ea"/>
+                <a:cs typeface="+mn-cs"/>
+              </a:defRPr>
+            </a:lvl3pPr>
+            <a:lvl4pPr marL="1600200" indent="-228600" algn="l" defTabSz="914400" rtl="0" eaLnBrk="1" latinLnBrk="0" hangingPunct="1">
+              <a:lnSpc>
+                <a:spcPct val="90000"/>
+              </a:lnSpc>
+              <a:spcBef>
+                <a:spcPts val="500"/>
+              </a:spcBef>
+              <a:buFont typeface="Arial" panose="020B0604020202020204" pitchFamily="34" charset="0"/>
+              <a:buChar char="•"/>
+              <a:defRPr sz="1800" kern="1200">
+                <a:solidFill>
+                  <a:schemeClr val="tx1"/>
+                </a:solidFill>
+                <a:latin typeface="+mn-lt"/>
+                <a:ea typeface="+mn-ea"/>
+                <a:cs typeface="+mn-cs"/>
+              </a:defRPr>
+            </a:lvl4pPr>
+            <a:lvl5pPr marL="2057400" indent="-228600" algn="l" defTabSz="914400" rtl="0" eaLnBrk="1" latinLnBrk="0" hangingPunct="1">
+              <a:lnSpc>
+                <a:spcPct val="90000"/>
+              </a:lnSpc>
+              <a:spcBef>
+                <a:spcPts val="500"/>
+              </a:spcBef>
+              <a:buFont typeface="Arial" panose="020B0604020202020204" pitchFamily="34" charset="0"/>
+              <a:buChar char="•"/>
+              <a:defRPr sz="1800" kern="1200">
+                <a:solidFill>
+                  <a:schemeClr val="tx1"/>
+                </a:solidFill>
+                <a:latin typeface="+mn-lt"/>
+                <a:ea typeface="+mn-ea"/>
+                <a:cs typeface="+mn-cs"/>
+              </a:defRPr>
+            </a:lvl5pPr>
+            <a:lvl6pPr marL="2514600" indent="-228600" algn="l" defTabSz="914400" rtl="0" eaLnBrk="1" latinLnBrk="0" hangingPunct="1">
+              <a:lnSpc>
+                <a:spcPct val="90000"/>
+              </a:lnSpc>
+              <a:spcBef>
+                <a:spcPts val="500"/>
+              </a:spcBef>
+              <a:buFont typeface="Arial" panose="020B0604020202020204" pitchFamily="34" charset="0"/>
+              <a:buChar char="•"/>
+              <a:defRPr sz="1800" kern="1200">
+                <a:solidFill>
+                  <a:schemeClr val="tx1"/>
+                </a:solidFill>
+                <a:latin typeface="+mn-lt"/>
+                <a:ea typeface="+mn-ea"/>
+                <a:cs typeface="+mn-cs"/>
+              </a:defRPr>
+            </a:lvl6pPr>
+            <a:lvl7pPr marL="2971800" indent="-228600" algn="l" defTabSz="914400" rtl="0" eaLnBrk="1" latinLnBrk="0" hangingPunct="1">
+              <a:lnSpc>
+                <a:spcPct val="90000"/>
+              </a:lnSpc>
+              <a:spcBef>
+                <a:spcPts val="500"/>
+              </a:spcBef>
+              <a:buFont typeface="Arial" panose="020B0604020202020204" pitchFamily="34" charset="0"/>
+              <a:buChar char="•"/>
+              <a:defRPr sz="1800" kern="1200">
+                <a:solidFill>
+                  <a:schemeClr val="tx1"/>
+                </a:solidFill>
+                <a:latin typeface="+mn-lt"/>
+                <a:ea typeface="+mn-ea"/>
+                <a:cs typeface="+mn-cs"/>
+              </a:defRPr>
+            </a:lvl7pPr>
+            <a:lvl8pPr marL="3429000" indent="-228600" algn="l" defTabSz="914400" rtl="0" eaLnBrk="1" latinLnBrk="0" hangingPunct="1">
+              <a:lnSpc>
+                <a:spcPct val="90000"/>
+              </a:lnSpc>
+              <a:spcBef>
+                <a:spcPts val="500"/>
+              </a:spcBef>
+              <a:buFont typeface="Arial" panose="020B0604020202020204" pitchFamily="34" charset="0"/>
+              <a:buChar char="•"/>
+              <a:defRPr sz="1800" kern="1200">
+                <a:solidFill>
+                  <a:schemeClr val="tx1"/>
+                </a:solidFill>
+                <a:latin typeface="+mn-lt"/>
+                <a:ea typeface="+mn-ea"/>
+                <a:cs typeface="+mn-cs"/>
+              </a:defRPr>
+            </a:lvl8pPr>
+            <a:lvl9pPr marL="3886200" indent="-228600" algn="l" defTabSz="914400" rtl="0" eaLnBrk="1" latinLnBrk="0" hangingPunct="1">
+              <a:lnSpc>
+                <a:spcPct val="90000"/>
+              </a:lnSpc>
+              <a:spcBef>
+                <a:spcPts val="500"/>
+              </a:spcBef>
+              <a:buFont typeface="Arial" panose="020B0604020202020204" pitchFamily="34" charset="0"/>
+              <a:buChar char="•"/>
+              <a:defRPr sz="1800" kern="1200">
+                <a:solidFill>
+                  <a:schemeClr val="tx1"/>
+                </a:solidFill>
+                <a:latin typeface="+mn-lt"/>
+                <a:ea typeface="+mn-ea"/>
+                <a:cs typeface="+mn-cs"/>
+              </a:defRPr>
+            </a:lvl9pPr>
+          </a:lstStyle>
+          <a:p>
+            <a:pPr marL="0" indent="0">
+              <a:buNone/>
+            </a:pPr>
+            <a:r>
+              <a:rPr lang="en-NZ" b="1" dirty="0"/>
+              <a:t>Gross debt projection</a:t>
+            </a:r>
+          </a:p>
+        </p:txBody>
+      </p:sp>
+    </p:spTree>
+    <p:extLst>
+      <p:ext uri="{BB962C8B-B14F-4D97-AF65-F5344CB8AC3E}">
+        <p14:creationId xmlns:p14="http://schemas.microsoft.com/office/powerpoint/2010/main" val="1282710452"/>
+      </p:ext>
+    </p:extLst>
+  </p:cSld>
+  <p:clrMapOvr>
+    <a:masterClrMapping/>
+  </p:clrMapOvr>
+</p:sld>
+</file>
+
+<file path=ppt/slides/slide5.xml><?xml version="1.0" encoding="utf-8"?>
+<p:sld xmlns:a="http://schemas.openxmlformats.org/drawingml/2006/main" xmlns:r="http://schemas.openxmlformats.org/officeDocument/2006/relationships" xmlns:p="http://schemas.openxmlformats.org/presentationml/2006/main">
+  <p:cSld>
+    <p:bg>
+      <p:bgPr>
+        <a:solidFill>
+          <a:schemeClr val="bg1"/>
+        </a:solidFill>
+        <a:effectLst/>
+      </p:bgPr>
+    </p:bg>
+    <p:spTree>
+      <p:nvGrpSpPr>
+        <p:cNvPr id="1" name="">
+          <a:extLst>
+            <a:ext uri="{FF2B5EF4-FFF2-40B4-BE49-F238E27FC236}">
+              <a16:creationId xmlns:a16="http://schemas.microsoft.com/office/drawing/2014/main" id="{4902E497-4CB5-A6E0-5520-DFCA8944F567}"/>
+            </a:ext>
+          </a:extLst>
+        </p:cNvPr>
+        <p:cNvGrpSpPr/>
+        <p:nvPr/>
+      </p:nvGrpSpPr>
+      <p:grpSpPr>
+        <a:xfrm>
+          <a:off x="0" y="0"/>
+          <a:ext cx="0" cy="0"/>
+          <a:chOff x="0" y="0"/>
+          <a:chExt cx="0" cy="0"/>
+        </a:xfrm>
+      </p:grpSpPr>
+      <p:sp useBgFill="1">
+        <p:nvSpPr>
+          <p:cNvPr id="9" name="Rectangle 8">
+            <a:extLst>
+              <a:ext uri="{FF2B5EF4-FFF2-40B4-BE49-F238E27FC236}">
+                <a16:creationId xmlns:a16="http://schemas.microsoft.com/office/drawing/2014/main" id="{F213BC97-0C7F-8436-4247-62EDF0BD1AC9}"/>
+              </a:ext>
+              <a:ext uri="{C183D7F6-B498-43B3-948B-1728B52AA6E4}">
+                <adec:decorative xmlns:adec="http://schemas.microsoft.com/office/drawing/2017/decorative" val="1"/>
+              </a:ext>
+            </a:extLst>
+          </p:cNvPr>
+          <p:cNvSpPr>
+            <a:spLocks noGrp="1" noRot="1" noChangeAspect="1" noMove="1" noResize="1" noEditPoints="1" noAdjustHandles="1" noChangeArrowheads="1" noChangeShapeType="1" noTextEdit="1"/>
+          </p:cNvSpPr>
+          <p:nvPr>
+            <p:extLst>
+              <p:ext uri="{386F3935-93C4-4BCD-93E2-E3B085C9AB24}">
+                <p16:designElem xmlns:p16="http://schemas.microsoft.com/office/powerpoint/2015/main" val="1"/>
+              </p:ext>
+            </p:extLst>
+          </p:nvPr>
+        </p:nvSpPr>
+        <p:spPr>
+          <a:xfrm>
+            <a:off x="0" y="0"/>
+            <a:ext cx="12192000" cy="6858000"/>
+          </a:xfrm>
+          <a:prstGeom prst="rect">
+            <a:avLst/>
+          </a:prstGeom>
+          <a:ln>
+            <a:noFill/>
+          </a:ln>
+        </p:spPr>
+        <p:style>
+          <a:lnRef idx="2">
+            <a:schemeClr val="accent1">
+              <a:shade val="50000"/>
+            </a:schemeClr>
+          </a:lnRef>
+          <a:fillRef idx="1">
+            <a:schemeClr val="accent1"/>
+          </a:fillRef>
+          <a:effectRef idx="0">
+            <a:schemeClr val="accent1"/>
+          </a:effectRef>
+          <a:fontRef idx="minor">
+            <a:schemeClr val="lt1"/>
+          </a:fontRef>
+        </p:style>
+        <p:txBody>
+          <a:bodyPr rtlCol="0" anchor="ctr"/>
+          <a:lstStyle/>
+          <a:p>
+            <a:pPr algn="ctr"/>
+            <a:endParaRPr lang="en-US"/>
+          </a:p>
+        </p:txBody>
+      </p:sp>
+      <p:pic>
+        <p:nvPicPr>
+          <p:cNvPr id="5" name="Picture 4" descr="Pen placed on top of a signature line">
+            <a:extLst>
+              <a:ext uri="{FF2B5EF4-FFF2-40B4-BE49-F238E27FC236}">
+                <a16:creationId xmlns:a16="http://schemas.microsoft.com/office/drawing/2014/main" id="{73A84F60-2BA6-44B6-EBDD-DAFF5148A440}"/>
+              </a:ext>
+            </a:extLst>
+          </p:cNvPr>
+          <p:cNvPicPr>
+            <a:picLocks noChangeAspect="1"/>
+          </p:cNvPicPr>
+          <p:nvPr/>
+        </p:nvPicPr>
+        <p:blipFill>
+          <a:blip r:embed="rId2"/>
+          <a:srcRect l="15628" r="-1" b="-1"/>
+          <a:stretch>
+            <a:fillRect/>
+          </a:stretch>
+        </p:blipFill>
+        <p:spPr>
+          <a:xfrm>
+            <a:off x="3523488" y="10"/>
+            <a:ext cx="8668512" cy="6857990"/>
+          </a:xfrm>
+          <a:prstGeom prst="rect">
+            <a:avLst/>
+          </a:prstGeom>
+        </p:spPr>
+      </p:pic>
+      <p:sp>
+        <p:nvSpPr>
+          <p:cNvPr id="11" name="Rectangle 10">
+            <a:extLst>
+              <a:ext uri="{FF2B5EF4-FFF2-40B4-BE49-F238E27FC236}">
+                <a16:creationId xmlns:a16="http://schemas.microsoft.com/office/drawing/2014/main" id="{8C98E1FB-315D-2BB5-DE65-C600274593F3}"/>
+              </a:ext>
+              <a:ext uri="{C183D7F6-B498-43B3-948B-1728B52AA6E4}">
+                <adec:decorative xmlns:adec="http://schemas.microsoft.com/office/drawing/2017/decorative" val="1"/>
+              </a:ext>
+            </a:extLst>
+          </p:cNvPr>
+          <p:cNvSpPr>
+            <a:spLocks noGrp="1" noRot="1" noChangeAspect="1" noMove="1" noResize="1" noEditPoints="1" noAdjustHandles="1" noChangeArrowheads="1" noChangeShapeType="1" noTextEdit="1"/>
+          </p:cNvSpPr>
+          <p:nvPr>
+            <p:extLst>
+              <p:ext uri="{386F3935-93C4-4BCD-93E2-E3B085C9AB24}">
+                <p16:designElem xmlns:p16="http://schemas.microsoft.com/office/powerpoint/2015/main" val="1"/>
+              </p:ext>
+            </p:extLst>
+          </p:nvPr>
+        </p:nvSpPr>
+        <p:spPr>
+          <a:xfrm>
+            <a:off x="3" y="0"/>
+            <a:ext cx="9339206" cy="6858000"/>
+          </a:xfrm>
+          <a:prstGeom prst="rect">
+            <a:avLst/>
+          </a:prstGeom>
+          <a:gradFill>
+            <a:gsLst>
+              <a:gs pos="58000">
+                <a:schemeClr val="tx1"/>
+              </a:gs>
+              <a:gs pos="33000">
+                <a:schemeClr val="tx1">
+                  <a:alpha val="64000"/>
+                </a:schemeClr>
+              </a:gs>
+              <a:gs pos="0">
+                <a:schemeClr val="tx1">
+                  <a:alpha val="0"/>
+                </a:schemeClr>
+              </a:gs>
+              <a:gs pos="100000">
+                <a:schemeClr val="tx1"/>
+              </a:gs>
+            </a:gsLst>
+            <a:lin ang="10800000" scaled="0"/>
+          </a:gradFill>
+          <a:ln>
+            <a:noFill/>
+          </a:ln>
+        </p:spPr>
+        <p:style>
+          <a:lnRef idx="2">
+            <a:schemeClr val="accent1">
+              <a:shade val="50000"/>
+            </a:schemeClr>
+          </a:lnRef>
+          <a:fillRef idx="1">
+            <a:schemeClr val="accent1"/>
+          </a:fillRef>
+          <a:effectRef idx="0">
+            <a:schemeClr val="accent1"/>
+          </a:effectRef>
+          <a:fontRef idx="minor">
+            <a:schemeClr val="lt1"/>
+          </a:fontRef>
+        </p:style>
+        <p:txBody>
+          <a:bodyPr rtlCol="0" anchor="ctr"/>
+          <a:lstStyle/>
+          <a:p>
+            <a:pPr algn="ctr"/>
+            <a:endParaRPr lang="en-US" dirty="0"/>
+          </a:p>
+        </p:txBody>
+      </p:sp>
+      <p:sp>
+        <p:nvSpPr>
+          <p:cNvPr id="2" name="Title 1">
+            <a:extLst>
+              <a:ext uri="{FF2B5EF4-FFF2-40B4-BE49-F238E27FC236}">
+                <a16:creationId xmlns:a16="http://schemas.microsoft.com/office/drawing/2014/main" id="{61CBA9C0-2DE8-4122-874E-DBA3BA605290}"/>
+              </a:ext>
+            </a:extLst>
+          </p:cNvPr>
+          <p:cNvSpPr>
+            <a:spLocks noGrp="1"/>
+          </p:cNvSpPr>
+          <p:nvPr>
+            <p:ph type="title"/>
+          </p:nvPr>
+        </p:nvSpPr>
+        <p:spPr>
+          <a:xfrm>
+            <a:off x="477981" y="1122363"/>
+            <a:ext cx="4023360" cy="3204134"/>
+          </a:xfrm>
+        </p:spPr>
+        <p:txBody>
+          <a:bodyPr vert="horz" lIns="91440" tIns="45720" rIns="91440" bIns="45720" rtlCol="0" anchor="b">
+            <a:normAutofit/>
+          </a:bodyPr>
+          <a:lstStyle/>
+          <a:p>
+            <a:r>
+              <a:rPr lang="en-US" sz="4800" dirty="0">
+                <a:solidFill>
+                  <a:schemeClr val="bg1"/>
+                </a:solidFill>
+              </a:rPr>
+              <a:t>Extended spending work</a:t>
+            </a:r>
+          </a:p>
+        </p:txBody>
+      </p:sp>
+      <p:sp>
+        <p:nvSpPr>
+          <p:cNvPr id="13" name="Rectangle 12">
+            <a:extLst>
+              <a:ext uri="{FF2B5EF4-FFF2-40B4-BE49-F238E27FC236}">
+                <a16:creationId xmlns:a16="http://schemas.microsoft.com/office/drawing/2014/main" id="{8A05C1D7-D08D-F4FB-44FD-C4F0EEBCADB7}"/>
+              </a:ext>
+              <a:ext uri="{C183D7F6-B498-43B3-948B-1728B52AA6E4}">
+                <adec:decorative xmlns:adec="http://schemas.microsoft.com/office/drawing/2017/decorative" val="1"/>
+              </a:ext>
+            </a:extLst>
+          </p:cNvPr>
+          <p:cNvSpPr>
+            <a:spLocks noGrp="1" noRot="1" noChangeAspect="1" noMove="1" noResize="1" noEditPoints="1" noAdjustHandles="1" noChangeArrowheads="1" noChangeShapeType="1" noTextEdit="1"/>
+          </p:cNvSpPr>
+          <p:nvPr>
+            <p:extLst>
+              <p:ext uri="{386F3935-93C4-4BCD-93E2-E3B085C9AB24}">
+                <p16:designElem xmlns:p16="http://schemas.microsoft.com/office/powerpoint/2015/main" val="1"/>
+              </p:ext>
+            </p:extLst>
+          </p:nvPr>
+        </p:nvSpPr>
+        <p:spPr>
+          <a:xfrm rot="5400000">
+            <a:off x="759921" y="346791"/>
+            <a:ext cx="146304" cy="704088"/>
+          </a:xfrm>
+          <a:prstGeom prst="rect">
+            <a:avLst/>
+          </a:prstGeom>
+          <a:solidFill>
+            <a:schemeClr val="accent2"/>
+          </a:solidFill>
+          <a:ln>
+            <a:noFill/>
+          </a:ln>
+        </p:spPr>
+        <p:style>
+          <a:lnRef idx="2">
+            <a:schemeClr val="accent1">
+              <a:shade val="50000"/>
+            </a:schemeClr>
+          </a:lnRef>
+          <a:fillRef idx="1">
+            <a:schemeClr val="accent1"/>
+          </a:fillRef>
+          <a:effectRef idx="0">
+            <a:schemeClr val="accent1"/>
+          </a:effectRef>
+          <a:fontRef idx="minor">
+            <a:schemeClr val="lt1"/>
+          </a:fontRef>
+        </p:style>
+        <p:txBody>
+          <a:bodyPr rtlCol="0" anchor="ctr"/>
+          <a:lstStyle/>
+          <a:p>
+            <a:pPr algn="ctr"/>
+            <a:endParaRPr lang="en-US">
+              <a:solidFill>
+                <a:prstClr val="white"/>
+              </a:solidFill>
+              <a:latin typeface="Calibri" panose="020F0502020204030204"/>
+            </a:endParaRPr>
+          </a:p>
+        </p:txBody>
+      </p:sp>
+      <p:sp>
+        <p:nvSpPr>
+          <p:cNvPr id="15" name="Rectangle 14">
+            <a:extLst>
+              <a:ext uri="{FF2B5EF4-FFF2-40B4-BE49-F238E27FC236}">
+                <a16:creationId xmlns:a16="http://schemas.microsoft.com/office/drawing/2014/main" id="{B97746FF-5521-72B9-F755-5DA06AE91BB7}"/>
+              </a:ext>
+              <a:ext uri="{C183D7F6-B498-43B3-948B-1728B52AA6E4}">
+                <adec:decorative xmlns:adec="http://schemas.microsoft.com/office/drawing/2017/decorative" val="1"/>
+              </a:ext>
+            </a:extLst>
+          </p:cNvPr>
+          <p:cNvSpPr>
+            <a:spLocks noGrp="1" noRot="1" noChangeAspect="1" noMove="1" noResize="1" noEditPoints="1" noAdjustHandles="1" noChangeArrowheads="1" noChangeShapeType="1" noTextEdit="1"/>
+          </p:cNvSpPr>
+          <p:nvPr>
+            <p:extLst>
+              <p:ext uri="{386F3935-93C4-4BCD-93E2-E3B085C9AB24}">
+                <p16:designElem xmlns:p16="http://schemas.microsoft.com/office/powerpoint/2015/main" val="1"/>
+              </p:ext>
+            </p:extLst>
+          </p:nvPr>
+        </p:nvSpPr>
+        <p:spPr>
+          <a:xfrm>
+            <a:off x="481029" y="4546920"/>
+            <a:ext cx="3977640" cy="18288"/>
+          </a:xfrm>
+          <a:prstGeom prst="rect">
+            <a:avLst/>
+          </a:prstGeom>
+          <a:solidFill>
+            <a:schemeClr val="tx1"/>
+          </a:solidFill>
+          <a:ln w="3175">
+            <a:noFill/>
+          </a:ln>
+          <a:effectLst/>
+        </p:spPr>
+        <p:style>
+          <a:lnRef idx="2">
+            <a:schemeClr val="accent1">
+              <a:shade val="50000"/>
+            </a:schemeClr>
+          </a:lnRef>
+          <a:fillRef idx="1">
+            <a:schemeClr val="accent1"/>
+          </a:fillRef>
+          <a:effectRef idx="0">
+            <a:schemeClr val="accent1"/>
+          </a:effectRef>
+          <a:fontRef idx="minor">
+            <a:schemeClr val="lt1"/>
+          </a:fontRef>
+        </p:style>
+        <p:txBody>
+          <a:bodyPr rtlCol="0" anchor="ctr"/>
+          <a:lstStyle/>
+          <a:p>
+            <a:pPr marL="0" marR="0" lvl="0" indent="0" algn="ctr" defTabSz="914400" rtl="0" eaLnBrk="1" fontAlgn="auto" latinLnBrk="0" hangingPunct="1">
+              <a:lnSpc>
+                <a:spcPct val="100000"/>
+              </a:lnSpc>
+              <a:spcBef>
+                <a:spcPts val="0"/>
+              </a:spcBef>
+              <a:spcAft>
+                <a:spcPts val="0"/>
+              </a:spcAft>
+              <a:buClrTx/>
+              <a:buSzTx/>
+              <a:buFontTx/>
+              <a:buNone/>
+              <a:tabLst/>
+              <a:defRPr/>
+            </a:pPr>
+            <a:endParaRPr kumimoji="0" lang="en-US" sz="1800" b="0" i="0" u="none" strike="noStrike" kern="1200" cap="none" spc="0" normalizeH="0" baseline="0" noProof="0">
+              <a:ln>
+                <a:noFill/>
+              </a:ln>
+              <a:solidFill>
+                <a:prstClr val="white"/>
+              </a:solidFill>
+              <a:effectLst/>
+              <a:uLnTx/>
+              <a:uFillTx/>
+              <a:latin typeface="Calibri" panose="020F0502020204030204"/>
+              <a:ea typeface="+mn-ea"/>
+              <a:cs typeface="+mn-cs"/>
+            </a:endParaRPr>
+          </a:p>
+        </p:txBody>
+      </p:sp>
+    </p:spTree>
+    <p:extLst>
+      <p:ext uri="{BB962C8B-B14F-4D97-AF65-F5344CB8AC3E}">
+        <p14:creationId xmlns:p14="http://schemas.microsoft.com/office/powerpoint/2010/main" val="1170830833"/>
+      </p:ext>
+    </p:extLst>
+  </p:cSld>
+  <p:clrMapOvr>
+    <a:masterClrMapping/>
+  </p:clrMapOvr>
+</p:sld>
+</file>
+
+<file path=ppt/slides/slide6.xml><?xml version="1.0" encoding="utf-8"?>
+<p:sld xmlns:a="http://schemas.openxmlformats.org/drawingml/2006/main" xmlns:r="http://schemas.openxmlformats.org/officeDocument/2006/relationships" xmlns:p="http://schemas.openxmlformats.org/presentationml/2006/main">
+  <p:cSld>
+    <p:spTree>
+      <p:nvGrpSpPr>
+        <p:cNvPr id="1" name="">
+          <a:extLst>
+            <a:ext uri="{FF2B5EF4-FFF2-40B4-BE49-F238E27FC236}">
+              <a16:creationId xmlns:a16="http://schemas.microsoft.com/office/drawing/2014/main" id="{195E3783-FDBE-6C80-DBF3-A6AAEA121F67}"/>
+            </a:ext>
+          </a:extLst>
+        </p:cNvPr>
+        <p:cNvGrpSpPr/>
+        <p:nvPr/>
+      </p:nvGrpSpPr>
+      <p:grpSpPr>
+        <a:xfrm>
+          <a:off x="0" y="0"/>
+          <a:ext cx="0" cy="0"/>
+          <a:chOff x="0" y="0"/>
+          <a:chExt cx="0" cy="0"/>
+        </a:xfrm>
+      </p:grpSpPr>
+      <p:sp>
+        <p:nvSpPr>
+          <p:cNvPr id="2" name="Title 1">
+            <a:extLst>
+              <a:ext uri="{FF2B5EF4-FFF2-40B4-BE49-F238E27FC236}">
+                <a16:creationId xmlns:a16="http://schemas.microsoft.com/office/drawing/2014/main" id="{6A839F1C-6E99-F063-7F54-C90649150E0E}"/>
+              </a:ext>
+            </a:extLst>
+          </p:cNvPr>
+          <p:cNvSpPr>
+            <a:spLocks noGrp="1"/>
+          </p:cNvSpPr>
+          <p:nvPr>
+            <p:ph type="title"/>
+          </p:nvPr>
+        </p:nvSpPr>
+        <p:spPr/>
+        <p:txBody>
+          <a:bodyPr/>
+          <a:lstStyle/>
+          <a:p>
+            <a:r>
+              <a:rPr lang="en-US" dirty="0"/>
+              <a:t>Where has Federal spending growth occurred?</a:t>
+            </a:r>
+            <a:endParaRPr lang="en-NZ" dirty="0"/>
+          </a:p>
+        </p:txBody>
+      </p:sp>
+      <p:sp>
+        <p:nvSpPr>
+          <p:cNvPr id="4" name="Content Placeholder 3">
+            <a:extLst>
+              <a:ext uri="{FF2B5EF4-FFF2-40B4-BE49-F238E27FC236}">
+                <a16:creationId xmlns:a16="http://schemas.microsoft.com/office/drawing/2014/main" id="{9DC32F6C-44F4-DF18-FDF8-8C10677D41DD}"/>
+              </a:ext>
+            </a:extLst>
+          </p:cNvPr>
+          <p:cNvSpPr>
+            <a:spLocks noGrp="1"/>
+          </p:cNvSpPr>
+          <p:nvPr>
+            <p:ph idx="1"/>
+          </p:nvPr>
+        </p:nvSpPr>
+        <p:spPr/>
+        <p:txBody>
+          <a:bodyPr/>
+          <a:lstStyle/>
+          <a:p>
+            <a:r>
+              <a:rPr lang="en-NZ" dirty="0"/>
+              <a:t>The make-up of Federal spending growth has been surprisingly flat</a:t>
+            </a:r>
+          </a:p>
+          <a:p>
+            <a:endParaRPr lang="en-AU" dirty="0"/>
+          </a:p>
+        </p:txBody>
+      </p:sp>
+      <p:pic>
+        <p:nvPicPr>
+          <p:cNvPr id="9" name="Picture 8" descr="A graph of different colored lines&#10;&#10;Description automatically generated">
+            <a:extLst>
+              <a:ext uri="{FF2B5EF4-FFF2-40B4-BE49-F238E27FC236}">
+                <a16:creationId xmlns:a16="http://schemas.microsoft.com/office/drawing/2014/main" id="{21C48EE8-FEC1-C6F9-3DE0-DAF8740C153E}"/>
+              </a:ext>
+            </a:extLst>
+          </p:cNvPr>
+          <p:cNvPicPr>
+            <a:picLocks noChangeAspect="1"/>
+          </p:cNvPicPr>
+          <p:nvPr/>
+        </p:nvPicPr>
+        <p:blipFill>
+          <a:blip r:embed="rId2">
+            <a:extLst>
+              <a:ext uri="{28A0092B-C50C-407E-A947-70E740481C1C}">
+                <a14:useLocalDpi xmlns:a14="http://schemas.microsoft.com/office/drawing/2010/main" val="0"/>
+              </a:ext>
+            </a:extLst>
+          </a:blip>
+          <a:stretch>
+            <a:fillRect/>
+          </a:stretch>
+        </p:blipFill>
+        <p:spPr>
+          <a:xfrm>
+            <a:off x="2372251" y="2426536"/>
+            <a:ext cx="7223655" cy="3970086"/>
+          </a:xfrm>
+          <a:prstGeom prst="rect">
+            <a:avLst/>
+          </a:prstGeom>
+        </p:spPr>
+      </p:pic>
+    </p:spTree>
+    <p:extLst>
+      <p:ext uri="{BB962C8B-B14F-4D97-AF65-F5344CB8AC3E}">
+        <p14:creationId xmlns:p14="http://schemas.microsoft.com/office/powerpoint/2010/main" val="832513604"/>
+      </p:ext>
+    </p:extLst>
+  </p:cSld>
+  <p:clrMapOvr>
+    <a:masterClrMapping/>
+  </p:clrMapOvr>
+</p:sld>
+</file>
+
+<file path=ppt/slides/slide7.xml><?xml version="1.0" encoding="utf-8"?>
+<p:sld xmlns:a="http://schemas.openxmlformats.org/drawingml/2006/main" xmlns:r="http://schemas.openxmlformats.org/officeDocument/2006/relationships" xmlns:p="http://schemas.openxmlformats.org/presentationml/2006/main">
+  <p:cSld>
+    <p:spTree>
+      <p:nvGrpSpPr>
+        <p:cNvPr id="1" name="">
+          <a:extLst>
+            <a:ext uri="{FF2B5EF4-FFF2-40B4-BE49-F238E27FC236}">
+              <a16:creationId xmlns:a16="http://schemas.microsoft.com/office/drawing/2014/main" id="{83AEF384-CB74-CAD2-4E9E-A16DF643A465}"/>
+            </a:ext>
+          </a:extLst>
+        </p:cNvPr>
+        <p:cNvGrpSpPr/>
+        <p:nvPr/>
+      </p:nvGrpSpPr>
+      <p:grpSpPr>
+        <a:xfrm>
+          <a:off x="0" y="0"/>
+          <a:ext cx="0" cy="0"/>
+          <a:chOff x="0" y="0"/>
+          <a:chExt cx="0" cy="0"/>
+        </a:xfrm>
+      </p:grpSpPr>
+      <p:sp>
+        <p:nvSpPr>
+          <p:cNvPr id="2" name="Title 1">
+            <a:extLst>
+              <a:ext uri="{FF2B5EF4-FFF2-40B4-BE49-F238E27FC236}">
+                <a16:creationId xmlns:a16="http://schemas.microsoft.com/office/drawing/2014/main" id="{781C0E51-3F85-2FA6-F3A1-8C0CB116030D}"/>
+              </a:ext>
+            </a:extLst>
+          </p:cNvPr>
+          <p:cNvSpPr>
+            <a:spLocks noGrp="1"/>
+          </p:cNvSpPr>
+          <p:nvPr>
+            <p:ph type="title"/>
+          </p:nvPr>
+        </p:nvSpPr>
+        <p:spPr/>
+        <p:txBody>
+          <a:bodyPr/>
+          <a:lstStyle/>
+          <a:p>
+            <a:r>
+              <a:rPr lang="en-US" dirty="0"/>
+              <a:t>Something on age adjustment</a:t>
+            </a:r>
+            <a:endParaRPr lang="en-NZ" dirty="0"/>
+          </a:p>
+        </p:txBody>
+      </p:sp>
+      <p:sp>
+        <p:nvSpPr>
+          <p:cNvPr id="4" name="Content Placeholder 3">
+            <a:extLst>
+              <a:ext uri="{FF2B5EF4-FFF2-40B4-BE49-F238E27FC236}">
+                <a16:creationId xmlns:a16="http://schemas.microsoft.com/office/drawing/2014/main" id="{7AD2C532-9DB6-759D-7AE2-AD4AAF82DB66}"/>
+              </a:ext>
+            </a:extLst>
+          </p:cNvPr>
+          <p:cNvSpPr>
+            <a:spLocks noGrp="1"/>
+          </p:cNvSpPr>
+          <p:nvPr>
+            <p:ph idx="1"/>
+          </p:nvPr>
+        </p:nvSpPr>
+        <p:spPr>
+          <a:xfrm>
+            <a:off x="618744" y="1414145"/>
+            <a:ext cx="10515600" cy="890143"/>
+          </a:xfrm>
+        </p:spPr>
+        <p:txBody>
+          <a:bodyPr/>
+          <a:lstStyle/>
+          <a:p>
+            <a:r>
+              <a:rPr lang="en-AU" dirty="0"/>
+              <a:t>XXX</a:t>
+            </a:r>
+          </a:p>
+        </p:txBody>
+      </p:sp>
+      <p:sp>
+        <p:nvSpPr>
+          <p:cNvPr id="3" name="Content Placeholder 3">
+            <a:extLst>
+              <a:ext uri="{FF2B5EF4-FFF2-40B4-BE49-F238E27FC236}">
+                <a16:creationId xmlns:a16="http://schemas.microsoft.com/office/drawing/2014/main" id="{7CE1EB35-0848-FDF0-A6CB-196816FD61D8}"/>
+              </a:ext>
+            </a:extLst>
+          </p:cNvPr>
+          <p:cNvSpPr txBox="1">
+            <a:spLocks/>
+          </p:cNvSpPr>
+          <p:nvPr/>
+        </p:nvSpPr>
+        <p:spPr>
+          <a:xfrm>
+            <a:off x="350520" y="5794121"/>
+            <a:ext cx="10515600" cy="890143"/>
+          </a:xfrm>
+          <a:prstGeom prst="rect">
+            <a:avLst/>
+          </a:prstGeom>
+        </p:spPr>
+        <p:txBody>
+          <a:bodyPr vert="horz" lIns="91440" tIns="45720" rIns="91440" bIns="45720" rtlCol="0">
+            <a:normAutofit/>
+          </a:bodyPr>
+          <a:lstStyle>
+            <a:lvl1pPr marL="228600" indent="-228600" algn="l" defTabSz="914400" rtl="0" eaLnBrk="1" latinLnBrk="0" hangingPunct="1">
+              <a:lnSpc>
+                <a:spcPct val="90000"/>
+              </a:lnSpc>
+              <a:spcBef>
+                <a:spcPts val="1000"/>
+              </a:spcBef>
+              <a:buFont typeface="Arial" panose="020B0604020202020204" pitchFamily="34" charset="0"/>
+              <a:buChar char="•"/>
+              <a:defRPr sz="2800" kern="1200">
+                <a:solidFill>
+                  <a:schemeClr val="tx1"/>
+                </a:solidFill>
+                <a:latin typeface="+mn-lt"/>
+                <a:ea typeface="+mn-ea"/>
+                <a:cs typeface="+mn-cs"/>
+              </a:defRPr>
+            </a:lvl1pPr>
+            <a:lvl2pPr marL="685800" indent="-228600" algn="l" defTabSz="914400" rtl="0" eaLnBrk="1" latinLnBrk="0" hangingPunct="1">
+              <a:lnSpc>
+                <a:spcPct val="90000"/>
+              </a:lnSpc>
+              <a:spcBef>
+                <a:spcPts val="500"/>
+              </a:spcBef>
+              <a:buFont typeface="Arial" panose="020B0604020202020204" pitchFamily="34" charset="0"/>
+              <a:buChar char="•"/>
+              <a:defRPr sz="2400" kern="1200">
+                <a:solidFill>
+                  <a:schemeClr val="tx1"/>
+                </a:solidFill>
+                <a:latin typeface="+mn-lt"/>
+                <a:ea typeface="+mn-ea"/>
+                <a:cs typeface="+mn-cs"/>
+              </a:defRPr>
+            </a:lvl2pPr>
+            <a:lvl3pPr marL="1143000" indent="-228600" algn="l" defTabSz="914400" rtl="0" eaLnBrk="1" latinLnBrk="0" hangingPunct="1">
+              <a:lnSpc>
+                <a:spcPct val="90000"/>
+              </a:lnSpc>
+              <a:spcBef>
+                <a:spcPts val="500"/>
+              </a:spcBef>
+              <a:buFont typeface="Arial" panose="020B0604020202020204" pitchFamily="34" charset="0"/>
+              <a:buChar char="•"/>
+              <a:defRPr sz="2000" kern="1200">
+                <a:solidFill>
+                  <a:schemeClr val="tx1"/>
+                </a:solidFill>
+                <a:latin typeface="+mn-lt"/>
+                <a:ea typeface="+mn-ea"/>
+                <a:cs typeface="+mn-cs"/>
+              </a:defRPr>
+            </a:lvl3pPr>
+            <a:lvl4pPr marL="1600200" indent="-228600" algn="l" defTabSz="914400" rtl="0" eaLnBrk="1" latinLnBrk="0" hangingPunct="1">
+              <a:lnSpc>
+                <a:spcPct val="90000"/>
+              </a:lnSpc>
+              <a:spcBef>
+                <a:spcPts val="500"/>
+              </a:spcBef>
+              <a:buFont typeface="Arial" panose="020B0604020202020204" pitchFamily="34" charset="0"/>
+              <a:buChar char="•"/>
+              <a:defRPr sz="1800" kern="1200">
+                <a:solidFill>
+                  <a:schemeClr val="tx1"/>
+                </a:solidFill>
+                <a:latin typeface="+mn-lt"/>
+                <a:ea typeface="+mn-ea"/>
+                <a:cs typeface="+mn-cs"/>
+              </a:defRPr>
+            </a:lvl4pPr>
+            <a:lvl5pPr marL="2057400" indent="-228600" algn="l" defTabSz="914400" rtl="0" eaLnBrk="1" latinLnBrk="0" hangingPunct="1">
+              <a:lnSpc>
+                <a:spcPct val="90000"/>
+              </a:lnSpc>
+              <a:spcBef>
+                <a:spcPts val="500"/>
+              </a:spcBef>
+              <a:buFont typeface="Arial" panose="020B0604020202020204" pitchFamily="34" charset="0"/>
+              <a:buChar char="•"/>
+              <a:defRPr sz="1800" kern="1200">
+                <a:solidFill>
+                  <a:schemeClr val="tx1"/>
+                </a:solidFill>
+                <a:latin typeface="+mn-lt"/>
+                <a:ea typeface="+mn-ea"/>
+                <a:cs typeface="+mn-cs"/>
+              </a:defRPr>
+            </a:lvl5pPr>
+            <a:lvl6pPr marL="2514600" indent="-228600" algn="l" defTabSz="914400" rtl="0" eaLnBrk="1" latinLnBrk="0" hangingPunct="1">
+              <a:lnSpc>
+                <a:spcPct val="90000"/>
+              </a:lnSpc>
+              <a:spcBef>
+                <a:spcPts val="500"/>
+              </a:spcBef>
+              <a:buFont typeface="Arial" panose="020B0604020202020204" pitchFamily="34" charset="0"/>
+              <a:buChar char="•"/>
+              <a:defRPr sz="1800" kern="1200">
+                <a:solidFill>
+                  <a:schemeClr val="tx1"/>
+                </a:solidFill>
+                <a:latin typeface="+mn-lt"/>
+                <a:ea typeface="+mn-ea"/>
+                <a:cs typeface="+mn-cs"/>
+              </a:defRPr>
+            </a:lvl6pPr>
+            <a:lvl7pPr marL="2971800" indent="-228600" algn="l" defTabSz="914400" rtl="0" eaLnBrk="1" latinLnBrk="0" hangingPunct="1">
+              <a:lnSpc>
+                <a:spcPct val="90000"/>
+              </a:lnSpc>
+              <a:spcBef>
+                <a:spcPts val="500"/>
+              </a:spcBef>
+              <a:buFont typeface="Arial" panose="020B0604020202020204" pitchFamily="34" charset="0"/>
+              <a:buChar char="•"/>
+              <a:defRPr sz="1800" kern="1200">
+                <a:solidFill>
+                  <a:schemeClr val="tx1"/>
+                </a:solidFill>
+                <a:latin typeface="+mn-lt"/>
+                <a:ea typeface="+mn-ea"/>
+                <a:cs typeface="+mn-cs"/>
+              </a:defRPr>
+            </a:lvl7pPr>
+            <a:lvl8pPr marL="3429000" indent="-228600" algn="l" defTabSz="914400" rtl="0" eaLnBrk="1" latinLnBrk="0" hangingPunct="1">
+              <a:lnSpc>
+                <a:spcPct val="90000"/>
+              </a:lnSpc>
+              <a:spcBef>
+                <a:spcPts val="500"/>
+              </a:spcBef>
+              <a:buFont typeface="Arial" panose="020B0604020202020204" pitchFamily="34" charset="0"/>
+              <a:buChar char="•"/>
+              <a:defRPr sz="1800" kern="1200">
+                <a:solidFill>
+                  <a:schemeClr val="tx1"/>
+                </a:solidFill>
+                <a:latin typeface="+mn-lt"/>
+                <a:ea typeface="+mn-ea"/>
+                <a:cs typeface="+mn-cs"/>
+              </a:defRPr>
+            </a:lvl8pPr>
+            <a:lvl9pPr marL="3886200" indent="-228600" algn="l" defTabSz="914400" rtl="0" eaLnBrk="1" latinLnBrk="0" hangingPunct="1">
+              <a:lnSpc>
+                <a:spcPct val="90000"/>
+              </a:lnSpc>
+              <a:spcBef>
+                <a:spcPts val="500"/>
+              </a:spcBef>
+              <a:buFont typeface="Arial" panose="020B0604020202020204" pitchFamily="34" charset="0"/>
+              <a:buChar char="•"/>
+              <a:defRPr sz="1800" kern="1200">
+                <a:solidFill>
+                  <a:schemeClr val="tx1"/>
+                </a:solidFill>
+                <a:latin typeface="+mn-lt"/>
+                <a:ea typeface="+mn-ea"/>
+                <a:cs typeface="+mn-cs"/>
+              </a:defRPr>
+            </a:lvl9pPr>
+          </a:lstStyle>
+          <a:p>
+            <a:pPr marL="0" indent="0">
+              <a:buNone/>
+            </a:pPr>
+            <a:r>
+              <a:rPr lang="en-AU" dirty="0"/>
+              <a:t>To consider where spending pressures could be restrained we need to define appropriate </a:t>
+            </a:r>
+            <a:r>
+              <a:rPr lang="en-AU" b="1" dirty="0"/>
+              <a:t>benchmarks</a:t>
+            </a:r>
+            <a:r>
+              <a:rPr lang="en-AU" dirty="0"/>
+              <a:t>.</a:t>
+            </a:r>
+          </a:p>
+        </p:txBody>
+      </p:sp>
+    </p:spTree>
+    <p:extLst>
+      <p:ext uri="{BB962C8B-B14F-4D97-AF65-F5344CB8AC3E}">
+        <p14:creationId xmlns:p14="http://schemas.microsoft.com/office/powerpoint/2010/main" val="803133345"/>
+      </p:ext>
+    </p:extLst>
+  </p:cSld>
+  <p:clrMapOvr>
+    <a:masterClrMapping/>
+  </p:clrMapOvr>
+</p:sld>
+</file>
+
+<file path=ppt/slides/slide8.xml><?xml version="1.0" encoding="utf-8"?>
+<p:sld xmlns:a="http://schemas.openxmlformats.org/drawingml/2006/main" xmlns:r="http://schemas.openxmlformats.org/officeDocument/2006/relationships" xmlns:p="http://schemas.openxmlformats.org/presentationml/2006/main">
+  <p:cSld>
+    <p:spTree>
+      <p:nvGrpSpPr>
+        <p:cNvPr id="1" name=""/>
+        <p:cNvGrpSpPr/>
+        <p:nvPr/>
+      </p:nvGrpSpPr>
+      <p:grpSpPr>
+        <a:xfrm>
+          <a:off x="0" y="0"/>
+          <a:ext cx="0" cy="0"/>
+          <a:chOff x="0" y="0"/>
+          <a:chExt cx="0" cy="0"/>
+        </a:xfrm>
+      </p:grpSpPr>
+      <p:sp>
+        <p:nvSpPr>
+          <p:cNvPr id="2" name="Title 1">
+            <a:extLst>
+              <a:ext uri="{FF2B5EF4-FFF2-40B4-BE49-F238E27FC236}">
+                <a16:creationId xmlns:a16="http://schemas.microsoft.com/office/drawing/2014/main" id="{7ACE8B33-034B-EE0C-AD82-72FAB03B9890}"/>
+              </a:ext>
+            </a:extLst>
+          </p:cNvPr>
+          <p:cNvSpPr>
+            <a:spLocks noGrp="1"/>
+          </p:cNvSpPr>
+          <p:nvPr>
+            <p:ph type="title"/>
+          </p:nvPr>
+        </p:nvSpPr>
+        <p:spPr/>
+        <p:txBody>
+          <a:bodyPr/>
+          <a:lstStyle/>
+          <a:p>
+            <a:r>
+              <a:rPr lang="en-US" dirty="0"/>
+              <a:t>Topics</a:t>
+            </a:r>
+            <a:endParaRPr lang="en-NZ" dirty="0"/>
+          </a:p>
+        </p:txBody>
+      </p:sp>
+      <p:sp>
+        <p:nvSpPr>
+          <p:cNvPr id="3" name="Content Placeholder 2">
+            <a:extLst>
+              <a:ext uri="{FF2B5EF4-FFF2-40B4-BE49-F238E27FC236}">
+                <a16:creationId xmlns:a16="http://schemas.microsoft.com/office/drawing/2014/main" id="{118BC3D1-B5C6-D90F-3FDE-CB92E395B716}"/>
+              </a:ext>
+            </a:extLst>
+          </p:cNvPr>
+          <p:cNvSpPr>
+            <a:spLocks noGrp="1"/>
+          </p:cNvSpPr>
+          <p:nvPr>
+            <p:ph idx="1"/>
+          </p:nvPr>
+        </p:nvSpPr>
+        <p:spPr>
+          <a:xfrm>
+            <a:off x="838200" y="1427692"/>
+            <a:ext cx="10515600" cy="4351338"/>
+          </a:xfrm>
+        </p:spPr>
+        <p:txBody>
+          <a:bodyPr>
+            <a:normAutofit fontScale="92500" lnSpcReduction="20000"/>
+          </a:bodyPr>
+          <a:lstStyle/>
+          <a:p>
+            <a:pPr marL="0" indent="0">
+              <a:buNone/>
+            </a:pPr>
+            <a:r>
+              <a:rPr lang="en-US" dirty="0"/>
+              <a:t>There are three </a:t>
+            </a:r>
+            <a:r>
+              <a:rPr lang="en-US" b="1" dirty="0"/>
+              <a:t>measurement and communication</a:t>
+            </a:r>
+            <a:r>
+              <a:rPr lang="en-US" dirty="0"/>
+              <a:t> areas where additional work could improve understanding of fiscal pressures.</a:t>
+            </a:r>
+            <a:br>
+              <a:rPr lang="en-US" dirty="0"/>
+            </a:br>
+            <a:endParaRPr lang="en-US" dirty="0"/>
+          </a:p>
+          <a:p>
+            <a:pPr lvl="1"/>
+            <a:r>
+              <a:rPr lang="en-NZ" b="1" dirty="0">
+                <a:solidFill>
+                  <a:srgbClr val="00B0F0"/>
+                </a:solidFill>
+              </a:rPr>
+              <a:t>Consolidation</a:t>
+            </a:r>
+            <a:r>
+              <a:rPr lang="en-NZ" dirty="0"/>
+              <a:t> – taking an all of government approach to spending on </a:t>
+            </a:r>
+            <a:r>
+              <a:rPr lang="en-NZ" b="1" dirty="0"/>
+              <a:t>functions</a:t>
+            </a:r>
+            <a:endParaRPr lang="en-NZ" dirty="0"/>
+          </a:p>
+          <a:p>
+            <a:pPr lvl="1"/>
+            <a:r>
+              <a:rPr lang="en-NZ" b="1" dirty="0">
+                <a:solidFill>
+                  <a:srgbClr val="C00000"/>
+                </a:solidFill>
+              </a:rPr>
+              <a:t>Benchmarking</a:t>
+            </a:r>
+            <a:r>
+              <a:rPr lang="en-NZ" dirty="0"/>
+              <a:t> – international, demographic, and forecast based benchmarks</a:t>
+            </a:r>
+          </a:p>
+          <a:p>
+            <a:pPr lvl="1"/>
+            <a:r>
+              <a:rPr lang="en-NZ" b="1" dirty="0">
+                <a:solidFill>
+                  <a:schemeClr val="accent6">
+                    <a:lumMod val="75000"/>
+                  </a:schemeClr>
+                </a:solidFill>
+              </a:rPr>
+              <a:t>Tracking</a:t>
+            </a:r>
+            <a:r>
+              <a:rPr lang="en-NZ" dirty="0"/>
+              <a:t> – how do we interpret, communicate, and update the above insights.</a:t>
+            </a:r>
+          </a:p>
+          <a:p>
+            <a:pPr marL="0" indent="0">
+              <a:buNone/>
+            </a:pPr>
+            <a:endParaRPr lang="en-NZ" dirty="0"/>
+          </a:p>
+          <a:p>
+            <a:pPr marL="0" indent="0">
+              <a:buNone/>
+            </a:pPr>
+            <a:r>
+              <a:rPr lang="en-NZ" dirty="0"/>
+              <a:t>Work on short-termism is within a separate, but related, stream – Kizzy and Michael are leading this directly.</a:t>
+            </a:r>
+          </a:p>
+          <a:p>
+            <a:pPr marL="0" indent="0">
+              <a:buNone/>
+            </a:pPr>
+            <a:endParaRPr lang="en-NZ" dirty="0"/>
+          </a:p>
+          <a:p>
+            <a:pPr marL="0" indent="0">
+              <a:buNone/>
+            </a:pPr>
+            <a:r>
+              <a:rPr lang="en-NZ" b="1" dirty="0"/>
+              <a:t>Summary</a:t>
+            </a:r>
+            <a:r>
+              <a:rPr lang="en-NZ" dirty="0"/>
+              <a:t>: Australia has become a high general government spending country, while using a tax and transfer system built for a small government.</a:t>
+            </a:r>
+            <a:endParaRPr lang="en-NZ" b="1" dirty="0"/>
+          </a:p>
+        </p:txBody>
+      </p:sp>
+    </p:spTree>
+    <p:extLst>
+      <p:ext uri="{BB962C8B-B14F-4D97-AF65-F5344CB8AC3E}">
+        <p14:creationId xmlns:p14="http://schemas.microsoft.com/office/powerpoint/2010/main" val="2014710877"/>
+      </p:ext>
+    </p:extLst>
+  </p:cSld>
+  <p:clrMapOvr>
+    <a:masterClrMapping/>
+  </p:clrMapOvr>
+  <p:extLst>
+    <p:ext uri="{6950BFC3-D8DA-4A85-94F7-54DA5524770B}">
+      <p188:commentRel xmlns:p188="http://schemas.microsoft.com/office/powerpoint/2018/8/main" r:id="rId2"/>
+    </p:ext>
+  </p:extLst>
+</p:sld>
+</file>
+
+<file path=ppt/slides/slide9.xml><?xml version="1.0" encoding="utf-8"?>
+<p:sld xmlns:a="http://schemas.openxmlformats.org/drawingml/2006/main" xmlns:r="http://schemas.openxmlformats.org/officeDocument/2006/relationships" xmlns:p="http://schemas.openxmlformats.org/presentationml/2006/main">
+  <p:cSld>
+    <p:spTree>
+      <p:nvGrpSpPr>
+        <p:cNvPr id="1" name=""/>
+        <p:cNvGrpSpPr/>
+        <p:nvPr/>
+      </p:nvGrpSpPr>
+      <p:grpSpPr>
+        <a:xfrm>
+          <a:off x="0" y="0"/>
+          <a:ext cx="0" cy="0"/>
+          <a:chOff x="0" y="0"/>
+          <a:chExt cx="0" cy="0"/>
+        </a:xfrm>
+      </p:grpSpPr>
+      <p:sp>
+        <p:nvSpPr>
+          <p:cNvPr id="2" name="Title 1">
+            <a:extLst>
+              <a:ext uri="{FF2B5EF4-FFF2-40B4-BE49-F238E27FC236}">
+                <a16:creationId xmlns:a16="http://schemas.microsoft.com/office/drawing/2014/main" id="{278C947C-021A-22CE-6F3E-4EF94221A364}"/>
+              </a:ext>
+            </a:extLst>
+          </p:cNvPr>
+          <p:cNvSpPr>
+            <a:spLocks noGrp="1"/>
+          </p:cNvSpPr>
+          <p:nvPr>
+            <p:ph type="title"/>
+          </p:nvPr>
+        </p:nvSpPr>
+        <p:spPr/>
+        <p:txBody>
+          <a:bodyPr/>
+          <a:lstStyle/>
+          <a:p>
+            <a:r>
+              <a:rPr lang="en-US" dirty="0"/>
+              <a:t>Consolidation</a:t>
+            </a:r>
+            <a:endParaRPr lang="en-NZ" dirty="0"/>
+          </a:p>
+        </p:txBody>
+      </p:sp>
+      <p:sp>
+        <p:nvSpPr>
+          <p:cNvPr id="3" name="Content Placeholder 2">
+            <a:extLst>
+              <a:ext uri="{FF2B5EF4-FFF2-40B4-BE49-F238E27FC236}">
+                <a16:creationId xmlns:a16="http://schemas.microsoft.com/office/drawing/2014/main" id="{5EE23690-1E8A-B5D4-64B1-A73219FD2557}"/>
+              </a:ext>
+            </a:extLst>
+          </p:cNvPr>
+          <p:cNvSpPr>
+            <a:spLocks noGrp="1"/>
+          </p:cNvSpPr>
+          <p:nvPr>
+            <p:ph idx="1"/>
+          </p:nvPr>
+        </p:nvSpPr>
+        <p:spPr>
+          <a:xfrm>
+            <a:off x="838200" y="1825625"/>
+            <a:ext cx="10515600" cy="1676527"/>
           </a:xfrm>
         </p:spPr>
         <p:txBody>
@@ -7454,21 +9431,35 @@
           </a:bodyPr>
           <a:lstStyle/>
           <a:p>
+            <a:r>
+              <a:rPr lang="en-US" dirty="0"/>
+              <a:t>OECD Fiscal </a:t>
+            </a:r>
+            <a:r>
+              <a:rPr lang="en-US" dirty="0" err="1"/>
+              <a:t>Decentralisation</a:t>
+            </a:r>
+            <a:r>
+              <a:rPr lang="en-US" dirty="0"/>
+              <a:t> (Spending by Function, COFOG)</a:t>
+            </a:r>
+          </a:p>
+          <a:p>
+            <a:r>
+              <a:rPr lang="en-US" dirty="0"/>
+              <a:t>ABS Government Fiscal Standards (Spending by XXX)</a:t>
+            </a:r>
+          </a:p>
+          <a:p>
+            <a:r>
+              <a:rPr lang="en-US" dirty="0"/>
+              <a:t>Requesting ABS data the combines these.</a:t>
+            </a:r>
+          </a:p>
+          <a:p>
             <a:pPr marL="0" indent="0">
               <a:buNone/>
             </a:pPr>
-            <a:r>
-              <a:rPr lang="en-US" dirty="0"/>
-              <a:t>In the GFS (inputs)</a:t>
-            </a:r>
-          </a:p>
-          <a:p>
-            <a:r>
-              <a:rPr lang="en-US" dirty="0"/>
-              <a:t>XXX</a:t>
-            </a:r>
-          </a:p>
-          <a:p>
             <a:endParaRPr lang="en-US" dirty="0"/>
           </a:p>
         </p:txBody>
@@ -7476,7 +9467,7 @@
     </p:spTree>
     <p:extLst>
       <p:ext uri="{BB962C8B-B14F-4D97-AF65-F5344CB8AC3E}">
-        <p14:creationId xmlns:p14="http://schemas.microsoft.com/office/powerpoint/2010/main" val="1642016757"/>
+        <p14:creationId xmlns:p14="http://schemas.microsoft.com/office/powerpoint/2010/main" val="932863370"/>
       </p:ext>
     </p:extLst>
   </p:cSld>

--- a/e61 Projects/Fiscal sustainability/OECD comparison/Initial external plans.pptx
+++ b/e61 Projects/Fiscal sustainability/OECD comparison/Initial external plans.pptx
@@ -5,7 +5,7 @@
     <p:sldMasterId id="2147483648" r:id="rId1"/>
   </p:sldMasterIdLst>
   <p:notesMasterIdLst>
-    <p:notesMasterId r:id="rId23"/>
+    <p:notesMasterId r:id="rId24"/>
   </p:notesMasterIdLst>
   <p:sldIdLst>
     <p:sldId id="256" r:id="rId2"/>
@@ -13,22 +13,23 @@
     <p:sldId id="263" r:id="rId4"/>
     <p:sldId id="262" r:id="rId5"/>
     <p:sldId id="264" r:id="rId6"/>
-    <p:sldId id="275" r:id="rId7"/>
-    <p:sldId id="276" r:id="rId8"/>
-    <p:sldId id="257" r:id="rId9"/>
-    <p:sldId id="258" r:id="rId10"/>
-    <p:sldId id="268" r:id="rId11"/>
-    <p:sldId id="270" r:id="rId12"/>
-    <p:sldId id="269" r:id="rId13"/>
-    <p:sldId id="273" r:id="rId14"/>
-    <p:sldId id="259" r:id="rId15"/>
-    <p:sldId id="265" r:id="rId16"/>
-    <p:sldId id="272" r:id="rId17"/>
-    <p:sldId id="266" r:id="rId18"/>
-    <p:sldId id="271" r:id="rId19"/>
-    <p:sldId id="267" r:id="rId20"/>
-    <p:sldId id="260" r:id="rId21"/>
-    <p:sldId id="274" r:id="rId22"/>
+    <p:sldId id="277" r:id="rId7"/>
+    <p:sldId id="275" r:id="rId8"/>
+    <p:sldId id="278" r:id="rId9"/>
+    <p:sldId id="257" r:id="rId10"/>
+    <p:sldId id="258" r:id="rId11"/>
+    <p:sldId id="268" r:id="rId12"/>
+    <p:sldId id="270" r:id="rId13"/>
+    <p:sldId id="269" r:id="rId14"/>
+    <p:sldId id="273" r:id="rId15"/>
+    <p:sldId id="259" r:id="rId16"/>
+    <p:sldId id="265" r:id="rId17"/>
+    <p:sldId id="272" r:id="rId18"/>
+    <p:sldId id="266" r:id="rId19"/>
+    <p:sldId id="271" r:id="rId20"/>
+    <p:sldId id="267" r:id="rId21"/>
+    <p:sldId id="260" r:id="rId22"/>
+    <p:sldId id="274" r:id="rId23"/>
   </p:sldIdLst>
   <p:sldSz cx="12192000" cy="6858000"/>
   <p:notesSz cx="6858000" cy="9144000"/>
@@ -175,6 +176,50 @@
 </p188:cmLst>
 </file>
 
+<file path=ppt/comments/modernComment_109_A52EF1F.xml><?xml version="1.0" encoding="utf-8"?>
+<p188:cmLst xmlns:a="http://schemas.openxmlformats.org/drawingml/2006/main" xmlns:r="http://schemas.openxmlformats.org/officeDocument/2006/relationships" xmlns:p188="http://schemas.microsoft.com/office/powerpoint/2018/8/main">
+  <p188:cm id="{198EC4E6-9921-4AA3-B8F5-ABE7D93EC918}" authorId="{B11BB3D2-AFEC-847B-6D75-BD537A3954BD}" created="2025-07-08T20:27:08.852">
+    <ac:deMkLst xmlns:ac="http://schemas.microsoft.com/office/drawing/2013/main/command">
+      <pc:docMk xmlns:pc="http://schemas.microsoft.com/office/powerpoint/2013/main/command"/>
+      <pc:sldMk xmlns:pc="http://schemas.microsoft.com/office/powerpoint/2013/main/command" cId="173207327" sldId="265"/>
+      <ac:picMk id="7" creationId="{8A0A1153-C56A-2FB0-4B9A-B0F8EA891151}"/>
+    </ac:deMkLst>
+    <p188:txBody>
+      <a:bodyPr/>
+      <a:lstStyle/>
+      <a:p>
+        <a:r>
+          <a:rPr lang="en-NZ"/>
+          <a:t>Insert zero lines, reduce the axes size, clarify labels, give informative title</a:t>
+        </a:r>
+      </a:p>
+    </p188:txBody>
+  </p188:cm>
+</p188:cmLst>
+</file>
+
+<file path=ppt/comments/modernComment_10C_B331F7FF.xml><?xml version="1.0" encoding="utf-8"?>
+<p188:cmLst xmlns:a="http://schemas.openxmlformats.org/drawingml/2006/main" xmlns:r="http://schemas.openxmlformats.org/officeDocument/2006/relationships" xmlns:p188="http://schemas.microsoft.com/office/powerpoint/2018/8/main">
+  <p188:cm id="{6156ECB6-D27A-4119-AD30-4955B5A0024A}" authorId="{B11BB3D2-AFEC-847B-6D75-BD537A3954BD}" created="2025-07-08T21:34:33.226">
+    <ac:deMkLst xmlns:ac="http://schemas.microsoft.com/office/drawing/2013/main/command">
+      <pc:docMk xmlns:pc="http://schemas.microsoft.com/office/powerpoint/2013/main/command"/>
+      <pc:sldMk xmlns:pc="http://schemas.microsoft.com/office/powerpoint/2013/main/command" cId="3006396415" sldId="268"/>
+      <ac:picMk id="6" creationId="{CB551F72-0B48-4079-F6E2-E97548D67F8F}"/>
+    </ac:deMkLst>
+    <p188:txBody>
+      <a:bodyPr/>
+      <a:lstStyle/>
+      <a:p>
+        <a:r>
+          <a:rPr lang="en-NZ"/>
+          <a:t>Order by total spending instead</a:t>
+        </a:r>
+      </a:p>
+    </p188:txBody>
+  </p188:cm>
+</p188:cmLst>
+</file>
+
 <file path=ppt/notesMasters/notesMaster1.xml><?xml version="1.0" encoding="utf-8"?>
 <p:notesMaster xmlns:a="http://schemas.openxmlformats.org/drawingml/2006/main" xmlns:r="http://schemas.openxmlformats.org/officeDocument/2006/relationships" xmlns:p="http://schemas.openxmlformats.org/presentationml/2006/main">
   <p:cSld>
@@ -604,7 +649,7 @@
           <a:p>
             <a:fld id="{AFB2D22F-ED8B-45B3-B4D0-9E36EA68606D}" type="slidenum">
               <a:rPr lang="en-NZ" smtClean="0"/>
-              <a:t>10</a:t>
+              <a:t>11</a:t>
             </a:fld>
             <a:endParaRPr lang="en-NZ"/>
           </a:p>
@@ -3930,6 +3975,126 @@
   <p:cSld>
     <p:spTree>
       <p:nvGrpSpPr>
+        <p:cNvPr id="1" name=""/>
+        <p:cNvGrpSpPr/>
+        <p:nvPr/>
+      </p:nvGrpSpPr>
+      <p:grpSpPr>
+        <a:xfrm>
+          <a:off x="0" y="0"/>
+          <a:ext cx="0" cy="0"/>
+          <a:chOff x="0" y="0"/>
+          <a:chExt cx="0" cy="0"/>
+        </a:xfrm>
+      </p:grpSpPr>
+      <p:sp>
+        <p:nvSpPr>
+          <p:cNvPr id="2" name="Title 1">
+            <a:extLst>
+              <a:ext uri="{FF2B5EF4-FFF2-40B4-BE49-F238E27FC236}">
+                <a16:creationId xmlns:a16="http://schemas.microsoft.com/office/drawing/2014/main" id="{278C947C-021A-22CE-6F3E-4EF94221A364}"/>
+              </a:ext>
+            </a:extLst>
+          </p:cNvPr>
+          <p:cNvSpPr>
+            <a:spLocks noGrp="1"/>
+          </p:cNvSpPr>
+          <p:nvPr>
+            <p:ph type="title"/>
+          </p:nvPr>
+        </p:nvSpPr>
+        <p:spPr/>
+        <p:txBody>
+          <a:bodyPr/>
+          <a:lstStyle/>
+          <a:p>
+            <a:r>
+              <a:rPr lang="en-US" dirty="0"/>
+              <a:t>Consolidation</a:t>
+            </a:r>
+            <a:endParaRPr lang="en-NZ" dirty="0"/>
+          </a:p>
+        </p:txBody>
+      </p:sp>
+      <p:sp>
+        <p:nvSpPr>
+          <p:cNvPr id="3" name="Content Placeholder 2">
+            <a:extLst>
+              <a:ext uri="{FF2B5EF4-FFF2-40B4-BE49-F238E27FC236}">
+                <a16:creationId xmlns:a16="http://schemas.microsoft.com/office/drawing/2014/main" id="{5EE23690-1E8A-B5D4-64B1-A73219FD2557}"/>
+              </a:ext>
+            </a:extLst>
+          </p:cNvPr>
+          <p:cNvSpPr>
+            <a:spLocks noGrp="1"/>
+          </p:cNvSpPr>
+          <p:nvPr>
+            <p:ph idx="1"/>
+          </p:nvPr>
+        </p:nvSpPr>
+        <p:spPr>
+          <a:xfrm>
+            <a:off x="838200" y="1825625"/>
+            <a:ext cx="10515600" cy="1676527"/>
+          </a:xfrm>
+        </p:spPr>
+        <p:txBody>
+          <a:bodyPr>
+            <a:normAutofit/>
+          </a:bodyPr>
+          <a:lstStyle/>
+          <a:p>
+            <a:r>
+              <a:rPr lang="en-US" dirty="0"/>
+              <a:t>OECD Fiscal </a:t>
+            </a:r>
+            <a:r>
+              <a:rPr lang="en-US" dirty="0" err="1"/>
+              <a:t>Decentralisation</a:t>
+            </a:r>
+            <a:r>
+              <a:rPr lang="en-US" dirty="0"/>
+              <a:t> (Spending by Function, COFOG)</a:t>
+            </a:r>
+          </a:p>
+          <a:p>
+            <a:r>
+              <a:rPr lang="en-US" dirty="0"/>
+              <a:t>ABS Government Fiscal Standards (Spending by XXX)</a:t>
+            </a:r>
+          </a:p>
+          <a:p>
+            <a:r>
+              <a:rPr lang="en-US" dirty="0"/>
+              <a:t>Requesting ABS data that combines these.</a:t>
+            </a:r>
+          </a:p>
+          <a:p>
+            <a:pPr marL="0" indent="0">
+              <a:buNone/>
+            </a:pPr>
+            <a:endParaRPr lang="en-US" dirty="0"/>
+          </a:p>
+        </p:txBody>
+      </p:sp>
+    </p:spTree>
+    <p:extLst>
+      <p:ext uri="{BB962C8B-B14F-4D97-AF65-F5344CB8AC3E}">
+        <p14:creationId xmlns:p14="http://schemas.microsoft.com/office/powerpoint/2010/main" val="932863370"/>
+      </p:ext>
+    </p:extLst>
+  </p:cSld>
+  <p:clrMapOvr>
+    <a:masterClrMapping/>
+  </p:clrMapOvr>
+</p:sld>
+</file>
+
+<file path=ppt/slides/slide11.xml><?xml version="1.0" encoding="utf-8"?>
+<p:sld xmlns:a="http://schemas.openxmlformats.org/drawingml/2006/main" xmlns:r="http://schemas.openxmlformats.org/officeDocument/2006/relationships" xmlns:p="http://schemas.openxmlformats.org/presentationml/2006/main">
+  <p:cSld>
+    <p:spTree>
+      <p:nvGrpSpPr>
         <p:cNvPr id="1" name="">
           <a:extLst>
             <a:ext uri="{FF2B5EF4-FFF2-40B4-BE49-F238E27FC236}">
@@ -4259,7 +4424,7 @@
           <p:nvPr/>
         </p:nvPicPr>
         <p:blipFill>
-          <a:blip r:embed="rId3">
+          <a:blip r:embed="rId4">
             <a:extLst>
               <a:ext uri="{28A0092B-C50C-407E-A947-70E740481C1C}">
                 <a14:useLocalDpi xmlns:a14="http://schemas.microsoft.com/office/drawing/2010/main" val="0"/>
@@ -4290,10 +4455,15 @@
   <p:clrMapOvr>
     <a:masterClrMapping/>
   </p:clrMapOvr>
+  <p:extLst>
+    <p:ext uri="{6950BFC3-D8DA-4A85-94F7-54DA5524770B}">
+      <p188:commentRel xmlns:p188="http://schemas.microsoft.com/office/powerpoint/2018/8/main" r:id="rId3"/>
+    </p:ext>
+  </p:extLst>
 </p:sld>
 </file>
 
-<file path=ppt/slides/slide11.xml><?xml version="1.0" encoding="utf-8"?>
+<file path=ppt/slides/slide12.xml><?xml version="1.0" encoding="utf-8"?>
 <p:sld xmlns:a="http://schemas.openxmlformats.org/drawingml/2006/main" xmlns:r="http://schemas.openxmlformats.org/officeDocument/2006/relationships" xmlns:p="http://schemas.openxmlformats.org/presentationml/2006/main">
   <p:cSld>
     <p:spTree>
@@ -4429,7 +4599,7 @@
 </p:sld>
 </file>
 
-<file path=ppt/slides/slide12.xml><?xml version="1.0" encoding="utf-8"?>
+<file path=ppt/slides/slide13.xml><?xml version="1.0" encoding="utf-8"?>
 <p:sld xmlns:a="http://schemas.openxmlformats.org/drawingml/2006/main" xmlns:r="http://schemas.openxmlformats.org/officeDocument/2006/relationships" xmlns:p="http://schemas.openxmlformats.org/presentationml/2006/main">
   <p:cSld>
     <p:spTree>
@@ -4541,7 +4711,7 @@
 </p:sld>
 </file>
 
-<file path=ppt/slides/slide13.xml><?xml version="1.0" encoding="utf-8"?>
+<file path=ppt/slides/slide14.xml><?xml version="1.0" encoding="utf-8"?>
 <p:sld xmlns:a="http://schemas.openxmlformats.org/drawingml/2006/main" xmlns:r="http://schemas.openxmlformats.org/officeDocument/2006/relationships" xmlns:p="http://schemas.openxmlformats.org/presentationml/2006/main">
   <p:cSld>
     <p:spTree>
@@ -4666,7 +4836,7 @@
 </p:sld>
 </file>
 
-<file path=ppt/slides/slide14.xml><?xml version="1.0" encoding="utf-8"?>
+<file path=ppt/slides/slide15.xml><?xml version="1.0" encoding="utf-8"?>
 <p:sld xmlns:a="http://schemas.openxmlformats.org/drawingml/2006/main" xmlns:r="http://schemas.openxmlformats.org/officeDocument/2006/relationships" xmlns:p="http://schemas.openxmlformats.org/presentationml/2006/main">
   <p:cSld>
     <p:spTree>
@@ -5048,7 +5218,7 @@
 </p:sld>
 </file>
 
-<file path=ppt/slides/slide15.xml><?xml version="1.0" encoding="utf-8"?>
+<file path=ppt/slides/slide16.xml><?xml version="1.0" encoding="utf-8"?>
 <p:sld xmlns:a="http://schemas.openxmlformats.org/drawingml/2006/main" xmlns:r="http://schemas.openxmlformats.org/officeDocument/2006/relationships" xmlns:p="http://schemas.openxmlformats.org/presentationml/2006/main">
   <p:cSld>
     <p:bg>
@@ -5557,7 +5727,7 @@
           <p:nvPr/>
         </p:nvPicPr>
         <p:blipFill>
-          <a:blip r:embed="rId2">
+          <a:blip r:embed="rId3">
             <a:extLst>
               <a:ext uri="{28A0092B-C50C-407E-A947-70E740481C1C}">
                 <a14:useLocalDpi xmlns:a14="http://schemas.microsoft.com/office/drawing/2010/main" val="0"/>
@@ -5570,7 +5740,7 @@
         </p:blipFill>
         <p:spPr>
           <a:xfrm>
-            <a:off x="1063948" y="2280795"/>
+            <a:off x="6453138" y="2265863"/>
             <a:ext cx="3897695" cy="3997637"/>
           </a:xfrm>
           <a:prstGeom prst="rect">
@@ -5595,7 +5765,7 @@
           </p:nvPr>
         </p:nvPicPr>
         <p:blipFill>
-          <a:blip r:embed="rId3">
+          <a:blip r:embed="rId4">
             <a:extLst>
               <a:ext uri="{28A0092B-C50C-407E-A947-70E740481C1C}">
                 <a14:useLocalDpi xmlns:a14="http://schemas.microsoft.com/office/drawing/2010/main" val="0"/>
@@ -5608,7 +5778,7 @@
         </p:blipFill>
         <p:spPr>
           <a:xfrm>
-            <a:off x="6345165" y="2217815"/>
+            <a:off x="862922" y="2335731"/>
             <a:ext cx="3897884" cy="3997831"/>
           </a:xfrm>
           <a:prstGeom prst="rect">
@@ -5716,8 +5886,8 @@
         </p:nvSpPr>
         <p:spPr>
           <a:xfrm>
-            <a:off x="7409009" y="1736489"/>
-            <a:ext cx="1770195" cy="369332"/>
+            <a:off x="7230284" y="1826359"/>
+            <a:ext cx="2786551" cy="369332"/>
           </a:xfrm>
           <a:prstGeom prst="rect">
             <a:avLst/>
@@ -5737,7 +5907,7 @@
             </a:pPr>
             <a:r>
               <a:rPr lang="en-US" b="1" dirty="0"/>
-              <a:t>Age adjusted</a:t>
+              <a:t>Age adjusted – Exp/GDP</a:t>
             </a:r>
             <a:endParaRPr lang="en-NZ" b="1" dirty="0"/>
           </a:p>
@@ -5757,8 +5927,8 @@
         </p:nvSpPr>
         <p:spPr>
           <a:xfrm>
-            <a:off x="2387154" y="1771423"/>
-            <a:ext cx="1770195" cy="369332"/>
+            <a:off x="1792794" y="1826359"/>
+            <a:ext cx="2114188" cy="369332"/>
           </a:xfrm>
           <a:prstGeom prst="rect">
             <a:avLst/>
@@ -5778,7 +5948,7 @@
             </a:pPr>
             <a:r>
               <a:rPr lang="en-US" b="1" dirty="0"/>
-              <a:t>Initial</a:t>
+              <a:t>Initial – Exp/GDP</a:t>
             </a:r>
             <a:endParaRPr lang="en-NZ" b="1" dirty="0"/>
           </a:p>
@@ -5794,10 +5964,15 @@
   <p:clrMapOvr>
     <a:masterClrMapping/>
   </p:clrMapOvr>
+  <p:extLst>
+    <p:ext uri="{6950BFC3-D8DA-4A85-94F7-54DA5524770B}">
+      <p188:commentRel xmlns:p188="http://schemas.microsoft.com/office/powerpoint/2018/8/main" r:id="rId2"/>
+    </p:ext>
+  </p:extLst>
 </p:sld>
 </file>
 
-<file path=ppt/slides/slide16.xml><?xml version="1.0" encoding="utf-8"?>
+<file path=ppt/slides/slide17.xml><?xml version="1.0" encoding="utf-8"?>
 <p:sld xmlns:a="http://schemas.openxmlformats.org/drawingml/2006/main" xmlns:r="http://schemas.openxmlformats.org/officeDocument/2006/relationships" xmlns:p="http://schemas.openxmlformats.org/presentationml/2006/main">
   <p:cSld>
     <p:bg>
@@ -6389,7 +6564,7 @@
 </p:sld>
 </file>
 
-<file path=ppt/slides/slide17.xml><?xml version="1.0" encoding="utf-8"?>
+<file path=ppt/slides/slide18.xml><?xml version="1.0" encoding="utf-8"?>
 <p:sld xmlns:a="http://schemas.openxmlformats.org/drawingml/2006/main" xmlns:r="http://schemas.openxmlformats.org/officeDocument/2006/relationships" xmlns:p="http://schemas.openxmlformats.org/presentationml/2006/main">
   <p:cSld>
     <p:spTree>
@@ -6617,7 +6792,7 @@
 </p:sld>
 </file>
 
-<file path=ppt/slides/slide18.xml><?xml version="1.0" encoding="utf-8"?>
+<file path=ppt/slides/slide19.xml><?xml version="1.0" encoding="utf-8"?>
 <p:sld xmlns:a="http://schemas.openxmlformats.org/drawingml/2006/main" xmlns:r="http://schemas.openxmlformats.org/officeDocument/2006/relationships" xmlns:p="http://schemas.openxmlformats.org/presentationml/2006/main">
   <p:cSld>
     <p:spTree>
@@ -6810,105 +6985,6 @@
     <p:extLst>
       <p:ext uri="{BB962C8B-B14F-4D97-AF65-F5344CB8AC3E}">
         <p14:creationId xmlns:p14="http://schemas.microsoft.com/office/powerpoint/2010/main" val="938831902"/>
-      </p:ext>
-    </p:extLst>
-  </p:cSld>
-  <p:clrMapOvr>
-    <a:masterClrMapping/>
-  </p:clrMapOvr>
-</p:sld>
-</file>
-
-<file path=ppt/slides/slide19.xml><?xml version="1.0" encoding="utf-8"?>
-<p:sld xmlns:a="http://schemas.openxmlformats.org/drawingml/2006/main" xmlns:r="http://schemas.openxmlformats.org/officeDocument/2006/relationships" xmlns:p="http://schemas.openxmlformats.org/presentationml/2006/main">
-  <p:cSld>
-    <p:spTree>
-      <p:nvGrpSpPr>
-        <p:cNvPr id="1" name="">
-          <a:extLst>
-            <a:ext uri="{FF2B5EF4-FFF2-40B4-BE49-F238E27FC236}">
-              <a16:creationId xmlns:a16="http://schemas.microsoft.com/office/drawing/2014/main" id="{A0FE512A-9B7B-42DB-7FA1-A353C4B52BBB}"/>
-            </a:ext>
-          </a:extLst>
-        </p:cNvPr>
-        <p:cNvGrpSpPr/>
-        <p:nvPr/>
-      </p:nvGrpSpPr>
-      <p:grpSpPr>
-        <a:xfrm>
-          <a:off x="0" y="0"/>
-          <a:ext cx="0" cy="0"/>
-          <a:chOff x="0" y="0"/>
-          <a:chExt cx="0" cy="0"/>
-        </a:xfrm>
-      </p:grpSpPr>
-      <p:sp>
-        <p:nvSpPr>
-          <p:cNvPr id="2" name="Title 1">
-            <a:extLst>
-              <a:ext uri="{FF2B5EF4-FFF2-40B4-BE49-F238E27FC236}">
-                <a16:creationId xmlns:a16="http://schemas.microsoft.com/office/drawing/2014/main" id="{7F2F8D86-88A6-9CFC-8D8F-97C64F1CE693}"/>
-              </a:ext>
-            </a:extLst>
-          </p:cNvPr>
-          <p:cNvSpPr>
-            <a:spLocks noGrp="1"/>
-          </p:cNvSpPr>
-          <p:nvPr>
-            <p:ph type="title"/>
-          </p:nvPr>
-        </p:nvSpPr>
-        <p:spPr/>
-        <p:txBody>
-          <a:bodyPr/>
-          <a:lstStyle/>
-          <a:p>
-            <a:r>
-              <a:rPr lang="en-US" dirty="0"/>
-              <a:t>Input costs</a:t>
-            </a:r>
-            <a:endParaRPr lang="en-NZ" dirty="0"/>
-          </a:p>
-        </p:txBody>
-      </p:sp>
-      <p:sp>
-        <p:nvSpPr>
-          <p:cNvPr id="3" name="Content Placeholder 2">
-            <a:extLst>
-              <a:ext uri="{FF2B5EF4-FFF2-40B4-BE49-F238E27FC236}">
-                <a16:creationId xmlns:a16="http://schemas.microsoft.com/office/drawing/2014/main" id="{7C9DC28D-3EC9-311D-12D0-4FF8FA50B637}"/>
-              </a:ext>
-            </a:extLst>
-          </p:cNvPr>
-          <p:cNvSpPr>
-            <a:spLocks noGrp="1"/>
-          </p:cNvSpPr>
-          <p:nvPr>
-            <p:ph idx="1"/>
-          </p:nvPr>
-        </p:nvSpPr>
-        <p:spPr>
-          <a:xfrm>
-            <a:off x="838200" y="1825625"/>
-            <a:ext cx="7092142" cy="4351338"/>
-          </a:xfrm>
-        </p:spPr>
-        <p:txBody>
-          <a:bodyPr/>
-          <a:lstStyle/>
-          <a:p>
-            <a:r>
-              <a:rPr lang="en-US"/>
-              <a:t>Check if we can find international IFRS GFS type standards to compare types of inputs used.</a:t>
-            </a:r>
-            <a:endParaRPr lang="en-NZ"/>
-          </a:p>
-        </p:txBody>
-      </p:sp>
-    </p:spTree>
-    <p:extLst>
-      <p:ext uri="{BB962C8B-B14F-4D97-AF65-F5344CB8AC3E}">
-        <p14:creationId xmlns:p14="http://schemas.microsoft.com/office/powerpoint/2010/main" val="2012669386"/>
       </p:ext>
     </p:extLst>
   </p:cSld>
@@ -7329,6 +7405,105 @@
 </file>
 
 <file path=ppt/slides/slide20.xml><?xml version="1.0" encoding="utf-8"?>
+<p:sld xmlns:a="http://schemas.openxmlformats.org/drawingml/2006/main" xmlns:r="http://schemas.openxmlformats.org/officeDocument/2006/relationships" xmlns:p="http://schemas.openxmlformats.org/presentationml/2006/main">
+  <p:cSld>
+    <p:spTree>
+      <p:nvGrpSpPr>
+        <p:cNvPr id="1" name="">
+          <a:extLst>
+            <a:ext uri="{FF2B5EF4-FFF2-40B4-BE49-F238E27FC236}">
+              <a16:creationId xmlns:a16="http://schemas.microsoft.com/office/drawing/2014/main" id="{A0FE512A-9B7B-42DB-7FA1-A353C4B52BBB}"/>
+            </a:ext>
+          </a:extLst>
+        </p:cNvPr>
+        <p:cNvGrpSpPr/>
+        <p:nvPr/>
+      </p:nvGrpSpPr>
+      <p:grpSpPr>
+        <a:xfrm>
+          <a:off x="0" y="0"/>
+          <a:ext cx="0" cy="0"/>
+          <a:chOff x="0" y="0"/>
+          <a:chExt cx="0" cy="0"/>
+        </a:xfrm>
+      </p:grpSpPr>
+      <p:sp>
+        <p:nvSpPr>
+          <p:cNvPr id="2" name="Title 1">
+            <a:extLst>
+              <a:ext uri="{FF2B5EF4-FFF2-40B4-BE49-F238E27FC236}">
+                <a16:creationId xmlns:a16="http://schemas.microsoft.com/office/drawing/2014/main" id="{7F2F8D86-88A6-9CFC-8D8F-97C64F1CE693}"/>
+              </a:ext>
+            </a:extLst>
+          </p:cNvPr>
+          <p:cNvSpPr>
+            <a:spLocks noGrp="1"/>
+          </p:cNvSpPr>
+          <p:nvPr>
+            <p:ph type="title"/>
+          </p:nvPr>
+        </p:nvSpPr>
+        <p:spPr/>
+        <p:txBody>
+          <a:bodyPr/>
+          <a:lstStyle/>
+          <a:p>
+            <a:r>
+              <a:rPr lang="en-US" dirty="0"/>
+              <a:t>Input costs</a:t>
+            </a:r>
+            <a:endParaRPr lang="en-NZ" dirty="0"/>
+          </a:p>
+        </p:txBody>
+      </p:sp>
+      <p:sp>
+        <p:nvSpPr>
+          <p:cNvPr id="3" name="Content Placeholder 2">
+            <a:extLst>
+              <a:ext uri="{FF2B5EF4-FFF2-40B4-BE49-F238E27FC236}">
+                <a16:creationId xmlns:a16="http://schemas.microsoft.com/office/drawing/2014/main" id="{7C9DC28D-3EC9-311D-12D0-4FF8FA50B637}"/>
+              </a:ext>
+            </a:extLst>
+          </p:cNvPr>
+          <p:cNvSpPr>
+            <a:spLocks noGrp="1"/>
+          </p:cNvSpPr>
+          <p:nvPr>
+            <p:ph idx="1"/>
+          </p:nvPr>
+        </p:nvSpPr>
+        <p:spPr>
+          <a:xfrm>
+            <a:off x="838200" y="1825625"/>
+            <a:ext cx="7092142" cy="4351338"/>
+          </a:xfrm>
+        </p:spPr>
+        <p:txBody>
+          <a:bodyPr/>
+          <a:lstStyle/>
+          <a:p>
+            <a:r>
+              <a:rPr lang="en-US"/>
+              <a:t>Check if we can find international IFRS GFS type standards to compare types of inputs used.</a:t>
+            </a:r>
+            <a:endParaRPr lang="en-NZ"/>
+          </a:p>
+        </p:txBody>
+      </p:sp>
+    </p:spTree>
+    <p:extLst>
+      <p:ext uri="{BB962C8B-B14F-4D97-AF65-F5344CB8AC3E}">
+        <p14:creationId xmlns:p14="http://schemas.microsoft.com/office/powerpoint/2010/main" val="2012669386"/>
+      </p:ext>
+    </p:extLst>
+  </p:cSld>
+  <p:clrMapOvr>
+    <a:masterClrMapping/>
+  </p:clrMapOvr>
+</p:sld>
+</file>
+
+<file path=ppt/slides/slide21.xml><?xml version="1.0" encoding="utf-8"?>
 <p:sld xmlns:a="http://schemas.openxmlformats.org/drawingml/2006/main" xmlns:r="http://schemas.openxmlformats.org/officeDocument/2006/relationships" xmlns:p="http://schemas.openxmlformats.org/presentationml/2006/main">
   <p:cSld>
     <p:spTree>
@@ -7801,7 +7976,7 @@
 </p:sld>
 </file>
 
-<file path=ppt/slides/slide21.xml><?xml version="1.0" encoding="utf-8"?>
+<file path=ppt/slides/slide22.xml><?xml version="1.0" encoding="utf-8"?>
 <p:sld xmlns:a="http://schemas.openxmlformats.org/drawingml/2006/main" xmlns:r="http://schemas.openxmlformats.org/officeDocument/2006/relationships" xmlns:p="http://schemas.openxmlformats.org/presentationml/2006/main">
   <p:cSld>
     <p:spTree>
@@ -8724,7 +8899,7 @@
         <p:cNvPr id="1" name="">
           <a:extLst>
             <a:ext uri="{FF2B5EF4-FFF2-40B4-BE49-F238E27FC236}">
-              <a16:creationId xmlns:a16="http://schemas.microsoft.com/office/drawing/2014/main" id="{195E3783-FDBE-6C80-DBF3-A6AAEA121F67}"/>
+              <a16:creationId xmlns:a16="http://schemas.microsoft.com/office/drawing/2014/main" id="{61177198-F308-4129-A5AE-55FA2CDD5403}"/>
             </a:ext>
           </a:extLst>
         </p:cNvPr>
@@ -8744,7 +8919,7 @@
           <p:cNvPr id="2" name="Title 1">
             <a:extLst>
               <a:ext uri="{FF2B5EF4-FFF2-40B4-BE49-F238E27FC236}">
-                <a16:creationId xmlns:a16="http://schemas.microsoft.com/office/drawing/2014/main" id="{6A839F1C-6E99-F063-7F54-C90649150E0E}"/>
+                <a16:creationId xmlns:a16="http://schemas.microsoft.com/office/drawing/2014/main" id="{2BEC1F14-CAB6-3968-6CD0-A6E8B2B170BD}"/>
               </a:ext>
             </a:extLst>
           </p:cNvPr>
@@ -8773,7 +8948,7 @@
           <p:cNvPr id="4" name="Content Placeholder 3">
             <a:extLst>
               <a:ext uri="{FF2B5EF4-FFF2-40B4-BE49-F238E27FC236}">
-                <a16:creationId xmlns:a16="http://schemas.microsoft.com/office/drawing/2014/main" id="{9DC32F6C-44F4-DF18-FDF8-8C10677D41DD}"/>
+                <a16:creationId xmlns:a16="http://schemas.microsoft.com/office/drawing/2014/main" id="{EF249812-CABF-41E7-10DD-8946FB005C77}"/>
               </a:ext>
             </a:extLst>
           </p:cNvPr>
@@ -8804,7 +8979,7 @@
           <p:cNvPr id="9" name="Picture 8" descr="A graph of different colored lines&#10;&#10;Description automatically generated">
             <a:extLst>
               <a:ext uri="{FF2B5EF4-FFF2-40B4-BE49-F238E27FC236}">
-                <a16:creationId xmlns:a16="http://schemas.microsoft.com/office/drawing/2014/main" id="{21C48EE8-FEC1-C6F9-3DE0-DAF8740C153E}"/>
+                <a16:creationId xmlns:a16="http://schemas.microsoft.com/office/drawing/2014/main" id="{2D6B6306-5F6B-162E-7705-CD9614C152EC}"/>
               </a:ext>
             </a:extLst>
           </p:cNvPr>
@@ -8838,7 +9013,7 @@
     </p:spTree>
     <p:extLst>
       <p:ext uri="{BB962C8B-B14F-4D97-AF65-F5344CB8AC3E}">
-        <p14:creationId xmlns:p14="http://schemas.microsoft.com/office/powerpoint/2010/main" val="832513604"/>
+        <p14:creationId xmlns:p14="http://schemas.microsoft.com/office/powerpoint/2010/main" val="445450764"/>
       </p:ext>
     </p:extLst>
   </p:cSld>
@@ -8856,7 +9031,7 @@
         <p:cNvPr id="1" name="">
           <a:extLst>
             <a:ext uri="{FF2B5EF4-FFF2-40B4-BE49-F238E27FC236}">
-              <a16:creationId xmlns:a16="http://schemas.microsoft.com/office/drawing/2014/main" id="{83AEF384-CB74-CAD2-4E9E-A16DF643A465}"/>
+              <a16:creationId xmlns:a16="http://schemas.microsoft.com/office/drawing/2014/main" id="{195E3783-FDBE-6C80-DBF3-A6AAEA121F67}"/>
             </a:ext>
           </a:extLst>
         </p:cNvPr>
@@ -8876,7 +9051,7 @@
           <p:cNvPr id="2" name="Title 1">
             <a:extLst>
               <a:ext uri="{FF2B5EF4-FFF2-40B4-BE49-F238E27FC236}">
-                <a16:creationId xmlns:a16="http://schemas.microsoft.com/office/drawing/2014/main" id="{781C0E51-3F85-2FA6-F3A1-8C0CB116030D}"/>
+                <a16:creationId xmlns:a16="http://schemas.microsoft.com/office/drawing/2014/main" id="{6A839F1C-6E99-F063-7F54-C90649150E0E}"/>
               </a:ext>
             </a:extLst>
           </p:cNvPr>
@@ -8894,7 +9069,7 @@
           <a:p>
             <a:r>
               <a:rPr lang="en-US" dirty="0"/>
-              <a:t>Something on age adjustment</a:t>
+              <a:t>Overall Government Expenditure (Consolidated)</a:t>
             </a:r>
             <a:endParaRPr lang="en-NZ" dirty="0"/>
           </a:p>
@@ -8905,7 +9080,7 @@
           <p:cNvPr id="4" name="Content Placeholder 3">
             <a:extLst>
               <a:ext uri="{FF2B5EF4-FFF2-40B4-BE49-F238E27FC236}">
-                <a16:creationId xmlns:a16="http://schemas.microsoft.com/office/drawing/2014/main" id="{7AD2C532-9DB6-759D-7AE2-AD4AAF82DB66}"/>
+                <a16:creationId xmlns:a16="http://schemas.microsoft.com/office/drawing/2014/main" id="{9DC32F6C-44F4-DF18-FDF8-8C10677D41DD}"/>
               </a:ext>
             </a:extLst>
           </p:cNvPr>
@@ -8918,17 +9093,20 @@
         </p:nvSpPr>
         <p:spPr>
           <a:xfrm>
-            <a:off x="618744" y="1414145"/>
-            <a:ext cx="10515600" cy="890143"/>
+            <a:off x="468283" y="2091632"/>
+            <a:ext cx="3683925" cy="520788"/>
           </a:xfrm>
         </p:spPr>
         <p:txBody>
           <a:bodyPr/>
           <a:lstStyle/>
           <a:p>
-            <a:r>
-              <a:rPr lang="en-AU" dirty="0"/>
-              <a:t>XXX</a:t>
+            <a:pPr marL="0" indent="0">
+              <a:buNone/>
+            </a:pPr>
+            <a:r>
+              <a:rPr lang="en-AU" b="1" dirty="0"/>
+              <a:t>Spending per person</a:t>
             </a:r>
           </a:p>
         </p:txBody>
@@ -8938,7 +9116,7 @@
           <p:cNvPr id="3" name="Content Placeholder 3">
             <a:extLst>
               <a:ext uri="{FF2B5EF4-FFF2-40B4-BE49-F238E27FC236}">
-                <a16:creationId xmlns:a16="http://schemas.microsoft.com/office/drawing/2014/main" id="{7CE1EB35-0848-FDF0-A6CB-196816FD61D8}"/>
+                <a16:creationId xmlns:a16="http://schemas.microsoft.com/office/drawing/2014/main" id="{3B8F36D0-39A1-DE3A-24E7-19A1D1B49E43}"/>
               </a:ext>
             </a:extLst>
           </p:cNvPr>
@@ -8949,8 +9127,8 @@
         </p:nvSpPr>
         <p:spPr>
           <a:xfrm>
-            <a:off x="350520" y="5794121"/>
-            <a:ext cx="10515600" cy="890143"/>
+            <a:off x="4668982" y="1825625"/>
+            <a:ext cx="3538451" cy="4351338"/>
           </a:xfrm>
           <a:prstGeom prst="rect">
             <a:avLst/>
@@ -9126,27 +9304,259 @@
           </a:lstStyle>
           <a:p>
             <a:pPr marL="0" indent="0">
+              <a:buFont typeface="Arial" panose="020B0604020202020204" pitchFamily="34" charset="0"/>
               <a:buNone/>
             </a:pPr>
             <a:r>
               <a:rPr lang="en-AU" dirty="0"/>
-              <a:t>To consider where spending pressures could be restrained we need to define appropriate </a:t>
-            </a:r>
-            <a:r>
-              <a:rPr lang="en-AU" b="1" dirty="0"/>
-              <a:t>benchmarks</a:t>
-            </a:r>
+              <a:t>Spending by income decline</a:t>
+            </a:r>
+          </a:p>
+        </p:txBody>
+      </p:sp>
+      <p:sp>
+        <p:nvSpPr>
+          <p:cNvPr id="5" name="Content Placeholder 3">
+            <a:extLst>
+              <a:ext uri="{FF2B5EF4-FFF2-40B4-BE49-F238E27FC236}">
+                <a16:creationId xmlns:a16="http://schemas.microsoft.com/office/drawing/2014/main" id="{AA7DF49B-3EC9-9B83-AFB8-9A5AF51981F3}"/>
+              </a:ext>
+            </a:extLst>
+          </p:cNvPr>
+          <p:cNvSpPr txBox="1">
+            <a:spLocks/>
+          </p:cNvSpPr>
+          <p:nvPr/>
+        </p:nvSpPr>
+        <p:spPr>
+          <a:xfrm>
+            <a:off x="8549640" y="1825625"/>
+            <a:ext cx="3538451" cy="4351338"/>
+          </a:xfrm>
+          <a:prstGeom prst="rect">
+            <a:avLst/>
+          </a:prstGeom>
+        </p:spPr>
+        <p:txBody>
+          <a:bodyPr vert="horz" lIns="91440" tIns="45720" rIns="91440" bIns="45720" rtlCol="0">
+            <a:normAutofit/>
+          </a:bodyPr>
+          <a:lstStyle>
+            <a:lvl1pPr marL="228600" indent="-228600" algn="l" defTabSz="914400" rtl="0" eaLnBrk="1" latinLnBrk="0" hangingPunct="1">
+              <a:lnSpc>
+                <a:spcPct val="90000"/>
+              </a:lnSpc>
+              <a:spcBef>
+                <a:spcPts val="1000"/>
+              </a:spcBef>
+              <a:buFont typeface="Arial" panose="020B0604020202020204" pitchFamily="34" charset="0"/>
+              <a:buChar char="•"/>
+              <a:defRPr sz="2800" kern="1200">
+                <a:solidFill>
+                  <a:schemeClr val="tx1"/>
+                </a:solidFill>
+                <a:latin typeface="+mn-lt"/>
+                <a:ea typeface="+mn-ea"/>
+                <a:cs typeface="+mn-cs"/>
+              </a:defRPr>
+            </a:lvl1pPr>
+            <a:lvl2pPr marL="685800" indent="-228600" algn="l" defTabSz="914400" rtl="0" eaLnBrk="1" latinLnBrk="0" hangingPunct="1">
+              <a:lnSpc>
+                <a:spcPct val="90000"/>
+              </a:lnSpc>
+              <a:spcBef>
+                <a:spcPts val="500"/>
+              </a:spcBef>
+              <a:buFont typeface="Arial" panose="020B0604020202020204" pitchFamily="34" charset="0"/>
+              <a:buChar char="•"/>
+              <a:defRPr sz="2400" kern="1200">
+                <a:solidFill>
+                  <a:schemeClr val="tx1"/>
+                </a:solidFill>
+                <a:latin typeface="+mn-lt"/>
+                <a:ea typeface="+mn-ea"/>
+                <a:cs typeface="+mn-cs"/>
+              </a:defRPr>
+            </a:lvl2pPr>
+            <a:lvl3pPr marL="1143000" indent="-228600" algn="l" defTabSz="914400" rtl="0" eaLnBrk="1" latinLnBrk="0" hangingPunct="1">
+              <a:lnSpc>
+                <a:spcPct val="90000"/>
+              </a:lnSpc>
+              <a:spcBef>
+                <a:spcPts val="500"/>
+              </a:spcBef>
+              <a:buFont typeface="Arial" panose="020B0604020202020204" pitchFamily="34" charset="0"/>
+              <a:buChar char="•"/>
+              <a:defRPr sz="2000" kern="1200">
+                <a:solidFill>
+                  <a:schemeClr val="tx1"/>
+                </a:solidFill>
+                <a:latin typeface="+mn-lt"/>
+                <a:ea typeface="+mn-ea"/>
+                <a:cs typeface="+mn-cs"/>
+              </a:defRPr>
+            </a:lvl3pPr>
+            <a:lvl4pPr marL="1600200" indent="-228600" algn="l" defTabSz="914400" rtl="0" eaLnBrk="1" latinLnBrk="0" hangingPunct="1">
+              <a:lnSpc>
+                <a:spcPct val="90000"/>
+              </a:lnSpc>
+              <a:spcBef>
+                <a:spcPts val="500"/>
+              </a:spcBef>
+              <a:buFont typeface="Arial" panose="020B0604020202020204" pitchFamily="34" charset="0"/>
+              <a:buChar char="•"/>
+              <a:defRPr sz="1800" kern="1200">
+                <a:solidFill>
+                  <a:schemeClr val="tx1"/>
+                </a:solidFill>
+                <a:latin typeface="+mn-lt"/>
+                <a:ea typeface="+mn-ea"/>
+                <a:cs typeface="+mn-cs"/>
+              </a:defRPr>
+            </a:lvl4pPr>
+            <a:lvl5pPr marL="2057400" indent="-228600" algn="l" defTabSz="914400" rtl="0" eaLnBrk="1" latinLnBrk="0" hangingPunct="1">
+              <a:lnSpc>
+                <a:spcPct val="90000"/>
+              </a:lnSpc>
+              <a:spcBef>
+                <a:spcPts val="500"/>
+              </a:spcBef>
+              <a:buFont typeface="Arial" panose="020B0604020202020204" pitchFamily="34" charset="0"/>
+              <a:buChar char="•"/>
+              <a:defRPr sz="1800" kern="1200">
+                <a:solidFill>
+                  <a:schemeClr val="tx1"/>
+                </a:solidFill>
+                <a:latin typeface="+mn-lt"/>
+                <a:ea typeface="+mn-ea"/>
+                <a:cs typeface="+mn-cs"/>
+              </a:defRPr>
+            </a:lvl5pPr>
+            <a:lvl6pPr marL="2514600" indent="-228600" algn="l" defTabSz="914400" rtl="0" eaLnBrk="1" latinLnBrk="0" hangingPunct="1">
+              <a:lnSpc>
+                <a:spcPct val="90000"/>
+              </a:lnSpc>
+              <a:spcBef>
+                <a:spcPts val="500"/>
+              </a:spcBef>
+              <a:buFont typeface="Arial" panose="020B0604020202020204" pitchFamily="34" charset="0"/>
+              <a:buChar char="•"/>
+              <a:defRPr sz="1800" kern="1200">
+                <a:solidFill>
+                  <a:schemeClr val="tx1"/>
+                </a:solidFill>
+                <a:latin typeface="+mn-lt"/>
+                <a:ea typeface="+mn-ea"/>
+                <a:cs typeface="+mn-cs"/>
+              </a:defRPr>
+            </a:lvl6pPr>
+            <a:lvl7pPr marL="2971800" indent="-228600" algn="l" defTabSz="914400" rtl="0" eaLnBrk="1" latinLnBrk="0" hangingPunct="1">
+              <a:lnSpc>
+                <a:spcPct val="90000"/>
+              </a:lnSpc>
+              <a:spcBef>
+                <a:spcPts val="500"/>
+              </a:spcBef>
+              <a:buFont typeface="Arial" panose="020B0604020202020204" pitchFamily="34" charset="0"/>
+              <a:buChar char="•"/>
+              <a:defRPr sz="1800" kern="1200">
+                <a:solidFill>
+                  <a:schemeClr val="tx1"/>
+                </a:solidFill>
+                <a:latin typeface="+mn-lt"/>
+                <a:ea typeface="+mn-ea"/>
+                <a:cs typeface="+mn-cs"/>
+              </a:defRPr>
+            </a:lvl7pPr>
+            <a:lvl8pPr marL="3429000" indent="-228600" algn="l" defTabSz="914400" rtl="0" eaLnBrk="1" latinLnBrk="0" hangingPunct="1">
+              <a:lnSpc>
+                <a:spcPct val="90000"/>
+              </a:lnSpc>
+              <a:spcBef>
+                <a:spcPts val="500"/>
+              </a:spcBef>
+              <a:buFont typeface="Arial" panose="020B0604020202020204" pitchFamily="34" charset="0"/>
+              <a:buChar char="•"/>
+              <a:defRPr sz="1800" kern="1200">
+                <a:solidFill>
+                  <a:schemeClr val="tx1"/>
+                </a:solidFill>
+                <a:latin typeface="+mn-lt"/>
+                <a:ea typeface="+mn-ea"/>
+                <a:cs typeface="+mn-cs"/>
+              </a:defRPr>
+            </a:lvl8pPr>
+            <a:lvl9pPr marL="3886200" indent="-228600" algn="l" defTabSz="914400" rtl="0" eaLnBrk="1" latinLnBrk="0" hangingPunct="1">
+              <a:lnSpc>
+                <a:spcPct val="90000"/>
+              </a:lnSpc>
+              <a:spcBef>
+                <a:spcPts val="500"/>
+              </a:spcBef>
+              <a:buFont typeface="Arial" panose="020B0604020202020204" pitchFamily="34" charset="0"/>
+              <a:buChar char="•"/>
+              <a:defRPr sz="1800" kern="1200">
+                <a:solidFill>
+                  <a:schemeClr val="tx1"/>
+                </a:solidFill>
+                <a:latin typeface="+mn-lt"/>
+                <a:ea typeface="+mn-ea"/>
+                <a:cs typeface="+mn-cs"/>
+              </a:defRPr>
+            </a:lvl9pPr>
+          </a:lstStyle>
+          <a:p>
+            <a:pPr marL="0" indent="0">
+              <a:buFont typeface="Arial" panose="020B0604020202020204" pitchFamily="34" charset="0"/>
+              <a:buNone/>
+            </a:pPr>
             <a:r>
               <a:rPr lang="en-AU" dirty="0"/>
-              <a:t>.</a:t>
-            </a:r>
-          </a:p>
-        </p:txBody>
-      </p:sp>
+              <a:t>Anything attributing to final income.</a:t>
+            </a:r>
+          </a:p>
+        </p:txBody>
+      </p:sp>
+      <p:pic>
+        <p:nvPicPr>
+          <p:cNvPr id="7" name="Picture 6" descr="A graph of a graph of a number of people&#10;&#10;AI-generated content may be incorrect.">
+            <a:extLst>
+              <a:ext uri="{FF2B5EF4-FFF2-40B4-BE49-F238E27FC236}">
+                <a16:creationId xmlns:a16="http://schemas.microsoft.com/office/drawing/2014/main" id="{C5C42A5C-BDC5-FE4D-6F88-56D6F564A5B1}"/>
+              </a:ext>
+            </a:extLst>
+          </p:cNvPr>
+          <p:cNvPicPr>
+            <a:picLocks noChangeAspect="1"/>
+          </p:cNvPicPr>
+          <p:nvPr/>
+        </p:nvPicPr>
+        <p:blipFill>
+          <a:blip r:embed="rId2">
+            <a:extLst>
+              <a:ext uri="{28A0092B-C50C-407E-A947-70E740481C1C}">
+                <a14:useLocalDpi xmlns:a14="http://schemas.microsoft.com/office/drawing/2010/main" val="0"/>
+              </a:ext>
+            </a:extLst>
+          </a:blip>
+          <a:stretch>
+            <a:fillRect/>
+          </a:stretch>
+        </p:blipFill>
+        <p:spPr>
+          <a:xfrm>
+            <a:off x="310380" y="2680855"/>
+            <a:ext cx="4228329" cy="3894513"/>
+          </a:xfrm>
+          <a:prstGeom prst="rect">
+            <a:avLst/>
+          </a:prstGeom>
+        </p:spPr>
+      </p:pic>
     </p:spTree>
     <p:extLst>
       <p:ext uri="{BB962C8B-B14F-4D97-AF65-F5344CB8AC3E}">
-        <p14:creationId xmlns:p14="http://schemas.microsoft.com/office/powerpoint/2010/main" val="803133345"/>
+        <p14:creationId xmlns:p14="http://schemas.microsoft.com/office/powerpoint/2010/main" val="832513604"/>
       </p:ext>
     </p:extLst>
   </p:cSld>
@@ -9161,7 +9571,13 @@
   <p:cSld>
     <p:spTree>
       <p:nvGrpSpPr>
-        <p:cNvPr id="1" name=""/>
+        <p:cNvPr id="1" name="">
+          <a:extLst>
+            <a:ext uri="{FF2B5EF4-FFF2-40B4-BE49-F238E27FC236}">
+              <a16:creationId xmlns:a16="http://schemas.microsoft.com/office/drawing/2014/main" id="{561A2491-7696-33A4-E316-3AB98E0007B5}"/>
+            </a:ext>
+          </a:extLst>
+        </p:cNvPr>
         <p:cNvGrpSpPr/>
         <p:nvPr/>
       </p:nvGrpSpPr>
@@ -9178,7 +9594,7 @@
           <p:cNvPr id="2" name="Title 1">
             <a:extLst>
               <a:ext uri="{FF2B5EF4-FFF2-40B4-BE49-F238E27FC236}">
-                <a16:creationId xmlns:a16="http://schemas.microsoft.com/office/drawing/2014/main" id="{7ACE8B33-034B-EE0C-AD82-72FAB03B9890}"/>
+                <a16:creationId xmlns:a16="http://schemas.microsoft.com/office/drawing/2014/main" id="{1C1BB76A-82F8-291D-210E-D397881361F5}"/>
               </a:ext>
             </a:extLst>
           </p:cNvPr>
@@ -9196,7 +9612,7 @@
           <a:p>
             <a:r>
               <a:rPr lang="en-US" dirty="0"/>
-              <a:t>Topics</a:t>
+              <a:t>Where has Expenditure growth occurred?</a:t>
             </a:r>
             <a:endParaRPr lang="en-NZ" dirty="0"/>
           </a:p>
@@ -9204,10 +9620,10 @@
       </p:sp>
       <p:sp>
         <p:nvSpPr>
-          <p:cNvPr id="3" name="Content Placeholder 2">
-            <a:extLst>
-              <a:ext uri="{FF2B5EF4-FFF2-40B4-BE49-F238E27FC236}">
-                <a16:creationId xmlns:a16="http://schemas.microsoft.com/office/drawing/2014/main" id="{118BC3D1-B5C6-D90F-3FDE-CB92E395B716}"/>
+          <p:cNvPr id="4" name="Content Placeholder 3">
+            <a:extLst>
+              <a:ext uri="{FF2B5EF4-FFF2-40B4-BE49-F238E27FC236}">
+                <a16:creationId xmlns:a16="http://schemas.microsoft.com/office/drawing/2014/main" id="{4111D7C0-D774-AD49-920D-C1D886E37C92}"/>
               </a:ext>
             </a:extLst>
           </p:cNvPr>
@@ -9217,143 +9633,242 @@
           <p:nvPr>
             <p:ph idx="1"/>
           </p:nvPr>
+        </p:nvSpPr>
+        <p:spPr/>
+        <p:txBody>
+          <a:bodyPr/>
+          <a:lstStyle/>
+          <a:p>
+            <a:r>
+              <a:rPr lang="en-NZ" dirty="0"/>
+              <a:t>ABS data to decompose this by age</a:t>
+            </a:r>
+          </a:p>
+          <a:p>
+            <a:endParaRPr lang="en-AU" dirty="0"/>
+          </a:p>
+        </p:txBody>
+      </p:sp>
+      <p:sp>
+        <p:nvSpPr>
+          <p:cNvPr id="3" name="Content Placeholder 3">
+            <a:extLst>
+              <a:ext uri="{FF2B5EF4-FFF2-40B4-BE49-F238E27FC236}">
+                <a16:creationId xmlns:a16="http://schemas.microsoft.com/office/drawing/2014/main" id="{D3405F13-B13F-291C-8A65-84D09CB408EC}"/>
+              </a:ext>
+            </a:extLst>
+          </p:cNvPr>
+          <p:cNvSpPr txBox="1">
+            <a:spLocks/>
+          </p:cNvSpPr>
+          <p:nvPr/>
         </p:nvSpPr>
         <p:spPr>
           <a:xfrm>
-            <a:off x="838200" y="1427692"/>
-            <a:ext cx="10515600" cy="4351338"/>
+            <a:off x="350520" y="5794121"/>
+            <a:ext cx="10515600" cy="890143"/>
           </a:xfrm>
+          <a:prstGeom prst="rect">
+            <a:avLst/>
+          </a:prstGeom>
         </p:spPr>
         <p:txBody>
-          <a:bodyPr>
-            <a:normAutofit fontScale="92500" lnSpcReduction="20000"/>
+          <a:bodyPr vert="horz" lIns="91440" tIns="45720" rIns="91440" bIns="45720" rtlCol="0">
+            <a:normAutofit/>
           </a:bodyPr>
-          <a:lstStyle/>
+          <a:lstStyle>
+            <a:lvl1pPr marL="228600" indent="-228600" algn="l" defTabSz="914400" rtl="0" eaLnBrk="1" latinLnBrk="0" hangingPunct="1">
+              <a:lnSpc>
+                <a:spcPct val="90000"/>
+              </a:lnSpc>
+              <a:spcBef>
+                <a:spcPts val="1000"/>
+              </a:spcBef>
+              <a:buFont typeface="Arial" panose="020B0604020202020204" pitchFamily="34" charset="0"/>
+              <a:buChar char="•"/>
+              <a:defRPr sz="2800" kern="1200">
+                <a:solidFill>
+                  <a:schemeClr val="tx1"/>
+                </a:solidFill>
+                <a:latin typeface="+mn-lt"/>
+                <a:ea typeface="+mn-ea"/>
+                <a:cs typeface="+mn-cs"/>
+              </a:defRPr>
+            </a:lvl1pPr>
+            <a:lvl2pPr marL="685800" indent="-228600" algn="l" defTabSz="914400" rtl="0" eaLnBrk="1" latinLnBrk="0" hangingPunct="1">
+              <a:lnSpc>
+                <a:spcPct val="90000"/>
+              </a:lnSpc>
+              <a:spcBef>
+                <a:spcPts val="500"/>
+              </a:spcBef>
+              <a:buFont typeface="Arial" panose="020B0604020202020204" pitchFamily="34" charset="0"/>
+              <a:buChar char="•"/>
+              <a:defRPr sz="2400" kern="1200">
+                <a:solidFill>
+                  <a:schemeClr val="tx1"/>
+                </a:solidFill>
+                <a:latin typeface="+mn-lt"/>
+                <a:ea typeface="+mn-ea"/>
+                <a:cs typeface="+mn-cs"/>
+              </a:defRPr>
+            </a:lvl2pPr>
+            <a:lvl3pPr marL="1143000" indent="-228600" algn="l" defTabSz="914400" rtl="0" eaLnBrk="1" latinLnBrk="0" hangingPunct="1">
+              <a:lnSpc>
+                <a:spcPct val="90000"/>
+              </a:lnSpc>
+              <a:spcBef>
+                <a:spcPts val="500"/>
+              </a:spcBef>
+              <a:buFont typeface="Arial" panose="020B0604020202020204" pitchFamily="34" charset="0"/>
+              <a:buChar char="•"/>
+              <a:defRPr sz="2000" kern="1200">
+                <a:solidFill>
+                  <a:schemeClr val="tx1"/>
+                </a:solidFill>
+                <a:latin typeface="+mn-lt"/>
+                <a:ea typeface="+mn-ea"/>
+                <a:cs typeface="+mn-cs"/>
+              </a:defRPr>
+            </a:lvl3pPr>
+            <a:lvl4pPr marL="1600200" indent="-228600" algn="l" defTabSz="914400" rtl="0" eaLnBrk="1" latinLnBrk="0" hangingPunct="1">
+              <a:lnSpc>
+                <a:spcPct val="90000"/>
+              </a:lnSpc>
+              <a:spcBef>
+                <a:spcPts val="500"/>
+              </a:spcBef>
+              <a:buFont typeface="Arial" panose="020B0604020202020204" pitchFamily="34" charset="0"/>
+              <a:buChar char="•"/>
+              <a:defRPr sz="1800" kern="1200">
+                <a:solidFill>
+                  <a:schemeClr val="tx1"/>
+                </a:solidFill>
+                <a:latin typeface="+mn-lt"/>
+                <a:ea typeface="+mn-ea"/>
+                <a:cs typeface="+mn-cs"/>
+              </a:defRPr>
+            </a:lvl4pPr>
+            <a:lvl5pPr marL="2057400" indent="-228600" algn="l" defTabSz="914400" rtl="0" eaLnBrk="1" latinLnBrk="0" hangingPunct="1">
+              <a:lnSpc>
+                <a:spcPct val="90000"/>
+              </a:lnSpc>
+              <a:spcBef>
+                <a:spcPts val="500"/>
+              </a:spcBef>
+              <a:buFont typeface="Arial" panose="020B0604020202020204" pitchFamily="34" charset="0"/>
+              <a:buChar char="•"/>
+              <a:defRPr sz="1800" kern="1200">
+                <a:solidFill>
+                  <a:schemeClr val="tx1"/>
+                </a:solidFill>
+                <a:latin typeface="+mn-lt"/>
+                <a:ea typeface="+mn-ea"/>
+                <a:cs typeface="+mn-cs"/>
+              </a:defRPr>
+            </a:lvl5pPr>
+            <a:lvl6pPr marL="2514600" indent="-228600" algn="l" defTabSz="914400" rtl="0" eaLnBrk="1" latinLnBrk="0" hangingPunct="1">
+              <a:lnSpc>
+                <a:spcPct val="90000"/>
+              </a:lnSpc>
+              <a:spcBef>
+                <a:spcPts val="500"/>
+              </a:spcBef>
+              <a:buFont typeface="Arial" panose="020B0604020202020204" pitchFamily="34" charset="0"/>
+              <a:buChar char="•"/>
+              <a:defRPr sz="1800" kern="1200">
+                <a:solidFill>
+                  <a:schemeClr val="tx1"/>
+                </a:solidFill>
+                <a:latin typeface="+mn-lt"/>
+                <a:ea typeface="+mn-ea"/>
+                <a:cs typeface="+mn-cs"/>
+              </a:defRPr>
+            </a:lvl6pPr>
+            <a:lvl7pPr marL="2971800" indent="-228600" algn="l" defTabSz="914400" rtl="0" eaLnBrk="1" latinLnBrk="0" hangingPunct="1">
+              <a:lnSpc>
+                <a:spcPct val="90000"/>
+              </a:lnSpc>
+              <a:spcBef>
+                <a:spcPts val="500"/>
+              </a:spcBef>
+              <a:buFont typeface="Arial" panose="020B0604020202020204" pitchFamily="34" charset="0"/>
+              <a:buChar char="•"/>
+              <a:defRPr sz="1800" kern="1200">
+                <a:solidFill>
+                  <a:schemeClr val="tx1"/>
+                </a:solidFill>
+                <a:latin typeface="+mn-lt"/>
+                <a:ea typeface="+mn-ea"/>
+                <a:cs typeface="+mn-cs"/>
+              </a:defRPr>
+            </a:lvl7pPr>
+            <a:lvl8pPr marL="3429000" indent="-228600" algn="l" defTabSz="914400" rtl="0" eaLnBrk="1" latinLnBrk="0" hangingPunct="1">
+              <a:lnSpc>
+                <a:spcPct val="90000"/>
+              </a:lnSpc>
+              <a:spcBef>
+                <a:spcPts val="500"/>
+              </a:spcBef>
+              <a:buFont typeface="Arial" panose="020B0604020202020204" pitchFamily="34" charset="0"/>
+              <a:buChar char="•"/>
+              <a:defRPr sz="1800" kern="1200">
+                <a:solidFill>
+                  <a:schemeClr val="tx1"/>
+                </a:solidFill>
+                <a:latin typeface="+mn-lt"/>
+                <a:ea typeface="+mn-ea"/>
+                <a:cs typeface="+mn-cs"/>
+              </a:defRPr>
+            </a:lvl8pPr>
+            <a:lvl9pPr marL="3886200" indent="-228600" algn="l" defTabSz="914400" rtl="0" eaLnBrk="1" latinLnBrk="0" hangingPunct="1">
+              <a:lnSpc>
+                <a:spcPct val="90000"/>
+              </a:lnSpc>
+              <a:spcBef>
+                <a:spcPts val="500"/>
+              </a:spcBef>
+              <a:buFont typeface="Arial" panose="020B0604020202020204" pitchFamily="34" charset="0"/>
+              <a:buChar char="•"/>
+              <a:defRPr sz="1800" kern="1200">
+                <a:solidFill>
+                  <a:schemeClr val="tx1"/>
+                </a:solidFill>
+                <a:latin typeface="+mn-lt"/>
+                <a:ea typeface="+mn-ea"/>
+                <a:cs typeface="+mn-cs"/>
+              </a:defRPr>
+            </a:lvl9pPr>
+          </a:lstStyle>
           <a:p>
             <a:pPr marL="0" indent="0">
               <a:buNone/>
             </a:pPr>
             <a:r>
-              <a:rPr lang="en-US" dirty="0"/>
-              <a:t>There are three </a:t>
-            </a:r>
-            <a:r>
-              <a:rPr lang="en-US" b="1" dirty="0"/>
-              <a:t>measurement and communication</a:t>
-            </a:r>
-            <a:r>
-              <a:rPr lang="en-US" dirty="0"/>
-              <a:t> areas where additional work could improve understanding of fiscal pressures.</a:t>
-            </a:r>
-            <a:br>
-              <a:rPr lang="en-US" dirty="0"/>
-            </a:br>
-            <a:endParaRPr lang="en-US" dirty="0"/>
-          </a:p>
-          <a:p>
-            <a:pPr lvl="1"/>
-            <a:r>
-              <a:rPr lang="en-NZ" b="1" dirty="0">
-                <a:solidFill>
-                  <a:srgbClr val="00B0F0"/>
-                </a:solidFill>
-              </a:rPr>
-              <a:t>Consolidation</a:t>
-            </a:r>
-            <a:r>
-              <a:rPr lang="en-NZ" dirty="0"/>
-              <a:t> – taking an all of government approach to spending on </a:t>
-            </a:r>
-            <a:r>
-              <a:rPr lang="en-NZ" b="1" dirty="0"/>
-              <a:t>functions</a:t>
-            </a:r>
-            <a:endParaRPr lang="en-NZ" dirty="0"/>
-          </a:p>
-          <a:p>
-            <a:pPr lvl="1"/>
-            <a:r>
-              <a:rPr lang="en-NZ" b="1" dirty="0">
-                <a:solidFill>
-                  <a:srgbClr val="C00000"/>
-                </a:solidFill>
-              </a:rPr>
-              <a:t>Benchmarking</a:t>
-            </a:r>
-            <a:r>
-              <a:rPr lang="en-NZ" dirty="0"/>
-              <a:t> – international, demographic, and forecast based benchmarks</a:t>
-            </a:r>
-          </a:p>
-          <a:p>
-            <a:pPr lvl="1"/>
-            <a:r>
-              <a:rPr lang="en-NZ" b="1" dirty="0">
-                <a:solidFill>
-                  <a:schemeClr val="accent6">
-                    <a:lumMod val="75000"/>
-                  </a:schemeClr>
-                </a:solidFill>
-              </a:rPr>
-              <a:t>Tracking</a:t>
-            </a:r>
-            <a:r>
-              <a:rPr lang="en-NZ" dirty="0"/>
-              <a:t> – how do we interpret, communicate, and update the above insights.</a:t>
-            </a:r>
-          </a:p>
-          <a:p>
-            <a:pPr marL="0" indent="0">
-              <a:buNone/>
-            </a:pPr>
-            <a:endParaRPr lang="en-NZ" dirty="0"/>
-          </a:p>
-          <a:p>
-            <a:pPr marL="0" indent="0">
-              <a:buNone/>
-            </a:pPr>
-            <a:r>
-              <a:rPr lang="en-NZ" dirty="0"/>
-              <a:t>Work on short-termism is within a separate, but related, stream – Kizzy and Michael are leading this directly.</a:t>
-            </a:r>
-          </a:p>
-          <a:p>
-            <a:pPr marL="0" indent="0">
-              <a:buNone/>
-            </a:pPr>
-            <a:endParaRPr lang="en-NZ" dirty="0"/>
-          </a:p>
-          <a:p>
-            <a:pPr marL="0" indent="0">
-              <a:buNone/>
-            </a:pPr>
-            <a:r>
-              <a:rPr lang="en-NZ" b="1" dirty="0"/>
-              <a:t>Summary</a:t>
-            </a:r>
-            <a:r>
-              <a:rPr lang="en-NZ" dirty="0"/>
-              <a:t>: Australia has become a high general government spending country, while using a tax and transfer system built for a small government.</a:t>
-            </a:r>
-            <a:endParaRPr lang="en-NZ" b="1" dirty="0"/>
+              <a:rPr lang="en-AU" dirty="0"/>
+              <a:t>To consider where spending pressures could be restrained we need to define appropriate </a:t>
+            </a:r>
+            <a:r>
+              <a:rPr lang="en-AU" b="1" dirty="0"/>
+              <a:t>benchmarks</a:t>
+            </a:r>
+            <a:r>
+              <a:rPr lang="en-AU" dirty="0"/>
+              <a:t>.</a:t>
+            </a:r>
           </a:p>
         </p:txBody>
       </p:sp>
     </p:spTree>
     <p:extLst>
       <p:ext uri="{BB962C8B-B14F-4D97-AF65-F5344CB8AC3E}">
-        <p14:creationId xmlns:p14="http://schemas.microsoft.com/office/powerpoint/2010/main" val="2014710877"/>
+        <p14:creationId xmlns:p14="http://schemas.microsoft.com/office/powerpoint/2010/main" val="344623754"/>
       </p:ext>
     </p:extLst>
   </p:cSld>
   <p:clrMapOvr>
     <a:masterClrMapping/>
   </p:clrMapOvr>
-  <p:extLst>
-    <p:ext uri="{6950BFC3-D8DA-4A85-94F7-54DA5524770B}">
-      <p188:commentRel xmlns:p188="http://schemas.microsoft.com/office/powerpoint/2018/8/main" r:id="rId2"/>
-    </p:ext>
-  </p:extLst>
 </p:sld>
 </file>
 
@@ -9379,7 +9894,7 @@
           <p:cNvPr id="2" name="Title 1">
             <a:extLst>
               <a:ext uri="{FF2B5EF4-FFF2-40B4-BE49-F238E27FC236}">
-                <a16:creationId xmlns:a16="http://schemas.microsoft.com/office/drawing/2014/main" id="{278C947C-021A-22CE-6F3E-4EF94221A364}"/>
+                <a16:creationId xmlns:a16="http://schemas.microsoft.com/office/drawing/2014/main" id="{7ACE8B33-034B-EE0C-AD82-72FAB03B9890}"/>
               </a:ext>
             </a:extLst>
           </p:cNvPr>
@@ -9397,7 +9912,7 @@
           <a:p>
             <a:r>
               <a:rPr lang="en-US" dirty="0"/>
-              <a:t>Consolidation</a:t>
+              <a:t>Topics</a:t>
             </a:r>
             <a:endParaRPr lang="en-NZ" dirty="0"/>
           </a:p>
@@ -9408,7 +9923,7 @@
           <p:cNvPr id="3" name="Content Placeholder 2">
             <a:extLst>
               <a:ext uri="{FF2B5EF4-FFF2-40B4-BE49-F238E27FC236}">
-                <a16:creationId xmlns:a16="http://schemas.microsoft.com/office/drawing/2014/main" id="{5EE23690-1E8A-B5D4-64B1-A73219FD2557}"/>
+                <a16:creationId xmlns:a16="http://schemas.microsoft.com/office/drawing/2014/main" id="{118BC3D1-B5C6-D90F-3FDE-CB92E395B716}"/>
               </a:ext>
             </a:extLst>
           </p:cNvPr>
@@ -9421,59 +9936,140 @@
         </p:nvSpPr>
         <p:spPr>
           <a:xfrm>
-            <a:off x="838200" y="1825625"/>
-            <a:ext cx="10515600" cy="1676527"/>
+            <a:off x="838200" y="1427692"/>
+            <a:ext cx="10515600" cy="4351338"/>
           </a:xfrm>
         </p:spPr>
         <p:txBody>
           <a:bodyPr>
-            <a:normAutofit/>
+            <a:normAutofit fontScale="92500" lnSpcReduction="20000"/>
           </a:bodyPr>
           <a:lstStyle/>
-          <a:p>
-            <a:r>
-              <a:rPr lang="en-US" dirty="0"/>
-              <a:t>OECD Fiscal </a:t>
-            </a:r>
-            <a:r>
-              <a:rPr lang="en-US" dirty="0" err="1"/>
-              <a:t>Decentralisation</a:t>
-            </a:r>
-            <a:r>
-              <a:rPr lang="en-US" dirty="0"/>
-              <a:t> (Spending by Function, COFOG)</a:t>
-            </a:r>
-          </a:p>
-          <a:p>
-            <a:r>
-              <a:rPr lang="en-US" dirty="0"/>
-              <a:t>ABS Government Fiscal Standards (Spending by XXX)</a:t>
-            </a:r>
-          </a:p>
-          <a:p>
-            <a:r>
-              <a:rPr lang="en-US" dirty="0"/>
-              <a:t>Requesting ABS data the combines these.</a:t>
-            </a:r>
-          </a:p>
           <a:p>
             <a:pPr marL="0" indent="0">
               <a:buNone/>
             </a:pPr>
+            <a:r>
+              <a:rPr lang="en-US" dirty="0"/>
+              <a:t>There are three </a:t>
+            </a:r>
+            <a:r>
+              <a:rPr lang="en-US" b="1" dirty="0"/>
+              <a:t>measurement and communication</a:t>
+            </a:r>
+            <a:r>
+              <a:rPr lang="en-US" dirty="0"/>
+              <a:t> areas where additional work could improve understanding of fiscal pressures.</a:t>
+            </a:r>
+            <a:br>
+              <a:rPr lang="en-US" dirty="0"/>
+            </a:br>
             <a:endParaRPr lang="en-US" dirty="0"/>
+          </a:p>
+          <a:p>
+            <a:pPr lvl="1"/>
+            <a:r>
+              <a:rPr lang="en-NZ" b="1" dirty="0">
+                <a:solidFill>
+                  <a:srgbClr val="00B0F0"/>
+                </a:solidFill>
+              </a:rPr>
+              <a:t>Consolidation</a:t>
+            </a:r>
+            <a:r>
+              <a:rPr lang="en-NZ" dirty="0"/>
+              <a:t> – taking an all of government approach to spending on </a:t>
+            </a:r>
+            <a:r>
+              <a:rPr lang="en-NZ" b="1" dirty="0"/>
+              <a:t>functions</a:t>
+            </a:r>
+            <a:endParaRPr lang="en-NZ" dirty="0"/>
+          </a:p>
+          <a:p>
+            <a:pPr lvl="1"/>
+            <a:r>
+              <a:rPr lang="en-NZ" b="1" dirty="0">
+                <a:solidFill>
+                  <a:srgbClr val="C00000"/>
+                </a:solidFill>
+              </a:rPr>
+              <a:t>Benchmarking</a:t>
+            </a:r>
+            <a:r>
+              <a:rPr lang="en-NZ" dirty="0"/>
+              <a:t> – international, demographic, and forecast based benchmarks</a:t>
+            </a:r>
+          </a:p>
+          <a:p>
+            <a:pPr lvl="1"/>
+            <a:r>
+              <a:rPr lang="en-NZ" b="1" dirty="0">
+                <a:solidFill>
+                  <a:schemeClr val="accent6">
+                    <a:lumMod val="75000"/>
+                  </a:schemeClr>
+                </a:solidFill>
+              </a:rPr>
+              <a:t>Tracking</a:t>
+            </a:r>
+            <a:r>
+              <a:rPr lang="en-NZ" dirty="0"/>
+              <a:t> – how do we interpret, communicate, and update the above insights.</a:t>
+            </a:r>
+          </a:p>
+          <a:p>
+            <a:pPr marL="0" indent="0">
+              <a:buNone/>
+            </a:pPr>
+            <a:endParaRPr lang="en-NZ" dirty="0"/>
+          </a:p>
+          <a:p>
+            <a:pPr marL="0" indent="0">
+              <a:buNone/>
+            </a:pPr>
+            <a:r>
+              <a:rPr lang="en-NZ" dirty="0"/>
+              <a:t>Work on short-termism is within a separate, but related, stream – Kizzy and Michael are leading this directly.</a:t>
+            </a:r>
+          </a:p>
+          <a:p>
+            <a:pPr marL="0" indent="0">
+              <a:buNone/>
+            </a:pPr>
+            <a:endParaRPr lang="en-NZ" dirty="0"/>
+          </a:p>
+          <a:p>
+            <a:pPr marL="0" indent="0">
+              <a:buNone/>
+            </a:pPr>
+            <a:r>
+              <a:rPr lang="en-NZ" b="1" dirty="0"/>
+              <a:t>Summary</a:t>
+            </a:r>
+            <a:r>
+              <a:rPr lang="en-NZ" dirty="0"/>
+              <a:t>: Australia has become a high general government spending country, while using a tax and transfer system built for a small government.</a:t>
+            </a:r>
+            <a:endParaRPr lang="en-NZ" b="1" dirty="0"/>
           </a:p>
         </p:txBody>
       </p:sp>
     </p:spTree>
     <p:extLst>
       <p:ext uri="{BB962C8B-B14F-4D97-AF65-F5344CB8AC3E}">
-        <p14:creationId xmlns:p14="http://schemas.microsoft.com/office/powerpoint/2010/main" val="932863370"/>
+        <p14:creationId xmlns:p14="http://schemas.microsoft.com/office/powerpoint/2010/main" val="2014710877"/>
       </p:ext>
     </p:extLst>
   </p:cSld>
   <p:clrMapOvr>
     <a:masterClrMapping/>
   </p:clrMapOvr>
+  <p:extLst>
+    <p:ext uri="{6950BFC3-D8DA-4A85-94F7-54DA5524770B}">
+      <p188:commentRel xmlns:p188="http://schemas.microsoft.com/office/powerpoint/2018/8/main" r:id="rId2"/>
+    </p:ext>
+  </p:extLst>
 </p:sld>
 </file>
 

--- a/e61 Projects/Fiscal sustainability/OECD comparison/Initial external plans.pptx
+++ b/e61 Projects/Fiscal sustainability/OECD comparison/Initial external plans.pptx
@@ -302,7 +302,7 @@
           <a:p>
             <a:fld id="{D2F4AEBC-507B-4D8B-BFBD-472F7D6BF5E5}" type="datetimeFigureOut">
               <a:rPr lang="en-NZ" smtClean="0"/>
-              <a:t>9/07/2025</a:t>
+              <a:t>13/07/2025</a:t>
             </a:fld>
             <a:endParaRPr lang="en-NZ"/>
           </a:p>
@@ -817,7 +817,7 @@
           <a:p>
             <a:fld id="{B6E4B8DC-425F-4ABA-B54D-89B5694D594A}" type="datetimeFigureOut">
               <a:rPr lang="en-NZ" smtClean="0"/>
-              <a:t>9/07/2025</a:t>
+              <a:t>13/07/2025</a:t>
             </a:fld>
             <a:endParaRPr lang="en-NZ"/>
           </a:p>
@@ -1017,7 +1017,7 @@
           <a:p>
             <a:fld id="{B6E4B8DC-425F-4ABA-B54D-89B5694D594A}" type="datetimeFigureOut">
               <a:rPr lang="en-NZ" smtClean="0"/>
-              <a:t>9/07/2025</a:t>
+              <a:t>13/07/2025</a:t>
             </a:fld>
             <a:endParaRPr lang="en-NZ"/>
           </a:p>
@@ -1227,7 +1227,7 @@
           <a:p>
             <a:fld id="{B6E4B8DC-425F-4ABA-B54D-89B5694D594A}" type="datetimeFigureOut">
               <a:rPr lang="en-NZ" smtClean="0"/>
-              <a:t>9/07/2025</a:t>
+              <a:t>13/07/2025</a:t>
             </a:fld>
             <a:endParaRPr lang="en-NZ"/>
           </a:p>
@@ -1427,7 +1427,7 @@
           <a:p>
             <a:fld id="{B6E4B8DC-425F-4ABA-B54D-89B5694D594A}" type="datetimeFigureOut">
               <a:rPr lang="en-NZ" smtClean="0"/>
-              <a:t>9/07/2025</a:t>
+              <a:t>13/07/2025</a:t>
             </a:fld>
             <a:endParaRPr lang="en-NZ"/>
           </a:p>
@@ -1703,7 +1703,7 @@
           <a:p>
             <a:fld id="{B6E4B8DC-425F-4ABA-B54D-89B5694D594A}" type="datetimeFigureOut">
               <a:rPr lang="en-NZ" smtClean="0"/>
-              <a:t>9/07/2025</a:t>
+              <a:t>13/07/2025</a:t>
             </a:fld>
             <a:endParaRPr lang="en-NZ"/>
           </a:p>
@@ -1971,7 +1971,7 @@
           <a:p>
             <a:fld id="{B6E4B8DC-425F-4ABA-B54D-89B5694D594A}" type="datetimeFigureOut">
               <a:rPr lang="en-NZ" smtClean="0"/>
-              <a:t>9/07/2025</a:t>
+              <a:t>13/07/2025</a:t>
             </a:fld>
             <a:endParaRPr lang="en-NZ"/>
           </a:p>
@@ -2386,7 +2386,7 @@
           <a:p>
             <a:fld id="{B6E4B8DC-425F-4ABA-B54D-89B5694D594A}" type="datetimeFigureOut">
               <a:rPr lang="en-NZ" smtClean="0"/>
-              <a:t>9/07/2025</a:t>
+              <a:t>13/07/2025</a:t>
             </a:fld>
             <a:endParaRPr lang="en-NZ"/>
           </a:p>
@@ -2528,7 +2528,7 @@
           <a:p>
             <a:fld id="{B6E4B8DC-425F-4ABA-B54D-89B5694D594A}" type="datetimeFigureOut">
               <a:rPr lang="en-NZ" smtClean="0"/>
-              <a:t>9/07/2025</a:t>
+              <a:t>13/07/2025</a:t>
             </a:fld>
             <a:endParaRPr lang="en-NZ"/>
           </a:p>
@@ -2641,7 +2641,7 @@
           <a:p>
             <a:fld id="{B6E4B8DC-425F-4ABA-B54D-89B5694D594A}" type="datetimeFigureOut">
               <a:rPr lang="en-NZ" smtClean="0"/>
-              <a:t>9/07/2025</a:t>
+              <a:t>13/07/2025</a:t>
             </a:fld>
             <a:endParaRPr lang="en-NZ"/>
           </a:p>
@@ -2954,7 +2954,7 @@
           <a:p>
             <a:fld id="{B6E4B8DC-425F-4ABA-B54D-89B5694D594A}" type="datetimeFigureOut">
               <a:rPr lang="en-NZ" smtClean="0"/>
-              <a:t>9/07/2025</a:t>
+              <a:t>13/07/2025</a:t>
             </a:fld>
             <a:endParaRPr lang="en-NZ"/>
           </a:p>
@@ -3243,7 +3243,7 @@
           <a:p>
             <a:fld id="{B6E4B8DC-425F-4ABA-B54D-89B5694D594A}" type="datetimeFigureOut">
               <a:rPr lang="en-NZ" smtClean="0"/>
-              <a:t>9/07/2025</a:t>
+              <a:t>13/07/2025</a:t>
             </a:fld>
             <a:endParaRPr lang="en-NZ"/>
           </a:p>
@@ -3486,7 +3486,7 @@
           <a:p>
             <a:fld id="{B6E4B8DC-425F-4ABA-B54D-89B5694D594A}" type="datetimeFigureOut">
               <a:rPr lang="en-NZ" smtClean="0"/>
-              <a:t>9/07/2025</a:t>
+              <a:t>13/07/2025</a:t>
             </a:fld>
             <a:endParaRPr lang="en-NZ"/>
           </a:p>
@@ -4040,7 +4040,7 @@
         </p:spPr>
         <p:txBody>
           <a:bodyPr>
-            <a:normAutofit/>
+            <a:normAutofit fontScale="77500" lnSpcReduction="20000"/>
           </a:bodyPr>
           <a:lstStyle/>
           <a:p>
@@ -4060,13 +4060,27 @@
           <a:p>
             <a:r>
               <a:rPr lang="en-US" dirty="0"/>
-              <a:t>ABS Government Fiscal Standards (Spending by XXX)</a:t>
-            </a:r>
+              <a:t>ABS Government Fiscal Standards (Operating Statements and Balance Sheets)</a:t>
+            </a:r>
+          </a:p>
+          <a:p>
+            <a:pPr marL="0" indent="0">
+              <a:buNone/>
+            </a:pPr>
+            <a:endParaRPr lang="en-US" dirty="0"/>
           </a:p>
           <a:p>
             <a:r>
               <a:rPr lang="en-US" dirty="0"/>
-              <a:t>Requesting ABS data that combines these.</a:t>
+              <a:t>Requesting ABS data that combines these – should have detailed data available within two-weeks to </a:t>
+            </a:r>
+            <a:r>
+              <a:rPr lang="en-US" dirty="0" err="1"/>
+              <a:t>analyse</a:t>
+            </a:r>
+            <a:r>
+              <a:rPr lang="en-US" dirty="0"/>
+              <a:t>.</a:t>
             </a:r>
           </a:p>
           <a:p>
@@ -4181,7 +4195,13 @@
           <a:p>
             <a:r>
               <a:rPr lang="en-US" sz="1800" dirty="0"/>
-              <a:t>XXX</a:t>
+              <a:t>[report showed that this meant that net debt does not decline]</a:t>
+            </a:r>
+          </a:p>
+          <a:p>
+            <a:r>
+              <a:rPr lang="en-US" sz="1800" dirty="0"/>
+              <a:t>[from consolidation, there is a deficit but it is relatively small compared to other countries]</a:t>
             </a:r>
           </a:p>
           <a:p>
@@ -4207,6 +4227,3463 @@
           <a:xfrm>
             <a:off x="838199" y="1690688"/>
             <a:ext cx="4974167" cy="1325563"/>
+          </a:xfrm>
+          <a:prstGeom prst="rect">
+            <a:avLst/>
+          </a:prstGeom>
+        </p:spPr>
+        <p:txBody>
+          <a:bodyPr vert="horz" lIns="91440" tIns="45720" rIns="91440" bIns="45720" rtlCol="0">
+            <a:normAutofit fontScale="92500" lnSpcReduction="20000"/>
+          </a:bodyPr>
+          <a:lstStyle>
+            <a:lvl1pPr marL="228600" indent="-228600" algn="l" defTabSz="914400" rtl="0" eaLnBrk="1" latinLnBrk="0" hangingPunct="1">
+              <a:lnSpc>
+                <a:spcPct val="90000"/>
+              </a:lnSpc>
+              <a:spcBef>
+                <a:spcPts val="1000"/>
+              </a:spcBef>
+              <a:buFont typeface="Arial" panose="020B0604020202020204" pitchFamily="34" charset="0"/>
+              <a:buChar char="•"/>
+              <a:defRPr sz="2800" kern="1200">
+                <a:solidFill>
+                  <a:schemeClr val="tx1"/>
+                </a:solidFill>
+                <a:latin typeface="+mn-lt"/>
+                <a:ea typeface="+mn-ea"/>
+                <a:cs typeface="+mn-cs"/>
+              </a:defRPr>
+            </a:lvl1pPr>
+            <a:lvl2pPr marL="685800" indent="-228600" algn="l" defTabSz="914400" rtl="0" eaLnBrk="1" latinLnBrk="0" hangingPunct="1">
+              <a:lnSpc>
+                <a:spcPct val="90000"/>
+              </a:lnSpc>
+              <a:spcBef>
+                <a:spcPts val="500"/>
+              </a:spcBef>
+              <a:buFont typeface="Arial" panose="020B0604020202020204" pitchFamily="34" charset="0"/>
+              <a:buChar char="•"/>
+              <a:defRPr sz="2400" kern="1200">
+                <a:solidFill>
+                  <a:schemeClr val="tx1"/>
+                </a:solidFill>
+                <a:latin typeface="+mn-lt"/>
+                <a:ea typeface="+mn-ea"/>
+                <a:cs typeface="+mn-cs"/>
+              </a:defRPr>
+            </a:lvl2pPr>
+            <a:lvl3pPr marL="1143000" indent="-228600" algn="l" defTabSz="914400" rtl="0" eaLnBrk="1" latinLnBrk="0" hangingPunct="1">
+              <a:lnSpc>
+                <a:spcPct val="90000"/>
+              </a:lnSpc>
+              <a:spcBef>
+                <a:spcPts val="500"/>
+              </a:spcBef>
+              <a:buFont typeface="Arial" panose="020B0604020202020204" pitchFamily="34" charset="0"/>
+              <a:buChar char="•"/>
+              <a:defRPr sz="2000" kern="1200">
+                <a:solidFill>
+                  <a:schemeClr val="tx1"/>
+                </a:solidFill>
+                <a:latin typeface="+mn-lt"/>
+                <a:ea typeface="+mn-ea"/>
+                <a:cs typeface="+mn-cs"/>
+              </a:defRPr>
+            </a:lvl3pPr>
+            <a:lvl4pPr marL="1600200" indent="-228600" algn="l" defTabSz="914400" rtl="0" eaLnBrk="1" latinLnBrk="0" hangingPunct="1">
+              <a:lnSpc>
+                <a:spcPct val="90000"/>
+              </a:lnSpc>
+              <a:spcBef>
+                <a:spcPts val="500"/>
+              </a:spcBef>
+              <a:buFont typeface="Arial" panose="020B0604020202020204" pitchFamily="34" charset="0"/>
+              <a:buChar char="•"/>
+              <a:defRPr sz="1800" kern="1200">
+                <a:solidFill>
+                  <a:schemeClr val="tx1"/>
+                </a:solidFill>
+                <a:latin typeface="+mn-lt"/>
+                <a:ea typeface="+mn-ea"/>
+                <a:cs typeface="+mn-cs"/>
+              </a:defRPr>
+            </a:lvl4pPr>
+            <a:lvl5pPr marL="2057400" indent="-228600" algn="l" defTabSz="914400" rtl="0" eaLnBrk="1" latinLnBrk="0" hangingPunct="1">
+              <a:lnSpc>
+                <a:spcPct val="90000"/>
+              </a:lnSpc>
+              <a:spcBef>
+                <a:spcPts val="500"/>
+              </a:spcBef>
+              <a:buFont typeface="Arial" panose="020B0604020202020204" pitchFamily="34" charset="0"/>
+              <a:buChar char="•"/>
+              <a:defRPr sz="1800" kern="1200">
+                <a:solidFill>
+                  <a:schemeClr val="tx1"/>
+                </a:solidFill>
+                <a:latin typeface="+mn-lt"/>
+                <a:ea typeface="+mn-ea"/>
+                <a:cs typeface="+mn-cs"/>
+              </a:defRPr>
+            </a:lvl5pPr>
+            <a:lvl6pPr marL="2514600" indent="-228600" algn="l" defTabSz="914400" rtl="0" eaLnBrk="1" latinLnBrk="0" hangingPunct="1">
+              <a:lnSpc>
+                <a:spcPct val="90000"/>
+              </a:lnSpc>
+              <a:spcBef>
+                <a:spcPts val="500"/>
+              </a:spcBef>
+              <a:buFont typeface="Arial" panose="020B0604020202020204" pitchFamily="34" charset="0"/>
+              <a:buChar char="•"/>
+              <a:defRPr sz="1800" kern="1200">
+                <a:solidFill>
+                  <a:schemeClr val="tx1"/>
+                </a:solidFill>
+                <a:latin typeface="+mn-lt"/>
+                <a:ea typeface="+mn-ea"/>
+                <a:cs typeface="+mn-cs"/>
+              </a:defRPr>
+            </a:lvl6pPr>
+            <a:lvl7pPr marL="2971800" indent="-228600" algn="l" defTabSz="914400" rtl="0" eaLnBrk="1" latinLnBrk="0" hangingPunct="1">
+              <a:lnSpc>
+                <a:spcPct val="90000"/>
+              </a:lnSpc>
+              <a:spcBef>
+                <a:spcPts val="500"/>
+              </a:spcBef>
+              <a:buFont typeface="Arial" panose="020B0604020202020204" pitchFamily="34" charset="0"/>
+              <a:buChar char="•"/>
+              <a:defRPr sz="1800" kern="1200">
+                <a:solidFill>
+                  <a:schemeClr val="tx1"/>
+                </a:solidFill>
+                <a:latin typeface="+mn-lt"/>
+                <a:ea typeface="+mn-ea"/>
+                <a:cs typeface="+mn-cs"/>
+              </a:defRPr>
+            </a:lvl7pPr>
+            <a:lvl8pPr marL="3429000" indent="-228600" algn="l" defTabSz="914400" rtl="0" eaLnBrk="1" latinLnBrk="0" hangingPunct="1">
+              <a:lnSpc>
+                <a:spcPct val="90000"/>
+              </a:lnSpc>
+              <a:spcBef>
+                <a:spcPts val="500"/>
+              </a:spcBef>
+              <a:buFont typeface="Arial" panose="020B0604020202020204" pitchFamily="34" charset="0"/>
+              <a:buChar char="•"/>
+              <a:defRPr sz="1800" kern="1200">
+                <a:solidFill>
+                  <a:schemeClr val="tx1"/>
+                </a:solidFill>
+                <a:latin typeface="+mn-lt"/>
+                <a:ea typeface="+mn-ea"/>
+                <a:cs typeface="+mn-cs"/>
+              </a:defRPr>
+            </a:lvl8pPr>
+            <a:lvl9pPr marL="3886200" indent="-228600" algn="l" defTabSz="914400" rtl="0" eaLnBrk="1" latinLnBrk="0" hangingPunct="1">
+              <a:lnSpc>
+                <a:spcPct val="90000"/>
+              </a:lnSpc>
+              <a:spcBef>
+                <a:spcPts val="500"/>
+              </a:spcBef>
+              <a:buFont typeface="Arial" panose="020B0604020202020204" pitchFamily="34" charset="0"/>
+              <a:buChar char="•"/>
+              <a:defRPr sz="1800" kern="1200">
+                <a:solidFill>
+                  <a:schemeClr val="tx1"/>
+                </a:solidFill>
+                <a:latin typeface="+mn-lt"/>
+                <a:ea typeface="+mn-ea"/>
+                <a:cs typeface="+mn-cs"/>
+              </a:defRPr>
+            </a:lvl9pPr>
+          </a:lstStyle>
+          <a:p>
+            <a:pPr marL="0" indent="0">
+              <a:buFont typeface="Arial" panose="020B0604020202020204" pitchFamily="34" charset="0"/>
+              <a:buNone/>
+            </a:pPr>
+            <a:r>
+              <a:rPr lang="en-US" sz="1800" b="1" dirty="0"/>
+              <a:t>In General Spending</a:t>
+            </a:r>
+          </a:p>
+          <a:p>
+            <a:r>
+              <a:rPr lang="en-US" sz="1800" dirty="0"/>
+              <a:t>Consolidated government spending was </a:t>
+            </a:r>
+            <a:r>
+              <a:rPr lang="en-US" sz="1800" b="1" dirty="0"/>
+              <a:t>37% of GDP </a:t>
+            </a:r>
+            <a:r>
+              <a:rPr lang="en-US" sz="1800" dirty="0"/>
+              <a:t>in 2021/22 (compared to 24.8% at the Federal level).</a:t>
+            </a:r>
+          </a:p>
+          <a:p>
+            <a:r>
+              <a:rPr lang="en-US" sz="1800" dirty="0"/>
+              <a:t>However, this is low internationally.</a:t>
+            </a:r>
+          </a:p>
+          <a:p>
+            <a:endParaRPr lang="en-US" sz="1800" dirty="0"/>
+          </a:p>
+        </p:txBody>
+      </p:sp>
+      <p:pic>
+        <p:nvPicPr>
+          <p:cNvPr id="7" name="Picture 6" descr="A graph of the world's largest country&#10;&#10;AI-generated content may be incorrect.">
+            <a:extLst>
+              <a:ext uri="{FF2B5EF4-FFF2-40B4-BE49-F238E27FC236}">
+                <a16:creationId xmlns:a16="http://schemas.microsoft.com/office/drawing/2014/main" id="{2624B152-F526-9398-F517-DB8C65BEEDEB}"/>
+              </a:ext>
+            </a:extLst>
+          </p:cNvPr>
+          <p:cNvPicPr>
+            <a:picLocks noChangeAspect="1"/>
+          </p:cNvPicPr>
+          <p:nvPr/>
+        </p:nvPicPr>
+        <p:blipFill>
+          <a:blip r:embed="rId4">
+            <a:extLst>
+              <a:ext uri="{28A0092B-C50C-407E-A947-70E740481C1C}">
+                <a14:useLocalDpi xmlns:a14="http://schemas.microsoft.com/office/drawing/2010/main" val="0"/>
+              </a:ext>
+            </a:extLst>
+          </a:blip>
+          <a:stretch>
+            <a:fillRect/>
+          </a:stretch>
+        </p:blipFill>
+        <p:spPr>
+          <a:xfrm>
+            <a:off x="916904" y="3016251"/>
+            <a:ext cx="4348779" cy="3911078"/>
+          </a:xfrm>
+          <a:prstGeom prst="rect">
+            <a:avLst/>
+          </a:prstGeom>
+        </p:spPr>
+      </p:pic>
+    </p:spTree>
+    <p:extLst>
+      <p:ext uri="{BB962C8B-B14F-4D97-AF65-F5344CB8AC3E}">
+        <p14:creationId xmlns:p14="http://schemas.microsoft.com/office/powerpoint/2010/main" val="3006396415"/>
+      </p:ext>
+    </p:extLst>
+  </p:cSld>
+  <p:clrMapOvr>
+    <a:masterClrMapping/>
+  </p:clrMapOvr>
+  <p:extLst>
+    <p:ext uri="{6950BFC3-D8DA-4A85-94F7-54DA5524770B}">
+      <p188:commentRel xmlns:p188="http://schemas.microsoft.com/office/powerpoint/2018/8/main" r:id="rId3"/>
+    </p:ext>
+  </p:extLst>
+</p:sld>
+</file>
+
+<file path=ppt/slides/slide12.xml><?xml version="1.0" encoding="utf-8"?>
+<p:sld xmlns:a="http://schemas.openxmlformats.org/drawingml/2006/main" xmlns:r="http://schemas.openxmlformats.org/officeDocument/2006/relationships" xmlns:p="http://schemas.openxmlformats.org/presentationml/2006/main">
+  <p:cSld>
+    <p:spTree>
+      <p:nvGrpSpPr>
+        <p:cNvPr id="1" name="">
+          <a:extLst>
+            <a:ext uri="{FF2B5EF4-FFF2-40B4-BE49-F238E27FC236}">
+              <a16:creationId xmlns:a16="http://schemas.microsoft.com/office/drawing/2014/main" id="{F338CAD0-FFE1-3DC1-782C-ED7392A018CD}"/>
+            </a:ext>
+          </a:extLst>
+        </p:cNvPr>
+        <p:cNvGrpSpPr/>
+        <p:nvPr/>
+      </p:nvGrpSpPr>
+      <p:grpSpPr>
+        <a:xfrm>
+          <a:off x="0" y="0"/>
+          <a:ext cx="0" cy="0"/>
+          <a:chOff x="0" y="0"/>
+          <a:chExt cx="0" cy="0"/>
+        </a:xfrm>
+      </p:grpSpPr>
+      <p:sp>
+        <p:nvSpPr>
+          <p:cNvPr id="2" name="Title 1">
+            <a:extLst>
+              <a:ext uri="{FF2B5EF4-FFF2-40B4-BE49-F238E27FC236}">
+                <a16:creationId xmlns:a16="http://schemas.microsoft.com/office/drawing/2014/main" id="{2C1CD6A6-72D2-4D2D-1B67-10630B036642}"/>
+              </a:ext>
+            </a:extLst>
+          </p:cNvPr>
+          <p:cNvSpPr>
+            <a:spLocks noGrp="1"/>
+          </p:cNvSpPr>
+          <p:nvPr>
+            <p:ph type="title"/>
+          </p:nvPr>
+        </p:nvSpPr>
+        <p:spPr/>
+        <p:txBody>
+          <a:bodyPr/>
+          <a:lstStyle/>
+          <a:p>
+            <a:r>
+              <a:rPr lang="en-US" dirty="0"/>
+              <a:t>Where has consolidated spending growth occurred?</a:t>
+            </a:r>
+            <a:endParaRPr lang="en-NZ" dirty="0"/>
+          </a:p>
+        </p:txBody>
+      </p:sp>
+      <p:pic>
+        <p:nvPicPr>
+          <p:cNvPr id="9" name="Content Placeholder 8" descr="A graph of a graph showing the cost of a health care company&#10;&#10;Description automatically generated with medium confidence">
+            <a:extLst>
+              <a:ext uri="{FF2B5EF4-FFF2-40B4-BE49-F238E27FC236}">
+                <a16:creationId xmlns:a16="http://schemas.microsoft.com/office/drawing/2014/main" id="{1C85ADAF-3DF3-4693-6E72-6081E12149E7}"/>
+              </a:ext>
+            </a:extLst>
+          </p:cNvPr>
+          <p:cNvPicPr>
+            <a:picLocks noGrp="1" noChangeAspect="1"/>
+          </p:cNvPicPr>
+          <p:nvPr>
+            <p:ph idx="1"/>
+          </p:nvPr>
+        </p:nvPicPr>
+        <p:blipFill>
+          <a:blip r:embed="rId2">
+            <a:extLst>
+              <a:ext uri="{28A0092B-C50C-407E-A947-70E740481C1C}">
+                <a14:useLocalDpi xmlns:a14="http://schemas.microsoft.com/office/drawing/2010/main" val="0"/>
+              </a:ext>
+            </a:extLst>
+          </a:blip>
+          <a:stretch>
+            <a:fillRect/>
+          </a:stretch>
+        </p:blipFill>
+        <p:spPr>
+          <a:xfrm>
+            <a:off x="186350" y="2002055"/>
+            <a:ext cx="5728467" cy="3739024"/>
+          </a:xfrm>
+        </p:spPr>
+      </p:pic>
+      <p:pic>
+        <p:nvPicPr>
+          <p:cNvPr id="13" name="Picture 12" descr="A graph of a government budget&#10;&#10;Description automatically generated">
+            <a:extLst>
+              <a:ext uri="{FF2B5EF4-FFF2-40B4-BE49-F238E27FC236}">
+                <a16:creationId xmlns:a16="http://schemas.microsoft.com/office/drawing/2014/main" id="{D7156614-FF16-E06F-B770-6D41E3FC16CC}"/>
+              </a:ext>
+            </a:extLst>
+          </p:cNvPr>
+          <p:cNvPicPr>
+            <a:picLocks noChangeAspect="1"/>
+          </p:cNvPicPr>
+          <p:nvPr/>
+        </p:nvPicPr>
+        <p:blipFill>
+          <a:blip r:embed="rId3">
+            <a:extLst>
+              <a:ext uri="{28A0092B-C50C-407E-A947-70E740481C1C}">
+                <a14:useLocalDpi xmlns:a14="http://schemas.microsoft.com/office/drawing/2010/main" val="0"/>
+              </a:ext>
+            </a:extLst>
+          </a:blip>
+          <a:stretch>
+            <a:fillRect/>
+          </a:stretch>
+        </p:blipFill>
+        <p:spPr>
+          <a:xfrm>
+            <a:off x="6096000" y="2002055"/>
+            <a:ext cx="5779668" cy="3772443"/>
+          </a:xfrm>
+          <a:prstGeom prst="rect">
+            <a:avLst/>
+          </a:prstGeom>
+        </p:spPr>
+      </p:pic>
+    </p:spTree>
+    <p:extLst>
+      <p:ext uri="{BB962C8B-B14F-4D97-AF65-F5344CB8AC3E}">
+        <p14:creationId xmlns:p14="http://schemas.microsoft.com/office/powerpoint/2010/main" val="571982762"/>
+      </p:ext>
+    </p:extLst>
+  </p:cSld>
+  <p:clrMapOvr>
+    <a:masterClrMapping/>
+  </p:clrMapOvr>
+</p:sld>
+</file>
+
+<file path=ppt/slides/slide13.xml><?xml version="1.0" encoding="utf-8"?>
+<p:sld xmlns:a="http://schemas.openxmlformats.org/drawingml/2006/main" xmlns:r="http://schemas.openxmlformats.org/officeDocument/2006/relationships" xmlns:p="http://schemas.openxmlformats.org/presentationml/2006/main">
+  <p:cSld>
+    <p:spTree>
+      <p:nvGrpSpPr>
+        <p:cNvPr id="1" name="">
+          <a:extLst>
+            <a:ext uri="{FF2B5EF4-FFF2-40B4-BE49-F238E27FC236}">
+              <a16:creationId xmlns:a16="http://schemas.microsoft.com/office/drawing/2014/main" id="{84A488D9-58B5-52E0-AB7B-0A461528E079}"/>
+            </a:ext>
+          </a:extLst>
+        </p:cNvPr>
+        <p:cNvGrpSpPr/>
+        <p:nvPr/>
+      </p:nvGrpSpPr>
+      <p:grpSpPr>
+        <a:xfrm>
+          <a:off x="0" y="0"/>
+          <a:ext cx="0" cy="0"/>
+          <a:chOff x="0" y="0"/>
+          <a:chExt cx="0" cy="0"/>
+        </a:xfrm>
+      </p:grpSpPr>
+      <p:sp>
+        <p:nvSpPr>
+          <p:cNvPr id="2" name="Title 1">
+            <a:extLst>
+              <a:ext uri="{FF2B5EF4-FFF2-40B4-BE49-F238E27FC236}">
+                <a16:creationId xmlns:a16="http://schemas.microsoft.com/office/drawing/2014/main" id="{5D864967-D00E-B83B-C0AC-2E96CF9D4830}"/>
+              </a:ext>
+            </a:extLst>
+          </p:cNvPr>
+          <p:cNvSpPr>
+            <a:spLocks noGrp="1"/>
+          </p:cNvSpPr>
+          <p:nvPr>
+            <p:ph type="title"/>
+          </p:nvPr>
+        </p:nvSpPr>
+        <p:spPr/>
+        <p:txBody>
+          <a:bodyPr/>
+          <a:lstStyle/>
+          <a:p>
+            <a:r>
+              <a:rPr lang="en-US" dirty="0"/>
+              <a:t>Where has consolidated spending growth occurred?</a:t>
+            </a:r>
+            <a:endParaRPr lang="en-NZ" dirty="0"/>
+          </a:p>
+        </p:txBody>
+      </p:sp>
+      <p:sp>
+        <p:nvSpPr>
+          <p:cNvPr id="3" name="Content Placeholder 2">
+            <a:extLst>
+              <a:ext uri="{FF2B5EF4-FFF2-40B4-BE49-F238E27FC236}">
+                <a16:creationId xmlns:a16="http://schemas.microsoft.com/office/drawing/2014/main" id="{61524688-D52A-BAF0-BFCC-AB54085CB4F9}"/>
+              </a:ext>
+            </a:extLst>
+          </p:cNvPr>
+          <p:cNvSpPr>
+            <a:spLocks noGrp="1"/>
+          </p:cNvSpPr>
+          <p:nvPr>
+            <p:ph idx="1"/>
+          </p:nvPr>
+        </p:nvSpPr>
+        <p:spPr>
+          <a:xfrm>
+            <a:off x="7413171" y="1825625"/>
+            <a:ext cx="4277295" cy="4351338"/>
+          </a:xfrm>
+        </p:spPr>
+        <p:txBody>
+          <a:bodyPr>
+            <a:normAutofit fontScale="92500"/>
+          </a:bodyPr>
+          <a:lstStyle/>
+          <a:p>
+            <a:pPr marL="0" indent="0">
+              <a:buNone/>
+            </a:pPr>
+            <a:r>
+              <a:rPr lang="en-US" dirty="0"/>
+              <a:t>In the GFS (inputs)</a:t>
+            </a:r>
+          </a:p>
+          <a:p>
+            <a:r>
+              <a:rPr lang="en-US" dirty="0"/>
+              <a:t>Since FY15, the largest contributor to real cost growth has been “non-employee expenses”.</a:t>
+            </a:r>
+          </a:p>
+          <a:p>
+            <a:pPr lvl="1"/>
+            <a:r>
+              <a:rPr lang="en-US" dirty="0"/>
+              <a:t>59% of growth, from 39% of the total spend.</a:t>
+            </a:r>
+          </a:p>
+          <a:p>
+            <a:r>
+              <a:rPr lang="en-US" dirty="0"/>
+              <a:t>This reflects the large push to provide funds for private services – rather than direct service provision.</a:t>
+            </a:r>
+          </a:p>
+          <a:p>
+            <a:endParaRPr lang="en-US" dirty="0"/>
+          </a:p>
+        </p:txBody>
+      </p:sp>
+      <p:pic>
+        <p:nvPicPr>
+          <p:cNvPr id="9" name="Picture 8" descr="A graph of a graph of a company&#10;&#10;AI-generated content may be incorrect.">
+            <a:extLst>
+              <a:ext uri="{FF2B5EF4-FFF2-40B4-BE49-F238E27FC236}">
+                <a16:creationId xmlns:a16="http://schemas.microsoft.com/office/drawing/2014/main" id="{C4B7AEB3-78C9-890C-B6D1-49C409F321B4}"/>
+              </a:ext>
+            </a:extLst>
+          </p:cNvPr>
+          <p:cNvPicPr>
+            <a:picLocks noChangeAspect="1"/>
+          </p:cNvPicPr>
+          <p:nvPr/>
+        </p:nvPicPr>
+        <p:blipFill>
+          <a:blip r:embed="rId2">
+            <a:extLst>
+              <a:ext uri="{28A0092B-C50C-407E-A947-70E740481C1C}">
+                <a14:useLocalDpi xmlns:a14="http://schemas.microsoft.com/office/drawing/2010/main" val="0"/>
+              </a:ext>
+            </a:extLst>
+          </a:blip>
+          <a:stretch>
+            <a:fillRect/>
+          </a:stretch>
+        </p:blipFill>
+        <p:spPr>
+          <a:xfrm>
+            <a:off x="501534" y="1731056"/>
+            <a:ext cx="5841124" cy="5094514"/>
+          </a:xfrm>
+          <a:prstGeom prst="rect">
+            <a:avLst/>
+          </a:prstGeom>
+        </p:spPr>
+      </p:pic>
+    </p:spTree>
+    <p:extLst>
+      <p:ext uri="{BB962C8B-B14F-4D97-AF65-F5344CB8AC3E}">
+        <p14:creationId xmlns:p14="http://schemas.microsoft.com/office/powerpoint/2010/main" val="1642016757"/>
+      </p:ext>
+    </p:extLst>
+  </p:cSld>
+  <p:clrMapOvr>
+    <a:masterClrMapping/>
+  </p:clrMapOvr>
+</p:sld>
+</file>
+
+<file path=ppt/slides/slide14.xml><?xml version="1.0" encoding="utf-8"?>
+<p:sld xmlns:a="http://schemas.openxmlformats.org/drawingml/2006/main" xmlns:r="http://schemas.openxmlformats.org/officeDocument/2006/relationships" xmlns:p="http://schemas.openxmlformats.org/presentationml/2006/main">
+  <p:cSld>
+    <p:spTree>
+      <p:nvGrpSpPr>
+        <p:cNvPr id="1" name="">
+          <a:extLst>
+            <a:ext uri="{FF2B5EF4-FFF2-40B4-BE49-F238E27FC236}">
+              <a16:creationId xmlns:a16="http://schemas.microsoft.com/office/drawing/2014/main" id="{80E7A5C4-5CC4-02B0-AECC-10458953D849}"/>
+            </a:ext>
+          </a:extLst>
+        </p:cNvPr>
+        <p:cNvGrpSpPr/>
+        <p:nvPr/>
+      </p:nvGrpSpPr>
+      <p:grpSpPr>
+        <a:xfrm>
+          <a:off x="0" y="0"/>
+          <a:ext cx="0" cy="0"/>
+          <a:chOff x="0" y="0"/>
+          <a:chExt cx="0" cy="0"/>
+        </a:xfrm>
+      </p:grpSpPr>
+      <p:sp>
+        <p:nvSpPr>
+          <p:cNvPr id="2" name="Title 1">
+            <a:extLst>
+              <a:ext uri="{FF2B5EF4-FFF2-40B4-BE49-F238E27FC236}">
+                <a16:creationId xmlns:a16="http://schemas.microsoft.com/office/drawing/2014/main" id="{B018B313-1BEC-EE8D-C18D-B2D67F94EA92}"/>
+              </a:ext>
+            </a:extLst>
+          </p:cNvPr>
+          <p:cNvSpPr>
+            <a:spLocks noGrp="1"/>
+          </p:cNvSpPr>
+          <p:nvPr>
+            <p:ph type="title"/>
+          </p:nvPr>
+        </p:nvSpPr>
+        <p:spPr>
+          <a:xfrm>
+            <a:off x="533400" y="-124732"/>
+            <a:ext cx="10515600" cy="1325563"/>
+          </a:xfrm>
+        </p:spPr>
+        <p:txBody>
+          <a:bodyPr/>
+          <a:lstStyle/>
+          <a:p>
+            <a:r>
+              <a:rPr lang="en-US" dirty="0"/>
+              <a:t>What does consolidation tell us?</a:t>
+            </a:r>
+            <a:endParaRPr lang="en-NZ" dirty="0"/>
+          </a:p>
+        </p:txBody>
+      </p:sp>
+      <p:sp>
+        <p:nvSpPr>
+          <p:cNvPr id="3" name="Content Placeholder 2">
+            <a:extLst>
+              <a:ext uri="{FF2B5EF4-FFF2-40B4-BE49-F238E27FC236}">
+                <a16:creationId xmlns:a16="http://schemas.microsoft.com/office/drawing/2014/main" id="{E79C3382-20E7-1112-55A6-45258EE663D5}"/>
+              </a:ext>
+            </a:extLst>
+          </p:cNvPr>
+          <p:cNvSpPr>
+            <a:spLocks noGrp="1"/>
+          </p:cNvSpPr>
+          <p:nvPr>
+            <p:ph idx="1"/>
+          </p:nvPr>
+        </p:nvSpPr>
+        <p:spPr>
+          <a:xfrm>
+            <a:off x="707572" y="1320574"/>
+            <a:ext cx="9704832" cy="1325563"/>
+          </a:xfrm>
+        </p:spPr>
+        <p:txBody>
+          <a:bodyPr>
+            <a:normAutofit lnSpcReduction="10000"/>
+          </a:bodyPr>
+          <a:lstStyle/>
+          <a:p>
+            <a:pPr marL="0" indent="0">
+              <a:buNone/>
+            </a:pPr>
+            <a:r>
+              <a:rPr lang="en-US" dirty="0"/>
+              <a:t>Stickiness of expenditures (</a:t>
+            </a:r>
+            <a:r>
+              <a:rPr lang="en-US" b="1" dirty="0"/>
+              <a:t>short-termism</a:t>
+            </a:r>
+            <a:r>
+              <a:rPr lang="en-US" dirty="0"/>
+              <a:t>)</a:t>
+            </a:r>
+          </a:p>
+          <a:p>
+            <a:r>
+              <a:rPr lang="en-US" dirty="0"/>
+              <a:t>Growing expenditure with all categories rising together may suggest Budgetary processes that are sticky.</a:t>
+            </a:r>
+          </a:p>
+          <a:p>
+            <a:endParaRPr lang="en-US" dirty="0"/>
+          </a:p>
+        </p:txBody>
+      </p:sp>
+      <p:pic>
+        <p:nvPicPr>
+          <p:cNvPr id="5" name="Picture 4" descr="A graph with blue lines and black text&#10;&#10;AI-generated content may be incorrect.">
+            <a:extLst>
+              <a:ext uri="{FF2B5EF4-FFF2-40B4-BE49-F238E27FC236}">
+                <a16:creationId xmlns:a16="http://schemas.microsoft.com/office/drawing/2014/main" id="{90D4E85B-23FA-F444-8F2E-234F81A05A5C}"/>
+              </a:ext>
+            </a:extLst>
+          </p:cNvPr>
+          <p:cNvPicPr>
+            <a:picLocks noChangeAspect="1"/>
+          </p:cNvPicPr>
+          <p:nvPr/>
+        </p:nvPicPr>
+        <p:blipFill>
+          <a:blip r:embed="rId2">
+            <a:extLst>
+              <a:ext uri="{28A0092B-C50C-407E-A947-70E740481C1C}">
+                <a14:useLocalDpi xmlns:a14="http://schemas.microsoft.com/office/drawing/2010/main" val="0"/>
+              </a:ext>
+            </a:extLst>
+          </a:blip>
+          <a:stretch>
+            <a:fillRect/>
+          </a:stretch>
+        </p:blipFill>
+        <p:spPr>
+          <a:xfrm>
+            <a:off x="3656405" y="2895173"/>
+            <a:ext cx="4355482" cy="3651400"/>
+          </a:xfrm>
+          <a:prstGeom prst="rect">
+            <a:avLst/>
+          </a:prstGeom>
+        </p:spPr>
+      </p:pic>
+    </p:spTree>
+    <p:extLst>
+      <p:ext uri="{BB962C8B-B14F-4D97-AF65-F5344CB8AC3E}">
+        <p14:creationId xmlns:p14="http://schemas.microsoft.com/office/powerpoint/2010/main" val="3857276715"/>
+      </p:ext>
+    </p:extLst>
+  </p:cSld>
+  <p:clrMapOvr>
+    <a:masterClrMapping/>
+  </p:clrMapOvr>
+</p:sld>
+</file>
+
+<file path=ppt/slides/slide15.xml><?xml version="1.0" encoding="utf-8"?>
+<p:sld xmlns:a="http://schemas.openxmlformats.org/drawingml/2006/main" xmlns:r="http://schemas.openxmlformats.org/officeDocument/2006/relationships" xmlns:p="http://schemas.openxmlformats.org/presentationml/2006/main">
+  <p:cSld>
+    <p:spTree>
+      <p:nvGrpSpPr>
+        <p:cNvPr id="1" name=""/>
+        <p:cNvGrpSpPr/>
+        <p:nvPr/>
+      </p:nvGrpSpPr>
+      <p:grpSpPr>
+        <a:xfrm>
+          <a:off x="0" y="0"/>
+          <a:ext cx="0" cy="0"/>
+          <a:chOff x="0" y="0"/>
+          <a:chExt cx="0" cy="0"/>
+        </a:xfrm>
+      </p:grpSpPr>
+      <p:sp>
+        <p:nvSpPr>
+          <p:cNvPr id="2" name="Title 1">
+            <a:extLst>
+              <a:ext uri="{FF2B5EF4-FFF2-40B4-BE49-F238E27FC236}">
+                <a16:creationId xmlns:a16="http://schemas.microsoft.com/office/drawing/2014/main" id="{D7449477-6062-4DEB-E9CF-433F3871A839}"/>
+              </a:ext>
+            </a:extLst>
+          </p:cNvPr>
+          <p:cNvSpPr>
+            <a:spLocks noGrp="1"/>
+          </p:cNvSpPr>
+          <p:nvPr>
+            <p:ph type="title"/>
+          </p:nvPr>
+        </p:nvSpPr>
+        <p:spPr>
+          <a:xfrm>
+            <a:off x="545592" y="109093"/>
+            <a:ext cx="10515600" cy="1325563"/>
+          </a:xfrm>
+        </p:spPr>
+        <p:txBody>
+          <a:bodyPr/>
+          <a:lstStyle/>
+          <a:p>
+            <a:r>
+              <a:rPr lang="en-US" dirty="0"/>
+              <a:t>Benchmarking</a:t>
+            </a:r>
+            <a:endParaRPr lang="en-NZ" dirty="0"/>
+          </a:p>
+        </p:txBody>
+      </p:sp>
+      <p:sp>
+        <p:nvSpPr>
+          <p:cNvPr id="3" name="Content Placeholder 2">
+            <a:extLst>
+              <a:ext uri="{FF2B5EF4-FFF2-40B4-BE49-F238E27FC236}">
+                <a16:creationId xmlns:a16="http://schemas.microsoft.com/office/drawing/2014/main" id="{63213F35-F674-A48B-6EDC-F5C1E0B5C35F}"/>
+              </a:ext>
+            </a:extLst>
+          </p:cNvPr>
+          <p:cNvSpPr>
+            <a:spLocks noGrp="1"/>
+          </p:cNvSpPr>
+          <p:nvPr>
+            <p:ph idx="1"/>
+          </p:nvPr>
+        </p:nvSpPr>
+        <p:spPr>
+          <a:xfrm>
+            <a:off x="838200" y="1321808"/>
+            <a:ext cx="4356847" cy="4351338"/>
+          </a:xfrm>
+        </p:spPr>
+        <p:txBody>
+          <a:bodyPr/>
+          <a:lstStyle/>
+          <a:p>
+            <a:pPr marL="0" indent="0">
+              <a:buNone/>
+            </a:pPr>
+            <a:r>
+              <a:rPr lang="en-US" b="1" dirty="0"/>
+              <a:t>International</a:t>
+            </a:r>
+          </a:p>
+          <a:p>
+            <a:r>
+              <a:rPr lang="en-US" dirty="0"/>
+              <a:t>OECD division COFOG data.</a:t>
+            </a:r>
+          </a:p>
+          <a:p>
+            <a:r>
+              <a:rPr lang="en-US" dirty="0"/>
+              <a:t>Synthetic control exercise to benchmark against “similar” countries.</a:t>
+            </a:r>
+            <a:endParaRPr lang="en-NZ" dirty="0"/>
+          </a:p>
+        </p:txBody>
+      </p:sp>
+      <p:sp>
+        <p:nvSpPr>
+          <p:cNvPr id="4" name="Content Placeholder 2">
+            <a:extLst>
+              <a:ext uri="{FF2B5EF4-FFF2-40B4-BE49-F238E27FC236}">
+                <a16:creationId xmlns:a16="http://schemas.microsoft.com/office/drawing/2014/main" id="{44BFAF0E-73C2-3E4F-3ECE-F1D6CD59A58E}"/>
+              </a:ext>
+            </a:extLst>
+          </p:cNvPr>
+          <p:cNvSpPr txBox="1">
+            <a:spLocks/>
+          </p:cNvSpPr>
+          <p:nvPr/>
+        </p:nvSpPr>
+        <p:spPr>
+          <a:xfrm>
+            <a:off x="6877184" y="1253331"/>
+            <a:ext cx="4356847" cy="4351338"/>
+          </a:xfrm>
+          <a:prstGeom prst="rect">
+            <a:avLst/>
+          </a:prstGeom>
+        </p:spPr>
+        <p:txBody>
+          <a:bodyPr vert="horz" lIns="91440" tIns="45720" rIns="91440" bIns="45720" rtlCol="0">
+            <a:normAutofit lnSpcReduction="10000"/>
+          </a:bodyPr>
+          <a:lstStyle>
+            <a:lvl1pPr marL="228600" indent="-228600" algn="l" defTabSz="914400" rtl="0" eaLnBrk="1" latinLnBrk="0" hangingPunct="1">
+              <a:lnSpc>
+                <a:spcPct val="90000"/>
+              </a:lnSpc>
+              <a:spcBef>
+                <a:spcPts val="1000"/>
+              </a:spcBef>
+              <a:buFont typeface="Arial" panose="020B0604020202020204" pitchFamily="34" charset="0"/>
+              <a:buChar char="•"/>
+              <a:defRPr sz="2800" kern="1200">
+                <a:solidFill>
+                  <a:schemeClr val="tx1"/>
+                </a:solidFill>
+                <a:latin typeface="+mn-lt"/>
+                <a:ea typeface="+mn-ea"/>
+                <a:cs typeface="+mn-cs"/>
+              </a:defRPr>
+            </a:lvl1pPr>
+            <a:lvl2pPr marL="685800" indent="-228600" algn="l" defTabSz="914400" rtl="0" eaLnBrk="1" latinLnBrk="0" hangingPunct="1">
+              <a:lnSpc>
+                <a:spcPct val="90000"/>
+              </a:lnSpc>
+              <a:spcBef>
+                <a:spcPts val="500"/>
+              </a:spcBef>
+              <a:buFont typeface="Arial" panose="020B0604020202020204" pitchFamily="34" charset="0"/>
+              <a:buChar char="•"/>
+              <a:defRPr sz="2400" kern="1200">
+                <a:solidFill>
+                  <a:schemeClr val="tx1"/>
+                </a:solidFill>
+                <a:latin typeface="+mn-lt"/>
+                <a:ea typeface="+mn-ea"/>
+                <a:cs typeface="+mn-cs"/>
+              </a:defRPr>
+            </a:lvl2pPr>
+            <a:lvl3pPr marL="1143000" indent="-228600" algn="l" defTabSz="914400" rtl="0" eaLnBrk="1" latinLnBrk="0" hangingPunct="1">
+              <a:lnSpc>
+                <a:spcPct val="90000"/>
+              </a:lnSpc>
+              <a:spcBef>
+                <a:spcPts val="500"/>
+              </a:spcBef>
+              <a:buFont typeface="Arial" panose="020B0604020202020204" pitchFamily="34" charset="0"/>
+              <a:buChar char="•"/>
+              <a:defRPr sz="2000" kern="1200">
+                <a:solidFill>
+                  <a:schemeClr val="tx1"/>
+                </a:solidFill>
+                <a:latin typeface="+mn-lt"/>
+                <a:ea typeface="+mn-ea"/>
+                <a:cs typeface="+mn-cs"/>
+              </a:defRPr>
+            </a:lvl3pPr>
+            <a:lvl4pPr marL="1600200" indent="-228600" algn="l" defTabSz="914400" rtl="0" eaLnBrk="1" latinLnBrk="0" hangingPunct="1">
+              <a:lnSpc>
+                <a:spcPct val="90000"/>
+              </a:lnSpc>
+              <a:spcBef>
+                <a:spcPts val="500"/>
+              </a:spcBef>
+              <a:buFont typeface="Arial" panose="020B0604020202020204" pitchFamily="34" charset="0"/>
+              <a:buChar char="•"/>
+              <a:defRPr sz="1800" kern="1200">
+                <a:solidFill>
+                  <a:schemeClr val="tx1"/>
+                </a:solidFill>
+                <a:latin typeface="+mn-lt"/>
+                <a:ea typeface="+mn-ea"/>
+                <a:cs typeface="+mn-cs"/>
+              </a:defRPr>
+            </a:lvl4pPr>
+            <a:lvl5pPr marL="2057400" indent="-228600" algn="l" defTabSz="914400" rtl="0" eaLnBrk="1" latinLnBrk="0" hangingPunct="1">
+              <a:lnSpc>
+                <a:spcPct val="90000"/>
+              </a:lnSpc>
+              <a:spcBef>
+                <a:spcPts val="500"/>
+              </a:spcBef>
+              <a:buFont typeface="Arial" panose="020B0604020202020204" pitchFamily="34" charset="0"/>
+              <a:buChar char="•"/>
+              <a:defRPr sz="1800" kern="1200">
+                <a:solidFill>
+                  <a:schemeClr val="tx1"/>
+                </a:solidFill>
+                <a:latin typeface="+mn-lt"/>
+                <a:ea typeface="+mn-ea"/>
+                <a:cs typeface="+mn-cs"/>
+              </a:defRPr>
+            </a:lvl5pPr>
+            <a:lvl6pPr marL="2514600" indent="-228600" algn="l" defTabSz="914400" rtl="0" eaLnBrk="1" latinLnBrk="0" hangingPunct="1">
+              <a:lnSpc>
+                <a:spcPct val="90000"/>
+              </a:lnSpc>
+              <a:spcBef>
+                <a:spcPts val="500"/>
+              </a:spcBef>
+              <a:buFont typeface="Arial" panose="020B0604020202020204" pitchFamily="34" charset="0"/>
+              <a:buChar char="•"/>
+              <a:defRPr sz="1800" kern="1200">
+                <a:solidFill>
+                  <a:schemeClr val="tx1"/>
+                </a:solidFill>
+                <a:latin typeface="+mn-lt"/>
+                <a:ea typeface="+mn-ea"/>
+                <a:cs typeface="+mn-cs"/>
+              </a:defRPr>
+            </a:lvl6pPr>
+            <a:lvl7pPr marL="2971800" indent="-228600" algn="l" defTabSz="914400" rtl="0" eaLnBrk="1" latinLnBrk="0" hangingPunct="1">
+              <a:lnSpc>
+                <a:spcPct val="90000"/>
+              </a:lnSpc>
+              <a:spcBef>
+                <a:spcPts val="500"/>
+              </a:spcBef>
+              <a:buFont typeface="Arial" panose="020B0604020202020204" pitchFamily="34" charset="0"/>
+              <a:buChar char="•"/>
+              <a:defRPr sz="1800" kern="1200">
+                <a:solidFill>
+                  <a:schemeClr val="tx1"/>
+                </a:solidFill>
+                <a:latin typeface="+mn-lt"/>
+                <a:ea typeface="+mn-ea"/>
+                <a:cs typeface="+mn-cs"/>
+              </a:defRPr>
+            </a:lvl7pPr>
+            <a:lvl8pPr marL="3429000" indent="-228600" algn="l" defTabSz="914400" rtl="0" eaLnBrk="1" latinLnBrk="0" hangingPunct="1">
+              <a:lnSpc>
+                <a:spcPct val="90000"/>
+              </a:lnSpc>
+              <a:spcBef>
+                <a:spcPts val="500"/>
+              </a:spcBef>
+              <a:buFont typeface="Arial" panose="020B0604020202020204" pitchFamily="34" charset="0"/>
+              <a:buChar char="•"/>
+              <a:defRPr sz="1800" kern="1200">
+                <a:solidFill>
+                  <a:schemeClr val="tx1"/>
+                </a:solidFill>
+                <a:latin typeface="+mn-lt"/>
+                <a:ea typeface="+mn-ea"/>
+                <a:cs typeface="+mn-cs"/>
+              </a:defRPr>
+            </a:lvl8pPr>
+            <a:lvl9pPr marL="3886200" indent="-228600" algn="l" defTabSz="914400" rtl="0" eaLnBrk="1" latinLnBrk="0" hangingPunct="1">
+              <a:lnSpc>
+                <a:spcPct val="90000"/>
+              </a:lnSpc>
+              <a:spcBef>
+                <a:spcPts val="500"/>
+              </a:spcBef>
+              <a:buFont typeface="Arial" panose="020B0604020202020204" pitchFamily="34" charset="0"/>
+              <a:buChar char="•"/>
+              <a:defRPr sz="1800" kern="1200">
+                <a:solidFill>
+                  <a:schemeClr val="tx1"/>
+                </a:solidFill>
+                <a:latin typeface="+mn-lt"/>
+                <a:ea typeface="+mn-ea"/>
+                <a:cs typeface="+mn-cs"/>
+              </a:defRPr>
+            </a:lvl9pPr>
+          </a:lstStyle>
+          <a:p>
+            <a:pPr marL="0" indent="0">
+              <a:buFont typeface="Arial" panose="020B0604020202020204" pitchFamily="34" charset="0"/>
+              <a:buNone/>
+            </a:pPr>
+            <a:r>
+              <a:rPr lang="en-US" b="1" dirty="0"/>
+              <a:t>Adjusted expenditures</a:t>
+            </a:r>
+          </a:p>
+          <a:p>
+            <a:r>
+              <a:rPr lang="en-US" dirty="0"/>
+              <a:t>Disaggregated COFOG</a:t>
+            </a:r>
+          </a:p>
+          <a:p>
+            <a:r>
+              <a:rPr lang="en-US" dirty="0"/>
+              <a:t>Use demographic and economic factors to build benchmarks.</a:t>
+            </a:r>
+          </a:p>
+          <a:p>
+            <a:r>
+              <a:rPr lang="en-US" dirty="0"/>
+              <a:t>Sectors:</a:t>
+            </a:r>
+          </a:p>
+          <a:p>
+            <a:pPr lvl="1"/>
+            <a:r>
+              <a:rPr lang="en-US" dirty="0"/>
+              <a:t>Health,</a:t>
+            </a:r>
+          </a:p>
+          <a:p>
+            <a:pPr lvl="1"/>
+            <a:r>
+              <a:rPr lang="en-US" dirty="0"/>
+              <a:t>Education,</a:t>
+            </a:r>
+          </a:p>
+          <a:p>
+            <a:pPr lvl="1"/>
+            <a:r>
+              <a:rPr lang="en-US" dirty="0"/>
+              <a:t>Public admin (ex </a:t>
+            </a:r>
+            <a:r>
+              <a:rPr lang="en-US" dirty="0" err="1"/>
+              <a:t>defence</a:t>
+            </a:r>
+            <a:r>
+              <a:rPr lang="en-US" dirty="0"/>
+              <a:t>),</a:t>
+            </a:r>
+          </a:p>
+          <a:p>
+            <a:pPr lvl="1"/>
+            <a:r>
+              <a:rPr lang="en-US" dirty="0" err="1"/>
+              <a:t>Defence</a:t>
+            </a:r>
+            <a:r>
+              <a:rPr lang="en-US" dirty="0"/>
+              <a:t>,</a:t>
+            </a:r>
+          </a:p>
+          <a:p>
+            <a:pPr lvl="1"/>
+            <a:r>
+              <a:rPr lang="en-US" dirty="0"/>
+              <a:t>Other expenses</a:t>
+            </a:r>
+            <a:endParaRPr lang="en-NZ" dirty="0"/>
+          </a:p>
+        </p:txBody>
+      </p:sp>
+    </p:spTree>
+    <p:extLst>
+      <p:ext uri="{BB962C8B-B14F-4D97-AF65-F5344CB8AC3E}">
+        <p14:creationId xmlns:p14="http://schemas.microsoft.com/office/powerpoint/2010/main" val="3617518998"/>
+      </p:ext>
+    </p:extLst>
+  </p:cSld>
+  <p:clrMapOvr>
+    <a:masterClrMapping/>
+  </p:clrMapOvr>
+</p:sld>
+</file>
+
+<file path=ppt/slides/slide16.xml><?xml version="1.0" encoding="utf-8"?>
+<p:sld xmlns:a="http://schemas.openxmlformats.org/drawingml/2006/main" xmlns:r="http://schemas.openxmlformats.org/officeDocument/2006/relationships" xmlns:p="http://schemas.openxmlformats.org/presentationml/2006/main">
+  <p:cSld>
+    <p:bg>
+      <p:bgPr>
+        <a:solidFill>
+          <a:schemeClr val="bg1"/>
+        </a:solidFill>
+        <a:effectLst/>
+      </p:bgPr>
+    </p:bg>
+    <p:spTree>
+      <p:nvGrpSpPr>
+        <p:cNvPr id="1" name="">
+          <a:extLst>
+            <a:ext uri="{FF2B5EF4-FFF2-40B4-BE49-F238E27FC236}">
+              <a16:creationId xmlns:a16="http://schemas.microsoft.com/office/drawing/2014/main" id="{2BFA4CC9-30D7-CF96-4022-82384A3670BD}"/>
+            </a:ext>
+          </a:extLst>
+        </p:cNvPr>
+        <p:cNvGrpSpPr/>
+        <p:nvPr/>
+      </p:nvGrpSpPr>
+      <p:grpSpPr>
+        <a:xfrm>
+          <a:off x="0" y="0"/>
+          <a:ext cx="0" cy="0"/>
+          <a:chOff x="0" y="0"/>
+          <a:chExt cx="0" cy="0"/>
+        </a:xfrm>
+      </p:grpSpPr>
+      <p:sp useBgFill="1">
+        <p:nvSpPr>
+          <p:cNvPr id="17" name="Rectangle 16">
+            <a:extLst>
+              <a:ext uri="{FF2B5EF4-FFF2-40B4-BE49-F238E27FC236}">
+                <a16:creationId xmlns:a16="http://schemas.microsoft.com/office/drawing/2014/main" id="{2151139A-886F-4B97-8815-729AD3831BBD}"/>
+              </a:ext>
+              <a:ext uri="{C183D7F6-B498-43B3-948B-1728B52AA6E4}">
+                <adec:decorative xmlns:adec="http://schemas.microsoft.com/office/drawing/2017/decorative" val="1"/>
+              </a:ext>
+            </a:extLst>
+          </p:cNvPr>
+          <p:cNvSpPr>
+            <a:spLocks noGrp="1" noRot="1" noChangeAspect="1" noMove="1" noResize="1" noEditPoints="1" noAdjustHandles="1" noChangeArrowheads="1" noChangeShapeType="1" noTextEdit="1"/>
+          </p:cNvSpPr>
+          <p:nvPr>
+            <p:extLst>
+              <p:ext uri="{386F3935-93C4-4BCD-93E2-E3B085C9AB24}">
+                <p16:designElem xmlns:p16="http://schemas.microsoft.com/office/powerpoint/2015/main" val="1"/>
+              </p:ext>
+            </p:extLst>
+          </p:nvPr>
+        </p:nvSpPr>
+        <p:spPr>
+          <a:xfrm>
+            <a:off x="0" y="0"/>
+            <a:ext cx="12192000" cy="6858000"/>
+          </a:xfrm>
+          <a:prstGeom prst="rect">
+            <a:avLst/>
+          </a:prstGeom>
+          <a:ln w="12700" cap="flat" cmpd="sng" algn="ctr">
+            <a:noFill/>
+            <a:prstDash val="solid"/>
+            <a:miter lim="800000"/>
+          </a:ln>
+          <a:effectLst/>
+          <a:extLst>
+            <a:ext uri="{91240B29-F687-4F45-9708-019B960494DF}">
+              <a14:hiddenLine xmlns:a14="http://schemas.microsoft.com/office/drawing/2010/main" w="12700" cap="flat" cmpd="sng" algn="ctr">
+                <a:solidFill>
+                  <a:schemeClr val="accent1">
+                    <a:shade val="50000"/>
+                  </a:schemeClr>
+                </a:solidFill>
+                <a:prstDash val="solid"/>
+                <a:miter lim="800000"/>
+              </a14:hiddenLine>
+            </a:ext>
+          </a:extLst>
+        </p:spPr>
+        <p:style>
+          <a:lnRef idx="2">
+            <a:schemeClr val="accent1">
+              <a:shade val="50000"/>
+            </a:schemeClr>
+          </a:lnRef>
+          <a:fillRef idx="1">
+            <a:schemeClr val="accent1"/>
+          </a:fillRef>
+          <a:effectRef idx="0">
+            <a:schemeClr val="accent1"/>
+          </a:effectRef>
+          <a:fontRef idx="minor">
+            <a:schemeClr val="lt1"/>
+          </a:fontRef>
+        </p:style>
+        <p:txBody>
+          <a:bodyPr rtlCol="0" anchor="ctr"/>
+          <a:lstStyle/>
+          <a:p>
+            <a:pPr algn="ctr"/>
+            <a:endParaRPr lang="en-US" sz="2000"/>
+          </a:p>
+        </p:txBody>
+      </p:sp>
+      <p:sp>
+        <p:nvSpPr>
+          <p:cNvPr id="18" name="Rectangle 17">
+            <a:extLst>
+              <a:ext uri="{FF2B5EF4-FFF2-40B4-BE49-F238E27FC236}">
+                <a16:creationId xmlns:a16="http://schemas.microsoft.com/office/drawing/2014/main" id="{AB5E08C4-8CDD-4623-A5B8-E998C6DEE3B7}"/>
+              </a:ext>
+              <a:ext uri="{C183D7F6-B498-43B3-948B-1728B52AA6E4}">
+                <adec:decorative xmlns:adec="http://schemas.microsoft.com/office/drawing/2017/decorative" val="1"/>
+              </a:ext>
+            </a:extLst>
+          </p:cNvPr>
+          <p:cNvSpPr>
+            <a:spLocks noGrp="1" noRot="1" noChangeAspect="1" noMove="1" noResize="1" noEditPoints="1" noAdjustHandles="1" noChangeArrowheads="1" noChangeShapeType="1" noTextEdit="1"/>
+          </p:cNvSpPr>
+          <p:nvPr>
+            <p:extLst>
+              <p:ext uri="{386F3935-93C4-4BCD-93E2-E3B085C9AB24}">
+                <p16:designElem xmlns:p16="http://schemas.microsoft.com/office/powerpoint/2015/main" val="1"/>
+              </p:ext>
+            </p:extLst>
+          </p:nvPr>
+        </p:nvSpPr>
+        <p:spPr>
+          <a:xfrm flipH="1">
+            <a:off x="2" y="492"/>
+            <a:ext cx="12191998" cy="1575955"/>
+          </a:xfrm>
+          <a:prstGeom prst="rect">
+            <a:avLst/>
+          </a:prstGeom>
+          <a:gradFill>
+            <a:gsLst>
+              <a:gs pos="0">
+                <a:schemeClr val="accent1">
+                  <a:lumMod val="50000"/>
+                </a:schemeClr>
+              </a:gs>
+              <a:gs pos="100000">
+                <a:schemeClr val="accent1">
+                  <a:lumMod val="75000"/>
+                </a:schemeClr>
+              </a:gs>
+            </a:gsLst>
+            <a:lin ang="8400000" scaled="0"/>
+          </a:gradFill>
+          <a:ln>
+            <a:noFill/>
+          </a:ln>
+        </p:spPr>
+        <p:style>
+          <a:lnRef idx="2">
+            <a:schemeClr val="accent1">
+              <a:shade val="50000"/>
+            </a:schemeClr>
+          </a:lnRef>
+          <a:fillRef idx="1">
+            <a:schemeClr val="accent1"/>
+          </a:fillRef>
+          <a:effectRef idx="0">
+            <a:schemeClr val="accent1"/>
+          </a:effectRef>
+          <a:fontRef idx="minor">
+            <a:schemeClr val="lt1"/>
+          </a:fontRef>
+        </p:style>
+        <p:txBody>
+          <a:bodyPr rtlCol="0" anchor="ctr"/>
+          <a:lstStyle/>
+          <a:p>
+            <a:pPr algn="ctr"/>
+            <a:endParaRPr lang="en-US"/>
+          </a:p>
+        </p:txBody>
+      </p:sp>
+      <p:sp>
+        <p:nvSpPr>
+          <p:cNvPr id="19" name="Rectangle 18">
+            <a:extLst>
+              <a:ext uri="{FF2B5EF4-FFF2-40B4-BE49-F238E27FC236}">
+                <a16:creationId xmlns:a16="http://schemas.microsoft.com/office/drawing/2014/main" id="{15F33878-D502-4FFA-8ACE-F2AECDB2A23F}"/>
+              </a:ext>
+              <a:ext uri="{C183D7F6-B498-43B3-948B-1728B52AA6E4}">
+                <adec:decorative xmlns:adec="http://schemas.microsoft.com/office/drawing/2017/decorative" val="1"/>
+              </a:ext>
+            </a:extLst>
+          </p:cNvPr>
+          <p:cNvSpPr>
+            <a:spLocks noGrp="1" noRot="1" noChangeAspect="1" noMove="1" noResize="1" noEditPoints="1" noAdjustHandles="1" noChangeArrowheads="1" noChangeShapeType="1" noTextEdit="1"/>
+          </p:cNvSpPr>
+          <p:nvPr>
+            <p:extLst>
+              <p:ext uri="{386F3935-93C4-4BCD-93E2-E3B085C9AB24}">
+                <p16:designElem xmlns:p16="http://schemas.microsoft.com/office/powerpoint/2015/main" val="1"/>
+              </p:ext>
+            </p:extLst>
+          </p:nvPr>
+        </p:nvSpPr>
+        <p:spPr>
+          <a:xfrm rot="10800000" flipH="1">
+            <a:off x="8128857" y="35"/>
+            <a:ext cx="4063143" cy="1576412"/>
+          </a:xfrm>
+          <a:prstGeom prst="rect">
+            <a:avLst/>
+          </a:prstGeom>
+          <a:gradFill>
+            <a:gsLst>
+              <a:gs pos="19000">
+                <a:schemeClr val="accent1">
+                  <a:lumMod val="50000"/>
+                  <a:alpha val="68000"/>
+                </a:schemeClr>
+              </a:gs>
+              <a:gs pos="100000">
+                <a:schemeClr val="accent1">
+                  <a:alpha val="79000"/>
+                </a:schemeClr>
+              </a:gs>
+            </a:gsLst>
+            <a:lin ang="19200000" scaled="0"/>
+          </a:gradFill>
+          <a:ln>
+            <a:noFill/>
+          </a:ln>
+        </p:spPr>
+        <p:style>
+          <a:lnRef idx="2">
+            <a:schemeClr val="accent1">
+              <a:shade val="50000"/>
+            </a:schemeClr>
+          </a:lnRef>
+          <a:fillRef idx="1">
+            <a:schemeClr val="accent1"/>
+          </a:fillRef>
+          <a:effectRef idx="0">
+            <a:schemeClr val="accent1"/>
+          </a:effectRef>
+          <a:fontRef idx="minor">
+            <a:schemeClr val="lt1"/>
+          </a:fontRef>
+        </p:style>
+        <p:txBody>
+          <a:bodyPr rtlCol="0" anchor="ctr"/>
+          <a:lstStyle/>
+          <a:p>
+            <a:pPr algn="ctr"/>
+            <a:endParaRPr lang="en-US"/>
+          </a:p>
+        </p:txBody>
+      </p:sp>
+      <p:sp>
+        <p:nvSpPr>
+          <p:cNvPr id="21" name="Rectangle 20">
+            <a:extLst>
+              <a:ext uri="{FF2B5EF4-FFF2-40B4-BE49-F238E27FC236}">
+                <a16:creationId xmlns:a16="http://schemas.microsoft.com/office/drawing/2014/main" id="{D3539FEE-81D3-4406-802E-60B20B16F4F6}"/>
+              </a:ext>
+              <a:ext uri="{C183D7F6-B498-43B3-948B-1728B52AA6E4}">
+                <adec:decorative xmlns:adec="http://schemas.microsoft.com/office/drawing/2017/decorative" val="1"/>
+              </a:ext>
+            </a:extLst>
+          </p:cNvPr>
+          <p:cNvSpPr>
+            <a:spLocks noGrp="1" noRot="1" noChangeAspect="1" noMove="1" noResize="1" noEditPoints="1" noAdjustHandles="1" noChangeArrowheads="1" noChangeShapeType="1" noTextEdit="1"/>
+          </p:cNvSpPr>
+          <p:nvPr>
+            <p:extLst>
+              <p:ext uri="{386F3935-93C4-4BCD-93E2-E3B085C9AB24}">
+                <p16:designElem xmlns:p16="http://schemas.microsoft.com/office/powerpoint/2015/main" val="1"/>
+              </p:ext>
+            </p:extLst>
+          </p:nvPr>
+        </p:nvSpPr>
+        <p:spPr>
+          <a:xfrm rot="5400000">
+            <a:off x="5307778" y="-5307777"/>
+            <a:ext cx="1576446" cy="12192001"/>
+          </a:xfrm>
+          <a:prstGeom prst="rect">
+            <a:avLst/>
+          </a:prstGeom>
+          <a:gradFill>
+            <a:gsLst>
+              <a:gs pos="16000">
+                <a:srgbClr val="000000">
+                  <a:alpha val="0"/>
+                </a:srgbClr>
+              </a:gs>
+              <a:gs pos="99000">
+                <a:srgbClr val="000000">
+                  <a:alpha val="87000"/>
+                </a:srgbClr>
+              </a:gs>
+            </a:gsLst>
+            <a:lin ang="11400000" scaled="0"/>
+          </a:gradFill>
+          <a:ln>
+            <a:noFill/>
+          </a:ln>
+        </p:spPr>
+        <p:style>
+          <a:lnRef idx="2">
+            <a:schemeClr val="accent1">
+              <a:shade val="50000"/>
+            </a:schemeClr>
+          </a:lnRef>
+          <a:fillRef idx="1">
+            <a:schemeClr val="accent1"/>
+          </a:fillRef>
+          <a:effectRef idx="0">
+            <a:schemeClr val="accent1"/>
+          </a:effectRef>
+          <a:fontRef idx="minor">
+            <a:schemeClr val="lt1"/>
+          </a:fontRef>
+        </p:style>
+        <p:txBody>
+          <a:bodyPr rtlCol="0" anchor="ctr"/>
+          <a:lstStyle/>
+          <a:p>
+            <a:pPr algn="ctr"/>
+            <a:endParaRPr lang="en-US" dirty="0"/>
+          </a:p>
+        </p:txBody>
+      </p:sp>
+      <p:sp>
+        <p:nvSpPr>
+          <p:cNvPr id="23" name="Rectangle 22">
+            <a:extLst>
+              <a:ext uri="{FF2B5EF4-FFF2-40B4-BE49-F238E27FC236}">
+                <a16:creationId xmlns:a16="http://schemas.microsoft.com/office/drawing/2014/main" id="{DC701763-729E-462F-A5A8-E0DEFEB1E2E4}"/>
+              </a:ext>
+              <a:ext uri="{C183D7F6-B498-43B3-948B-1728B52AA6E4}">
+                <adec:decorative xmlns:adec="http://schemas.microsoft.com/office/drawing/2017/decorative" val="1"/>
+              </a:ext>
+            </a:extLst>
+          </p:cNvPr>
+          <p:cNvSpPr>
+            <a:spLocks noGrp="1" noRot="1" noChangeAspect="1" noMove="1" noResize="1" noEditPoints="1" noAdjustHandles="1" noChangeArrowheads="1" noChangeShapeType="1" noTextEdit="1"/>
+          </p:cNvSpPr>
+          <p:nvPr>
+            <p:extLst>
+              <p:ext uri="{386F3935-93C4-4BCD-93E2-E3B085C9AB24}">
+                <p16:designElem xmlns:p16="http://schemas.microsoft.com/office/powerpoint/2015/main" val="1"/>
+              </p:ext>
+            </p:extLst>
+          </p:nvPr>
+        </p:nvSpPr>
+        <p:spPr>
+          <a:xfrm>
+            <a:off x="3825434" y="986"/>
+            <a:ext cx="4303422" cy="1575461"/>
+          </a:xfrm>
+          <a:prstGeom prst="rect">
+            <a:avLst/>
+          </a:prstGeom>
+          <a:gradFill>
+            <a:gsLst>
+              <a:gs pos="0">
+                <a:schemeClr val="accent1">
+                  <a:alpha val="17000"/>
+                </a:schemeClr>
+              </a:gs>
+              <a:gs pos="74000">
+                <a:schemeClr val="accent1">
+                  <a:lumMod val="50000"/>
+                  <a:alpha val="0"/>
+                </a:schemeClr>
+              </a:gs>
+            </a:gsLst>
+            <a:lin ang="14400000" scaled="0"/>
+          </a:gradFill>
+          <a:ln>
+            <a:noFill/>
+          </a:ln>
+        </p:spPr>
+        <p:style>
+          <a:lnRef idx="2">
+            <a:schemeClr val="accent1">
+              <a:shade val="50000"/>
+            </a:schemeClr>
+          </a:lnRef>
+          <a:fillRef idx="1">
+            <a:schemeClr val="accent1"/>
+          </a:fillRef>
+          <a:effectRef idx="0">
+            <a:schemeClr val="accent1"/>
+          </a:effectRef>
+          <a:fontRef idx="minor">
+            <a:schemeClr val="lt1"/>
+          </a:fontRef>
+        </p:style>
+        <p:txBody>
+          <a:bodyPr rtlCol="0" anchor="ctr"/>
+          <a:lstStyle/>
+          <a:p>
+            <a:pPr algn="ctr"/>
+            <a:endParaRPr lang="en-US"/>
+          </a:p>
+        </p:txBody>
+      </p:sp>
+      <p:sp>
+        <p:nvSpPr>
+          <p:cNvPr id="2" name="Title 1">
+            <a:extLst>
+              <a:ext uri="{FF2B5EF4-FFF2-40B4-BE49-F238E27FC236}">
+                <a16:creationId xmlns:a16="http://schemas.microsoft.com/office/drawing/2014/main" id="{FBA15F64-98D5-30E2-F0F2-D8D4DC660034}"/>
+              </a:ext>
+            </a:extLst>
+          </p:cNvPr>
+          <p:cNvSpPr>
+            <a:spLocks noGrp="1"/>
+          </p:cNvSpPr>
+          <p:nvPr>
+            <p:ph type="title"/>
+          </p:nvPr>
+        </p:nvSpPr>
+        <p:spPr>
+          <a:xfrm>
+            <a:off x="699714" y="353160"/>
+            <a:ext cx="7091300" cy="898581"/>
+          </a:xfrm>
+        </p:spPr>
+        <p:txBody>
+          <a:bodyPr vert="horz" lIns="91440" tIns="45720" rIns="91440" bIns="45720" rtlCol="0" anchor="ctr">
+            <a:normAutofit/>
+          </a:bodyPr>
+          <a:lstStyle/>
+          <a:p>
+            <a:r>
+              <a:rPr lang="en-US" sz="4000">
+                <a:solidFill>
+                  <a:srgbClr val="FFFFFF"/>
+                </a:solidFill>
+              </a:rPr>
+              <a:t>International Benchmarking</a:t>
+            </a:r>
+          </a:p>
+        </p:txBody>
+      </p:sp>
+      <p:sp>
+        <p:nvSpPr>
+          <p:cNvPr id="14" name="TextBox 13">
+            <a:extLst>
+              <a:ext uri="{FF2B5EF4-FFF2-40B4-BE49-F238E27FC236}">
+                <a16:creationId xmlns:a16="http://schemas.microsoft.com/office/drawing/2014/main" id="{5516316B-FFB6-745D-175C-93D0884379C2}"/>
+              </a:ext>
+            </a:extLst>
+          </p:cNvPr>
+          <p:cNvSpPr txBox="1"/>
+          <p:nvPr/>
+        </p:nvSpPr>
+        <p:spPr>
+          <a:xfrm>
+            <a:off x="8571507" y="387224"/>
+            <a:ext cx="3291839" cy="830453"/>
+          </a:xfrm>
+          <a:prstGeom prst="rect">
+            <a:avLst/>
+          </a:prstGeom>
+        </p:spPr>
+        <p:txBody>
+          <a:bodyPr vert="horz" lIns="91440" tIns="45720" rIns="91440" bIns="45720" rtlCol="0" anchor="ctr">
+            <a:normAutofit/>
+          </a:bodyPr>
+          <a:lstStyle/>
+          <a:p>
+            <a:pPr>
+              <a:lnSpc>
+                <a:spcPct val="90000"/>
+              </a:lnSpc>
+              <a:spcBef>
+                <a:spcPts val="1000"/>
+              </a:spcBef>
+            </a:pPr>
+            <a:r>
+              <a:rPr lang="en-US" sz="2000" b="1">
+                <a:solidFill>
+                  <a:srgbClr val="FFFFFF"/>
+                </a:solidFill>
+              </a:rPr>
+              <a:t>Synthetic control exercise on overall spending</a:t>
+            </a:r>
+          </a:p>
+        </p:txBody>
+      </p:sp>
+      <p:pic>
+        <p:nvPicPr>
+          <p:cNvPr id="7" name="Picture 6" descr="A graph with lines and dots&#10;&#10;Description automatically generated">
+            <a:extLst>
+              <a:ext uri="{FF2B5EF4-FFF2-40B4-BE49-F238E27FC236}">
+                <a16:creationId xmlns:a16="http://schemas.microsoft.com/office/drawing/2014/main" id="{8A0A1153-C56A-2FB0-4B9A-B0F8EA891151}"/>
+              </a:ext>
+            </a:extLst>
+          </p:cNvPr>
+          <p:cNvPicPr>
+            <a:picLocks noChangeAspect="1"/>
+          </p:cNvPicPr>
+          <p:nvPr/>
+        </p:nvPicPr>
+        <p:blipFill>
+          <a:blip r:embed="rId3">
+            <a:extLst>
+              <a:ext uri="{28A0092B-C50C-407E-A947-70E740481C1C}">
+                <a14:useLocalDpi xmlns:a14="http://schemas.microsoft.com/office/drawing/2010/main" val="0"/>
+              </a:ext>
+            </a:extLst>
+          </a:blip>
+          <a:stretch>
+            <a:fillRect/>
+          </a:stretch>
+        </p:blipFill>
+        <p:spPr>
+          <a:xfrm>
+            <a:off x="6453138" y="2265863"/>
+            <a:ext cx="3897695" cy="3997637"/>
+          </a:xfrm>
+          <a:prstGeom prst="rect">
+            <a:avLst/>
+          </a:prstGeom>
+        </p:spPr>
+      </p:pic>
+      <p:pic>
+        <p:nvPicPr>
+          <p:cNvPr id="5" name="Content Placeholder 4" descr="A graph with lines and dots&#10;&#10;Description automatically generated">
+            <a:extLst>
+              <a:ext uri="{FF2B5EF4-FFF2-40B4-BE49-F238E27FC236}">
+                <a16:creationId xmlns:a16="http://schemas.microsoft.com/office/drawing/2014/main" id="{494A329E-5F8B-ABBA-26F0-C39F1B15702D}"/>
+              </a:ext>
+            </a:extLst>
+          </p:cNvPr>
+          <p:cNvPicPr>
+            <a:picLocks noGrp="1" noChangeAspect="1"/>
+          </p:cNvPicPr>
+          <p:nvPr>
+            <p:ph idx="1"/>
+          </p:nvPr>
+        </p:nvPicPr>
+        <p:blipFill>
+          <a:blip r:embed="rId4">
+            <a:extLst>
+              <a:ext uri="{28A0092B-C50C-407E-A947-70E740481C1C}">
+                <a14:useLocalDpi xmlns:a14="http://schemas.microsoft.com/office/drawing/2010/main" val="0"/>
+              </a:ext>
+            </a:extLst>
+          </a:blip>
+          <a:stretch>
+            <a:fillRect/>
+          </a:stretch>
+        </p:blipFill>
+        <p:spPr>
+          <a:xfrm>
+            <a:off x="862922" y="2335731"/>
+            <a:ext cx="3897884" cy="3997831"/>
+          </a:xfrm>
+          <a:prstGeom prst="rect">
+            <a:avLst/>
+          </a:prstGeom>
+        </p:spPr>
+      </p:pic>
+      <p:sp>
+        <p:nvSpPr>
+          <p:cNvPr id="15" name="TextBox 14">
+            <a:extLst>
+              <a:ext uri="{FF2B5EF4-FFF2-40B4-BE49-F238E27FC236}">
+                <a16:creationId xmlns:a16="http://schemas.microsoft.com/office/drawing/2014/main" id="{0CFA44DB-99E3-A2CF-2929-4FD07C95CC06}"/>
+              </a:ext>
+            </a:extLst>
+          </p:cNvPr>
+          <p:cNvSpPr txBox="1"/>
+          <p:nvPr/>
+        </p:nvSpPr>
+        <p:spPr>
+          <a:xfrm>
+            <a:off x="6480279" y="6858000"/>
+            <a:ext cx="5270545" cy="1708160"/>
+          </a:xfrm>
+          <a:prstGeom prst="rect">
+            <a:avLst/>
+          </a:prstGeom>
+          <a:noFill/>
+        </p:spPr>
+        <p:txBody>
+          <a:bodyPr wrap="none" rtlCol="0">
+            <a:spAutoFit/>
+          </a:bodyPr>
+          <a:lstStyle/>
+          <a:p>
+            <a:pPr marL="285750" indent="-285750">
+              <a:spcAft>
+                <a:spcPts val="600"/>
+              </a:spcAft>
+              <a:buFont typeface="Arial" panose="020B0604020202020204" pitchFamily="34" charset="0"/>
+              <a:buChar char="•"/>
+            </a:pPr>
+            <a:r>
+              <a:rPr lang="en-US" dirty="0"/>
+              <a:t>Relative to countries with similar E/GDP ratio </a:t>
+            </a:r>
+            <a:br>
+              <a:rPr lang="en-US" dirty="0"/>
+            </a:br>
+            <a:r>
+              <a:rPr lang="en-US" dirty="0"/>
+              <a:t>movements prior to the GFC, Australia has risen.</a:t>
+            </a:r>
+          </a:p>
+          <a:p>
+            <a:pPr marL="285750" indent="-285750">
+              <a:spcAft>
+                <a:spcPts val="600"/>
+              </a:spcAft>
+              <a:buFont typeface="Arial" panose="020B0604020202020204" pitchFamily="34" charset="0"/>
+              <a:buChar char="•"/>
+            </a:pPr>
+            <a:r>
+              <a:rPr lang="en-US" dirty="0"/>
+              <a:t>Something (after adjustments)</a:t>
+            </a:r>
+          </a:p>
+          <a:p>
+            <a:pPr marL="285750" indent="-285750">
+              <a:spcAft>
+                <a:spcPts val="600"/>
+              </a:spcAft>
+              <a:buFont typeface="Arial" panose="020B0604020202020204" pitchFamily="34" charset="0"/>
+              <a:buChar char="•"/>
+            </a:pPr>
+            <a:endParaRPr lang="en-US" dirty="0"/>
+          </a:p>
+          <a:p>
+            <a:pPr marL="285750" indent="-285750">
+              <a:spcAft>
+                <a:spcPts val="600"/>
+              </a:spcAft>
+              <a:buFont typeface="Arial" panose="020B0604020202020204" pitchFamily="34" charset="0"/>
+              <a:buChar char="•"/>
+            </a:pPr>
+            <a:r>
+              <a:rPr lang="en-US" dirty="0"/>
+              <a:t>Key question is what has driven this.</a:t>
+            </a:r>
+            <a:endParaRPr lang="en-NZ" dirty="0"/>
+          </a:p>
+        </p:txBody>
+      </p:sp>
+      <p:sp>
+        <p:nvSpPr>
+          <p:cNvPr id="8" name="TextBox 7">
+            <a:extLst>
+              <a:ext uri="{FF2B5EF4-FFF2-40B4-BE49-F238E27FC236}">
+                <a16:creationId xmlns:a16="http://schemas.microsoft.com/office/drawing/2014/main" id="{5E824EDD-D2A2-F414-417E-A618BA41772F}"/>
+              </a:ext>
+            </a:extLst>
+          </p:cNvPr>
+          <p:cNvSpPr txBox="1"/>
+          <p:nvPr/>
+        </p:nvSpPr>
+        <p:spPr>
+          <a:xfrm>
+            <a:off x="7230284" y="1826359"/>
+            <a:ext cx="2786551" cy="369332"/>
+          </a:xfrm>
+          <a:prstGeom prst="rect">
+            <a:avLst/>
+          </a:prstGeom>
+          <a:noFill/>
+        </p:spPr>
+        <p:txBody>
+          <a:bodyPr wrap="square" rtlCol="0">
+            <a:spAutoFit/>
+          </a:bodyPr>
+          <a:lstStyle/>
+          <a:p>
+            <a:pPr>
+              <a:spcAft>
+                <a:spcPts val="600"/>
+              </a:spcAft>
+            </a:pPr>
+            <a:r>
+              <a:rPr lang="en-US" b="1" dirty="0"/>
+              <a:t>Age adjusted – Exp/GDP</a:t>
+            </a:r>
+            <a:endParaRPr lang="en-NZ" b="1" dirty="0"/>
+          </a:p>
+        </p:txBody>
+      </p:sp>
+      <p:sp>
+        <p:nvSpPr>
+          <p:cNvPr id="9" name="TextBox 8">
+            <a:extLst>
+              <a:ext uri="{FF2B5EF4-FFF2-40B4-BE49-F238E27FC236}">
+                <a16:creationId xmlns:a16="http://schemas.microsoft.com/office/drawing/2014/main" id="{148F94E1-D3CA-4956-9FA7-4AC2BF8238D7}"/>
+              </a:ext>
+            </a:extLst>
+          </p:cNvPr>
+          <p:cNvSpPr txBox="1"/>
+          <p:nvPr/>
+        </p:nvSpPr>
+        <p:spPr>
+          <a:xfrm>
+            <a:off x="1792794" y="1826359"/>
+            <a:ext cx="2114188" cy="369332"/>
+          </a:xfrm>
+          <a:prstGeom prst="rect">
+            <a:avLst/>
+          </a:prstGeom>
+          <a:noFill/>
+        </p:spPr>
+        <p:txBody>
+          <a:bodyPr wrap="square" rtlCol="0">
+            <a:spAutoFit/>
+          </a:bodyPr>
+          <a:lstStyle/>
+          <a:p>
+            <a:pPr>
+              <a:spcAft>
+                <a:spcPts val="600"/>
+              </a:spcAft>
+            </a:pPr>
+            <a:r>
+              <a:rPr lang="en-US" b="1" dirty="0"/>
+              <a:t>Initial – Exp/GDP</a:t>
+            </a:r>
+            <a:endParaRPr lang="en-NZ" b="1" dirty="0"/>
+          </a:p>
+        </p:txBody>
+      </p:sp>
+    </p:spTree>
+    <p:extLst>
+      <p:ext uri="{BB962C8B-B14F-4D97-AF65-F5344CB8AC3E}">
+        <p14:creationId xmlns:p14="http://schemas.microsoft.com/office/powerpoint/2010/main" val="173207327"/>
+      </p:ext>
+    </p:extLst>
+  </p:cSld>
+  <p:clrMapOvr>
+    <a:masterClrMapping/>
+  </p:clrMapOvr>
+  <p:extLst>
+    <p:ext uri="{6950BFC3-D8DA-4A85-94F7-54DA5524770B}">
+      <p188:commentRel xmlns:p188="http://schemas.microsoft.com/office/powerpoint/2018/8/main" r:id="rId2"/>
+    </p:ext>
+  </p:extLst>
+</p:sld>
+</file>
+
+<file path=ppt/slides/slide17.xml><?xml version="1.0" encoding="utf-8"?>
+<p:sld xmlns:a="http://schemas.openxmlformats.org/drawingml/2006/main" xmlns:r="http://schemas.openxmlformats.org/officeDocument/2006/relationships" xmlns:p="http://schemas.openxmlformats.org/presentationml/2006/main">
+  <p:cSld>
+    <p:bg>
+      <p:bgPr>
+        <a:solidFill>
+          <a:schemeClr val="bg1"/>
+        </a:solidFill>
+        <a:effectLst/>
+      </p:bgPr>
+    </p:bg>
+    <p:spTree>
+      <p:nvGrpSpPr>
+        <p:cNvPr id="1" name="">
+          <a:extLst>
+            <a:ext uri="{FF2B5EF4-FFF2-40B4-BE49-F238E27FC236}">
+              <a16:creationId xmlns:a16="http://schemas.microsoft.com/office/drawing/2014/main" id="{4FFC74A1-675A-3EDC-BD4F-DEDCA9C03220}"/>
+            </a:ext>
+          </a:extLst>
+        </p:cNvPr>
+        <p:cNvGrpSpPr/>
+        <p:nvPr/>
+      </p:nvGrpSpPr>
+      <p:grpSpPr>
+        <a:xfrm>
+          <a:off x="0" y="0"/>
+          <a:ext cx="0" cy="0"/>
+          <a:chOff x="0" y="0"/>
+          <a:chExt cx="0" cy="0"/>
+        </a:xfrm>
+      </p:grpSpPr>
+      <p:sp useBgFill="1">
+        <p:nvSpPr>
+          <p:cNvPr id="20" name="Rectangle 19">
+            <a:extLst>
+              <a:ext uri="{FF2B5EF4-FFF2-40B4-BE49-F238E27FC236}">
+                <a16:creationId xmlns:a16="http://schemas.microsoft.com/office/drawing/2014/main" id="{2151139A-886F-4B97-8815-729AD3831BBD}"/>
+              </a:ext>
+              <a:ext uri="{C183D7F6-B498-43B3-948B-1728B52AA6E4}">
+                <adec:decorative xmlns:adec="http://schemas.microsoft.com/office/drawing/2017/decorative" val="1"/>
+              </a:ext>
+            </a:extLst>
+          </p:cNvPr>
+          <p:cNvSpPr>
+            <a:spLocks noGrp="1" noRot="1" noChangeAspect="1" noMove="1" noResize="1" noEditPoints="1" noAdjustHandles="1" noChangeArrowheads="1" noChangeShapeType="1" noTextEdit="1"/>
+          </p:cNvSpPr>
+          <p:nvPr>
+            <p:extLst>
+              <p:ext uri="{386F3935-93C4-4BCD-93E2-E3B085C9AB24}">
+                <p16:designElem xmlns:p16="http://schemas.microsoft.com/office/powerpoint/2015/main" val="1"/>
+              </p:ext>
+            </p:extLst>
+          </p:nvPr>
+        </p:nvSpPr>
+        <p:spPr>
+          <a:xfrm>
+            <a:off x="0" y="0"/>
+            <a:ext cx="12192000" cy="6858000"/>
+          </a:xfrm>
+          <a:prstGeom prst="rect">
+            <a:avLst/>
+          </a:prstGeom>
+          <a:ln w="12700" cap="flat" cmpd="sng" algn="ctr">
+            <a:noFill/>
+            <a:prstDash val="solid"/>
+            <a:miter lim="800000"/>
+          </a:ln>
+          <a:effectLst/>
+          <a:extLst>
+            <a:ext uri="{91240B29-F687-4F45-9708-019B960494DF}">
+              <a14:hiddenLine xmlns:a14="http://schemas.microsoft.com/office/drawing/2010/main" w="12700" cap="flat" cmpd="sng" algn="ctr">
+                <a:solidFill>
+                  <a:schemeClr val="accent1">
+                    <a:shade val="50000"/>
+                  </a:schemeClr>
+                </a:solidFill>
+                <a:prstDash val="solid"/>
+                <a:miter lim="800000"/>
+              </a14:hiddenLine>
+            </a:ext>
+          </a:extLst>
+        </p:spPr>
+        <p:style>
+          <a:lnRef idx="2">
+            <a:schemeClr val="accent1">
+              <a:shade val="50000"/>
+            </a:schemeClr>
+          </a:lnRef>
+          <a:fillRef idx="1">
+            <a:schemeClr val="accent1"/>
+          </a:fillRef>
+          <a:effectRef idx="0">
+            <a:schemeClr val="accent1"/>
+          </a:effectRef>
+          <a:fontRef idx="minor">
+            <a:schemeClr val="lt1"/>
+          </a:fontRef>
+        </p:style>
+        <p:txBody>
+          <a:bodyPr rtlCol="0" anchor="ctr"/>
+          <a:lstStyle/>
+          <a:p>
+            <a:pPr algn="ctr"/>
+            <a:endParaRPr lang="en-US" sz="2000"/>
+          </a:p>
+        </p:txBody>
+      </p:sp>
+      <p:sp>
+        <p:nvSpPr>
+          <p:cNvPr id="22" name="Rectangle 21">
+            <a:extLst>
+              <a:ext uri="{FF2B5EF4-FFF2-40B4-BE49-F238E27FC236}">
+                <a16:creationId xmlns:a16="http://schemas.microsoft.com/office/drawing/2014/main" id="{AB5E08C4-8CDD-4623-A5B8-E998C6DEE3B7}"/>
+              </a:ext>
+              <a:ext uri="{C183D7F6-B498-43B3-948B-1728B52AA6E4}">
+                <adec:decorative xmlns:adec="http://schemas.microsoft.com/office/drawing/2017/decorative" val="1"/>
+              </a:ext>
+            </a:extLst>
+          </p:cNvPr>
+          <p:cNvSpPr>
+            <a:spLocks noGrp="1" noRot="1" noChangeAspect="1" noMove="1" noResize="1" noEditPoints="1" noAdjustHandles="1" noChangeArrowheads="1" noChangeShapeType="1" noTextEdit="1"/>
+          </p:cNvSpPr>
+          <p:nvPr>
+            <p:extLst>
+              <p:ext uri="{386F3935-93C4-4BCD-93E2-E3B085C9AB24}">
+                <p16:designElem xmlns:p16="http://schemas.microsoft.com/office/powerpoint/2015/main" val="1"/>
+              </p:ext>
+            </p:extLst>
+          </p:nvPr>
+        </p:nvSpPr>
+        <p:spPr>
+          <a:xfrm flipH="1">
+            <a:off x="2" y="492"/>
+            <a:ext cx="12191998" cy="1575955"/>
+          </a:xfrm>
+          <a:prstGeom prst="rect">
+            <a:avLst/>
+          </a:prstGeom>
+          <a:gradFill>
+            <a:gsLst>
+              <a:gs pos="0">
+                <a:schemeClr val="accent1">
+                  <a:lumMod val="50000"/>
+                </a:schemeClr>
+              </a:gs>
+              <a:gs pos="100000">
+                <a:schemeClr val="accent1">
+                  <a:lumMod val="75000"/>
+                </a:schemeClr>
+              </a:gs>
+            </a:gsLst>
+            <a:lin ang="8400000" scaled="0"/>
+          </a:gradFill>
+          <a:ln>
+            <a:noFill/>
+          </a:ln>
+        </p:spPr>
+        <p:style>
+          <a:lnRef idx="2">
+            <a:schemeClr val="accent1">
+              <a:shade val="50000"/>
+            </a:schemeClr>
+          </a:lnRef>
+          <a:fillRef idx="1">
+            <a:schemeClr val="accent1"/>
+          </a:fillRef>
+          <a:effectRef idx="0">
+            <a:schemeClr val="accent1"/>
+          </a:effectRef>
+          <a:fontRef idx="minor">
+            <a:schemeClr val="lt1"/>
+          </a:fontRef>
+        </p:style>
+        <p:txBody>
+          <a:bodyPr rtlCol="0" anchor="ctr"/>
+          <a:lstStyle/>
+          <a:p>
+            <a:pPr algn="ctr"/>
+            <a:endParaRPr lang="en-US"/>
+          </a:p>
+        </p:txBody>
+      </p:sp>
+      <p:sp>
+        <p:nvSpPr>
+          <p:cNvPr id="24" name="Rectangle 23">
+            <a:extLst>
+              <a:ext uri="{FF2B5EF4-FFF2-40B4-BE49-F238E27FC236}">
+                <a16:creationId xmlns:a16="http://schemas.microsoft.com/office/drawing/2014/main" id="{15F33878-D502-4FFA-8ACE-F2AECDB2A23F}"/>
+              </a:ext>
+              <a:ext uri="{C183D7F6-B498-43B3-948B-1728B52AA6E4}">
+                <adec:decorative xmlns:adec="http://schemas.microsoft.com/office/drawing/2017/decorative" val="1"/>
+              </a:ext>
+            </a:extLst>
+          </p:cNvPr>
+          <p:cNvSpPr>
+            <a:spLocks noGrp="1" noRot="1" noChangeAspect="1" noMove="1" noResize="1" noEditPoints="1" noAdjustHandles="1" noChangeArrowheads="1" noChangeShapeType="1" noTextEdit="1"/>
+          </p:cNvSpPr>
+          <p:nvPr>
+            <p:extLst>
+              <p:ext uri="{386F3935-93C4-4BCD-93E2-E3B085C9AB24}">
+                <p16:designElem xmlns:p16="http://schemas.microsoft.com/office/powerpoint/2015/main" val="1"/>
+              </p:ext>
+            </p:extLst>
+          </p:nvPr>
+        </p:nvSpPr>
+        <p:spPr>
+          <a:xfrm rot="10800000" flipH="1">
+            <a:off x="8128857" y="35"/>
+            <a:ext cx="4063143" cy="1576412"/>
+          </a:xfrm>
+          <a:prstGeom prst="rect">
+            <a:avLst/>
+          </a:prstGeom>
+          <a:gradFill>
+            <a:gsLst>
+              <a:gs pos="19000">
+                <a:schemeClr val="accent1">
+                  <a:lumMod val="50000"/>
+                  <a:alpha val="68000"/>
+                </a:schemeClr>
+              </a:gs>
+              <a:gs pos="100000">
+                <a:schemeClr val="accent1">
+                  <a:alpha val="79000"/>
+                </a:schemeClr>
+              </a:gs>
+            </a:gsLst>
+            <a:lin ang="19200000" scaled="0"/>
+          </a:gradFill>
+          <a:ln>
+            <a:noFill/>
+          </a:ln>
+        </p:spPr>
+        <p:style>
+          <a:lnRef idx="2">
+            <a:schemeClr val="accent1">
+              <a:shade val="50000"/>
+            </a:schemeClr>
+          </a:lnRef>
+          <a:fillRef idx="1">
+            <a:schemeClr val="accent1"/>
+          </a:fillRef>
+          <a:effectRef idx="0">
+            <a:schemeClr val="accent1"/>
+          </a:effectRef>
+          <a:fontRef idx="minor">
+            <a:schemeClr val="lt1"/>
+          </a:fontRef>
+        </p:style>
+        <p:txBody>
+          <a:bodyPr rtlCol="0" anchor="ctr"/>
+          <a:lstStyle/>
+          <a:p>
+            <a:pPr algn="ctr"/>
+            <a:endParaRPr lang="en-US"/>
+          </a:p>
+        </p:txBody>
+      </p:sp>
+      <p:sp>
+        <p:nvSpPr>
+          <p:cNvPr id="26" name="Rectangle 25">
+            <a:extLst>
+              <a:ext uri="{FF2B5EF4-FFF2-40B4-BE49-F238E27FC236}">
+                <a16:creationId xmlns:a16="http://schemas.microsoft.com/office/drawing/2014/main" id="{D3539FEE-81D3-4406-802E-60B20B16F4F6}"/>
+              </a:ext>
+              <a:ext uri="{C183D7F6-B498-43B3-948B-1728B52AA6E4}">
+                <adec:decorative xmlns:adec="http://schemas.microsoft.com/office/drawing/2017/decorative" val="1"/>
+              </a:ext>
+            </a:extLst>
+          </p:cNvPr>
+          <p:cNvSpPr>
+            <a:spLocks noGrp="1" noRot="1" noChangeAspect="1" noMove="1" noResize="1" noEditPoints="1" noAdjustHandles="1" noChangeArrowheads="1" noChangeShapeType="1" noTextEdit="1"/>
+          </p:cNvSpPr>
+          <p:nvPr>
+            <p:extLst>
+              <p:ext uri="{386F3935-93C4-4BCD-93E2-E3B085C9AB24}">
+                <p16:designElem xmlns:p16="http://schemas.microsoft.com/office/powerpoint/2015/main" val="1"/>
+              </p:ext>
+            </p:extLst>
+          </p:nvPr>
+        </p:nvSpPr>
+        <p:spPr>
+          <a:xfrm rot="5400000">
+            <a:off x="5307778" y="-5307777"/>
+            <a:ext cx="1576446" cy="12192001"/>
+          </a:xfrm>
+          <a:prstGeom prst="rect">
+            <a:avLst/>
+          </a:prstGeom>
+          <a:gradFill>
+            <a:gsLst>
+              <a:gs pos="16000">
+                <a:srgbClr val="000000">
+                  <a:alpha val="0"/>
+                </a:srgbClr>
+              </a:gs>
+              <a:gs pos="99000">
+                <a:srgbClr val="000000">
+                  <a:alpha val="87000"/>
+                </a:srgbClr>
+              </a:gs>
+            </a:gsLst>
+            <a:lin ang="11400000" scaled="0"/>
+          </a:gradFill>
+          <a:ln>
+            <a:noFill/>
+          </a:ln>
+        </p:spPr>
+        <p:style>
+          <a:lnRef idx="2">
+            <a:schemeClr val="accent1">
+              <a:shade val="50000"/>
+            </a:schemeClr>
+          </a:lnRef>
+          <a:fillRef idx="1">
+            <a:schemeClr val="accent1"/>
+          </a:fillRef>
+          <a:effectRef idx="0">
+            <a:schemeClr val="accent1"/>
+          </a:effectRef>
+          <a:fontRef idx="minor">
+            <a:schemeClr val="lt1"/>
+          </a:fontRef>
+        </p:style>
+        <p:txBody>
+          <a:bodyPr rtlCol="0" anchor="ctr"/>
+          <a:lstStyle/>
+          <a:p>
+            <a:pPr algn="ctr"/>
+            <a:endParaRPr lang="en-US" dirty="0"/>
+          </a:p>
+        </p:txBody>
+      </p:sp>
+      <p:sp>
+        <p:nvSpPr>
+          <p:cNvPr id="28" name="Rectangle 27">
+            <a:extLst>
+              <a:ext uri="{FF2B5EF4-FFF2-40B4-BE49-F238E27FC236}">
+                <a16:creationId xmlns:a16="http://schemas.microsoft.com/office/drawing/2014/main" id="{DC701763-729E-462F-A5A8-E0DEFEB1E2E4}"/>
+              </a:ext>
+              <a:ext uri="{C183D7F6-B498-43B3-948B-1728B52AA6E4}">
+                <adec:decorative xmlns:adec="http://schemas.microsoft.com/office/drawing/2017/decorative" val="1"/>
+              </a:ext>
+            </a:extLst>
+          </p:cNvPr>
+          <p:cNvSpPr>
+            <a:spLocks noGrp="1" noRot="1" noChangeAspect="1" noMove="1" noResize="1" noEditPoints="1" noAdjustHandles="1" noChangeArrowheads="1" noChangeShapeType="1" noTextEdit="1"/>
+          </p:cNvSpPr>
+          <p:nvPr>
+            <p:extLst>
+              <p:ext uri="{386F3935-93C4-4BCD-93E2-E3B085C9AB24}">
+                <p16:designElem xmlns:p16="http://schemas.microsoft.com/office/powerpoint/2015/main" val="1"/>
+              </p:ext>
+            </p:extLst>
+          </p:nvPr>
+        </p:nvSpPr>
+        <p:spPr>
+          <a:xfrm>
+            <a:off x="3825434" y="986"/>
+            <a:ext cx="4303422" cy="1575461"/>
+          </a:xfrm>
+          <a:prstGeom prst="rect">
+            <a:avLst/>
+          </a:prstGeom>
+          <a:gradFill>
+            <a:gsLst>
+              <a:gs pos="0">
+                <a:schemeClr val="accent1">
+                  <a:alpha val="17000"/>
+                </a:schemeClr>
+              </a:gs>
+              <a:gs pos="74000">
+                <a:schemeClr val="accent1">
+                  <a:lumMod val="50000"/>
+                  <a:alpha val="0"/>
+                </a:schemeClr>
+              </a:gs>
+            </a:gsLst>
+            <a:lin ang="14400000" scaled="0"/>
+          </a:gradFill>
+          <a:ln>
+            <a:noFill/>
+          </a:ln>
+        </p:spPr>
+        <p:style>
+          <a:lnRef idx="2">
+            <a:schemeClr val="accent1">
+              <a:shade val="50000"/>
+            </a:schemeClr>
+          </a:lnRef>
+          <a:fillRef idx="1">
+            <a:schemeClr val="accent1"/>
+          </a:fillRef>
+          <a:effectRef idx="0">
+            <a:schemeClr val="accent1"/>
+          </a:effectRef>
+          <a:fontRef idx="minor">
+            <a:schemeClr val="lt1"/>
+          </a:fontRef>
+        </p:style>
+        <p:txBody>
+          <a:bodyPr rtlCol="0" anchor="ctr"/>
+          <a:lstStyle/>
+          <a:p>
+            <a:pPr algn="ctr"/>
+            <a:endParaRPr lang="en-US"/>
+          </a:p>
+        </p:txBody>
+      </p:sp>
+      <p:sp>
+        <p:nvSpPr>
+          <p:cNvPr id="2" name="Title 1">
+            <a:extLst>
+              <a:ext uri="{FF2B5EF4-FFF2-40B4-BE49-F238E27FC236}">
+                <a16:creationId xmlns:a16="http://schemas.microsoft.com/office/drawing/2014/main" id="{0BD8D4B0-18C8-E1D8-BC13-6C42B9B268AD}"/>
+              </a:ext>
+            </a:extLst>
+          </p:cNvPr>
+          <p:cNvSpPr>
+            <a:spLocks noGrp="1"/>
+          </p:cNvSpPr>
+          <p:nvPr>
+            <p:ph type="title"/>
+          </p:nvPr>
+        </p:nvSpPr>
+        <p:spPr>
+          <a:xfrm>
+            <a:off x="699714" y="353160"/>
+            <a:ext cx="7091300" cy="898581"/>
+          </a:xfrm>
+        </p:spPr>
+        <p:txBody>
+          <a:bodyPr vert="horz" lIns="91440" tIns="45720" rIns="91440" bIns="45720" rtlCol="0" anchor="ctr">
+            <a:normAutofit/>
+          </a:bodyPr>
+          <a:lstStyle/>
+          <a:p>
+            <a:r>
+              <a:rPr lang="en-US" sz="3400">
+                <a:solidFill>
+                  <a:srgbClr val="FFFFFF"/>
+                </a:solidFill>
+              </a:rPr>
+              <a:t>International Function Benchmarking</a:t>
+            </a:r>
+          </a:p>
+        </p:txBody>
+      </p:sp>
+      <p:sp>
+        <p:nvSpPr>
+          <p:cNvPr id="15" name="TextBox 14">
+            <a:extLst>
+              <a:ext uri="{FF2B5EF4-FFF2-40B4-BE49-F238E27FC236}">
+                <a16:creationId xmlns:a16="http://schemas.microsoft.com/office/drawing/2014/main" id="{62E51107-CEC2-3BBB-DDEE-5DE2E59CF67B}"/>
+              </a:ext>
+            </a:extLst>
+          </p:cNvPr>
+          <p:cNvSpPr txBox="1"/>
+          <p:nvPr/>
+        </p:nvSpPr>
+        <p:spPr>
+          <a:xfrm>
+            <a:off x="8571507" y="387224"/>
+            <a:ext cx="3291839" cy="830453"/>
+          </a:xfrm>
+          <a:prstGeom prst="rect">
+            <a:avLst/>
+          </a:prstGeom>
+        </p:spPr>
+        <p:txBody>
+          <a:bodyPr vert="horz" lIns="91440" tIns="45720" rIns="91440" bIns="45720" rtlCol="0" anchor="ctr">
+            <a:normAutofit/>
+          </a:bodyPr>
+          <a:lstStyle/>
+          <a:p>
+            <a:pPr>
+              <a:lnSpc>
+                <a:spcPct val="90000"/>
+              </a:lnSpc>
+              <a:spcBef>
+                <a:spcPts val="1000"/>
+              </a:spcBef>
+            </a:pPr>
+            <a:r>
+              <a:rPr lang="en-US" sz="500" dirty="0">
+                <a:solidFill>
+                  <a:srgbClr val="FFFFFF"/>
+                </a:solidFill>
+              </a:rPr>
+              <a:t>XXX</a:t>
+            </a:r>
+          </a:p>
+          <a:p>
+            <a:pPr>
+              <a:lnSpc>
+                <a:spcPct val="90000"/>
+              </a:lnSpc>
+              <a:spcBef>
+                <a:spcPts val="1000"/>
+              </a:spcBef>
+            </a:pPr>
+            <a:r>
+              <a:rPr lang="en-US" sz="500" dirty="0">
+                <a:solidFill>
+                  <a:srgbClr val="FFFFFF"/>
+                </a:solidFill>
+              </a:rPr>
+              <a:t>XXX</a:t>
+            </a:r>
+          </a:p>
+          <a:p>
+            <a:pPr>
+              <a:lnSpc>
+                <a:spcPct val="90000"/>
+              </a:lnSpc>
+              <a:spcBef>
+                <a:spcPts val="1000"/>
+              </a:spcBef>
+            </a:pPr>
+            <a:endParaRPr lang="en-US" sz="500" dirty="0">
+              <a:solidFill>
+                <a:srgbClr val="FFFFFF"/>
+              </a:solidFill>
+            </a:endParaRPr>
+          </a:p>
+          <a:p>
+            <a:pPr>
+              <a:lnSpc>
+                <a:spcPct val="90000"/>
+              </a:lnSpc>
+              <a:spcBef>
+                <a:spcPts val="1000"/>
+              </a:spcBef>
+            </a:pPr>
+            <a:r>
+              <a:rPr lang="en-US" sz="500" dirty="0">
+                <a:solidFill>
+                  <a:srgbClr val="FFFFFF"/>
+                </a:solidFill>
+              </a:rPr>
+              <a:t>XXX</a:t>
+            </a:r>
+          </a:p>
+        </p:txBody>
+      </p:sp>
+      <p:sp>
+        <p:nvSpPr>
+          <p:cNvPr id="3" name="Content Placeholder 2">
+            <a:extLst>
+              <a:ext uri="{FF2B5EF4-FFF2-40B4-BE49-F238E27FC236}">
+                <a16:creationId xmlns:a16="http://schemas.microsoft.com/office/drawing/2014/main" id="{BBC0006C-9492-6A7B-A4D4-E516B5F28929}"/>
+              </a:ext>
+            </a:extLst>
+          </p:cNvPr>
+          <p:cNvSpPr>
+            <a:spLocks noGrp="1"/>
+          </p:cNvSpPr>
+          <p:nvPr>
+            <p:ph idx="1"/>
+          </p:nvPr>
+        </p:nvSpPr>
+        <p:spPr>
+          <a:xfrm>
+            <a:off x="481489" y="1701215"/>
+            <a:ext cx="10515600" cy="637724"/>
+          </a:xfrm>
+        </p:spPr>
+        <p:txBody>
+          <a:bodyPr/>
+          <a:lstStyle/>
+          <a:p>
+            <a:r>
+              <a:rPr lang="en-US" dirty="0"/>
+              <a:t>Health spending example</a:t>
+            </a:r>
+            <a:endParaRPr lang="en-NZ" dirty="0"/>
+          </a:p>
+        </p:txBody>
+      </p:sp>
+    </p:spTree>
+    <p:extLst>
+      <p:ext uri="{BB962C8B-B14F-4D97-AF65-F5344CB8AC3E}">
+        <p14:creationId xmlns:p14="http://schemas.microsoft.com/office/powerpoint/2010/main" val="3724087036"/>
+      </p:ext>
+    </p:extLst>
+  </p:cSld>
+  <p:clrMapOvr>
+    <a:masterClrMapping/>
+  </p:clrMapOvr>
+</p:sld>
+</file>
+
+<file path=ppt/slides/slide18.xml><?xml version="1.0" encoding="utf-8"?>
+<p:sld xmlns:a="http://schemas.openxmlformats.org/drawingml/2006/main" xmlns:r="http://schemas.openxmlformats.org/officeDocument/2006/relationships" xmlns:p="http://schemas.openxmlformats.org/presentationml/2006/main">
+  <p:cSld>
+    <p:spTree>
+      <p:nvGrpSpPr>
+        <p:cNvPr id="1" name="">
+          <a:extLst>
+            <a:ext uri="{FF2B5EF4-FFF2-40B4-BE49-F238E27FC236}">
+              <a16:creationId xmlns:a16="http://schemas.microsoft.com/office/drawing/2014/main" id="{B094C757-C90A-ED3E-AFDB-27EF7066ADA3}"/>
+            </a:ext>
+          </a:extLst>
+        </p:cNvPr>
+        <p:cNvGrpSpPr/>
+        <p:nvPr/>
+      </p:nvGrpSpPr>
+      <p:grpSpPr>
+        <a:xfrm>
+          <a:off x="0" y="0"/>
+          <a:ext cx="0" cy="0"/>
+          <a:chOff x="0" y="0"/>
+          <a:chExt cx="0" cy="0"/>
+        </a:xfrm>
+      </p:grpSpPr>
+      <p:sp>
+        <p:nvSpPr>
+          <p:cNvPr id="2" name="Title 1">
+            <a:extLst>
+              <a:ext uri="{FF2B5EF4-FFF2-40B4-BE49-F238E27FC236}">
+                <a16:creationId xmlns:a16="http://schemas.microsoft.com/office/drawing/2014/main" id="{A3DE1CD7-BF60-0CDB-431A-34EDEFD680CC}"/>
+              </a:ext>
+            </a:extLst>
+          </p:cNvPr>
+          <p:cNvSpPr>
+            <a:spLocks noGrp="1"/>
+          </p:cNvSpPr>
+          <p:nvPr>
+            <p:ph type="title"/>
+          </p:nvPr>
+        </p:nvSpPr>
+        <p:spPr/>
+        <p:txBody>
+          <a:bodyPr/>
+          <a:lstStyle/>
+          <a:p>
+            <a:r>
+              <a:rPr lang="en-US" dirty="0"/>
+              <a:t>Forecast Function benchmarking</a:t>
+            </a:r>
+            <a:endParaRPr lang="en-NZ" dirty="0"/>
+          </a:p>
+        </p:txBody>
+      </p:sp>
+      <p:sp>
+        <p:nvSpPr>
+          <p:cNvPr id="14" name="TextBox 13">
+            <a:extLst>
+              <a:ext uri="{FF2B5EF4-FFF2-40B4-BE49-F238E27FC236}">
+                <a16:creationId xmlns:a16="http://schemas.microsoft.com/office/drawing/2014/main" id="{608E6CEC-7B02-3FD3-2783-23C3D0715272}"/>
+              </a:ext>
+            </a:extLst>
+          </p:cNvPr>
+          <p:cNvSpPr txBox="1"/>
+          <p:nvPr/>
+        </p:nvSpPr>
+        <p:spPr>
+          <a:xfrm>
+            <a:off x="6400800" y="1862051"/>
+            <a:ext cx="5681620" cy="923330"/>
+          </a:xfrm>
+          <a:prstGeom prst="rect">
+            <a:avLst/>
+          </a:prstGeom>
+          <a:noFill/>
+        </p:spPr>
+        <p:txBody>
+          <a:bodyPr wrap="none" rtlCol="0">
+            <a:spAutoFit/>
+          </a:bodyPr>
+          <a:lstStyle/>
+          <a:p>
+            <a:r>
+              <a:rPr lang="en-US" dirty="0"/>
+              <a:t>Decisions made will typically ensure that spending </a:t>
+            </a:r>
+            <a:br>
+              <a:rPr lang="en-US" dirty="0"/>
+            </a:br>
+            <a:r>
+              <a:rPr lang="en-US" dirty="0"/>
+              <a:t>exceeds projections – especially given the conservative </a:t>
+            </a:r>
+            <a:br>
+              <a:rPr lang="en-US" dirty="0"/>
+            </a:br>
+            <a:r>
+              <a:rPr lang="en-US" dirty="0"/>
+              <a:t>spending allowance.</a:t>
+            </a:r>
+            <a:endParaRPr lang="en-NZ" dirty="0"/>
+          </a:p>
+        </p:txBody>
+      </p:sp>
+      <p:sp>
+        <p:nvSpPr>
+          <p:cNvPr id="15" name="TextBox 14">
+            <a:extLst>
+              <a:ext uri="{FF2B5EF4-FFF2-40B4-BE49-F238E27FC236}">
+                <a16:creationId xmlns:a16="http://schemas.microsoft.com/office/drawing/2014/main" id="{095F07BE-299A-161B-05CF-7292C37D6661}"/>
+              </a:ext>
+            </a:extLst>
+          </p:cNvPr>
+          <p:cNvSpPr txBox="1"/>
+          <p:nvPr/>
+        </p:nvSpPr>
+        <p:spPr>
+          <a:xfrm>
+            <a:off x="6400800" y="3262630"/>
+            <a:ext cx="5173019" cy="1754326"/>
+          </a:xfrm>
+          <a:prstGeom prst="rect">
+            <a:avLst/>
+          </a:prstGeom>
+          <a:noFill/>
+        </p:spPr>
+        <p:txBody>
+          <a:bodyPr wrap="none" rtlCol="0">
+            <a:spAutoFit/>
+          </a:bodyPr>
+          <a:lstStyle/>
+          <a:p>
+            <a:pPr marL="285750" indent="-285750">
+              <a:buFont typeface="Arial" panose="020B0604020202020204" pitchFamily="34" charset="0"/>
+              <a:buChar char="•"/>
+            </a:pPr>
+            <a:r>
+              <a:rPr lang="en-US" dirty="0"/>
+              <a:t>Take projections.</a:t>
+            </a:r>
+          </a:p>
+          <a:p>
+            <a:pPr marL="285750" indent="-285750">
+              <a:buFont typeface="Arial" panose="020B0604020202020204" pitchFamily="34" charset="0"/>
+              <a:buChar char="•"/>
+            </a:pPr>
+            <a:r>
+              <a:rPr lang="en-US" dirty="0"/>
+              <a:t>Add:</a:t>
+            </a:r>
+          </a:p>
+          <a:p>
+            <a:pPr marL="742950" lvl="1" indent="-285750">
+              <a:buFont typeface="Arial" panose="020B0604020202020204" pitchFamily="34" charset="0"/>
+              <a:buChar char="•"/>
+            </a:pPr>
+            <a:r>
+              <a:rPr lang="en-US" dirty="0"/>
+              <a:t>Share of CSA</a:t>
+            </a:r>
+          </a:p>
+          <a:p>
+            <a:pPr marL="742950" lvl="1" indent="-285750">
+              <a:buFont typeface="Arial" panose="020B0604020202020204" pitchFamily="34" charset="0"/>
+              <a:buChar char="•"/>
+            </a:pPr>
+            <a:r>
+              <a:rPr lang="en-US" dirty="0"/>
+              <a:t>[any other amount to add]</a:t>
+            </a:r>
+          </a:p>
+          <a:p>
+            <a:endParaRPr lang="en-US" dirty="0"/>
+          </a:p>
+          <a:p>
+            <a:r>
+              <a:rPr lang="en-US" dirty="0"/>
+              <a:t>This provides the benchmark by function provided.</a:t>
+            </a:r>
+            <a:endParaRPr lang="en-NZ" dirty="0"/>
+          </a:p>
+        </p:txBody>
+      </p:sp>
+      <p:sp>
+        <p:nvSpPr>
+          <p:cNvPr id="3" name="Content Placeholder 2">
+            <a:extLst>
+              <a:ext uri="{FF2B5EF4-FFF2-40B4-BE49-F238E27FC236}">
+                <a16:creationId xmlns:a16="http://schemas.microsoft.com/office/drawing/2014/main" id="{AA1BCECE-23FC-870F-2164-4D0CFDB3012F}"/>
+              </a:ext>
+            </a:extLst>
+          </p:cNvPr>
+          <p:cNvSpPr>
+            <a:spLocks noGrp="1"/>
+          </p:cNvSpPr>
+          <p:nvPr>
+            <p:ph idx="1"/>
+          </p:nvPr>
+        </p:nvSpPr>
+        <p:spPr>
+          <a:xfrm>
+            <a:off x="838200" y="1825625"/>
+            <a:ext cx="4343400" cy="4351338"/>
+          </a:xfrm>
+        </p:spPr>
+        <p:txBody>
+          <a:bodyPr/>
+          <a:lstStyle/>
+          <a:p>
+            <a:r>
+              <a:rPr lang="en-US" dirty="0"/>
+              <a:t>Relative to forecasts</a:t>
+            </a:r>
+            <a:endParaRPr lang="en-NZ" dirty="0"/>
+          </a:p>
+        </p:txBody>
+      </p:sp>
+    </p:spTree>
+    <p:extLst>
+      <p:ext uri="{BB962C8B-B14F-4D97-AF65-F5344CB8AC3E}">
+        <p14:creationId xmlns:p14="http://schemas.microsoft.com/office/powerpoint/2010/main" val="1351802543"/>
+      </p:ext>
+    </p:extLst>
+  </p:cSld>
+  <p:clrMapOvr>
+    <a:masterClrMapping/>
+  </p:clrMapOvr>
+</p:sld>
+</file>
+
+<file path=ppt/slides/slide19.xml><?xml version="1.0" encoding="utf-8"?>
+<p:sld xmlns:a="http://schemas.openxmlformats.org/drawingml/2006/main" xmlns:r="http://schemas.openxmlformats.org/officeDocument/2006/relationships" xmlns:p="http://schemas.openxmlformats.org/presentationml/2006/main">
+  <p:cSld>
+    <p:spTree>
+      <p:nvGrpSpPr>
+        <p:cNvPr id="1" name="">
+          <a:extLst>
+            <a:ext uri="{FF2B5EF4-FFF2-40B4-BE49-F238E27FC236}">
+              <a16:creationId xmlns:a16="http://schemas.microsoft.com/office/drawing/2014/main" id="{D9E42836-6B41-A4BD-31ED-B43725AEAC06}"/>
+            </a:ext>
+          </a:extLst>
+        </p:cNvPr>
+        <p:cNvGrpSpPr/>
+        <p:nvPr/>
+      </p:nvGrpSpPr>
+      <p:grpSpPr>
+        <a:xfrm>
+          <a:off x="0" y="0"/>
+          <a:ext cx="0" cy="0"/>
+          <a:chOff x="0" y="0"/>
+          <a:chExt cx="0" cy="0"/>
+        </a:xfrm>
+      </p:grpSpPr>
+      <p:sp>
+        <p:nvSpPr>
+          <p:cNvPr id="2" name="Title 1">
+            <a:extLst>
+              <a:ext uri="{FF2B5EF4-FFF2-40B4-BE49-F238E27FC236}">
+                <a16:creationId xmlns:a16="http://schemas.microsoft.com/office/drawing/2014/main" id="{F00C45C8-A9A7-455E-8283-21572CF7C126}"/>
+              </a:ext>
+            </a:extLst>
+          </p:cNvPr>
+          <p:cNvSpPr>
+            <a:spLocks noGrp="1"/>
+          </p:cNvSpPr>
+          <p:nvPr>
+            <p:ph type="title"/>
+          </p:nvPr>
+        </p:nvSpPr>
+        <p:spPr/>
+        <p:txBody>
+          <a:bodyPr/>
+          <a:lstStyle/>
+          <a:p>
+            <a:r>
+              <a:rPr lang="en-US" dirty="0"/>
+              <a:t>Demographic Functional Benchmarking</a:t>
+            </a:r>
+            <a:endParaRPr lang="en-NZ" dirty="0"/>
+          </a:p>
+        </p:txBody>
+      </p:sp>
+      <p:sp>
+        <p:nvSpPr>
+          <p:cNvPr id="14" name="TextBox 13">
+            <a:extLst>
+              <a:ext uri="{FF2B5EF4-FFF2-40B4-BE49-F238E27FC236}">
+                <a16:creationId xmlns:a16="http://schemas.microsoft.com/office/drawing/2014/main" id="{97DC0377-F9D2-A2D1-0F5C-6571033B7AEE}"/>
+              </a:ext>
+            </a:extLst>
+          </p:cNvPr>
+          <p:cNvSpPr txBox="1"/>
+          <p:nvPr/>
+        </p:nvSpPr>
+        <p:spPr>
+          <a:xfrm>
+            <a:off x="7145518" y="1953143"/>
+            <a:ext cx="2712602" cy="369332"/>
+          </a:xfrm>
+          <a:prstGeom prst="rect">
+            <a:avLst/>
+          </a:prstGeom>
+          <a:noFill/>
+        </p:spPr>
+        <p:txBody>
+          <a:bodyPr wrap="none" rtlCol="0">
+            <a:spAutoFit/>
+          </a:bodyPr>
+          <a:lstStyle/>
+          <a:p>
+            <a:r>
+              <a:rPr lang="en-US" dirty="0"/>
+              <a:t>Health spending example</a:t>
+            </a:r>
+            <a:endParaRPr lang="en-NZ" dirty="0"/>
+          </a:p>
+        </p:txBody>
+      </p:sp>
+      <p:sp>
+        <p:nvSpPr>
+          <p:cNvPr id="15" name="TextBox 14">
+            <a:extLst>
+              <a:ext uri="{FF2B5EF4-FFF2-40B4-BE49-F238E27FC236}">
+                <a16:creationId xmlns:a16="http://schemas.microsoft.com/office/drawing/2014/main" id="{A37836C5-EC35-9CCA-FB27-EB116ED660C9}"/>
+              </a:ext>
+            </a:extLst>
+          </p:cNvPr>
+          <p:cNvSpPr txBox="1"/>
+          <p:nvPr/>
+        </p:nvSpPr>
+        <p:spPr>
+          <a:xfrm>
+            <a:off x="7145518" y="2534721"/>
+            <a:ext cx="857927" cy="1200329"/>
+          </a:xfrm>
+          <a:prstGeom prst="rect">
+            <a:avLst/>
+          </a:prstGeom>
+          <a:noFill/>
+        </p:spPr>
+        <p:txBody>
+          <a:bodyPr wrap="none" rtlCol="0">
+            <a:spAutoFit/>
+          </a:bodyPr>
+          <a:lstStyle/>
+          <a:p>
+            <a:pPr marL="285750" indent="-285750">
+              <a:buFont typeface="Arial" panose="020B0604020202020204" pitchFamily="34" charset="0"/>
+              <a:buChar char="•"/>
+            </a:pPr>
+            <a:r>
+              <a:rPr lang="en-US" dirty="0"/>
+              <a:t>XXX</a:t>
+            </a:r>
+          </a:p>
+          <a:p>
+            <a:pPr marL="285750" indent="-285750">
+              <a:buFont typeface="Arial" panose="020B0604020202020204" pitchFamily="34" charset="0"/>
+              <a:buChar char="•"/>
+            </a:pPr>
+            <a:r>
+              <a:rPr lang="en-US" dirty="0"/>
+              <a:t>XXX</a:t>
+            </a:r>
+          </a:p>
+          <a:p>
+            <a:pPr marL="285750" indent="-285750">
+              <a:buFont typeface="Arial" panose="020B0604020202020204" pitchFamily="34" charset="0"/>
+              <a:buChar char="•"/>
+            </a:pPr>
+            <a:endParaRPr lang="en-US" dirty="0"/>
+          </a:p>
+          <a:p>
+            <a:pPr marL="285750" indent="-285750">
+              <a:buFont typeface="Arial" panose="020B0604020202020204" pitchFamily="34" charset="0"/>
+              <a:buChar char="•"/>
+            </a:pPr>
+            <a:r>
+              <a:rPr lang="en-US" dirty="0"/>
+              <a:t>XXX</a:t>
+            </a:r>
+            <a:endParaRPr lang="en-NZ" dirty="0"/>
+          </a:p>
+        </p:txBody>
+      </p:sp>
+      <p:sp>
+        <p:nvSpPr>
+          <p:cNvPr id="3" name="Content Placeholder 2">
+            <a:extLst>
+              <a:ext uri="{FF2B5EF4-FFF2-40B4-BE49-F238E27FC236}">
+                <a16:creationId xmlns:a16="http://schemas.microsoft.com/office/drawing/2014/main" id="{FC49CCF8-5990-71E3-C8BE-6D87008DD8D4}"/>
+              </a:ext>
+            </a:extLst>
+          </p:cNvPr>
+          <p:cNvSpPr>
+            <a:spLocks noGrp="1"/>
+          </p:cNvSpPr>
+          <p:nvPr>
+            <p:ph idx="1"/>
+          </p:nvPr>
+        </p:nvSpPr>
+        <p:spPr>
+          <a:xfrm>
+            <a:off x="838200" y="1825625"/>
+            <a:ext cx="5025272" cy="4351338"/>
+          </a:xfrm>
+        </p:spPr>
+        <p:txBody>
+          <a:bodyPr/>
+          <a:lstStyle/>
+          <a:p>
+            <a:r>
+              <a:rPr lang="en-US" dirty="0"/>
+              <a:t>Sector stuff</a:t>
+            </a:r>
+            <a:endParaRPr lang="en-NZ" dirty="0"/>
+          </a:p>
+        </p:txBody>
+      </p:sp>
+    </p:spTree>
+    <p:extLst>
+      <p:ext uri="{BB962C8B-B14F-4D97-AF65-F5344CB8AC3E}">
+        <p14:creationId xmlns:p14="http://schemas.microsoft.com/office/powerpoint/2010/main" val="938831902"/>
+      </p:ext>
+    </p:extLst>
+  </p:cSld>
+  <p:clrMapOvr>
+    <a:masterClrMapping/>
+  </p:clrMapOvr>
+</p:sld>
+</file>
+
+<file path=ppt/slides/slide2.xml><?xml version="1.0" encoding="utf-8"?>
+<p:sld xmlns:a="http://schemas.openxmlformats.org/drawingml/2006/main" xmlns:r="http://schemas.openxmlformats.org/officeDocument/2006/relationships" xmlns:p="http://schemas.openxmlformats.org/presentationml/2006/main">
+  <p:cSld>
+    <p:bg>
+      <p:bgPr>
+        <a:solidFill>
+          <a:schemeClr val="bg1"/>
+        </a:solidFill>
+        <a:effectLst/>
+      </p:bgPr>
+    </p:bg>
+    <p:spTree>
+      <p:nvGrpSpPr>
+        <p:cNvPr id="1" name=""/>
+        <p:cNvGrpSpPr/>
+        <p:nvPr/>
+      </p:nvGrpSpPr>
+      <p:grpSpPr>
+        <a:xfrm>
+          <a:off x="0" y="0"/>
+          <a:ext cx="0" cy="0"/>
+          <a:chOff x="0" y="0"/>
+          <a:chExt cx="0" cy="0"/>
+        </a:xfrm>
+      </p:grpSpPr>
+      <p:sp useBgFill="1">
+        <p:nvSpPr>
+          <p:cNvPr id="9" name="Rectangle 8">
+            <a:extLst>
+              <a:ext uri="{FF2B5EF4-FFF2-40B4-BE49-F238E27FC236}">
+                <a16:creationId xmlns:a16="http://schemas.microsoft.com/office/drawing/2014/main" id="{0671A8AE-40A1-4631-A6B8-581AFF065482}"/>
+              </a:ext>
+              <a:ext uri="{C183D7F6-B498-43B3-948B-1728B52AA6E4}">
+                <adec:decorative xmlns:adec="http://schemas.microsoft.com/office/drawing/2017/decorative" val="1"/>
+              </a:ext>
+            </a:extLst>
+          </p:cNvPr>
+          <p:cNvSpPr>
+            <a:spLocks noGrp="1" noRot="1" noChangeAspect="1" noMove="1" noResize="1" noEditPoints="1" noAdjustHandles="1" noChangeArrowheads="1" noChangeShapeType="1" noTextEdit="1"/>
+          </p:cNvSpPr>
+          <p:nvPr>
+            <p:extLst>
+              <p:ext uri="{386F3935-93C4-4BCD-93E2-E3B085C9AB24}">
+                <p16:designElem xmlns:p16="http://schemas.microsoft.com/office/powerpoint/2015/main" val="1"/>
+              </p:ext>
+            </p:extLst>
+          </p:nvPr>
+        </p:nvSpPr>
+        <p:spPr>
+          <a:xfrm>
+            <a:off x="0" y="0"/>
+            <a:ext cx="12192000" cy="6858000"/>
+          </a:xfrm>
+          <a:prstGeom prst="rect">
+            <a:avLst/>
+          </a:prstGeom>
+          <a:ln>
+            <a:noFill/>
+          </a:ln>
+        </p:spPr>
+        <p:style>
+          <a:lnRef idx="2">
+            <a:schemeClr val="accent1">
+              <a:shade val="50000"/>
+            </a:schemeClr>
+          </a:lnRef>
+          <a:fillRef idx="1">
+            <a:schemeClr val="accent1"/>
+          </a:fillRef>
+          <a:effectRef idx="0">
+            <a:schemeClr val="accent1"/>
+          </a:effectRef>
+          <a:fontRef idx="minor">
+            <a:schemeClr val="lt1"/>
+          </a:fontRef>
+        </p:style>
+        <p:txBody>
+          <a:bodyPr rtlCol="0" anchor="ctr"/>
+          <a:lstStyle/>
+          <a:p>
+            <a:pPr algn="ctr"/>
+            <a:endParaRPr lang="en-US"/>
+          </a:p>
+        </p:txBody>
+      </p:sp>
+      <p:pic>
+        <p:nvPicPr>
+          <p:cNvPr id="5" name="Picture 4" descr="Pen placed on top of a signature line">
+            <a:extLst>
+              <a:ext uri="{FF2B5EF4-FFF2-40B4-BE49-F238E27FC236}">
+                <a16:creationId xmlns:a16="http://schemas.microsoft.com/office/drawing/2014/main" id="{9D567BFB-C3FF-7382-A524-4D3BD4072660}"/>
+              </a:ext>
+            </a:extLst>
+          </p:cNvPr>
+          <p:cNvPicPr>
+            <a:picLocks noChangeAspect="1"/>
+          </p:cNvPicPr>
+          <p:nvPr/>
+        </p:nvPicPr>
+        <p:blipFill>
+          <a:blip r:embed="rId2"/>
+          <a:srcRect l="15628" r="-1" b="-1"/>
+          <a:stretch>
+            <a:fillRect/>
+          </a:stretch>
+        </p:blipFill>
+        <p:spPr>
+          <a:xfrm>
+            <a:off x="3523488" y="10"/>
+            <a:ext cx="8668512" cy="6857990"/>
+          </a:xfrm>
+          <a:prstGeom prst="rect">
+            <a:avLst/>
+          </a:prstGeom>
+        </p:spPr>
+      </p:pic>
+      <p:sp>
+        <p:nvSpPr>
+          <p:cNvPr id="11" name="Rectangle 10">
+            <a:extLst>
+              <a:ext uri="{FF2B5EF4-FFF2-40B4-BE49-F238E27FC236}">
+                <a16:creationId xmlns:a16="http://schemas.microsoft.com/office/drawing/2014/main" id="{AB58EF07-17C2-48CF-ABB0-EEF1F17CB8F0}"/>
+              </a:ext>
+              <a:ext uri="{C183D7F6-B498-43B3-948B-1728B52AA6E4}">
+                <adec:decorative xmlns:adec="http://schemas.microsoft.com/office/drawing/2017/decorative" val="1"/>
+              </a:ext>
+            </a:extLst>
+          </p:cNvPr>
+          <p:cNvSpPr>
+            <a:spLocks noGrp="1" noRot="1" noChangeAspect="1" noMove="1" noResize="1" noEditPoints="1" noAdjustHandles="1" noChangeArrowheads="1" noChangeShapeType="1" noTextEdit="1"/>
+          </p:cNvSpPr>
+          <p:nvPr>
+            <p:extLst>
+              <p:ext uri="{386F3935-93C4-4BCD-93E2-E3B085C9AB24}">
+                <p16:designElem xmlns:p16="http://schemas.microsoft.com/office/powerpoint/2015/main" val="1"/>
+              </p:ext>
+            </p:extLst>
+          </p:nvPr>
+        </p:nvSpPr>
+        <p:spPr>
+          <a:xfrm>
+            <a:off x="3" y="0"/>
+            <a:ext cx="9339206" cy="6858000"/>
+          </a:xfrm>
+          <a:prstGeom prst="rect">
+            <a:avLst/>
+          </a:prstGeom>
+          <a:gradFill>
+            <a:gsLst>
+              <a:gs pos="58000">
+                <a:schemeClr val="tx1"/>
+              </a:gs>
+              <a:gs pos="33000">
+                <a:schemeClr val="tx1">
+                  <a:alpha val="64000"/>
+                </a:schemeClr>
+              </a:gs>
+              <a:gs pos="0">
+                <a:schemeClr val="tx1">
+                  <a:alpha val="0"/>
+                </a:schemeClr>
+              </a:gs>
+              <a:gs pos="100000">
+                <a:schemeClr val="tx1"/>
+              </a:gs>
+            </a:gsLst>
+            <a:lin ang="10800000" scaled="0"/>
+          </a:gradFill>
+          <a:ln>
+            <a:noFill/>
+          </a:ln>
+        </p:spPr>
+        <p:style>
+          <a:lnRef idx="2">
+            <a:schemeClr val="accent1">
+              <a:shade val="50000"/>
+            </a:schemeClr>
+          </a:lnRef>
+          <a:fillRef idx="1">
+            <a:schemeClr val="accent1"/>
+          </a:fillRef>
+          <a:effectRef idx="0">
+            <a:schemeClr val="accent1"/>
+          </a:effectRef>
+          <a:fontRef idx="minor">
+            <a:schemeClr val="lt1"/>
+          </a:fontRef>
+        </p:style>
+        <p:txBody>
+          <a:bodyPr rtlCol="0" anchor="ctr"/>
+          <a:lstStyle/>
+          <a:p>
+            <a:pPr algn="ctr"/>
+            <a:endParaRPr lang="en-US" dirty="0"/>
+          </a:p>
+        </p:txBody>
+      </p:sp>
+      <p:sp>
+        <p:nvSpPr>
+          <p:cNvPr id="2" name="Title 1">
+            <a:extLst>
+              <a:ext uri="{FF2B5EF4-FFF2-40B4-BE49-F238E27FC236}">
+                <a16:creationId xmlns:a16="http://schemas.microsoft.com/office/drawing/2014/main" id="{0F96A9DE-2BF7-6B3D-C665-BA988DA06B36}"/>
+              </a:ext>
+            </a:extLst>
+          </p:cNvPr>
+          <p:cNvSpPr>
+            <a:spLocks noGrp="1"/>
+          </p:cNvSpPr>
+          <p:nvPr>
+            <p:ph type="title"/>
+          </p:nvPr>
+        </p:nvSpPr>
+        <p:spPr>
+          <a:xfrm>
+            <a:off x="477981" y="1122363"/>
+            <a:ext cx="4023360" cy="3204134"/>
+          </a:xfrm>
+        </p:spPr>
+        <p:txBody>
+          <a:bodyPr vert="horz" lIns="91440" tIns="45720" rIns="91440" bIns="45720" rtlCol="0" anchor="b">
+            <a:normAutofit/>
+          </a:bodyPr>
+          <a:lstStyle/>
+          <a:p>
+            <a:r>
+              <a:rPr lang="en-US" sz="4800" dirty="0">
+                <a:solidFill>
+                  <a:schemeClr val="bg1"/>
+                </a:solidFill>
+              </a:rPr>
+              <a:t>Internal report content</a:t>
+            </a:r>
+          </a:p>
+        </p:txBody>
+      </p:sp>
+      <p:sp>
+        <p:nvSpPr>
+          <p:cNvPr id="13" name="Rectangle 12">
+            <a:extLst>
+              <a:ext uri="{FF2B5EF4-FFF2-40B4-BE49-F238E27FC236}">
+                <a16:creationId xmlns:a16="http://schemas.microsoft.com/office/drawing/2014/main" id="{AF2F604E-43BE-4DC3-B983-E071523364F8}"/>
+              </a:ext>
+              <a:ext uri="{C183D7F6-B498-43B3-948B-1728B52AA6E4}">
+                <adec:decorative xmlns:adec="http://schemas.microsoft.com/office/drawing/2017/decorative" val="1"/>
+              </a:ext>
+            </a:extLst>
+          </p:cNvPr>
+          <p:cNvSpPr>
+            <a:spLocks noGrp="1" noRot="1" noChangeAspect="1" noMove="1" noResize="1" noEditPoints="1" noAdjustHandles="1" noChangeArrowheads="1" noChangeShapeType="1" noTextEdit="1"/>
+          </p:cNvSpPr>
+          <p:nvPr>
+            <p:extLst>
+              <p:ext uri="{386F3935-93C4-4BCD-93E2-E3B085C9AB24}">
+                <p16:designElem xmlns:p16="http://schemas.microsoft.com/office/powerpoint/2015/main" val="1"/>
+              </p:ext>
+            </p:extLst>
+          </p:nvPr>
+        </p:nvSpPr>
+        <p:spPr>
+          <a:xfrm rot="5400000">
+            <a:off x="759921" y="346791"/>
+            <a:ext cx="146304" cy="704088"/>
+          </a:xfrm>
+          <a:prstGeom prst="rect">
+            <a:avLst/>
+          </a:prstGeom>
+          <a:solidFill>
+            <a:schemeClr val="accent2"/>
+          </a:solidFill>
+          <a:ln>
+            <a:noFill/>
+          </a:ln>
+        </p:spPr>
+        <p:style>
+          <a:lnRef idx="2">
+            <a:schemeClr val="accent1">
+              <a:shade val="50000"/>
+            </a:schemeClr>
+          </a:lnRef>
+          <a:fillRef idx="1">
+            <a:schemeClr val="accent1"/>
+          </a:fillRef>
+          <a:effectRef idx="0">
+            <a:schemeClr val="accent1"/>
+          </a:effectRef>
+          <a:fontRef idx="minor">
+            <a:schemeClr val="lt1"/>
+          </a:fontRef>
+        </p:style>
+        <p:txBody>
+          <a:bodyPr rtlCol="0" anchor="ctr"/>
+          <a:lstStyle/>
+          <a:p>
+            <a:pPr algn="ctr"/>
+            <a:endParaRPr lang="en-US">
+              <a:solidFill>
+                <a:prstClr val="white"/>
+              </a:solidFill>
+              <a:latin typeface="Calibri" panose="020F0502020204030204"/>
+            </a:endParaRPr>
+          </a:p>
+        </p:txBody>
+      </p:sp>
+      <p:sp>
+        <p:nvSpPr>
+          <p:cNvPr id="15" name="Rectangle 14">
+            <a:extLst>
+              <a:ext uri="{FF2B5EF4-FFF2-40B4-BE49-F238E27FC236}">
+                <a16:creationId xmlns:a16="http://schemas.microsoft.com/office/drawing/2014/main" id="{08C9B587-E65E-4B52-B37C-ABEBB6E87928}"/>
+              </a:ext>
+              <a:ext uri="{C183D7F6-B498-43B3-948B-1728B52AA6E4}">
+                <adec:decorative xmlns:adec="http://schemas.microsoft.com/office/drawing/2017/decorative" val="1"/>
+              </a:ext>
+            </a:extLst>
+          </p:cNvPr>
+          <p:cNvSpPr>
+            <a:spLocks noGrp="1" noRot="1" noChangeAspect="1" noMove="1" noResize="1" noEditPoints="1" noAdjustHandles="1" noChangeArrowheads="1" noChangeShapeType="1" noTextEdit="1"/>
+          </p:cNvSpPr>
+          <p:nvPr>
+            <p:extLst>
+              <p:ext uri="{386F3935-93C4-4BCD-93E2-E3B085C9AB24}">
+                <p16:designElem xmlns:p16="http://schemas.microsoft.com/office/powerpoint/2015/main" val="1"/>
+              </p:ext>
+            </p:extLst>
+          </p:nvPr>
+        </p:nvSpPr>
+        <p:spPr>
+          <a:xfrm>
+            <a:off x="481029" y="4546920"/>
+            <a:ext cx="3977640" cy="18288"/>
+          </a:xfrm>
+          <a:prstGeom prst="rect">
+            <a:avLst/>
+          </a:prstGeom>
+          <a:solidFill>
+            <a:schemeClr val="tx1"/>
+          </a:solidFill>
+          <a:ln w="3175">
+            <a:noFill/>
+          </a:ln>
+          <a:effectLst/>
+        </p:spPr>
+        <p:style>
+          <a:lnRef idx="2">
+            <a:schemeClr val="accent1">
+              <a:shade val="50000"/>
+            </a:schemeClr>
+          </a:lnRef>
+          <a:fillRef idx="1">
+            <a:schemeClr val="accent1"/>
+          </a:fillRef>
+          <a:effectRef idx="0">
+            <a:schemeClr val="accent1"/>
+          </a:effectRef>
+          <a:fontRef idx="minor">
+            <a:schemeClr val="lt1"/>
+          </a:fontRef>
+        </p:style>
+        <p:txBody>
+          <a:bodyPr rtlCol="0" anchor="ctr"/>
+          <a:lstStyle/>
+          <a:p>
+            <a:pPr marL="0" marR="0" lvl="0" indent="0" algn="ctr" defTabSz="914400" rtl="0" eaLnBrk="1" fontAlgn="auto" latinLnBrk="0" hangingPunct="1">
+              <a:lnSpc>
+                <a:spcPct val="100000"/>
+              </a:lnSpc>
+              <a:spcBef>
+                <a:spcPts val="0"/>
+              </a:spcBef>
+              <a:spcAft>
+                <a:spcPts val="0"/>
+              </a:spcAft>
+              <a:buClrTx/>
+              <a:buSzTx/>
+              <a:buFontTx/>
+              <a:buNone/>
+              <a:tabLst/>
+              <a:defRPr/>
+            </a:pPr>
+            <a:endParaRPr kumimoji="0" lang="en-US" sz="1800" b="0" i="0" u="none" strike="noStrike" kern="1200" cap="none" spc="0" normalizeH="0" baseline="0" noProof="0">
+              <a:ln>
+                <a:noFill/>
+              </a:ln>
+              <a:solidFill>
+                <a:prstClr val="white"/>
+              </a:solidFill>
+              <a:effectLst/>
+              <a:uLnTx/>
+              <a:uFillTx/>
+              <a:latin typeface="Calibri" panose="020F0502020204030204"/>
+              <a:ea typeface="+mn-ea"/>
+              <a:cs typeface="+mn-cs"/>
+            </a:endParaRPr>
+          </a:p>
+        </p:txBody>
+      </p:sp>
+    </p:spTree>
+    <p:extLst>
+      <p:ext uri="{BB962C8B-B14F-4D97-AF65-F5344CB8AC3E}">
+        <p14:creationId xmlns:p14="http://schemas.microsoft.com/office/powerpoint/2010/main" val="3935494129"/>
+      </p:ext>
+    </p:extLst>
+  </p:cSld>
+  <p:clrMapOvr>
+    <a:masterClrMapping/>
+  </p:clrMapOvr>
+</p:sld>
+</file>
+
+<file path=ppt/slides/slide20.xml><?xml version="1.0" encoding="utf-8"?>
+<p:sld xmlns:a="http://schemas.openxmlformats.org/drawingml/2006/main" xmlns:r="http://schemas.openxmlformats.org/officeDocument/2006/relationships" xmlns:p="http://schemas.openxmlformats.org/presentationml/2006/main">
+  <p:cSld>
+    <p:spTree>
+      <p:nvGrpSpPr>
+        <p:cNvPr id="1" name="">
+          <a:extLst>
+            <a:ext uri="{FF2B5EF4-FFF2-40B4-BE49-F238E27FC236}">
+              <a16:creationId xmlns:a16="http://schemas.microsoft.com/office/drawing/2014/main" id="{A0FE512A-9B7B-42DB-7FA1-A353C4B52BBB}"/>
+            </a:ext>
+          </a:extLst>
+        </p:cNvPr>
+        <p:cNvGrpSpPr/>
+        <p:nvPr/>
+      </p:nvGrpSpPr>
+      <p:grpSpPr>
+        <a:xfrm>
+          <a:off x="0" y="0"/>
+          <a:ext cx="0" cy="0"/>
+          <a:chOff x="0" y="0"/>
+          <a:chExt cx="0" cy="0"/>
+        </a:xfrm>
+      </p:grpSpPr>
+      <p:sp>
+        <p:nvSpPr>
+          <p:cNvPr id="2" name="Title 1">
+            <a:extLst>
+              <a:ext uri="{FF2B5EF4-FFF2-40B4-BE49-F238E27FC236}">
+                <a16:creationId xmlns:a16="http://schemas.microsoft.com/office/drawing/2014/main" id="{7F2F8D86-88A6-9CFC-8D8F-97C64F1CE693}"/>
+              </a:ext>
+            </a:extLst>
+          </p:cNvPr>
+          <p:cNvSpPr>
+            <a:spLocks noGrp="1"/>
+          </p:cNvSpPr>
+          <p:nvPr>
+            <p:ph type="title"/>
+          </p:nvPr>
+        </p:nvSpPr>
+        <p:spPr/>
+        <p:txBody>
+          <a:bodyPr/>
+          <a:lstStyle/>
+          <a:p>
+            <a:r>
+              <a:rPr lang="en-US" dirty="0"/>
+              <a:t>Input costs</a:t>
+            </a:r>
+            <a:endParaRPr lang="en-NZ" dirty="0"/>
+          </a:p>
+        </p:txBody>
+      </p:sp>
+      <p:sp>
+        <p:nvSpPr>
+          <p:cNvPr id="3" name="Content Placeholder 2">
+            <a:extLst>
+              <a:ext uri="{FF2B5EF4-FFF2-40B4-BE49-F238E27FC236}">
+                <a16:creationId xmlns:a16="http://schemas.microsoft.com/office/drawing/2014/main" id="{7C9DC28D-3EC9-311D-12D0-4FF8FA50B637}"/>
+              </a:ext>
+            </a:extLst>
+          </p:cNvPr>
+          <p:cNvSpPr>
+            <a:spLocks noGrp="1"/>
+          </p:cNvSpPr>
+          <p:nvPr>
+            <p:ph idx="1"/>
+          </p:nvPr>
+        </p:nvSpPr>
+        <p:spPr>
+          <a:xfrm>
+            <a:off x="838200" y="1825625"/>
+            <a:ext cx="7092142" cy="4351338"/>
+          </a:xfrm>
+        </p:spPr>
+        <p:txBody>
+          <a:bodyPr/>
+          <a:lstStyle/>
+          <a:p>
+            <a:r>
+              <a:rPr lang="en-US"/>
+              <a:t>Check if we can find international IFRS GFS type standards to compare types of inputs used.</a:t>
+            </a:r>
+            <a:endParaRPr lang="en-NZ"/>
+          </a:p>
+        </p:txBody>
+      </p:sp>
+    </p:spTree>
+    <p:extLst>
+      <p:ext uri="{BB962C8B-B14F-4D97-AF65-F5344CB8AC3E}">
+        <p14:creationId xmlns:p14="http://schemas.microsoft.com/office/powerpoint/2010/main" val="2012669386"/>
+      </p:ext>
+    </p:extLst>
+  </p:cSld>
+  <p:clrMapOvr>
+    <a:masterClrMapping/>
+  </p:clrMapOvr>
+</p:sld>
+</file>
+
+<file path=ppt/slides/slide21.xml><?xml version="1.0" encoding="utf-8"?>
+<p:sld xmlns:a="http://schemas.openxmlformats.org/drawingml/2006/main" xmlns:r="http://schemas.openxmlformats.org/officeDocument/2006/relationships" xmlns:p="http://schemas.openxmlformats.org/presentationml/2006/main">
+  <p:cSld>
+    <p:spTree>
+      <p:nvGrpSpPr>
+        <p:cNvPr id="1" name="">
+          <a:extLst>
+            <a:ext uri="{FF2B5EF4-FFF2-40B4-BE49-F238E27FC236}">
+              <a16:creationId xmlns:a16="http://schemas.microsoft.com/office/drawing/2014/main" id="{DA473428-BC44-4560-5784-4854A177336B}"/>
+            </a:ext>
+          </a:extLst>
+        </p:cNvPr>
+        <p:cNvGrpSpPr/>
+        <p:nvPr/>
+      </p:nvGrpSpPr>
+      <p:grpSpPr>
+        <a:xfrm>
+          <a:off x="0" y="0"/>
+          <a:ext cx="0" cy="0"/>
+          <a:chOff x="0" y="0"/>
+          <a:chExt cx="0" cy="0"/>
+        </a:xfrm>
+      </p:grpSpPr>
+      <p:sp>
+        <p:nvSpPr>
+          <p:cNvPr id="2" name="Title 1">
+            <a:extLst>
+              <a:ext uri="{FF2B5EF4-FFF2-40B4-BE49-F238E27FC236}">
+                <a16:creationId xmlns:a16="http://schemas.microsoft.com/office/drawing/2014/main" id="{0C0FCF8D-4031-1EE8-ED8D-01279980E9EB}"/>
+              </a:ext>
+            </a:extLst>
+          </p:cNvPr>
+          <p:cNvSpPr>
+            <a:spLocks noGrp="1"/>
+          </p:cNvSpPr>
+          <p:nvPr>
+            <p:ph type="title"/>
+          </p:nvPr>
+        </p:nvSpPr>
+        <p:spPr/>
+        <p:txBody>
+          <a:bodyPr/>
+          <a:lstStyle/>
+          <a:p>
+            <a:r>
+              <a:rPr lang="en-US" dirty="0"/>
+              <a:t>Tracking and projections</a:t>
+            </a:r>
+            <a:endParaRPr lang="en-NZ" dirty="0"/>
+          </a:p>
+        </p:txBody>
+      </p:sp>
+      <p:sp>
+        <p:nvSpPr>
+          <p:cNvPr id="4" name="Content Placeholder 2">
+            <a:extLst>
+              <a:ext uri="{FF2B5EF4-FFF2-40B4-BE49-F238E27FC236}">
+                <a16:creationId xmlns:a16="http://schemas.microsoft.com/office/drawing/2014/main" id="{A23E7D09-1599-F7D2-1A94-1FCEC809BBF0}"/>
+              </a:ext>
+            </a:extLst>
+          </p:cNvPr>
+          <p:cNvSpPr txBox="1">
+            <a:spLocks/>
+          </p:cNvSpPr>
+          <p:nvPr/>
+        </p:nvSpPr>
+        <p:spPr>
+          <a:xfrm>
+            <a:off x="927846" y="1888378"/>
+            <a:ext cx="4356847" cy="4351338"/>
           </a:xfrm>
           <a:prstGeom prst="rect">
             <a:avLst/>
@@ -4386,3192 +7863,30 @@
               <a:buNone/>
             </a:pPr>
             <a:r>
-              <a:rPr lang="en-US" sz="1800" b="1" dirty="0"/>
-              <a:t>In General Spending</a:t>
-            </a:r>
-          </a:p>
-          <a:p>
-            <a:r>
-              <a:rPr lang="en-US" sz="1800" dirty="0"/>
-              <a:t>Consolidated government spending was </a:t>
-            </a:r>
-            <a:r>
-              <a:rPr lang="en-US" sz="1800" b="1" dirty="0"/>
-              <a:t>37% of GDP </a:t>
-            </a:r>
-            <a:r>
-              <a:rPr lang="en-US" sz="1800" dirty="0"/>
-              <a:t>in 2021/22 (compared to 24.8% at the Federal level).</a:t>
-            </a:r>
-          </a:p>
-          <a:p>
-            <a:endParaRPr lang="en-US" sz="1800" dirty="0"/>
-          </a:p>
-        </p:txBody>
-      </p:sp>
-      <p:pic>
-        <p:nvPicPr>
-          <p:cNvPr id="6" name="Picture 5" descr="A graph of blue and white bars&#10;&#10;Description automatically generated with medium confidence">
-            <a:extLst>
-              <a:ext uri="{FF2B5EF4-FFF2-40B4-BE49-F238E27FC236}">
-                <a16:creationId xmlns:a16="http://schemas.microsoft.com/office/drawing/2014/main" id="{CB551F72-0B48-4079-F6E2-E97548D67F8F}"/>
-              </a:ext>
-            </a:extLst>
-          </p:cNvPr>
-          <p:cNvPicPr>
-            <a:picLocks noChangeAspect="1"/>
-          </p:cNvPicPr>
+              <a:rPr lang="en-US" b="1" dirty="0"/>
+              <a:t>Adjusted expenditures</a:t>
+            </a:r>
+            <a:endParaRPr lang="en-NZ" b="1" dirty="0"/>
+          </a:p>
+        </p:txBody>
+      </p:sp>
+      <p:sp>
+        <p:nvSpPr>
+          <p:cNvPr id="3" name="Content Placeholder 2">
+            <a:extLst>
+              <a:ext uri="{FF2B5EF4-FFF2-40B4-BE49-F238E27FC236}">
+                <a16:creationId xmlns:a16="http://schemas.microsoft.com/office/drawing/2014/main" id="{E650E940-DB86-AEBC-07E3-0B11544F4CD8}"/>
+              </a:ext>
+            </a:extLst>
+          </p:cNvPr>
+          <p:cNvSpPr txBox="1">
+            <a:spLocks/>
+          </p:cNvSpPr>
           <p:nvPr/>
-        </p:nvPicPr>
-        <p:blipFill>
-          <a:blip r:embed="rId4">
-            <a:extLst>
-              <a:ext uri="{28A0092B-C50C-407E-A947-70E740481C1C}">
-                <a14:useLocalDpi xmlns:a14="http://schemas.microsoft.com/office/drawing/2010/main" val="0"/>
-              </a:ext>
-            </a:extLst>
-          </a:blip>
-          <a:stretch>
-            <a:fillRect/>
-          </a:stretch>
-        </p:blipFill>
+        </p:nvSpPr>
         <p:spPr>
           <a:xfrm>
-            <a:off x="838198" y="3126359"/>
-            <a:ext cx="3839211" cy="3366516"/>
-          </a:xfrm>
-          <a:prstGeom prst="rect">
-            <a:avLst/>
-          </a:prstGeom>
-        </p:spPr>
-      </p:pic>
-    </p:spTree>
-    <p:extLst>
-      <p:ext uri="{BB962C8B-B14F-4D97-AF65-F5344CB8AC3E}">
-        <p14:creationId xmlns:p14="http://schemas.microsoft.com/office/powerpoint/2010/main" val="3006396415"/>
-      </p:ext>
-    </p:extLst>
-  </p:cSld>
-  <p:clrMapOvr>
-    <a:masterClrMapping/>
-  </p:clrMapOvr>
-  <p:extLst>
-    <p:ext uri="{6950BFC3-D8DA-4A85-94F7-54DA5524770B}">
-      <p188:commentRel xmlns:p188="http://schemas.microsoft.com/office/powerpoint/2018/8/main" r:id="rId3"/>
-    </p:ext>
-  </p:extLst>
-</p:sld>
-</file>
-
-<file path=ppt/slides/slide12.xml><?xml version="1.0" encoding="utf-8"?>
-<p:sld xmlns:a="http://schemas.openxmlformats.org/drawingml/2006/main" xmlns:r="http://schemas.openxmlformats.org/officeDocument/2006/relationships" xmlns:p="http://schemas.openxmlformats.org/presentationml/2006/main">
-  <p:cSld>
-    <p:spTree>
-      <p:nvGrpSpPr>
-        <p:cNvPr id="1" name="">
-          <a:extLst>
-            <a:ext uri="{FF2B5EF4-FFF2-40B4-BE49-F238E27FC236}">
-              <a16:creationId xmlns:a16="http://schemas.microsoft.com/office/drawing/2014/main" id="{F338CAD0-FFE1-3DC1-782C-ED7392A018CD}"/>
-            </a:ext>
-          </a:extLst>
-        </p:cNvPr>
-        <p:cNvGrpSpPr/>
-        <p:nvPr/>
-      </p:nvGrpSpPr>
-      <p:grpSpPr>
-        <a:xfrm>
-          <a:off x="0" y="0"/>
-          <a:ext cx="0" cy="0"/>
-          <a:chOff x="0" y="0"/>
-          <a:chExt cx="0" cy="0"/>
-        </a:xfrm>
-      </p:grpSpPr>
-      <p:sp>
-        <p:nvSpPr>
-          <p:cNvPr id="2" name="Title 1">
-            <a:extLst>
-              <a:ext uri="{FF2B5EF4-FFF2-40B4-BE49-F238E27FC236}">
-                <a16:creationId xmlns:a16="http://schemas.microsoft.com/office/drawing/2014/main" id="{2C1CD6A6-72D2-4D2D-1B67-10630B036642}"/>
-              </a:ext>
-            </a:extLst>
-          </p:cNvPr>
-          <p:cNvSpPr>
-            <a:spLocks noGrp="1"/>
-          </p:cNvSpPr>
-          <p:nvPr>
-            <p:ph type="title"/>
-          </p:nvPr>
-        </p:nvSpPr>
-        <p:spPr/>
-        <p:txBody>
-          <a:bodyPr/>
-          <a:lstStyle/>
-          <a:p>
-            <a:r>
-              <a:rPr lang="en-US" dirty="0"/>
-              <a:t>Where has consolidated spending growth occurred?</a:t>
-            </a:r>
-            <a:endParaRPr lang="en-NZ" dirty="0"/>
-          </a:p>
-        </p:txBody>
-      </p:sp>
-      <p:pic>
-        <p:nvPicPr>
-          <p:cNvPr id="9" name="Content Placeholder 8" descr="A graph of a graph showing the cost of a health care company&#10;&#10;Description automatically generated with medium confidence">
-            <a:extLst>
-              <a:ext uri="{FF2B5EF4-FFF2-40B4-BE49-F238E27FC236}">
-                <a16:creationId xmlns:a16="http://schemas.microsoft.com/office/drawing/2014/main" id="{1C85ADAF-3DF3-4693-6E72-6081E12149E7}"/>
-              </a:ext>
-            </a:extLst>
-          </p:cNvPr>
-          <p:cNvPicPr>
-            <a:picLocks noGrp="1" noChangeAspect="1"/>
-          </p:cNvPicPr>
-          <p:nvPr>
-            <p:ph idx="1"/>
-          </p:nvPr>
-        </p:nvPicPr>
-        <p:blipFill>
-          <a:blip r:embed="rId2">
-            <a:extLst>
-              <a:ext uri="{28A0092B-C50C-407E-A947-70E740481C1C}">
-                <a14:useLocalDpi xmlns:a14="http://schemas.microsoft.com/office/drawing/2010/main" val="0"/>
-              </a:ext>
-            </a:extLst>
-          </a:blip>
-          <a:stretch>
-            <a:fillRect/>
-          </a:stretch>
-        </p:blipFill>
-        <p:spPr>
-          <a:xfrm>
-            <a:off x="186350" y="2002055"/>
-            <a:ext cx="5728467" cy="3739024"/>
-          </a:xfrm>
-        </p:spPr>
-      </p:pic>
-      <p:pic>
-        <p:nvPicPr>
-          <p:cNvPr id="13" name="Picture 12" descr="A graph of a government budget&#10;&#10;Description automatically generated">
-            <a:extLst>
-              <a:ext uri="{FF2B5EF4-FFF2-40B4-BE49-F238E27FC236}">
-                <a16:creationId xmlns:a16="http://schemas.microsoft.com/office/drawing/2014/main" id="{D7156614-FF16-E06F-B770-6D41E3FC16CC}"/>
-              </a:ext>
-            </a:extLst>
-          </p:cNvPr>
-          <p:cNvPicPr>
-            <a:picLocks noChangeAspect="1"/>
-          </p:cNvPicPr>
-          <p:nvPr/>
-        </p:nvPicPr>
-        <p:blipFill>
-          <a:blip r:embed="rId3">
-            <a:extLst>
-              <a:ext uri="{28A0092B-C50C-407E-A947-70E740481C1C}">
-                <a14:useLocalDpi xmlns:a14="http://schemas.microsoft.com/office/drawing/2010/main" val="0"/>
-              </a:ext>
-            </a:extLst>
-          </a:blip>
-          <a:stretch>
-            <a:fillRect/>
-          </a:stretch>
-        </p:blipFill>
-        <p:spPr>
-          <a:xfrm>
-            <a:off x="6096000" y="2002055"/>
-            <a:ext cx="5779668" cy="3772443"/>
-          </a:xfrm>
-          <a:prstGeom prst="rect">
-            <a:avLst/>
-          </a:prstGeom>
-        </p:spPr>
-      </p:pic>
-    </p:spTree>
-    <p:extLst>
-      <p:ext uri="{BB962C8B-B14F-4D97-AF65-F5344CB8AC3E}">
-        <p14:creationId xmlns:p14="http://schemas.microsoft.com/office/powerpoint/2010/main" val="571982762"/>
-      </p:ext>
-    </p:extLst>
-  </p:cSld>
-  <p:clrMapOvr>
-    <a:masterClrMapping/>
-  </p:clrMapOvr>
-</p:sld>
-</file>
-
-<file path=ppt/slides/slide13.xml><?xml version="1.0" encoding="utf-8"?>
-<p:sld xmlns:a="http://schemas.openxmlformats.org/drawingml/2006/main" xmlns:r="http://schemas.openxmlformats.org/officeDocument/2006/relationships" xmlns:p="http://schemas.openxmlformats.org/presentationml/2006/main">
-  <p:cSld>
-    <p:spTree>
-      <p:nvGrpSpPr>
-        <p:cNvPr id="1" name="">
-          <a:extLst>
-            <a:ext uri="{FF2B5EF4-FFF2-40B4-BE49-F238E27FC236}">
-              <a16:creationId xmlns:a16="http://schemas.microsoft.com/office/drawing/2014/main" id="{84A488D9-58B5-52E0-AB7B-0A461528E079}"/>
-            </a:ext>
-          </a:extLst>
-        </p:cNvPr>
-        <p:cNvGrpSpPr/>
-        <p:nvPr/>
-      </p:nvGrpSpPr>
-      <p:grpSpPr>
-        <a:xfrm>
-          <a:off x="0" y="0"/>
-          <a:ext cx="0" cy="0"/>
-          <a:chOff x="0" y="0"/>
-          <a:chExt cx="0" cy="0"/>
-        </a:xfrm>
-      </p:grpSpPr>
-      <p:sp>
-        <p:nvSpPr>
-          <p:cNvPr id="2" name="Title 1">
-            <a:extLst>
-              <a:ext uri="{FF2B5EF4-FFF2-40B4-BE49-F238E27FC236}">
-                <a16:creationId xmlns:a16="http://schemas.microsoft.com/office/drawing/2014/main" id="{5D864967-D00E-B83B-C0AC-2E96CF9D4830}"/>
-              </a:ext>
-            </a:extLst>
-          </p:cNvPr>
-          <p:cNvSpPr>
-            <a:spLocks noGrp="1"/>
-          </p:cNvSpPr>
-          <p:nvPr>
-            <p:ph type="title"/>
-          </p:nvPr>
-        </p:nvSpPr>
-        <p:spPr/>
-        <p:txBody>
-          <a:bodyPr/>
-          <a:lstStyle/>
-          <a:p>
-            <a:r>
-              <a:rPr lang="en-US" dirty="0"/>
-              <a:t>Where has consolidated spending growth occurred?</a:t>
-            </a:r>
-            <a:endParaRPr lang="en-NZ" dirty="0"/>
-          </a:p>
-        </p:txBody>
-      </p:sp>
-      <p:sp>
-        <p:nvSpPr>
-          <p:cNvPr id="3" name="Content Placeholder 2">
-            <a:extLst>
-              <a:ext uri="{FF2B5EF4-FFF2-40B4-BE49-F238E27FC236}">
-                <a16:creationId xmlns:a16="http://schemas.microsoft.com/office/drawing/2014/main" id="{61524688-D52A-BAF0-BFCC-AB54085CB4F9}"/>
-              </a:ext>
-            </a:extLst>
-          </p:cNvPr>
-          <p:cNvSpPr>
-            <a:spLocks noGrp="1"/>
-          </p:cNvSpPr>
-          <p:nvPr>
-            <p:ph idx="1"/>
-          </p:nvPr>
-        </p:nvSpPr>
-        <p:spPr>
-          <a:xfrm>
-            <a:off x="7789026" y="1825625"/>
-            <a:ext cx="3901440" cy="4351338"/>
-          </a:xfrm>
-        </p:spPr>
-        <p:txBody>
-          <a:bodyPr>
-            <a:normAutofit/>
-          </a:bodyPr>
-          <a:lstStyle/>
-          <a:p>
-            <a:pPr marL="0" indent="0">
-              <a:buNone/>
-            </a:pPr>
-            <a:r>
-              <a:rPr lang="en-US" dirty="0"/>
-              <a:t>In the GFS (inputs)</a:t>
-            </a:r>
-          </a:p>
-          <a:p>
-            <a:r>
-              <a:rPr lang="en-US" dirty="0"/>
-              <a:t>XXX</a:t>
-            </a:r>
-          </a:p>
-          <a:p>
-            <a:endParaRPr lang="en-US" dirty="0"/>
-          </a:p>
-        </p:txBody>
-      </p:sp>
-    </p:spTree>
-    <p:extLst>
-      <p:ext uri="{BB962C8B-B14F-4D97-AF65-F5344CB8AC3E}">
-        <p14:creationId xmlns:p14="http://schemas.microsoft.com/office/powerpoint/2010/main" val="1642016757"/>
-      </p:ext>
-    </p:extLst>
-  </p:cSld>
-  <p:clrMapOvr>
-    <a:masterClrMapping/>
-  </p:clrMapOvr>
-</p:sld>
-</file>
-
-<file path=ppt/slides/slide14.xml><?xml version="1.0" encoding="utf-8"?>
-<p:sld xmlns:a="http://schemas.openxmlformats.org/drawingml/2006/main" xmlns:r="http://schemas.openxmlformats.org/officeDocument/2006/relationships" xmlns:p="http://schemas.openxmlformats.org/presentationml/2006/main">
-  <p:cSld>
-    <p:spTree>
-      <p:nvGrpSpPr>
-        <p:cNvPr id="1" name="">
-          <a:extLst>
-            <a:ext uri="{FF2B5EF4-FFF2-40B4-BE49-F238E27FC236}">
-              <a16:creationId xmlns:a16="http://schemas.microsoft.com/office/drawing/2014/main" id="{80E7A5C4-5CC4-02B0-AECC-10458953D849}"/>
-            </a:ext>
-          </a:extLst>
-        </p:cNvPr>
-        <p:cNvGrpSpPr/>
-        <p:nvPr/>
-      </p:nvGrpSpPr>
-      <p:grpSpPr>
-        <a:xfrm>
-          <a:off x="0" y="0"/>
-          <a:ext cx="0" cy="0"/>
-          <a:chOff x="0" y="0"/>
-          <a:chExt cx="0" cy="0"/>
-        </a:xfrm>
-      </p:grpSpPr>
-      <p:sp>
-        <p:nvSpPr>
-          <p:cNvPr id="2" name="Title 1">
-            <a:extLst>
-              <a:ext uri="{FF2B5EF4-FFF2-40B4-BE49-F238E27FC236}">
-                <a16:creationId xmlns:a16="http://schemas.microsoft.com/office/drawing/2014/main" id="{B018B313-1BEC-EE8D-C18D-B2D67F94EA92}"/>
-              </a:ext>
-            </a:extLst>
-          </p:cNvPr>
-          <p:cNvSpPr>
-            <a:spLocks noGrp="1"/>
-          </p:cNvSpPr>
-          <p:nvPr>
-            <p:ph type="title"/>
-          </p:nvPr>
-        </p:nvSpPr>
-        <p:spPr/>
-        <p:txBody>
-          <a:bodyPr/>
-          <a:lstStyle/>
-          <a:p>
-            <a:r>
-              <a:rPr lang="en-US" dirty="0"/>
-              <a:t>What does consolidation tell us?</a:t>
-            </a:r>
-            <a:endParaRPr lang="en-NZ" dirty="0"/>
-          </a:p>
-        </p:txBody>
-      </p:sp>
-      <p:sp>
-        <p:nvSpPr>
-          <p:cNvPr id="3" name="Content Placeholder 2">
-            <a:extLst>
-              <a:ext uri="{FF2B5EF4-FFF2-40B4-BE49-F238E27FC236}">
-                <a16:creationId xmlns:a16="http://schemas.microsoft.com/office/drawing/2014/main" id="{E79C3382-20E7-1112-55A6-45258EE663D5}"/>
-              </a:ext>
-            </a:extLst>
-          </p:cNvPr>
-          <p:cNvSpPr>
-            <a:spLocks noGrp="1"/>
-          </p:cNvSpPr>
-          <p:nvPr>
-            <p:ph idx="1"/>
-          </p:nvPr>
-        </p:nvSpPr>
-        <p:spPr>
-          <a:xfrm>
-            <a:off x="838200" y="1690688"/>
-            <a:ext cx="9704832" cy="1325563"/>
-          </a:xfrm>
-        </p:spPr>
-        <p:txBody>
-          <a:bodyPr>
-            <a:normAutofit lnSpcReduction="10000"/>
-          </a:bodyPr>
-          <a:lstStyle/>
-          <a:p>
-            <a:pPr marL="0" indent="0">
-              <a:buNone/>
-            </a:pPr>
-            <a:r>
-              <a:rPr lang="en-US" dirty="0"/>
-              <a:t>Stickiness of expenditures (</a:t>
-            </a:r>
-            <a:r>
-              <a:rPr lang="en-US" b="1" dirty="0"/>
-              <a:t>short-termism</a:t>
-            </a:r>
-            <a:r>
-              <a:rPr lang="en-US" dirty="0"/>
-              <a:t>)</a:t>
-            </a:r>
-          </a:p>
-          <a:p>
-            <a:r>
-              <a:rPr lang="en-US" dirty="0"/>
-              <a:t>Growing expenditure with all categories rising together may suggest Budgetary processes that </a:t>
-            </a:r>
-            <a:r>
-              <a:rPr lang="en-US"/>
-              <a:t>are sticky.</a:t>
-            </a:r>
-            <a:endParaRPr lang="en-US" dirty="0"/>
-          </a:p>
-          <a:p>
-            <a:endParaRPr lang="en-US" dirty="0"/>
-          </a:p>
-        </p:txBody>
-      </p:sp>
-    </p:spTree>
-    <p:extLst>
-      <p:ext uri="{BB962C8B-B14F-4D97-AF65-F5344CB8AC3E}">
-        <p14:creationId xmlns:p14="http://schemas.microsoft.com/office/powerpoint/2010/main" val="3857276715"/>
-      </p:ext>
-    </p:extLst>
-  </p:cSld>
-  <p:clrMapOvr>
-    <a:masterClrMapping/>
-  </p:clrMapOvr>
-</p:sld>
-</file>
-
-<file path=ppt/slides/slide15.xml><?xml version="1.0" encoding="utf-8"?>
-<p:sld xmlns:a="http://schemas.openxmlformats.org/drawingml/2006/main" xmlns:r="http://schemas.openxmlformats.org/officeDocument/2006/relationships" xmlns:p="http://schemas.openxmlformats.org/presentationml/2006/main">
-  <p:cSld>
-    <p:spTree>
-      <p:nvGrpSpPr>
-        <p:cNvPr id="1" name=""/>
-        <p:cNvGrpSpPr/>
-        <p:nvPr/>
-      </p:nvGrpSpPr>
-      <p:grpSpPr>
-        <a:xfrm>
-          <a:off x="0" y="0"/>
-          <a:ext cx="0" cy="0"/>
-          <a:chOff x="0" y="0"/>
-          <a:chExt cx="0" cy="0"/>
-        </a:xfrm>
-      </p:grpSpPr>
-      <p:sp>
-        <p:nvSpPr>
-          <p:cNvPr id="2" name="Title 1">
-            <a:extLst>
-              <a:ext uri="{FF2B5EF4-FFF2-40B4-BE49-F238E27FC236}">
-                <a16:creationId xmlns:a16="http://schemas.microsoft.com/office/drawing/2014/main" id="{D7449477-6062-4DEB-E9CF-433F3871A839}"/>
-              </a:ext>
-            </a:extLst>
-          </p:cNvPr>
-          <p:cNvSpPr>
-            <a:spLocks noGrp="1"/>
-          </p:cNvSpPr>
-          <p:nvPr>
-            <p:ph type="title"/>
-          </p:nvPr>
-        </p:nvSpPr>
-        <p:spPr>
-          <a:xfrm>
-            <a:off x="545592" y="109093"/>
-            <a:ext cx="10515600" cy="1325563"/>
-          </a:xfrm>
-        </p:spPr>
-        <p:txBody>
-          <a:bodyPr/>
-          <a:lstStyle/>
-          <a:p>
-            <a:r>
-              <a:rPr lang="en-US" dirty="0"/>
-              <a:t>Benchmarking</a:t>
-            </a:r>
-            <a:endParaRPr lang="en-NZ" dirty="0"/>
-          </a:p>
-        </p:txBody>
-      </p:sp>
-      <p:sp>
-        <p:nvSpPr>
-          <p:cNvPr id="3" name="Content Placeholder 2">
-            <a:extLst>
-              <a:ext uri="{FF2B5EF4-FFF2-40B4-BE49-F238E27FC236}">
-                <a16:creationId xmlns:a16="http://schemas.microsoft.com/office/drawing/2014/main" id="{63213F35-F674-A48B-6EDC-F5C1E0B5C35F}"/>
-              </a:ext>
-            </a:extLst>
-          </p:cNvPr>
-          <p:cNvSpPr>
-            <a:spLocks noGrp="1"/>
-          </p:cNvSpPr>
-          <p:nvPr>
-            <p:ph idx="1"/>
-          </p:nvPr>
-        </p:nvSpPr>
-        <p:spPr>
-          <a:xfrm>
-            <a:off x="838200" y="1321808"/>
-            <a:ext cx="4356847" cy="4351338"/>
-          </a:xfrm>
-        </p:spPr>
-        <p:txBody>
-          <a:bodyPr/>
-          <a:lstStyle/>
-          <a:p>
-            <a:pPr marL="0" indent="0">
-              <a:buNone/>
-            </a:pPr>
-            <a:r>
-              <a:rPr lang="en-US" b="1" dirty="0"/>
-              <a:t>International</a:t>
-            </a:r>
-          </a:p>
-          <a:p>
-            <a:r>
-              <a:rPr lang="en-US" dirty="0"/>
-              <a:t>OECD division COFOG data.</a:t>
-            </a:r>
-          </a:p>
-          <a:p>
-            <a:r>
-              <a:rPr lang="en-US" dirty="0"/>
-              <a:t>Synthetic control exercise to benchmark against “similar” countries.</a:t>
-            </a:r>
-            <a:endParaRPr lang="en-NZ" dirty="0"/>
-          </a:p>
-        </p:txBody>
-      </p:sp>
-      <p:sp>
-        <p:nvSpPr>
-          <p:cNvPr id="4" name="Content Placeholder 2">
-            <a:extLst>
-              <a:ext uri="{FF2B5EF4-FFF2-40B4-BE49-F238E27FC236}">
-                <a16:creationId xmlns:a16="http://schemas.microsoft.com/office/drawing/2014/main" id="{44BFAF0E-73C2-3E4F-3ECE-F1D6CD59A58E}"/>
-              </a:ext>
-            </a:extLst>
-          </p:cNvPr>
-          <p:cNvSpPr txBox="1">
-            <a:spLocks/>
-          </p:cNvSpPr>
-          <p:nvPr/>
-        </p:nvSpPr>
-        <p:spPr>
-          <a:xfrm>
-            <a:off x="6877184" y="1253331"/>
-            <a:ext cx="4356847" cy="4351338"/>
-          </a:xfrm>
-          <a:prstGeom prst="rect">
-            <a:avLst/>
-          </a:prstGeom>
-        </p:spPr>
-        <p:txBody>
-          <a:bodyPr vert="horz" lIns="91440" tIns="45720" rIns="91440" bIns="45720" rtlCol="0">
-            <a:normAutofit lnSpcReduction="10000"/>
-          </a:bodyPr>
-          <a:lstStyle>
-            <a:lvl1pPr marL="228600" indent="-228600" algn="l" defTabSz="914400" rtl="0" eaLnBrk="1" latinLnBrk="0" hangingPunct="1">
-              <a:lnSpc>
-                <a:spcPct val="90000"/>
-              </a:lnSpc>
-              <a:spcBef>
-                <a:spcPts val="1000"/>
-              </a:spcBef>
-              <a:buFont typeface="Arial" panose="020B0604020202020204" pitchFamily="34" charset="0"/>
-              <a:buChar char="•"/>
-              <a:defRPr sz="2800" kern="1200">
-                <a:solidFill>
-                  <a:schemeClr val="tx1"/>
-                </a:solidFill>
-                <a:latin typeface="+mn-lt"/>
-                <a:ea typeface="+mn-ea"/>
-                <a:cs typeface="+mn-cs"/>
-              </a:defRPr>
-            </a:lvl1pPr>
-            <a:lvl2pPr marL="685800" indent="-228600" algn="l" defTabSz="914400" rtl="0" eaLnBrk="1" latinLnBrk="0" hangingPunct="1">
-              <a:lnSpc>
-                <a:spcPct val="90000"/>
-              </a:lnSpc>
-              <a:spcBef>
-                <a:spcPts val="500"/>
-              </a:spcBef>
-              <a:buFont typeface="Arial" panose="020B0604020202020204" pitchFamily="34" charset="0"/>
-              <a:buChar char="•"/>
-              <a:defRPr sz="2400" kern="1200">
-                <a:solidFill>
-                  <a:schemeClr val="tx1"/>
-                </a:solidFill>
-                <a:latin typeface="+mn-lt"/>
-                <a:ea typeface="+mn-ea"/>
-                <a:cs typeface="+mn-cs"/>
-              </a:defRPr>
-            </a:lvl2pPr>
-            <a:lvl3pPr marL="1143000" indent="-228600" algn="l" defTabSz="914400" rtl="0" eaLnBrk="1" latinLnBrk="0" hangingPunct="1">
-              <a:lnSpc>
-                <a:spcPct val="90000"/>
-              </a:lnSpc>
-              <a:spcBef>
-                <a:spcPts val="500"/>
-              </a:spcBef>
-              <a:buFont typeface="Arial" panose="020B0604020202020204" pitchFamily="34" charset="0"/>
-              <a:buChar char="•"/>
-              <a:defRPr sz="2000" kern="1200">
-                <a:solidFill>
-                  <a:schemeClr val="tx1"/>
-                </a:solidFill>
-                <a:latin typeface="+mn-lt"/>
-                <a:ea typeface="+mn-ea"/>
-                <a:cs typeface="+mn-cs"/>
-              </a:defRPr>
-            </a:lvl3pPr>
-            <a:lvl4pPr marL="1600200" indent="-228600" algn="l" defTabSz="914400" rtl="0" eaLnBrk="1" latinLnBrk="0" hangingPunct="1">
-              <a:lnSpc>
-                <a:spcPct val="90000"/>
-              </a:lnSpc>
-              <a:spcBef>
-                <a:spcPts val="500"/>
-              </a:spcBef>
-              <a:buFont typeface="Arial" panose="020B0604020202020204" pitchFamily="34" charset="0"/>
-              <a:buChar char="•"/>
-              <a:defRPr sz="1800" kern="1200">
-                <a:solidFill>
-                  <a:schemeClr val="tx1"/>
-                </a:solidFill>
-                <a:latin typeface="+mn-lt"/>
-                <a:ea typeface="+mn-ea"/>
-                <a:cs typeface="+mn-cs"/>
-              </a:defRPr>
-            </a:lvl4pPr>
-            <a:lvl5pPr marL="2057400" indent="-228600" algn="l" defTabSz="914400" rtl="0" eaLnBrk="1" latinLnBrk="0" hangingPunct="1">
-              <a:lnSpc>
-                <a:spcPct val="90000"/>
-              </a:lnSpc>
-              <a:spcBef>
-                <a:spcPts val="500"/>
-              </a:spcBef>
-              <a:buFont typeface="Arial" panose="020B0604020202020204" pitchFamily="34" charset="0"/>
-              <a:buChar char="•"/>
-              <a:defRPr sz="1800" kern="1200">
-                <a:solidFill>
-                  <a:schemeClr val="tx1"/>
-                </a:solidFill>
-                <a:latin typeface="+mn-lt"/>
-                <a:ea typeface="+mn-ea"/>
-                <a:cs typeface="+mn-cs"/>
-              </a:defRPr>
-            </a:lvl5pPr>
-            <a:lvl6pPr marL="2514600" indent="-228600" algn="l" defTabSz="914400" rtl="0" eaLnBrk="1" latinLnBrk="0" hangingPunct="1">
-              <a:lnSpc>
-                <a:spcPct val="90000"/>
-              </a:lnSpc>
-              <a:spcBef>
-                <a:spcPts val="500"/>
-              </a:spcBef>
-              <a:buFont typeface="Arial" panose="020B0604020202020204" pitchFamily="34" charset="0"/>
-              <a:buChar char="•"/>
-              <a:defRPr sz="1800" kern="1200">
-                <a:solidFill>
-                  <a:schemeClr val="tx1"/>
-                </a:solidFill>
-                <a:latin typeface="+mn-lt"/>
-                <a:ea typeface="+mn-ea"/>
-                <a:cs typeface="+mn-cs"/>
-              </a:defRPr>
-            </a:lvl6pPr>
-            <a:lvl7pPr marL="2971800" indent="-228600" algn="l" defTabSz="914400" rtl="0" eaLnBrk="1" latinLnBrk="0" hangingPunct="1">
-              <a:lnSpc>
-                <a:spcPct val="90000"/>
-              </a:lnSpc>
-              <a:spcBef>
-                <a:spcPts val="500"/>
-              </a:spcBef>
-              <a:buFont typeface="Arial" panose="020B0604020202020204" pitchFamily="34" charset="0"/>
-              <a:buChar char="•"/>
-              <a:defRPr sz="1800" kern="1200">
-                <a:solidFill>
-                  <a:schemeClr val="tx1"/>
-                </a:solidFill>
-                <a:latin typeface="+mn-lt"/>
-                <a:ea typeface="+mn-ea"/>
-                <a:cs typeface="+mn-cs"/>
-              </a:defRPr>
-            </a:lvl7pPr>
-            <a:lvl8pPr marL="3429000" indent="-228600" algn="l" defTabSz="914400" rtl="0" eaLnBrk="1" latinLnBrk="0" hangingPunct="1">
-              <a:lnSpc>
-                <a:spcPct val="90000"/>
-              </a:lnSpc>
-              <a:spcBef>
-                <a:spcPts val="500"/>
-              </a:spcBef>
-              <a:buFont typeface="Arial" panose="020B0604020202020204" pitchFamily="34" charset="0"/>
-              <a:buChar char="•"/>
-              <a:defRPr sz="1800" kern="1200">
-                <a:solidFill>
-                  <a:schemeClr val="tx1"/>
-                </a:solidFill>
-                <a:latin typeface="+mn-lt"/>
-                <a:ea typeface="+mn-ea"/>
-                <a:cs typeface="+mn-cs"/>
-              </a:defRPr>
-            </a:lvl8pPr>
-            <a:lvl9pPr marL="3886200" indent="-228600" algn="l" defTabSz="914400" rtl="0" eaLnBrk="1" latinLnBrk="0" hangingPunct="1">
-              <a:lnSpc>
-                <a:spcPct val="90000"/>
-              </a:lnSpc>
-              <a:spcBef>
-                <a:spcPts val="500"/>
-              </a:spcBef>
-              <a:buFont typeface="Arial" panose="020B0604020202020204" pitchFamily="34" charset="0"/>
-              <a:buChar char="•"/>
-              <a:defRPr sz="1800" kern="1200">
-                <a:solidFill>
-                  <a:schemeClr val="tx1"/>
-                </a:solidFill>
-                <a:latin typeface="+mn-lt"/>
-                <a:ea typeface="+mn-ea"/>
-                <a:cs typeface="+mn-cs"/>
-              </a:defRPr>
-            </a:lvl9pPr>
-          </a:lstStyle>
-          <a:p>
-            <a:pPr marL="0" indent="0">
-              <a:buFont typeface="Arial" panose="020B0604020202020204" pitchFamily="34" charset="0"/>
-              <a:buNone/>
-            </a:pPr>
-            <a:r>
-              <a:rPr lang="en-US" b="1" dirty="0"/>
-              <a:t>Adjusted expenditures</a:t>
-            </a:r>
-          </a:p>
-          <a:p>
-            <a:r>
-              <a:rPr lang="en-US" dirty="0"/>
-              <a:t>Disaggregated COFOG</a:t>
-            </a:r>
-          </a:p>
-          <a:p>
-            <a:r>
-              <a:rPr lang="en-US" dirty="0"/>
-              <a:t>Use demographic and economic factors to build benchmarks.</a:t>
-            </a:r>
-          </a:p>
-          <a:p>
-            <a:r>
-              <a:rPr lang="en-US" dirty="0"/>
-              <a:t>Sectors:</a:t>
-            </a:r>
-          </a:p>
-          <a:p>
-            <a:pPr lvl="1"/>
-            <a:r>
-              <a:rPr lang="en-US" dirty="0"/>
-              <a:t>Health,</a:t>
-            </a:r>
-          </a:p>
-          <a:p>
-            <a:pPr lvl="1"/>
-            <a:r>
-              <a:rPr lang="en-US" dirty="0"/>
-              <a:t>Education,</a:t>
-            </a:r>
-          </a:p>
-          <a:p>
-            <a:pPr lvl="1"/>
-            <a:r>
-              <a:rPr lang="en-US" dirty="0"/>
-              <a:t>Public admin (ex </a:t>
-            </a:r>
-            <a:r>
-              <a:rPr lang="en-US" dirty="0" err="1"/>
-              <a:t>defence</a:t>
-            </a:r>
-            <a:r>
-              <a:rPr lang="en-US" dirty="0"/>
-              <a:t>),</a:t>
-            </a:r>
-          </a:p>
-          <a:p>
-            <a:pPr lvl="1"/>
-            <a:r>
-              <a:rPr lang="en-US" dirty="0" err="1"/>
-              <a:t>Defence</a:t>
-            </a:r>
-            <a:r>
-              <a:rPr lang="en-US" dirty="0"/>
-              <a:t>,</a:t>
-            </a:r>
-          </a:p>
-          <a:p>
-            <a:pPr lvl="1"/>
-            <a:r>
-              <a:rPr lang="en-US" dirty="0"/>
-              <a:t>Other expenses</a:t>
-            </a:r>
-            <a:endParaRPr lang="en-NZ" dirty="0"/>
-          </a:p>
-        </p:txBody>
-      </p:sp>
-    </p:spTree>
-    <p:extLst>
-      <p:ext uri="{BB962C8B-B14F-4D97-AF65-F5344CB8AC3E}">
-        <p14:creationId xmlns:p14="http://schemas.microsoft.com/office/powerpoint/2010/main" val="3617518998"/>
-      </p:ext>
-    </p:extLst>
-  </p:cSld>
-  <p:clrMapOvr>
-    <a:masterClrMapping/>
-  </p:clrMapOvr>
-</p:sld>
-</file>
-
-<file path=ppt/slides/slide16.xml><?xml version="1.0" encoding="utf-8"?>
-<p:sld xmlns:a="http://schemas.openxmlformats.org/drawingml/2006/main" xmlns:r="http://schemas.openxmlformats.org/officeDocument/2006/relationships" xmlns:p="http://schemas.openxmlformats.org/presentationml/2006/main">
-  <p:cSld>
-    <p:bg>
-      <p:bgPr>
-        <a:solidFill>
-          <a:schemeClr val="bg1"/>
-        </a:solidFill>
-        <a:effectLst/>
-      </p:bgPr>
-    </p:bg>
-    <p:spTree>
-      <p:nvGrpSpPr>
-        <p:cNvPr id="1" name="">
-          <a:extLst>
-            <a:ext uri="{FF2B5EF4-FFF2-40B4-BE49-F238E27FC236}">
-              <a16:creationId xmlns:a16="http://schemas.microsoft.com/office/drawing/2014/main" id="{2BFA4CC9-30D7-CF96-4022-82384A3670BD}"/>
-            </a:ext>
-          </a:extLst>
-        </p:cNvPr>
-        <p:cNvGrpSpPr/>
-        <p:nvPr/>
-      </p:nvGrpSpPr>
-      <p:grpSpPr>
-        <a:xfrm>
-          <a:off x="0" y="0"/>
-          <a:ext cx="0" cy="0"/>
-          <a:chOff x="0" y="0"/>
-          <a:chExt cx="0" cy="0"/>
-        </a:xfrm>
-      </p:grpSpPr>
-      <p:sp useBgFill="1">
-        <p:nvSpPr>
-          <p:cNvPr id="17" name="Rectangle 16">
-            <a:extLst>
-              <a:ext uri="{FF2B5EF4-FFF2-40B4-BE49-F238E27FC236}">
-                <a16:creationId xmlns:a16="http://schemas.microsoft.com/office/drawing/2014/main" id="{2151139A-886F-4B97-8815-729AD3831BBD}"/>
-              </a:ext>
-              <a:ext uri="{C183D7F6-B498-43B3-948B-1728B52AA6E4}">
-                <adec:decorative xmlns:adec="http://schemas.microsoft.com/office/drawing/2017/decorative" val="1"/>
-              </a:ext>
-            </a:extLst>
-          </p:cNvPr>
-          <p:cNvSpPr>
-            <a:spLocks noGrp="1" noRot="1" noChangeAspect="1" noMove="1" noResize="1" noEditPoints="1" noAdjustHandles="1" noChangeArrowheads="1" noChangeShapeType="1" noTextEdit="1"/>
-          </p:cNvSpPr>
-          <p:nvPr>
-            <p:extLst>
-              <p:ext uri="{386F3935-93C4-4BCD-93E2-E3B085C9AB24}">
-                <p16:designElem xmlns:p16="http://schemas.microsoft.com/office/powerpoint/2015/main" val="1"/>
-              </p:ext>
-            </p:extLst>
-          </p:nvPr>
-        </p:nvSpPr>
-        <p:spPr>
-          <a:xfrm>
-            <a:off x="0" y="0"/>
-            <a:ext cx="12192000" cy="6858000"/>
-          </a:xfrm>
-          <a:prstGeom prst="rect">
-            <a:avLst/>
-          </a:prstGeom>
-          <a:ln w="12700" cap="flat" cmpd="sng" algn="ctr">
-            <a:noFill/>
-            <a:prstDash val="solid"/>
-            <a:miter lim="800000"/>
-          </a:ln>
-          <a:effectLst/>
-          <a:extLst>
-            <a:ext uri="{91240B29-F687-4F45-9708-019B960494DF}">
-              <a14:hiddenLine xmlns:a14="http://schemas.microsoft.com/office/drawing/2010/main" w="12700" cap="flat" cmpd="sng" algn="ctr">
-                <a:solidFill>
-                  <a:schemeClr val="accent1">
-                    <a:shade val="50000"/>
-                  </a:schemeClr>
-                </a:solidFill>
-                <a:prstDash val="solid"/>
-                <a:miter lim="800000"/>
-              </a14:hiddenLine>
-            </a:ext>
-          </a:extLst>
-        </p:spPr>
-        <p:style>
-          <a:lnRef idx="2">
-            <a:schemeClr val="accent1">
-              <a:shade val="50000"/>
-            </a:schemeClr>
-          </a:lnRef>
-          <a:fillRef idx="1">
-            <a:schemeClr val="accent1"/>
-          </a:fillRef>
-          <a:effectRef idx="0">
-            <a:schemeClr val="accent1"/>
-          </a:effectRef>
-          <a:fontRef idx="minor">
-            <a:schemeClr val="lt1"/>
-          </a:fontRef>
-        </p:style>
-        <p:txBody>
-          <a:bodyPr rtlCol="0" anchor="ctr"/>
-          <a:lstStyle/>
-          <a:p>
-            <a:pPr algn="ctr"/>
-            <a:endParaRPr lang="en-US" sz="2000"/>
-          </a:p>
-        </p:txBody>
-      </p:sp>
-      <p:sp>
-        <p:nvSpPr>
-          <p:cNvPr id="18" name="Rectangle 17">
-            <a:extLst>
-              <a:ext uri="{FF2B5EF4-FFF2-40B4-BE49-F238E27FC236}">
-                <a16:creationId xmlns:a16="http://schemas.microsoft.com/office/drawing/2014/main" id="{AB5E08C4-8CDD-4623-A5B8-E998C6DEE3B7}"/>
-              </a:ext>
-              <a:ext uri="{C183D7F6-B498-43B3-948B-1728B52AA6E4}">
-                <adec:decorative xmlns:adec="http://schemas.microsoft.com/office/drawing/2017/decorative" val="1"/>
-              </a:ext>
-            </a:extLst>
-          </p:cNvPr>
-          <p:cNvSpPr>
-            <a:spLocks noGrp="1" noRot="1" noChangeAspect="1" noMove="1" noResize="1" noEditPoints="1" noAdjustHandles="1" noChangeArrowheads="1" noChangeShapeType="1" noTextEdit="1"/>
-          </p:cNvSpPr>
-          <p:nvPr>
-            <p:extLst>
-              <p:ext uri="{386F3935-93C4-4BCD-93E2-E3B085C9AB24}">
-                <p16:designElem xmlns:p16="http://schemas.microsoft.com/office/powerpoint/2015/main" val="1"/>
-              </p:ext>
-            </p:extLst>
-          </p:nvPr>
-        </p:nvSpPr>
-        <p:spPr>
-          <a:xfrm flipH="1">
-            <a:off x="2" y="492"/>
-            <a:ext cx="12191998" cy="1575955"/>
-          </a:xfrm>
-          <a:prstGeom prst="rect">
-            <a:avLst/>
-          </a:prstGeom>
-          <a:gradFill>
-            <a:gsLst>
-              <a:gs pos="0">
-                <a:schemeClr val="accent1">
-                  <a:lumMod val="50000"/>
-                </a:schemeClr>
-              </a:gs>
-              <a:gs pos="100000">
-                <a:schemeClr val="accent1">
-                  <a:lumMod val="75000"/>
-                </a:schemeClr>
-              </a:gs>
-            </a:gsLst>
-            <a:lin ang="8400000" scaled="0"/>
-          </a:gradFill>
-          <a:ln>
-            <a:noFill/>
-          </a:ln>
-        </p:spPr>
-        <p:style>
-          <a:lnRef idx="2">
-            <a:schemeClr val="accent1">
-              <a:shade val="50000"/>
-            </a:schemeClr>
-          </a:lnRef>
-          <a:fillRef idx="1">
-            <a:schemeClr val="accent1"/>
-          </a:fillRef>
-          <a:effectRef idx="0">
-            <a:schemeClr val="accent1"/>
-          </a:effectRef>
-          <a:fontRef idx="minor">
-            <a:schemeClr val="lt1"/>
-          </a:fontRef>
-        </p:style>
-        <p:txBody>
-          <a:bodyPr rtlCol="0" anchor="ctr"/>
-          <a:lstStyle/>
-          <a:p>
-            <a:pPr algn="ctr"/>
-            <a:endParaRPr lang="en-US"/>
-          </a:p>
-        </p:txBody>
-      </p:sp>
-      <p:sp>
-        <p:nvSpPr>
-          <p:cNvPr id="19" name="Rectangle 18">
-            <a:extLst>
-              <a:ext uri="{FF2B5EF4-FFF2-40B4-BE49-F238E27FC236}">
-                <a16:creationId xmlns:a16="http://schemas.microsoft.com/office/drawing/2014/main" id="{15F33878-D502-4FFA-8ACE-F2AECDB2A23F}"/>
-              </a:ext>
-              <a:ext uri="{C183D7F6-B498-43B3-948B-1728B52AA6E4}">
-                <adec:decorative xmlns:adec="http://schemas.microsoft.com/office/drawing/2017/decorative" val="1"/>
-              </a:ext>
-            </a:extLst>
-          </p:cNvPr>
-          <p:cNvSpPr>
-            <a:spLocks noGrp="1" noRot="1" noChangeAspect="1" noMove="1" noResize="1" noEditPoints="1" noAdjustHandles="1" noChangeArrowheads="1" noChangeShapeType="1" noTextEdit="1"/>
-          </p:cNvSpPr>
-          <p:nvPr>
-            <p:extLst>
-              <p:ext uri="{386F3935-93C4-4BCD-93E2-E3B085C9AB24}">
-                <p16:designElem xmlns:p16="http://schemas.microsoft.com/office/powerpoint/2015/main" val="1"/>
-              </p:ext>
-            </p:extLst>
-          </p:nvPr>
-        </p:nvSpPr>
-        <p:spPr>
-          <a:xfrm rot="10800000" flipH="1">
-            <a:off x="8128857" y="35"/>
-            <a:ext cx="4063143" cy="1576412"/>
-          </a:xfrm>
-          <a:prstGeom prst="rect">
-            <a:avLst/>
-          </a:prstGeom>
-          <a:gradFill>
-            <a:gsLst>
-              <a:gs pos="19000">
-                <a:schemeClr val="accent1">
-                  <a:lumMod val="50000"/>
-                  <a:alpha val="68000"/>
-                </a:schemeClr>
-              </a:gs>
-              <a:gs pos="100000">
-                <a:schemeClr val="accent1">
-                  <a:alpha val="79000"/>
-                </a:schemeClr>
-              </a:gs>
-            </a:gsLst>
-            <a:lin ang="19200000" scaled="0"/>
-          </a:gradFill>
-          <a:ln>
-            <a:noFill/>
-          </a:ln>
-        </p:spPr>
-        <p:style>
-          <a:lnRef idx="2">
-            <a:schemeClr val="accent1">
-              <a:shade val="50000"/>
-            </a:schemeClr>
-          </a:lnRef>
-          <a:fillRef idx="1">
-            <a:schemeClr val="accent1"/>
-          </a:fillRef>
-          <a:effectRef idx="0">
-            <a:schemeClr val="accent1"/>
-          </a:effectRef>
-          <a:fontRef idx="minor">
-            <a:schemeClr val="lt1"/>
-          </a:fontRef>
-        </p:style>
-        <p:txBody>
-          <a:bodyPr rtlCol="0" anchor="ctr"/>
-          <a:lstStyle/>
-          <a:p>
-            <a:pPr algn="ctr"/>
-            <a:endParaRPr lang="en-US"/>
-          </a:p>
-        </p:txBody>
-      </p:sp>
-      <p:sp>
-        <p:nvSpPr>
-          <p:cNvPr id="21" name="Rectangle 20">
-            <a:extLst>
-              <a:ext uri="{FF2B5EF4-FFF2-40B4-BE49-F238E27FC236}">
-                <a16:creationId xmlns:a16="http://schemas.microsoft.com/office/drawing/2014/main" id="{D3539FEE-81D3-4406-802E-60B20B16F4F6}"/>
-              </a:ext>
-              <a:ext uri="{C183D7F6-B498-43B3-948B-1728B52AA6E4}">
-                <adec:decorative xmlns:adec="http://schemas.microsoft.com/office/drawing/2017/decorative" val="1"/>
-              </a:ext>
-            </a:extLst>
-          </p:cNvPr>
-          <p:cNvSpPr>
-            <a:spLocks noGrp="1" noRot="1" noChangeAspect="1" noMove="1" noResize="1" noEditPoints="1" noAdjustHandles="1" noChangeArrowheads="1" noChangeShapeType="1" noTextEdit="1"/>
-          </p:cNvSpPr>
-          <p:nvPr>
-            <p:extLst>
-              <p:ext uri="{386F3935-93C4-4BCD-93E2-E3B085C9AB24}">
-                <p16:designElem xmlns:p16="http://schemas.microsoft.com/office/powerpoint/2015/main" val="1"/>
-              </p:ext>
-            </p:extLst>
-          </p:nvPr>
-        </p:nvSpPr>
-        <p:spPr>
-          <a:xfrm rot="5400000">
-            <a:off x="5307778" y="-5307777"/>
-            <a:ext cx="1576446" cy="12192001"/>
-          </a:xfrm>
-          <a:prstGeom prst="rect">
-            <a:avLst/>
-          </a:prstGeom>
-          <a:gradFill>
-            <a:gsLst>
-              <a:gs pos="16000">
-                <a:srgbClr val="000000">
-                  <a:alpha val="0"/>
-                </a:srgbClr>
-              </a:gs>
-              <a:gs pos="99000">
-                <a:srgbClr val="000000">
-                  <a:alpha val="87000"/>
-                </a:srgbClr>
-              </a:gs>
-            </a:gsLst>
-            <a:lin ang="11400000" scaled="0"/>
-          </a:gradFill>
-          <a:ln>
-            <a:noFill/>
-          </a:ln>
-        </p:spPr>
-        <p:style>
-          <a:lnRef idx="2">
-            <a:schemeClr val="accent1">
-              <a:shade val="50000"/>
-            </a:schemeClr>
-          </a:lnRef>
-          <a:fillRef idx="1">
-            <a:schemeClr val="accent1"/>
-          </a:fillRef>
-          <a:effectRef idx="0">
-            <a:schemeClr val="accent1"/>
-          </a:effectRef>
-          <a:fontRef idx="minor">
-            <a:schemeClr val="lt1"/>
-          </a:fontRef>
-        </p:style>
-        <p:txBody>
-          <a:bodyPr rtlCol="0" anchor="ctr"/>
-          <a:lstStyle/>
-          <a:p>
-            <a:pPr algn="ctr"/>
-            <a:endParaRPr lang="en-US" dirty="0"/>
-          </a:p>
-        </p:txBody>
-      </p:sp>
-      <p:sp>
-        <p:nvSpPr>
-          <p:cNvPr id="23" name="Rectangle 22">
-            <a:extLst>
-              <a:ext uri="{FF2B5EF4-FFF2-40B4-BE49-F238E27FC236}">
-                <a16:creationId xmlns:a16="http://schemas.microsoft.com/office/drawing/2014/main" id="{DC701763-729E-462F-A5A8-E0DEFEB1E2E4}"/>
-              </a:ext>
-              <a:ext uri="{C183D7F6-B498-43B3-948B-1728B52AA6E4}">
-                <adec:decorative xmlns:adec="http://schemas.microsoft.com/office/drawing/2017/decorative" val="1"/>
-              </a:ext>
-            </a:extLst>
-          </p:cNvPr>
-          <p:cNvSpPr>
-            <a:spLocks noGrp="1" noRot="1" noChangeAspect="1" noMove="1" noResize="1" noEditPoints="1" noAdjustHandles="1" noChangeArrowheads="1" noChangeShapeType="1" noTextEdit="1"/>
-          </p:cNvSpPr>
-          <p:nvPr>
-            <p:extLst>
-              <p:ext uri="{386F3935-93C4-4BCD-93E2-E3B085C9AB24}">
-                <p16:designElem xmlns:p16="http://schemas.microsoft.com/office/powerpoint/2015/main" val="1"/>
-              </p:ext>
-            </p:extLst>
-          </p:nvPr>
-        </p:nvSpPr>
-        <p:spPr>
-          <a:xfrm>
-            <a:off x="3825434" y="986"/>
-            <a:ext cx="4303422" cy="1575461"/>
-          </a:xfrm>
-          <a:prstGeom prst="rect">
-            <a:avLst/>
-          </a:prstGeom>
-          <a:gradFill>
-            <a:gsLst>
-              <a:gs pos="0">
-                <a:schemeClr val="accent1">
-                  <a:alpha val="17000"/>
-                </a:schemeClr>
-              </a:gs>
-              <a:gs pos="74000">
-                <a:schemeClr val="accent1">
-                  <a:lumMod val="50000"/>
-                  <a:alpha val="0"/>
-                </a:schemeClr>
-              </a:gs>
-            </a:gsLst>
-            <a:lin ang="14400000" scaled="0"/>
-          </a:gradFill>
-          <a:ln>
-            <a:noFill/>
-          </a:ln>
-        </p:spPr>
-        <p:style>
-          <a:lnRef idx="2">
-            <a:schemeClr val="accent1">
-              <a:shade val="50000"/>
-            </a:schemeClr>
-          </a:lnRef>
-          <a:fillRef idx="1">
-            <a:schemeClr val="accent1"/>
-          </a:fillRef>
-          <a:effectRef idx="0">
-            <a:schemeClr val="accent1"/>
-          </a:effectRef>
-          <a:fontRef idx="minor">
-            <a:schemeClr val="lt1"/>
-          </a:fontRef>
-        </p:style>
-        <p:txBody>
-          <a:bodyPr rtlCol="0" anchor="ctr"/>
-          <a:lstStyle/>
-          <a:p>
-            <a:pPr algn="ctr"/>
-            <a:endParaRPr lang="en-US"/>
-          </a:p>
-        </p:txBody>
-      </p:sp>
-      <p:sp>
-        <p:nvSpPr>
-          <p:cNvPr id="2" name="Title 1">
-            <a:extLst>
-              <a:ext uri="{FF2B5EF4-FFF2-40B4-BE49-F238E27FC236}">
-                <a16:creationId xmlns:a16="http://schemas.microsoft.com/office/drawing/2014/main" id="{FBA15F64-98D5-30E2-F0F2-D8D4DC660034}"/>
-              </a:ext>
-            </a:extLst>
-          </p:cNvPr>
-          <p:cNvSpPr>
-            <a:spLocks noGrp="1"/>
-          </p:cNvSpPr>
-          <p:nvPr>
-            <p:ph type="title"/>
-          </p:nvPr>
-        </p:nvSpPr>
-        <p:spPr>
-          <a:xfrm>
-            <a:off x="699714" y="353160"/>
-            <a:ext cx="7091300" cy="898581"/>
-          </a:xfrm>
-        </p:spPr>
-        <p:txBody>
-          <a:bodyPr vert="horz" lIns="91440" tIns="45720" rIns="91440" bIns="45720" rtlCol="0" anchor="ctr">
-            <a:normAutofit/>
-          </a:bodyPr>
-          <a:lstStyle/>
-          <a:p>
-            <a:r>
-              <a:rPr lang="en-US" sz="4000">
-                <a:solidFill>
-                  <a:srgbClr val="FFFFFF"/>
-                </a:solidFill>
-              </a:rPr>
-              <a:t>International Benchmarking</a:t>
-            </a:r>
-          </a:p>
-        </p:txBody>
-      </p:sp>
-      <p:sp>
-        <p:nvSpPr>
-          <p:cNvPr id="14" name="TextBox 13">
-            <a:extLst>
-              <a:ext uri="{FF2B5EF4-FFF2-40B4-BE49-F238E27FC236}">
-                <a16:creationId xmlns:a16="http://schemas.microsoft.com/office/drawing/2014/main" id="{5516316B-FFB6-745D-175C-93D0884379C2}"/>
-              </a:ext>
-            </a:extLst>
-          </p:cNvPr>
-          <p:cNvSpPr txBox="1"/>
-          <p:nvPr/>
-        </p:nvSpPr>
-        <p:spPr>
-          <a:xfrm>
-            <a:off x="8571507" y="387224"/>
-            <a:ext cx="3291839" cy="830453"/>
-          </a:xfrm>
-          <a:prstGeom prst="rect">
-            <a:avLst/>
-          </a:prstGeom>
-        </p:spPr>
-        <p:txBody>
-          <a:bodyPr vert="horz" lIns="91440" tIns="45720" rIns="91440" bIns="45720" rtlCol="0" anchor="ctr">
-            <a:normAutofit/>
-          </a:bodyPr>
-          <a:lstStyle/>
-          <a:p>
-            <a:pPr>
-              <a:lnSpc>
-                <a:spcPct val="90000"/>
-              </a:lnSpc>
-              <a:spcBef>
-                <a:spcPts val="1000"/>
-              </a:spcBef>
-            </a:pPr>
-            <a:r>
-              <a:rPr lang="en-US" sz="2000" b="1">
-                <a:solidFill>
-                  <a:srgbClr val="FFFFFF"/>
-                </a:solidFill>
-              </a:rPr>
-              <a:t>Synthetic control exercise on overall spending</a:t>
-            </a:r>
-          </a:p>
-        </p:txBody>
-      </p:sp>
-      <p:pic>
-        <p:nvPicPr>
-          <p:cNvPr id="7" name="Picture 6" descr="A graph with lines and dots&#10;&#10;Description automatically generated">
-            <a:extLst>
-              <a:ext uri="{FF2B5EF4-FFF2-40B4-BE49-F238E27FC236}">
-                <a16:creationId xmlns:a16="http://schemas.microsoft.com/office/drawing/2014/main" id="{8A0A1153-C56A-2FB0-4B9A-B0F8EA891151}"/>
-              </a:ext>
-            </a:extLst>
-          </p:cNvPr>
-          <p:cNvPicPr>
-            <a:picLocks noChangeAspect="1"/>
-          </p:cNvPicPr>
-          <p:nvPr/>
-        </p:nvPicPr>
-        <p:blipFill>
-          <a:blip r:embed="rId3">
-            <a:extLst>
-              <a:ext uri="{28A0092B-C50C-407E-A947-70E740481C1C}">
-                <a14:useLocalDpi xmlns:a14="http://schemas.microsoft.com/office/drawing/2010/main" val="0"/>
-              </a:ext>
-            </a:extLst>
-          </a:blip>
-          <a:stretch>
-            <a:fillRect/>
-          </a:stretch>
-        </p:blipFill>
-        <p:spPr>
-          <a:xfrm>
-            <a:off x="6453138" y="2265863"/>
-            <a:ext cx="3897695" cy="3997637"/>
-          </a:xfrm>
-          <a:prstGeom prst="rect">
-            <a:avLst/>
-          </a:prstGeom>
-        </p:spPr>
-      </p:pic>
-      <p:pic>
-        <p:nvPicPr>
-          <p:cNvPr id="5" name="Content Placeholder 4" descr="A graph with lines and dots&#10;&#10;Description automatically generated">
-            <a:extLst>
-              <a:ext uri="{FF2B5EF4-FFF2-40B4-BE49-F238E27FC236}">
-                <a16:creationId xmlns:a16="http://schemas.microsoft.com/office/drawing/2014/main" id="{494A329E-5F8B-ABBA-26F0-C39F1B15702D}"/>
-              </a:ext>
-            </a:extLst>
-          </p:cNvPr>
-          <p:cNvPicPr>
-            <a:picLocks noGrp="1" noChangeAspect="1"/>
-          </p:cNvPicPr>
-          <p:nvPr>
-            <p:ph idx="1"/>
-          </p:nvPr>
-        </p:nvPicPr>
-        <p:blipFill>
-          <a:blip r:embed="rId4">
-            <a:extLst>
-              <a:ext uri="{28A0092B-C50C-407E-A947-70E740481C1C}">
-                <a14:useLocalDpi xmlns:a14="http://schemas.microsoft.com/office/drawing/2010/main" val="0"/>
-              </a:ext>
-            </a:extLst>
-          </a:blip>
-          <a:stretch>
-            <a:fillRect/>
-          </a:stretch>
-        </p:blipFill>
-        <p:spPr>
-          <a:xfrm>
-            <a:off x="862922" y="2335731"/>
-            <a:ext cx="3897884" cy="3997831"/>
-          </a:xfrm>
-          <a:prstGeom prst="rect">
-            <a:avLst/>
-          </a:prstGeom>
-        </p:spPr>
-      </p:pic>
-      <p:sp>
-        <p:nvSpPr>
-          <p:cNvPr id="15" name="TextBox 14">
-            <a:extLst>
-              <a:ext uri="{FF2B5EF4-FFF2-40B4-BE49-F238E27FC236}">
-                <a16:creationId xmlns:a16="http://schemas.microsoft.com/office/drawing/2014/main" id="{0CFA44DB-99E3-A2CF-2929-4FD07C95CC06}"/>
-              </a:ext>
-            </a:extLst>
-          </p:cNvPr>
-          <p:cNvSpPr txBox="1"/>
-          <p:nvPr/>
-        </p:nvSpPr>
-        <p:spPr>
-          <a:xfrm>
-            <a:off x="6480279" y="6858000"/>
-            <a:ext cx="5270545" cy="1708160"/>
-          </a:xfrm>
-          <a:prstGeom prst="rect">
-            <a:avLst/>
-          </a:prstGeom>
-          <a:noFill/>
-        </p:spPr>
-        <p:txBody>
-          <a:bodyPr wrap="none" rtlCol="0">
-            <a:spAutoFit/>
-          </a:bodyPr>
-          <a:lstStyle/>
-          <a:p>
-            <a:pPr marL="285750" indent="-285750">
-              <a:spcAft>
-                <a:spcPts val="600"/>
-              </a:spcAft>
-              <a:buFont typeface="Arial" panose="020B0604020202020204" pitchFamily="34" charset="0"/>
-              <a:buChar char="•"/>
-            </a:pPr>
-            <a:r>
-              <a:rPr lang="en-US"/>
-              <a:t>Relative to countries with similar E/GDP ratio </a:t>
-            </a:r>
-            <a:br>
-              <a:rPr lang="en-US"/>
-            </a:br>
-            <a:r>
-              <a:rPr lang="en-US"/>
-              <a:t>movements prior to the GFC, Australia has risen.</a:t>
-            </a:r>
-          </a:p>
-          <a:p>
-            <a:pPr marL="285750" indent="-285750">
-              <a:spcAft>
-                <a:spcPts val="600"/>
-              </a:spcAft>
-              <a:buFont typeface="Arial" panose="020B0604020202020204" pitchFamily="34" charset="0"/>
-              <a:buChar char="•"/>
-            </a:pPr>
-            <a:r>
-              <a:rPr lang="en-US"/>
-              <a:t>Something (after adjustments)</a:t>
-            </a:r>
-          </a:p>
-          <a:p>
-            <a:pPr marL="285750" indent="-285750">
-              <a:spcAft>
-                <a:spcPts val="600"/>
-              </a:spcAft>
-              <a:buFont typeface="Arial" panose="020B0604020202020204" pitchFamily="34" charset="0"/>
-              <a:buChar char="•"/>
-            </a:pPr>
-            <a:endParaRPr lang="en-US"/>
-          </a:p>
-          <a:p>
-            <a:pPr marL="285750" indent="-285750">
-              <a:spcAft>
-                <a:spcPts val="600"/>
-              </a:spcAft>
-              <a:buFont typeface="Arial" panose="020B0604020202020204" pitchFamily="34" charset="0"/>
-              <a:buChar char="•"/>
-            </a:pPr>
-            <a:r>
-              <a:rPr lang="en-US"/>
-              <a:t>Key question is what has driven this.</a:t>
-            </a:r>
-            <a:endParaRPr lang="en-NZ"/>
-          </a:p>
-        </p:txBody>
-      </p:sp>
-      <p:sp>
-        <p:nvSpPr>
-          <p:cNvPr id="8" name="TextBox 7">
-            <a:extLst>
-              <a:ext uri="{FF2B5EF4-FFF2-40B4-BE49-F238E27FC236}">
-                <a16:creationId xmlns:a16="http://schemas.microsoft.com/office/drawing/2014/main" id="{5E824EDD-D2A2-F414-417E-A618BA41772F}"/>
-              </a:ext>
-            </a:extLst>
-          </p:cNvPr>
-          <p:cNvSpPr txBox="1"/>
-          <p:nvPr/>
-        </p:nvSpPr>
-        <p:spPr>
-          <a:xfrm>
-            <a:off x="7230284" y="1826359"/>
-            <a:ext cx="2786551" cy="369332"/>
-          </a:xfrm>
-          <a:prstGeom prst="rect">
-            <a:avLst/>
-          </a:prstGeom>
-          <a:noFill/>
-        </p:spPr>
-        <p:txBody>
-          <a:bodyPr wrap="square" rtlCol="0">
-            <a:spAutoFit/>
-          </a:bodyPr>
-          <a:lstStyle/>
-          <a:p>
-            <a:pPr>
-              <a:spcAft>
-                <a:spcPts val="600"/>
-              </a:spcAft>
-            </a:pPr>
-            <a:r>
-              <a:rPr lang="en-US" b="1" dirty="0"/>
-              <a:t>Age adjusted – Exp/GDP</a:t>
-            </a:r>
-            <a:endParaRPr lang="en-NZ" b="1" dirty="0"/>
-          </a:p>
-        </p:txBody>
-      </p:sp>
-      <p:sp>
-        <p:nvSpPr>
-          <p:cNvPr id="9" name="TextBox 8">
-            <a:extLst>
-              <a:ext uri="{FF2B5EF4-FFF2-40B4-BE49-F238E27FC236}">
-                <a16:creationId xmlns:a16="http://schemas.microsoft.com/office/drawing/2014/main" id="{148F94E1-D3CA-4956-9FA7-4AC2BF8238D7}"/>
-              </a:ext>
-            </a:extLst>
-          </p:cNvPr>
-          <p:cNvSpPr txBox="1"/>
-          <p:nvPr/>
-        </p:nvSpPr>
-        <p:spPr>
-          <a:xfrm>
-            <a:off x="1792794" y="1826359"/>
-            <a:ext cx="2114188" cy="369332"/>
-          </a:xfrm>
-          <a:prstGeom prst="rect">
-            <a:avLst/>
-          </a:prstGeom>
-          <a:noFill/>
-        </p:spPr>
-        <p:txBody>
-          <a:bodyPr wrap="square" rtlCol="0">
-            <a:spAutoFit/>
-          </a:bodyPr>
-          <a:lstStyle/>
-          <a:p>
-            <a:pPr>
-              <a:spcAft>
-                <a:spcPts val="600"/>
-              </a:spcAft>
-            </a:pPr>
-            <a:r>
-              <a:rPr lang="en-US" b="1" dirty="0"/>
-              <a:t>Initial – Exp/GDP</a:t>
-            </a:r>
-            <a:endParaRPr lang="en-NZ" b="1" dirty="0"/>
-          </a:p>
-        </p:txBody>
-      </p:sp>
-    </p:spTree>
-    <p:extLst>
-      <p:ext uri="{BB962C8B-B14F-4D97-AF65-F5344CB8AC3E}">
-        <p14:creationId xmlns:p14="http://schemas.microsoft.com/office/powerpoint/2010/main" val="173207327"/>
-      </p:ext>
-    </p:extLst>
-  </p:cSld>
-  <p:clrMapOvr>
-    <a:masterClrMapping/>
-  </p:clrMapOvr>
-  <p:extLst>
-    <p:ext uri="{6950BFC3-D8DA-4A85-94F7-54DA5524770B}">
-      <p188:commentRel xmlns:p188="http://schemas.microsoft.com/office/powerpoint/2018/8/main" r:id="rId2"/>
-    </p:ext>
-  </p:extLst>
-</p:sld>
-</file>
-
-<file path=ppt/slides/slide17.xml><?xml version="1.0" encoding="utf-8"?>
-<p:sld xmlns:a="http://schemas.openxmlformats.org/drawingml/2006/main" xmlns:r="http://schemas.openxmlformats.org/officeDocument/2006/relationships" xmlns:p="http://schemas.openxmlformats.org/presentationml/2006/main">
-  <p:cSld>
-    <p:bg>
-      <p:bgPr>
-        <a:solidFill>
-          <a:schemeClr val="bg1"/>
-        </a:solidFill>
-        <a:effectLst/>
-      </p:bgPr>
-    </p:bg>
-    <p:spTree>
-      <p:nvGrpSpPr>
-        <p:cNvPr id="1" name="">
-          <a:extLst>
-            <a:ext uri="{FF2B5EF4-FFF2-40B4-BE49-F238E27FC236}">
-              <a16:creationId xmlns:a16="http://schemas.microsoft.com/office/drawing/2014/main" id="{4FFC74A1-675A-3EDC-BD4F-DEDCA9C03220}"/>
-            </a:ext>
-          </a:extLst>
-        </p:cNvPr>
-        <p:cNvGrpSpPr/>
-        <p:nvPr/>
-      </p:nvGrpSpPr>
-      <p:grpSpPr>
-        <a:xfrm>
-          <a:off x="0" y="0"/>
-          <a:ext cx="0" cy="0"/>
-          <a:chOff x="0" y="0"/>
-          <a:chExt cx="0" cy="0"/>
-        </a:xfrm>
-      </p:grpSpPr>
-      <p:sp useBgFill="1">
-        <p:nvSpPr>
-          <p:cNvPr id="20" name="Rectangle 19">
-            <a:extLst>
-              <a:ext uri="{FF2B5EF4-FFF2-40B4-BE49-F238E27FC236}">
-                <a16:creationId xmlns:a16="http://schemas.microsoft.com/office/drawing/2014/main" id="{2151139A-886F-4B97-8815-729AD3831BBD}"/>
-              </a:ext>
-              <a:ext uri="{C183D7F6-B498-43B3-948B-1728B52AA6E4}">
-                <adec:decorative xmlns:adec="http://schemas.microsoft.com/office/drawing/2017/decorative" val="1"/>
-              </a:ext>
-            </a:extLst>
-          </p:cNvPr>
-          <p:cNvSpPr>
-            <a:spLocks noGrp="1" noRot="1" noChangeAspect="1" noMove="1" noResize="1" noEditPoints="1" noAdjustHandles="1" noChangeArrowheads="1" noChangeShapeType="1" noTextEdit="1"/>
-          </p:cNvSpPr>
-          <p:nvPr>
-            <p:extLst>
-              <p:ext uri="{386F3935-93C4-4BCD-93E2-E3B085C9AB24}">
-                <p16:designElem xmlns:p16="http://schemas.microsoft.com/office/powerpoint/2015/main" val="1"/>
-              </p:ext>
-            </p:extLst>
-          </p:nvPr>
-        </p:nvSpPr>
-        <p:spPr>
-          <a:xfrm>
-            <a:off x="0" y="0"/>
-            <a:ext cx="12192000" cy="6858000"/>
-          </a:xfrm>
-          <a:prstGeom prst="rect">
-            <a:avLst/>
-          </a:prstGeom>
-          <a:ln w="12700" cap="flat" cmpd="sng" algn="ctr">
-            <a:noFill/>
-            <a:prstDash val="solid"/>
-            <a:miter lim="800000"/>
-          </a:ln>
-          <a:effectLst/>
-          <a:extLst>
-            <a:ext uri="{91240B29-F687-4F45-9708-019B960494DF}">
-              <a14:hiddenLine xmlns:a14="http://schemas.microsoft.com/office/drawing/2010/main" w="12700" cap="flat" cmpd="sng" algn="ctr">
-                <a:solidFill>
-                  <a:schemeClr val="accent1">
-                    <a:shade val="50000"/>
-                  </a:schemeClr>
-                </a:solidFill>
-                <a:prstDash val="solid"/>
-                <a:miter lim="800000"/>
-              </a14:hiddenLine>
-            </a:ext>
-          </a:extLst>
-        </p:spPr>
-        <p:style>
-          <a:lnRef idx="2">
-            <a:schemeClr val="accent1">
-              <a:shade val="50000"/>
-            </a:schemeClr>
-          </a:lnRef>
-          <a:fillRef idx="1">
-            <a:schemeClr val="accent1"/>
-          </a:fillRef>
-          <a:effectRef idx="0">
-            <a:schemeClr val="accent1"/>
-          </a:effectRef>
-          <a:fontRef idx="minor">
-            <a:schemeClr val="lt1"/>
-          </a:fontRef>
-        </p:style>
-        <p:txBody>
-          <a:bodyPr rtlCol="0" anchor="ctr"/>
-          <a:lstStyle/>
-          <a:p>
-            <a:pPr algn="ctr"/>
-            <a:endParaRPr lang="en-US" sz="2000"/>
-          </a:p>
-        </p:txBody>
-      </p:sp>
-      <p:sp>
-        <p:nvSpPr>
-          <p:cNvPr id="22" name="Rectangle 21">
-            <a:extLst>
-              <a:ext uri="{FF2B5EF4-FFF2-40B4-BE49-F238E27FC236}">
-                <a16:creationId xmlns:a16="http://schemas.microsoft.com/office/drawing/2014/main" id="{AB5E08C4-8CDD-4623-A5B8-E998C6DEE3B7}"/>
-              </a:ext>
-              <a:ext uri="{C183D7F6-B498-43B3-948B-1728B52AA6E4}">
-                <adec:decorative xmlns:adec="http://schemas.microsoft.com/office/drawing/2017/decorative" val="1"/>
-              </a:ext>
-            </a:extLst>
-          </p:cNvPr>
-          <p:cNvSpPr>
-            <a:spLocks noGrp="1" noRot="1" noChangeAspect="1" noMove="1" noResize="1" noEditPoints="1" noAdjustHandles="1" noChangeArrowheads="1" noChangeShapeType="1" noTextEdit="1"/>
-          </p:cNvSpPr>
-          <p:nvPr>
-            <p:extLst>
-              <p:ext uri="{386F3935-93C4-4BCD-93E2-E3B085C9AB24}">
-                <p16:designElem xmlns:p16="http://schemas.microsoft.com/office/powerpoint/2015/main" val="1"/>
-              </p:ext>
-            </p:extLst>
-          </p:nvPr>
-        </p:nvSpPr>
-        <p:spPr>
-          <a:xfrm flipH="1">
-            <a:off x="2" y="492"/>
-            <a:ext cx="12191998" cy="1575955"/>
-          </a:xfrm>
-          <a:prstGeom prst="rect">
-            <a:avLst/>
-          </a:prstGeom>
-          <a:gradFill>
-            <a:gsLst>
-              <a:gs pos="0">
-                <a:schemeClr val="accent1">
-                  <a:lumMod val="50000"/>
-                </a:schemeClr>
-              </a:gs>
-              <a:gs pos="100000">
-                <a:schemeClr val="accent1">
-                  <a:lumMod val="75000"/>
-                </a:schemeClr>
-              </a:gs>
-            </a:gsLst>
-            <a:lin ang="8400000" scaled="0"/>
-          </a:gradFill>
-          <a:ln>
-            <a:noFill/>
-          </a:ln>
-        </p:spPr>
-        <p:style>
-          <a:lnRef idx="2">
-            <a:schemeClr val="accent1">
-              <a:shade val="50000"/>
-            </a:schemeClr>
-          </a:lnRef>
-          <a:fillRef idx="1">
-            <a:schemeClr val="accent1"/>
-          </a:fillRef>
-          <a:effectRef idx="0">
-            <a:schemeClr val="accent1"/>
-          </a:effectRef>
-          <a:fontRef idx="minor">
-            <a:schemeClr val="lt1"/>
-          </a:fontRef>
-        </p:style>
-        <p:txBody>
-          <a:bodyPr rtlCol="0" anchor="ctr"/>
-          <a:lstStyle/>
-          <a:p>
-            <a:pPr algn="ctr"/>
-            <a:endParaRPr lang="en-US"/>
-          </a:p>
-        </p:txBody>
-      </p:sp>
-      <p:sp>
-        <p:nvSpPr>
-          <p:cNvPr id="24" name="Rectangle 23">
-            <a:extLst>
-              <a:ext uri="{FF2B5EF4-FFF2-40B4-BE49-F238E27FC236}">
-                <a16:creationId xmlns:a16="http://schemas.microsoft.com/office/drawing/2014/main" id="{15F33878-D502-4FFA-8ACE-F2AECDB2A23F}"/>
-              </a:ext>
-              <a:ext uri="{C183D7F6-B498-43B3-948B-1728B52AA6E4}">
-                <adec:decorative xmlns:adec="http://schemas.microsoft.com/office/drawing/2017/decorative" val="1"/>
-              </a:ext>
-            </a:extLst>
-          </p:cNvPr>
-          <p:cNvSpPr>
-            <a:spLocks noGrp="1" noRot="1" noChangeAspect="1" noMove="1" noResize="1" noEditPoints="1" noAdjustHandles="1" noChangeArrowheads="1" noChangeShapeType="1" noTextEdit="1"/>
-          </p:cNvSpPr>
-          <p:nvPr>
-            <p:extLst>
-              <p:ext uri="{386F3935-93C4-4BCD-93E2-E3B085C9AB24}">
-                <p16:designElem xmlns:p16="http://schemas.microsoft.com/office/powerpoint/2015/main" val="1"/>
-              </p:ext>
-            </p:extLst>
-          </p:nvPr>
-        </p:nvSpPr>
-        <p:spPr>
-          <a:xfrm rot="10800000" flipH="1">
-            <a:off x="8128857" y="35"/>
-            <a:ext cx="4063143" cy="1576412"/>
-          </a:xfrm>
-          <a:prstGeom prst="rect">
-            <a:avLst/>
-          </a:prstGeom>
-          <a:gradFill>
-            <a:gsLst>
-              <a:gs pos="19000">
-                <a:schemeClr val="accent1">
-                  <a:lumMod val="50000"/>
-                  <a:alpha val="68000"/>
-                </a:schemeClr>
-              </a:gs>
-              <a:gs pos="100000">
-                <a:schemeClr val="accent1">
-                  <a:alpha val="79000"/>
-                </a:schemeClr>
-              </a:gs>
-            </a:gsLst>
-            <a:lin ang="19200000" scaled="0"/>
-          </a:gradFill>
-          <a:ln>
-            <a:noFill/>
-          </a:ln>
-        </p:spPr>
-        <p:style>
-          <a:lnRef idx="2">
-            <a:schemeClr val="accent1">
-              <a:shade val="50000"/>
-            </a:schemeClr>
-          </a:lnRef>
-          <a:fillRef idx="1">
-            <a:schemeClr val="accent1"/>
-          </a:fillRef>
-          <a:effectRef idx="0">
-            <a:schemeClr val="accent1"/>
-          </a:effectRef>
-          <a:fontRef idx="minor">
-            <a:schemeClr val="lt1"/>
-          </a:fontRef>
-        </p:style>
-        <p:txBody>
-          <a:bodyPr rtlCol="0" anchor="ctr"/>
-          <a:lstStyle/>
-          <a:p>
-            <a:pPr algn="ctr"/>
-            <a:endParaRPr lang="en-US"/>
-          </a:p>
-        </p:txBody>
-      </p:sp>
-      <p:sp>
-        <p:nvSpPr>
-          <p:cNvPr id="26" name="Rectangle 25">
-            <a:extLst>
-              <a:ext uri="{FF2B5EF4-FFF2-40B4-BE49-F238E27FC236}">
-                <a16:creationId xmlns:a16="http://schemas.microsoft.com/office/drawing/2014/main" id="{D3539FEE-81D3-4406-802E-60B20B16F4F6}"/>
-              </a:ext>
-              <a:ext uri="{C183D7F6-B498-43B3-948B-1728B52AA6E4}">
-                <adec:decorative xmlns:adec="http://schemas.microsoft.com/office/drawing/2017/decorative" val="1"/>
-              </a:ext>
-            </a:extLst>
-          </p:cNvPr>
-          <p:cNvSpPr>
-            <a:spLocks noGrp="1" noRot="1" noChangeAspect="1" noMove="1" noResize="1" noEditPoints="1" noAdjustHandles="1" noChangeArrowheads="1" noChangeShapeType="1" noTextEdit="1"/>
-          </p:cNvSpPr>
-          <p:nvPr>
-            <p:extLst>
-              <p:ext uri="{386F3935-93C4-4BCD-93E2-E3B085C9AB24}">
-                <p16:designElem xmlns:p16="http://schemas.microsoft.com/office/powerpoint/2015/main" val="1"/>
-              </p:ext>
-            </p:extLst>
-          </p:nvPr>
-        </p:nvSpPr>
-        <p:spPr>
-          <a:xfrm rot="5400000">
-            <a:off x="5307778" y="-5307777"/>
-            <a:ext cx="1576446" cy="12192001"/>
-          </a:xfrm>
-          <a:prstGeom prst="rect">
-            <a:avLst/>
-          </a:prstGeom>
-          <a:gradFill>
-            <a:gsLst>
-              <a:gs pos="16000">
-                <a:srgbClr val="000000">
-                  <a:alpha val="0"/>
-                </a:srgbClr>
-              </a:gs>
-              <a:gs pos="99000">
-                <a:srgbClr val="000000">
-                  <a:alpha val="87000"/>
-                </a:srgbClr>
-              </a:gs>
-            </a:gsLst>
-            <a:lin ang="11400000" scaled="0"/>
-          </a:gradFill>
-          <a:ln>
-            <a:noFill/>
-          </a:ln>
-        </p:spPr>
-        <p:style>
-          <a:lnRef idx="2">
-            <a:schemeClr val="accent1">
-              <a:shade val="50000"/>
-            </a:schemeClr>
-          </a:lnRef>
-          <a:fillRef idx="1">
-            <a:schemeClr val="accent1"/>
-          </a:fillRef>
-          <a:effectRef idx="0">
-            <a:schemeClr val="accent1"/>
-          </a:effectRef>
-          <a:fontRef idx="minor">
-            <a:schemeClr val="lt1"/>
-          </a:fontRef>
-        </p:style>
-        <p:txBody>
-          <a:bodyPr rtlCol="0" anchor="ctr"/>
-          <a:lstStyle/>
-          <a:p>
-            <a:pPr algn="ctr"/>
-            <a:endParaRPr lang="en-US" dirty="0"/>
-          </a:p>
-        </p:txBody>
-      </p:sp>
-      <p:sp>
-        <p:nvSpPr>
-          <p:cNvPr id="28" name="Rectangle 27">
-            <a:extLst>
-              <a:ext uri="{FF2B5EF4-FFF2-40B4-BE49-F238E27FC236}">
-                <a16:creationId xmlns:a16="http://schemas.microsoft.com/office/drawing/2014/main" id="{DC701763-729E-462F-A5A8-E0DEFEB1E2E4}"/>
-              </a:ext>
-              <a:ext uri="{C183D7F6-B498-43B3-948B-1728B52AA6E4}">
-                <adec:decorative xmlns:adec="http://schemas.microsoft.com/office/drawing/2017/decorative" val="1"/>
-              </a:ext>
-            </a:extLst>
-          </p:cNvPr>
-          <p:cNvSpPr>
-            <a:spLocks noGrp="1" noRot="1" noChangeAspect="1" noMove="1" noResize="1" noEditPoints="1" noAdjustHandles="1" noChangeArrowheads="1" noChangeShapeType="1" noTextEdit="1"/>
-          </p:cNvSpPr>
-          <p:nvPr>
-            <p:extLst>
-              <p:ext uri="{386F3935-93C4-4BCD-93E2-E3B085C9AB24}">
-                <p16:designElem xmlns:p16="http://schemas.microsoft.com/office/powerpoint/2015/main" val="1"/>
-              </p:ext>
-            </p:extLst>
-          </p:nvPr>
-        </p:nvSpPr>
-        <p:spPr>
-          <a:xfrm>
-            <a:off x="3825434" y="986"/>
-            <a:ext cx="4303422" cy="1575461"/>
-          </a:xfrm>
-          <a:prstGeom prst="rect">
-            <a:avLst/>
-          </a:prstGeom>
-          <a:gradFill>
-            <a:gsLst>
-              <a:gs pos="0">
-                <a:schemeClr val="accent1">
-                  <a:alpha val="17000"/>
-                </a:schemeClr>
-              </a:gs>
-              <a:gs pos="74000">
-                <a:schemeClr val="accent1">
-                  <a:lumMod val="50000"/>
-                  <a:alpha val="0"/>
-                </a:schemeClr>
-              </a:gs>
-            </a:gsLst>
-            <a:lin ang="14400000" scaled="0"/>
-          </a:gradFill>
-          <a:ln>
-            <a:noFill/>
-          </a:ln>
-        </p:spPr>
-        <p:style>
-          <a:lnRef idx="2">
-            <a:schemeClr val="accent1">
-              <a:shade val="50000"/>
-            </a:schemeClr>
-          </a:lnRef>
-          <a:fillRef idx="1">
-            <a:schemeClr val="accent1"/>
-          </a:fillRef>
-          <a:effectRef idx="0">
-            <a:schemeClr val="accent1"/>
-          </a:effectRef>
-          <a:fontRef idx="minor">
-            <a:schemeClr val="lt1"/>
-          </a:fontRef>
-        </p:style>
-        <p:txBody>
-          <a:bodyPr rtlCol="0" anchor="ctr"/>
-          <a:lstStyle/>
-          <a:p>
-            <a:pPr algn="ctr"/>
-            <a:endParaRPr lang="en-US"/>
-          </a:p>
-        </p:txBody>
-      </p:sp>
-      <p:sp>
-        <p:nvSpPr>
-          <p:cNvPr id="2" name="Title 1">
-            <a:extLst>
-              <a:ext uri="{FF2B5EF4-FFF2-40B4-BE49-F238E27FC236}">
-                <a16:creationId xmlns:a16="http://schemas.microsoft.com/office/drawing/2014/main" id="{0BD8D4B0-18C8-E1D8-BC13-6C42B9B268AD}"/>
-              </a:ext>
-            </a:extLst>
-          </p:cNvPr>
-          <p:cNvSpPr>
-            <a:spLocks noGrp="1"/>
-          </p:cNvSpPr>
-          <p:nvPr>
-            <p:ph type="title"/>
-          </p:nvPr>
-        </p:nvSpPr>
-        <p:spPr>
-          <a:xfrm>
-            <a:off x="699714" y="353160"/>
-            <a:ext cx="7091300" cy="898581"/>
-          </a:xfrm>
-        </p:spPr>
-        <p:txBody>
-          <a:bodyPr vert="horz" lIns="91440" tIns="45720" rIns="91440" bIns="45720" rtlCol="0" anchor="ctr">
-            <a:normAutofit/>
-          </a:bodyPr>
-          <a:lstStyle/>
-          <a:p>
-            <a:r>
-              <a:rPr lang="en-US" sz="3400">
-                <a:solidFill>
-                  <a:srgbClr val="FFFFFF"/>
-                </a:solidFill>
-              </a:rPr>
-              <a:t>International Function Benchmarking</a:t>
-            </a:r>
-          </a:p>
-        </p:txBody>
-      </p:sp>
-      <p:sp>
-        <p:nvSpPr>
-          <p:cNvPr id="15" name="TextBox 14">
-            <a:extLst>
-              <a:ext uri="{FF2B5EF4-FFF2-40B4-BE49-F238E27FC236}">
-                <a16:creationId xmlns:a16="http://schemas.microsoft.com/office/drawing/2014/main" id="{62E51107-CEC2-3BBB-DDEE-5DE2E59CF67B}"/>
-              </a:ext>
-            </a:extLst>
-          </p:cNvPr>
-          <p:cNvSpPr txBox="1"/>
-          <p:nvPr/>
-        </p:nvSpPr>
-        <p:spPr>
-          <a:xfrm>
-            <a:off x="8571507" y="387224"/>
-            <a:ext cx="3291839" cy="830453"/>
-          </a:xfrm>
-          <a:prstGeom prst="rect">
-            <a:avLst/>
-          </a:prstGeom>
-        </p:spPr>
-        <p:txBody>
-          <a:bodyPr vert="horz" lIns="91440" tIns="45720" rIns="91440" bIns="45720" rtlCol="0" anchor="ctr">
-            <a:normAutofit/>
-          </a:bodyPr>
-          <a:lstStyle/>
-          <a:p>
-            <a:pPr>
-              <a:lnSpc>
-                <a:spcPct val="90000"/>
-              </a:lnSpc>
-              <a:spcBef>
-                <a:spcPts val="1000"/>
-              </a:spcBef>
-            </a:pPr>
-            <a:r>
-              <a:rPr lang="en-US" sz="500" dirty="0">
-                <a:solidFill>
-                  <a:srgbClr val="FFFFFF"/>
-                </a:solidFill>
-              </a:rPr>
-              <a:t>XXX</a:t>
-            </a:r>
-          </a:p>
-          <a:p>
-            <a:pPr>
-              <a:lnSpc>
-                <a:spcPct val="90000"/>
-              </a:lnSpc>
-              <a:spcBef>
-                <a:spcPts val="1000"/>
-              </a:spcBef>
-            </a:pPr>
-            <a:r>
-              <a:rPr lang="en-US" sz="500" dirty="0">
-                <a:solidFill>
-                  <a:srgbClr val="FFFFFF"/>
-                </a:solidFill>
-              </a:rPr>
-              <a:t>XXX</a:t>
-            </a:r>
-          </a:p>
-          <a:p>
-            <a:pPr>
-              <a:lnSpc>
-                <a:spcPct val="90000"/>
-              </a:lnSpc>
-              <a:spcBef>
-                <a:spcPts val="1000"/>
-              </a:spcBef>
-            </a:pPr>
-            <a:endParaRPr lang="en-US" sz="500" dirty="0">
-              <a:solidFill>
-                <a:srgbClr val="FFFFFF"/>
-              </a:solidFill>
-            </a:endParaRPr>
-          </a:p>
-          <a:p>
-            <a:pPr>
-              <a:lnSpc>
-                <a:spcPct val="90000"/>
-              </a:lnSpc>
-              <a:spcBef>
-                <a:spcPts val="1000"/>
-              </a:spcBef>
-            </a:pPr>
-            <a:r>
-              <a:rPr lang="en-US" sz="500" dirty="0">
-                <a:solidFill>
-                  <a:srgbClr val="FFFFFF"/>
-                </a:solidFill>
-              </a:rPr>
-              <a:t>XXX</a:t>
-            </a:r>
-          </a:p>
-        </p:txBody>
-      </p:sp>
-      <p:sp>
-        <p:nvSpPr>
-          <p:cNvPr id="3" name="Content Placeholder 2">
-            <a:extLst>
-              <a:ext uri="{FF2B5EF4-FFF2-40B4-BE49-F238E27FC236}">
-                <a16:creationId xmlns:a16="http://schemas.microsoft.com/office/drawing/2014/main" id="{BBC0006C-9492-6A7B-A4D4-E516B5F28929}"/>
-              </a:ext>
-            </a:extLst>
-          </p:cNvPr>
-          <p:cNvSpPr>
-            <a:spLocks noGrp="1"/>
-          </p:cNvSpPr>
-          <p:nvPr>
-            <p:ph idx="1"/>
-          </p:nvPr>
-        </p:nvSpPr>
-        <p:spPr>
-          <a:xfrm>
-            <a:off x="481489" y="1701215"/>
-            <a:ext cx="10515600" cy="637724"/>
-          </a:xfrm>
-        </p:spPr>
-        <p:txBody>
-          <a:bodyPr/>
-          <a:lstStyle/>
-          <a:p>
-            <a:r>
-              <a:rPr lang="en-US" dirty="0"/>
-              <a:t>Health spending example</a:t>
-            </a:r>
-            <a:endParaRPr lang="en-NZ" dirty="0"/>
-          </a:p>
-        </p:txBody>
-      </p:sp>
-    </p:spTree>
-    <p:extLst>
-      <p:ext uri="{BB962C8B-B14F-4D97-AF65-F5344CB8AC3E}">
-        <p14:creationId xmlns:p14="http://schemas.microsoft.com/office/powerpoint/2010/main" val="3724087036"/>
-      </p:ext>
-    </p:extLst>
-  </p:cSld>
-  <p:clrMapOvr>
-    <a:masterClrMapping/>
-  </p:clrMapOvr>
-</p:sld>
-</file>
-
-<file path=ppt/slides/slide18.xml><?xml version="1.0" encoding="utf-8"?>
-<p:sld xmlns:a="http://schemas.openxmlformats.org/drawingml/2006/main" xmlns:r="http://schemas.openxmlformats.org/officeDocument/2006/relationships" xmlns:p="http://schemas.openxmlformats.org/presentationml/2006/main">
-  <p:cSld>
-    <p:spTree>
-      <p:nvGrpSpPr>
-        <p:cNvPr id="1" name="">
-          <a:extLst>
-            <a:ext uri="{FF2B5EF4-FFF2-40B4-BE49-F238E27FC236}">
-              <a16:creationId xmlns:a16="http://schemas.microsoft.com/office/drawing/2014/main" id="{B094C757-C90A-ED3E-AFDB-27EF7066ADA3}"/>
-            </a:ext>
-          </a:extLst>
-        </p:cNvPr>
-        <p:cNvGrpSpPr/>
-        <p:nvPr/>
-      </p:nvGrpSpPr>
-      <p:grpSpPr>
-        <a:xfrm>
-          <a:off x="0" y="0"/>
-          <a:ext cx="0" cy="0"/>
-          <a:chOff x="0" y="0"/>
-          <a:chExt cx="0" cy="0"/>
-        </a:xfrm>
-      </p:grpSpPr>
-      <p:sp>
-        <p:nvSpPr>
-          <p:cNvPr id="2" name="Title 1">
-            <a:extLst>
-              <a:ext uri="{FF2B5EF4-FFF2-40B4-BE49-F238E27FC236}">
-                <a16:creationId xmlns:a16="http://schemas.microsoft.com/office/drawing/2014/main" id="{A3DE1CD7-BF60-0CDB-431A-34EDEFD680CC}"/>
-              </a:ext>
-            </a:extLst>
-          </p:cNvPr>
-          <p:cNvSpPr>
-            <a:spLocks noGrp="1"/>
-          </p:cNvSpPr>
-          <p:nvPr>
-            <p:ph type="title"/>
-          </p:nvPr>
-        </p:nvSpPr>
-        <p:spPr/>
-        <p:txBody>
-          <a:bodyPr/>
-          <a:lstStyle/>
-          <a:p>
-            <a:r>
-              <a:rPr lang="en-US" dirty="0"/>
-              <a:t>Forecast Function benchmarking</a:t>
-            </a:r>
-            <a:endParaRPr lang="en-NZ" dirty="0"/>
-          </a:p>
-        </p:txBody>
-      </p:sp>
-      <p:sp>
-        <p:nvSpPr>
-          <p:cNvPr id="14" name="TextBox 13">
-            <a:extLst>
-              <a:ext uri="{FF2B5EF4-FFF2-40B4-BE49-F238E27FC236}">
-                <a16:creationId xmlns:a16="http://schemas.microsoft.com/office/drawing/2014/main" id="{608E6CEC-7B02-3FD3-2783-23C3D0715272}"/>
-              </a:ext>
-            </a:extLst>
-          </p:cNvPr>
-          <p:cNvSpPr txBox="1"/>
-          <p:nvPr/>
-        </p:nvSpPr>
-        <p:spPr>
-          <a:xfrm>
-            <a:off x="6400800" y="1862051"/>
-            <a:ext cx="5681620" cy="923330"/>
-          </a:xfrm>
-          <a:prstGeom prst="rect">
-            <a:avLst/>
-          </a:prstGeom>
-          <a:noFill/>
-        </p:spPr>
-        <p:txBody>
-          <a:bodyPr wrap="none" rtlCol="0">
-            <a:spAutoFit/>
-          </a:bodyPr>
-          <a:lstStyle/>
-          <a:p>
-            <a:r>
-              <a:rPr lang="en-US" dirty="0"/>
-              <a:t>Decisions made will typically ensure that spending </a:t>
-            </a:r>
-            <a:br>
-              <a:rPr lang="en-US" dirty="0"/>
-            </a:br>
-            <a:r>
-              <a:rPr lang="en-US" dirty="0"/>
-              <a:t>exceeds projections – especially given the conservative </a:t>
-            </a:r>
-            <a:br>
-              <a:rPr lang="en-US" dirty="0"/>
-            </a:br>
-            <a:r>
-              <a:rPr lang="en-US" dirty="0"/>
-              <a:t>spending allowance.</a:t>
-            </a:r>
-            <a:endParaRPr lang="en-NZ" dirty="0"/>
-          </a:p>
-        </p:txBody>
-      </p:sp>
-      <p:sp>
-        <p:nvSpPr>
-          <p:cNvPr id="15" name="TextBox 14">
-            <a:extLst>
-              <a:ext uri="{FF2B5EF4-FFF2-40B4-BE49-F238E27FC236}">
-                <a16:creationId xmlns:a16="http://schemas.microsoft.com/office/drawing/2014/main" id="{095F07BE-299A-161B-05CF-7292C37D6661}"/>
-              </a:ext>
-            </a:extLst>
-          </p:cNvPr>
-          <p:cNvSpPr txBox="1"/>
-          <p:nvPr/>
-        </p:nvSpPr>
-        <p:spPr>
-          <a:xfrm>
-            <a:off x="6400800" y="3262630"/>
-            <a:ext cx="5173019" cy="1754326"/>
-          </a:xfrm>
-          <a:prstGeom prst="rect">
-            <a:avLst/>
-          </a:prstGeom>
-          <a:noFill/>
-        </p:spPr>
-        <p:txBody>
-          <a:bodyPr wrap="none" rtlCol="0">
-            <a:spAutoFit/>
-          </a:bodyPr>
-          <a:lstStyle/>
-          <a:p>
-            <a:pPr marL="285750" indent="-285750">
-              <a:buFont typeface="Arial" panose="020B0604020202020204" pitchFamily="34" charset="0"/>
-              <a:buChar char="•"/>
-            </a:pPr>
-            <a:r>
-              <a:rPr lang="en-US" dirty="0"/>
-              <a:t>Take projections.</a:t>
-            </a:r>
-          </a:p>
-          <a:p>
-            <a:pPr marL="285750" indent="-285750">
-              <a:buFont typeface="Arial" panose="020B0604020202020204" pitchFamily="34" charset="0"/>
-              <a:buChar char="•"/>
-            </a:pPr>
-            <a:r>
-              <a:rPr lang="en-US" dirty="0"/>
-              <a:t>Add:</a:t>
-            </a:r>
-          </a:p>
-          <a:p>
-            <a:pPr marL="742950" lvl="1" indent="-285750">
-              <a:buFont typeface="Arial" panose="020B0604020202020204" pitchFamily="34" charset="0"/>
-              <a:buChar char="•"/>
-            </a:pPr>
-            <a:r>
-              <a:rPr lang="en-US" dirty="0"/>
-              <a:t>Share of CSA</a:t>
-            </a:r>
-          </a:p>
-          <a:p>
-            <a:pPr marL="742950" lvl="1" indent="-285750">
-              <a:buFont typeface="Arial" panose="020B0604020202020204" pitchFamily="34" charset="0"/>
-              <a:buChar char="•"/>
-            </a:pPr>
-            <a:r>
-              <a:rPr lang="en-US" dirty="0"/>
-              <a:t>[any other amount to add]</a:t>
-            </a:r>
-          </a:p>
-          <a:p>
-            <a:endParaRPr lang="en-US" dirty="0"/>
-          </a:p>
-          <a:p>
-            <a:r>
-              <a:rPr lang="en-US" dirty="0"/>
-              <a:t>This provides the benchmark by function provided.</a:t>
-            </a:r>
-            <a:endParaRPr lang="en-NZ" dirty="0"/>
-          </a:p>
-        </p:txBody>
-      </p:sp>
-      <p:sp>
-        <p:nvSpPr>
-          <p:cNvPr id="3" name="Content Placeholder 2">
-            <a:extLst>
-              <a:ext uri="{FF2B5EF4-FFF2-40B4-BE49-F238E27FC236}">
-                <a16:creationId xmlns:a16="http://schemas.microsoft.com/office/drawing/2014/main" id="{AA1BCECE-23FC-870F-2164-4D0CFDB3012F}"/>
-              </a:ext>
-            </a:extLst>
-          </p:cNvPr>
-          <p:cNvSpPr>
-            <a:spLocks noGrp="1"/>
-          </p:cNvSpPr>
-          <p:nvPr>
-            <p:ph idx="1"/>
-          </p:nvPr>
-        </p:nvSpPr>
-        <p:spPr>
-          <a:xfrm>
-            <a:off x="838200" y="1825625"/>
-            <a:ext cx="4343400" cy="4351338"/>
-          </a:xfrm>
-        </p:spPr>
-        <p:txBody>
-          <a:bodyPr/>
-          <a:lstStyle/>
-          <a:p>
-            <a:r>
-              <a:rPr lang="en-US" dirty="0"/>
-              <a:t>Relative to forecasts</a:t>
-            </a:r>
-            <a:endParaRPr lang="en-NZ" dirty="0"/>
-          </a:p>
-        </p:txBody>
-      </p:sp>
-    </p:spTree>
-    <p:extLst>
-      <p:ext uri="{BB962C8B-B14F-4D97-AF65-F5344CB8AC3E}">
-        <p14:creationId xmlns:p14="http://schemas.microsoft.com/office/powerpoint/2010/main" val="1351802543"/>
-      </p:ext>
-    </p:extLst>
-  </p:cSld>
-  <p:clrMapOvr>
-    <a:masterClrMapping/>
-  </p:clrMapOvr>
-</p:sld>
-</file>
-
-<file path=ppt/slides/slide19.xml><?xml version="1.0" encoding="utf-8"?>
-<p:sld xmlns:a="http://schemas.openxmlformats.org/drawingml/2006/main" xmlns:r="http://schemas.openxmlformats.org/officeDocument/2006/relationships" xmlns:p="http://schemas.openxmlformats.org/presentationml/2006/main">
-  <p:cSld>
-    <p:spTree>
-      <p:nvGrpSpPr>
-        <p:cNvPr id="1" name="">
-          <a:extLst>
-            <a:ext uri="{FF2B5EF4-FFF2-40B4-BE49-F238E27FC236}">
-              <a16:creationId xmlns:a16="http://schemas.microsoft.com/office/drawing/2014/main" id="{D9E42836-6B41-A4BD-31ED-B43725AEAC06}"/>
-            </a:ext>
-          </a:extLst>
-        </p:cNvPr>
-        <p:cNvGrpSpPr/>
-        <p:nvPr/>
-      </p:nvGrpSpPr>
-      <p:grpSpPr>
-        <a:xfrm>
-          <a:off x="0" y="0"/>
-          <a:ext cx="0" cy="0"/>
-          <a:chOff x="0" y="0"/>
-          <a:chExt cx="0" cy="0"/>
-        </a:xfrm>
-      </p:grpSpPr>
-      <p:sp>
-        <p:nvSpPr>
-          <p:cNvPr id="2" name="Title 1">
-            <a:extLst>
-              <a:ext uri="{FF2B5EF4-FFF2-40B4-BE49-F238E27FC236}">
-                <a16:creationId xmlns:a16="http://schemas.microsoft.com/office/drawing/2014/main" id="{F00C45C8-A9A7-455E-8283-21572CF7C126}"/>
-              </a:ext>
-            </a:extLst>
-          </p:cNvPr>
-          <p:cNvSpPr>
-            <a:spLocks noGrp="1"/>
-          </p:cNvSpPr>
-          <p:nvPr>
-            <p:ph type="title"/>
-          </p:nvPr>
-        </p:nvSpPr>
-        <p:spPr/>
-        <p:txBody>
-          <a:bodyPr/>
-          <a:lstStyle/>
-          <a:p>
-            <a:r>
-              <a:rPr lang="en-US" dirty="0"/>
-              <a:t>Demographic Functional Benchmarking</a:t>
-            </a:r>
-            <a:endParaRPr lang="en-NZ" dirty="0"/>
-          </a:p>
-        </p:txBody>
-      </p:sp>
-      <p:sp>
-        <p:nvSpPr>
-          <p:cNvPr id="14" name="TextBox 13">
-            <a:extLst>
-              <a:ext uri="{FF2B5EF4-FFF2-40B4-BE49-F238E27FC236}">
-                <a16:creationId xmlns:a16="http://schemas.microsoft.com/office/drawing/2014/main" id="{97DC0377-F9D2-A2D1-0F5C-6571033B7AEE}"/>
-              </a:ext>
-            </a:extLst>
-          </p:cNvPr>
-          <p:cNvSpPr txBox="1"/>
-          <p:nvPr/>
-        </p:nvSpPr>
-        <p:spPr>
-          <a:xfrm>
-            <a:off x="7145518" y="1953143"/>
-            <a:ext cx="2712602" cy="369332"/>
-          </a:xfrm>
-          <a:prstGeom prst="rect">
-            <a:avLst/>
-          </a:prstGeom>
-          <a:noFill/>
-        </p:spPr>
-        <p:txBody>
-          <a:bodyPr wrap="none" rtlCol="0">
-            <a:spAutoFit/>
-          </a:bodyPr>
-          <a:lstStyle/>
-          <a:p>
-            <a:r>
-              <a:rPr lang="en-US" dirty="0"/>
-              <a:t>Health spending example</a:t>
-            </a:r>
-            <a:endParaRPr lang="en-NZ" dirty="0"/>
-          </a:p>
-        </p:txBody>
-      </p:sp>
-      <p:sp>
-        <p:nvSpPr>
-          <p:cNvPr id="15" name="TextBox 14">
-            <a:extLst>
-              <a:ext uri="{FF2B5EF4-FFF2-40B4-BE49-F238E27FC236}">
-                <a16:creationId xmlns:a16="http://schemas.microsoft.com/office/drawing/2014/main" id="{A37836C5-EC35-9CCA-FB27-EB116ED660C9}"/>
-              </a:ext>
-            </a:extLst>
-          </p:cNvPr>
-          <p:cNvSpPr txBox="1"/>
-          <p:nvPr/>
-        </p:nvSpPr>
-        <p:spPr>
-          <a:xfrm>
-            <a:off x="7145518" y="2534721"/>
-            <a:ext cx="857927" cy="1200329"/>
-          </a:xfrm>
-          <a:prstGeom prst="rect">
-            <a:avLst/>
-          </a:prstGeom>
-          <a:noFill/>
-        </p:spPr>
-        <p:txBody>
-          <a:bodyPr wrap="none" rtlCol="0">
-            <a:spAutoFit/>
-          </a:bodyPr>
-          <a:lstStyle/>
-          <a:p>
-            <a:pPr marL="285750" indent="-285750">
-              <a:buFont typeface="Arial" panose="020B0604020202020204" pitchFamily="34" charset="0"/>
-              <a:buChar char="•"/>
-            </a:pPr>
-            <a:r>
-              <a:rPr lang="en-US" dirty="0"/>
-              <a:t>XXX</a:t>
-            </a:r>
-          </a:p>
-          <a:p>
-            <a:pPr marL="285750" indent="-285750">
-              <a:buFont typeface="Arial" panose="020B0604020202020204" pitchFamily="34" charset="0"/>
-              <a:buChar char="•"/>
-            </a:pPr>
-            <a:r>
-              <a:rPr lang="en-US" dirty="0"/>
-              <a:t>XXX</a:t>
-            </a:r>
-          </a:p>
-          <a:p>
-            <a:pPr marL="285750" indent="-285750">
-              <a:buFont typeface="Arial" panose="020B0604020202020204" pitchFamily="34" charset="0"/>
-              <a:buChar char="•"/>
-            </a:pPr>
-            <a:endParaRPr lang="en-US" dirty="0"/>
-          </a:p>
-          <a:p>
-            <a:pPr marL="285750" indent="-285750">
-              <a:buFont typeface="Arial" panose="020B0604020202020204" pitchFamily="34" charset="0"/>
-              <a:buChar char="•"/>
-            </a:pPr>
-            <a:r>
-              <a:rPr lang="en-US" dirty="0"/>
-              <a:t>XXX</a:t>
-            </a:r>
-            <a:endParaRPr lang="en-NZ" dirty="0"/>
-          </a:p>
-        </p:txBody>
-      </p:sp>
-      <p:sp>
-        <p:nvSpPr>
-          <p:cNvPr id="3" name="Content Placeholder 2">
-            <a:extLst>
-              <a:ext uri="{FF2B5EF4-FFF2-40B4-BE49-F238E27FC236}">
-                <a16:creationId xmlns:a16="http://schemas.microsoft.com/office/drawing/2014/main" id="{FC49CCF8-5990-71E3-C8BE-6D87008DD8D4}"/>
-              </a:ext>
-            </a:extLst>
-          </p:cNvPr>
-          <p:cNvSpPr>
-            <a:spLocks noGrp="1"/>
-          </p:cNvSpPr>
-          <p:nvPr>
-            <p:ph idx="1"/>
-          </p:nvPr>
-        </p:nvSpPr>
-        <p:spPr>
-          <a:xfrm>
-            <a:off x="838200" y="1825625"/>
-            <a:ext cx="5025272" cy="4351338"/>
-          </a:xfrm>
-        </p:spPr>
-        <p:txBody>
-          <a:bodyPr/>
-          <a:lstStyle/>
-          <a:p>
-            <a:r>
-              <a:rPr lang="en-US" dirty="0"/>
-              <a:t>Sector stuff</a:t>
-            </a:r>
-            <a:endParaRPr lang="en-NZ" dirty="0"/>
-          </a:p>
-        </p:txBody>
-      </p:sp>
-    </p:spTree>
-    <p:extLst>
-      <p:ext uri="{BB962C8B-B14F-4D97-AF65-F5344CB8AC3E}">
-        <p14:creationId xmlns:p14="http://schemas.microsoft.com/office/powerpoint/2010/main" val="938831902"/>
-      </p:ext>
-    </p:extLst>
-  </p:cSld>
-  <p:clrMapOvr>
-    <a:masterClrMapping/>
-  </p:clrMapOvr>
-</p:sld>
-</file>
-
-<file path=ppt/slides/slide2.xml><?xml version="1.0" encoding="utf-8"?>
-<p:sld xmlns:a="http://schemas.openxmlformats.org/drawingml/2006/main" xmlns:r="http://schemas.openxmlformats.org/officeDocument/2006/relationships" xmlns:p="http://schemas.openxmlformats.org/presentationml/2006/main">
-  <p:cSld>
-    <p:bg>
-      <p:bgPr>
-        <a:solidFill>
-          <a:schemeClr val="bg1"/>
-        </a:solidFill>
-        <a:effectLst/>
-      </p:bgPr>
-    </p:bg>
-    <p:spTree>
-      <p:nvGrpSpPr>
-        <p:cNvPr id="1" name=""/>
-        <p:cNvGrpSpPr/>
-        <p:nvPr/>
-      </p:nvGrpSpPr>
-      <p:grpSpPr>
-        <a:xfrm>
-          <a:off x="0" y="0"/>
-          <a:ext cx="0" cy="0"/>
-          <a:chOff x="0" y="0"/>
-          <a:chExt cx="0" cy="0"/>
-        </a:xfrm>
-      </p:grpSpPr>
-      <p:sp useBgFill="1">
-        <p:nvSpPr>
-          <p:cNvPr id="9" name="Rectangle 8">
-            <a:extLst>
-              <a:ext uri="{FF2B5EF4-FFF2-40B4-BE49-F238E27FC236}">
-                <a16:creationId xmlns:a16="http://schemas.microsoft.com/office/drawing/2014/main" id="{0671A8AE-40A1-4631-A6B8-581AFF065482}"/>
-              </a:ext>
-              <a:ext uri="{C183D7F6-B498-43B3-948B-1728B52AA6E4}">
-                <adec:decorative xmlns:adec="http://schemas.microsoft.com/office/drawing/2017/decorative" val="1"/>
-              </a:ext>
-            </a:extLst>
-          </p:cNvPr>
-          <p:cNvSpPr>
-            <a:spLocks noGrp="1" noRot="1" noChangeAspect="1" noMove="1" noResize="1" noEditPoints="1" noAdjustHandles="1" noChangeArrowheads="1" noChangeShapeType="1" noTextEdit="1"/>
-          </p:cNvSpPr>
-          <p:nvPr>
-            <p:extLst>
-              <p:ext uri="{386F3935-93C4-4BCD-93E2-E3B085C9AB24}">
-                <p16:designElem xmlns:p16="http://schemas.microsoft.com/office/powerpoint/2015/main" val="1"/>
-              </p:ext>
-            </p:extLst>
-          </p:nvPr>
-        </p:nvSpPr>
-        <p:spPr>
-          <a:xfrm>
-            <a:off x="0" y="0"/>
-            <a:ext cx="12192000" cy="6858000"/>
-          </a:xfrm>
-          <a:prstGeom prst="rect">
-            <a:avLst/>
-          </a:prstGeom>
-          <a:ln>
-            <a:noFill/>
-          </a:ln>
-        </p:spPr>
-        <p:style>
-          <a:lnRef idx="2">
-            <a:schemeClr val="accent1">
-              <a:shade val="50000"/>
-            </a:schemeClr>
-          </a:lnRef>
-          <a:fillRef idx="1">
-            <a:schemeClr val="accent1"/>
-          </a:fillRef>
-          <a:effectRef idx="0">
-            <a:schemeClr val="accent1"/>
-          </a:effectRef>
-          <a:fontRef idx="minor">
-            <a:schemeClr val="lt1"/>
-          </a:fontRef>
-        </p:style>
-        <p:txBody>
-          <a:bodyPr rtlCol="0" anchor="ctr"/>
-          <a:lstStyle/>
-          <a:p>
-            <a:pPr algn="ctr"/>
-            <a:endParaRPr lang="en-US"/>
-          </a:p>
-        </p:txBody>
-      </p:sp>
-      <p:pic>
-        <p:nvPicPr>
-          <p:cNvPr id="5" name="Picture 4" descr="Pen placed on top of a signature line">
-            <a:extLst>
-              <a:ext uri="{FF2B5EF4-FFF2-40B4-BE49-F238E27FC236}">
-                <a16:creationId xmlns:a16="http://schemas.microsoft.com/office/drawing/2014/main" id="{9D567BFB-C3FF-7382-A524-4D3BD4072660}"/>
-              </a:ext>
-            </a:extLst>
-          </p:cNvPr>
-          <p:cNvPicPr>
-            <a:picLocks noChangeAspect="1"/>
-          </p:cNvPicPr>
-          <p:nvPr/>
-        </p:nvPicPr>
-        <p:blipFill>
-          <a:blip r:embed="rId2"/>
-          <a:srcRect l="15628" r="-1" b="-1"/>
-          <a:stretch>
-            <a:fillRect/>
-          </a:stretch>
-        </p:blipFill>
-        <p:spPr>
-          <a:xfrm>
-            <a:off x="3523488" y="10"/>
-            <a:ext cx="8668512" cy="6857990"/>
-          </a:xfrm>
-          <a:prstGeom prst="rect">
-            <a:avLst/>
-          </a:prstGeom>
-        </p:spPr>
-      </p:pic>
-      <p:sp>
-        <p:nvSpPr>
-          <p:cNvPr id="11" name="Rectangle 10">
-            <a:extLst>
-              <a:ext uri="{FF2B5EF4-FFF2-40B4-BE49-F238E27FC236}">
-                <a16:creationId xmlns:a16="http://schemas.microsoft.com/office/drawing/2014/main" id="{AB58EF07-17C2-48CF-ABB0-EEF1F17CB8F0}"/>
-              </a:ext>
-              <a:ext uri="{C183D7F6-B498-43B3-948B-1728B52AA6E4}">
-                <adec:decorative xmlns:adec="http://schemas.microsoft.com/office/drawing/2017/decorative" val="1"/>
-              </a:ext>
-            </a:extLst>
-          </p:cNvPr>
-          <p:cNvSpPr>
-            <a:spLocks noGrp="1" noRot="1" noChangeAspect="1" noMove="1" noResize="1" noEditPoints="1" noAdjustHandles="1" noChangeArrowheads="1" noChangeShapeType="1" noTextEdit="1"/>
-          </p:cNvSpPr>
-          <p:nvPr>
-            <p:extLst>
-              <p:ext uri="{386F3935-93C4-4BCD-93E2-E3B085C9AB24}">
-                <p16:designElem xmlns:p16="http://schemas.microsoft.com/office/powerpoint/2015/main" val="1"/>
-              </p:ext>
-            </p:extLst>
-          </p:nvPr>
-        </p:nvSpPr>
-        <p:spPr>
-          <a:xfrm>
-            <a:off x="3" y="0"/>
-            <a:ext cx="9339206" cy="6858000"/>
-          </a:xfrm>
-          <a:prstGeom prst="rect">
-            <a:avLst/>
-          </a:prstGeom>
-          <a:gradFill>
-            <a:gsLst>
-              <a:gs pos="58000">
-                <a:schemeClr val="tx1"/>
-              </a:gs>
-              <a:gs pos="33000">
-                <a:schemeClr val="tx1">
-                  <a:alpha val="64000"/>
-                </a:schemeClr>
-              </a:gs>
-              <a:gs pos="0">
-                <a:schemeClr val="tx1">
-                  <a:alpha val="0"/>
-                </a:schemeClr>
-              </a:gs>
-              <a:gs pos="100000">
-                <a:schemeClr val="tx1"/>
-              </a:gs>
-            </a:gsLst>
-            <a:lin ang="10800000" scaled="0"/>
-          </a:gradFill>
-          <a:ln>
-            <a:noFill/>
-          </a:ln>
-        </p:spPr>
-        <p:style>
-          <a:lnRef idx="2">
-            <a:schemeClr val="accent1">
-              <a:shade val="50000"/>
-            </a:schemeClr>
-          </a:lnRef>
-          <a:fillRef idx="1">
-            <a:schemeClr val="accent1"/>
-          </a:fillRef>
-          <a:effectRef idx="0">
-            <a:schemeClr val="accent1"/>
-          </a:effectRef>
-          <a:fontRef idx="minor">
-            <a:schemeClr val="lt1"/>
-          </a:fontRef>
-        </p:style>
-        <p:txBody>
-          <a:bodyPr rtlCol="0" anchor="ctr"/>
-          <a:lstStyle/>
-          <a:p>
-            <a:pPr algn="ctr"/>
-            <a:endParaRPr lang="en-US" dirty="0"/>
-          </a:p>
-        </p:txBody>
-      </p:sp>
-      <p:sp>
-        <p:nvSpPr>
-          <p:cNvPr id="2" name="Title 1">
-            <a:extLst>
-              <a:ext uri="{FF2B5EF4-FFF2-40B4-BE49-F238E27FC236}">
-                <a16:creationId xmlns:a16="http://schemas.microsoft.com/office/drawing/2014/main" id="{0F96A9DE-2BF7-6B3D-C665-BA988DA06B36}"/>
-              </a:ext>
-            </a:extLst>
-          </p:cNvPr>
-          <p:cNvSpPr>
-            <a:spLocks noGrp="1"/>
-          </p:cNvSpPr>
-          <p:nvPr>
-            <p:ph type="title"/>
-          </p:nvPr>
-        </p:nvSpPr>
-        <p:spPr>
-          <a:xfrm>
-            <a:off x="477981" y="1122363"/>
-            <a:ext cx="4023360" cy="3204134"/>
-          </a:xfrm>
-        </p:spPr>
-        <p:txBody>
-          <a:bodyPr vert="horz" lIns="91440" tIns="45720" rIns="91440" bIns="45720" rtlCol="0" anchor="b">
-            <a:normAutofit/>
-          </a:bodyPr>
-          <a:lstStyle/>
-          <a:p>
-            <a:r>
-              <a:rPr lang="en-US" sz="4800" dirty="0">
-                <a:solidFill>
-                  <a:schemeClr val="bg1"/>
-                </a:solidFill>
-              </a:rPr>
-              <a:t>Internal report content</a:t>
-            </a:r>
-          </a:p>
-        </p:txBody>
-      </p:sp>
-      <p:sp>
-        <p:nvSpPr>
-          <p:cNvPr id="13" name="Rectangle 12">
-            <a:extLst>
-              <a:ext uri="{FF2B5EF4-FFF2-40B4-BE49-F238E27FC236}">
-                <a16:creationId xmlns:a16="http://schemas.microsoft.com/office/drawing/2014/main" id="{AF2F604E-43BE-4DC3-B983-E071523364F8}"/>
-              </a:ext>
-              <a:ext uri="{C183D7F6-B498-43B3-948B-1728B52AA6E4}">
-                <adec:decorative xmlns:adec="http://schemas.microsoft.com/office/drawing/2017/decorative" val="1"/>
-              </a:ext>
-            </a:extLst>
-          </p:cNvPr>
-          <p:cNvSpPr>
-            <a:spLocks noGrp="1" noRot="1" noChangeAspect="1" noMove="1" noResize="1" noEditPoints="1" noAdjustHandles="1" noChangeArrowheads="1" noChangeShapeType="1" noTextEdit="1"/>
-          </p:cNvSpPr>
-          <p:nvPr>
-            <p:extLst>
-              <p:ext uri="{386F3935-93C4-4BCD-93E2-E3B085C9AB24}">
-                <p16:designElem xmlns:p16="http://schemas.microsoft.com/office/powerpoint/2015/main" val="1"/>
-              </p:ext>
-            </p:extLst>
-          </p:nvPr>
-        </p:nvSpPr>
-        <p:spPr>
-          <a:xfrm rot="5400000">
-            <a:off x="759921" y="346791"/>
-            <a:ext cx="146304" cy="704088"/>
-          </a:xfrm>
-          <a:prstGeom prst="rect">
-            <a:avLst/>
-          </a:prstGeom>
-          <a:solidFill>
-            <a:schemeClr val="accent2"/>
-          </a:solidFill>
-          <a:ln>
-            <a:noFill/>
-          </a:ln>
-        </p:spPr>
-        <p:style>
-          <a:lnRef idx="2">
-            <a:schemeClr val="accent1">
-              <a:shade val="50000"/>
-            </a:schemeClr>
-          </a:lnRef>
-          <a:fillRef idx="1">
-            <a:schemeClr val="accent1"/>
-          </a:fillRef>
-          <a:effectRef idx="0">
-            <a:schemeClr val="accent1"/>
-          </a:effectRef>
-          <a:fontRef idx="minor">
-            <a:schemeClr val="lt1"/>
-          </a:fontRef>
-        </p:style>
-        <p:txBody>
-          <a:bodyPr rtlCol="0" anchor="ctr"/>
-          <a:lstStyle/>
-          <a:p>
-            <a:pPr algn="ctr"/>
-            <a:endParaRPr lang="en-US">
-              <a:solidFill>
-                <a:prstClr val="white"/>
-              </a:solidFill>
-              <a:latin typeface="Calibri" panose="020F0502020204030204"/>
-            </a:endParaRPr>
-          </a:p>
-        </p:txBody>
-      </p:sp>
-      <p:sp>
-        <p:nvSpPr>
-          <p:cNvPr id="15" name="Rectangle 14">
-            <a:extLst>
-              <a:ext uri="{FF2B5EF4-FFF2-40B4-BE49-F238E27FC236}">
-                <a16:creationId xmlns:a16="http://schemas.microsoft.com/office/drawing/2014/main" id="{08C9B587-E65E-4B52-B37C-ABEBB6E87928}"/>
-              </a:ext>
-              <a:ext uri="{C183D7F6-B498-43B3-948B-1728B52AA6E4}">
-                <adec:decorative xmlns:adec="http://schemas.microsoft.com/office/drawing/2017/decorative" val="1"/>
-              </a:ext>
-            </a:extLst>
-          </p:cNvPr>
-          <p:cNvSpPr>
-            <a:spLocks noGrp="1" noRot="1" noChangeAspect="1" noMove="1" noResize="1" noEditPoints="1" noAdjustHandles="1" noChangeArrowheads="1" noChangeShapeType="1" noTextEdit="1"/>
-          </p:cNvSpPr>
-          <p:nvPr>
-            <p:extLst>
-              <p:ext uri="{386F3935-93C4-4BCD-93E2-E3B085C9AB24}">
-                <p16:designElem xmlns:p16="http://schemas.microsoft.com/office/powerpoint/2015/main" val="1"/>
-              </p:ext>
-            </p:extLst>
-          </p:nvPr>
-        </p:nvSpPr>
-        <p:spPr>
-          <a:xfrm>
-            <a:off x="481029" y="4546920"/>
-            <a:ext cx="3977640" cy="18288"/>
-          </a:xfrm>
-          <a:prstGeom prst="rect">
-            <a:avLst/>
-          </a:prstGeom>
-          <a:solidFill>
-            <a:schemeClr val="tx1"/>
-          </a:solidFill>
-          <a:ln w="3175">
-            <a:noFill/>
-          </a:ln>
-          <a:effectLst/>
-        </p:spPr>
-        <p:style>
-          <a:lnRef idx="2">
-            <a:schemeClr val="accent1">
-              <a:shade val="50000"/>
-            </a:schemeClr>
-          </a:lnRef>
-          <a:fillRef idx="1">
-            <a:schemeClr val="accent1"/>
-          </a:fillRef>
-          <a:effectRef idx="0">
-            <a:schemeClr val="accent1"/>
-          </a:effectRef>
-          <a:fontRef idx="minor">
-            <a:schemeClr val="lt1"/>
-          </a:fontRef>
-        </p:style>
-        <p:txBody>
-          <a:bodyPr rtlCol="0" anchor="ctr"/>
-          <a:lstStyle/>
-          <a:p>
-            <a:pPr marL="0" marR="0" lvl="0" indent="0" algn="ctr" defTabSz="914400" rtl="0" eaLnBrk="1" fontAlgn="auto" latinLnBrk="0" hangingPunct="1">
-              <a:lnSpc>
-                <a:spcPct val="100000"/>
-              </a:lnSpc>
-              <a:spcBef>
-                <a:spcPts val="0"/>
-              </a:spcBef>
-              <a:spcAft>
-                <a:spcPts val="0"/>
-              </a:spcAft>
-              <a:buClrTx/>
-              <a:buSzTx/>
-              <a:buFontTx/>
-              <a:buNone/>
-              <a:tabLst/>
-              <a:defRPr/>
-            </a:pPr>
-            <a:endParaRPr kumimoji="0" lang="en-US" sz="1800" b="0" i="0" u="none" strike="noStrike" kern="1200" cap="none" spc="0" normalizeH="0" baseline="0" noProof="0">
-              <a:ln>
-                <a:noFill/>
-              </a:ln>
-              <a:solidFill>
-                <a:prstClr val="white"/>
-              </a:solidFill>
-              <a:effectLst/>
-              <a:uLnTx/>
-              <a:uFillTx/>
-              <a:latin typeface="Calibri" panose="020F0502020204030204"/>
-              <a:ea typeface="+mn-ea"/>
-              <a:cs typeface="+mn-cs"/>
-            </a:endParaRPr>
-          </a:p>
-        </p:txBody>
-      </p:sp>
-    </p:spTree>
-    <p:extLst>
-      <p:ext uri="{BB962C8B-B14F-4D97-AF65-F5344CB8AC3E}">
-        <p14:creationId xmlns:p14="http://schemas.microsoft.com/office/powerpoint/2010/main" val="3935494129"/>
-      </p:ext>
-    </p:extLst>
-  </p:cSld>
-  <p:clrMapOvr>
-    <a:masterClrMapping/>
-  </p:clrMapOvr>
-</p:sld>
-</file>
-
-<file path=ppt/slides/slide20.xml><?xml version="1.0" encoding="utf-8"?>
-<p:sld xmlns:a="http://schemas.openxmlformats.org/drawingml/2006/main" xmlns:r="http://schemas.openxmlformats.org/officeDocument/2006/relationships" xmlns:p="http://schemas.openxmlformats.org/presentationml/2006/main">
-  <p:cSld>
-    <p:spTree>
-      <p:nvGrpSpPr>
-        <p:cNvPr id="1" name="">
-          <a:extLst>
-            <a:ext uri="{FF2B5EF4-FFF2-40B4-BE49-F238E27FC236}">
-              <a16:creationId xmlns:a16="http://schemas.microsoft.com/office/drawing/2014/main" id="{A0FE512A-9B7B-42DB-7FA1-A353C4B52BBB}"/>
-            </a:ext>
-          </a:extLst>
-        </p:cNvPr>
-        <p:cNvGrpSpPr/>
-        <p:nvPr/>
-      </p:nvGrpSpPr>
-      <p:grpSpPr>
-        <a:xfrm>
-          <a:off x="0" y="0"/>
-          <a:ext cx="0" cy="0"/>
-          <a:chOff x="0" y="0"/>
-          <a:chExt cx="0" cy="0"/>
-        </a:xfrm>
-      </p:grpSpPr>
-      <p:sp>
-        <p:nvSpPr>
-          <p:cNvPr id="2" name="Title 1">
-            <a:extLst>
-              <a:ext uri="{FF2B5EF4-FFF2-40B4-BE49-F238E27FC236}">
-                <a16:creationId xmlns:a16="http://schemas.microsoft.com/office/drawing/2014/main" id="{7F2F8D86-88A6-9CFC-8D8F-97C64F1CE693}"/>
-              </a:ext>
-            </a:extLst>
-          </p:cNvPr>
-          <p:cNvSpPr>
-            <a:spLocks noGrp="1"/>
-          </p:cNvSpPr>
-          <p:nvPr>
-            <p:ph type="title"/>
-          </p:nvPr>
-        </p:nvSpPr>
-        <p:spPr/>
-        <p:txBody>
-          <a:bodyPr/>
-          <a:lstStyle/>
-          <a:p>
-            <a:r>
-              <a:rPr lang="en-US" dirty="0"/>
-              <a:t>Input costs</a:t>
-            </a:r>
-            <a:endParaRPr lang="en-NZ" dirty="0"/>
-          </a:p>
-        </p:txBody>
-      </p:sp>
-      <p:sp>
-        <p:nvSpPr>
-          <p:cNvPr id="3" name="Content Placeholder 2">
-            <a:extLst>
-              <a:ext uri="{FF2B5EF4-FFF2-40B4-BE49-F238E27FC236}">
-                <a16:creationId xmlns:a16="http://schemas.microsoft.com/office/drawing/2014/main" id="{7C9DC28D-3EC9-311D-12D0-4FF8FA50B637}"/>
-              </a:ext>
-            </a:extLst>
-          </p:cNvPr>
-          <p:cNvSpPr>
-            <a:spLocks noGrp="1"/>
-          </p:cNvSpPr>
-          <p:nvPr>
-            <p:ph idx="1"/>
-          </p:nvPr>
-        </p:nvSpPr>
-        <p:spPr>
-          <a:xfrm>
-            <a:off x="838200" y="1825625"/>
-            <a:ext cx="7092142" cy="4351338"/>
-          </a:xfrm>
-        </p:spPr>
-        <p:txBody>
-          <a:bodyPr/>
-          <a:lstStyle/>
-          <a:p>
-            <a:r>
-              <a:rPr lang="en-US"/>
-              <a:t>Check if we can find international IFRS GFS type standards to compare types of inputs used.</a:t>
-            </a:r>
-            <a:endParaRPr lang="en-NZ"/>
-          </a:p>
-        </p:txBody>
-      </p:sp>
-    </p:spTree>
-    <p:extLst>
-      <p:ext uri="{BB962C8B-B14F-4D97-AF65-F5344CB8AC3E}">
-        <p14:creationId xmlns:p14="http://schemas.microsoft.com/office/powerpoint/2010/main" val="2012669386"/>
-      </p:ext>
-    </p:extLst>
-  </p:cSld>
-  <p:clrMapOvr>
-    <a:masterClrMapping/>
-  </p:clrMapOvr>
-</p:sld>
-</file>
-
-<file path=ppt/slides/slide21.xml><?xml version="1.0" encoding="utf-8"?>
-<p:sld xmlns:a="http://schemas.openxmlformats.org/drawingml/2006/main" xmlns:r="http://schemas.openxmlformats.org/officeDocument/2006/relationships" xmlns:p="http://schemas.openxmlformats.org/presentationml/2006/main">
-  <p:cSld>
-    <p:spTree>
-      <p:nvGrpSpPr>
-        <p:cNvPr id="1" name="">
-          <a:extLst>
-            <a:ext uri="{FF2B5EF4-FFF2-40B4-BE49-F238E27FC236}">
-              <a16:creationId xmlns:a16="http://schemas.microsoft.com/office/drawing/2014/main" id="{DA473428-BC44-4560-5784-4854A177336B}"/>
-            </a:ext>
-          </a:extLst>
-        </p:cNvPr>
-        <p:cNvGrpSpPr/>
-        <p:nvPr/>
-      </p:nvGrpSpPr>
-      <p:grpSpPr>
-        <a:xfrm>
-          <a:off x="0" y="0"/>
-          <a:ext cx="0" cy="0"/>
-          <a:chOff x="0" y="0"/>
-          <a:chExt cx="0" cy="0"/>
-        </a:xfrm>
-      </p:grpSpPr>
-      <p:sp>
-        <p:nvSpPr>
-          <p:cNvPr id="2" name="Title 1">
-            <a:extLst>
-              <a:ext uri="{FF2B5EF4-FFF2-40B4-BE49-F238E27FC236}">
-                <a16:creationId xmlns:a16="http://schemas.microsoft.com/office/drawing/2014/main" id="{0C0FCF8D-4031-1EE8-ED8D-01279980E9EB}"/>
-              </a:ext>
-            </a:extLst>
-          </p:cNvPr>
-          <p:cNvSpPr>
-            <a:spLocks noGrp="1"/>
-          </p:cNvSpPr>
-          <p:nvPr>
-            <p:ph type="title"/>
-          </p:nvPr>
-        </p:nvSpPr>
-        <p:spPr/>
-        <p:txBody>
-          <a:bodyPr/>
-          <a:lstStyle/>
-          <a:p>
-            <a:r>
-              <a:rPr lang="en-US" dirty="0"/>
-              <a:t>Tracking and projections</a:t>
-            </a:r>
-            <a:endParaRPr lang="en-NZ" dirty="0"/>
-          </a:p>
-        </p:txBody>
-      </p:sp>
-      <p:sp>
-        <p:nvSpPr>
-          <p:cNvPr id="4" name="Content Placeholder 2">
-            <a:extLst>
-              <a:ext uri="{FF2B5EF4-FFF2-40B4-BE49-F238E27FC236}">
-                <a16:creationId xmlns:a16="http://schemas.microsoft.com/office/drawing/2014/main" id="{A23E7D09-1599-F7D2-1A94-1FCEC809BBF0}"/>
-              </a:ext>
-            </a:extLst>
-          </p:cNvPr>
-          <p:cNvSpPr txBox="1">
-            <a:spLocks/>
-          </p:cNvSpPr>
-          <p:nvPr/>
-        </p:nvSpPr>
-        <p:spPr>
-          <a:xfrm>
-            <a:off x="927846" y="1888378"/>
+            <a:off x="6804390" y="1888378"/>
             <a:ext cx="4356847" cy="4351338"/>
           </a:xfrm>
           <a:prstGeom prst="rect">
@@ -7753,18 +8068,315 @@
             </a:pPr>
             <a:r>
               <a:rPr lang="en-US" b="1" dirty="0"/>
-              <a:t>Adjusted expenditures</a:t>
+              <a:t>Per capita capital stocks</a:t>
             </a:r>
             <a:endParaRPr lang="en-NZ" b="1" dirty="0"/>
           </a:p>
         </p:txBody>
       </p:sp>
+    </p:spTree>
+    <p:extLst>
+      <p:ext uri="{BB962C8B-B14F-4D97-AF65-F5344CB8AC3E}">
+        <p14:creationId xmlns:p14="http://schemas.microsoft.com/office/powerpoint/2010/main" val="1307482418"/>
+      </p:ext>
+    </p:extLst>
+  </p:cSld>
+  <p:clrMapOvr>
+    <a:masterClrMapping/>
+  </p:clrMapOvr>
+</p:sld>
+</file>
+
+<file path=ppt/slides/slide22.xml><?xml version="1.0" encoding="utf-8"?>
+<p:sld xmlns:a="http://schemas.openxmlformats.org/drawingml/2006/main" xmlns:r="http://schemas.openxmlformats.org/officeDocument/2006/relationships" xmlns:p="http://schemas.openxmlformats.org/presentationml/2006/main">
+  <p:cSld>
+    <p:spTree>
+      <p:nvGrpSpPr>
+        <p:cNvPr id="1" name="">
+          <a:extLst>
+            <a:ext uri="{FF2B5EF4-FFF2-40B4-BE49-F238E27FC236}">
+              <a16:creationId xmlns:a16="http://schemas.microsoft.com/office/drawing/2014/main" id="{25F5CC26-2DB6-16A3-5F5C-41EC07D96197}"/>
+            </a:ext>
+          </a:extLst>
+        </p:cNvPr>
+        <p:cNvGrpSpPr/>
+        <p:nvPr/>
+      </p:nvGrpSpPr>
+      <p:grpSpPr>
+        <a:xfrm>
+          <a:off x="0" y="0"/>
+          <a:ext cx="0" cy="0"/>
+          <a:chOff x="0" y="0"/>
+          <a:chExt cx="0" cy="0"/>
+        </a:xfrm>
+      </p:grpSpPr>
+      <p:sp>
+        <p:nvSpPr>
+          <p:cNvPr id="2" name="Title 1">
+            <a:extLst>
+              <a:ext uri="{FF2B5EF4-FFF2-40B4-BE49-F238E27FC236}">
+                <a16:creationId xmlns:a16="http://schemas.microsoft.com/office/drawing/2014/main" id="{CFE184C8-3BB8-C8C4-BD41-86FB6674EDB8}"/>
+              </a:ext>
+            </a:extLst>
+          </p:cNvPr>
+          <p:cNvSpPr>
+            <a:spLocks noGrp="1"/>
+          </p:cNvSpPr>
+          <p:nvPr>
+            <p:ph type="title"/>
+          </p:nvPr>
+        </p:nvSpPr>
+        <p:spPr/>
+        <p:txBody>
+          <a:bodyPr/>
+          <a:lstStyle/>
+          <a:p>
+            <a:r>
+              <a:rPr lang="en-US" dirty="0"/>
+              <a:t>Capital stock reporting</a:t>
+            </a:r>
+            <a:endParaRPr lang="en-NZ" dirty="0"/>
+          </a:p>
+        </p:txBody>
+      </p:sp>
       <p:sp>
         <p:nvSpPr>
           <p:cNvPr id="3" name="Content Placeholder 2">
             <a:extLst>
               <a:ext uri="{FF2B5EF4-FFF2-40B4-BE49-F238E27FC236}">
-                <a16:creationId xmlns:a16="http://schemas.microsoft.com/office/drawing/2014/main" id="{E650E940-DB86-AEBC-07E3-0B11544F4CD8}"/>
+                <a16:creationId xmlns:a16="http://schemas.microsoft.com/office/drawing/2014/main" id="{4415CAF1-CEBB-B23B-D244-B658AC32F590}"/>
+              </a:ext>
+            </a:extLst>
+          </p:cNvPr>
+          <p:cNvSpPr>
+            <a:spLocks noGrp="1"/>
+          </p:cNvSpPr>
+          <p:nvPr>
+            <p:ph idx="1"/>
+          </p:nvPr>
+        </p:nvSpPr>
+        <p:spPr>
+          <a:xfrm>
+            <a:off x="838200" y="1825625"/>
+            <a:ext cx="7092142" cy="4351338"/>
+          </a:xfrm>
+        </p:spPr>
+        <p:txBody>
+          <a:bodyPr/>
+          <a:lstStyle/>
+          <a:p>
+            <a:r>
+              <a:rPr lang="en-US" dirty="0"/>
+              <a:t>XXX</a:t>
+            </a:r>
+            <a:endParaRPr lang="en-NZ" dirty="0"/>
+          </a:p>
+        </p:txBody>
+      </p:sp>
+    </p:spTree>
+    <p:extLst>
+      <p:ext uri="{BB962C8B-B14F-4D97-AF65-F5344CB8AC3E}">
+        <p14:creationId xmlns:p14="http://schemas.microsoft.com/office/powerpoint/2010/main" val="320384108"/>
+      </p:ext>
+    </p:extLst>
+  </p:cSld>
+  <p:clrMapOvr>
+    <a:masterClrMapping/>
+  </p:clrMapOvr>
+</p:sld>
+</file>
+
+<file path=ppt/slides/slide3.xml><?xml version="1.0" encoding="utf-8"?>
+<p:sld xmlns:a="http://schemas.openxmlformats.org/drawingml/2006/main" xmlns:r="http://schemas.openxmlformats.org/officeDocument/2006/relationships" xmlns:p="http://schemas.openxmlformats.org/presentationml/2006/main">
+  <p:cSld>
+    <p:spTree>
+      <p:nvGrpSpPr>
+        <p:cNvPr id="1" name="">
+          <a:extLst>
+            <a:ext uri="{FF2B5EF4-FFF2-40B4-BE49-F238E27FC236}">
+              <a16:creationId xmlns:a16="http://schemas.microsoft.com/office/drawing/2014/main" id="{AB9CDF55-13F2-FF5F-E19B-5B1CE333D234}"/>
+            </a:ext>
+          </a:extLst>
+        </p:cNvPr>
+        <p:cNvGrpSpPr/>
+        <p:nvPr/>
+      </p:nvGrpSpPr>
+      <p:grpSpPr>
+        <a:xfrm>
+          <a:off x="0" y="0"/>
+          <a:ext cx="0" cy="0"/>
+          <a:chOff x="0" y="0"/>
+          <a:chExt cx="0" cy="0"/>
+        </a:xfrm>
+      </p:grpSpPr>
+      <p:sp>
+        <p:nvSpPr>
+          <p:cNvPr id="2" name="Title 1">
+            <a:extLst>
+              <a:ext uri="{FF2B5EF4-FFF2-40B4-BE49-F238E27FC236}">
+                <a16:creationId xmlns:a16="http://schemas.microsoft.com/office/drawing/2014/main" id="{7662BF20-B744-E591-9F1C-36A5AC3E46E9}"/>
+              </a:ext>
+            </a:extLst>
+          </p:cNvPr>
+          <p:cNvSpPr>
+            <a:spLocks noGrp="1"/>
+          </p:cNvSpPr>
+          <p:nvPr>
+            <p:ph type="title"/>
+          </p:nvPr>
+        </p:nvSpPr>
+        <p:spPr/>
+        <p:txBody>
+          <a:bodyPr/>
+          <a:lstStyle/>
+          <a:p>
+            <a:r>
+              <a:rPr lang="en-US" dirty="0"/>
+              <a:t>What has happened to Federal Spending?</a:t>
+            </a:r>
+            <a:endParaRPr lang="en-NZ" dirty="0"/>
+          </a:p>
+        </p:txBody>
+      </p:sp>
+      <p:sp>
+        <p:nvSpPr>
+          <p:cNvPr id="3" name="Content Placeholder 2">
+            <a:extLst>
+              <a:ext uri="{FF2B5EF4-FFF2-40B4-BE49-F238E27FC236}">
+                <a16:creationId xmlns:a16="http://schemas.microsoft.com/office/drawing/2014/main" id="{61E3095F-C3A8-089C-9510-E67AC336F7BE}"/>
+              </a:ext>
+            </a:extLst>
+          </p:cNvPr>
+          <p:cNvSpPr>
+            <a:spLocks noGrp="1"/>
+          </p:cNvSpPr>
+          <p:nvPr>
+            <p:ph idx="1"/>
+          </p:nvPr>
+        </p:nvSpPr>
+        <p:spPr/>
+        <p:txBody>
+          <a:bodyPr/>
+          <a:lstStyle/>
+          <a:p>
+            <a:r>
+              <a:rPr lang="en-NZ" dirty="0"/>
+              <a:t>Something from report</a:t>
+            </a:r>
+          </a:p>
+        </p:txBody>
+      </p:sp>
+    </p:spTree>
+    <p:extLst>
+      <p:ext uri="{BB962C8B-B14F-4D97-AF65-F5344CB8AC3E}">
+        <p14:creationId xmlns:p14="http://schemas.microsoft.com/office/powerpoint/2010/main" val="453619371"/>
+      </p:ext>
+    </p:extLst>
+  </p:cSld>
+  <p:clrMapOvr>
+    <a:masterClrMapping/>
+  </p:clrMapOvr>
+</p:sld>
+</file>
+
+<file path=ppt/slides/slide4.xml><?xml version="1.0" encoding="utf-8"?>
+<p:sld xmlns:a="http://schemas.openxmlformats.org/drawingml/2006/main" xmlns:r="http://schemas.openxmlformats.org/officeDocument/2006/relationships" xmlns:p="http://schemas.openxmlformats.org/presentationml/2006/main">
+  <p:cSld>
+    <p:spTree>
+      <p:nvGrpSpPr>
+        <p:cNvPr id="1" name="">
+          <a:extLst>
+            <a:ext uri="{FF2B5EF4-FFF2-40B4-BE49-F238E27FC236}">
+              <a16:creationId xmlns:a16="http://schemas.microsoft.com/office/drawing/2014/main" id="{D6B17CE5-E6E7-D3EC-26D9-4E0FA523686E}"/>
+            </a:ext>
+          </a:extLst>
+        </p:cNvPr>
+        <p:cNvGrpSpPr/>
+        <p:nvPr/>
+      </p:nvGrpSpPr>
+      <p:grpSpPr>
+        <a:xfrm>
+          <a:off x="0" y="0"/>
+          <a:ext cx="0" cy="0"/>
+          <a:chOff x="0" y="0"/>
+          <a:chExt cx="0" cy="0"/>
+        </a:xfrm>
+      </p:grpSpPr>
+      <p:sp>
+        <p:nvSpPr>
+          <p:cNvPr id="2" name="Title 1">
+            <a:extLst>
+              <a:ext uri="{FF2B5EF4-FFF2-40B4-BE49-F238E27FC236}">
+                <a16:creationId xmlns:a16="http://schemas.microsoft.com/office/drawing/2014/main" id="{FD9E96EF-BB1A-BE5C-B1D3-3AF2DC2A83E2}"/>
+              </a:ext>
+            </a:extLst>
+          </p:cNvPr>
+          <p:cNvSpPr>
+            <a:spLocks noGrp="1"/>
+          </p:cNvSpPr>
+          <p:nvPr>
+            <p:ph type="title"/>
+          </p:nvPr>
+        </p:nvSpPr>
+        <p:spPr>
+          <a:xfrm>
+            <a:off x="243840" y="248126"/>
+            <a:ext cx="10515600" cy="1325563"/>
+          </a:xfrm>
+        </p:spPr>
+        <p:txBody>
+          <a:bodyPr/>
+          <a:lstStyle/>
+          <a:p>
+            <a:r>
+              <a:rPr lang="en-US" dirty="0"/>
+              <a:t>What are some key spending risks</a:t>
+            </a:r>
+            <a:endParaRPr lang="en-NZ" dirty="0"/>
+          </a:p>
+        </p:txBody>
+      </p:sp>
+      <p:pic>
+        <p:nvPicPr>
+          <p:cNvPr id="5" name="Content Placeholder 4" descr="A graph with numbers and lines&#10;&#10;AI-generated content may be incorrect.">
+            <a:extLst>
+              <a:ext uri="{FF2B5EF4-FFF2-40B4-BE49-F238E27FC236}">
+                <a16:creationId xmlns:a16="http://schemas.microsoft.com/office/drawing/2014/main" id="{E32D8004-7519-C781-1E7D-39D849CBCCB6}"/>
+              </a:ext>
+            </a:extLst>
+          </p:cNvPr>
+          <p:cNvPicPr>
+            <a:picLocks noGrp="1" noChangeAspect="1"/>
+          </p:cNvPicPr>
+          <p:nvPr>
+            <p:ph idx="1"/>
+          </p:nvPr>
+        </p:nvPicPr>
+        <p:blipFill>
+          <a:blip r:embed="rId2">
+            <a:extLst>
+              <a:ext uri="{28A0092B-C50C-407E-A947-70E740481C1C}">
+                <a14:useLocalDpi xmlns:a14="http://schemas.microsoft.com/office/drawing/2010/main" val="0"/>
+              </a:ext>
+            </a:extLst>
+          </a:blip>
+          <a:stretch>
+            <a:fillRect/>
+          </a:stretch>
+        </p:blipFill>
+        <p:spPr>
+          <a:xfrm>
+            <a:off x="3752972" y="1825625"/>
+            <a:ext cx="4686056" cy="4351338"/>
+          </a:xfrm>
+        </p:spPr>
+      </p:pic>
+      <p:sp>
+        <p:nvSpPr>
+          <p:cNvPr id="3" name="Content Placeholder 2">
+            <a:extLst>
+              <a:ext uri="{FF2B5EF4-FFF2-40B4-BE49-F238E27FC236}">
+                <a16:creationId xmlns:a16="http://schemas.microsoft.com/office/drawing/2014/main" id="{74356035-5584-58CC-CE43-3099F52E1E42}"/>
               </a:ext>
             </a:extLst>
           </p:cNvPr>
@@ -7775,8 +8387,859 @@
         </p:nvSpPr>
         <p:spPr>
           <a:xfrm>
-            <a:off x="6804390" y="1888378"/>
-            <a:ext cx="4356847" cy="4351338"/>
+            <a:off x="4632960" y="1573689"/>
+            <a:ext cx="3276600" cy="368935"/>
+          </a:xfrm>
+          <a:prstGeom prst="rect">
+            <a:avLst/>
+          </a:prstGeom>
+        </p:spPr>
+        <p:txBody>
+          <a:bodyPr vert="horz" lIns="91440" tIns="45720" rIns="91440" bIns="45720" rtlCol="0">
+            <a:normAutofit fontScale="85000" lnSpcReduction="20000"/>
+          </a:bodyPr>
+          <a:lstStyle>
+            <a:lvl1pPr marL="228600" indent="-228600" algn="l" defTabSz="914400" rtl="0" eaLnBrk="1" latinLnBrk="0" hangingPunct="1">
+              <a:lnSpc>
+                <a:spcPct val="90000"/>
+              </a:lnSpc>
+              <a:spcBef>
+                <a:spcPts val="1000"/>
+              </a:spcBef>
+              <a:buFont typeface="Arial" panose="020B0604020202020204" pitchFamily="34" charset="0"/>
+              <a:buChar char="•"/>
+              <a:defRPr sz="2800" kern="1200">
+                <a:solidFill>
+                  <a:schemeClr val="tx1"/>
+                </a:solidFill>
+                <a:latin typeface="+mn-lt"/>
+                <a:ea typeface="+mn-ea"/>
+                <a:cs typeface="+mn-cs"/>
+              </a:defRPr>
+            </a:lvl1pPr>
+            <a:lvl2pPr marL="685800" indent="-228600" algn="l" defTabSz="914400" rtl="0" eaLnBrk="1" latinLnBrk="0" hangingPunct="1">
+              <a:lnSpc>
+                <a:spcPct val="90000"/>
+              </a:lnSpc>
+              <a:spcBef>
+                <a:spcPts val="500"/>
+              </a:spcBef>
+              <a:buFont typeface="Arial" panose="020B0604020202020204" pitchFamily="34" charset="0"/>
+              <a:buChar char="•"/>
+              <a:defRPr sz="2400" kern="1200">
+                <a:solidFill>
+                  <a:schemeClr val="tx1"/>
+                </a:solidFill>
+                <a:latin typeface="+mn-lt"/>
+                <a:ea typeface="+mn-ea"/>
+                <a:cs typeface="+mn-cs"/>
+              </a:defRPr>
+            </a:lvl2pPr>
+            <a:lvl3pPr marL="1143000" indent="-228600" algn="l" defTabSz="914400" rtl="0" eaLnBrk="1" latinLnBrk="0" hangingPunct="1">
+              <a:lnSpc>
+                <a:spcPct val="90000"/>
+              </a:lnSpc>
+              <a:spcBef>
+                <a:spcPts val="500"/>
+              </a:spcBef>
+              <a:buFont typeface="Arial" panose="020B0604020202020204" pitchFamily="34" charset="0"/>
+              <a:buChar char="•"/>
+              <a:defRPr sz="2000" kern="1200">
+                <a:solidFill>
+                  <a:schemeClr val="tx1"/>
+                </a:solidFill>
+                <a:latin typeface="+mn-lt"/>
+                <a:ea typeface="+mn-ea"/>
+                <a:cs typeface="+mn-cs"/>
+              </a:defRPr>
+            </a:lvl3pPr>
+            <a:lvl4pPr marL="1600200" indent="-228600" algn="l" defTabSz="914400" rtl="0" eaLnBrk="1" latinLnBrk="0" hangingPunct="1">
+              <a:lnSpc>
+                <a:spcPct val="90000"/>
+              </a:lnSpc>
+              <a:spcBef>
+                <a:spcPts val="500"/>
+              </a:spcBef>
+              <a:buFont typeface="Arial" panose="020B0604020202020204" pitchFamily="34" charset="0"/>
+              <a:buChar char="•"/>
+              <a:defRPr sz="1800" kern="1200">
+                <a:solidFill>
+                  <a:schemeClr val="tx1"/>
+                </a:solidFill>
+                <a:latin typeface="+mn-lt"/>
+                <a:ea typeface="+mn-ea"/>
+                <a:cs typeface="+mn-cs"/>
+              </a:defRPr>
+            </a:lvl4pPr>
+            <a:lvl5pPr marL="2057400" indent="-228600" algn="l" defTabSz="914400" rtl="0" eaLnBrk="1" latinLnBrk="0" hangingPunct="1">
+              <a:lnSpc>
+                <a:spcPct val="90000"/>
+              </a:lnSpc>
+              <a:spcBef>
+                <a:spcPts val="500"/>
+              </a:spcBef>
+              <a:buFont typeface="Arial" panose="020B0604020202020204" pitchFamily="34" charset="0"/>
+              <a:buChar char="•"/>
+              <a:defRPr sz="1800" kern="1200">
+                <a:solidFill>
+                  <a:schemeClr val="tx1"/>
+                </a:solidFill>
+                <a:latin typeface="+mn-lt"/>
+                <a:ea typeface="+mn-ea"/>
+                <a:cs typeface="+mn-cs"/>
+              </a:defRPr>
+            </a:lvl5pPr>
+            <a:lvl6pPr marL="2514600" indent="-228600" algn="l" defTabSz="914400" rtl="0" eaLnBrk="1" latinLnBrk="0" hangingPunct="1">
+              <a:lnSpc>
+                <a:spcPct val="90000"/>
+              </a:lnSpc>
+              <a:spcBef>
+                <a:spcPts val="500"/>
+              </a:spcBef>
+              <a:buFont typeface="Arial" panose="020B0604020202020204" pitchFamily="34" charset="0"/>
+              <a:buChar char="•"/>
+              <a:defRPr sz="1800" kern="1200">
+                <a:solidFill>
+                  <a:schemeClr val="tx1"/>
+                </a:solidFill>
+                <a:latin typeface="+mn-lt"/>
+                <a:ea typeface="+mn-ea"/>
+                <a:cs typeface="+mn-cs"/>
+              </a:defRPr>
+            </a:lvl6pPr>
+            <a:lvl7pPr marL="2971800" indent="-228600" algn="l" defTabSz="914400" rtl="0" eaLnBrk="1" latinLnBrk="0" hangingPunct="1">
+              <a:lnSpc>
+                <a:spcPct val="90000"/>
+              </a:lnSpc>
+              <a:spcBef>
+                <a:spcPts val="500"/>
+              </a:spcBef>
+              <a:buFont typeface="Arial" panose="020B0604020202020204" pitchFamily="34" charset="0"/>
+              <a:buChar char="•"/>
+              <a:defRPr sz="1800" kern="1200">
+                <a:solidFill>
+                  <a:schemeClr val="tx1"/>
+                </a:solidFill>
+                <a:latin typeface="+mn-lt"/>
+                <a:ea typeface="+mn-ea"/>
+                <a:cs typeface="+mn-cs"/>
+              </a:defRPr>
+            </a:lvl7pPr>
+            <a:lvl8pPr marL="3429000" indent="-228600" algn="l" defTabSz="914400" rtl="0" eaLnBrk="1" latinLnBrk="0" hangingPunct="1">
+              <a:lnSpc>
+                <a:spcPct val="90000"/>
+              </a:lnSpc>
+              <a:spcBef>
+                <a:spcPts val="500"/>
+              </a:spcBef>
+              <a:buFont typeface="Arial" panose="020B0604020202020204" pitchFamily="34" charset="0"/>
+              <a:buChar char="•"/>
+              <a:defRPr sz="1800" kern="1200">
+                <a:solidFill>
+                  <a:schemeClr val="tx1"/>
+                </a:solidFill>
+                <a:latin typeface="+mn-lt"/>
+                <a:ea typeface="+mn-ea"/>
+                <a:cs typeface="+mn-cs"/>
+              </a:defRPr>
+            </a:lvl8pPr>
+            <a:lvl9pPr marL="3886200" indent="-228600" algn="l" defTabSz="914400" rtl="0" eaLnBrk="1" latinLnBrk="0" hangingPunct="1">
+              <a:lnSpc>
+                <a:spcPct val="90000"/>
+              </a:lnSpc>
+              <a:spcBef>
+                <a:spcPts val="500"/>
+              </a:spcBef>
+              <a:buFont typeface="Arial" panose="020B0604020202020204" pitchFamily="34" charset="0"/>
+              <a:buChar char="•"/>
+              <a:defRPr sz="1800" kern="1200">
+                <a:solidFill>
+                  <a:schemeClr val="tx1"/>
+                </a:solidFill>
+                <a:latin typeface="+mn-lt"/>
+                <a:ea typeface="+mn-ea"/>
+                <a:cs typeface="+mn-cs"/>
+              </a:defRPr>
+            </a:lvl9pPr>
+          </a:lstStyle>
+          <a:p>
+            <a:pPr marL="0" indent="0">
+              <a:buNone/>
+            </a:pPr>
+            <a:r>
+              <a:rPr lang="en-NZ" b="1" dirty="0"/>
+              <a:t>Gross debt projection</a:t>
+            </a:r>
+          </a:p>
+        </p:txBody>
+      </p:sp>
+    </p:spTree>
+    <p:extLst>
+      <p:ext uri="{BB962C8B-B14F-4D97-AF65-F5344CB8AC3E}">
+        <p14:creationId xmlns:p14="http://schemas.microsoft.com/office/powerpoint/2010/main" val="1282710452"/>
+      </p:ext>
+    </p:extLst>
+  </p:cSld>
+  <p:clrMapOvr>
+    <a:masterClrMapping/>
+  </p:clrMapOvr>
+</p:sld>
+</file>
+
+<file path=ppt/slides/slide5.xml><?xml version="1.0" encoding="utf-8"?>
+<p:sld xmlns:a="http://schemas.openxmlformats.org/drawingml/2006/main" xmlns:r="http://schemas.openxmlformats.org/officeDocument/2006/relationships" xmlns:p="http://schemas.openxmlformats.org/presentationml/2006/main">
+  <p:cSld>
+    <p:bg>
+      <p:bgPr>
+        <a:solidFill>
+          <a:schemeClr val="bg1"/>
+        </a:solidFill>
+        <a:effectLst/>
+      </p:bgPr>
+    </p:bg>
+    <p:spTree>
+      <p:nvGrpSpPr>
+        <p:cNvPr id="1" name="">
+          <a:extLst>
+            <a:ext uri="{FF2B5EF4-FFF2-40B4-BE49-F238E27FC236}">
+              <a16:creationId xmlns:a16="http://schemas.microsoft.com/office/drawing/2014/main" id="{4902E497-4CB5-A6E0-5520-DFCA8944F567}"/>
+            </a:ext>
+          </a:extLst>
+        </p:cNvPr>
+        <p:cNvGrpSpPr/>
+        <p:nvPr/>
+      </p:nvGrpSpPr>
+      <p:grpSpPr>
+        <a:xfrm>
+          <a:off x="0" y="0"/>
+          <a:ext cx="0" cy="0"/>
+          <a:chOff x="0" y="0"/>
+          <a:chExt cx="0" cy="0"/>
+        </a:xfrm>
+      </p:grpSpPr>
+      <p:sp useBgFill="1">
+        <p:nvSpPr>
+          <p:cNvPr id="9" name="Rectangle 8">
+            <a:extLst>
+              <a:ext uri="{FF2B5EF4-FFF2-40B4-BE49-F238E27FC236}">
+                <a16:creationId xmlns:a16="http://schemas.microsoft.com/office/drawing/2014/main" id="{F213BC97-0C7F-8436-4247-62EDF0BD1AC9}"/>
+              </a:ext>
+              <a:ext uri="{C183D7F6-B498-43B3-948B-1728B52AA6E4}">
+                <adec:decorative xmlns:adec="http://schemas.microsoft.com/office/drawing/2017/decorative" val="1"/>
+              </a:ext>
+            </a:extLst>
+          </p:cNvPr>
+          <p:cNvSpPr>
+            <a:spLocks noGrp="1" noRot="1" noChangeAspect="1" noMove="1" noResize="1" noEditPoints="1" noAdjustHandles="1" noChangeArrowheads="1" noChangeShapeType="1" noTextEdit="1"/>
+          </p:cNvSpPr>
+          <p:nvPr>
+            <p:extLst>
+              <p:ext uri="{386F3935-93C4-4BCD-93E2-E3B085C9AB24}">
+                <p16:designElem xmlns:p16="http://schemas.microsoft.com/office/powerpoint/2015/main" val="1"/>
+              </p:ext>
+            </p:extLst>
+          </p:nvPr>
+        </p:nvSpPr>
+        <p:spPr>
+          <a:xfrm>
+            <a:off x="0" y="0"/>
+            <a:ext cx="12192000" cy="6858000"/>
+          </a:xfrm>
+          <a:prstGeom prst="rect">
+            <a:avLst/>
+          </a:prstGeom>
+          <a:ln>
+            <a:noFill/>
+          </a:ln>
+        </p:spPr>
+        <p:style>
+          <a:lnRef idx="2">
+            <a:schemeClr val="accent1">
+              <a:shade val="50000"/>
+            </a:schemeClr>
+          </a:lnRef>
+          <a:fillRef idx="1">
+            <a:schemeClr val="accent1"/>
+          </a:fillRef>
+          <a:effectRef idx="0">
+            <a:schemeClr val="accent1"/>
+          </a:effectRef>
+          <a:fontRef idx="minor">
+            <a:schemeClr val="lt1"/>
+          </a:fontRef>
+        </p:style>
+        <p:txBody>
+          <a:bodyPr rtlCol="0" anchor="ctr"/>
+          <a:lstStyle/>
+          <a:p>
+            <a:pPr algn="ctr"/>
+            <a:endParaRPr lang="en-US"/>
+          </a:p>
+        </p:txBody>
+      </p:sp>
+      <p:pic>
+        <p:nvPicPr>
+          <p:cNvPr id="5" name="Picture 4" descr="Pen placed on top of a signature line">
+            <a:extLst>
+              <a:ext uri="{FF2B5EF4-FFF2-40B4-BE49-F238E27FC236}">
+                <a16:creationId xmlns:a16="http://schemas.microsoft.com/office/drawing/2014/main" id="{73A84F60-2BA6-44B6-EBDD-DAFF5148A440}"/>
+              </a:ext>
+            </a:extLst>
+          </p:cNvPr>
+          <p:cNvPicPr>
+            <a:picLocks noChangeAspect="1"/>
+          </p:cNvPicPr>
+          <p:nvPr/>
+        </p:nvPicPr>
+        <p:blipFill>
+          <a:blip r:embed="rId2"/>
+          <a:srcRect l="15628" r="-1" b="-1"/>
+          <a:stretch>
+            <a:fillRect/>
+          </a:stretch>
+        </p:blipFill>
+        <p:spPr>
+          <a:xfrm>
+            <a:off x="3523488" y="10"/>
+            <a:ext cx="8668512" cy="6857990"/>
+          </a:xfrm>
+          <a:prstGeom prst="rect">
+            <a:avLst/>
+          </a:prstGeom>
+        </p:spPr>
+      </p:pic>
+      <p:sp>
+        <p:nvSpPr>
+          <p:cNvPr id="11" name="Rectangle 10">
+            <a:extLst>
+              <a:ext uri="{FF2B5EF4-FFF2-40B4-BE49-F238E27FC236}">
+                <a16:creationId xmlns:a16="http://schemas.microsoft.com/office/drawing/2014/main" id="{8C98E1FB-315D-2BB5-DE65-C600274593F3}"/>
+              </a:ext>
+              <a:ext uri="{C183D7F6-B498-43B3-948B-1728B52AA6E4}">
+                <adec:decorative xmlns:adec="http://schemas.microsoft.com/office/drawing/2017/decorative" val="1"/>
+              </a:ext>
+            </a:extLst>
+          </p:cNvPr>
+          <p:cNvSpPr>
+            <a:spLocks noGrp="1" noRot="1" noChangeAspect="1" noMove="1" noResize="1" noEditPoints="1" noAdjustHandles="1" noChangeArrowheads="1" noChangeShapeType="1" noTextEdit="1"/>
+          </p:cNvSpPr>
+          <p:nvPr>
+            <p:extLst>
+              <p:ext uri="{386F3935-93C4-4BCD-93E2-E3B085C9AB24}">
+                <p16:designElem xmlns:p16="http://schemas.microsoft.com/office/powerpoint/2015/main" val="1"/>
+              </p:ext>
+            </p:extLst>
+          </p:nvPr>
+        </p:nvSpPr>
+        <p:spPr>
+          <a:xfrm>
+            <a:off x="3" y="0"/>
+            <a:ext cx="9339206" cy="6858000"/>
+          </a:xfrm>
+          <a:prstGeom prst="rect">
+            <a:avLst/>
+          </a:prstGeom>
+          <a:gradFill>
+            <a:gsLst>
+              <a:gs pos="58000">
+                <a:schemeClr val="tx1"/>
+              </a:gs>
+              <a:gs pos="33000">
+                <a:schemeClr val="tx1">
+                  <a:alpha val="64000"/>
+                </a:schemeClr>
+              </a:gs>
+              <a:gs pos="0">
+                <a:schemeClr val="tx1">
+                  <a:alpha val="0"/>
+                </a:schemeClr>
+              </a:gs>
+              <a:gs pos="100000">
+                <a:schemeClr val="tx1"/>
+              </a:gs>
+            </a:gsLst>
+            <a:lin ang="10800000" scaled="0"/>
+          </a:gradFill>
+          <a:ln>
+            <a:noFill/>
+          </a:ln>
+        </p:spPr>
+        <p:style>
+          <a:lnRef idx="2">
+            <a:schemeClr val="accent1">
+              <a:shade val="50000"/>
+            </a:schemeClr>
+          </a:lnRef>
+          <a:fillRef idx="1">
+            <a:schemeClr val="accent1"/>
+          </a:fillRef>
+          <a:effectRef idx="0">
+            <a:schemeClr val="accent1"/>
+          </a:effectRef>
+          <a:fontRef idx="minor">
+            <a:schemeClr val="lt1"/>
+          </a:fontRef>
+        </p:style>
+        <p:txBody>
+          <a:bodyPr rtlCol="0" anchor="ctr"/>
+          <a:lstStyle/>
+          <a:p>
+            <a:pPr algn="ctr"/>
+            <a:endParaRPr lang="en-US" dirty="0"/>
+          </a:p>
+        </p:txBody>
+      </p:sp>
+      <p:sp>
+        <p:nvSpPr>
+          <p:cNvPr id="2" name="Title 1">
+            <a:extLst>
+              <a:ext uri="{FF2B5EF4-FFF2-40B4-BE49-F238E27FC236}">
+                <a16:creationId xmlns:a16="http://schemas.microsoft.com/office/drawing/2014/main" id="{61CBA9C0-2DE8-4122-874E-DBA3BA605290}"/>
+              </a:ext>
+            </a:extLst>
+          </p:cNvPr>
+          <p:cNvSpPr>
+            <a:spLocks noGrp="1"/>
+          </p:cNvSpPr>
+          <p:nvPr>
+            <p:ph type="title"/>
+          </p:nvPr>
+        </p:nvSpPr>
+        <p:spPr>
+          <a:xfrm>
+            <a:off x="477981" y="1122363"/>
+            <a:ext cx="4023360" cy="3204134"/>
+          </a:xfrm>
+        </p:spPr>
+        <p:txBody>
+          <a:bodyPr vert="horz" lIns="91440" tIns="45720" rIns="91440" bIns="45720" rtlCol="0" anchor="b">
+            <a:normAutofit/>
+          </a:bodyPr>
+          <a:lstStyle/>
+          <a:p>
+            <a:r>
+              <a:rPr lang="en-US" sz="4800" dirty="0">
+                <a:solidFill>
+                  <a:schemeClr val="bg1"/>
+                </a:solidFill>
+              </a:rPr>
+              <a:t>Extended spending work</a:t>
+            </a:r>
+          </a:p>
+        </p:txBody>
+      </p:sp>
+      <p:sp>
+        <p:nvSpPr>
+          <p:cNvPr id="13" name="Rectangle 12">
+            <a:extLst>
+              <a:ext uri="{FF2B5EF4-FFF2-40B4-BE49-F238E27FC236}">
+                <a16:creationId xmlns:a16="http://schemas.microsoft.com/office/drawing/2014/main" id="{8A05C1D7-D08D-F4FB-44FD-C4F0EEBCADB7}"/>
+              </a:ext>
+              <a:ext uri="{C183D7F6-B498-43B3-948B-1728B52AA6E4}">
+                <adec:decorative xmlns:adec="http://schemas.microsoft.com/office/drawing/2017/decorative" val="1"/>
+              </a:ext>
+            </a:extLst>
+          </p:cNvPr>
+          <p:cNvSpPr>
+            <a:spLocks noGrp="1" noRot="1" noChangeAspect="1" noMove="1" noResize="1" noEditPoints="1" noAdjustHandles="1" noChangeArrowheads="1" noChangeShapeType="1" noTextEdit="1"/>
+          </p:cNvSpPr>
+          <p:nvPr>
+            <p:extLst>
+              <p:ext uri="{386F3935-93C4-4BCD-93E2-E3B085C9AB24}">
+                <p16:designElem xmlns:p16="http://schemas.microsoft.com/office/powerpoint/2015/main" val="1"/>
+              </p:ext>
+            </p:extLst>
+          </p:nvPr>
+        </p:nvSpPr>
+        <p:spPr>
+          <a:xfrm rot="5400000">
+            <a:off x="759921" y="346791"/>
+            <a:ext cx="146304" cy="704088"/>
+          </a:xfrm>
+          <a:prstGeom prst="rect">
+            <a:avLst/>
+          </a:prstGeom>
+          <a:solidFill>
+            <a:schemeClr val="accent2"/>
+          </a:solidFill>
+          <a:ln>
+            <a:noFill/>
+          </a:ln>
+        </p:spPr>
+        <p:style>
+          <a:lnRef idx="2">
+            <a:schemeClr val="accent1">
+              <a:shade val="50000"/>
+            </a:schemeClr>
+          </a:lnRef>
+          <a:fillRef idx="1">
+            <a:schemeClr val="accent1"/>
+          </a:fillRef>
+          <a:effectRef idx="0">
+            <a:schemeClr val="accent1"/>
+          </a:effectRef>
+          <a:fontRef idx="minor">
+            <a:schemeClr val="lt1"/>
+          </a:fontRef>
+        </p:style>
+        <p:txBody>
+          <a:bodyPr rtlCol="0" anchor="ctr"/>
+          <a:lstStyle/>
+          <a:p>
+            <a:pPr algn="ctr"/>
+            <a:endParaRPr lang="en-US">
+              <a:solidFill>
+                <a:prstClr val="white"/>
+              </a:solidFill>
+              <a:latin typeface="Calibri" panose="020F0502020204030204"/>
+            </a:endParaRPr>
+          </a:p>
+        </p:txBody>
+      </p:sp>
+      <p:sp>
+        <p:nvSpPr>
+          <p:cNvPr id="15" name="Rectangle 14">
+            <a:extLst>
+              <a:ext uri="{FF2B5EF4-FFF2-40B4-BE49-F238E27FC236}">
+                <a16:creationId xmlns:a16="http://schemas.microsoft.com/office/drawing/2014/main" id="{B97746FF-5521-72B9-F755-5DA06AE91BB7}"/>
+              </a:ext>
+              <a:ext uri="{C183D7F6-B498-43B3-948B-1728B52AA6E4}">
+                <adec:decorative xmlns:adec="http://schemas.microsoft.com/office/drawing/2017/decorative" val="1"/>
+              </a:ext>
+            </a:extLst>
+          </p:cNvPr>
+          <p:cNvSpPr>
+            <a:spLocks noGrp="1" noRot="1" noChangeAspect="1" noMove="1" noResize="1" noEditPoints="1" noAdjustHandles="1" noChangeArrowheads="1" noChangeShapeType="1" noTextEdit="1"/>
+          </p:cNvSpPr>
+          <p:nvPr>
+            <p:extLst>
+              <p:ext uri="{386F3935-93C4-4BCD-93E2-E3B085C9AB24}">
+                <p16:designElem xmlns:p16="http://schemas.microsoft.com/office/powerpoint/2015/main" val="1"/>
+              </p:ext>
+            </p:extLst>
+          </p:nvPr>
+        </p:nvSpPr>
+        <p:spPr>
+          <a:xfrm>
+            <a:off x="481029" y="4546920"/>
+            <a:ext cx="3977640" cy="18288"/>
+          </a:xfrm>
+          <a:prstGeom prst="rect">
+            <a:avLst/>
+          </a:prstGeom>
+          <a:solidFill>
+            <a:schemeClr val="tx1"/>
+          </a:solidFill>
+          <a:ln w="3175">
+            <a:noFill/>
+          </a:ln>
+          <a:effectLst/>
+        </p:spPr>
+        <p:style>
+          <a:lnRef idx="2">
+            <a:schemeClr val="accent1">
+              <a:shade val="50000"/>
+            </a:schemeClr>
+          </a:lnRef>
+          <a:fillRef idx="1">
+            <a:schemeClr val="accent1"/>
+          </a:fillRef>
+          <a:effectRef idx="0">
+            <a:schemeClr val="accent1"/>
+          </a:effectRef>
+          <a:fontRef idx="minor">
+            <a:schemeClr val="lt1"/>
+          </a:fontRef>
+        </p:style>
+        <p:txBody>
+          <a:bodyPr rtlCol="0" anchor="ctr"/>
+          <a:lstStyle/>
+          <a:p>
+            <a:pPr marL="0" marR="0" lvl="0" indent="0" algn="ctr" defTabSz="914400" rtl="0" eaLnBrk="1" fontAlgn="auto" latinLnBrk="0" hangingPunct="1">
+              <a:lnSpc>
+                <a:spcPct val="100000"/>
+              </a:lnSpc>
+              <a:spcBef>
+                <a:spcPts val="0"/>
+              </a:spcBef>
+              <a:spcAft>
+                <a:spcPts val="0"/>
+              </a:spcAft>
+              <a:buClrTx/>
+              <a:buSzTx/>
+              <a:buFontTx/>
+              <a:buNone/>
+              <a:tabLst/>
+              <a:defRPr/>
+            </a:pPr>
+            <a:endParaRPr kumimoji="0" lang="en-US" sz="1800" b="0" i="0" u="none" strike="noStrike" kern="1200" cap="none" spc="0" normalizeH="0" baseline="0" noProof="0">
+              <a:ln>
+                <a:noFill/>
+              </a:ln>
+              <a:solidFill>
+                <a:prstClr val="white"/>
+              </a:solidFill>
+              <a:effectLst/>
+              <a:uLnTx/>
+              <a:uFillTx/>
+              <a:latin typeface="Calibri" panose="020F0502020204030204"/>
+              <a:ea typeface="+mn-ea"/>
+              <a:cs typeface="+mn-cs"/>
+            </a:endParaRPr>
+          </a:p>
+        </p:txBody>
+      </p:sp>
+    </p:spTree>
+    <p:extLst>
+      <p:ext uri="{BB962C8B-B14F-4D97-AF65-F5344CB8AC3E}">
+        <p14:creationId xmlns:p14="http://schemas.microsoft.com/office/powerpoint/2010/main" val="1170830833"/>
+      </p:ext>
+    </p:extLst>
+  </p:cSld>
+  <p:clrMapOvr>
+    <a:masterClrMapping/>
+  </p:clrMapOvr>
+</p:sld>
+</file>
+
+<file path=ppt/slides/slide6.xml><?xml version="1.0" encoding="utf-8"?>
+<p:sld xmlns:a="http://schemas.openxmlformats.org/drawingml/2006/main" xmlns:r="http://schemas.openxmlformats.org/officeDocument/2006/relationships" xmlns:p="http://schemas.openxmlformats.org/presentationml/2006/main">
+  <p:cSld>
+    <p:spTree>
+      <p:nvGrpSpPr>
+        <p:cNvPr id="1" name="">
+          <a:extLst>
+            <a:ext uri="{FF2B5EF4-FFF2-40B4-BE49-F238E27FC236}">
+              <a16:creationId xmlns:a16="http://schemas.microsoft.com/office/drawing/2014/main" id="{61177198-F308-4129-A5AE-55FA2CDD5403}"/>
+            </a:ext>
+          </a:extLst>
+        </p:cNvPr>
+        <p:cNvGrpSpPr/>
+        <p:nvPr/>
+      </p:nvGrpSpPr>
+      <p:grpSpPr>
+        <a:xfrm>
+          <a:off x="0" y="0"/>
+          <a:ext cx="0" cy="0"/>
+          <a:chOff x="0" y="0"/>
+          <a:chExt cx="0" cy="0"/>
+        </a:xfrm>
+      </p:grpSpPr>
+      <p:sp>
+        <p:nvSpPr>
+          <p:cNvPr id="2" name="Title 1">
+            <a:extLst>
+              <a:ext uri="{FF2B5EF4-FFF2-40B4-BE49-F238E27FC236}">
+                <a16:creationId xmlns:a16="http://schemas.microsoft.com/office/drawing/2014/main" id="{2BEC1F14-CAB6-3968-6CD0-A6E8B2B170BD}"/>
+              </a:ext>
+            </a:extLst>
+          </p:cNvPr>
+          <p:cNvSpPr>
+            <a:spLocks noGrp="1"/>
+          </p:cNvSpPr>
+          <p:nvPr>
+            <p:ph type="title"/>
+          </p:nvPr>
+        </p:nvSpPr>
+        <p:spPr/>
+        <p:txBody>
+          <a:bodyPr/>
+          <a:lstStyle/>
+          <a:p>
+            <a:r>
+              <a:rPr lang="en-US" dirty="0"/>
+              <a:t>Where has Federal spending growth occurred?</a:t>
+            </a:r>
+            <a:endParaRPr lang="en-NZ" dirty="0"/>
+          </a:p>
+        </p:txBody>
+      </p:sp>
+      <p:sp>
+        <p:nvSpPr>
+          <p:cNvPr id="4" name="Content Placeholder 3">
+            <a:extLst>
+              <a:ext uri="{FF2B5EF4-FFF2-40B4-BE49-F238E27FC236}">
+                <a16:creationId xmlns:a16="http://schemas.microsoft.com/office/drawing/2014/main" id="{EF249812-CABF-41E7-10DD-8946FB005C77}"/>
+              </a:ext>
+            </a:extLst>
+          </p:cNvPr>
+          <p:cNvSpPr>
+            <a:spLocks noGrp="1"/>
+          </p:cNvSpPr>
+          <p:nvPr>
+            <p:ph idx="1"/>
+          </p:nvPr>
+        </p:nvSpPr>
+        <p:spPr/>
+        <p:txBody>
+          <a:bodyPr/>
+          <a:lstStyle/>
+          <a:p>
+            <a:r>
+              <a:rPr lang="en-NZ" dirty="0"/>
+              <a:t>The make-up of Federal spending growth has been surprisingly flat</a:t>
+            </a:r>
+          </a:p>
+          <a:p>
+            <a:endParaRPr lang="en-AU" dirty="0"/>
+          </a:p>
+        </p:txBody>
+      </p:sp>
+      <p:pic>
+        <p:nvPicPr>
+          <p:cNvPr id="9" name="Picture 8" descr="A graph of different colored lines&#10;&#10;Description automatically generated">
+            <a:extLst>
+              <a:ext uri="{FF2B5EF4-FFF2-40B4-BE49-F238E27FC236}">
+                <a16:creationId xmlns:a16="http://schemas.microsoft.com/office/drawing/2014/main" id="{2D6B6306-5F6B-162E-7705-CD9614C152EC}"/>
+              </a:ext>
+            </a:extLst>
+          </p:cNvPr>
+          <p:cNvPicPr>
+            <a:picLocks noChangeAspect="1"/>
+          </p:cNvPicPr>
+          <p:nvPr/>
+        </p:nvPicPr>
+        <p:blipFill>
+          <a:blip r:embed="rId2">
+            <a:extLst>
+              <a:ext uri="{28A0092B-C50C-407E-A947-70E740481C1C}">
+                <a14:useLocalDpi xmlns:a14="http://schemas.microsoft.com/office/drawing/2010/main" val="0"/>
+              </a:ext>
+            </a:extLst>
+          </a:blip>
+          <a:stretch>
+            <a:fillRect/>
+          </a:stretch>
+        </p:blipFill>
+        <p:spPr>
+          <a:xfrm>
+            <a:off x="2372251" y="2426536"/>
+            <a:ext cx="7223655" cy="3970086"/>
+          </a:xfrm>
+          <a:prstGeom prst="rect">
+            <a:avLst/>
+          </a:prstGeom>
+        </p:spPr>
+      </p:pic>
+    </p:spTree>
+    <p:extLst>
+      <p:ext uri="{BB962C8B-B14F-4D97-AF65-F5344CB8AC3E}">
+        <p14:creationId xmlns:p14="http://schemas.microsoft.com/office/powerpoint/2010/main" val="445450764"/>
+      </p:ext>
+    </p:extLst>
+  </p:cSld>
+  <p:clrMapOvr>
+    <a:masterClrMapping/>
+  </p:clrMapOvr>
+</p:sld>
+</file>
+
+<file path=ppt/slides/slide7.xml><?xml version="1.0" encoding="utf-8"?>
+<p:sld xmlns:a="http://schemas.openxmlformats.org/drawingml/2006/main" xmlns:r="http://schemas.openxmlformats.org/officeDocument/2006/relationships" xmlns:p="http://schemas.openxmlformats.org/presentationml/2006/main">
+  <p:cSld>
+    <p:spTree>
+      <p:nvGrpSpPr>
+        <p:cNvPr id="1" name="">
+          <a:extLst>
+            <a:ext uri="{FF2B5EF4-FFF2-40B4-BE49-F238E27FC236}">
+              <a16:creationId xmlns:a16="http://schemas.microsoft.com/office/drawing/2014/main" id="{195E3783-FDBE-6C80-DBF3-A6AAEA121F67}"/>
+            </a:ext>
+          </a:extLst>
+        </p:cNvPr>
+        <p:cNvGrpSpPr/>
+        <p:nvPr/>
+      </p:nvGrpSpPr>
+      <p:grpSpPr>
+        <a:xfrm>
+          <a:off x="0" y="0"/>
+          <a:ext cx="0" cy="0"/>
+          <a:chOff x="0" y="0"/>
+          <a:chExt cx="0" cy="0"/>
+        </a:xfrm>
+      </p:grpSpPr>
+      <p:sp>
+        <p:nvSpPr>
+          <p:cNvPr id="2" name="Title 1">
+            <a:extLst>
+              <a:ext uri="{FF2B5EF4-FFF2-40B4-BE49-F238E27FC236}">
+                <a16:creationId xmlns:a16="http://schemas.microsoft.com/office/drawing/2014/main" id="{6A839F1C-6E99-F063-7F54-C90649150E0E}"/>
+              </a:ext>
+            </a:extLst>
+          </p:cNvPr>
+          <p:cNvSpPr>
+            <a:spLocks noGrp="1"/>
+          </p:cNvSpPr>
+          <p:nvPr>
+            <p:ph type="title"/>
+          </p:nvPr>
+        </p:nvSpPr>
+        <p:spPr/>
+        <p:txBody>
+          <a:bodyPr/>
+          <a:lstStyle/>
+          <a:p>
+            <a:r>
+              <a:rPr lang="en-US" dirty="0"/>
+              <a:t>Overall Government Expenditure (Consolidated)</a:t>
+            </a:r>
+            <a:endParaRPr lang="en-NZ" dirty="0"/>
+          </a:p>
+        </p:txBody>
+      </p:sp>
+      <p:sp>
+        <p:nvSpPr>
+          <p:cNvPr id="4" name="Content Placeholder 3">
+            <a:extLst>
+              <a:ext uri="{FF2B5EF4-FFF2-40B4-BE49-F238E27FC236}">
+                <a16:creationId xmlns:a16="http://schemas.microsoft.com/office/drawing/2014/main" id="{9DC32F6C-44F4-DF18-FDF8-8C10677D41DD}"/>
+              </a:ext>
+            </a:extLst>
+          </p:cNvPr>
+          <p:cNvSpPr>
+            <a:spLocks noGrp="1"/>
+          </p:cNvSpPr>
+          <p:nvPr>
+            <p:ph idx="1"/>
+          </p:nvPr>
+        </p:nvSpPr>
+        <p:spPr>
+          <a:xfrm>
+            <a:off x="950421" y="2008505"/>
+            <a:ext cx="3683925" cy="520788"/>
+          </a:xfrm>
+        </p:spPr>
+        <p:txBody>
+          <a:bodyPr/>
+          <a:lstStyle/>
+          <a:p>
+            <a:pPr marL="0" indent="0">
+              <a:buNone/>
+            </a:pPr>
+            <a:r>
+              <a:rPr lang="en-AU" b="1" dirty="0"/>
+              <a:t>Spending per person</a:t>
+            </a:r>
+          </a:p>
+        </p:txBody>
+      </p:sp>
+      <p:sp>
+        <p:nvSpPr>
+          <p:cNvPr id="3" name="Content Placeholder 3">
+            <a:extLst>
+              <a:ext uri="{FF2B5EF4-FFF2-40B4-BE49-F238E27FC236}">
+                <a16:creationId xmlns:a16="http://schemas.microsoft.com/office/drawing/2014/main" id="{3B8F36D0-39A1-DE3A-24E7-19A1D1B49E43}"/>
+              </a:ext>
+            </a:extLst>
+          </p:cNvPr>
+          <p:cNvSpPr txBox="1">
+            <a:spLocks/>
+          </p:cNvSpPr>
+          <p:nvPr/>
+        </p:nvSpPr>
+        <p:spPr>
+          <a:xfrm>
+            <a:off x="7071361" y="2091632"/>
+            <a:ext cx="4720243" cy="4351338"/>
           </a:xfrm>
           <a:prstGeom prst="rect">
             <a:avLst/>
@@ -7956,290 +9419,25 @@
               <a:buNone/>
             </a:pPr>
             <a:r>
-              <a:rPr lang="en-US" b="1" dirty="0"/>
-              <a:t>Per capita capital stocks</a:t>
-            </a:r>
-            <a:endParaRPr lang="en-NZ" b="1" dirty="0"/>
-          </a:p>
-        </p:txBody>
-      </p:sp>
-    </p:spTree>
-    <p:extLst>
-      <p:ext uri="{BB962C8B-B14F-4D97-AF65-F5344CB8AC3E}">
-        <p14:creationId xmlns:p14="http://schemas.microsoft.com/office/powerpoint/2010/main" val="1307482418"/>
-      </p:ext>
-    </p:extLst>
-  </p:cSld>
-  <p:clrMapOvr>
-    <a:masterClrMapping/>
-  </p:clrMapOvr>
-</p:sld>
-</file>
-
-<file path=ppt/slides/slide22.xml><?xml version="1.0" encoding="utf-8"?>
-<p:sld xmlns:a="http://schemas.openxmlformats.org/drawingml/2006/main" xmlns:r="http://schemas.openxmlformats.org/officeDocument/2006/relationships" xmlns:p="http://schemas.openxmlformats.org/presentationml/2006/main">
-  <p:cSld>
-    <p:spTree>
-      <p:nvGrpSpPr>
-        <p:cNvPr id="1" name="">
-          <a:extLst>
-            <a:ext uri="{FF2B5EF4-FFF2-40B4-BE49-F238E27FC236}">
-              <a16:creationId xmlns:a16="http://schemas.microsoft.com/office/drawing/2014/main" id="{25F5CC26-2DB6-16A3-5F5C-41EC07D96197}"/>
-            </a:ext>
-          </a:extLst>
-        </p:cNvPr>
-        <p:cNvGrpSpPr/>
-        <p:nvPr/>
-      </p:nvGrpSpPr>
-      <p:grpSpPr>
-        <a:xfrm>
-          <a:off x="0" y="0"/>
-          <a:ext cx="0" cy="0"/>
-          <a:chOff x="0" y="0"/>
-          <a:chExt cx="0" cy="0"/>
-        </a:xfrm>
-      </p:grpSpPr>
-      <p:sp>
-        <p:nvSpPr>
-          <p:cNvPr id="2" name="Title 1">
-            <a:extLst>
-              <a:ext uri="{FF2B5EF4-FFF2-40B4-BE49-F238E27FC236}">
-                <a16:creationId xmlns:a16="http://schemas.microsoft.com/office/drawing/2014/main" id="{CFE184C8-3BB8-C8C4-BD41-86FB6674EDB8}"/>
-              </a:ext>
-            </a:extLst>
-          </p:cNvPr>
-          <p:cNvSpPr>
-            <a:spLocks noGrp="1"/>
-          </p:cNvSpPr>
-          <p:nvPr>
-            <p:ph type="title"/>
-          </p:nvPr>
-        </p:nvSpPr>
-        <p:spPr/>
-        <p:txBody>
-          <a:bodyPr/>
-          <a:lstStyle/>
-          <a:p>
-            <a:r>
-              <a:rPr lang="en-US" dirty="0"/>
-              <a:t>Capital stock reporting</a:t>
-            </a:r>
-            <a:endParaRPr lang="en-NZ" dirty="0"/>
-          </a:p>
-        </p:txBody>
-      </p:sp>
-      <p:sp>
-        <p:nvSpPr>
-          <p:cNvPr id="3" name="Content Placeholder 2">
-            <a:extLst>
-              <a:ext uri="{FF2B5EF4-FFF2-40B4-BE49-F238E27FC236}">
-                <a16:creationId xmlns:a16="http://schemas.microsoft.com/office/drawing/2014/main" id="{4415CAF1-CEBB-B23B-D244-B658AC32F590}"/>
-              </a:ext>
-            </a:extLst>
-          </p:cNvPr>
-          <p:cNvSpPr>
-            <a:spLocks noGrp="1"/>
-          </p:cNvSpPr>
-          <p:nvPr>
-            <p:ph idx="1"/>
-          </p:nvPr>
-        </p:nvSpPr>
-        <p:spPr>
-          <a:xfrm>
-            <a:off x="838200" y="1825625"/>
-            <a:ext cx="7092142" cy="4351338"/>
-          </a:xfrm>
-        </p:spPr>
-        <p:txBody>
-          <a:bodyPr/>
-          <a:lstStyle/>
-          <a:p>
-            <a:r>
-              <a:rPr lang="en-US" dirty="0"/>
-              <a:t>XXX</a:t>
-            </a:r>
-            <a:endParaRPr lang="en-NZ" dirty="0"/>
-          </a:p>
-        </p:txBody>
-      </p:sp>
-    </p:spTree>
-    <p:extLst>
-      <p:ext uri="{BB962C8B-B14F-4D97-AF65-F5344CB8AC3E}">
-        <p14:creationId xmlns:p14="http://schemas.microsoft.com/office/powerpoint/2010/main" val="320384108"/>
-      </p:ext>
-    </p:extLst>
-  </p:cSld>
-  <p:clrMapOvr>
-    <a:masterClrMapping/>
-  </p:clrMapOvr>
-</p:sld>
-</file>
-
-<file path=ppt/slides/slide3.xml><?xml version="1.0" encoding="utf-8"?>
-<p:sld xmlns:a="http://schemas.openxmlformats.org/drawingml/2006/main" xmlns:r="http://schemas.openxmlformats.org/officeDocument/2006/relationships" xmlns:p="http://schemas.openxmlformats.org/presentationml/2006/main">
-  <p:cSld>
-    <p:spTree>
-      <p:nvGrpSpPr>
-        <p:cNvPr id="1" name="">
-          <a:extLst>
-            <a:ext uri="{FF2B5EF4-FFF2-40B4-BE49-F238E27FC236}">
-              <a16:creationId xmlns:a16="http://schemas.microsoft.com/office/drawing/2014/main" id="{AB9CDF55-13F2-FF5F-E19B-5B1CE333D234}"/>
-            </a:ext>
-          </a:extLst>
-        </p:cNvPr>
-        <p:cNvGrpSpPr/>
-        <p:nvPr/>
-      </p:nvGrpSpPr>
-      <p:grpSpPr>
-        <a:xfrm>
-          <a:off x="0" y="0"/>
-          <a:ext cx="0" cy="0"/>
-          <a:chOff x="0" y="0"/>
-          <a:chExt cx="0" cy="0"/>
-        </a:xfrm>
-      </p:grpSpPr>
-      <p:sp>
-        <p:nvSpPr>
-          <p:cNvPr id="2" name="Title 1">
-            <a:extLst>
-              <a:ext uri="{FF2B5EF4-FFF2-40B4-BE49-F238E27FC236}">
-                <a16:creationId xmlns:a16="http://schemas.microsoft.com/office/drawing/2014/main" id="{7662BF20-B744-E591-9F1C-36A5AC3E46E9}"/>
-              </a:ext>
-            </a:extLst>
-          </p:cNvPr>
-          <p:cNvSpPr>
-            <a:spLocks noGrp="1"/>
-          </p:cNvSpPr>
-          <p:nvPr>
-            <p:ph type="title"/>
-          </p:nvPr>
-        </p:nvSpPr>
-        <p:spPr/>
-        <p:txBody>
-          <a:bodyPr/>
-          <a:lstStyle/>
-          <a:p>
-            <a:r>
-              <a:rPr lang="en-US" dirty="0"/>
-              <a:t>What has happened to Federal Spending?</a:t>
-            </a:r>
-            <a:endParaRPr lang="en-NZ" dirty="0"/>
-          </a:p>
-        </p:txBody>
-      </p:sp>
-      <p:sp>
-        <p:nvSpPr>
-          <p:cNvPr id="3" name="Content Placeholder 2">
-            <a:extLst>
-              <a:ext uri="{FF2B5EF4-FFF2-40B4-BE49-F238E27FC236}">
-                <a16:creationId xmlns:a16="http://schemas.microsoft.com/office/drawing/2014/main" id="{61E3095F-C3A8-089C-9510-E67AC336F7BE}"/>
-              </a:ext>
-            </a:extLst>
-          </p:cNvPr>
-          <p:cNvSpPr>
-            <a:spLocks noGrp="1"/>
-          </p:cNvSpPr>
-          <p:nvPr>
-            <p:ph idx="1"/>
-          </p:nvPr>
-        </p:nvSpPr>
-        <p:spPr/>
-        <p:txBody>
-          <a:bodyPr/>
-          <a:lstStyle/>
-          <a:p>
-            <a:r>
-              <a:rPr lang="en-NZ" dirty="0"/>
-              <a:t>Something from report</a:t>
-            </a:r>
-          </a:p>
-        </p:txBody>
-      </p:sp>
-    </p:spTree>
-    <p:extLst>
-      <p:ext uri="{BB962C8B-B14F-4D97-AF65-F5344CB8AC3E}">
-        <p14:creationId xmlns:p14="http://schemas.microsoft.com/office/powerpoint/2010/main" val="453619371"/>
-      </p:ext>
-    </p:extLst>
-  </p:cSld>
-  <p:clrMapOvr>
-    <a:masterClrMapping/>
-  </p:clrMapOvr>
-</p:sld>
-</file>
-
-<file path=ppt/slides/slide4.xml><?xml version="1.0" encoding="utf-8"?>
-<p:sld xmlns:a="http://schemas.openxmlformats.org/drawingml/2006/main" xmlns:r="http://schemas.openxmlformats.org/officeDocument/2006/relationships" xmlns:p="http://schemas.openxmlformats.org/presentationml/2006/main">
-  <p:cSld>
-    <p:spTree>
-      <p:nvGrpSpPr>
-        <p:cNvPr id="1" name="">
-          <a:extLst>
-            <a:ext uri="{FF2B5EF4-FFF2-40B4-BE49-F238E27FC236}">
-              <a16:creationId xmlns:a16="http://schemas.microsoft.com/office/drawing/2014/main" id="{D6B17CE5-E6E7-D3EC-26D9-4E0FA523686E}"/>
-            </a:ext>
-          </a:extLst>
-        </p:cNvPr>
-        <p:cNvGrpSpPr/>
-        <p:nvPr/>
-      </p:nvGrpSpPr>
-      <p:grpSpPr>
-        <a:xfrm>
-          <a:off x="0" y="0"/>
-          <a:ext cx="0" cy="0"/>
-          <a:chOff x="0" y="0"/>
-          <a:chExt cx="0" cy="0"/>
-        </a:xfrm>
-      </p:grpSpPr>
-      <p:sp>
-        <p:nvSpPr>
-          <p:cNvPr id="2" name="Title 1">
-            <a:extLst>
-              <a:ext uri="{FF2B5EF4-FFF2-40B4-BE49-F238E27FC236}">
-                <a16:creationId xmlns:a16="http://schemas.microsoft.com/office/drawing/2014/main" id="{FD9E96EF-BB1A-BE5C-B1D3-3AF2DC2A83E2}"/>
-              </a:ext>
-            </a:extLst>
-          </p:cNvPr>
-          <p:cNvSpPr>
-            <a:spLocks noGrp="1"/>
-          </p:cNvSpPr>
-          <p:nvPr>
-            <p:ph type="title"/>
-          </p:nvPr>
-        </p:nvSpPr>
-        <p:spPr>
-          <a:xfrm>
-            <a:off x="243840" y="248126"/>
-            <a:ext cx="10515600" cy="1325563"/>
-          </a:xfrm>
-        </p:spPr>
-        <p:txBody>
-          <a:bodyPr/>
-          <a:lstStyle/>
-          <a:p>
-            <a:r>
-              <a:rPr lang="en-US" dirty="0"/>
-              <a:t>What are some key spending risks</a:t>
-            </a:r>
-            <a:endParaRPr lang="en-NZ" dirty="0"/>
+              <a:rPr lang="en-AU" b="1" dirty="0"/>
+              <a:t>STIK by income decline</a:t>
+            </a:r>
           </a:p>
         </p:txBody>
       </p:sp>
       <p:pic>
         <p:nvPicPr>
-          <p:cNvPr id="5" name="Content Placeholder 4" descr="A graph with numbers and lines&#10;&#10;AI-generated content may be incorrect.">
-            <a:extLst>
-              <a:ext uri="{FF2B5EF4-FFF2-40B4-BE49-F238E27FC236}">
-                <a16:creationId xmlns:a16="http://schemas.microsoft.com/office/drawing/2014/main" id="{E32D8004-7519-C781-1E7D-39D849CBCCB6}"/>
+          <p:cNvPr id="7" name="Picture 6" descr="A graph of a graph of a number of people&#10;&#10;AI-generated content may be incorrect.">
+            <a:extLst>
+              <a:ext uri="{FF2B5EF4-FFF2-40B4-BE49-F238E27FC236}">
+                <a16:creationId xmlns:a16="http://schemas.microsoft.com/office/drawing/2014/main" id="{C5C42A5C-BDC5-FE4D-6F88-56D6F564A5B1}"/>
               </a:ext>
             </a:extLst>
           </p:cNvPr>
           <p:cNvPicPr>
-            <a:picLocks noGrp="1" noChangeAspect="1"/>
+            <a:picLocks noChangeAspect="1"/>
           </p:cNvPicPr>
-          <p:nvPr>
-            <p:ph idx="1"/>
-          </p:nvPr>
+          <p:nvPr/>
         </p:nvPicPr>
         <p:blipFill>
           <a:blip r:embed="rId2">
@@ -8255,1297 +9453,7 @@
         </p:blipFill>
         <p:spPr>
           <a:xfrm>
-            <a:off x="3752972" y="1825625"/>
-            <a:ext cx="4686056" cy="4351338"/>
-          </a:xfrm>
-        </p:spPr>
-      </p:pic>
-      <p:sp>
-        <p:nvSpPr>
-          <p:cNvPr id="3" name="Content Placeholder 2">
-            <a:extLst>
-              <a:ext uri="{FF2B5EF4-FFF2-40B4-BE49-F238E27FC236}">
-                <a16:creationId xmlns:a16="http://schemas.microsoft.com/office/drawing/2014/main" id="{74356035-5584-58CC-CE43-3099F52E1E42}"/>
-              </a:ext>
-            </a:extLst>
-          </p:cNvPr>
-          <p:cNvSpPr txBox="1">
-            <a:spLocks/>
-          </p:cNvSpPr>
-          <p:nvPr/>
-        </p:nvSpPr>
-        <p:spPr>
-          <a:xfrm>
-            <a:off x="4632960" y="1573689"/>
-            <a:ext cx="3276600" cy="368935"/>
-          </a:xfrm>
-          <a:prstGeom prst="rect">
-            <a:avLst/>
-          </a:prstGeom>
-        </p:spPr>
-        <p:txBody>
-          <a:bodyPr vert="horz" lIns="91440" tIns="45720" rIns="91440" bIns="45720" rtlCol="0">
-            <a:normAutofit fontScale="85000" lnSpcReduction="20000"/>
-          </a:bodyPr>
-          <a:lstStyle>
-            <a:lvl1pPr marL="228600" indent="-228600" algn="l" defTabSz="914400" rtl="0" eaLnBrk="1" latinLnBrk="0" hangingPunct="1">
-              <a:lnSpc>
-                <a:spcPct val="90000"/>
-              </a:lnSpc>
-              <a:spcBef>
-                <a:spcPts val="1000"/>
-              </a:spcBef>
-              <a:buFont typeface="Arial" panose="020B0604020202020204" pitchFamily="34" charset="0"/>
-              <a:buChar char="•"/>
-              <a:defRPr sz="2800" kern="1200">
-                <a:solidFill>
-                  <a:schemeClr val="tx1"/>
-                </a:solidFill>
-                <a:latin typeface="+mn-lt"/>
-                <a:ea typeface="+mn-ea"/>
-                <a:cs typeface="+mn-cs"/>
-              </a:defRPr>
-            </a:lvl1pPr>
-            <a:lvl2pPr marL="685800" indent="-228600" algn="l" defTabSz="914400" rtl="0" eaLnBrk="1" latinLnBrk="0" hangingPunct="1">
-              <a:lnSpc>
-                <a:spcPct val="90000"/>
-              </a:lnSpc>
-              <a:spcBef>
-                <a:spcPts val="500"/>
-              </a:spcBef>
-              <a:buFont typeface="Arial" panose="020B0604020202020204" pitchFamily="34" charset="0"/>
-              <a:buChar char="•"/>
-              <a:defRPr sz="2400" kern="1200">
-                <a:solidFill>
-                  <a:schemeClr val="tx1"/>
-                </a:solidFill>
-                <a:latin typeface="+mn-lt"/>
-                <a:ea typeface="+mn-ea"/>
-                <a:cs typeface="+mn-cs"/>
-              </a:defRPr>
-            </a:lvl2pPr>
-            <a:lvl3pPr marL="1143000" indent="-228600" algn="l" defTabSz="914400" rtl="0" eaLnBrk="1" latinLnBrk="0" hangingPunct="1">
-              <a:lnSpc>
-                <a:spcPct val="90000"/>
-              </a:lnSpc>
-              <a:spcBef>
-                <a:spcPts val="500"/>
-              </a:spcBef>
-              <a:buFont typeface="Arial" panose="020B0604020202020204" pitchFamily="34" charset="0"/>
-              <a:buChar char="•"/>
-              <a:defRPr sz="2000" kern="1200">
-                <a:solidFill>
-                  <a:schemeClr val="tx1"/>
-                </a:solidFill>
-                <a:latin typeface="+mn-lt"/>
-                <a:ea typeface="+mn-ea"/>
-                <a:cs typeface="+mn-cs"/>
-              </a:defRPr>
-            </a:lvl3pPr>
-            <a:lvl4pPr marL="1600200" indent="-228600" algn="l" defTabSz="914400" rtl="0" eaLnBrk="1" latinLnBrk="0" hangingPunct="1">
-              <a:lnSpc>
-                <a:spcPct val="90000"/>
-              </a:lnSpc>
-              <a:spcBef>
-                <a:spcPts val="500"/>
-              </a:spcBef>
-              <a:buFont typeface="Arial" panose="020B0604020202020204" pitchFamily="34" charset="0"/>
-              <a:buChar char="•"/>
-              <a:defRPr sz="1800" kern="1200">
-                <a:solidFill>
-                  <a:schemeClr val="tx1"/>
-                </a:solidFill>
-                <a:latin typeface="+mn-lt"/>
-                <a:ea typeface="+mn-ea"/>
-                <a:cs typeface="+mn-cs"/>
-              </a:defRPr>
-            </a:lvl4pPr>
-            <a:lvl5pPr marL="2057400" indent="-228600" algn="l" defTabSz="914400" rtl="0" eaLnBrk="1" latinLnBrk="0" hangingPunct="1">
-              <a:lnSpc>
-                <a:spcPct val="90000"/>
-              </a:lnSpc>
-              <a:spcBef>
-                <a:spcPts val="500"/>
-              </a:spcBef>
-              <a:buFont typeface="Arial" panose="020B0604020202020204" pitchFamily="34" charset="0"/>
-              <a:buChar char="•"/>
-              <a:defRPr sz="1800" kern="1200">
-                <a:solidFill>
-                  <a:schemeClr val="tx1"/>
-                </a:solidFill>
-                <a:latin typeface="+mn-lt"/>
-                <a:ea typeface="+mn-ea"/>
-                <a:cs typeface="+mn-cs"/>
-              </a:defRPr>
-            </a:lvl5pPr>
-            <a:lvl6pPr marL="2514600" indent="-228600" algn="l" defTabSz="914400" rtl="0" eaLnBrk="1" latinLnBrk="0" hangingPunct="1">
-              <a:lnSpc>
-                <a:spcPct val="90000"/>
-              </a:lnSpc>
-              <a:spcBef>
-                <a:spcPts val="500"/>
-              </a:spcBef>
-              <a:buFont typeface="Arial" panose="020B0604020202020204" pitchFamily="34" charset="0"/>
-              <a:buChar char="•"/>
-              <a:defRPr sz="1800" kern="1200">
-                <a:solidFill>
-                  <a:schemeClr val="tx1"/>
-                </a:solidFill>
-                <a:latin typeface="+mn-lt"/>
-                <a:ea typeface="+mn-ea"/>
-                <a:cs typeface="+mn-cs"/>
-              </a:defRPr>
-            </a:lvl6pPr>
-            <a:lvl7pPr marL="2971800" indent="-228600" algn="l" defTabSz="914400" rtl="0" eaLnBrk="1" latinLnBrk="0" hangingPunct="1">
-              <a:lnSpc>
-                <a:spcPct val="90000"/>
-              </a:lnSpc>
-              <a:spcBef>
-                <a:spcPts val="500"/>
-              </a:spcBef>
-              <a:buFont typeface="Arial" panose="020B0604020202020204" pitchFamily="34" charset="0"/>
-              <a:buChar char="•"/>
-              <a:defRPr sz="1800" kern="1200">
-                <a:solidFill>
-                  <a:schemeClr val="tx1"/>
-                </a:solidFill>
-                <a:latin typeface="+mn-lt"/>
-                <a:ea typeface="+mn-ea"/>
-                <a:cs typeface="+mn-cs"/>
-              </a:defRPr>
-            </a:lvl7pPr>
-            <a:lvl8pPr marL="3429000" indent="-228600" algn="l" defTabSz="914400" rtl="0" eaLnBrk="1" latinLnBrk="0" hangingPunct="1">
-              <a:lnSpc>
-                <a:spcPct val="90000"/>
-              </a:lnSpc>
-              <a:spcBef>
-                <a:spcPts val="500"/>
-              </a:spcBef>
-              <a:buFont typeface="Arial" panose="020B0604020202020204" pitchFamily="34" charset="0"/>
-              <a:buChar char="•"/>
-              <a:defRPr sz="1800" kern="1200">
-                <a:solidFill>
-                  <a:schemeClr val="tx1"/>
-                </a:solidFill>
-                <a:latin typeface="+mn-lt"/>
-                <a:ea typeface="+mn-ea"/>
-                <a:cs typeface="+mn-cs"/>
-              </a:defRPr>
-            </a:lvl8pPr>
-            <a:lvl9pPr marL="3886200" indent="-228600" algn="l" defTabSz="914400" rtl="0" eaLnBrk="1" latinLnBrk="0" hangingPunct="1">
-              <a:lnSpc>
-                <a:spcPct val="90000"/>
-              </a:lnSpc>
-              <a:spcBef>
-                <a:spcPts val="500"/>
-              </a:spcBef>
-              <a:buFont typeface="Arial" panose="020B0604020202020204" pitchFamily="34" charset="0"/>
-              <a:buChar char="•"/>
-              <a:defRPr sz="1800" kern="1200">
-                <a:solidFill>
-                  <a:schemeClr val="tx1"/>
-                </a:solidFill>
-                <a:latin typeface="+mn-lt"/>
-                <a:ea typeface="+mn-ea"/>
-                <a:cs typeface="+mn-cs"/>
-              </a:defRPr>
-            </a:lvl9pPr>
-          </a:lstStyle>
-          <a:p>
-            <a:pPr marL="0" indent="0">
-              <a:buNone/>
-            </a:pPr>
-            <a:r>
-              <a:rPr lang="en-NZ" b="1" dirty="0"/>
-              <a:t>Gross debt projection</a:t>
-            </a:r>
-          </a:p>
-        </p:txBody>
-      </p:sp>
-    </p:spTree>
-    <p:extLst>
-      <p:ext uri="{BB962C8B-B14F-4D97-AF65-F5344CB8AC3E}">
-        <p14:creationId xmlns:p14="http://schemas.microsoft.com/office/powerpoint/2010/main" val="1282710452"/>
-      </p:ext>
-    </p:extLst>
-  </p:cSld>
-  <p:clrMapOvr>
-    <a:masterClrMapping/>
-  </p:clrMapOvr>
-</p:sld>
-</file>
-
-<file path=ppt/slides/slide5.xml><?xml version="1.0" encoding="utf-8"?>
-<p:sld xmlns:a="http://schemas.openxmlformats.org/drawingml/2006/main" xmlns:r="http://schemas.openxmlformats.org/officeDocument/2006/relationships" xmlns:p="http://schemas.openxmlformats.org/presentationml/2006/main">
-  <p:cSld>
-    <p:bg>
-      <p:bgPr>
-        <a:solidFill>
-          <a:schemeClr val="bg1"/>
-        </a:solidFill>
-        <a:effectLst/>
-      </p:bgPr>
-    </p:bg>
-    <p:spTree>
-      <p:nvGrpSpPr>
-        <p:cNvPr id="1" name="">
-          <a:extLst>
-            <a:ext uri="{FF2B5EF4-FFF2-40B4-BE49-F238E27FC236}">
-              <a16:creationId xmlns:a16="http://schemas.microsoft.com/office/drawing/2014/main" id="{4902E497-4CB5-A6E0-5520-DFCA8944F567}"/>
-            </a:ext>
-          </a:extLst>
-        </p:cNvPr>
-        <p:cNvGrpSpPr/>
-        <p:nvPr/>
-      </p:nvGrpSpPr>
-      <p:grpSpPr>
-        <a:xfrm>
-          <a:off x="0" y="0"/>
-          <a:ext cx="0" cy="0"/>
-          <a:chOff x="0" y="0"/>
-          <a:chExt cx="0" cy="0"/>
-        </a:xfrm>
-      </p:grpSpPr>
-      <p:sp useBgFill="1">
-        <p:nvSpPr>
-          <p:cNvPr id="9" name="Rectangle 8">
-            <a:extLst>
-              <a:ext uri="{FF2B5EF4-FFF2-40B4-BE49-F238E27FC236}">
-                <a16:creationId xmlns:a16="http://schemas.microsoft.com/office/drawing/2014/main" id="{F213BC97-0C7F-8436-4247-62EDF0BD1AC9}"/>
-              </a:ext>
-              <a:ext uri="{C183D7F6-B498-43B3-948B-1728B52AA6E4}">
-                <adec:decorative xmlns:adec="http://schemas.microsoft.com/office/drawing/2017/decorative" val="1"/>
-              </a:ext>
-            </a:extLst>
-          </p:cNvPr>
-          <p:cNvSpPr>
-            <a:spLocks noGrp="1" noRot="1" noChangeAspect="1" noMove="1" noResize="1" noEditPoints="1" noAdjustHandles="1" noChangeArrowheads="1" noChangeShapeType="1" noTextEdit="1"/>
-          </p:cNvSpPr>
-          <p:nvPr>
-            <p:extLst>
-              <p:ext uri="{386F3935-93C4-4BCD-93E2-E3B085C9AB24}">
-                <p16:designElem xmlns:p16="http://schemas.microsoft.com/office/powerpoint/2015/main" val="1"/>
-              </p:ext>
-            </p:extLst>
-          </p:nvPr>
-        </p:nvSpPr>
-        <p:spPr>
-          <a:xfrm>
-            <a:off x="0" y="0"/>
-            <a:ext cx="12192000" cy="6858000"/>
-          </a:xfrm>
-          <a:prstGeom prst="rect">
-            <a:avLst/>
-          </a:prstGeom>
-          <a:ln>
-            <a:noFill/>
-          </a:ln>
-        </p:spPr>
-        <p:style>
-          <a:lnRef idx="2">
-            <a:schemeClr val="accent1">
-              <a:shade val="50000"/>
-            </a:schemeClr>
-          </a:lnRef>
-          <a:fillRef idx="1">
-            <a:schemeClr val="accent1"/>
-          </a:fillRef>
-          <a:effectRef idx="0">
-            <a:schemeClr val="accent1"/>
-          </a:effectRef>
-          <a:fontRef idx="minor">
-            <a:schemeClr val="lt1"/>
-          </a:fontRef>
-        </p:style>
-        <p:txBody>
-          <a:bodyPr rtlCol="0" anchor="ctr"/>
-          <a:lstStyle/>
-          <a:p>
-            <a:pPr algn="ctr"/>
-            <a:endParaRPr lang="en-US"/>
-          </a:p>
-        </p:txBody>
-      </p:sp>
-      <p:pic>
-        <p:nvPicPr>
-          <p:cNvPr id="5" name="Picture 4" descr="Pen placed on top of a signature line">
-            <a:extLst>
-              <a:ext uri="{FF2B5EF4-FFF2-40B4-BE49-F238E27FC236}">
-                <a16:creationId xmlns:a16="http://schemas.microsoft.com/office/drawing/2014/main" id="{73A84F60-2BA6-44B6-EBDD-DAFF5148A440}"/>
-              </a:ext>
-            </a:extLst>
-          </p:cNvPr>
-          <p:cNvPicPr>
-            <a:picLocks noChangeAspect="1"/>
-          </p:cNvPicPr>
-          <p:nvPr/>
-        </p:nvPicPr>
-        <p:blipFill>
-          <a:blip r:embed="rId2"/>
-          <a:srcRect l="15628" r="-1" b="-1"/>
-          <a:stretch>
-            <a:fillRect/>
-          </a:stretch>
-        </p:blipFill>
-        <p:spPr>
-          <a:xfrm>
-            <a:off x="3523488" y="10"/>
-            <a:ext cx="8668512" cy="6857990"/>
-          </a:xfrm>
-          <a:prstGeom prst="rect">
-            <a:avLst/>
-          </a:prstGeom>
-        </p:spPr>
-      </p:pic>
-      <p:sp>
-        <p:nvSpPr>
-          <p:cNvPr id="11" name="Rectangle 10">
-            <a:extLst>
-              <a:ext uri="{FF2B5EF4-FFF2-40B4-BE49-F238E27FC236}">
-                <a16:creationId xmlns:a16="http://schemas.microsoft.com/office/drawing/2014/main" id="{8C98E1FB-315D-2BB5-DE65-C600274593F3}"/>
-              </a:ext>
-              <a:ext uri="{C183D7F6-B498-43B3-948B-1728B52AA6E4}">
-                <adec:decorative xmlns:adec="http://schemas.microsoft.com/office/drawing/2017/decorative" val="1"/>
-              </a:ext>
-            </a:extLst>
-          </p:cNvPr>
-          <p:cNvSpPr>
-            <a:spLocks noGrp="1" noRot="1" noChangeAspect="1" noMove="1" noResize="1" noEditPoints="1" noAdjustHandles="1" noChangeArrowheads="1" noChangeShapeType="1" noTextEdit="1"/>
-          </p:cNvSpPr>
-          <p:nvPr>
-            <p:extLst>
-              <p:ext uri="{386F3935-93C4-4BCD-93E2-E3B085C9AB24}">
-                <p16:designElem xmlns:p16="http://schemas.microsoft.com/office/powerpoint/2015/main" val="1"/>
-              </p:ext>
-            </p:extLst>
-          </p:nvPr>
-        </p:nvSpPr>
-        <p:spPr>
-          <a:xfrm>
-            <a:off x="3" y="0"/>
-            <a:ext cx="9339206" cy="6858000"/>
-          </a:xfrm>
-          <a:prstGeom prst="rect">
-            <a:avLst/>
-          </a:prstGeom>
-          <a:gradFill>
-            <a:gsLst>
-              <a:gs pos="58000">
-                <a:schemeClr val="tx1"/>
-              </a:gs>
-              <a:gs pos="33000">
-                <a:schemeClr val="tx1">
-                  <a:alpha val="64000"/>
-                </a:schemeClr>
-              </a:gs>
-              <a:gs pos="0">
-                <a:schemeClr val="tx1">
-                  <a:alpha val="0"/>
-                </a:schemeClr>
-              </a:gs>
-              <a:gs pos="100000">
-                <a:schemeClr val="tx1"/>
-              </a:gs>
-            </a:gsLst>
-            <a:lin ang="10800000" scaled="0"/>
-          </a:gradFill>
-          <a:ln>
-            <a:noFill/>
-          </a:ln>
-        </p:spPr>
-        <p:style>
-          <a:lnRef idx="2">
-            <a:schemeClr val="accent1">
-              <a:shade val="50000"/>
-            </a:schemeClr>
-          </a:lnRef>
-          <a:fillRef idx="1">
-            <a:schemeClr val="accent1"/>
-          </a:fillRef>
-          <a:effectRef idx="0">
-            <a:schemeClr val="accent1"/>
-          </a:effectRef>
-          <a:fontRef idx="minor">
-            <a:schemeClr val="lt1"/>
-          </a:fontRef>
-        </p:style>
-        <p:txBody>
-          <a:bodyPr rtlCol="0" anchor="ctr"/>
-          <a:lstStyle/>
-          <a:p>
-            <a:pPr algn="ctr"/>
-            <a:endParaRPr lang="en-US" dirty="0"/>
-          </a:p>
-        </p:txBody>
-      </p:sp>
-      <p:sp>
-        <p:nvSpPr>
-          <p:cNvPr id="2" name="Title 1">
-            <a:extLst>
-              <a:ext uri="{FF2B5EF4-FFF2-40B4-BE49-F238E27FC236}">
-                <a16:creationId xmlns:a16="http://schemas.microsoft.com/office/drawing/2014/main" id="{61CBA9C0-2DE8-4122-874E-DBA3BA605290}"/>
-              </a:ext>
-            </a:extLst>
-          </p:cNvPr>
-          <p:cNvSpPr>
-            <a:spLocks noGrp="1"/>
-          </p:cNvSpPr>
-          <p:nvPr>
-            <p:ph type="title"/>
-          </p:nvPr>
-        </p:nvSpPr>
-        <p:spPr>
-          <a:xfrm>
-            <a:off x="477981" y="1122363"/>
-            <a:ext cx="4023360" cy="3204134"/>
-          </a:xfrm>
-        </p:spPr>
-        <p:txBody>
-          <a:bodyPr vert="horz" lIns="91440" tIns="45720" rIns="91440" bIns="45720" rtlCol="0" anchor="b">
-            <a:normAutofit/>
-          </a:bodyPr>
-          <a:lstStyle/>
-          <a:p>
-            <a:r>
-              <a:rPr lang="en-US" sz="4800" dirty="0">
-                <a:solidFill>
-                  <a:schemeClr val="bg1"/>
-                </a:solidFill>
-              </a:rPr>
-              <a:t>Extended spending work</a:t>
-            </a:r>
-          </a:p>
-        </p:txBody>
-      </p:sp>
-      <p:sp>
-        <p:nvSpPr>
-          <p:cNvPr id="13" name="Rectangle 12">
-            <a:extLst>
-              <a:ext uri="{FF2B5EF4-FFF2-40B4-BE49-F238E27FC236}">
-                <a16:creationId xmlns:a16="http://schemas.microsoft.com/office/drawing/2014/main" id="{8A05C1D7-D08D-F4FB-44FD-C4F0EEBCADB7}"/>
-              </a:ext>
-              <a:ext uri="{C183D7F6-B498-43B3-948B-1728B52AA6E4}">
-                <adec:decorative xmlns:adec="http://schemas.microsoft.com/office/drawing/2017/decorative" val="1"/>
-              </a:ext>
-            </a:extLst>
-          </p:cNvPr>
-          <p:cNvSpPr>
-            <a:spLocks noGrp="1" noRot="1" noChangeAspect="1" noMove="1" noResize="1" noEditPoints="1" noAdjustHandles="1" noChangeArrowheads="1" noChangeShapeType="1" noTextEdit="1"/>
-          </p:cNvSpPr>
-          <p:nvPr>
-            <p:extLst>
-              <p:ext uri="{386F3935-93C4-4BCD-93E2-E3B085C9AB24}">
-                <p16:designElem xmlns:p16="http://schemas.microsoft.com/office/powerpoint/2015/main" val="1"/>
-              </p:ext>
-            </p:extLst>
-          </p:nvPr>
-        </p:nvSpPr>
-        <p:spPr>
-          <a:xfrm rot="5400000">
-            <a:off x="759921" y="346791"/>
-            <a:ext cx="146304" cy="704088"/>
-          </a:xfrm>
-          <a:prstGeom prst="rect">
-            <a:avLst/>
-          </a:prstGeom>
-          <a:solidFill>
-            <a:schemeClr val="accent2"/>
-          </a:solidFill>
-          <a:ln>
-            <a:noFill/>
-          </a:ln>
-        </p:spPr>
-        <p:style>
-          <a:lnRef idx="2">
-            <a:schemeClr val="accent1">
-              <a:shade val="50000"/>
-            </a:schemeClr>
-          </a:lnRef>
-          <a:fillRef idx="1">
-            <a:schemeClr val="accent1"/>
-          </a:fillRef>
-          <a:effectRef idx="0">
-            <a:schemeClr val="accent1"/>
-          </a:effectRef>
-          <a:fontRef idx="minor">
-            <a:schemeClr val="lt1"/>
-          </a:fontRef>
-        </p:style>
-        <p:txBody>
-          <a:bodyPr rtlCol="0" anchor="ctr"/>
-          <a:lstStyle/>
-          <a:p>
-            <a:pPr algn="ctr"/>
-            <a:endParaRPr lang="en-US">
-              <a:solidFill>
-                <a:prstClr val="white"/>
-              </a:solidFill>
-              <a:latin typeface="Calibri" panose="020F0502020204030204"/>
-            </a:endParaRPr>
-          </a:p>
-        </p:txBody>
-      </p:sp>
-      <p:sp>
-        <p:nvSpPr>
-          <p:cNvPr id="15" name="Rectangle 14">
-            <a:extLst>
-              <a:ext uri="{FF2B5EF4-FFF2-40B4-BE49-F238E27FC236}">
-                <a16:creationId xmlns:a16="http://schemas.microsoft.com/office/drawing/2014/main" id="{B97746FF-5521-72B9-F755-5DA06AE91BB7}"/>
-              </a:ext>
-              <a:ext uri="{C183D7F6-B498-43B3-948B-1728B52AA6E4}">
-                <adec:decorative xmlns:adec="http://schemas.microsoft.com/office/drawing/2017/decorative" val="1"/>
-              </a:ext>
-            </a:extLst>
-          </p:cNvPr>
-          <p:cNvSpPr>
-            <a:spLocks noGrp="1" noRot="1" noChangeAspect="1" noMove="1" noResize="1" noEditPoints="1" noAdjustHandles="1" noChangeArrowheads="1" noChangeShapeType="1" noTextEdit="1"/>
-          </p:cNvSpPr>
-          <p:nvPr>
-            <p:extLst>
-              <p:ext uri="{386F3935-93C4-4BCD-93E2-E3B085C9AB24}">
-                <p16:designElem xmlns:p16="http://schemas.microsoft.com/office/powerpoint/2015/main" val="1"/>
-              </p:ext>
-            </p:extLst>
-          </p:nvPr>
-        </p:nvSpPr>
-        <p:spPr>
-          <a:xfrm>
-            <a:off x="481029" y="4546920"/>
-            <a:ext cx="3977640" cy="18288"/>
-          </a:xfrm>
-          <a:prstGeom prst="rect">
-            <a:avLst/>
-          </a:prstGeom>
-          <a:solidFill>
-            <a:schemeClr val="tx1"/>
-          </a:solidFill>
-          <a:ln w="3175">
-            <a:noFill/>
-          </a:ln>
-          <a:effectLst/>
-        </p:spPr>
-        <p:style>
-          <a:lnRef idx="2">
-            <a:schemeClr val="accent1">
-              <a:shade val="50000"/>
-            </a:schemeClr>
-          </a:lnRef>
-          <a:fillRef idx="1">
-            <a:schemeClr val="accent1"/>
-          </a:fillRef>
-          <a:effectRef idx="0">
-            <a:schemeClr val="accent1"/>
-          </a:effectRef>
-          <a:fontRef idx="minor">
-            <a:schemeClr val="lt1"/>
-          </a:fontRef>
-        </p:style>
-        <p:txBody>
-          <a:bodyPr rtlCol="0" anchor="ctr"/>
-          <a:lstStyle/>
-          <a:p>
-            <a:pPr marL="0" marR="0" lvl="0" indent="0" algn="ctr" defTabSz="914400" rtl="0" eaLnBrk="1" fontAlgn="auto" latinLnBrk="0" hangingPunct="1">
-              <a:lnSpc>
-                <a:spcPct val="100000"/>
-              </a:lnSpc>
-              <a:spcBef>
-                <a:spcPts val="0"/>
-              </a:spcBef>
-              <a:spcAft>
-                <a:spcPts val="0"/>
-              </a:spcAft>
-              <a:buClrTx/>
-              <a:buSzTx/>
-              <a:buFontTx/>
-              <a:buNone/>
-              <a:tabLst/>
-              <a:defRPr/>
-            </a:pPr>
-            <a:endParaRPr kumimoji="0" lang="en-US" sz="1800" b="0" i="0" u="none" strike="noStrike" kern="1200" cap="none" spc="0" normalizeH="0" baseline="0" noProof="0">
-              <a:ln>
-                <a:noFill/>
-              </a:ln>
-              <a:solidFill>
-                <a:prstClr val="white"/>
-              </a:solidFill>
-              <a:effectLst/>
-              <a:uLnTx/>
-              <a:uFillTx/>
-              <a:latin typeface="Calibri" panose="020F0502020204030204"/>
-              <a:ea typeface="+mn-ea"/>
-              <a:cs typeface="+mn-cs"/>
-            </a:endParaRPr>
-          </a:p>
-        </p:txBody>
-      </p:sp>
-    </p:spTree>
-    <p:extLst>
-      <p:ext uri="{BB962C8B-B14F-4D97-AF65-F5344CB8AC3E}">
-        <p14:creationId xmlns:p14="http://schemas.microsoft.com/office/powerpoint/2010/main" val="1170830833"/>
-      </p:ext>
-    </p:extLst>
-  </p:cSld>
-  <p:clrMapOvr>
-    <a:masterClrMapping/>
-  </p:clrMapOvr>
-</p:sld>
-</file>
-
-<file path=ppt/slides/slide6.xml><?xml version="1.0" encoding="utf-8"?>
-<p:sld xmlns:a="http://schemas.openxmlformats.org/drawingml/2006/main" xmlns:r="http://schemas.openxmlformats.org/officeDocument/2006/relationships" xmlns:p="http://schemas.openxmlformats.org/presentationml/2006/main">
-  <p:cSld>
-    <p:spTree>
-      <p:nvGrpSpPr>
-        <p:cNvPr id="1" name="">
-          <a:extLst>
-            <a:ext uri="{FF2B5EF4-FFF2-40B4-BE49-F238E27FC236}">
-              <a16:creationId xmlns:a16="http://schemas.microsoft.com/office/drawing/2014/main" id="{61177198-F308-4129-A5AE-55FA2CDD5403}"/>
-            </a:ext>
-          </a:extLst>
-        </p:cNvPr>
-        <p:cNvGrpSpPr/>
-        <p:nvPr/>
-      </p:nvGrpSpPr>
-      <p:grpSpPr>
-        <a:xfrm>
-          <a:off x="0" y="0"/>
-          <a:ext cx="0" cy="0"/>
-          <a:chOff x="0" y="0"/>
-          <a:chExt cx="0" cy="0"/>
-        </a:xfrm>
-      </p:grpSpPr>
-      <p:sp>
-        <p:nvSpPr>
-          <p:cNvPr id="2" name="Title 1">
-            <a:extLst>
-              <a:ext uri="{FF2B5EF4-FFF2-40B4-BE49-F238E27FC236}">
-                <a16:creationId xmlns:a16="http://schemas.microsoft.com/office/drawing/2014/main" id="{2BEC1F14-CAB6-3968-6CD0-A6E8B2B170BD}"/>
-              </a:ext>
-            </a:extLst>
-          </p:cNvPr>
-          <p:cNvSpPr>
-            <a:spLocks noGrp="1"/>
-          </p:cNvSpPr>
-          <p:nvPr>
-            <p:ph type="title"/>
-          </p:nvPr>
-        </p:nvSpPr>
-        <p:spPr/>
-        <p:txBody>
-          <a:bodyPr/>
-          <a:lstStyle/>
-          <a:p>
-            <a:r>
-              <a:rPr lang="en-US" dirty="0"/>
-              <a:t>Where has Federal spending growth occurred?</a:t>
-            </a:r>
-            <a:endParaRPr lang="en-NZ" dirty="0"/>
-          </a:p>
-        </p:txBody>
-      </p:sp>
-      <p:sp>
-        <p:nvSpPr>
-          <p:cNvPr id="4" name="Content Placeholder 3">
-            <a:extLst>
-              <a:ext uri="{FF2B5EF4-FFF2-40B4-BE49-F238E27FC236}">
-                <a16:creationId xmlns:a16="http://schemas.microsoft.com/office/drawing/2014/main" id="{EF249812-CABF-41E7-10DD-8946FB005C77}"/>
-              </a:ext>
-            </a:extLst>
-          </p:cNvPr>
-          <p:cNvSpPr>
-            <a:spLocks noGrp="1"/>
-          </p:cNvSpPr>
-          <p:nvPr>
-            <p:ph idx="1"/>
-          </p:nvPr>
-        </p:nvSpPr>
-        <p:spPr/>
-        <p:txBody>
-          <a:bodyPr/>
-          <a:lstStyle/>
-          <a:p>
-            <a:r>
-              <a:rPr lang="en-NZ" dirty="0"/>
-              <a:t>The make-up of Federal spending growth has been surprisingly flat</a:t>
-            </a:r>
-          </a:p>
-          <a:p>
-            <a:endParaRPr lang="en-AU" dirty="0"/>
-          </a:p>
-        </p:txBody>
-      </p:sp>
-      <p:pic>
-        <p:nvPicPr>
-          <p:cNvPr id="9" name="Picture 8" descr="A graph of different colored lines&#10;&#10;Description automatically generated">
-            <a:extLst>
-              <a:ext uri="{FF2B5EF4-FFF2-40B4-BE49-F238E27FC236}">
-                <a16:creationId xmlns:a16="http://schemas.microsoft.com/office/drawing/2014/main" id="{2D6B6306-5F6B-162E-7705-CD9614C152EC}"/>
-              </a:ext>
-            </a:extLst>
-          </p:cNvPr>
-          <p:cNvPicPr>
-            <a:picLocks noChangeAspect="1"/>
-          </p:cNvPicPr>
-          <p:nvPr/>
-        </p:nvPicPr>
-        <p:blipFill>
-          <a:blip r:embed="rId2">
-            <a:extLst>
-              <a:ext uri="{28A0092B-C50C-407E-A947-70E740481C1C}">
-                <a14:useLocalDpi xmlns:a14="http://schemas.microsoft.com/office/drawing/2010/main" val="0"/>
-              </a:ext>
-            </a:extLst>
-          </a:blip>
-          <a:stretch>
-            <a:fillRect/>
-          </a:stretch>
-        </p:blipFill>
-        <p:spPr>
-          <a:xfrm>
-            <a:off x="2372251" y="2426536"/>
-            <a:ext cx="7223655" cy="3970086"/>
-          </a:xfrm>
-          <a:prstGeom prst="rect">
-            <a:avLst/>
-          </a:prstGeom>
-        </p:spPr>
-      </p:pic>
-    </p:spTree>
-    <p:extLst>
-      <p:ext uri="{BB962C8B-B14F-4D97-AF65-F5344CB8AC3E}">
-        <p14:creationId xmlns:p14="http://schemas.microsoft.com/office/powerpoint/2010/main" val="445450764"/>
-      </p:ext>
-    </p:extLst>
-  </p:cSld>
-  <p:clrMapOvr>
-    <a:masterClrMapping/>
-  </p:clrMapOvr>
-</p:sld>
-</file>
-
-<file path=ppt/slides/slide7.xml><?xml version="1.0" encoding="utf-8"?>
-<p:sld xmlns:a="http://schemas.openxmlformats.org/drawingml/2006/main" xmlns:r="http://schemas.openxmlformats.org/officeDocument/2006/relationships" xmlns:p="http://schemas.openxmlformats.org/presentationml/2006/main">
-  <p:cSld>
-    <p:spTree>
-      <p:nvGrpSpPr>
-        <p:cNvPr id="1" name="">
-          <a:extLst>
-            <a:ext uri="{FF2B5EF4-FFF2-40B4-BE49-F238E27FC236}">
-              <a16:creationId xmlns:a16="http://schemas.microsoft.com/office/drawing/2014/main" id="{195E3783-FDBE-6C80-DBF3-A6AAEA121F67}"/>
-            </a:ext>
-          </a:extLst>
-        </p:cNvPr>
-        <p:cNvGrpSpPr/>
-        <p:nvPr/>
-      </p:nvGrpSpPr>
-      <p:grpSpPr>
-        <a:xfrm>
-          <a:off x="0" y="0"/>
-          <a:ext cx="0" cy="0"/>
-          <a:chOff x="0" y="0"/>
-          <a:chExt cx="0" cy="0"/>
-        </a:xfrm>
-      </p:grpSpPr>
-      <p:sp>
-        <p:nvSpPr>
-          <p:cNvPr id="2" name="Title 1">
-            <a:extLst>
-              <a:ext uri="{FF2B5EF4-FFF2-40B4-BE49-F238E27FC236}">
-                <a16:creationId xmlns:a16="http://schemas.microsoft.com/office/drawing/2014/main" id="{6A839F1C-6E99-F063-7F54-C90649150E0E}"/>
-              </a:ext>
-            </a:extLst>
-          </p:cNvPr>
-          <p:cNvSpPr>
-            <a:spLocks noGrp="1"/>
-          </p:cNvSpPr>
-          <p:nvPr>
-            <p:ph type="title"/>
-          </p:nvPr>
-        </p:nvSpPr>
-        <p:spPr/>
-        <p:txBody>
-          <a:bodyPr/>
-          <a:lstStyle/>
-          <a:p>
-            <a:r>
-              <a:rPr lang="en-US" dirty="0"/>
-              <a:t>Overall Government Expenditure (Consolidated)</a:t>
-            </a:r>
-            <a:endParaRPr lang="en-NZ" dirty="0"/>
-          </a:p>
-        </p:txBody>
-      </p:sp>
-      <p:sp>
-        <p:nvSpPr>
-          <p:cNvPr id="4" name="Content Placeholder 3">
-            <a:extLst>
-              <a:ext uri="{FF2B5EF4-FFF2-40B4-BE49-F238E27FC236}">
-                <a16:creationId xmlns:a16="http://schemas.microsoft.com/office/drawing/2014/main" id="{9DC32F6C-44F4-DF18-FDF8-8C10677D41DD}"/>
-              </a:ext>
-            </a:extLst>
-          </p:cNvPr>
-          <p:cNvSpPr>
-            <a:spLocks noGrp="1"/>
-          </p:cNvSpPr>
-          <p:nvPr>
-            <p:ph idx="1"/>
-          </p:nvPr>
-        </p:nvSpPr>
-        <p:spPr>
-          <a:xfrm>
-            <a:off x="468283" y="2091632"/>
-            <a:ext cx="3683925" cy="520788"/>
-          </a:xfrm>
-        </p:spPr>
-        <p:txBody>
-          <a:bodyPr/>
-          <a:lstStyle/>
-          <a:p>
-            <a:pPr marL="0" indent="0">
-              <a:buNone/>
-            </a:pPr>
-            <a:r>
-              <a:rPr lang="en-AU" b="1" dirty="0"/>
-              <a:t>Spending per person</a:t>
-            </a:r>
-          </a:p>
-        </p:txBody>
-      </p:sp>
-      <p:sp>
-        <p:nvSpPr>
-          <p:cNvPr id="3" name="Content Placeholder 3">
-            <a:extLst>
-              <a:ext uri="{FF2B5EF4-FFF2-40B4-BE49-F238E27FC236}">
-                <a16:creationId xmlns:a16="http://schemas.microsoft.com/office/drawing/2014/main" id="{3B8F36D0-39A1-DE3A-24E7-19A1D1B49E43}"/>
-              </a:ext>
-            </a:extLst>
-          </p:cNvPr>
-          <p:cNvSpPr txBox="1">
-            <a:spLocks/>
-          </p:cNvSpPr>
-          <p:nvPr/>
-        </p:nvSpPr>
-        <p:spPr>
-          <a:xfrm>
-            <a:off x="4668982" y="1825625"/>
-            <a:ext cx="3538451" cy="4351338"/>
-          </a:xfrm>
-          <a:prstGeom prst="rect">
-            <a:avLst/>
-          </a:prstGeom>
-        </p:spPr>
-        <p:txBody>
-          <a:bodyPr vert="horz" lIns="91440" tIns="45720" rIns="91440" bIns="45720" rtlCol="0">
-            <a:normAutofit/>
-          </a:bodyPr>
-          <a:lstStyle>
-            <a:lvl1pPr marL="228600" indent="-228600" algn="l" defTabSz="914400" rtl="0" eaLnBrk="1" latinLnBrk="0" hangingPunct="1">
-              <a:lnSpc>
-                <a:spcPct val="90000"/>
-              </a:lnSpc>
-              <a:spcBef>
-                <a:spcPts val="1000"/>
-              </a:spcBef>
-              <a:buFont typeface="Arial" panose="020B0604020202020204" pitchFamily="34" charset="0"/>
-              <a:buChar char="•"/>
-              <a:defRPr sz="2800" kern="1200">
-                <a:solidFill>
-                  <a:schemeClr val="tx1"/>
-                </a:solidFill>
-                <a:latin typeface="+mn-lt"/>
-                <a:ea typeface="+mn-ea"/>
-                <a:cs typeface="+mn-cs"/>
-              </a:defRPr>
-            </a:lvl1pPr>
-            <a:lvl2pPr marL="685800" indent="-228600" algn="l" defTabSz="914400" rtl="0" eaLnBrk="1" latinLnBrk="0" hangingPunct="1">
-              <a:lnSpc>
-                <a:spcPct val="90000"/>
-              </a:lnSpc>
-              <a:spcBef>
-                <a:spcPts val="500"/>
-              </a:spcBef>
-              <a:buFont typeface="Arial" panose="020B0604020202020204" pitchFamily="34" charset="0"/>
-              <a:buChar char="•"/>
-              <a:defRPr sz="2400" kern="1200">
-                <a:solidFill>
-                  <a:schemeClr val="tx1"/>
-                </a:solidFill>
-                <a:latin typeface="+mn-lt"/>
-                <a:ea typeface="+mn-ea"/>
-                <a:cs typeface="+mn-cs"/>
-              </a:defRPr>
-            </a:lvl2pPr>
-            <a:lvl3pPr marL="1143000" indent="-228600" algn="l" defTabSz="914400" rtl="0" eaLnBrk="1" latinLnBrk="0" hangingPunct="1">
-              <a:lnSpc>
-                <a:spcPct val="90000"/>
-              </a:lnSpc>
-              <a:spcBef>
-                <a:spcPts val="500"/>
-              </a:spcBef>
-              <a:buFont typeface="Arial" panose="020B0604020202020204" pitchFamily="34" charset="0"/>
-              <a:buChar char="•"/>
-              <a:defRPr sz="2000" kern="1200">
-                <a:solidFill>
-                  <a:schemeClr val="tx1"/>
-                </a:solidFill>
-                <a:latin typeface="+mn-lt"/>
-                <a:ea typeface="+mn-ea"/>
-                <a:cs typeface="+mn-cs"/>
-              </a:defRPr>
-            </a:lvl3pPr>
-            <a:lvl4pPr marL="1600200" indent="-228600" algn="l" defTabSz="914400" rtl="0" eaLnBrk="1" latinLnBrk="0" hangingPunct="1">
-              <a:lnSpc>
-                <a:spcPct val="90000"/>
-              </a:lnSpc>
-              <a:spcBef>
-                <a:spcPts val="500"/>
-              </a:spcBef>
-              <a:buFont typeface="Arial" panose="020B0604020202020204" pitchFamily="34" charset="0"/>
-              <a:buChar char="•"/>
-              <a:defRPr sz="1800" kern="1200">
-                <a:solidFill>
-                  <a:schemeClr val="tx1"/>
-                </a:solidFill>
-                <a:latin typeface="+mn-lt"/>
-                <a:ea typeface="+mn-ea"/>
-                <a:cs typeface="+mn-cs"/>
-              </a:defRPr>
-            </a:lvl4pPr>
-            <a:lvl5pPr marL="2057400" indent="-228600" algn="l" defTabSz="914400" rtl="0" eaLnBrk="1" latinLnBrk="0" hangingPunct="1">
-              <a:lnSpc>
-                <a:spcPct val="90000"/>
-              </a:lnSpc>
-              <a:spcBef>
-                <a:spcPts val="500"/>
-              </a:spcBef>
-              <a:buFont typeface="Arial" panose="020B0604020202020204" pitchFamily="34" charset="0"/>
-              <a:buChar char="•"/>
-              <a:defRPr sz="1800" kern="1200">
-                <a:solidFill>
-                  <a:schemeClr val="tx1"/>
-                </a:solidFill>
-                <a:latin typeface="+mn-lt"/>
-                <a:ea typeface="+mn-ea"/>
-                <a:cs typeface="+mn-cs"/>
-              </a:defRPr>
-            </a:lvl5pPr>
-            <a:lvl6pPr marL="2514600" indent="-228600" algn="l" defTabSz="914400" rtl="0" eaLnBrk="1" latinLnBrk="0" hangingPunct="1">
-              <a:lnSpc>
-                <a:spcPct val="90000"/>
-              </a:lnSpc>
-              <a:spcBef>
-                <a:spcPts val="500"/>
-              </a:spcBef>
-              <a:buFont typeface="Arial" panose="020B0604020202020204" pitchFamily="34" charset="0"/>
-              <a:buChar char="•"/>
-              <a:defRPr sz="1800" kern="1200">
-                <a:solidFill>
-                  <a:schemeClr val="tx1"/>
-                </a:solidFill>
-                <a:latin typeface="+mn-lt"/>
-                <a:ea typeface="+mn-ea"/>
-                <a:cs typeface="+mn-cs"/>
-              </a:defRPr>
-            </a:lvl6pPr>
-            <a:lvl7pPr marL="2971800" indent="-228600" algn="l" defTabSz="914400" rtl="0" eaLnBrk="1" latinLnBrk="0" hangingPunct="1">
-              <a:lnSpc>
-                <a:spcPct val="90000"/>
-              </a:lnSpc>
-              <a:spcBef>
-                <a:spcPts val="500"/>
-              </a:spcBef>
-              <a:buFont typeface="Arial" panose="020B0604020202020204" pitchFamily="34" charset="0"/>
-              <a:buChar char="•"/>
-              <a:defRPr sz="1800" kern="1200">
-                <a:solidFill>
-                  <a:schemeClr val="tx1"/>
-                </a:solidFill>
-                <a:latin typeface="+mn-lt"/>
-                <a:ea typeface="+mn-ea"/>
-                <a:cs typeface="+mn-cs"/>
-              </a:defRPr>
-            </a:lvl7pPr>
-            <a:lvl8pPr marL="3429000" indent="-228600" algn="l" defTabSz="914400" rtl="0" eaLnBrk="1" latinLnBrk="0" hangingPunct="1">
-              <a:lnSpc>
-                <a:spcPct val="90000"/>
-              </a:lnSpc>
-              <a:spcBef>
-                <a:spcPts val="500"/>
-              </a:spcBef>
-              <a:buFont typeface="Arial" panose="020B0604020202020204" pitchFamily="34" charset="0"/>
-              <a:buChar char="•"/>
-              <a:defRPr sz="1800" kern="1200">
-                <a:solidFill>
-                  <a:schemeClr val="tx1"/>
-                </a:solidFill>
-                <a:latin typeface="+mn-lt"/>
-                <a:ea typeface="+mn-ea"/>
-                <a:cs typeface="+mn-cs"/>
-              </a:defRPr>
-            </a:lvl8pPr>
-            <a:lvl9pPr marL="3886200" indent="-228600" algn="l" defTabSz="914400" rtl="0" eaLnBrk="1" latinLnBrk="0" hangingPunct="1">
-              <a:lnSpc>
-                <a:spcPct val="90000"/>
-              </a:lnSpc>
-              <a:spcBef>
-                <a:spcPts val="500"/>
-              </a:spcBef>
-              <a:buFont typeface="Arial" panose="020B0604020202020204" pitchFamily="34" charset="0"/>
-              <a:buChar char="•"/>
-              <a:defRPr sz="1800" kern="1200">
-                <a:solidFill>
-                  <a:schemeClr val="tx1"/>
-                </a:solidFill>
-                <a:latin typeface="+mn-lt"/>
-                <a:ea typeface="+mn-ea"/>
-                <a:cs typeface="+mn-cs"/>
-              </a:defRPr>
-            </a:lvl9pPr>
-          </a:lstStyle>
-          <a:p>
-            <a:pPr marL="0" indent="0">
-              <a:buFont typeface="Arial" panose="020B0604020202020204" pitchFamily="34" charset="0"/>
-              <a:buNone/>
-            </a:pPr>
-            <a:r>
-              <a:rPr lang="en-AU" dirty="0"/>
-              <a:t>Spending by income decline</a:t>
-            </a:r>
-          </a:p>
-        </p:txBody>
-      </p:sp>
-      <p:sp>
-        <p:nvSpPr>
-          <p:cNvPr id="5" name="Content Placeholder 3">
-            <a:extLst>
-              <a:ext uri="{FF2B5EF4-FFF2-40B4-BE49-F238E27FC236}">
-                <a16:creationId xmlns:a16="http://schemas.microsoft.com/office/drawing/2014/main" id="{AA7DF49B-3EC9-9B83-AFB8-9A5AF51981F3}"/>
-              </a:ext>
-            </a:extLst>
-          </p:cNvPr>
-          <p:cNvSpPr txBox="1">
-            <a:spLocks/>
-          </p:cNvSpPr>
-          <p:nvPr/>
-        </p:nvSpPr>
-        <p:spPr>
-          <a:xfrm>
-            <a:off x="8549640" y="1825625"/>
-            <a:ext cx="3538451" cy="4351338"/>
-          </a:xfrm>
-          <a:prstGeom prst="rect">
-            <a:avLst/>
-          </a:prstGeom>
-        </p:spPr>
-        <p:txBody>
-          <a:bodyPr vert="horz" lIns="91440" tIns="45720" rIns="91440" bIns="45720" rtlCol="0">
-            <a:normAutofit/>
-          </a:bodyPr>
-          <a:lstStyle>
-            <a:lvl1pPr marL="228600" indent="-228600" algn="l" defTabSz="914400" rtl="0" eaLnBrk="1" latinLnBrk="0" hangingPunct="1">
-              <a:lnSpc>
-                <a:spcPct val="90000"/>
-              </a:lnSpc>
-              <a:spcBef>
-                <a:spcPts val="1000"/>
-              </a:spcBef>
-              <a:buFont typeface="Arial" panose="020B0604020202020204" pitchFamily="34" charset="0"/>
-              <a:buChar char="•"/>
-              <a:defRPr sz="2800" kern="1200">
-                <a:solidFill>
-                  <a:schemeClr val="tx1"/>
-                </a:solidFill>
-                <a:latin typeface="+mn-lt"/>
-                <a:ea typeface="+mn-ea"/>
-                <a:cs typeface="+mn-cs"/>
-              </a:defRPr>
-            </a:lvl1pPr>
-            <a:lvl2pPr marL="685800" indent="-228600" algn="l" defTabSz="914400" rtl="0" eaLnBrk="1" latinLnBrk="0" hangingPunct="1">
-              <a:lnSpc>
-                <a:spcPct val="90000"/>
-              </a:lnSpc>
-              <a:spcBef>
-                <a:spcPts val="500"/>
-              </a:spcBef>
-              <a:buFont typeface="Arial" panose="020B0604020202020204" pitchFamily="34" charset="0"/>
-              <a:buChar char="•"/>
-              <a:defRPr sz="2400" kern="1200">
-                <a:solidFill>
-                  <a:schemeClr val="tx1"/>
-                </a:solidFill>
-                <a:latin typeface="+mn-lt"/>
-                <a:ea typeface="+mn-ea"/>
-                <a:cs typeface="+mn-cs"/>
-              </a:defRPr>
-            </a:lvl2pPr>
-            <a:lvl3pPr marL="1143000" indent="-228600" algn="l" defTabSz="914400" rtl="0" eaLnBrk="1" latinLnBrk="0" hangingPunct="1">
-              <a:lnSpc>
-                <a:spcPct val="90000"/>
-              </a:lnSpc>
-              <a:spcBef>
-                <a:spcPts val="500"/>
-              </a:spcBef>
-              <a:buFont typeface="Arial" panose="020B0604020202020204" pitchFamily="34" charset="0"/>
-              <a:buChar char="•"/>
-              <a:defRPr sz="2000" kern="1200">
-                <a:solidFill>
-                  <a:schemeClr val="tx1"/>
-                </a:solidFill>
-                <a:latin typeface="+mn-lt"/>
-                <a:ea typeface="+mn-ea"/>
-                <a:cs typeface="+mn-cs"/>
-              </a:defRPr>
-            </a:lvl3pPr>
-            <a:lvl4pPr marL="1600200" indent="-228600" algn="l" defTabSz="914400" rtl="0" eaLnBrk="1" latinLnBrk="0" hangingPunct="1">
-              <a:lnSpc>
-                <a:spcPct val="90000"/>
-              </a:lnSpc>
-              <a:spcBef>
-                <a:spcPts val="500"/>
-              </a:spcBef>
-              <a:buFont typeface="Arial" panose="020B0604020202020204" pitchFamily="34" charset="0"/>
-              <a:buChar char="•"/>
-              <a:defRPr sz="1800" kern="1200">
-                <a:solidFill>
-                  <a:schemeClr val="tx1"/>
-                </a:solidFill>
-                <a:latin typeface="+mn-lt"/>
-                <a:ea typeface="+mn-ea"/>
-                <a:cs typeface="+mn-cs"/>
-              </a:defRPr>
-            </a:lvl4pPr>
-            <a:lvl5pPr marL="2057400" indent="-228600" algn="l" defTabSz="914400" rtl="0" eaLnBrk="1" latinLnBrk="0" hangingPunct="1">
-              <a:lnSpc>
-                <a:spcPct val="90000"/>
-              </a:lnSpc>
-              <a:spcBef>
-                <a:spcPts val="500"/>
-              </a:spcBef>
-              <a:buFont typeface="Arial" panose="020B0604020202020204" pitchFamily="34" charset="0"/>
-              <a:buChar char="•"/>
-              <a:defRPr sz="1800" kern="1200">
-                <a:solidFill>
-                  <a:schemeClr val="tx1"/>
-                </a:solidFill>
-                <a:latin typeface="+mn-lt"/>
-                <a:ea typeface="+mn-ea"/>
-                <a:cs typeface="+mn-cs"/>
-              </a:defRPr>
-            </a:lvl5pPr>
-            <a:lvl6pPr marL="2514600" indent="-228600" algn="l" defTabSz="914400" rtl="0" eaLnBrk="1" latinLnBrk="0" hangingPunct="1">
-              <a:lnSpc>
-                <a:spcPct val="90000"/>
-              </a:lnSpc>
-              <a:spcBef>
-                <a:spcPts val="500"/>
-              </a:spcBef>
-              <a:buFont typeface="Arial" panose="020B0604020202020204" pitchFamily="34" charset="0"/>
-              <a:buChar char="•"/>
-              <a:defRPr sz="1800" kern="1200">
-                <a:solidFill>
-                  <a:schemeClr val="tx1"/>
-                </a:solidFill>
-                <a:latin typeface="+mn-lt"/>
-                <a:ea typeface="+mn-ea"/>
-                <a:cs typeface="+mn-cs"/>
-              </a:defRPr>
-            </a:lvl6pPr>
-            <a:lvl7pPr marL="2971800" indent="-228600" algn="l" defTabSz="914400" rtl="0" eaLnBrk="1" latinLnBrk="0" hangingPunct="1">
-              <a:lnSpc>
-                <a:spcPct val="90000"/>
-              </a:lnSpc>
-              <a:spcBef>
-                <a:spcPts val="500"/>
-              </a:spcBef>
-              <a:buFont typeface="Arial" panose="020B0604020202020204" pitchFamily="34" charset="0"/>
-              <a:buChar char="•"/>
-              <a:defRPr sz="1800" kern="1200">
-                <a:solidFill>
-                  <a:schemeClr val="tx1"/>
-                </a:solidFill>
-                <a:latin typeface="+mn-lt"/>
-                <a:ea typeface="+mn-ea"/>
-                <a:cs typeface="+mn-cs"/>
-              </a:defRPr>
-            </a:lvl7pPr>
-            <a:lvl8pPr marL="3429000" indent="-228600" algn="l" defTabSz="914400" rtl="0" eaLnBrk="1" latinLnBrk="0" hangingPunct="1">
-              <a:lnSpc>
-                <a:spcPct val="90000"/>
-              </a:lnSpc>
-              <a:spcBef>
-                <a:spcPts val="500"/>
-              </a:spcBef>
-              <a:buFont typeface="Arial" panose="020B0604020202020204" pitchFamily="34" charset="0"/>
-              <a:buChar char="•"/>
-              <a:defRPr sz="1800" kern="1200">
-                <a:solidFill>
-                  <a:schemeClr val="tx1"/>
-                </a:solidFill>
-                <a:latin typeface="+mn-lt"/>
-                <a:ea typeface="+mn-ea"/>
-                <a:cs typeface="+mn-cs"/>
-              </a:defRPr>
-            </a:lvl8pPr>
-            <a:lvl9pPr marL="3886200" indent="-228600" algn="l" defTabSz="914400" rtl="0" eaLnBrk="1" latinLnBrk="0" hangingPunct="1">
-              <a:lnSpc>
-                <a:spcPct val="90000"/>
-              </a:lnSpc>
-              <a:spcBef>
-                <a:spcPts val="500"/>
-              </a:spcBef>
-              <a:buFont typeface="Arial" panose="020B0604020202020204" pitchFamily="34" charset="0"/>
-              <a:buChar char="•"/>
-              <a:defRPr sz="1800" kern="1200">
-                <a:solidFill>
-                  <a:schemeClr val="tx1"/>
-                </a:solidFill>
-                <a:latin typeface="+mn-lt"/>
-                <a:ea typeface="+mn-ea"/>
-                <a:cs typeface="+mn-cs"/>
-              </a:defRPr>
-            </a:lvl9pPr>
-          </a:lstStyle>
-          <a:p>
-            <a:pPr marL="0" indent="0">
-              <a:buFont typeface="Arial" panose="020B0604020202020204" pitchFamily="34" charset="0"/>
-              <a:buNone/>
-            </a:pPr>
-            <a:r>
-              <a:rPr lang="en-AU" dirty="0"/>
-              <a:t>Anything attributing to final income.</a:t>
-            </a:r>
-          </a:p>
-        </p:txBody>
-      </p:sp>
-      <p:pic>
-        <p:nvPicPr>
-          <p:cNvPr id="7" name="Picture 6" descr="A graph of a graph of a number of people&#10;&#10;AI-generated content may be incorrect.">
-            <a:extLst>
-              <a:ext uri="{FF2B5EF4-FFF2-40B4-BE49-F238E27FC236}">
-                <a16:creationId xmlns:a16="http://schemas.microsoft.com/office/drawing/2014/main" id="{C5C42A5C-BDC5-FE4D-6F88-56D6F564A5B1}"/>
-              </a:ext>
-            </a:extLst>
-          </p:cNvPr>
-          <p:cNvPicPr>
-            <a:picLocks noChangeAspect="1"/>
-          </p:cNvPicPr>
-          <p:nvPr/>
-        </p:nvPicPr>
-        <p:blipFill>
-          <a:blip r:embed="rId2">
-            <a:extLst>
-              <a:ext uri="{28A0092B-C50C-407E-A947-70E740481C1C}">
-                <a14:useLocalDpi xmlns:a14="http://schemas.microsoft.com/office/drawing/2010/main" val="0"/>
-              </a:ext>
-            </a:extLst>
-          </a:blip>
-          <a:stretch>
-            <a:fillRect/>
-          </a:stretch>
-        </p:blipFill>
-        <p:spPr>
-          <a:xfrm>
-            <a:off x="310380" y="2680855"/>
+            <a:off x="892311" y="2672543"/>
             <a:ext cx="4228329" cy="3894513"/>
           </a:xfrm>
           <a:prstGeom prst="rect">
